--- a/documentation/Figures.pptx
+++ b/documentation/Figures.pptx
@@ -3335,7 +3335,7 @@
         </p:nvGrpSpPr>
         <p:grpSpPr>
           <a:xfrm>
-            <a:off x="9927112" y="3543045"/>
+            <a:off x="9927112" y="4064253"/>
             <a:ext cx="1982955" cy="2672546"/>
             <a:chOff x="5186685" y="2906310"/>
             <a:chExt cx="2583514" cy="2120049"/>
@@ -3721,7 +3721,7 @@
         </p:nvGrpSpPr>
         <p:grpSpPr>
           <a:xfrm>
-            <a:off x="1073987" y="3669173"/>
+            <a:off x="1073987" y="4190381"/>
             <a:ext cx="1521825" cy="2484322"/>
             <a:chOff x="5193436" y="2947530"/>
             <a:chExt cx="1777600" cy="2484322"/>
@@ -4038,10 +4038,10 @@
         </p:nvGrpSpPr>
         <p:grpSpPr>
           <a:xfrm>
-            <a:off x="7131762" y="782319"/>
-            <a:ext cx="2515390" cy="3693110"/>
+            <a:off x="6656274" y="1157223"/>
+            <a:ext cx="2614753" cy="3693110"/>
             <a:chOff x="5193436" y="1748901"/>
-            <a:chExt cx="2405849" cy="3693110"/>
+            <a:chExt cx="2500880" cy="3693110"/>
           </a:xfrm>
           <a:solidFill>
             <a:schemeClr val="bg1">
@@ -4057,8 +4057,8 @@
           </p:nvSpPr>
           <p:spPr>
             <a:xfrm>
-              <a:off x="6517324" y="5054700"/>
-              <a:ext cx="699399" cy="369332"/>
+              <a:off x="6298679" y="5054700"/>
+              <a:ext cx="1395637" cy="369332"/>
             </a:xfrm>
             <a:prstGeom prst="rect">
               <a:avLst/>
@@ -4072,10 +4072,10 @@
             <a:lstStyle/>
             <a:p>
               <a:r>
-                <a:rPr lang="de-DE" smtClean="0"/>
-                <a:t>Test.java</a:t>
-              </a:r>
-              <a:endParaRPr lang="de-DE"/>
+                <a:rPr lang="de-DE" dirty="0" smtClean="0"/>
+                <a:t>JUnitTest.java</a:t>
+              </a:r>
+              <a:endParaRPr lang="de-DE" dirty="0"/>
             </a:p>
           </p:txBody>
         </p:sp>
@@ -4300,8 +4300,8 @@
         </p:nvCxnSpPr>
         <p:spPr>
           <a:xfrm>
-            <a:off x="9647152" y="2628874"/>
-            <a:ext cx="1271438" cy="914171"/>
+            <a:off x="9171669" y="3003778"/>
+            <a:ext cx="1746921" cy="1060475"/>
           </a:xfrm>
           <a:prstGeom prst="straightConnector1">
             <a:avLst/>
@@ -4337,7 +4337,7 @@
         </p:nvGrpSpPr>
         <p:grpSpPr>
           <a:xfrm>
-            <a:off x="299378" y="4533949"/>
+            <a:off x="299378" y="5055157"/>
             <a:ext cx="813030" cy="646331"/>
             <a:chOff x="160773" y="2892307"/>
             <a:chExt cx="1259302" cy="646331"/>
@@ -4426,15 +4426,14 @@
         <p:nvCxnSpPr>
           <p:cNvPr id="32" name="Gerade Verbindung mit Pfeil 31"/>
           <p:cNvCxnSpPr>
-            <a:stCxn id="6" idx="0"/>
-            <a:endCxn id="10" idx="1"/>
+            <a:stCxn id="6" idx="3"/>
           </p:cNvCxnSpPr>
           <p:nvPr/>
         </p:nvCxnSpPr>
         <p:spPr>
           <a:xfrm flipV="1">
-            <a:off x="1805426" y="2627976"/>
-            <a:ext cx="1142929" cy="1041197"/>
+            <a:off x="2536865" y="3095648"/>
+            <a:ext cx="4119409" cy="2269564"/>
           </a:xfrm>
           <a:prstGeom prst="straightConnector1">
             <a:avLst/>
@@ -4470,7 +4469,7 @@
         </p:nvGrpSpPr>
         <p:grpSpPr>
           <a:xfrm>
-            <a:off x="2948355" y="781421"/>
+            <a:off x="1037259" y="224677"/>
             <a:ext cx="3864616" cy="3693110"/>
             <a:chOff x="4991571" y="1748901"/>
             <a:chExt cx="2740466" cy="3693110"/>
@@ -5379,8 +5378,8 @@
         </p:nvCxnSpPr>
         <p:spPr>
           <a:xfrm>
-            <a:off x="6773133" y="2627976"/>
-            <a:ext cx="358629" cy="898"/>
+            <a:off x="4862037" y="2071232"/>
+            <a:ext cx="1794237" cy="932546"/>
           </a:xfrm>
           <a:prstGeom prst="straightConnector1">
             <a:avLst/>
@@ -5419,7 +5418,7 @@
         </p:nvCxnSpPr>
         <p:spPr>
           <a:xfrm>
-            <a:off x="2536865" y="4844004"/>
+            <a:off x="2536865" y="5365212"/>
             <a:ext cx="7390247" cy="4262"/>
           </a:xfrm>
           <a:prstGeom prst="straightConnector1">
@@ -5457,7 +5456,7 @@
         </p:nvSpPr>
         <p:spPr>
           <a:xfrm>
-            <a:off x="4489991" y="4812652"/>
+            <a:off x="4489991" y="5333860"/>
             <a:ext cx="3913229" cy="646331"/>
           </a:xfrm>
           <a:prstGeom prst="rect">
@@ -5554,13 +5553,13 @@
         </p:nvSpPr>
         <p:spPr>
           <a:xfrm>
-            <a:off x="3216878" y="5750009"/>
-            <a:ext cx="1805651" cy="674510"/>
+            <a:off x="3216878" y="5878025"/>
+            <a:ext cx="1844057" cy="674510"/>
           </a:xfrm>
           <a:prstGeom prst="wedgeEllipseCallout">
             <a:avLst>
               <a:gd name="adj1" fmla="val -94551"/>
-              <a:gd name="adj2" fmla="val -110817"/>
+              <a:gd name="adj2" fmla="val -76926"/>
             </a:avLst>
           </a:prstGeom>
         </p:spPr>
@@ -5610,8 +5609,12 @@
               <a:t> </a:t>
             </a:r>
             <a:r>
-              <a:rPr lang="de-DE" dirty="0" err="1" smtClean="0"/>
-              <a:t>user</a:t>
+              <a:rPr lang="de-DE" dirty="0"/>
+              <a:t>U</a:t>
+            </a:r>
+            <a:r>
+              <a:rPr lang="de-DE" dirty="0" smtClean="0"/>
+              <a:t>ser</a:t>
             </a:r>
             <a:endParaRPr lang="de-DE" dirty="0"/>
           </a:p>
@@ -5625,13 +5628,13 @@
         </p:nvSpPr>
         <p:spPr>
           <a:xfrm>
-            <a:off x="485237" y="601204"/>
+            <a:off x="5060935" y="246888"/>
             <a:ext cx="1805651" cy="674510"/>
           </a:xfrm>
           <a:prstGeom prst="wedgeEllipseCallout">
             <a:avLst>
-              <a:gd name="adj1" fmla="val 94584"/>
-              <a:gd name="adj2" fmla="val 166748"/>
+              <a:gd name="adj1" fmla="val -72531"/>
+              <a:gd name="adj2" fmla="val 101677"/>
             </a:avLst>
           </a:prstGeom>
         </p:spPr>
@@ -5752,8 +5755,8 @@
           </a:xfrm>
           <a:prstGeom prst="wedgeEllipseCallout">
             <a:avLst>
-              <a:gd name="adj1" fmla="val 7866"/>
-              <a:gd name="adj2" fmla="val 120827"/>
+              <a:gd name="adj1" fmla="val 17009"/>
+              <a:gd name="adj2" fmla="val 170985"/>
             </a:avLst>
           </a:prstGeom>
         </p:spPr>

--- a/documentation/Figures.pptx
+++ b/documentation/Figures.pptx
@@ -6098,36 +6098,36 @@
           <a:p>
             <a:pPr algn="ctr"/>
             <a:r>
-              <a:rPr lang="de-DE" smtClean="0">
+              <a:rPr lang="de-DE" dirty="0">
                 <a:solidFill>
                   <a:schemeClr val="tx1"/>
                 </a:solidFill>
               </a:rPr>
-              <a:t>Natürlich-</a:t>
+              <a:t>Natural</a:t>
             </a:r>
           </a:p>
           <a:p>
             <a:pPr algn="ctr"/>
             <a:r>
-              <a:rPr lang="de-DE" smtClean="0">
+              <a:rPr lang="de-DE" dirty="0">
                 <a:solidFill>
                   <a:schemeClr val="tx1"/>
                 </a:solidFill>
               </a:rPr>
-              <a:t>sprachlicher</a:t>
+              <a:t>Language</a:t>
             </a:r>
           </a:p>
           <a:p>
             <a:pPr algn="ctr"/>
             <a:r>
-              <a:rPr lang="de-DE" smtClean="0">
+              <a:rPr lang="de-DE" dirty="0" smtClean="0">
                 <a:solidFill>
                   <a:schemeClr val="tx1"/>
                 </a:solidFill>
               </a:rPr>
               <a:t>Report</a:t>
             </a:r>
-            <a:endParaRPr lang="de-DE">
+            <a:endParaRPr lang="de-DE" dirty="0">
               <a:solidFill>
                 <a:schemeClr val="tx1"/>
               </a:solidFill>
@@ -6177,36 +6177,46 @@
           <a:p>
             <a:pPr algn="ctr"/>
             <a:r>
-              <a:rPr lang="de-DE" smtClean="0">
+              <a:rPr lang="de-DE" dirty="0" smtClean="0">
                 <a:solidFill>
                   <a:schemeClr val="tx1"/>
                 </a:solidFill>
               </a:rPr>
-              <a:t>Natürlich-</a:t>
-            </a:r>
+              <a:t>Natural</a:t>
+            </a:r>
+            <a:endParaRPr lang="de-DE" dirty="0" smtClean="0">
+              <a:solidFill>
+                <a:schemeClr val="tx1"/>
+              </a:solidFill>
+            </a:endParaRPr>
           </a:p>
           <a:p>
             <a:pPr algn="ctr"/>
             <a:r>
-              <a:rPr lang="de-DE" smtClean="0">
+              <a:rPr lang="de-DE" dirty="0" smtClean="0">
                 <a:solidFill>
                   <a:schemeClr val="tx1"/>
                 </a:solidFill>
               </a:rPr>
-              <a:t>sprachliche</a:t>
-            </a:r>
+              <a:t>Language</a:t>
+            </a:r>
+            <a:endParaRPr lang="de-DE" dirty="0" smtClean="0">
+              <a:solidFill>
+                <a:schemeClr val="tx1"/>
+              </a:solidFill>
+            </a:endParaRPr>
           </a:p>
           <a:p>
             <a:pPr algn="ctr"/>
             <a:r>
-              <a:rPr lang="de-DE" smtClean="0">
+              <a:rPr lang="de-DE" dirty="0" err="1" smtClean="0">
                 <a:solidFill>
                   <a:schemeClr val="tx1"/>
                 </a:solidFill>
               </a:rPr>
-              <a:t>Anweisungen</a:t>
-            </a:r>
-            <a:endParaRPr lang="de-DE">
+              <a:t>Instructions</a:t>
+            </a:r>
+            <a:endParaRPr lang="de-DE" dirty="0">
               <a:solidFill>
                 <a:schemeClr val="tx1"/>
               </a:solidFill>
@@ -6392,14 +6402,14 @@
           <a:p>
             <a:pPr algn="ctr"/>
             <a:r>
-              <a:rPr lang="de-DE" smtClean="0">
+              <a:rPr lang="de-DE" dirty="0" smtClean="0">
                 <a:solidFill>
                   <a:schemeClr val="tx1"/>
                 </a:solidFill>
               </a:rPr>
-              <a:t>Testdaten</a:t>
-            </a:r>
-            <a:endParaRPr lang="de-DE">
+              <a:t>Test Data</a:t>
+            </a:r>
+            <a:endParaRPr lang="de-DE" dirty="0">
               <a:solidFill>
                 <a:schemeClr val="tx1"/>
               </a:solidFill>
@@ -6691,7 +6701,7 @@
         </p:nvSpPr>
         <p:spPr>
           <a:xfrm>
-            <a:off x="7360664" y="6461285"/>
+            <a:off x="7616696" y="6461285"/>
             <a:ext cx="710451" cy="369332"/>
           </a:xfrm>
           <a:prstGeom prst="rect">

--- a/documentation/Figures.pptx
+++ b/documentation/Figures.pptx
@@ -21477,121 +21477,12 @@
             <a:lstStyle/>
             <a:p>
               <a:r>
-                <a:rPr lang="de-DE" sz="1000" b="1">
-                  <a:solidFill>
-                    <a:schemeClr val="tx1"/>
-                  </a:solidFill>
-                </a:rPr>
-                <a:t>Behaviour:</a:t>
-              </a:r>
-              <a:r>
-                <a:rPr lang="de-DE" sz="1000">
-                  <a:solidFill>
-                    <a:schemeClr val="tx1"/>
-                  </a:solidFill>
-                </a:rPr>
-                <a:t> Data Input</a:t>
-              </a:r>
-            </a:p>
-            <a:p>
-              <a:endParaRPr lang="de-DE" sz="1000">
-                <a:solidFill>
-                  <a:schemeClr val="tx1"/>
-                </a:solidFill>
-              </a:endParaRPr>
-            </a:p>
-            <a:p>
-              <a:endParaRPr lang="de-DE" sz="1000">
-                <a:solidFill>
-                  <a:schemeClr val="tx1"/>
-                </a:solidFill>
-              </a:endParaRPr>
-            </a:p>
-            <a:p>
-              <a:r>
-                <a:rPr lang="de-DE" sz="1000" b="1">
-                  <a:solidFill>
-                    <a:srgbClr val="00B050"/>
-                  </a:solidFill>
-                </a:rPr>
-                <a:t>XXID:</a:t>
-              </a:r>
-              <a:r>
-                <a:rPr lang="de-DE" sz="1000">
-                  <a:solidFill>
-                    <a:srgbClr val="00B050"/>
-                  </a:solidFill>
-                </a:rPr>
-                <a:t> Create new member</a:t>
-              </a:r>
-            </a:p>
-            <a:p>
-              <a:endParaRPr lang="de-DE" sz="1000">
-                <a:solidFill>
-                  <a:schemeClr val="tx1"/>
-                </a:solidFill>
-              </a:endParaRPr>
-            </a:p>
-            <a:p>
-              <a:r>
-                <a:rPr lang="de-DE" sz="1000">
-                  <a:solidFill>
-                    <a:schemeClr val="tx1"/>
-                  </a:solidFill>
-                </a:rPr>
-                <a:t>1. Main menu item „</a:t>
-              </a:r>
-              <a:r>
-                <a:rPr lang="de-DE" sz="1000" b="1">
-                  <a:solidFill>
-                    <a:schemeClr val="tx1"/>
-                  </a:solidFill>
-                </a:rPr>
-                <a:t>Members</a:t>
-              </a:r>
-              <a:r>
-                <a:rPr lang="de-DE" sz="1000">
-                  <a:solidFill>
-                    <a:schemeClr val="tx1"/>
-                  </a:solidFill>
-                </a:rPr>
-                <a:t>“ clicked.</a:t>
-              </a:r>
-            </a:p>
-            <a:p>
-              <a:r>
-                <a:rPr lang="de-DE" sz="1000">
-                  <a:solidFill>
-                    <a:schemeClr val="tx1"/>
-                  </a:solidFill>
-                </a:rPr>
-                <a:t>2. Button </a:t>
-              </a:r>
-              <a:r>
-                <a:rPr lang="de-DE" sz="1000" b="1">
-                  <a:solidFill>
-                    <a:schemeClr val="tx1"/>
-                  </a:solidFill>
-                </a:rPr>
-                <a:t>New Member</a:t>
-              </a:r>
-              <a:r>
-                <a:rPr lang="de-DE" sz="1000">
-                  <a:solidFill>
-                    <a:schemeClr val="tx1"/>
-                  </a:solidFill>
-                </a:rPr>
-                <a:t> clicked.</a:t>
-              </a:r>
-            </a:p>
-            <a:p>
-              <a:r>
-                <a:rPr lang="de-DE" sz="1000">
-                  <a:solidFill>
-                    <a:schemeClr val="tx1"/>
-                  </a:solidFill>
-                </a:rPr>
-                <a:t>3. Value </a:t>
+                <a:rPr lang="de-DE" sz="1000" b="1" dirty="0" err="1">
+                  <a:solidFill>
+                    <a:schemeClr val="tx1"/>
+                  </a:solidFill>
+                </a:rPr>
+                <a:t>Behaviour</a:t>
               </a:r>
               <a:r>
                 <a:rPr lang="de-DE" sz="1000" b="1" dirty="0">
@@ -21599,7 +21490,7 @@
                     <a:schemeClr val="tx1"/>
                   </a:solidFill>
                 </a:rPr>
-                <a:t>Bob</a:t>
+                <a:t>:</a:t>
               </a:r>
               <a:r>
                 <a:rPr lang="de-DE" sz="1000" dirty="0">
@@ -21610,227 +21501,20 @@
                 <a:t> </a:t>
               </a:r>
               <a:r>
+                <a:rPr lang="de-DE" sz="1000" dirty="0">
+                  <a:solidFill>
+                    <a:schemeClr val="tx1"/>
+                  </a:solidFill>
+                </a:rPr>
+                <a:t>Manage </a:t>
+              </a:r>
+              <a:r>
                 <a:rPr lang="de-DE" sz="1000" dirty="0" err="1">
                   <a:solidFill>
                     <a:schemeClr val="tx1"/>
                   </a:solidFill>
                 </a:rPr>
-                <a:t>entered</a:t>
-              </a:r>
-              <a:r>
-                <a:rPr lang="de-DE" sz="1000" dirty="0">
-                  <a:solidFill>
-                    <a:schemeClr val="tx1"/>
-                  </a:solidFill>
-                </a:rPr>
-                <a:t> </a:t>
-              </a:r>
-              <a:r>
-                <a:rPr lang="de-DE" sz="1000" dirty="0" err="1">
-                  <a:solidFill>
-                    <a:schemeClr val="tx1"/>
-                  </a:solidFill>
-                </a:rPr>
-                <a:t>into</a:t>
-              </a:r>
-              <a:r>
-                <a:rPr lang="de-DE" sz="1000" dirty="0">
-                  <a:solidFill>
-                    <a:schemeClr val="tx1"/>
-                  </a:solidFill>
-                </a:rPr>
-                <a:t> </a:t>
-              </a:r>
-              <a:r>
-                <a:rPr lang="de-DE" sz="1000" dirty="0" err="1">
-                  <a:solidFill>
-                    <a:schemeClr val="tx1"/>
-                  </a:solidFill>
-                </a:rPr>
-                <a:t>field</a:t>
-              </a:r>
-              <a:r>
-                <a:rPr lang="de-DE" sz="1000" dirty="0">
-                  <a:solidFill>
-                    <a:schemeClr val="tx1"/>
-                  </a:solidFill>
-                </a:rPr>
-                <a:t> „</a:t>
-              </a:r>
-              <a:r>
-                <a:rPr lang="de-DE" sz="1000" b="1" dirty="0">
-                  <a:solidFill>
-                    <a:schemeClr val="tx1"/>
-                  </a:solidFill>
-                </a:rPr>
-                <a:t>Name</a:t>
-              </a:r>
-              <a:r>
-                <a:rPr lang="de-DE" sz="1000" dirty="0">
-                  <a:solidFill>
-                    <a:schemeClr val="tx1"/>
-                  </a:solidFill>
-                </a:rPr>
-                <a:t>“.</a:t>
-              </a:r>
-            </a:p>
-            <a:p>
-              <a:r>
-                <a:rPr lang="de-DE" sz="1000">
-                  <a:solidFill>
-                    <a:schemeClr val="tx1"/>
-                  </a:solidFill>
-                </a:rPr>
-                <a:t>4. Value </a:t>
-              </a:r>
-              <a:r>
-                <a:rPr lang="de-DE" sz="1000" b="1" dirty="0">
-                  <a:solidFill>
-                    <a:schemeClr val="tx1"/>
-                  </a:solidFill>
-                </a:rPr>
-                <a:t>30</a:t>
-              </a:r>
-              <a:r>
-                <a:rPr lang="de-DE" sz="1000" dirty="0">
-                  <a:solidFill>
-                    <a:schemeClr val="tx1"/>
-                  </a:solidFill>
-                </a:rPr>
-                <a:t> </a:t>
-              </a:r>
-              <a:r>
-                <a:rPr lang="de-DE" sz="1000" dirty="0" err="1">
-                  <a:solidFill>
-                    <a:schemeClr val="tx1"/>
-                  </a:solidFill>
-                </a:rPr>
-                <a:t>entered</a:t>
-              </a:r>
-              <a:r>
-                <a:rPr lang="de-DE" sz="1000" dirty="0">
-                  <a:solidFill>
-                    <a:schemeClr val="tx1"/>
-                  </a:solidFill>
-                </a:rPr>
-                <a:t> </a:t>
-              </a:r>
-              <a:r>
-                <a:rPr lang="de-DE" sz="1000" dirty="0" err="1">
-                  <a:solidFill>
-                    <a:schemeClr val="tx1"/>
-                  </a:solidFill>
-                </a:rPr>
-                <a:t>into</a:t>
-              </a:r>
-              <a:r>
-                <a:rPr lang="de-DE" sz="1000" dirty="0">
-                  <a:solidFill>
-                    <a:schemeClr val="tx1"/>
-                  </a:solidFill>
-                </a:rPr>
-                <a:t> </a:t>
-              </a:r>
-              <a:r>
-                <a:rPr lang="de-DE" sz="1000" dirty="0" err="1">
-                  <a:solidFill>
-                    <a:schemeClr val="tx1"/>
-                  </a:solidFill>
-                </a:rPr>
-                <a:t>field</a:t>
-              </a:r>
-              <a:r>
-                <a:rPr lang="de-DE" sz="1000" dirty="0">
-                  <a:solidFill>
-                    <a:schemeClr val="tx1"/>
-                  </a:solidFill>
-                </a:rPr>
-                <a:t> „</a:t>
-              </a:r>
-              <a:r>
-                <a:rPr lang="de-DE" sz="1000" b="1" dirty="0">
-                  <a:solidFill>
-                    <a:schemeClr val="tx1"/>
-                  </a:solidFill>
-                </a:rPr>
-                <a:t>Age</a:t>
-              </a:r>
-              <a:r>
-                <a:rPr lang="de-DE" sz="1000" dirty="0">
-                  <a:solidFill>
-                    <a:schemeClr val="tx1"/>
-                  </a:solidFill>
-                </a:rPr>
-                <a:t>“.</a:t>
-              </a:r>
-            </a:p>
-            <a:p>
-              <a:r>
-                <a:rPr lang="de-DE" sz="1000">
-                  <a:solidFill>
-                    <a:schemeClr val="tx1"/>
-                  </a:solidFill>
-                </a:rPr>
-                <a:t>5. Button </a:t>
-              </a:r>
-              <a:r>
-                <a:rPr lang="de-DE" sz="1000" b="1">
-                  <a:solidFill>
-                    <a:schemeClr val="tx1"/>
-                  </a:solidFill>
-                </a:rPr>
-                <a:t>OK</a:t>
-              </a:r>
-              <a:r>
-                <a:rPr lang="de-DE" sz="1000">
-                  <a:solidFill>
-                    <a:schemeClr val="tx1"/>
-                  </a:solidFill>
-                </a:rPr>
-                <a:t> clicked</a:t>
-              </a:r>
-              <a:r>
-                <a:rPr lang="de-DE" sz="1000" dirty="0">
-                  <a:solidFill>
-                    <a:schemeClr val="tx1"/>
-                  </a:solidFill>
-                </a:rPr>
-                <a:t>.</a:t>
-              </a:r>
-            </a:p>
-            <a:p>
-              <a:r>
-                <a:rPr lang="de-DE" sz="1000">
-                  <a:solidFill>
-                    <a:schemeClr val="tx1"/>
-                  </a:solidFill>
-                </a:rPr>
-                <a:t>6. Is a new person displayed? – </a:t>
-              </a:r>
-              <a:r>
-                <a:rPr lang="de-DE" sz="1000" b="1">
-                  <a:solidFill>
-                    <a:srgbClr val="00B050"/>
-                  </a:solidFill>
-                </a:rPr>
-                <a:t>Yes! </a:t>
-              </a:r>
-              <a:r>
-                <a:rPr lang="de-DE" sz="1000" b="1">
-                  <a:solidFill>
-                    <a:srgbClr val="00B050"/>
-                  </a:solidFill>
-                  <a:sym typeface="Wingdings" panose="05000000000000000000" pitchFamily="2" charset="2"/>
-                </a:rPr>
-                <a:t></a:t>
-              </a:r>
-              <a:r>
-                <a:rPr lang="de-DE" sz="1000">
-                  <a:solidFill>
-                    <a:schemeClr val="tx1"/>
-                  </a:solidFill>
-                </a:rPr>
-                <a:t> </a:t>
+                <a:t>members</a:t>
               </a:r>
               <a:endParaRPr lang="de-DE" sz="1000" dirty="0">
                 <a:solidFill>
@@ -21839,32 +21523,14 @@
               </a:endParaRPr>
             </a:p>
             <a:p>
-              <a:endParaRPr lang="de-DE" sz="1000">
+              <a:endParaRPr lang="de-DE" sz="1000" dirty="0">
                 <a:solidFill>
                   <a:schemeClr val="tx1"/>
                 </a:solidFill>
               </a:endParaRPr>
             </a:p>
             <a:p>
-              <a:r>
-                <a:rPr lang="de-DE" sz="1000" b="1">
-                  <a:solidFill>
-                    <a:srgbClr val="00B050"/>
-                  </a:solidFill>
-                </a:rPr>
-                <a:t>XXID:</a:t>
-              </a:r>
-              <a:r>
-                <a:rPr lang="de-DE" sz="1000">
-                  <a:solidFill>
-                    <a:srgbClr val="00B050"/>
-                  </a:solidFill>
-                </a:rPr>
-                <a:t> Modify existing member</a:t>
-              </a:r>
-            </a:p>
-            <a:p>
-              <a:endParaRPr lang="de-DE" sz="1000">
+              <a:endParaRPr lang="de-DE" sz="1000" dirty="0">
                 <a:solidFill>
                   <a:schemeClr val="tx1"/>
                 </a:solidFill>
@@ -21872,262 +21538,481 @@
             </a:p>
             <a:p>
               <a:r>
-                <a:rPr lang="de-DE" sz="1000">
-                  <a:solidFill>
-                    <a:schemeClr val="tx1"/>
-                  </a:solidFill>
-                </a:rPr>
-                <a:t>1. Main menu item „</a:t>
-              </a:r>
-              <a:r>
-                <a:rPr lang="de-DE" sz="1000" b="1">
-                  <a:solidFill>
-                    <a:schemeClr val="tx1"/>
-                  </a:solidFill>
-                </a:rPr>
-                <a:t>Members</a:t>
-              </a:r>
-              <a:r>
-                <a:rPr lang="de-DE" sz="1000">
-                  <a:solidFill>
-                    <a:schemeClr val="tx1"/>
-                  </a:solidFill>
-                </a:rPr>
-                <a:t>“ clicked.</a:t>
-              </a:r>
-            </a:p>
-            <a:p>
-              <a:r>
-                <a:rPr lang="de-DE" sz="1000">
-                  <a:solidFill>
-                    <a:schemeClr val="tx1"/>
-                  </a:solidFill>
-                </a:rPr>
-                <a:t>2. Member </a:t>
-              </a:r>
-              <a:r>
-                <a:rPr lang="de-DE" sz="1000" b="1">
-                  <a:solidFill>
-                    <a:schemeClr val="tx1"/>
-                  </a:solidFill>
-                </a:rPr>
-                <a:t>Bob</a:t>
-              </a:r>
-              <a:r>
-                <a:rPr lang="de-DE" sz="1000">
-                  <a:solidFill>
-                    <a:schemeClr val="tx1"/>
-                  </a:solidFill>
-                </a:rPr>
-                <a:t> selected in member list..</a:t>
-              </a:r>
-            </a:p>
-            <a:p>
-              <a:r>
-                <a:rPr lang="de-DE" sz="1000">
-                  <a:solidFill>
-                    <a:schemeClr val="tx1"/>
-                  </a:solidFill>
-                </a:rPr>
-                <a:t>3. Age of selected member (30) stored </a:t>
-              </a:r>
-              <a:r>
-                <a:rPr lang="de-DE" sz="1000" b="1">
-                  <a:solidFill>
-                    <a:schemeClr val="tx1"/>
-                  </a:solidFill>
-                </a:rPr>
-                <a:t>OldAge</a:t>
-              </a:r>
-              <a:r>
-                <a:rPr lang="de-DE" sz="1000">
-                  <a:solidFill>
-                    <a:schemeClr val="tx1"/>
-                  </a:solidFill>
-                </a:rPr>
-                <a:t>.</a:t>
-              </a:r>
-            </a:p>
-            <a:p>
-              <a:r>
-                <a:rPr lang="de-DE" sz="1000">
-                  <a:solidFill>
-                    <a:schemeClr val="tx1"/>
-                  </a:solidFill>
-                </a:rPr>
-                <a:t>4. Button </a:t>
-              </a:r>
-              <a:r>
-                <a:rPr lang="de-DE" sz="1000" b="1">
-                  <a:solidFill>
-                    <a:schemeClr val="tx1"/>
-                  </a:solidFill>
-                </a:rPr>
-                <a:t>Edit</a:t>
-              </a:r>
-              <a:r>
-                <a:rPr lang="de-DE" sz="1000">
-                  <a:solidFill>
-                    <a:schemeClr val="tx1"/>
-                  </a:solidFill>
-                </a:rPr>
-                <a:t> clicked. </a:t>
-              </a:r>
-            </a:p>
-            <a:p>
-              <a:r>
-                <a:rPr lang="de-DE" sz="1000">
-                  <a:solidFill>
-                    <a:schemeClr val="tx1"/>
-                  </a:solidFill>
-                </a:rPr>
-                <a:t>5. Value 29 entered into field „</a:t>
-              </a:r>
-              <a:r>
-                <a:rPr lang="de-DE" sz="1000" b="1">
-                  <a:solidFill>
-                    <a:schemeClr val="tx1"/>
-                  </a:solidFill>
-                </a:rPr>
-                <a:t>Age</a:t>
-              </a:r>
-              <a:r>
-                <a:rPr lang="de-DE" sz="1000">
-                  <a:solidFill>
-                    <a:schemeClr val="tx1"/>
-                  </a:solidFill>
-                </a:rPr>
-                <a:t>“.</a:t>
-              </a:r>
-            </a:p>
-            <a:p>
-              <a:r>
-                <a:rPr lang="de-DE" sz="1000">
-                  <a:solidFill>
-                    <a:schemeClr val="tx1"/>
-                  </a:solidFill>
-                </a:rPr>
-                <a:t>6. Button </a:t>
-              </a:r>
-              <a:r>
-                <a:rPr lang="de-DE" sz="1000" b="1">
-                  <a:solidFill>
-                    <a:schemeClr val="tx1"/>
-                  </a:solidFill>
-                </a:rPr>
-                <a:t>OK</a:t>
-              </a:r>
-              <a:r>
-                <a:rPr lang="de-DE" sz="1000">
-                  <a:solidFill>
-                    <a:schemeClr val="tx1"/>
-                  </a:solidFill>
-                </a:rPr>
-                <a:t> has been clicked.</a:t>
-              </a:r>
-            </a:p>
-            <a:p>
-              <a:r>
-                <a:rPr lang="de-DE" sz="1000">
-                  <a:solidFill>
-                    <a:schemeClr val="tx1"/>
-                  </a:solidFill>
-                </a:rPr>
-                <a:t>7. Age of selected member (29) stored </a:t>
-              </a:r>
-              <a:r>
-                <a:rPr lang="de-DE" sz="1000" b="1">
-                  <a:solidFill>
-                    <a:schemeClr val="tx1"/>
-                  </a:solidFill>
-                </a:rPr>
-                <a:t>OldAge</a:t>
-              </a:r>
-              <a:r>
-                <a:rPr lang="de-DE" sz="1000">
-                  <a:solidFill>
-                    <a:schemeClr val="tx1"/>
-                  </a:solidFill>
-                </a:rPr>
-                <a:t>.</a:t>
-              </a:r>
-            </a:p>
-            <a:p>
-              <a:r>
-                <a:rPr lang="de-DE" sz="1000">
-                  <a:solidFill>
-                    <a:schemeClr val="tx1"/>
-                  </a:solidFill>
-                </a:rPr>
-                <a:t>8. Do </a:t>
-              </a:r>
-              <a:r>
-                <a:rPr lang="de-DE" sz="1000" b="1">
-                  <a:solidFill>
-                    <a:schemeClr val="tx1"/>
-                  </a:solidFill>
-                </a:rPr>
-                <a:t>OldAge</a:t>
-              </a:r>
-              <a:r>
-                <a:rPr lang="de-DE" sz="1000">
-                  <a:solidFill>
-                    <a:schemeClr val="tx1"/>
-                  </a:solidFill>
-                </a:rPr>
-                <a:t> and </a:t>
-              </a:r>
-              <a:r>
-                <a:rPr lang="de-DE" sz="1000" b="1">
-                  <a:solidFill>
-                    <a:schemeClr val="tx1"/>
-                  </a:solidFill>
-                </a:rPr>
-                <a:t>NewAge</a:t>
-              </a:r>
-              <a:r>
-                <a:rPr lang="de-DE" sz="1000">
-                  <a:solidFill>
-                    <a:schemeClr val="tx1"/>
-                  </a:solidFill>
-                </a:rPr>
-                <a:t> differ? – </a:t>
-              </a:r>
-              <a:r>
-                <a:rPr lang="de-DE" sz="1000" b="1">
+                <a:rPr lang="de-DE" sz="1000" b="1" dirty="0">
                   <a:solidFill>
                     <a:srgbClr val="00B050"/>
                   </a:solidFill>
                 </a:rPr>
-                <a:t>Yes! </a:t>
-              </a:r>
-              <a:r>
-                <a:rPr lang="de-DE" sz="1000" b="1">
+                <a:t>XXID:</a:t>
+              </a:r>
+              <a:r>
+                <a:rPr lang="de-DE" sz="1000" dirty="0">
                   <a:solidFill>
                     <a:srgbClr val="00B050"/>
                   </a:solidFill>
-                  <a:sym typeface="Wingdings" panose="05000000000000000000" pitchFamily="2" charset="2"/>
-                </a:rPr>
-                <a:t></a:t>
-              </a:r>
-              <a:r>
-                <a:rPr lang="de-DE" sz="1000">
-                  <a:solidFill>
-                    <a:schemeClr val="tx1"/>
+                </a:rPr>
+                <a:t> Create </a:t>
+              </a:r>
+              <a:r>
+                <a:rPr lang="de-DE" sz="1000" dirty="0" err="1">
+                  <a:solidFill>
+                    <a:srgbClr val="00B050"/>
+                  </a:solidFill>
+                </a:rPr>
+                <a:t>new</a:t>
+              </a:r>
+              <a:r>
+                <a:rPr lang="de-DE" sz="1000" dirty="0">
+                  <a:solidFill>
+                    <a:srgbClr val="00B050"/>
                   </a:solidFill>
                 </a:rPr>
                 <a:t> </a:t>
               </a:r>
-            </a:p>
-            <a:p>
-              <a:endParaRPr lang="de-DE" sz="1000">
+              <a:r>
+                <a:rPr lang="de-DE" sz="1000" dirty="0" err="1">
+                  <a:solidFill>
+                    <a:srgbClr val="00B050"/>
+                  </a:solidFill>
+                </a:rPr>
+                <a:t>member</a:t>
+              </a:r>
+              <a:endParaRPr lang="de-DE" sz="1000" dirty="0">
+                <a:solidFill>
+                  <a:srgbClr val="00B050"/>
+                </a:solidFill>
+              </a:endParaRPr>
+            </a:p>
+            <a:p>
+              <a:endParaRPr lang="de-DE" sz="1000" dirty="0">
                 <a:solidFill>
                   <a:schemeClr val="tx1"/>
                 </a:solidFill>
               </a:endParaRPr>
             </a:p>
             <a:p>
-              <a:endParaRPr lang="de-DE" sz="1000">
+              <a:r>
+                <a:rPr lang="de-DE" sz="1000" dirty="0">
+                  <a:solidFill>
+                    <a:schemeClr val="tx1"/>
+                  </a:solidFill>
+                </a:rPr>
+                <a:t>1. Main </a:t>
+              </a:r>
+              <a:r>
+                <a:rPr lang="de-DE" sz="1000" dirty="0" err="1">
+                  <a:solidFill>
+                    <a:schemeClr val="tx1"/>
+                  </a:solidFill>
+                </a:rPr>
+                <a:t>menu</a:t>
+              </a:r>
+              <a:r>
+                <a:rPr lang="de-DE" sz="1000" dirty="0">
+                  <a:solidFill>
+                    <a:schemeClr val="tx1"/>
+                  </a:solidFill>
+                </a:rPr>
+                <a:t> item „</a:t>
+              </a:r>
+              <a:r>
+                <a:rPr lang="de-DE" sz="1000" b="1" dirty="0">
+                  <a:solidFill>
+                    <a:schemeClr val="tx1"/>
+                  </a:solidFill>
+                </a:rPr>
+                <a:t>Members</a:t>
+              </a:r>
+              <a:r>
+                <a:rPr lang="de-DE" sz="1000" dirty="0">
+                  <a:solidFill>
+                    <a:schemeClr val="tx1"/>
+                  </a:solidFill>
+                </a:rPr>
+                <a:t>“ </a:t>
+              </a:r>
+              <a:r>
+                <a:rPr lang="de-DE" sz="1000" dirty="0" err="1">
+                  <a:solidFill>
+                    <a:schemeClr val="tx1"/>
+                  </a:solidFill>
+                </a:rPr>
+                <a:t>clicked</a:t>
+              </a:r>
+              <a:r>
+                <a:rPr lang="de-DE" sz="1000" dirty="0">
+                  <a:solidFill>
+                    <a:schemeClr val="tx1"/>
+                  </a:solidFill>
+                </a:rPr>
+                <a:t>.</a:t>
+              </a:r>
+            </a:p>
+            <a:p>
+              <a:r>
+                <a:rPr lang="de-DE" sz="1000" dirty="0">
+                  <a:solidFill>
+                    <a:schemeClr val="tx1"/>
+                  </a:solidFill>
+                </a:rPr>
+                <a:t>2. Button </a:t>
+              </a:r>
+              <a:r>
+                <a:rPr lang="de-DE" sz="1000" b="1" dirty="0">
+                  <a:solidFill>
+                    <a:schemeClr val="tx1"/>
+                  </a:solidFill>
+                </a:rPr>
+                <a:t>New Member</a:t>
+              </a:r>
+              <a:r>
+                <a:rPr lang="de-DE" sz="1000" dirty="0">
+                  <a:solidFill>
+                    <a:schemeClr val="tx1"/>
+                  </a:solidFill>
+                </a:rPr>
+                <a:t> </a:t>
+              </a:r>
+              <a:r>
+                <a:rPr lang="de-DE" sz="1000" dirty="0" err="1">
+                  <a:solidFill>
+                    <a:schemeClr val="tx1"/>
+                  </a:solidFill>
+                </a:rPr>
+                <a:t>clicked</a:t>
+              </a:r>
+              <a:r>
+                <a:rPr lang="de-DE" sz="1000" dirty="0">
+                  <a:solidFill>
+                    <a:schemeClr val="tx1"/>
+                  </a:solidFill>
+                </a:rPr>
+                <a:t>.</a:t>
+              </a:r>
+            </a:p>
+            <a:p>
+              <a:r>
+                <a:rPr lang="de-DE" sz="1000" dirty="0">
+                  <a:solidFill>
+                    <a:schemeClr val="tx1"/>
+                  </a:solidFill>
+                </a:rPr>
+                <a:t>3. Value </a:t>
+              </a:r>
+              <a:r>
+                <a:rPr lang="de-DE" sz="1000" b="1" dirty="0">
+                  <a:solidFill>
+                    <a:schemeClr val="tx1"/>
+                  </a:solidFill>
+                </a:rPr>
+                <a:t>Bob</a:t>
+              </a:r>
+              <a:r>
+                <a:rPr lang="de-DE" sz="1000" dirty="0">
+                  <a:solidFill>
+                    <a:schemeClr val="tx1"/>
+                  </a:solidFill>
+                </a:rPr>
+                <a:t> </a:t>
+              </a:r>
+              <a:r>
+                <a:rPr lang="de-DE" sz="1000" dirty="0" err="1">
+                  <a:solidFill>
+                    <a:schemeClr val="tx1"/>
+                  </a:solidFill>
+                </a:rPr>
+                <a:t>entered</a:t>
+              </a:r>
+              <a:r>
+                <a:rPr lang="de-DE" sz="1000" dirty="0">
+                  <a:solidFill>
+                    <a:schemeClr val="tx1"/>
+                  </a:solidFill>
+                </a:rPr>
+                <a:t> </a:t>
+              </a:r>
+              <a:r>
+                <a:rPr lang="de-DE" sz="1000" dirty="0" err="1">
+                  <a:solidFill>
+                    <a:schemeClr val="tx1"/>
+                  </a:solidFill>
+                </a:rPr>
+                <a:t>into</a:t>
+              </a:r>
+              <a:r>
+                <a:rPr lang="de-DE" sz="1000" dirty="0">
+                  <a:solidFill>
+                    <a:schemeClr val="tx1"/>
+                  </a:solidFill>
+                </a:rPr>
+                <a:t> </a:t>
+              </a:r>
+              <a:r>
+                <a:rPr lang="de-DE" sz="1000" dirty="0" err="1">
+                  <a:solidFill>
+                    <a:schemeClr val="tx1"/>
+                  </a:solidFill>
+                </a:rPr>
+                <a:t>field</a:t>
+              </a:r>
+              <a:r>
+                <a:rPr lang="de-DE" sz="1000" dirty="0">
+                  <a:solidFill>
+                    <a:schemeClr val="tx1"/>
+                  </a:solidFill>
+                </a:rPr>
+                <a:t> „</a:t>
+              </a:r>
+              <a:r>
+                <a:rPr lang="de-DE" sz="1000" b="1" dirty="0">
+                  <a:solidFill>
+                    <a:schemeClr val="tx1"/>
+                  </a:solidFill>
+                </a:rPr>
+                <a:t>Name</a:t>
+              </a:r>
+              <a:r>
+                <a:rPr lang="de-DE" sz="1000" dirty="0">
+                  <a:solidFill>
+                    <a:schemeClr val="tx1"/>
+                  </a:solidFill>
+                </a:rPr>
+                <a:t>“.</a:t>
+              </a:r>
+            </a:p>
+            <a:p>
+              <a:r>
+                <a:rPr lang="de-DE" sz="1000" dirty="0">
+                  <a:solidFill>
+                    <a:schemeClr val="tx1"/>
+                  </a:solidFill>
+                </a:rPr>
+                <a:t>4. Value </a:t>
+              </a:r>
+              <a:r>
+                <a:rPr lang="de-DE" sz="1000" b="1" dirty="0">
+                  <a:solidFill>
+                    <a:schemeClr val="tx1"/>
+                  </a:solidFill>
+                </a:rPr>
+                <a:t>30</a:t>
+              </a:r>
+              <a:r>
+                <a:rPr lang="de-DE" sz="1000" dirty="0">
+                  <a:solidFill>
+                    <a:schemeClr val="tx1"/>
+                  </a:solidFill>
+                </a:rPr>
+                <a:t> </a:t>
+              </a:r>
+              <a:r>
+                <a:rPr lang="de-DE" sz="1000" dirty="0" err="1">
+                  <a:solidFill>
+                    <a:schemeClr val="tx1"/>
+                  </a:solidFill>
+                </a:rPr>
+                <a:t>entered</a:t>
+              </a:r>
+              <a:r>
+                <a:rPr lang="de-DE" sz="1000" dirty="0">
+                  <a:solidFill>
+                    <a:schemeClr val="tx1"/>
+                  </a:solidFill>
+                </a:rPr>
+                <a:t> </a:t>
+              </a:r>
+              <a:r>
+                <a:rPr lang="de-DE" sz="1000" dirty="0" err="1">
+                  <a:solidFill>
+                    <a:schemeClr val="tx1"/>
+                  </a:solidFill>
+                </a:rPr>
+                <a:t>into</a:t>
+              </a:r>
+              <a:r>
+                <a:rPr lang="de-DE" sz="1000" dirty="0">
+                  <a:solidFill>
+                    <a:schemeClr val="tx1"/>
+                  </a:solidFill>
+                </a:rPr>
+                <a:t> </a:t>
+              </a:r>
+              <a:r>
+                <a:rPr lang="de-DE" sz="1000" dirty="0" err="1">
+                  <a:solidFill>
+                    <a:schemeClr val="tx1"/>
+                  </a:solidFill>
+                </a:rPr>
+                <a:t>field</a:t>
+              </a:r>
+              <a:r>
+                <a:rPr lang="de-DE" sz="1000" dirty="0">
+                  <a:solidFill>
+                    <a:schemeClr val="tx1"/>
+                  </a:solidFill>
+                </a:rPr>
+                <a:t> „</a:t>
+              </a:r>
+              <a:r>
+                <a:rPr lang="de-DE" sz="1000" b="1" dirty="0">
+                  <a:solidFill>
+                    <a:schemeClr val="tx1"/>
+                  </a:solidFill>
+                </a:rPr>
+                <a:t>Age</a:t>
+              </a:r>
+              <a:r>
+                <a:rPr lang="de-DE" sz="1000" dirty="0">
+                  <a:solidFill>
+                    <a:schemeClr val="tx1"/>
+                  </a:solidFill>
+                </a:rPr>
+                <a:t>“.</a:t>
+              </a:r>
+            </a:p>
+            <a:p>
+              <a:r>
+                <a:rPr lang="de-DE" sz="1000" dirty="0">
+                  <a:solidFill>
+                    <a:schemeClr val="tx1"/>
+                  </a:solidFill>
+                </a:rPr>
+                <a:t>5. Button </a:t>
+              </a:r>
+              <a:r>
+                <a:rPr lang="de-DE" sz="1000" b="1" dirty="0">
+                  <a:solidFill>
+                    <a:schemeClr val="tx1"/>
+                  </a:solidFill>
+                </a:rPr>
+                <a:t>OK</a:t>
+              </a:r>
+              <a:r>
+                <a:rPr lang="de-DE" sz="1000" dirty="0">
+                  <a:solidFill>
+                    <a:schemeClr val="tx1"/>
+                  </a:solidFill>
+                </a:rPr>
+                <a:t> </a:t>
+              </a:r>
+              <a:r>
+                <a:rPr lang="de-DE" sz="1000" dirty="0" err="1">
+                  <a:solidFill>
+                    <a:schemeClr val="tx1"/>
+                  </a:solidFill>
+                </a:rPr>
+                <a:t>clicked</a:t>
+              </a:r>
+              <a:r>
+                <a:rPr lang="de-DE" sz="1000" dirty="0">
+                  <a:solidFill>
+                    <a:schemeClr val="tx1"/>
+                  </a:solidFill>
+                </a:rPr>
+                <a:t>.</a:t>
+              </a:r>
+            </a:p>
+            <a:p>
+              <a:r>
+                <a:rPr lang="de-DE" sz="1000" dirty="0">
+                  <a:solidFill>
+                    <a:schemeClr val="tx1"/>
+                  </a:solidFill>
+                </a:rPr>
+                <a:t>6. </a:t>
+              </a:r>
+              <a:r>
+                <a:rPr lang="de-DE" sz="1000" dirty="0" err="1">
+                  <a:solidFill>
+                    <a:schemeClr val="tx1"/>
+                  </a:solidFill>
+                </a:rPr>
+                <a:t>Is</a:t>
+              </a:r>
+              <a:r>
+                <a:rPr lang="de-DE" sz="1000" dirty="0">
+                  <a:solidFill>
+                    <a:schemeClr val="tx1"/>
+                  </a:solidFill>
+                </a:rPr>
+                <a:t> a </a:t>
+              </a:r>
+              <a:r>
+                <a:rPr lang="de-DE" sz="1000" dirty="0" err="1">
+                  <a:solidFill>
+                    <a:schemeClr val="tx1"/>
+                  </a:solidFill>
+                </a:rPr>
+                <a:t>new</a:t>
+              </a:r>
+              <a:r>
+                <a:rPr lang="de-DE" sz="1000" dirty="0">
+                  <a:solidFill>
+                    <a:schemeClr val="tx1"/>
+                  </a:solidFill>
+                </a:rPr>
+                <a:t> </a:t>
+              </a:r>
+              <a:r>
+                <a:rPr lang="de-DE" sz="1000" dirty="0" err="1">
+                  <a:solidFill>
+                    <a:schemeClr val="tx1"/>
+                  </a:solidFill>
+                </a:rPr>
+                <a:t>person</a:t>
+              </a:r>
+              <a:r>
+                <a:rPr lang="de-DE" sz="1000" dirty="0">
+                  <a:solidFill>
+                    <a:schemeClr val="tx1"/>
+                  </a:solidFill>
+                </a:rPr>
+                <a:t> </a:t>
+              </a:r>
+              <a:r>
+                <a:rPr lang="de-DE" sz="1000" dirty="0" err="1">
+                  <a:solidFill>
+                    <a:schemeClr val="tx1"/>
+                  </a:solidFill>
+                </a:rPr>
+                <a:t>displayed</a:t>
+              </a:r>
+              <a:r>
+                <a:rPr lang="de-DE" sz="1000" dirty="0">
+                  <a:solidFill>
+                    <a:schemeClr val="tx1"/>
+                  </a:solidFill>
+                </a:rPr>
+                <a:t>? – </a:t>
+              </a:r>
+              <a:r>
+                <a:rPr lang="de-DE" sz="1000" b="1" dirty="0">
+                  <a:solidFill>
+                    <a:srgbClr val="00B050"/>
+                  </a:solidFill>
+                </a:rPr>
+                <a:t>Yes! </a:t>
+              </a:r>
+              <a:r>
+                <a:rPr lang="de-DE" sz="1000" b="1" dirty="0">
+                  <a:solidFill>
+                    <a:srgbClr val="00B050"/>
+                  </a:solidFill>
+                  <a:sym typeface="Wingdings" panose="05000000000000000000" pitchFamily="2" charset="2"/>
+                </a:rPr>
+                <a:t></a:t>
+              </a:r>
+              <a:r>
+                <a:rPr lang="de-DE" sz="1000" dirty="0">
+                  <a:solidFill>
+                    <a:schemeClr val="tx1"/>
+                  </a:solidFill>
+                </a:rPr>
+                <a:t> </a:t>
+              </a:r>
+            </a:p>
+            <a:p>
+              <a:endParaRPr lang="de-DE" sz="1000" dirty="0">
                 <a:solidFill>
                   <a:schemeClr val="tx1"/>
                 </a:solidFill>
@@ -22135,7 +22020,676 @@
             </a:p>
             <a:p>
               <a:r>
-                <a:rPr lang="de-DE" sz="1000">
+                <a:rPr lang="de-DE" sz="1000" b="1" dirty="0">
+                  <a:solidFill>
+                    <a:srgbClr val="00B050"/>
+                  </a:solidFill>
+                </a:rPr>
+                <a:t>XXID:</a:t>
+              </a:r>
+              <a:r>
+                <a:rPr lang="de-DE" sz="1000" dirty="0">
+                  <a:solidFill>
+                    <a:srgbClr val="00B050"/>
+                  </a:solidFill>
+                </a:rPr>
+                <a:t> Modify </a:t>
+              </a:r>
+              <a:r>
+                <a:rPr lang="de-DE" sz="1000" dirty="0" err="1">
+                  <a:solidFill>
+                    <a:srgbClr val="00B050"/>
+                  </a:solidFill>
+                </a:rPr>
+                <a:t>existing</a:t>
+              </a:r>
+              <a:r>
+                <a:rPr lang="de-DE" sz="1000" dirty="0">
+                  <a:solidFill>
+                    <a:srgbClr val="00B050"/>
+                  </a:solidFill>
+                </a:rPr>
+                <a:t> </a:t>
+              </a:r>
+              <a:r>
+                <a:rPr lang="de-DE" sz="1000" dirty="0" err="1">
+                  <a:solidFill>
+                    <a:srgbClr val="00B050"/>
+                  </a:solidFill>
+                </a:rPr>
+                <a:t>member</a:t>
+              </a:r>
+              <a:endParaRPr lang="de-DE" sz="1000" dirty="0">
+                <a:solidFill>
+                  <a:srgbClr val="00B050"/>
+                </a:solidFill>
+              </a:endParaRPr>
+            </a:p>
+            <a:p>
+              <a:endParaRPr lang="de-DE" sz="1000" dirty="0">
+                <a:solidFill>
+                  <a:schemeClr val="tx1"/>
+                </a:solidFill>
+              </a:endParaRPr>
+            </a:p>
+            <a:p>
+              <a:r>
+                <a:rPr lang="de-DE" sz="1000" dirty="0">
+                  <a:solidFill>
+                    <a:schemeClr val="tx1"/>
+                  </a:solidFill>
+                </a:rPr>
+                <a:t>1. Main </a:t>
+              </a:r>
+              <a:r>
+                <a:rPr lang="de-DE" sz="1000" dirty="0" err="1">
+                  <a:solidFill>
+                    <a:schemeClr val="tx1"/>
+                  </a:solidFill>
+                </a:rPr>
+                <a:t>menu</a:t>
+              </a:r>
+              <a:r>
+                <a:rPr lang="de-DE" sz="1000" dirty="0">
+                  <a:solidFill>
+                    <a:schemeClr val="tx1"/>
+                  </a:solidFill>
+                </a:rPr>
+                <a:t> item „</a:t>
+              </a:r>
+              <a:r>
+                <a:rPr lang="de-DE" sz="1000" b="1" dirty="0">
+                  <a:solidFill>
+                    <a:schemeClr val="tx1"/>
+                  </a:solidFill>
+                </a:rPr>
+                <a:t>Members</a:t>
+              </a:r>
+              <a:r>
+                <a:rPr lang="de-DE" sz="1000" dirty="0">
+                  <a:solidFill>
+                    <a:schemeClr val="tx1"/>
+                  </a:solidFill>
+                </a:rPr>
+                <a:t>“ </a:t>
+              </a:r>
+              <a:r>
+                <a:rPr lang="de-DE" sz="1000" dirty="0" err="1">
+                  <a:solidFill>
+                    <a:schemeClr val="tx1"/>
+                  </a:solidFill>
+                </a:rPr>
+                <a:t>clicked</a:t>
+              </a:r>
+              <a:r>
+                <a:rPr lang="de-DE" sz="1000" dirty="0">
+                  <a:solidFill>
+                    <a:schemeClr val="tx1"/>
+                  </a:solidFill>
+                </a:rPr>
+                <a:t>.</a:t>
+              </a:r>
+            </a:p>
+            <a:p>
+              <a:r>
+                <a:rPr lang="de-DE" sz="1000" dirty="0">
+                  <a:solidFill>
+                    <a:schemeClr val="tx1"/>
+                  </a:solidFill>
+                </a:rPr>
+                <a:t>2. Member </a:t>
+              </a:r>
+              <a:r>
+                <a:rPr lang="de-DE" sz="1000" b="1" dirty="0">
+                  <a:solidFill>
+                    <a:schemeClr val="tx1"/>
+                  </a:solidFill>
+                </a:rPr>
+                <a:t>Bob</a:t>
+              </a:r>
+              <a:r>
+                <a:rPr lang="de-DE" sz="1000" dirty="0">
+                  <a:solidFill>
+                    <a:schemeClr val="tx1"/>
+                  </a:solidFill>
+                </a:rPr>
+                <a:t> </a:t>
+              </a:r>
+              <a:r>
+                <a:rPr lang="de-DE" sz="1000" dirty="0" err="1">
+                  <a:solidFill>
+                    <a:schemeClr val="tx1"/>
+                  </a:solidFill>
+                </a:rPr>
+                <a:t>selected</a:t>
+              </a:r>
+              <a:r>
+                <a:rPr lang="de-DE" sz="1000" dirty="0">
+                  <a:solidFill>
+                    <a:schemeClr val="tx1"/>
+                  </a:solidFill>
+                </a:rPr>
+                <a:t> in </a:t>
+              </a:r>
+              <a:r>
+                <a:rPr lang="de-DE" sz="1000" dirty="0" err="1">
+                  <a:solidFill>
+                    <a:schemeClr val="tx1"/>
+                  </a:solidFill>
+                </a:rPr>
+                <a:t>member</a:t>
+              </a:r>
+              <a:r>
+                <a:rPr lang="de-DE" sz="1000" dirty="0">
+                  <a:solidFill>
+                    <a:schemeClr val="tx1"/>
+                  </a:solidFill>
+                </a:rPr>
+                <a:t> </a:t>
+              </a:r>
+              <a:r>
+                <a:rPr lang="de-DE" sz="1000" dirty="0" err="1">
+                  <a:solidFill>
+                    <a:schemeClr val="tx1"/>
+                  </a:solidFill>
+                </a:rPr>
+                <a:t>list</a:t>
+              </a:r>
+              <a:r>
+                <a:rPr lang="de-DE" sz="1000" dirty="0">
+                  <a:solidFill>
+                    <a:schemeClr val="tx1"/>
+                  </a:solidFill>
+                </a:rPr>
+                <a:t>..</a:t>
+              </a:r>
+            </a:p>
+            <a:p>
+              <a:r>
+                <a:rPr lang="de-DE" sz="1000" dirty="0">
+                  <a:solidFill>
+                    <a:schemeClr val="tx1"/>
+                  </a:solidFill>
+                </a:rPr>
+                <a:t>3. Age </a:t>
+              </a:r>
+              <a:r>
+                <a:rPr lang="de-DE" sz="1000" dirty="0" err="1">
+                  <a:solidFill>
+                    <a:schemeClr val="tx1"/>
+                  </a:solidFill>
+                </a:rPr>
+                <a:t>of</a:t>
+              </a:r>
+              <a:r>
+                <a:rPr lang="de-DE" sz="1000" dirty="0">
+                  <a:solidFill>
+                    <a:schemeClr val="tx1"/>
+                  </a:solidFill>
+                </a:rPr>
+                <a:t> </a:t>
+              </a:r>
+              <a:r>
+                <a:rPr lang="de-DE" sz="1000" dirty="0" err="1">
+                  <a:solidFill>
+                    <a:schemeClr val="tx1"/>
+                  </a:solidFill>
+                </a:rPr>
+                <a:t>selected</a:t>
+              </a:r>
+              <a:r>
+                <a:rPr lang="de-DE" sz="1000" dirty="0">
+                  <a:solidFill>
+                    <a:schemeClr val="tx1"/>
+                  </a:solidFill>
+                </a:rPr>
+                <a:t> </a:t>
+              </a:r>
+              <a:r>
+                <a:rPr lang="de-DE" sz="1000" dirty="0" err="1">
+                  <a:solidFill>
+                    <a:schemeClr val="tx1"/>
+                  </a:solidFill>
+                </a:rPr>
+                <a:t>member</a:t>
+              </a:r>
+              <a:r>
+                <a:rPr lang="de-DE" sz="1000" dirty="0">
+                  <a:solidFill>
+                    <a:schemeClr val="tx1"/>
+                  </a:solidFill>
+                </a:rPr>
+                <a:t> (30) </a:t>
+              </a:r>
+              <a:r>
+                <a:rPr lang="de-DE" sz="1000" dirty="0" err="1">
+                  <a:solidFill>
+                    <a:schemeClr val="tx1"/>
+                  </a:solidFill>
+                </a:rPr>
+                <a:t>stored</a:t>
+              </a:r>
+              <a:r>
+                <a:rPr lang="de-DE" sz="1000" dirty="0">
+                  <a:solidFill>
+                    <a:schemeClr val="tx1"/>
+                  </a:solidFill>
+                </a:rPr>
+                <a:t> </a:t>
+              </a:r>
+              <a:r>
+                <a:rPr lang="de-DE" sz="1000" b="1" dirty="0" err="1">
+                  <a:solidFill>
+                    <a:schemeClr val="tx1"/>
+                  </a:solidFill>
+                </a:rPr>
+                <a:t>OldAge</a:t>
+              </a:r>
+              <a:r>
+                <a:rPr lang="de-DE" sz="1000" dirty="0">
+                  <a:solidFill>
+                    <a:schemeClr val="tx1"/>
+                  </a:solidFill>
+                </a:rPr>
+                <a:t>.</a:t>
+              </a:r>
+            </a:p>
+            <a:p>
+              <a:r>
+                <a:rPr lang="de-DE" sz="1000" dirty="0">
+                  <a:solidFill>
+                    <a:schemeClr val="tx1"/>
+                  </a:solidFill>
+                </a:rPr>
+                <a:t>4. Button </a:t>
+              </a:r>
+              <a:r>
+                <a:rPr lang="de-DE" sz="1000" b="1" dirty="0">
+                  <a:solidFill>
+                    <a:schemeClr val="tx1"/>
+                  </a:solidFill>
+                </a:rPr>
+                <a:t>Edit</a:t>
+              </a:r>
+              <a:r>
+                <a:rPr lang="de-DE" sz="1000" dirty="0">
+                  <a:solidFill>
+                    <a:schemeClr val="tx1"/>
+                  </a:solidFill>
+                </a:rPr>
+                <a:t> </a:t>
+              </a:r>
+              <a:r>
+                <a:rPr lang="de-DE" sz="1000" dirty="0" err="1">
+                  <a:solidFill>
+                    <a:schemeClr val="tx1"/>
+                  </a:solidFill>
+                </a:rPr>
+                <a:t>clicked</a:t>
+              </a:r>
+              <a:r>
+                <a:rPr lang="de-DE" sz="1000" dirty="0">
+                  <a:solidFill>
+                    <a:schemeClr val="tx1"/>
+                  </a:solidFill>
+                </a:rPr>
+                <a:t>. </a:t>
+              </a:r>
+            </a:p>
+            <a:p>
+              <a:r>
+                <a:rPr lang="de-DE" sz="1000" dirty="0">
+                  <a:solidFill>
+                    <a:schemeClr val="tx1"/>
+                  </a:solidFill>
+                </a:rPr>
+                <a:t>5. Value 29 </a:t>
+              </a:r>
+              <a:r>
+                <a:rPr lang="de-DE" sz="1000" dirty="0" err="1">
+                  <a:solidFill>
+                    <a:schemeClr val="tx1"/>
+                  </a:solidFill>
+                </a:rPr>
+                <a:t>entered</a:t>
+              </a:r>
+              <a:r>
+                <a:rPr lang="de-DE" sz="1000" dirty="0">
+                  <a:solidFill>
+                    <a:schemeClr val="tx1"/>
+                  </a:solidFill>
+                </a:rPr>
+                <a:t> </a:t>
+              </a:r>
+              <a:r>
+                <a:rPr lang="de-DE" sz="1000" dirty="0" err="1">
+                  <a:solidFill>
+                    <a:schemeClr val="tx1"/>
+                  </a:solidFill>
+                </a:rPr>
+                <a:t>into</a:t>
+              </a:r>
+              <a:r>
+                <a:rPr lang="de-DE" sz="1000" dirty="0">
+                  <a:solidFill>
+                    <a:schemeClr val="tx1"/>
+                  </a:solidFill>
+                </a:rPr>
+                <a:t> </a:t>
+              </a:r>
+              <a:r>
+                <a:rPr lang="de-DE" sz="1000" dirty="0" err="1">
+                  <a:solidFill>
+                    <a:schemeClr val="tx1"/>
+                  </a:solidFill>
+                </a:rPr>
+                <a:t>field</a:t>
+              </a:r>
+              <a:r>
+                <a:rPr lang="de-DE" sz="1000" dirty="0">
+                  <a:solidFill>
+                    <a:schemeClr val="tx1"/>
+                  </a:solidFill>
+                </a:rPr>
+                <a:t> „</a:t>
+              </a:r>
+              <a:r>
+                <a:rPr lang="de-DE" sz="1000" b="1" dirty="0">
+                  <a:solidFill>
+                    <a:schemeClr val="tx1"/>
+                  </a:solidFill>
+                </a:rPr>
+                <a:t>Age</a:t>
+              </a:r>
+              <a:r>
+                <a:rPr lang="de-DE" sz="1000" dirty="0">
+                  <a:solidFill>
+                    <a:schemeClr val="tx1"/>
+                  </a:solidFill>
+                </a:rPr>
+                <a:t>“.</a:t>
+              </a:r>
+            </a:p>
+            <a:p>
+              <a:r>
+                <a:rPr lang="de-DE" sz="1000" dirty="0">
+                  <a:solidFill>
+                    <a:schemeClr val="tx1"/>
+                  </a:solidFill>
+                </a:rPr>
+                <a:t>6. Button </a:t>
+              </a:r>
+              <a:r>
+                <a:rPr lang="de-DE" sz="1000" b="1" dirty="0">
+                  <a:solidFill>
+                    <a:schemeClr val="tx1"/>
+                  </a:solidFill>
+                </a:rPr>
+                <a:t>OK</a:t>
+              </a:r>
+              <a:r>
+                <a:rPr lang="de-DE" sz="1000" dirty="0">
+                  <a:solidFill>
+                    <a:schemeClr val="tx1"/>
+                  </a:solidFill>
+                </a:rPr>
+                <a:t> </a:t>
+              </a:r>
+              <a:r>
+                <a:rPr lang="de-DE" sz="1000" dirty="0" err="1">
+                  <a:solidFill>
+                    <a:schemeClr val="tx1"/>
+                  </a:solidFill>
+                </a:rPr>
+                <a:t>has</a:t>
+              </a:r>
+              <a:r>
+                <a:rPr lang="de-DE" sz="1000" dirty="0">
+                  <a:solidFill>
+                    <a:schemeClr val="tx1"/>
+                  </a:solidFill>
+                </a:rPr>
+                <a:t> </a:t>
+              </a:r>
+              <a:r>
+                <a:rPr lang="de-DE" sz="1000" dirty="0" err="1">
+                  <a:solidFill>
+                    <a:schemeClr val="tx1"/>
+                  </a:solidFill>
+                </a:rPr>
+                <a:t>been</a:t>
+              </a:r>
+              <a:r>
+                <a:rPr lang="de-DE" sz="1000" dirty="0">
+                  <a:solidFill>
+                    <a:schemeClr val="tx1"/>
+                  </a:solidFill>
+                </a:rPr>
+                <a:t> </a:t>
+              </a:r>
+              <a:r>
+                <a:rPr lang="de-DE" sz="1000" dirty="0" err="1">
+                  <a:solidFill>
+                    <a:schemeClr val="tx1"/>
+                  </a:solidFill>
+                </a:rPr>
+                <a:t>clicked</a:t>
+              </a:r>
+              <a:r>
+                <a:rPr lang="de-DE" sz="1000" dirty="0">
+                  <a:solidFill>
+                    <a:schemeClr val="tx1"/>
+                  </a:solidFill>
+                </a:rPr>
+                <a:t>.</a:t>
+              </a:r>
+            </a:p>
+            <a:p>
+              <a:r>
+                <a:rPr lang="de-DE" sz="1000" dirty="0">
+                  <a:solidFill>
+                    <a:schemeClr val="tx1"/>
+                  </a:solidFill>
+                </a:rPr>
+                <a:t>7. Age </a:t>
+              </a:r>
+              <a:r>
+                <a:rPr lang="de-DE" sz="1000" dirty="0" err="1">
+                  <a:solidFill>
+                    <a:schemeClr val="tx1"/>
+                  </a:solidFill>
+                </a:rPr>
+                <a:t>of</a:t>
+              </a:r>
+              <a:r>
+                <a:rPr lang="de-DE" sz="1000" dirty="0">
+                  <a:solidFill>
+                    <a:schemeClr val="tx1"/>
+                  </a:solidFill>
+                </a:rPr>
+                <a:t> </a:t>
+              </a:r>
+              <a:r>
+                <a:rPr lang="de-DE" sz="1000" dirty="0" err="1">
+                  <a:solidFill>
+                    <a:schemeClr val="tx1"/>
+                  </a:solidFill>
+                </a:rPr>
+                <a:t>selected</a:t>
+              </a:r>
+              <a:r>
+                <a:rPr lang="de-DE" sz="1000" dirty="0">
+                  <a:solidFill>
+                    <a:schemeClr val="tx1"/>
+                  </a:solidFill>
+                </a:rPr>
+                <a:t> </a:t>
+              </a:r>
+              <a:r>
+                <a:rPr lang="de-DE" sz="1000" dirty="0" err="1">
+                  <a:solidFill>
+                    <a:schemeClr val="tx1"/>
+                  </a:solidFill>
+                </a:rPr>
+                <a:t>member</a:t>
+              </a:r>
+              <a:r>
+                <a:rPr lang="de-DE" sz="1000" dirty="0">
+                  <a:solidFill>
+                    <a:schemeClr val="tx1"/>
+                  </a:solidFill>
+                </a:rPr>
+                <a:t> (29) </a:t>
+              </a:r>
+              <a:r>
+                <a:rPr lang="de-DE" sz="1000" dirty="0" err="1">
+                  <a:solidFill>
+                    <a:schemeClr val="tx1"/>
+                  </a:solidFill>
+                </a:rPr>
+                <a:t>stored</a:t>
+              </a:r>
+              <a:r>
+                <a:rPr lang="de-DE" sz="1000" dirty="0">
+                  <a:solidFill>
+                    <a:schemeClr val="tx1"/>
+                  </a:solidFill>
+                </a:rPr>
+                <a:t> </a:t>
+              </a:r>
+              <a:r>
+                <a:rPr lang="de-DE" sz="1000" b="1" dirty="0" err="1">
+                  <a:solidFill>
+                    <a:schemeClr val="tx1"/>
+                  </a:solidFill>
+                </a:rPr>
+                <a:t>OldAge</a:t>
+              </a:r>
+              <a:r>
+                <a:rPr lang="de-DE" sz="1000" dirty="0">
+                  <a:solidFill>
+                    <a:schemeClr val="tx1"/>
+                  </a:solidFill>
+                </a:rPr>
+                <a:t>.</a:t>
+              </a:r>
+            </a:p>
+            <a:p>
+              <a:r>
+                <a:rPr lang="de-DE" sz="1000" dirty="0">
+                  <a:solidFill>
+                    <a:schemeClr val="tx1"/>
+                  </a:solidFill>
+                </a:rPr>
+                <a:t>8. Do </a:t>
+              </a:r>
+              <a:r>
+                <a:rPr lang="de-DE" sz="1000" b="1" dirty="0" err="1">
+                  <a:solidFill>
+                    <a:schemeClr val="tx1"/>
+                  </a:solidFill>
+                </a:rPr>
+                <a:t>OldAge</a:t>
+              </a:r>
+              <a:r>
+                <a:rPr lang="de-DE" sz="1000" dirty="0">
+                  <a:solidFill>
+                    <a:schemeClr val="tx1"/>
+                  </a:solidFill>
+                </a:rPr>
+                <a:t> </a:t>
+              </a:r>
+              <a:r>
+                <a:rPr lang="de-DE" sz="1000" dirty="0" err="1">
+                  <a:solidFill>
+                    <a:schemeClr val="tx1"/>
+                  </a:solidFill>
+                </a:rPr>
+                <a:t>and</a:t>
+              </a:r>
+              <a:r>
+                <a:rPr lang="de-DE" sz="1000" dirty="0">
+                  <a:solidFill>
+                    <a:schemeClr val="tx1"/>
+                  </a:solidFill>
+                </a:rPr>
+                <a:t> </a:t>
+              </a:r>
+              <a:r>
+                <a:rPr lang="de-DE" sz="1000" b="1" dirty="0" err="1">
+                  <a:solidFill>
+                    <a:schemeClr val="tx1"/>
+                  </a:solidFill>
+                </a:rPr>
+                <a:t>NewAge</a:t>
+              </a:r>
+              <a:r>
+                <a:rPr lang="de-DE" sz="1000" dirty="0">
+                  <a:solidFill>
+                    <a:schemeClr val="tx1"/>
+                  </a:solidFill>
+                </a:rPr>
+                <a:t> </a:t>
+              </a:r>
+              <a:r>
+                <a:rPr lang="de-DE" sz="1000" dirty="0" err="1">
+                  <a:solidFill>
+                    <a:schemeClr val="tx1"/>
+                  </a:solidFill>
+                </a:rPr>
+                <a:t>differ</a:t>
+              </a:r>
+              <a:r>
+                <a:rPr lang="de-DE" sz="1000" dirty="0">
+                  <a:solidFill>
+                    <a:schemeClr val="tx1"/>
+                  </a:solidFill>
+                </a:rPr>
+                <a:t>? – </a:t>
+              </a:r>
+              <a:r>
+                <a:rPr lang="de-DE" sz="1000" b="1" dirty="0">
+                  <a:solidFill>
+                    <a:srgbClr val="00B050"/>
+                  </a:solidFill>
+                </a:rPr>
+                <a:t>Yes! </a:t>
+              </a:r>
+              <a:r>
+                <a:rPr lang="de-DE" sz="1000" b="1" dirty="0">
+                  <a:solidFill>
+                    <a:srgbClr val="00B050"/>
+                  </a:solidFill>
+                  <a:sym typeface="Wingdings" panose="05000000000000000000" pitchFamily="2" charset="2"/>
+                </a:rPr>
+                <a:t></a:t>
+              </a:r>
+              <a:r>
+                <a:rPr lang="de-DE" sz="1000" dirty="0">
+                  <a:solidFill>
+                    <a:schemeClr val="tx1"/>
+                  </a:solidFill>
+                </a:rPr>
+                <a:t> </a:t>
+              </a:r>
+            </a:p>
+            <a:p>
+              <a:endParaRPr lang="de-DE" sz="1000" dirty="0">
+                <a:solidFill>
+                  <a:schemeClr val="tx1"/>
+                </a:solidFill>
+              </a:endParaRPr>
+            </a:p>
+            <a:p>
+              <a:endParaRPr lang="de-DE" sz="1000" dirty="0">
+                <a:solidFill>
+                  <a:schemeClr val="tx1"/>
+                </a:solidFill>
+              </a:endParaRPr>
+            </a:p>
+            <a:p>
+              <a:r>
+                <a:rPr lang="de-DE" sz="1000" dirty="0">
                   <a:solidFill>
                     <a:schemeClr val="tx1"/>
                   </a:solidFill>
@@ -22143,7 +22697,7 @@
                 <a:t>Member </a:t>
               </a:r>
               <a:r>
-                <a:rPr lang="de-DE" sz="1000" b="1">
+                <a:rPr lang="de-DE" sz="1000" b="1" dirty="0">
                   <a:solidFill>
                     <a:schemeClr val="tx1"/>
                   </a:solidFill>
@@ -22151,12 +22705,28 @@
                 <a:t>Bob</a:t>
               </a:r>
               <a:r>
-                <a:rPr lang="de-DE" sz="1000">
-                  <a:solidFill>
-                    <a:schemeClr val="tx1"/>
-                  </a:solidFill>
-                </a:rPr>
-                <a:t> deleted.</a:t>
+                <a:rPr lang="de-DE" sz="1000" dirty="0">
+                  <a:solidFill>
+                    <a:schemeClr val="tx1"/>
+                  </a:solidFill>
+                </a:rPr>
+                <a:t> </a:t>
+              </a:r>
+              <a:r>
+                <a:rPr lang="de-DE" sz="1000" dirty="0" err="1">
+                  <a:solidFill>
+                    <a:schemeClr val="tx1"/>
+                  </a:solidFill>
+                </a:rPr>
+                <a:t>deleted</a:t>
+              </a:r>
+              <a:r>
+                <a:rPr lang="de-DE" sz="1000" dirty="0">
+                  <a:solidFill>
+                    <a:schemeClr val="tx1"/>
+                  </a:solidFill>
+                </a:rPr>
+                <a:t>.</a:t>
               </a:r>
             </a:p>
             <a:p>

--- a/documentation/Figures.pptx
+++ b/documentation/Figures.pptx
@@ -5,7 +5,7 @@
     <p:sldMasterId id="2147483648" r:id="rId1"/>
   </p:sldMasterIdLst>
   <p:notesMasterIdLst>
-    <p:notesMasterId r:id="rId14"/>
+    <p:notesMasterId r:id="rId18"/>
   </p:notesMasterIdLst>
   <p:sldIdLst>
     <p:sldId id="267" r:id="rId2"/>
@@ -20,6 +20,10 @@
     <p:sldId id="269" r:id="rId11"/>
     <p:sldId id="270" r:id="rId12"/>
     <p:sldId id="271" r:id="rId13"/>
+    <p:sldId id="278" r:id="rId14"/>
+    <p:sldId id="279" r:id="rId15"/>
+    <p:sldId id="280" r:id="rId16"/>
+    <p:sldId id="281" r:id="rId17"/>
   </p:sldIdLst>
   <p:sldSz cx="12192000" cy="6858000"/>
   <p:notesSz cx="6858000" cy="9144000"/>
@@ -208,7 +212,7 @@
           <a:p>
             <a:fld id="{6F0CB9C3-760B-411B-91A2-B4F0AEC3563C}" type="datetimeFigureOut">
               <a:rPr lang="de-DE" smtClean="0"/>
-              <a:t>21.01.2019</a:t>
+              <a:t>05.02.2019</a:t>
             </a:fld>
             <a:endParaRPr lang="de-DE"/>
           </a:p>
@@ -699,7 +703,7 @@
           <a:p>
             <a:fld id="{741DBE4D-3915-4D34-B181-3D444D071C49}" type="datetimeFigureOut">
               <a:rPr lang="de-DE" smtClean="0"/>
-              <a:t>21.01.2019</a:t>
+              <a:t>05.02.2019</a:t>
             </a:fld>
             <a:endParaRPr lang="de-DE"/>
           </a:p>
@@ -869,7 +873,7 @@
           <a:p>
             <a:fld id="{741DBE4D-3915-4D34-B181-3D444D071C49}" type="datetimeFigureOut">
               <a:rPr lang="de-DE" smtClean="0"/>
-              <a:t>21.01.2019</a:t>
+              <a:t>05.02.2019</a:t>
             </a:fld>
             <a:endParaRPr lang="de-DE"/>
           </a:p>
@@ -1049,7 +1053,7 @@
           <a:p>
             <a:fld id="{741DBE4D-3915-4D34-B181-3D444D071C49}" type="datetimeFigureOut">
               <a:rPr lang="de-DE" smtClean="0"/>
-              <a:t>21.01.2019</a:t>
+              <a:t>05.02.2019</a:t>
             </a:fld>
             <a:endParaRPr lang="de-DE"/>
           </a:p>
@@ -1219,7 +1223,7 @@
           <a:p>
             <a:fld id="{741DBE4D-3915-4D34-B181-3D444D071C49}" type="datetimeFigureOut">
               <a:rPr lang="de-DE" smtClean="0"/>
-              <a:t>21.01.2019</a:t>
+              <a:t>05.02.2019</a:t>
             </a:fld>
             <a:endParaRPr lang="de-DE"/>
           </a:p>
@@ -1465,7 +1469,7 @@
           <a:p>
             <a:fld id="{741DBE4D-3915-4D34-B181-3D444D071C49}" type="datetimeFigureOut">
               <a:rPr lang="de-DE" smtClean="0"/>
-              <a:t>21.01.2019</a:t>
+              <a:t>05.02.2019</a:t>
             </a:fld>
             <a:endParaRPr lang="de-DE"/>
           </a:p>
@@ -1697,7 +1701,7 @@
           <a:p>
             <a:fld id="{741DBE4D-3915-4D34-B181-3D444D071C49}" type="datetimeFigureOut">
               <a:rPr lang="de-DE" smtClean="0"/>
-              <a:t>21.01.2019</a:t>
+              <a:t>05.02.2019</a:t>
             </a:fld>
             <a:endParaRPr lang="de-DE"/>
           </a:p>
@@ -2064,7 +2068,7 @@
           <a:p>
             <a:fld id="{741DBE4D-3915-4D34-B181-3D444D071C49}" type="datetimeFigureOut">
               <a:rPr lang="de-DE" smtClean="0"/>
-              <a:t>21.01.2019</a:t>
+              <a:t>05.02.2019</a:t>
             </a:fld>
             <a:endParaRPr lang="de-DE"/>
           </a:p>
@@ -2182,7 +2186,7 @@
           <a:p>
             <a:fld id="{741DBE4D-3915-4D34-B181-3D444D071C49}" type="datetimeFigureOut">
               <a:rPr lang="de-DE" smtClean="0"/>
-              <a:t>21.01.2019</a:t>
+              <a:t>05.02.2019</a:t>
             </a:fld>
             <a:endParaRPr lang="de-DE"/>
           </a:p>
@@ -2277,7 +2281,7 @@
           <a:p>
             <a:fld id="{741DBE4D-3915-4D34-B181-3D444D071C49}" type="datetimeFigureOut">
               <a:rPr lang="de-DE" smtClean="0"/>
-              <a:t>21.01.2019</a:t>
+              <a:t>05.02.2019</a:t>
             </a:fld>
             <a:endParaRPr lang="de-DE"/>
           </a:p>
@@ -2554,7 +2558,7 @@
           <a:p>
             <a:fld id="{741DBE4D-3915-4D34-B181-3D444D071C49}" type="datetimeFigureOut">
               <a:rPr lang="de-DE" smtClean="0"/>
-              <a:t>21.01.2019</a:t>
+              <a:t>05.02.2019</a:t>
             </a:fld>
             <a:endParaRPr lang="de-DE"/>
           </a:p>
@@ -2807,7 +2811,7 @@
           <a:p>
             <a:fld id="{741DBE4D-3915-4D34-B181-3D444D071C49}" type="datetimeFigureOut">
               <a:rPr lang="de-DE" smtClean="0"/>
-              <a:t>21.01.2019</a:t>
+              <a:t>05.02.2019</a:t>
             </a:fld>
             <a:endParaRPr lang="de-DE"/>
           </a:p>
@@ -3020,7 +3024,7 @@
           <a:p>
             <a:fld id="{741DBE4D-3915-4D34-B181-3D444D071C49}" type="datetimeFigureOut">
               <a:rPr lang="de-DE" smtClean="0"/>
-              <a:t>21.01.2019</a:t>
+              <a:t>05.02.2019</a:t>
             </a:fld>
             <a:endParaRPr lang="de-DE"/>
           </a:p>
@@ -9010,6 +9014,7845 @@
     <p:extLst>
       <p:ext uri="{BB962C8B-B14F-4D97-AF65-F5344CB8AC3E}">
         <p14:creationId xmlns:p14="http://schemas.microsoft.com/office/powerpoint/2010/main" val="3813590509"/>
+      </p:ext>
+    </p:extLst>
+  </p:cSld>
+  <p:clrMapOvr>
+    <a:masterClrMapping/>
+  </p:clrMapOvr>
+  <p:timing>
+    <p:tnLst>
+      <p:par>
+        <p:cTn id="1" dur="indefinite" restart="never" nodeType="tmRoot"/>
+      </p:par>
+    </p:tnLst>
+  </p:timing>
+</p:sld>
+</file>
+
+<file path=ppt/slides/slide13.xml><?xml version="1.0" encoding="utf-8"?>
+<p:sld xmlns:a="http://schemas.openxmlformats.org/drawingml/2006/main" xmlns:r="http://schemas.openxmlformats.org/officeDocument/2006/relationships" xmlns:p="http://schemas.openxmlformats.org/presentationml/2006/main">
+  <p:cSld>
+    <p:spTree>
+      <p:nvGrpSpPr>
+        <p:cNvPr id="1" name=""/>
+        <p:cNvGrpSpPr/>
+        <p:nvPr/>
+      </p:nvGrpSpPr>
+      <p:grpSpPr>
+        <a:xfrm>
+          <a:off x="0" y="0"/>
+          <a:ext cx="0" cy="0"/>
+          <a:chOff x="0" y="0"/>
+          <a:chExt cx="0" cy="0"/>
+        </a:xfrm>
+      </p:grpSpPr>
+      <p:sp>
+        <p:nvSpPr>
+          <p:cNvPr id="4" name="Rectangle 3"/>
+          <p:cNvSpPr txBox="1">
+            <a:spLocks noChangeArrowheads="1"/>
+          </p:cNvSpPr>
+          <p:nvPr/>
+        </p:nvSpPr>
+        <p:spPr bwMode="gray">
+          <a:xfrm>
+            <a:off x="888900" y="1366837"/>
+            <a:ext cx="7575550" cy="4762795"/>
+          </a:xfrm>
+          <a:prstGeom prst="rect">
+            <a:avLst/>
+          </a:prstGeom>
+          <a:noFill/>
+          <a:ln>
+            <a:noFill/>
+          </a:ln>
+          <a:effectLst/>
+          <a:extLst>
+            <a:ext uri="{909E8E84-426E-40DD-AFC4-6F175D3DCCD1}">
+              <a14:hiddenFill xmlns:a14="http://schemas.microsoft.com/office/drawing/2010/main">
+                <a:solidFill>
+                  <a:schemeClr val="accent1"/>
+                </a:solidFill>
+              </a14:hiddenFill>
+            </a:ext>
+            <a:ext uri="{91240B29-F687-4F45-9708-019B960494DF}">
+              <a14:hiddenLine xmlns:a14="http://schemas.microsoft.com/office/drawing/2010/main" w="9525" algn="ctr">
+                <a:solidFill>
+                  <a:schemeClr val="tx1"/>
+                </a:solidFill>
+                <a:miter lim="800000"/>
+                <a:headEnd/>
+                <a:tailEnd/>
+              </a14:hiddenLine>
+            </a:ext>
+            <a:ext uri="{AF507438-7753-43E0-B8FC-AC1667EBCBE1}">
+              <a14:hiddenEffects xmlns:a14="http://schemas.microsoft.com/office/drawing/2010/main">
+                <a:effectLst>
+                  <a:outerShdw dist="35921" dir="2700000" algn="ctr" rotWithShape="0">
+                    <a:schemeClr val="bg2"/>
+                  </a:outerShdw>
+                </a:effectLst>
+              </a14:hiddenEffects>
+            </a:ext>
+          </a:extLst>
+        </p:spPr>
+        <p:txBody>
+          <a:bodyPr vert="horz" wrap="square" lIns="0" tIns="0" rIns="0" bIns="0" numCol="1" anchor="t" anchorCtr="0" compatLnSpc="1">
+            <a:prstTxWarp prst="textNoShape">
+              <a:avLst/>
+            </a:prstTxWarp>
+          </a:bodyPr>
+          <a:lstStyle>
+            <a:lvl1pPr algn="l" rtl="0" fontAlgn="base">
+              <a:spcBef>
+                <a:spcPct val="80000"/>
+              </a:spcBef>
+              <a:spcAft>
+                <a:spcPct val="0"/>
+              </a:spcAft>
+              <a:buClr>
+                <a:schemeClr val="tx1"/>
+              </a:buClr>
+              <a:buFont typeface="Wingdings" pitchFamily="2" charset="2"/>
+              <a:defRPr sz="1600" b="1">
+                <a:solidFill>
+                  <a:srgbClr val="373D41"/>
+                </a:solidFill>
+                <a:latin typeface="+mn-lt"/>
+                <a:ea typeface="+mn-ea"/>
+                <a:cs typeface="+mn-cs"/>
+              </a:defRPr>
+            </a:lvl1pPr>
+            <a:lvl2pPr marL="180975" indent="-179388" algn="l" rtl="0" fontAlgn="base">
+              <a:spcBef>
+                <a:spcPct val="60000"/>
+              </a:spcBef>
+              <a:spcAft>
+                <a:spcPct val="0"/>
+              </a:spcAft>
+              <a:buClr>
+                <a:schemeClr val="tx1"/>
+              </a:buClr>
+              <a:buFont typeface="Wingdings" pitchFamily="2" charset="2"/>
+              <a:buChar char="§"/>
+              <a:defRPr sz="1600">
+                <a:solidFill>
+                  <a:srgbClr val="373D41"/>
+                </a:solidFill>
+                <a:latin typeface="+mn-lt"/>
+                <a:cs typeface="+mn-cs"/>
+              </a:defRPr>
+            </a:lvl2pPr>
+            <a:lvl3pPr marL="530225" indent="-169863" algn="l" rtl="0" fontAlgn="base">
+              <a:spcBef>
+                <a:spcPct val="30000"/>
+              </a:spcBef>
+              <a:spcAft>
+                <a:spcPct val="0"/>
+              </a:spcAft>
+              <a:buClr>
+                <a:schemeClr val="tx1"/>
+              </a:buClr>
+              <a:buFont typeface="Wingdings" pitchFamily="2" charset="2"/>
+              <a:buChar char="§"/>
+              <a:defRPr sz="1600">
+                <a:solidFill>
+                  <a:srgbClr val="373D41"/>
+                </a:solidFill>
+                <a:latin typeface="+mn-lt"/>
+                <a:cs typeface="+mn-cs"/>
+              </a:defRPr>
+            </a:lvl3pPr>
+            <a:lvl4pPr marL="901700" indent="-179388" algn="l" rtl="0" fontAlgn="base">
+              <a:spcBef>
+                <a:spcPct val="30000"/>
+              </a:spcBef>
+              <a:spcAft>
+                <a:spcPct val="0"/>
+              </a:spcAft>
+              <a:buClr>
+                <a:schemeClr val="tx1"/>
+              </a:buClr>
+              <a:buFont typeface="Wingdings" pitchFamily="2" charset="2"/>
+              <a:buChar char="§"/>
+              <a:defRPr sz="1600">
+                <a:solidFill>
+                  <a:srgbClr val="373D41"/>
+                </a:solidFill>
+                <a:latin typeface="+mn-lt"/>
+                <a:cs typeface="+mn-cs"/>
+              </a:defRPr>
+            </a:lvl4pPr>
+            <a:lvl5pPr marL="1268413" indent="-187325" algn="l" rtl="0" fontAlgn="base">
+              <a:spcBef>
+                <a:spcPct val="30000"/>
+              </a:spcBef>
+              <a:spcAft>
+                <a:spcPct val="0"/>
+              </a:spcAft>
+              <a:buClr>
+                <a:schemeClr val="tx1"/>
+              </a:buClr>
+              <a:buFont typeface="Wingdings" pitchFamily="2" charset="2"/>
+              <a:buChar char="§"/>
+              <a:defRPr sz="1600">
+                <a:solidFill>
+                  <a:srgbClr val="373D41"/>
+                </a:solidFill>
+                <a:latin typeface="+mn-lt"/>
+                <a:cs typeface="+mn-cs"/>
+              </a:defRPr>
+            </a:lvl5pPr>
+            <a:lvl6pPr marL="1725613" indent="-187325" algn="l" rtl="0" fontAlgn="base">
+              <a:spcBef>
+                <a:spcPct val="30000"/>
+              </a:spcBef>
+              <a:spcAft>
+                <a:spcPct val="0"/>
+              </a:spcAft>
+              <a:buClr>
+                <a:schemeClr val="tx1"/>
+              </a:buClr>
+              <a:buFont typeface="Wingdings" pitchFamily="2" charset="2"/>
+              <a:buChar char="§"/>
+              <a:defRPr sz="1600">
+                <a:solidFill>
+                  <a:srgbClr val="373D41"/>
+                </a:solidFill>
+                <a:latin typeface="+mn-lt"/>
+                <a:cs typeface="+mn-cs"/>
+              </a:defRPr>
+            </a:lvl6pPr>
+            <a:lvl7pPr marL="2182813" indent="-187325" algn="l" rtl="0" fontAlgn="base">
+              <a:spcBef>
+                <a:spcPct val="30000"/>
+              </a:spcBef>
+              <a:spcAft>
+                <a:spcPct val="0"/>
+              </a:spcAft>
+              <a:buClr>
+                <a:schemeClr val="tx1"/>
+              </a:buClr>
+              <a:buFont typeface="Wingdings" pitchFamily="2" charset="2"/>
+              <a:buChar char="§"/>
+              <a:defRPr sz="1600">
+                <a:solidFill>
+                  <a:srgbClr val="373D41"/>
+                </a:solidFill>
+                <a:latin typeface="+mn-lt"/>
+                <a:cs typeface="+mn-cs"/>
+              </a:defRPr>
+            </a:lvl7pPr>
+            <a:lvl8pPr marL="2640013" indent="-187325" algn="l" rtl="0" fontAlgn="base">
+              <a:spcBef>
+                <a:spcPct val="30000"/>
+              </a:spcBef>
+              <a:spcAft>
+                <a:spcPct val="0"/>
+              </a:spcAft>
+              <a:buClr>
+                <a:schemeClr val="tx1"/>
+              </a:buClr>
+              <a:buFont typeface="Wingdings" pitchFamily="2" charset="2"/>
+              <a:buChar char="§"/>
+              <a:defRPr sz="1600">
+                <a:solidFill>
+                  <a:srgbClr val="373D41"/>
+                </a:solidFill>
+                <a:latin typeface="+mn-lt"/>
+                <a:cs typeface="+mn-cs"/>
+              </a:defRPr>
+            </a:lvl8pPr>
+            <a:lvl9pPr marL="3097213" indent="-187325" algn="l" rtl="0" fontAlgn="base">
+              <a:spcBef>
+                <a:spcPct val="30000"/>
+              </a:spcBef>
+              <a:spcAft>
+                <a:spcPct val="0"/>
+              </a:spcAft>
+              <a:buClr>
+                <a:schemeClr val="tx1"/>
+              </a:buClr>
+              <a:buFont typeface="Wingdings" pitchFamily="2" charset="2"/>
+              <a:buChar char="§"/>
+              <a:defRPr sz="1600">
+                <a:solidFill>
+                  <a:srgbClr val="373D41"/>
+                </a:solidFill>
+                <a:latin typeface="+mn-lt"/>
+                <a:cs typeface="+mn-cs"/>
+              </a:defRPr>
+            </a:lvl9pPr>
+          </a:lstStyle>
+          <a:p>
+            <a:pPr>
+              <a:lnSpc>
+                <a:spcPts val="800"/>
+              </a:lnSpc>
+            </a:pPr>
+            <a:endParaRPr lang="de-DE" altLang="de-DE" sz="800" b="0" kern="0" dirty="0" smtClean="0"/>
+          </a:p>
+          <a:p>
+            <a:pPr>
+              <a:lnSpc>
+                <a:spcPts val="800"/>
+              </a:lnSpc>
+            </a:pPr>
+            <a:endParaRPr lang="de-DE" altLang="de-DE" sz="800" b="0" kern="0" dirty="0"/>
+          </a:p>
+          <a:p>
+            <a:pPr>
+              <a:lnSpc>
+                <a:spcPts val="800"/>
+              </a:lnSpc>
+            </a:pPr>
+            <a:endParaRPr lang="de-DE" altLang="de-DE" sz="800" b="0" kern="0" dirty="0" smtClean="0"/>
+          </a:p>
+          <a:p>
+            <a:pPr>
+              <a:lnSpc>
+                <a:spcPts val="800"/>
+              </a:lnSpc>
+            </a:pPr>
+            <a:r>
+              <a:rPr lang="de-DE" altLang="de-DE" kern="0" dirty="0" smtClean="0"/>
+              <a:t>XXID:</a:t>
+            </a:r>
+            <a:r>
+              <a:rPr lang="de-DE" altLang="de-DE" b="0" kern="0" dirty="0" smtClean="0"/>
+              <a:t> </a:t>
+            </a:r>
+            <a:r>
+              <a:rPr lang="de-DE" altLang="de-DE" b="0" kern="0" dirty="0" smtClean="0"/>
+              <a:t>Create </a:t>
+            </a:r>
+            <a:r>
+              <a:rPr lang="de-DE" altLang="de-DE" b="0" kern="0" dirty="0" err="1" smtClean="0"/>
+              <a:t>new</a:t>
+            </a:r>
+            <a:r>
+              <a:rPr lang="de-DE" altLang="de-DE" b="0" kern="0" dirty="0" smtClean="0"/>
+              <a:t> </a:t>
+            </a:r>
+            <a:r>
+              <a:rPr lang="de-DE" altLang="de-DE" b="0" kern="0" dirty="0" err="1" smtClean="0"/>
+              <a:t>order</a:t>
+            </a:r>
+            <a:endParaRPr lang="de-DE" altLang="de-DE" b="0" kern="0" dirty="0" smtClean="0"/>
+          </a:p>
+          <a:p>
+            <a:pPr>
+              <a:lnSpc>
+                <a:spcPts val="800"/>
+              </a:lnSpc>
+            </a:pPr>
+            <a:r>
+              <a:rPr lang="de-DE" altLang="de-DE" b="0" kern="0" dirty="0" err="1" smtClean="0"/>
+              <a:t>Tes</a:t>
+            </a:r>
+            <a:r>
+              <a:rPr lang="de-DE" altLang="de-DE" b="0" kern="0" dirty="0" err="1"/>
+              <a:t>t</a:t>
+            </a:r>
+            <a:r>
+              <a:rPr lang="de-DE" altLang="de-DE" b="0" kern="0" dirty="0" err="1" smtClean="0"/>
+              <a:t>Data</a:t>
+            </a:r>
+            <a:r>
+              <a:rPr lang="de-DE" altLang="de-DE" b="0" kern="0" dirty="0" smtClean="0"/>
+              <a:t>: XX10</a:t>
+            </a:r>
+            <a:endParaRPr lang="de-DE" altLang="de-DE" b="0" kern="0" dirty="0" smtClean="0"/>
+          </a:p>
+          <a:p>
+            <a:pPr>
+              <a:lnSpc>
+                <a:spcPts val="800"/>
+              </a:lnSpc>
+            </a:pPr>
+            <a:endParaRPr lang="de-DE" altLang="de-DE" sz="800" kern="0" dirty="0" smtClean="0"/>
+          </a:p>
+          <a:p>
+            <a:pPr>
+              <a:lnSpc>
+                <a:spcPts val="800"/>
+              </a:lnSpc>
+            </a:pPr>
+            <a:endParaRPr lang="de-DE" altLang="de-DE" sz="200" kern="0" dirty="0"/>
+          </a:p>
+          <a:p>
+            <a:pPr>
+              <a:lnSpc>
+                <a:spcPts val="800"/>
+              </a:lnSpc>
+            </a:pPr>
+            <a:r>
+              <a:rPr lang="de-DE" altLang="de-DE" kern="0" dirty="0" smtClean="0"/>
+              <a:t>Test-Phase</a:t>
+            </a:r>
+            <a:r>
+              <a:rPr lang="de-DE" altLang="de-DE" kern="0" dirty="0"/>
+              <a:t>:</a:t>
+            </a:r>
+            <a:r>
+              <a:rPr lang="de-DE" altLang="de-DE" b="0" kern="0" dirty="0"/>
+              <a:t> </a:t>
+            </a:r>
+            <a:r>
+              <a:rPr lang="de-DE" altLang="de-DE" b="0" kern="0" dirty="0" err="1" smtClean="0"/>
+              <a:t>Arrange</a:t>
+            </a:r>
+            <a:endParaRPr lang="de-DE" altLang="de-DE" b="0" kern="0" dirty="0"/>
+          </a:p>
+          <a:p>
+            <a:pPr>
+              <a:lnSpc>
+                <a:spcPts val="800"/>
+              </a:lnSpc>
+            </a:pPr>
+            <a:r>
+              <a:rPr lang="de-DE" altLang="de-DE" b="0" kern="0" dirty="0" smtClean="0"/>
+              <a:t>Go </a:t>
+            </a:r>
+            <a:r>
+              <a:rPr lang="de-DE" altLang="de-DE" b="0" kern="0" dirty="0" err="1" smtClean="0"/>
+              <a:t>to</a:t>
+            </a:r>
+            <a:r>
+              <a:rPr lang="de-DE" altLang="de-DE" b="0" kern="0" dirty="0" smtClean="0"/>
+              <a:t> </a:t>
+            </a:r>
+            <a:r>
+              <a:rPr lang="de-DE" altLang="de-DE" b="0" kern="0" dirty="0" err="1" smtClean="0"/>
+              <a:t>order</a:t>
+            </a:r>
+            <a:r>
+              <a:rPr lang="de-DE" altLang="de-DE" b="0" kern="0" dirty="0" smtClean="0"/>
+              <a:t> </a:t>
+            </a:r>
+            <a:r>
+              <a:rPr lang="de-DE" altLang="de-DE" b="0" kern="0" dirty="0" err="1" smtClean="0"/>
+              <a:t>management</a:t>
+            </a:r>
+            <a:r>
+              <a:rPr lang="de-DE" altLang="de-DE" b="0" kern="0" dirty="0" smtClean="0"/>
+              <a:t> </a:t>
+            </a:r>
+            <a:r>
+              <a:rPr lang="de-DE" altLang="de-DE" b="0" kern="0" dirty="0" err="1" smtClean="0"/>
+              <a:t>page</a:t>
+            </a:r>
+            <a:r>
+              <a:rPr lang="de-DE" altLang="de-DE" b="0" kern="0" dirty="0" smtClean="0"/>
+              <a:t>.</a:t>
+            </a:r>
+            <a:endParaRPr lang="de-DE" altLang="de-DE" kern="0" dirty="0"/>
+          </a:p>
+          <a:p>
+            <a:pPr>
+              <a:lnSpc>
+                <a:spcPts val="800"/>
+              </a:lnSpc>
+            </a:pPr>
+            <a:endParaRPr lang="de-DE" altLang="de-DE" sz="900" kern="0" dirty="0"/>
+          </a:p>
+          <a:p>
+            <a:pPr>
+              <a:lnSpc>
+                <a:spcPts val="800"/>
+              </a:lnSpc>
+            </a:pPr>
+            <a:r>
+              <a:rPr lang="de-DE" altLang="de-DE" kern="0" dirty="0"/>
+              <a:t>Test-Phase:</a:t>
+            </a:r>
+            <a:r>
+              <a:rPr lang="de-DE" altLang="de-DE" b="0" kern="0" dirty="0"/>
+              <a:t> Act</a:t>
+            </a:r>
+          </a:p>
+          <a:p>
+            <a:pPr>
+              <a:lnSpc>
+                <a:spcPts val="800"/>
+              </a:lnSpc>
+            </a:pPr>
+            <a:r>
+              <a:rPr lang="de-DE" altLang="de-DE" b="0" kern="0" dirty="0" smtClean="0"/>
+              <a:t>Create </a:t>
+            </a:r>
+            <a:r>
+              <a:rPr lang="de-DE" altLang="de-DE" b="0" kern="0" dirty="0" err="1" smtClean="0"/>
+              <a:t>new</a:t>
+            </a:r>
+            <a:r>
+              <a:rPr lang="de-DE" altLang="de-DE" b="0" kern="0" dirty="0" smtClean="0"/>
+              <a:t> </a:t>
+            </a:r>
+            <a:r>
+              <a:rPr lang="de-DE" altLang="de-DE" b="0" kern="0" dirty="0" err="1" smtClean="0"/>
+              <a:t>order</a:t>
+            </a:r>
+            <a:r>
+              <a:rPr lang="de-DE" altLang="de-DE" b="0" kern="0" dirty="0" smtClean="0"/>
+              <a:t>.</a:t>
+            </a:r>
+            <a:endParaRPr lang="de-DE" altLang="de-DE" kern="0" dirty="0"/>
+          </a:p>
+          <a:p>
+            <a:pPr>
+              <a:lnSpc>
+                <a:spcPts val="800"/>
+              </a:lnSpc>
+            </a:pPr>
+            <a:endParaRPr lang="de-DE" altLang="de-DE" sz="900" b="0" kern="0" dirty="0"/>
+          </a:p>
+          <a:p>
+            <a:pPr>
+              <a:lnSpc>
+                <a:spcPts val="800"/>
+              </a:lnSpc>
+            </a:pPr>
+            <a:r>
+              <a:rPr lang="de-DE" altLang="de-DE" kern="0" dirty="0"/>
+              <a:t>Test-Phase:</a:t>
+            </a:r>
+            <a:r>
+              <a:rPr lang="de-DE" altLang="de-DE" b="0" kern="0" dirty="0"/>
+              <a:t> </a:t>
+            </a:r>
+            <a:r>
+              <a:rPr lang="de-DE" altLang="de-DE" b="0" kern="0" dirty="0" err="1"/>
+              <a:t>Assert</a:t>
+            </a:r>
+            <a:endParaRPr lang="de-DE" altLang="de-DE" b="0" kern="0" dirty="0"/>
+          </a:p>
+          <a:p>
+            <a:pPr>
+              <a:lnSpc>
+                <a:spcPts val="800"/>
+              </a:lnSpc>
+            </a:pPr>
+            <a:r>
+              <a:rPr lang="de-DE" altLang="de-DE" b="0" kern="0" dirty="0" smtClean="0"/>
+              <a:t>The </a:t>
+            </a:r>
+            <a:r>
+              <a:rPr lang="de-DE" altLang="de-DE" b="0" kern="0" dirty="0" err="1" smtClean="0"/>
+              <a:t>order</a:t>
+            </a:r>
+            <a:r>
+              <a:rPr lang="de-DE" altLang="de-DE" b="0" kern="0" dirty="0" smtClean="0"/>
+              <a:t> </a:t>
+            </a:r>
+            <a:r>
+              <a:rPr lang="de-DE" altLang="de-DE" b="0" kern="0" dirty="0" err="1" smtClean="0"/>
+              <a:t>overview</a:t>
+            </a:r>
+            <a:r>
+              <a:rPr lang="de-DE" altLang="de-DE" b="0" kern="0" dirty="0" smtClean="0"/>
+              <a:t> </a:t>
+            </a:r>
+            <a:r>
+              <a:rPr lang="de-DE" altLang="de-DE" b="0" kern="0" dirty="0" err="1" smtClean="0"/>
+              <a:t>table</a:t>
+            </a:r>
+            <a:r>
+              <a:rPr lang="de-DE" altLang="de-DE" b="0" kern="0" dirty="0" smtClean="0"/>
+              <a:t> </a:t>
+            </a:r>
+            <a:r>
+              <a:rPr lang="de-DE" altLang="de-DE" b="0" kern="0" dirty="0" err="1" smtClean="0"/>
+              <a:t>contains</a:t>
+            </a:r>
+            <a:r>
+              <a:rPr lang="de-DE" altLang="de-DE" b="0" kern="0" dirty="0" smtClean="0"/>
+              <a:t> a </a:t>
+            </a:r>
+            <a:r>
+              <a:rPr lang="de-DE" altLang="de-DE" b="0" kern="0" dirty="0" err="1" smtClean="0"/>
+              <a:t>new</a:t>
+            </a:r>
+            <a:r>
+              <a:rPr lang="de-DE" altLang="de-DE" b="0" kern="0" dirty="0" smtClean="0"/>
+              <a:t> </a:t>
+            </a:r>
+            <a:r>
+              <a:rPr lang="de-DE" altLang="de-DE" b="0" kern="0" dirty="0" err="1" smtClean="0"/>
+              <a:t>entry</a:t>
+            </a:r>
+            <a:r>
+              <a:rPr lang="de-DE" altLang="de-DE" b="0" kern="0" dirty="0" smtClean="0"/>
+              <a:t>.</a:t>
+            </a:r>
+            <a:endParaRPr lang="de-DE" altLang="de-DE" b="0" kern="0" dirty="0"/>
+          </a:p>
+          <a:p>
+            <a:pPr>
+              <a:lnSpc>
+                <a:spcPts val="800"/>
+              </a:lnSpc>
+            </a:pPr>
+            <a:endParaRPr lang="de-DE" altLang="de-DE" b="0" kern="0" dirty="0"/>
+          </a:p>
+          <a:p>
+            <a:pPr>
+              <a:lnSpc>
+                <a:spcPts val="800"/>
+              </a:lnSpc>
+            </a:pPr>
+            <a:r>
+              <a:rPr lang="de-DE" altLang="de-DE" b="0" kern="0" dirty="0" smtClean="0"/>
+              <a:t>.</a:t>
+            </a:r>
+            <a:endParaRPr lang="de-DE" altLang="de-DE" b="0" kern="0" dirty="0"/>
+          </a:p>
+          <a:p>
+            <a:pPr>
+              <a:lnSpc>
+                <a:spcPts val="800"/>
+              </a:lnSpc>
+            </a:pPr>
+            <a:endParaRPr lang="de-DE" altLang="de-DE" b="0" kern="0" dirty="0"/>
+          </a:p>
+        </p:txBody>
+      </p:sp>
+      <p:sp>
+        <p:nvSpPr>
+          <p:cNvPr id="5" name="Rechteck 4"/>
+          <p:cNvSpPr/>
+          <p:nvPr/>
+        </p:nvSpPr>
+        <p:spPr bwMode="auto">
+          <a:xfrm>
+            <a:off x="5174827" y="3580598"/>
+            <a:ext cx="3721523" cy="1511166"/>
+          </a:xfrm>
+          <a:prstGeom prst="rect">
+            <a:avLst/>
+          </a:prstGeom>
+          <a:solidFill>
+            <a:schemeClr val="bg1">
+              <a:lumMod val="85000"/>
+            </a:schemeClr>
+          </a:solidFill>
+          <a:ln w="6350" cap="flat" cmpd="sng" algn="ctr">
+            <a:solidFill>
+              <a:schemeClr val="tx1"/>
+            </a:solidFill>
+            <a:prstDash val="solid"/>
+            <a:round/>
+            <a:headEnd type="none" w="med" len="med"/>
+            <a:tailEnd type="none" w="med" len="med"/>
+          </a:ln>
+          <a:effectLst/>
+          <a:extLst/>
+        </p:spPr>
+        <p:txBody>
+          <a:bodyPr vert="horz" wrap="none" lIns="0" tIns="0" rIns="0" bIns="0" numCol="1" rtlCol="0" anchor="ctr" anchorCtr="0" compatLnSpc="1">
+            <a:prstTxWarp prst="textNoShape">
+              <a:avLst/>
+            </a:prstTxWarp>
+          </a:bodyPr>
+          <a:lstStyle/>
+          <a:p>
+            <a:pPr>
+              <a:lnSpc>
+                <a:spcPts val="800"/>
+              </a:lnSpc>
+            </a:pPr>
+            <a:endParaRPr lang="de-DE" altLang="de-DE" sz="1400" kern="0" dirty="0" smtClean="0"/>
+          </a:p>
+          <a:p>
+            <a:pPr>
+              <a:lnSpc>
+                <a:spcPts val="800"/>
+              </a:lnSpc>
+            </a:pPr>
+            <a:endParaRPr lang="de-DE" altLang="de-DE" sz="1400" kern="0" dirty="0" smtClean="0"/>
+          </a:p>
+          <a:p>
+            <a:pPr>
+              <a:lnSpc>
+                <a:spcPts val="800"/>
+              </a:lnSpc>
+            </a:pPr>
+            <a:endParaRPr lang="de-DE" altLang="de-DE" sz="1400" kern="0" dirty="0"/>
+          </a:p>
+          <a:p>
+            <a:pPr>
+              <a:lnSpc>
+                <a:spcPts val="800"/>
+              </a:lnSpc>
+            </a:pPr>
+            <a:r>
+              <a:rPr lang="de-DE" altLang="de-DE" sz="1400" b="1" kern="0" dirty="0" smtClean="0"/>
+              <a:t>Script</a:t>
+            </a:r>
+            <a:r>
+              <a:rPr lang="de-DE" altLang="de-DE" sz="1400" b="1" kern="0" dirty="0"/>
+              <a:t>: </a:t>
+            </a:r>
+            <a:r>
+              <a:rPr lang="de-DE" altLang="de-DE" sz="1400" b="1" i="1" kern="0" dirty="0" smtClean="0"/>
+              <a:t>Create </a:t>
+            </a:r>
+            <a:r>
+              <a:rPr lang="de-DE" altLang="de-DE" sz="1400" b="1" i="1" kern="0" dirty="0" err="1" smtClean="0"/>
+              <a:t>new</a:t>
+            </a:r>
+            <a:r>
+              <a:rPr lang="de-DE" altLang="de-DE" sz="1400" b="1" i="1" kern="0" dirty="0" smtClean="0"/>
+              <a:t> </a:t>
+            </a:r>
+            <a:r>
+              <a:rPr lang="de-DE" altLang="de-DE" sz="1400" b="1" i="1" kern="0" dirty="0" err="1" smtClean="0"/>
+              <a:t>order</a:t>
+            </a:r>
+            <a:endParaRPr lang="de-DE" altLang="de-DE" sz="1400" b="1" i="1" kern="0" dirty="0"/>
+          </a:p>
+          <a:p>
+            <a:pPr>
+              <a:lnSpc>
+                <a:spcPts val="800"/>
+              </a:lnSpc>
+            </a:pPr>
+            <a:endParaRPr lang="de-DE" altLang="de-DE" sz="1400" kern="0" dirty="0" smtClean="0"/>
+          </a:p>
+          <a:p>
+            <a:pPr>
+              <a:lnSpc>
+                <a:spcPts val="800"/>
+              </a:lnSpc>
+            </a:pPr>
+            <a:endParaRPr lang="de-DE" altLang="de-DE" sz="1400" kern="0" dirty="0"/>
+          </a:p>
+          <a:p>
+            <a:pPr>
+              <a:lnSpc>
+                <a:spcPts val="800"/>
+              </a:lnSpc>
+            </a:pPr>
+            <a:r>
+              <a:rPr lang="de-DE" altLang="de-DE" sz="1400" kern="0" dirty="0" smtClean="0"/>
+              <a:t>Select in </a:t>
+            </a:r>
+            <a:r>
+              <a:rPr lang="de-DE" altLang="de-DE" sz="1400" kern="0" dirty="0" err="1" smtClean="0"/>
+              <a:t>field</a:t>
+            </a:r>
+            <a:r>
+              <a:rPr lang="de-DE" altLang="de-DE" sz="1400" kern="0" dirty="0" smtClean="0"/>
+              <a:t> „</a:t>
+            </a:r>
+            <a:r>
+              <a:rPr lang="de-DE" altLang="de-DE" sz="1400" kern="0" dirty="0" smtClean="0"/>
+              <a:t>C</a:t>
+            </a:r>
+            <a:r>
+              <a:rPr lang="de-DE" altLang="de-DE" sz="1400" kern="0" dirty="0" smtClean="0"/>
+              <a:t>ustomer“ </a:t>
+            </a:r>
+            <a:r>
+              <a:rPr lang="de-DE" altLang="de-DE" sz="1400" kern="0" dirty="0" err="1" smtClean="0"/>
+              <a:t>value</a:t>
+            </a:r>
+            <a:r>
+              <a:rPr lang="de-DE" altLang="de-DE" sz="1400" kern="0" dirty="0" smtClean="0"/>
+              <a:t> „XX10:Customer“</a:t>
+            </a:r>
+          </a:p>
+          <a:p>
+            <a:pPr>
+              <a:lnSpc>
+                <a:spcPts val="800"/>
+              </a:lnSpc>
+            </a:pPr>
+            <a:endParaRPr lang="de-DE" altLang="de-DE" sz="1400" kern="0" dirty="0" smtClean="0"/>
+          </a:p>
+          <a:p>
+            <a:pPr>
+              <a:lnSpc>
+                <a:spcPts val="800"/>
+              </a:lnSpc>
+            </a:pPr>
+            <a:r>
+              <a:rPr lang="de-DE" altLang="de-DE" sz="1400" kern="0" dirty="0" smtClean="0"/>
+              <a:t>C</a:t>
+            </a:r>
+            <a:r>
+              <a:rPr lang="de-DE" altLang="de-DE" sz="1400" kern="0" dirty="0" smtClean="0"/>
+              <a:t>lick </a:t>
+            </a:r>
+            <a:r>
+              <a:rPr lang="de-DE" altLang="de-DE" sz="1400" kern="0" dirty="0" err="1"/>
+              <a:t>b</a:t>
+            </a:r>
+            <a:r>
+              <a:rPr lang="de-DE" altLang="de-DE" sz="1400" kern="0" dirty="0" err="1" smtClean="0"/>
+              <a:t>utton</a:t>
+            </a:r>
+            <a:r>
+              <a:rPr lang="de-DE" altLang="de-DE" sz="1400" kern="0" dirty="0" smtClean="0"/>
+              <a:t> </a:t>
+            </a:r>
+            <a:r>
+              <a:rPr lang="de-DE" altLang="de-DE" sz="1400" kern="0" dirty="0"/>
+              <a:t>“</a:t>
+            </a:r>
+            <a:r>
+              <a:rPr lang="de-DE" altLang="de-DE" sz="1400" kern="0" dirty="0" smtClean="0"/>
+              <a:t>New“</a:t>
+            </a:r>
+            <a:endParaRPr lang="de-DE" altLang="de-DE" sz="1400" kern="0" dirty="0" smtClean="0"/>
+          </a:p>
+          <a:p>
+            <a:pPr>
+              <a:lnSpc>
+                <a:spcPts val="800"/>
+              </a:lnSpc>
+            </a:pPr>
+            <a:r>
+              <a:rPr lang="de-DE" altLang="de-DE" sz="1400" kern="0" dirty="0" smtClean="0"/>
+              <a:t>.</a:t>
+            </a:r>
+            <a:endParaRPr lang="de-DE" altLang="de-DE" sz="1400" kern="0" dirty="0"/>
+          </a:p>
+          <a:p>
+            <a:pPr>
+              <a:lnSpc>
+                <a:spcPts val="800"/>
+              </a:lnSpc>
+            </a:pPr>
+            <a:r>
+              <a:rPr lang="de-DE" altLang="de-DE" sz="1400" kern="0" dirty="0"/>
+              <a:t>Select in </a:t>
+            </a:r>
+            <a:r>
+              <a:rPr lang="de-DE" altLang="de-DE" sz="1400" kern="0" dirty="0" err="1"/>
+              <a:t>field</a:t>
+            </a:r>
+            <a:r>
+              <a:rPr lang="de-DE" altLang="de-DE" sz="1400" kern="0" dirty="0"/>
+              <a:t> “Type“ </a:t>
+            </a:r>
+            <a:r>
+              <a:rPr lang="de-DE" altLang="de-DE" sz="1400" kern="0" dirty="0" err="1"/>
+              <a:t>value</a:t>
+            </a:r>
+            <a:r>
+              <a:rPr lang="de-DE" altLang="de-DE" sz="1400" kern="0" dirty="0"/>
+              <a:t> “Standard</a:t>
+            </a:r>
+            <a:r>
+              <a:rPr lang="de-DE" altLang="de-DE" sz="1400" kern="0" dirty="0" smtClean="0"/>
+              <a:t>“.</a:t>
+            </a:r>
+            <a:endParaRPr lang="de-DE" altLang="de-DE" sz="1400" kern="0" dirty="0"/>
+          </a:p>
+          <a:p>
+            <a:pPr>
+              <a:lnSpc>
+                <a:spcPts val="800"/>
+              </a:lnSpc>
+            </a:pPr>
+            <a:endParaRPr lang="de-DE" altLang="de-DE" sz="1400" kern="0" dirty="0" smtClean="0"/>
+          </a:p>
+          <a:p>
+            <a:pPr>
+              <a:lnSpc>
+                <a:spcPts val="800"/>
+              </a:lnSpc>
+            </a:pPr>
+            <a:endParaRPr lang="de-DE" altLang="de-DE" sz="1400" kern="0" dirty="0" smtClean="0"/>
+          </a:p>
+          <a:p>
+            <a:pPr>
+              <a:lnSpc>
+                <a:spcPts val="800"/>
+              </a:lnSpc>
+            </a:pPr>
+            <a:r>
+              <a:rPr lang="de-DE" altLang="de-DE" sz="1400" kern="0" dirty="0" smtClean="0"/>
+              <a:t>…</a:t>
+            </a:r>
+            <a:endParaRPr lang="de-DE" altLang="de-DE" sz="1400" kern="0" dirty="0"/>
+          </a:p>
+          <a:p>
+            <a:pPr>
+              <a:lnSpc>
+                <a:spcPts val="800"/>
+              </a:lnSpc>
+            </a:pPr>
+            <a:endParaRPr lang="de-DE" altLang="de-DE" sz="1400" kern="0" dirty="0" smtClean="0"/>
+          </a:p>
+          <a:p>
+            <a:pPr>
+              <a:lnSpc>
+                <a:spcPts val="800"/>
+              </a:lnSpc>
+            </a:pPr>
+            <a:r>
+              <a:rPr lang="de-DE" altLang="de-DE" sz="1400" kern="0" dirty="0" smtClean="0"/>
+              <a:t>…</a:t>
+            </a:r>
+            <a:endParaRPr lang="de-DE" altLang="de-DE" sz="1400" kern="0" dirty="0"/>
+          </a:p>
+          <a:p>
+            <a:pPr>
+              <a:lnSpc>
+                <a:spcPts val="800"/>
+              </a:lnSpc>
+            </a:pPr>
+            <a:r>
+              <a:rPr lang="de-DE" altLang="de-DE" sz="1400" kern="0" dirty="0"/>
+              <a:t>C</a:t>
+            </a:r>
+            <a:r>
+              <a:rPr lang="de-DE" altLang="de-DE" sz="1400" kern="0" dirty="0" smtClean="0"/>
+              <a:t>lick </a:t>
+            </a:r>
+            <a:r>
+              <a:rPr lang="de-DE" altLang="de-DE" sz="1400" kern="0" dirty="0" err="1" smtClean="0"/>
+              <a:t>button</a:t>
+            </a:r>
+            <a:r>
+              <a:rPr lang="de-DE" altLang="de-DE" sz="1400" kern="0" dirty="0" smtClean="0"/>
+              <a:t> </a:t>
+            </a:r>
+            <a:r>
+              <a:rPr lang="de-DE" altLang="de-DE" sz="1400" kern="0" dirty="0"/>
+              <a:t>“OK“.</a:t>
+            </a:r>
+          </a:p>
+          <a:p>
+            <a:pPr>
+              <a:lnSpc>
+                <a:spcPts val="800"/>
+              </a:lnSpc>
+            </a:pPr>
+            <a:endParaRPr lang="de-DE" altLang="de-DE" sz="1400" kern="0" dirty="0"/>
+          </a:p>
+          <a:p>
+            <a:pPr>
+              <a:lnSpc>
+                <a:spcPts val="800"/>
+              </a:lnSpc>
+            </a:pPr>
+            <a:endParaRPr lang="de-DE" altLang="de-DE" sz="1400" kern="0" dirty="0"/>
+          </a:p>
+        </p:txBody>
+      </p:sp>
+      <p:sp>
+        <p:nvSpPr>
+          <p:cNvPr id="6" name="Geschweifte Klammer links 5"/>
+          <p:cNvSpPr/>
+          <p:nvPr/>
+        </p:nvSpPr>
+        <p:spPr bwMode="auto">
+          <a:xfrm rot="16200000">
+            <a:off x="2776911" y="3190753"/>
+            <a:ext cx="382742" cy="4338772"/>
+          </a:xfrm>
+          <a:prstGeom prst="leftBrace">
+            <a:avLst/>
+          </a:prstGeom>
+          <a:solidFill>
+            <a:schemeClr val="bg1"/>
+          </a:solidFill>
+          <a:ln w="6350" cap="flat" cmpd="sng" algn="ctr">
+            <a:solidFill>
+              <a:schemeClr val="tx1"/>
+            </a:solidFill>
+            <a:prstDash val="solid"/>
+            <a:round/>
+            <a:headEnd type="none" w="med" len="med"/>
+            <a:tailEnd type="none" w="med" len="med"/>
+          </a:ln>
+          <a:effectLst/>
+          <a:extLst>
+            <a:ext uri="{AF507438-7753-43E0-B8FC-AC1667EBCBE1}">
+              <a14:hiddenEffects xmlns:a14="http://schemas.microsoft.com/office/drawing/2010/main">
+                <a:effectLst>
+                  <a:outerShdw dist="35921" dir="2700000" algn="ctr" rotWithShape="0">
+                    <a:schemeClr val="bg2"/>
+                  </a:outerShdw>
+                </a:effectLst>
+              </a14:hiddenEffects>
+            </a:ext>
+          </a:extLst>
+        </p:spPr>
+        <p:txBody>
+          <a:bodyPr vert="horz" wrap="none" lIns="0" tIns="0" rIns="0" bIns="0" numCol="1" rtlCol="0" anchor="ctr" anchorCtr="0" compatLnSpc="1">
+            <a:prstTxWarp prst="textNoShape">
+              <a:avLst/>
+            </a:prstTxWarp>
+          </a:bodyPr>
+          <a:lstStyle/>
+          <a:p>
+            <a:pPr marL="0" marR="0" indent="0" algn="l" defTabSz="914400" rtl="0" eaLnBrk="1" fontAlgn="base" latinLnBrk="0" hangingPunct="1">
+              <a:lnSpc>
+                <a:spcPct val="100000"/>
+              </a:lnSpc>
+              <a:spcBef>
+                <a:spcPct val="0"/>
+              </a:spcBef>
+              <a:spcAft>
+                <a:spcPct val="0"/>
+              </a:spcAft>
+              <a:buClrTx/>
+              <a:buSzTx/>
+              <a:buFontTx/>
+              <a:buNone/>
+              <a:tabLst/>
+            </a:pPr>
+            <a:endParaRPr kumimoji="0" lang="de-DE" sz="1400" b="0" i="0" u="none" strike="noStrike" cap="none" normalizeH="0" baseline="0" smtClean="0">
+              <a:ln>
+                <a:noFill/>
+              </a:ln>
+              <a:solidFill>
+                <a:schemeClr val="tx1"/>
+              </a:solidFill>
+              <a:effectLst/>
+              <a:latin typeface="Arial" charset="0"/>
+              <a:cs typeface="Arial" charset="0"/>
+            </a:endParaRPr>
+          </a:p>
+        </p:txBody>
+      </p:sp>
+      <p:sp>
+        <p:nvSpPr>
+          <p:cNvPr id="7" name="Geschweifte Klammer links 6"/>
+          <p:cNvSpPr/>
+          <p:nvPr/>
+        </p:nvSpPr>
+        <p:spPr bwMode="auto">
+          <a:xfrm rot="16200000">
+            <a:off x="6833666" y="3509932"/>
+            <a:ext cx="403848" cy="3721521"/>
+          </a:xfrm>
+          <a:prstGeom prst="leftBrace">
+            <a:avLst/>
+          </a:prstGeom>
+          <a:solidFill>
+            <a:schemeClr val="bg1"/>
+          </a:solidFill>
+          <a:ln w="6350" cap="flat" cmpd="sng" algn="ctr">
+            <a:solidFill>
+              <a:schemeClr val="tx1"/>
+            </a:solidFill>
+            <a:prstDash val="solid"/>
+            <a:round/>
+            <a:headEnd type="none" w="med" len="med"/>
+            <a:tailEnd type="none" w="med" len="med"/>
+          </a:ln>
+          <a:effectLst/>
+          <a:extLst>
+            <a:ext uri="{AF507438-7753-43E0-B8FC-AC1667EBCBE1}">
+              <a14:hiddenEffects xmlns:a14="http://schemas.microsoft.com/office/drawing/2010/main">
+                <a:effectLst>
+                  <a:outerShdw dist="35921" dir="2700000" algn="ctr" rotWithShape="0">
+                    <a:schemeClr val="bg2"/>
+                  </a:outerShdw>
+                </a:effectLst>
+              </a14:hiddenEffects>
+            </a:ext>
+          </a:extLst>
+        </p:spPr>
+        <p:txBody>
+          <a:bodyPr vert="horz" wrap="none" lIns="0" tIns="0" rIns="0" bIns="0" numCol="1" rtlCol="0" anchor="ctr" anchorCtr="0" compatLnSpc="1">
+            <a:prstTxWarp prst="textNoShape">
+              <a:avLst/>
+            </a:prstTxWarp>
+          </a:bodyPr>
+          <a:lstStyle/>
+          <a:p>
+            <a:pPr marL="0" marR="0" indent="0" algn="l" defTabSz="914400" rtl="0" eaLnBrk="1" fontAlgn="base" latinLnBrk="0" hangingPunct="1">
+              <a:lnSpc>
+                <a:spcPct val="100000"/>
+              </a:lnSpc>
+              <a:spcBef>
+                <a:spcPct val="0"/>
+              </a:spcBef>
+              <a:spcAft>
+                <a:spcPct val="0"/>
+              </a:spcAft>
+              <a:buClrTx/>
+              <a:buSzTx/>
+              <a:buFontTx/>
+              <a:buNone/>
+              <a:tabLst/>
+            </a:pPr>
+            <a:endParaRPr kumimoji="0" lang="de-DE" sz="1400" b="0" i="0" u="none" strike="noStrike" cap="none" normalizeH="0" baseline="0" smtClean="0">
+              <a:ln>
+                <a:noFill/>
+              </a:ln>
+              <a:solidFill>
+                <a:schemeClr val="tx1"/>
+              </a:solidFill>
+              <a:effectLst/>
+              <a:latin typeface="Arial" charset="0"/>
+              <a:cs typeface="Arial" charset="0"/>
+            </a:endParaRPr>
+          </a:p>
+        </p:txBody>
+      </p:sp>
+      <p:cxnSp>
+        <p:nvCxnSpPr>
+          <p:cNvPr id="8" name="Gerade Verbindung mit Pfeil 7"/>
+          <p:cNvCxnSpPr/>
+          <p:nvPr/>
+        </p:nvCxnSpPr>
+        <p:spPr bwMode="auto">
+          <a:xfrm flipV="1">
+            <a:off x="2612005" y="4109987"/>
+            <a:ext cx="2562823" cy="3"/>
+          </a:xfrm>
+          <a:prstGeom prst="straightConnector1">
+            <a:avLst/>
+          </a:prstGeom>
+          <a:solidFill>
+            <a:schemeClr val="bg1"/>
+          </a:solidFill>
+          <a:ln w="76200" cap="flat" cmpd="sng" algn="ctr">
+            <a:solidFill>
+              <a:srgbClr val="FFC000"/>
+            </a:solidFill>
+            <a:prstDash val="solid"/>
+            <a:round/>
+            <a:headEnd type="none" w="med" len="med"/>
+            <a:tailEnd type="triangle"/>
+          </a:ln>
+          <a:effectLst/>
+          <a:extLst>
+            <a:ext uri="{AF507438-7753-43E0-B8FC-AC1667EBCBE1}">
+              <a14:hiddenEffects xmlns:a14="http://schemas.microsoft.com/office/drawing/2010/main">
+                <a:effectLst>
+                  <a:outerShdw dist="35921" dir="2700000" algn="ctr" rotWithShape="0">
+                    <a:schemeClr val="bg2"/>
+                  </a:outerShdw>
+                </a:effectLst>
+              </a14:hiddenEffects>
+            </a:ext>
+          </a:extLst>
+        </p:spPr>
+      </p:cxnSp>
+      <p:sp>
+        <p:nvSpPr>
+          <p:cNvPr id="9" name="Textfeld 8"/>
+          <p:cNvSpPr txBox="1"/>
+          <p:nvPr/>
+        </p:nvSpPr>
+        <p:spPr>
+          <a:xfrm>
+            <a:off x="1424538" y="5555776"/>
+            <a:ext cx="2800952" cy="523220"/>
+          </a:xfrm>
+          <a:prstGeom prst="rect">
+            <a:avLst/>
+          </a:prstGeom>
+          <a:noFill/>
+        </p:spPr>
+        <p:txBody>
+          <a:bodyPr wrap="square" rtlCol="0">
+            <a:spAutoFit/>
+          </a:bodyPr>
+          <a:lstStyle/>
+          <a:p>
+            <a:pPr algn="ctr"/>
+            <a:r>
+              <a:rPr lang="de-DE" b="1" dirty="0" err="1" smtClean="0">
+                <a:solidFill>
+                  <a:schemeClr val="accent1">
+                    <a:lumMod val="75000"/>
+                  </a:schemeClr>
+                </a:solidFill>
+              </a:rPr>
+              <a:t>Declarative</a:t>
+            </a:r>
+            <a:r>
+              <a:rPr lang="de-DE" b="1" dirty="0" smtClean="0">
+                <a:solidFill>
+                  <a:schemeClr val="accent1">
+                    <a:lumMod val="75000"/>
+                  </a:schemeClr>
+                </a:solidFill>
+              </a:rPr>
+              <a:t> </a:t>
+            </a:r>
+            <a:r>
+              <a:rPr lang="de-DE" b="1" dirty="0" smtClean="0">
+                <a:solidFill>
+                  <a:schemeClr val="accent1">
+                    <a:lumMod val="75000"/>
+                  </a:schemeClr>
+                </a:solidFill>
+              </a:rPr>
+              <a:t>High-Level </a:t>
+            </a:r>
+            <a:endParaRPr lang="de-DE" b="1" dirty="0" smtClean="0">
+              <a:solidFill>
+                <a:schemeClr val="accent1">
+                  <a:lumMod val="75000"/>
+                </a:schemeClr>
+              </a:solidFill>
+            </a:endParaRPr>
+          </a:p>
+          <a:p>
+            <a:pPr algn="ctr"/>
+            <a:r>
+              <a:rPr lang="de-DE" b="1" dirty="0" err="1" smtClean="0">
+                <a:solidFill>
+                  <a:schemeClr val="accent1">
+                    <a:lumMod val="75000"/>
+                  </a:schemeClr>
+                </a:solidFill>
+              </a:rPr>
+              <a:t>test</a:t>
+            </a:r>
+            <a:r>
+              <a:rPr lang="de-DE" b="1" dirty="0" smtClean="0">
+                <a:solidFill>
+                  <a:schemeClr val="accent1">
+                    <a:lumMod val="75000"/>
+                  </a:schemeClr>
+                </a:solidFill>
+              </a:rPr>
+              <a:t> </a:t>
+            </a:r>
+            <a:r>
+              <a:rPr lang="de-DE" b="1" dirty="0" err="1" smtClean="0">
+                <a:solidFill>
+                  <a:schemeClr val="accent1">
+                    <a:lumMod val="75000"/>
+                  </a:schemeClr>
+                </a:solidFill>
+              </a:rPr>
+              <a:t>formulation</a:t>
+            </a:r>
+            <a:endParaRPr lang="de-DE" b="1" dirty="0">
+              <a:solidFill>
+                <a:schemeClr val="accent1">
+                  <a:lumMod val="75000"/>
+                </a:schemeClr>
+              </a:solidFill>
+            </a:endParaRPr>
+          </a:p>
+        </p:txBody>
+      </p:sp>
+      <p:sp>
+        <p:nvSpPr>
+          <p:cNvPr id="10" name="Textfeld 9"/>
+          <p:cNvSpPr txBox="1"/>
+          <p:nvPr/>
+        </p:nvSpPr>
+        <p:spPr>
+          <a:xfrm>
+            <a:off x="5648780" y="5555776"/>
+            <a:ext cx="2800952" cy="646331"/>
+          </a:xfrm>
+          <a:prstGeom prst="rect">
+            <a:avLst/>
+          </a:prstGeom>
+          <a:noFill/>
+        </p:spPr>
+        <p:txBody>
+          <a:bodyPr wrap="square" rtlCol="0">
+            <a:spAutoFit/>
+          </a:bodyPr>
+          <a:lstStyle/>
+          <a:p>
+            <a:pPr algn="ctr"/>
+            <a:r>
+              <a:rPr lang="de-DE" b="1" dirty="0" smtClean="0">
+                <a:solidFill>
+                  <a:schemeClr val="accent1">
+                    <a:lumMod val="75000"/>
+                  </a:schemeClr>
+                </a:solidFill>
+              </a:rPr>
+              <a:t>Imperative Low-Level </a:t>
+            </a:r>
+            <a:endParaRPr lang="de-DE" b="1" dirty="0" smtClean="0">
+              <a:solidFill>
+                <a:schemeClr val="accent1">
+                  <a:lumMod val="75000"/>
+                </a:schemeClr>
+              </a:solidFill>
+            </a:endParaRPr>
+          </a:p>
+          <a:p>
+            <a:pPr algn="ctr"/>
+            <a:r>
+              <a:rPr lang="de-DE" b="1" dirty="0" err="1">
+                <a:solidFill>
+                  <a:schemeClr val="accent1">
+                    <a:lumMod val="75000"/>
+                  </a:schemeClr>
+                </a:solidFill>
+              </a:rPr>
+              <a:t>d</a:t>
+            </a:r>
+            <a:r>
+              <a:rPr lang="de-DE" b="1" dirty="0" err="1" smtClean="0">
+                <a:solidFill>
+                  <a:schemeClr val="accent1">
+                    <a:lumMod val="75000"/>
+                  </a:schemeClr>
+                </a:solidFill>
+              </a:rPr>
+              <a:t>etailed</a:t>
+            </a:r>
+            <a:r>
+              <a:rPr lang="de-DE" b="1" dirty="0" smtClean="0">
+                <a:solidFill>
+                  <a:schemeClr val="accent1">
+                    <a:lumMod val="75000"/>
+                  </a:schemeClr>
+                </a:solidFill>
+              </a:rPr>
+              <a:t> </a:t>
+            </a:r>
+            <a:r>
+              <a:rPr lang="de-DE" b="1" dirty="0" err="1" smtClean="0">
+                <a:solidFill>
+                  <a:schemeClr val="accent1">
+                    <a:lumMod val="75000"/>
+                  </a:schemeClr>
+                </a:solidFill>
+              </a:rPr>
+              <a:t>instructions</a:t>
+            </a:r>
+            <a:endParaRPr lang="de-DE" b="1" dirty="0">
+              <a:solidFill>
+                <a:schemeClr val="accent1">
+                  <a:lumMod val="75000"/>
+                </a:schemeClr>
+              </a:solidFill>
+            </a:endParaRPr>
+          </a:p>
+        </p:txBody>
+      </p:sp>
+      <p:sp>
+        <p:nvSpPr>
+          <p:cNvPr id="11" name="Rechteck 10"/>
+          <p:cNvSpPr/>
+          <p:nvPr/>
+        </p:nvSpPr>
+        <p:spPr bwMode="auto">
+          <a:xfrm>
+            <a:off x="5174827" y="2676524"/>
+            <a:ext cx="3721523" cy="749139"/>
+          </a:xfrm>
+          <a:prstGeom prst="rect">
+            <a:avLst/>
+          </a:prstGeom>
+          <a:solidFill>
+            <a:schemeClr val="bg1">
+              <a:lumMod val="85000"/>
+            </a:schemeClr>
+          </a:solidFill>
+          <a:ln w="6350" cap="flat" cmpd="sng" algn="ctr">
+            <a:solidFill>
+              <a:schemeClr val="tx1"/>
+            </a:solidFill>
+            <a:prstDash val="solid"/>
+            <a:round/>
+            <a:headEnd type="none" w="med" len="med"/>
+            <a:tailEnd type="none" w="med" len="med"/>
+          </a:ln>
+          <a:effectLst/>
+          <a:extLst/>
+        </p:spPr>
+        <p:txBody>
+          <a:bodyPr vert="horz" wrap="none" lIns="0" tIns="0" rIns="0" bIns="0" numCol="1" rtlCol="0" anchor="t" anchorCtr="0" compatLnSpc="1">
+            <a:prstTxWarp prst="textNoShape">
+              <a:avLst/>
+            </a:prstTxWarp>
+          </a:bodyPr>
+          <a:lstStyle/>
+          <a:p>
+            <a:pPr>
+              <a:lnSpc>
+                <a:spcPts val="800"/>
+              </a:lnSpc>
+            </a:pPr>
+            <a:endParaRPr lang="de-DE" altLang="de-DE" sz="1400" kern="0" dirty="0"/>
+          </a:p>
+          <a:p>
+            <a:pPr>
+              <a:lnSpc>
+                <a:spcPts val="800"/>
+              </a:lnSpc>
+            </a:pPr>
+            <a:r>
+              <a:rPr lang="de-DE" altLang="de-DE" sz="1400" b="1" kern="0" dirty="0" smtClean="0"/>
+              <a:t>Script</a:t>
+            </a:r>
+            <a:r>
+              <a:rPr lang="de-DE" altLang="de-DE" sz="1400" b="1" kern="0" dirty="0"/>
+              <a:t>: </a:t>
+            </a:r>
+            <a:r>
+              <a:rPr lang="de-DE" altLang="de-DE" sz="1400" kern="0" dirty="0"/>
+              <a:t>Go </a:t>
+            </a:r>
+            <a:r>
+              <a:rPr lang="de-DE" altLang="de-DE" sz="1400" kern="0" dirty="0" err="1"/>
+              <a:t>to</a:t>
+            </a:r>
+            <a:r>
+              <a:rPr lang="de-DE" altLang="de-DE" sz="1400" kern="0" dirty="0"/>
+              <a:t> </a:t>
+            </a:r>
+            <a:r>
+              <a:rPr lang="de-DE" altLang="de-DE" sz="1400" kern="0" dirty="0" err="1"/>
+              <a:t>order</a:t>
+            </a:r>
+            <a:r>
+              <a:rPr lang="de-DE" altLang="de-DE" sz="1400" kern="0" dirty="0"/>
+              <a:t> </a:t>
+            </a:r>
+            <a:r>
+              <a:rPr lang="de-DE" altLang="de-DE" sz="1400" kern="0" dirty="0" err="1"/>
+              <a:t>management</a:t>
+            </a:r>
+            <a:r>
+              <a:rPr lang="de-DE" altLang="de-DE" sz="1400" kern="0" dirty="0"/>
+              <a:t> </a:t>
+            </a:r>
+            <a:r>
+              <a:rPr lang="de-DE" altLang="de-DE" sz="1400" kern="0" dirty="0" err="1"/>
+              <a:t>page</a:t>
+            </a:r>
+            <a:endParaRPr lang="de-DE" altLang="de-DE" sz="1400" b="1" i="1" kern="0" dirty="0"/>
+          </a:p>
+          <a:p>
+            <a:pPr>
+              <a:lnSpc>
+                <a:spcPts val="800"/>
+              </a:lnSpc>
+            </a:pPr>
+            <a:endParaRPr lang="de-DE" altLang="de-DE" sz="1400" kern="0" dirty="0" smtClean="0"/>
+          </a:p>
+          <a:p>
+            <a:pPr>
+              <a:lnSpc>
+                <a:spcPts val="800"/>
+              </a:lnSpc>
+            </a:pPr>
+            <a:endParaRPr lang="de-DE" altLang="de-DE" sz="1400" kern="0" dirty="0" smtClean="0"/>
+          </a:p>
+          <a:p>
+            <a:pPr>
+              <a:lnSpc>
+                <a:spcPts val="800"/>
+              </a:lnSpc>
+            </a:pPr>
+            <a:r>
+              <a:rPr lang="de-DE" altLang="de-DE" sz="1400" kern="0" dirty="0"/>
+              <a:t>Click </a:t>
+            </a:r>
+            <a:r>
+              <a:rPr lang="de-DE" altLang="de-DE" sz="1400" kern="0" dirty="0" err="1"/>
+              <a:t>main</a:t>
+            </a:r>
+            <a:r>
+              <a:rPr lang="de-DE" altLang="de-DE" sz="1400" kern="0" dirty="0"/>
+              <a:t> </a:t>
+            </a:r>
+            <a:r>
+              <a:rPr lang="de-DE" altLang="de-DE" sz="1400" kern="0" dirty="0" err="1"/>
+              <a:t>menu</a:t>
+            </a:r>
+            <a:r>
+              <a:rPr lang="de-DE" altLang="de-DE" sz="1400" kern="0" dirty="0"/>
+              <a:t> item </a:t>
+            </a:r>
+            <a:r>
+              <a:rPr lang="de-DE" altLang="de-DE" sz="1400" kern="0" dirty="0" smtClean="0"/>
+              <a:t>“Management“</a:t>
+            </a:r>
+            <a:endParaRPr lang="de-DE" altLang="de-DE" sz="1400" kern="0" dirty="0"/>
+          </a:p>
+          <a:p>
+            <a:pPr>
+              <a:lnSpc>
+                <a:spcPts val="800"/>
+              </a:lnSpc>
+            </a:pPr>
+            <a:endParaRPr lang="de-DE" altLang="de-DE" sz="1400" kern="0" dirty="0" smtClean="0"/>
+          </a:p>
+          <a:p>
+            <a:pPr>
+              <a:lnSpc>
+                <a:spcPts val="800"/>
+              </a:lnSpc>
+            </a:pPr>
+            <a:r>
+              <a:rPr lang="de-DE" altLang="de-DE" sz="1400" kern="0" dirty="0" smtClean="0"/>
+              <a:t>C</a:t>
+            </a:r>
+            <a:r>
+              <a:rPr lang="de-DE" altLang="de-DE" sz="1400" kern="0" dirty="0" smtClean="0"/>
+              <a:t>lick </a:t>
+            </a:r>
+            <a:r>
+              <a:rPr lang="de-DE" altLang="de-DE" sz="1400" kern="0" dirty="0" err="1" smtClean="0"/>
+              <a:t>submenu</a:t>
+            </a:r>
+            <a:r>
+              <a:rPr lang="de-DE" altLang="de-DE" sz="1400" kern="0" dirty="0" smtClean="0"/>
+              <a:t> item “Orders“</a:t>
+            </a:r>
+            <a:endParaRPr lang="de-DE" altLang="de-DE" sz="1400" kern="0" dirty="0"/>
+          </a:p>
+        </p:txBody>
+      </p:sp>
+      <p:cxnSp>
+        <p:nvCxnSpPr>
+          <p:cNvPr id="12" name="Gerade Verbindung mit Pfeil 11"/>
+          <p:cNvCxnSpPr/>
+          <p:nvPr/>
+        </p:nvCxnSpPr>
+        <p:spPr bwMode="auto">
+          <a:xfrm>
+            <a:off x="3746182" y="3267805"/>
+            <a:ext cx="1428646" cy="2924"/>
+          </a:xfrm>
+          <a:prstGeom prst="straightConnector1">
+            <a:avLst/>
+          </a:prstGeom>
+          <a:solidFill>
+            <a:schemeClr val="bg1"/>
+          </a:solidFill>
+          <a:ln w="76200" cap="flat" cmpd="sng" algn="ctr">
+            <a:solidFill>
+              <a:srgbClr val="FFC000"/>
+            </a:solidFill>
+            <a:prstDash val="solid"/>
+            <a:round/>
+            <a:headEnd type="none" w="med" len="med"/>
+            <a:tailEnd type="triangle"/>
+          </a:ln>
+          <a:effectLst/>
+          <a:extLst>
+            <a:ext uri="{AF507438-7753-43E0-B8FC-AC1667EBCBE1}">
+              <a14:hiddenEffects xmlns:a14="http://schemas.microsoft.com/office/drawing/2010/main">
+                <a:effectLst>
+                  <a:outerShdw dist="35921" dir="2700000" algn="ctr" rotWithShape="0">
+                    <a:schemeClr val="bg2"/>
+                  </a:outerShdw>
+                </a:effectLst>
+              </a14:hiddenEffects>
+            </a:ext>
+          </a:extLst>
+        </p:spPr>
+      </p:cxnSp>
+    </p:spTree>
+    <p:extLst>
+      <p:ext uri="{BB962C8B-B14F-4D97-AF65-F5344CB8AC3E}">
+        <p14:creationId xmlns:p14="http://schemas.microsoft.com/office/powerpoint/2010/main" val="2076369533"/>
+      </p:ext>
+    </p:extLst>
+  </p:cSld>
+  <p:clrMapOvr>
+    <a:masterClrMapping/>
+  </p:clrMapOvr>
+  <p:timing>
+    <p:tnLst>
+      <p:par>
+        <p:cTn id="1" dur="indefinite" restart="never" nodeType="tmRoot"/>
+      </p:par>
+    </p:tnLst>
+  </p:timing>
+</p:sld>
+</file>
+
+<file path=ppt/slides/slide14.xml><?xml version="1.0" encoding="utf-8"?>
+<p:sld xmlns:a="http://schemas.openxmlformats.org/drawingml/2006/main" xmlns:r="http://schemas.openxmlformats.org/officeDocument/2006/relationships" xmlns:p="http://schemas.openxmlformats.org/presentationml/2006/main">
+  <p:cSld>
+    <p:spTree>
+      <p:nvGrpSpPr>
+        <p:cNvPr id="1" name=""/>
+        <p:cNvGrpSpPr/>
+        <p:nvPr/>
+      </p:nvGrpSpPr>
+      <p:grpSpPr>
+        <a:xfrm>
+          <a:off x="0" y="0"/>
+          <a:ext cx="0" cy="0"/>
+          <a:chOff x="0" y="0"/>
+          <a:chExt cx="0" cy="0"/>
+        </a:xfrm>
+      </p:grpSpPr>
+      <p:cxnSp>
+        <p:nvCxnSpPr>
+          <p:cNvPr id="7" name="Gerade Verbindung mit Pfeil 6"/>
+          <p:cNvCxnSpPr/>
+          <p:nvPr/>
+        </p:nvCxnSpPr>
+        <p:spPr bwMode="auto">
+          <a:xfrm flipH="1">
+            <a:off x="6050440" y="2715768"/>
+            <a:ext cx="1484216" cy="963"/>
+          </a:xfrm>
+          <a:prstGeom prst="straightConnector1">
+            <a:avLst/>
+          </a:prstGeom>
+          <a:solidFill>
+            <a:schemeClr val="bg1"/>
+          </a:solidFill>
+          <a:ln w="76200" cap="flat" cmpd="sng" algn="ctr">
+            <a:solidFill>
+              <a:srgbClr val="FFC000"/>
+            </a:solidFill>
+            <a:prstDash val="solid"/>
+            <a:round/>
+            <a:headEnd type="none" w="med" len="med"/>
+            <a:tailEnd type="none" w="med" len="med"/>
+          </a:ln>
+          <a:effectLst/>
+          <a:extLst>
+            <a:ext uri="{AF507438-7753-43E0-B8FC-AC1667EBCBE1}">
+              <a14:hiddenEffects xmlns:a14="http://schemas.microsoft.com/office/drawing/2010/main">
+                <a:effectLst>
+                  <a:outerShdw dist="35921" dir="2700000" algn="ctr" rotWithShape="0">
+                    <a:schemeClr val="bg2"/>
+                  </a:outerShdw>
+                </a:effectLst>
+              </a14:hiddenEffects>
+            </a:ext>
+          </a:extLst>
+        </p:spPr>
+      </p:cxnSp>
+      <p:sp>
+        <p:nvSpPr>
+          <p:cNvPr id="5" name="Rectangle 3"/>
+          <p:cNvSpPr txBox="1">
+            <a:spLocks noChangeArrowheads="1"/>
+          </p:cNvSpPr>
+          <p:nvPr/>
+        </p:nvSpPr>
+        <p:spPr bwMode="gray">
+          <a:xfrm>
+            <a:off x="802272" y="903988"/>
+            <a:ext cx="7575550" cy="4762795"/>
+          </a:xfrm>
+          <a:prstGeom prst="rect">
+            <a:avLst/>
+          </a:prstGeom>
+          <a:noFill/>
+          <a:ln>
+            <a:noFill/>
+          </a:ln>
+          <a:effectLst/>
+          <a:extLst>
+            <a:ext uri="{909E8E84-426E-40DD-AFC4-6F175D3DCCD1}">
+              <a14:hiddenFill xmlns:a14="http://schemas.microsoft.com/office/drawing/2010/main">
+                <a:solidFill>
+                  <a:schemeClr val="accent1"/>
+                </a:solidFill>
+              </a14:hiddenFill>
+            </a:ext>
+            <a:ext uri="{91240B29-F687-4F45-9708-019B960494DF}">
+              <a14:hiddenLine xmlns:a14="http://schemas.microsoft.com/office/drawing/2010/main" w="9525" algn="ctr">
+                <a:solidFill>
+                  <a:schemeClr val="tx1"/>
+                </a:solidFill>
+                <a:miter lim="800000"/>
+                <a:headEnd/>
+                <a:tailEnd/>
+              </a14:hiddenLine>
+            </a:ext>
+            <a:ext uri="{AF507438-7753-43E0-B8FC-AC1667EBCBE1}">
+              <a14:hiddenEffects xmlns:a14="http://schemas.microsoft.com/office/drawing/2010/main">
+                <a:effectLst>
+                  <a:outerShdw dist="35921" dir="2700000" algn="ctr" rotWithShape="0">
+                    <a:schemeClr val="bg2"/>
+                  </a:outerShdw>
+                </a:effectLst>
+              </a14:hiddenEffects>
+            </a:ext>
+          </a:extLst>
+        </p:spPr>
+        <p:txBody>
+          <a:bodyPr vert="horz" wrap="square" lIns="0" tIns="0" rIns="0" bIns="0" numCol="1" anchor="t" anchorCtr="0" compatLnSpc="1">
+            <a:prstTxWarp prst="textNoShape">
+              <a:avLst/>
+            </a:prstTxWarp>
+          </a:bodyPr>
+          <a:lstStyle>
+            <a:lvl1pPr algn="l" rtl="0" fontAlgn="base">
+              <a:spcBef>
+                <a:spcPct val="80000"/>
+              </a:spcBef>
+              <a:spcAft>
+                <a:spcPct val="0"/>
+              </a:spcAft>
+              <a:buClr>
+                <a:schemeClr val="tx1"/>
+              </a:buClr>
+              <a:buFont typeface="Wingdings" pitchFamily="2" charset="2"/>
+              <a:defRPr sz="1600" b="1">
+                <a:solidFill>
+                  <a:srgbClr val="373D41"/>
+                </a:solidFill>
+                <a:latin typeface="+mn-lt"/>
+                <a:ea typeface="+mn-ea"/>
+                <a:cs typeface="+mn-cs"/>
+              </a:defRPr>
+            </a:lvl1pPr>
+            <a:lvl2pPr marL="180975" indent="-179388" algn="l" rtl="0" fontAlgn="base">
+              <a:spcBef>
+                <a:spcPct val="60000"/>
+              </a:spcBef>
+              <a:spcAft>
+                <a:spcPct val="0"/>
+              </a:spcAft>
+              <a:buClr>
+                <a:schemeClr val="tx1"/>
+              </a:buClr>
+              <a:buFont typeface="Wingdings" pitchFamily="2" charset="2"/>
+              <a:buChar char="§"/>
+              <a:defRPr sz="1600">
+                <a:solidFill>
+                  <a:srgbClr val="373D41"/>
+                </a:solidFill>
+                <a:latin typeface="+mn-lt"/>
+                <a:cs typeface="+mn-cs"/>
+              </a:defRPr>
+            </a:lvl2pPr>
+            <a:lvl3pPr marL="530225" indent="-169863" algn="l" rtl="0" fontAlgn="base">
+              <a:spcBef>
+                <a:spcPct val="30000"/>
+              </a:spcBef>
+              <a:spcAft>
+                <a:spcPct val="0"/>
+              </a:spcAft>
+              <a:buClr>
+                <a:schemeClr val="tx1"/>
+              </a:buClr>
+              <a:buFont typeface="Wingdings" pitchFamily="2" charset="2"/>
+              <a:buChar char="§"/>
+              <a:defRPr sz="1600">
+                <a:solidFill>
+                  <a:srgbClr val="373D41"/>
+                </a:solidFill>
+                <a:latin typeface="+mn-lt"/>
+                <a:cs typeface="+mn-cs"/>
+              </a:defRPr>
+            </a:lvl3pPr>
+            <a:lvl4pPr marL="901700" indent="-179388" algn="l" rtl="0" fontAlgn="base">
+              <a:spcBef>
+                <a:spcPct val="30000"/>
+              </a:spcBef>
+              <a:spcAft>
+                <a:spcPct val="0"/>
+              </a:spcAft>
+              <a:buClr>
+                <a:schemeClr val="tx1"/>
+              </a:buClr>
+              <a:buFont typeface="Wingdings" pitchFamily="2" charset="2"/>
+              <a:buChar char="§"/>
+              <a:defRPr sz="1600">
+                <a:solidFill>
+                  <a:srgbClr val="373D41"/>
+                </a:solidFill>
+                <a:latin typeface="+mn-lt"/>
+                <a:cs typeface="+mn-cs"/>
+              </a:defRPr>
+            </a:lvl4pPr>
+            <a:lvl5pPr marL="1268413" indent="-187325" algn="l" rtl="0" fontAlgn="base">
+              <a:spcBef>
+                <a:spcPct val="30000"/>
+              </a:spcBef>
+              <a:spcAft>
+                <a:spcPct val="0"/>
+              </a:spcAft>
+              <a:buClr>
+                <a:schemeClr val="tx1"/>
+              </a:buClr>
+              <a:buFont typeface="Wingdings" pitchFamily="2" charset="2"/>
+              <a:buChar char="§"/>
+              <a:defRPr sz="1600">
+                <a:solidFill>
+                  <a:srgbClr val="373D41"/>
+                </a:solidFill>
+                <a:latin typeface="+mn-lt"/>
+                <a:cs typeface="+mn-cs"/>
+              </a:defRPr>
+            </a:lvl5pPr>
+            <a:lvl6pPr marL="1725613" indent="-187325" algn="l" rtl="0" fontAlgn="base">
+              <a:spcBef>
+                <a:spcPct val="30000"/>
+              </a:spcBef>
+              <a:spcAft>
+                <a:spcPct val="0"/>
+              </a:spcAft>
+              <a:buClr>
+                <a:schemeClr val="tx1"/>
+              </a:buClr>
+              <a:buFont typeface="Wingdings" pitchFamily="2" charset="2"/>
+              <a:buChar char="§"/>
+              <a:defRPr sz="1600">
+                <a:solidFill>
+                  <a:srgbClr val="373D41"/>
+                </a:solidFill>
+                <a:latin typeface="+mn-lt"/>
+                <a:cs typeface="+mn-cs"/>
+              </a:defRPr>
+            </a:lvl6pPr>
+            <a:lvl7pPr marL="2182813" indent="-187325" algn="l" rtl="0" fontAlgn="base">
+              <a:spcBef>
+                <a:spcPct val="30000"/>
+              </a:spcBef>
+              <a:spcAft>
+                <a:spcPct val="0"/>
+              </a:spcAft>
+              <a:buClr>
+                <a:schemeClr val="tx1"/>
+              </a:buClr>
+              <a:buFont typeface="Wingdings" pitchFamily="2" charset="2"/>
+              <a:buChar char="§"/>
+              <a:defRPr sz="1600">
+                <a:solidFill>
+                  <a:srgbClr val="373D41"/>
+                </a:solidFill>
+                <a:latin typeface="+mn-lt"/>
+                <a:cs typeface="+mn-cs"/>
+              </a:defRPr>
+            </a:lvl7pPr>
+            <a:lvl8pPr marL="2640013" indent="-187325" algn="l" rtl="0" fontAlgn="base">
+              <a:spcBef>
+                <a:spcPct val="30000"/>
+              </a:spcBef>
+              <a:spcAft>
+                <a:spcPct val="0"/>
+              </a:spcAft>
+              <a:buClr>
+                <a:schemeClr val="tx1"/>
+              </a:buClr>
+              <a:buFont typeface="Wingdings" pitchFamily="2" charset="2"/>
+              <a:buChar char="§"/>
+              <a:defRPr sz="1600">
+                <a:solidFill>
+                  <a:srgbClr val="373D41"/>
+                </a:solidFill>
+                <a:latin typeface="+mn-lt"/>
+                <a:cs typeface="+mn-cs"/>
+              </a:defRPr>
+            </a:lvl8pPr>
+            <a:lvl9pPr marL="3097213" indent="-187325" algn="l" rtl="0" fontAlgn="base">
+              <a:spcBef>
+                <a:spcPct val="30000"/>
+              </a:spcBef>
+              <a:spcAft>
+                <a:spcPct val="0"/>
+              </a:spcAft>
+              <a:buClr>
+                <a:schemeClr val="tx1"/>
+              </a:buClr>
+              <a:buFont typeface="Wingdings" pitchFamily="2" charset="2"/>
+              <a:buChar char="§"/>
+              <a:defRPr sz="1600">
+                <a:solidFill>
+                  <a:srgbClr val="373D41"/>
+                </a:solidFill>
+                <a:latin typeface="+mn-lt"/>
+                <a:cs typeface="+mn-cs"/>
+              </a:defRPr>
+            </a:lvl9pPr>
+          </a:lstStyle>
+          <a:p>
+            <a:pPr>
+              <a:lnSpc>
+                <a:spcPts val="800"/>
+              </a:lnSpc>
+            </a:pPr>
+            <a:endParaRPr lang="de-DE" altLang="de-DE" b="0" kern="0" dirty="0" smtClean="0"/>
+          </a:p>
+          <a:p>
+            <a:pPr>
+              <a:lnSpc>
+                <a:spcPts val="800"/>
+              </a:lnSpc>
+            </a:pPr>
+            <a:r>
+              <a:rPr lang="de-DE" altLang="de-DE" kern="0" dirty="0" smtClean="0"/>
+              <a:t>Scenario:</a:t>
+            </a:r>
+            <a:r>
+              <a:rPr lang="de-DE" altLang="de-DE" b="0" kern="0" dirty="0" smtClean="0"/>
+              <a:t> </a:t>
+            </a:r>
+            <a:r>
+              <a:rPr lang="de-DE" altLang="de-DE" b="0" kern="0" dirty="0" smtClean="0"/>
+              <a:t>Create </a:t>
+            </a:r>
+            <a:r>
+              <a:rPr lang="de-DE" altLang="de-DE" b="0" kern="0" dirty="0" err="1" smtClean="0"/>
+              <a:t>new</a:t>
+            </a:r>
+            <a:r>
+              <a:rPr lang="de-DE" altLang="de-DE" b="0" kern="0" dirty="0" smtClean="0"/>
+              <a:t> </a:t>
+            </a:r>
+            <a:r>
+              <a:rPr lang="de-DE" altLang="de-DE" b="0" kern="0" dirty="0" err="1" smtClean="0"/>
+              <a:t>order</a:t>
+            </a:r>
+            <a:endParaRPr lang="de-DE" altLang="de-DE" b="0" kern="0" dirty="0" smtClean="0"/>
+          </a:p>
+          <a:p>
+            <a:pPr>
+              <a:lnSpc>
+                <a:spcPts val="800"/>
+              </a:lnSpc>
+            </a:pPr>
+            <a:endParaRPr lang="de-DE" altLang="de-DE" kern="0" dirty="0" smtClean="0"/>
+          </a:p>
+          <a:p>
+            <a:pPr>
+              <a:lnSpc>
+                <a:spcPts val="800"/>
+              </a:lnSpc>
+            </a:pPr>
+            <a:r>
+              <a:rPr lang="de-DE" altLang="de-DE" kern="0" dirty="0" err="1" smtClean="0"/>
+              <a:t>Given</a:t>
+            </a:r>
+            <a:r>
+              <a:rPr lang="de-DE" altLang="de-DE" b="0" kern="0" dirty="0" smtClean="0"/>
+              <a:t> </a:t>
+            </a:r>
+            <a:r>
+              <a:rPr lang="de-DE" altLang="de-DE" b="0" kern="0" dirty="0" smtClean="0"/>
+              <a:t>The </a:t>
+            </a:r>
+            <a:r>
+              <a:rPr lang="de-DE" altLang="de-DE" b="0" kern="0" dirty="0" err="1" smtClean="0"/>
+              <a:t>order</a:t>
+            </a:r>
+            <a:r>
+              <a:rPr lang="de-DE" altLang="de-DE" b="0" kern="0" dirty="0" smtClean="0"/>
+              <a:t> </a:t>
+            </a:r>
+            <a:r>
+              <a:rPr lang="de-DE" altLang="de-DE" b="0" kern="0" dirty="0" err="1" smtClean="0"/>
+              <a:t>management</a:t>
+            </a:r>
+            <a:r>
+              <a:rPr lang="de-DE" altLang="de-DE" b="0" kern="0" dirty="0" smtClean="0"/>
+              <a:t> </a:t>
+            </a:r>
+            <a:r>
+              <a:rPr lang="de-DE" altLang="de-DE" b="0" kern="0" dirty="0" err="1" smtClean="0"/>
+              <a:t>page</a:t>
+            </a:r>
+            <a:r>
+              <a:rPr lang="de-DE" altLang="de-DE" b="0" kern="0" dirty="0" smtClean="0"/>
+              <a:t> </a:t>
+            </a:r>
+            <a:r>
+              <a:rPr lang="de-DE" altLang="de-DE" b="0" kern="0" dirty="0" err="1" smtClean="0"/>
+              <a:t>is</a:t>
+            </a:r>
+            <a:r>
+              <a:rPr lang="de-DE" altLang="de-DE" b="0" kern="0" dirty="0" smtClean="0"/>
+              <a:t> </a:t>
+            </a:r>
+            <a:r>
+              <a:rPr lang="de-DE" altLang="de-DE" b="0" kern="0" dirty="0" err="1" smtClean="0"/>
+              <a:t>displayed</a:t>
+            </a:r>
+            <a:r>
+              <a:rPr lang="de-DE" altLang="de-DE" b="0" kern="0" dirty="0" smtClean="0"/>
+              <a:t>.</a:t>
+            </a:r>
+            <a:endParaRPr lang="de-DE" altLang="de-DE" b="0" kern="0" dirty="0" smtClean="0"/>
+          </a:p>
+          <a:p>
+            <a:pPr>
+              <a:lnSpc>
+                <a:spcPts val="800"/>
+              </a:lnSpc>
+            </a:pPr>
+            <a:endParaRPr lang="de-DE" altLang="de-DE" kern="0" dirty="0" smtClean="0"/>
+          </a:p>
+          <a:p>
+            <a:pPr>
+              <a:lnSpc>
+                <a:spcPts val="800"/>
+              </a:lnSpc>
+            </a:pPr>
+            <a:r>
+              <a:rPr lang="de-DE" altLang="de-DE" kern="0" dirty="0" err="1"/>
+              <a:t>When</a:t>
+            </a:r>
+            <a:r>
+              <a:rPr lang="de-DE" altLang="de-DE" b="0" kern="0" dirty="0"/>
+              <a:t> </a:t>
+            </a:r>
+            <a:r>
+              <a:rPr lang="de-DE" altLang="de-DE" b="0" kern="0" dirty="0" err="1" smtClean="0"/>
+              <a:t>customer</a:t>
+            </a:r>
+            <a:r>
+              <a:rPr lang="de-DE" altLang="de-DE" b="0" kern="0" dirty="0" smtClean="0"/>
+              <a:t> </a:t>
+            </a:r>
+            <a:r>
+              <a:rPr lang="de-DE" altLang="de-DE" b="0" kern="0" dirty="0" smtClean="0"/>
+              <a:t>„</a:t>
+            </a:r>
+            <a:r>
+              <a:rPr lang="de-DE" altLang="de-DE" b="0" kern="0" dirty="0" smtClean="0"/>
+              <a:t>Miller</a:t>
+            </a:r>
+            <a:r>
+              <a:rPr lang="de-DE" altLang="de-DE" b="0" kern="0" dirty="0" smtClean="0"/>
+              <a:t>“ </a:t>
+            </a:r>
+            <a:r>
+              <a:rPr lang="de-DE" altLang="de-DE" b="0" kern="0" dirty="0" err="1" smtClean="0"/>
+              <a:t>is</a:t>
+            </a:r>
+            <a:r>
+              <a:rPr lang="de-DE" altLang="de-DE" b="0" kern="0" dirty="0" smtClean="0"/>
+              <a:t> </a:t>
+            </a:r>
+            <a:r>
+              <a:rPr lang="de-DE" altLang="de-DE" b="0" kern="0" dirty="0" err="1" smtClean="0"/>
+              <a:t>selected</a:t>
+            </a:r>
+            <a:r>
+              <a:rPr lang="de-DE" altLang="de-DE" b="0" kern="0" dirty="0" smtClean="0"/>
+              <a:t> </a:t>
+            </a:r>
+            <a:endParaRPr lang="de-DE" altLang="de-DE" kern="0" dirty="0" smtClean="0"/>
+          </a:p>
+          <a:p>
+            <a:pPr>
+              <a:lnSpc>
+                <a:spcPts val="800"/>
+              </a:lnSpc>
+            </a:pPr>
+            <a:r>
+              <a:rPr lang="de-DE" altLang="de-DE" kern="0" dirty="0" err="1"/>
+              <a:t>A</a:t>
+            </a:r>
+            <a:r>
+              <a:rPr lang="de-DE" altLang="de-DE" kern="0" dirty="0" err="1" smtClean="0"/>
+              <a:t>nd</a:t>
+            </a:r>
+            <a:r>
+              <a:rPr lang="de-DE" altLang="de-DE" b="0" kern="0" dirty="0" smtClean="0"/>
+              <a:t> </a:t>
+            </a:r>
+            <a:r>
+              <a:rPr lang="de-DE" altLang="de-DE" b="0" kern="0" dirty="0" smtClean="0"/>
+              <a:t>a </a:t>
+            </a:r>
+            <a:r>
+              <a:rPr lang="de-DE" altLang="de-DE" b="0" kern="0" dirty="0" err="1" smtClean="0"/>
+              <a:t>new</a:t>
+            </a:r>
+            <a:r>
+              <a:rPr lang="de-DE" altLang="de-DE" b="0" kern="0" dirty="0" smtClean="0"/>
+              <a:t> </a:t>
+            </a:r>
+            <a:r>
+              <a:rPr lang="de-DE" altLang="de-DE" b="0" kern="0" dirty="0" err="1" smtClean="0"/>
+              <a:t>order</a:t>
+            </a:r>
+            <a:r>
+              <a:rPr lang="de-DE" altLang="de-DE" b="0" kern="0" dirty="0" smtClean="0"/>
+              <a:t> </a:t>
+            </a:r>
+            <a:r>
+              <a:rPr lang="de-DE" altLang="de-DE" b="0" kern="0" dirty="0" err="1" smtClean="0"/>
+              <a:t>has</a:t>
+            </a:r>
+            <a:r>
+              <a:rPr lang="de-DE" altLang="de-DE" b="0" kern="0" dirty="0" smtClean="0"/>
+              <a:t> </a:t>
+            </a:r>
+            <a:r>
+              <a:rPr lang="de-DE" altLang="de-DE" b="0" kern="0" dirty="0" err="1" smtClean="0"/>
+              <a:t>been</a:t>
+            </a:r>
+            <a:r>
+              <a:rPr lang="de-DE" altLang="de-DE" b="0" kern="0" dirty="0" smtClean="0"/>
+              <a:t> </a:t>
+            </a:r>
+            <a:r>
+              <a:rPr lang="de-DE" altLang="de-DE" b="0" kern="0" dirty="0" err="1" smtClean="0"/>
+              <a:t>created</a:t>
+            </a:r>
+            <a:r>
+              <a:rPr lang="de-DE" altLang="de-DE" b="0" kern="0" dirty="0" smtClean="0"/>
+              <a:t> </a:t>
+            </a:r>
+            <a:r>
+              <a:rPr lang="de-DE" altLang="de-DE" b="0" kern="0" dirty="0" err="1" smtClean="0"/>
+              <a:t>for</a:t>
+            </a:r>
+            <a:r>
+              <a:rPr lang="de-DE" altLang="de-DE" b="0" kern="0" dirty="0" smtClean="0"/>
+              <a:t> </a:t>
+            </a:r>
+            <a:r>
+              <a:rPr lang="de-DE" altLang="de-DE" b="0" kern="0" dirty="0" err="1" smtClean="0"/>
+              <a:t>the</a:t>
+            </a:r>
+            <a:r>
+              <a:rPr lang="de-DE" altLang="de-DE" b="0" kern="0" dirty="0" smtClean="0"/>
+              <a:t> </a:t>
+            </a:r>
+            <a:r>
+              <a:rPr lang="de-DE" altLang="de-DE" b="0" kern="0" dirty="0" err="1" smtClean="0"/>
+              <a:t>selected</a:t>
+            </a:r>
+            <a:r>
+              <a:rPr lang="de-DE" altLang="de-DE" b="0" kern="0" dirty="0" smtClean="0"/>
+              <a:t> </a:t>
+            </a:r>
+            <a:r>
+              <a:rPr lang="de-DE" altLang="de-DE" b="0" kern="0" dirty="0" err="1" smtClean="0"/>
+              <a:t>customer</a:t>
+            </a:r>
+            <a:endParaRPr lang="de-DE" altLang="de-DE" b="0" kern="0" dirty="0" smtClean="0"/>
+          </a:p>
+          <a:p>
+            <a:pPr>
+              <a:lnSpc>
+                <a:spcPts val="800"/>
+              </a:lnSpc>
+            </a:pPr>
+            <a:endParaRPr lang="de-DE" altLang="de-DE" b="0" kern="0" dirty="0"/>
+          </a:p>
+          <a:p>
+            <a:pPr>
+              <a:lnSpc>
+                <a:spcPts val="800"/>
+              </a:lnSpc>
+            </a:pPr>
+            <a:r>
+              <a:rPr lang="de-DE" altLang="de-DE" kern="0" dirty="0" err="1" smtClean="0"/>
+              <a:t>Then</a:t>
+            </a:r>
+            <a:r>
+              <a:rPr lang="de-DE" altLang="de-DE" b="0" kern="0" dirty="0" smtClean="0"/>
+              <a:t> </a:t>
+            </a:r>
+            <a:r>
+              <a:rPr lang="de-DE" altLang="de-DE" b="0" kern="0" dirty="0" err="1" smtClean="0"/>
+              <a:t>the</a:t>
+            </a:r>
+            <a:r>
+              <a:rPr lang="de-DE" altLang="de-DE" b="0" kern="0" dirty="0" smtClean="0"/>
+              <a:t> </a:t>
+            </a:r>
+            <a:r>
+              <a:rPr lang="de-DE" altLang="de-DE" b="0" kern="0" dirty="0" err="1" smtClean="0"/>
+              <a:t>order</a:t>
+            </a:r>
+            <a:r>
+              <a:rPr lang="de-DE" altLang="de-DE" b="0" kern="0" dirty="0" smtClean="0"/>
+              <a:t> </a:t>
+            </a:r>
+            <a:r>
+              <a:rPr lang="de-DE" altLang="de-DE" b="0" kern="0" dirty="0" err="1" smtClean="0"/>
+              <a:t>overview</a:t>
+            </a:r>
+            <a:r>
+              <a:rPr lang="de-DE" altLang="de-DE" b="0" kern="0" dirty="0" smtClean="0"/>
+              <a:t> </a:t>
+            </a:r>
+            <a:r>
+              <a:rPr lang="de-DE" altLang="de-DE" b="0" kern="0" dirty="0" err="1" smtClean="0"/>
+              <a:t>table</a:t>
+            </a:r>
+            <a:r>
+              <a:rPr lang="de-DE" altLang="de-DE" b="0" kern="0" dirty="0" smtClean="0"/>
+              <a:t> </a:t>
+            </a:r>
+            <a:r>
+              <a:rPr lang="de-DE" altLang="de-DE" b="0" kern="0" dirty="0" err="1" smtClean="0"/>
+              <a:t>contains</a:t>
+            </a:r>
+            <a:r>
+              <a:rPr lang="de-DE" altLang="de-DE" b="0" kern="0" dirty="0" smtClean="0"/>
+              <a:t> a </a:t>
+            </a:r>
+            <a:r>
+              <a:rPr lang="de-DE" altLang="de-DE" b="0" kern="0" dirty="0" err="1" smtClean="0"/>
+              <a:t>new</a:t>
+            </a:r>
+            <a:r>
+              <a:rPr lang="de-DE" altLang="de-DE" b="0" kern="0" dirty="0" smtClean="0"/>
+              <a:t> </a:t>
+            </a:r>
+            <a:r>
+              <a:rPr lang="de-DE" altLang="de-DE" b="0" kern="0" dirty="0" err="1" smtClean="0"/>
+              <a:t>entry</a:t>
+            </a:r>
+            <a:r>
+              <a:rPr lang="de-DE" altLang="de-DE" b="0" kern="0" dirty="0" smtClean="0"/>
+              <a:t> </a:t>
+            </a:r>
+            <a:r>
+              <a:rPr lang="de-DE" altLang="de-DE" b="0" kern="0" dirty="0" err="1" smtClean="0"/>
+              <a:t>for</a:t>
+            </a:r>
+            <a:r>
+              <a:rPr lang="de-DE" altLang="de-DE" b="0" kern="0" dirty="0" smtClean="0"/>
+              <a:t> </a:t>
+            </a:r>
+            <a:r>
+              <a:rPr lang="de-DE" altLang="de-DE" b="0" kern="0" dirty="0" err="1" smtClean="0"/>
+              <a:t>the</a:t>
+            </a:r>
+            <a:r>
+              <a:rPr lang="de-DE" altLang="de-DE" b="0" kern="0" dirty="0" smtClean="0"/>
+              <a:t> </a:t>
+            </a:r>
+            <a:r>
+              <a:rPr lang="de-DE" altLang="de-DE" b="0" kern="0" dirty="0" err="1" smtClean="0"/>
+              <a:t>selected</a:t>
+            </a:r>
+            <a:r>
+              <a:rPr lang="de-DE" altLang="de-DE" b="0" kern="0" dirty="0" smtClean="0"/>
+              <a:t> </a:t>
+            </a:r>
+            <a:r>
+              <a:rPr lang="de-DE" altLang="de-DE" b="0" kern="0" dirty="0" err="1" smtClean="0"/>
+              <a:t>customer</a:t>
+            </a:r>
+            <a:r>
+              <a:rPr lang="de-DE" altLang="de-DE" b="0" kern="0" dirty="0" smtClean="0"/>
+              <a:t>.</a:t>
+            </a:r>
+            <a:endParaRPr lang="de-DE" altLang="de-DE" b="0" kern="0" dirty="0" smtClean="0"/>
+          </a:p>
+          <a:p>
+            <a:pPr>
+              <a:lnSpc>
+                <a:spcPts val="800"/>
+              </a:lnSpc>
+            </a:pPr>
+            <a:r>
+              <a:rPr lang="de-DE" altLang="de-DE" kern="0" dirty="0" err="1" smtClean="0"/>
+              <a:t>Then</a:t>
+            </a:r>
+            <a:r>
+              <a:rPr lang="de-DE" altLang="de-DE" b="0" kern="0" dirty="0" smtClean="0"/>
+              <a:t> …</a:t>
+            </a:r>
+          </a:p>
+          <a:p>
+            <a:pPr>
+              <a:lnSpc>
+                <a:spcPts val="800"/>
+              </a:lnSpc>
+            </a:pPr>
+            <a:endParaRPr lang="de-DE" altLang="de-DE" b="0" kern="0" dirty="0"/>
+          </a:p>
+        </p:txBody>
+      </p:sp>
+      <p:cxnSp>
+        <p:nvCxnSpPr>
+          <p:cNvPr id="4" name="Gerade Verbindung mit Pfeil 3"/>
+          <p:cNvCxnSpPr/>
+          <p:nvPr/>
+        </p:nvCxnSpPr>
+        <p:spPr bwMode="auto">
+          <a:xfrm>
+            <a:off x="7498080" y="2715768"/>
+            <a:ext cx="16362" cy="937021"/>
+          </a:xfrm>
+          <a:prstGeom prst="straightConnector1">
+            <a:avLst/>
+          </a:prstGeom>
+          <a:solidFill>
+            <a:schemeClr val="bg1"/>
+          </a:solidFill>
+          <a:ln w="76200" cap="flat" cmpd="sng" algn="ctr">
+            <a:solidFill>
+              <a:srgbClr val="FFC000"/>
+            </a:solidFill>
+            <a:prstDash val="solid"/>
+            <a:round/>
+            <a:headEnd type="none" w="med" len="med"/>
+            <a:tailEnd type="triangle"/>
+          </a:ln>
+          <a:effectLst/>
+          <a:extLst>
+            <a:ext uri="{AF507438-7753-43E0-B8FC-AC1667EBCBE1}">
+              <a14:hiddenEffects xmlns:a14="http://schemas.microsoft.com/office/drawing/2010/main">
+                <a:effectLst>
+                  <a:outerShdw dist="35921" dir="2700000" algn="ctr" rotWithShape="0">
+                    <a:schemeClr val="bg2"/>
+                  </a:outerShdw>
+                </a:effectLst>
+              </a14:hiddenEffects>
+            </a:ext>
+          </a:extLst>
+        </p:spPr>
+      </p:cxnSp>
+      <p:sp>
+        <p:nvSpPr>
+          <p:cNvPr id="12" name="Rechteck 11"/>
+          <p:cNvSpPr/>
+          <p:nvPr/>
+        </p:nvSpPr>
+        <p:spPr bwMode="auto">
+          <a:xfrm>
+            <a:off x="3724978" y="3652789"/>
+            <a:ext cx="4173512" cy="1193531"/>
+          </a:xfrm>
+          <a:prstGeom prst="rect">
+            <a:avLst/>
+          </a:prstGeom>
+          <a:solidFill>
+            <a:schemeClr val="bg1">
+              <a:lumMod val="85000"/>
+            </a:schemeClr>
+          </a:solidFill>
+          <a:ln w="6350" cap="flat" cmpd="sng" algn="ctr">
+            <a:solidFill>
+              <a:schemeClr val="tx1"/>
+            </a:solidFill>
+            <a:prstDash val="solid"/>
+            <a:round/>
+            <a:headEnd type="none" w="med" len="med"/>
+            <a:tailEnd type="none" w="med" len="med"/>
+          </a:ln>
+          <a:effectLst/>
+          <a:extLst/>
+        </p:spPr>
+        <p:txBody>
+          <a:bodyPr vert="horz" wrap="none" lIns="0" tIns="0" rIns="0" bIns="0" numCol="1" rtlCol="0" anchor="ctr" anchorCtr="0" compatLnSpc="1">
+            <a:prstTxWarp prst="textNoShape">
+              <a:avLst/>
+            </a:prstTxWarp>
+          </a:bodyPr>
+          <a:lstStyle/>
+          <a:p>
+            <a:pPr>
+              <a:lnSpc>
+                <a:spcPts val="800"/>
+              </a:lnSpc>
+            </a:pPr>
+            <a:endParaRPr lang="de-DE" altLang="de-DE" sz="1200" kern="0" dirty="0" smtClean="0"/>
+          </a:p>
+          <a:p>
+            <a:pPr>
+              <a:lnSpc>
+                <a:spcPts val="800"/>
+              </a:lnSpc>
+            </a:pPr>
+            <a:endParaRPr lang="de-DE" altLang="de-DE" sz="1200" kern="0" dirty="0" smtClean="0"/>
+          </a:p>
+          <a:p>
+            <a:pPr>
+              <a:lnSpc>
+                <a:spcPts val="800"/>
+              </a:lnSpc>
+            </a:pPr>
+            <a:endParaRPr lang="de-DE" altLang="de-DE" sz="1200" kern="0" dirty="0"/>
+          </a:p>
+          <a:p>
+            <a:pPr>
+              <a:lnSpc>
+                <a:spcPts val="800"/>
+              </a:lnSpc>
+            </a:pPr>
+            <a:r>
+              <a:rPr lang="de-DE" altLang="de-DE" sz="1200" b="1" kern="0" dirty="0" smtClean="0"/>
+              <a:t>Script</a:t>
+            </a:r>
+            <a:r>
+              <a:rPr lang="de-DE" altLang="de-DE" sz="1200" b="1" kern="0" dirty="0"/>
+              <a:t>: </a:t>
+            </a:r>
+            <a:r>
+              <a:rPr lang="de-DE" altLang="de-DE" sz="1200" kern="0" dirty="0"/>
+              <a:t>a </a:t>
+            </a:r>
+            <a:r>
+              <a:rPr lang="de-DE" altLang="de-DE" sz="1200" kern="0" dirty="0" err="1"/>
+              <a:t>new</a:t>
+            </a:r>
+            <a:r>
+              <a:rPr lang="de-DE" altLang="de-DE" sz="1200" kern="0" dirty="0"/>
+              <a:t> </a:t>
+            </a:r>
+            <a:r>
+              <a:rPr lang="de-DE" altLang="de-DE" sz="1200" kern="0" dirty="0" err="1"/>
+              <a:t>order</a:t>
+            </a:r>
+            <a:r>
+              <a:rPr lang="de-DE" altLang="de-DE" sz="1200" kern="0" dirty="0"/>
+              <a:t> </a:t>
+            </a:r>
+            <a:r>
+              <a:rPr lang="de-DE" altLang="de-DE" sz="1200" kern="0" dirty="0" err="1"/>
+              <a:t>has</a:t>
+            </a:r>
+            <a:r>
+              <a:rPr lang="de-DE" altLang="de-DE" sz="1200" kern="0" dirty="0"/>
+              <a:t> </a:t>
+            </a:r>
+            <a:r>
+              <a:rPr lang="de-DE" altLang="de-DE" sz="1200" kern="0" dirty="0" err="1"/>
+              <a:t>been</a:t>
+            </a:r>
+            <a:r>
+              <a:rPr lang="de-DE" altLang="de-DE" sz="1200" kern="0" dirty="0"/>
+              <a:t> </a:t>
+            </a:r>
+            <a:r>
+              <a:rPr lang="de-DE" altLang="de-DE" sz="1200" kern="0" dirty="0" err="1"/>
+              <a:t>created</a:t>
+            </a:r>
+            <a:r>
+              <a:rPr lang="de-DE" altLang="de-DE" sz="1200" kern="0" dirty="0"/>
+              <a:t> </a:t>
+            </a:r>
+            <a:r>
+              <a:rPr lang="de-DE" altLang="de-DE" sz="1200" kern="0" dirty="0" err="1"/>
+              <a:t>for</a:t>
+            </a:r>
+            <a:r>
+              <a:rPr lang="de-DE" altLang="de-DE" sz="1200" kern="0" dirty="0"/>
+              <a:t> </a:t>
+            </a:r>
+            <a:r>
+              <a:rPr lang="de-DE" altLang="de-DE" sz="1200" kern="0" dirty="0" err="1"/>
+              <a:t>the</a:t>
+            </a:r>
+            <a:r>
+              <a:rPr lang="de-DE" altLang="de-DE" sz="1200" kern="0" dirty="0"/>
+              <a:t> </a:t>
+            </a:r>
+            <a:r>
+              <a:rPr lang="de-DE" altLang="de-DE" sz="1200" kern="0" dirty="0" err="1"/>
+              <a:t>selected</a:t>
+            </a:r>
+            <a:r>
+              <a:rPr lang="de-DE" altLang="de-DE" sz="1200" kern="0" dirty="0"/>
+              <a:t> </a:t>
+            </a:r>
+            <a:r>
+              <a:rPr lang="de-DE" altLang="de-DE" sz="1200" kern="0" dirty="0" err="1"/>
+              <a:t>customer</a:t>
+            </a:r>
+            <a:endParaRPr lang="de-DE" altLang="de-DE" sz="1200" b="1" i="1" kern="0" dirty="0"/>
+          </a:p>
+          <a:p>
+            <a:pPr>
+              <a:lnSpc>
+                <a:spcPts val="800"/>
+              </a:lnSpc>
+            </a:pPr>
+            <a:endParaRPr lang="de-DE" altLang="de-DE" sz="1200" kern="0" dirty="0" smtClean="0"/>
+          </a:p>
+          <a:p>
+            <a:pPr>
+              <a:lnSpc>
+                <a:spcPts val="800"/>
+              </a:lnSpc>
+            </a:pPr>
+            <a:endParaRPr lang="de-DE" altLang="de-DE" sz="1200" kern="0" dirty="0"/>
+          </a:p>
+          <a:p>
+            <a:pPr>
+              <a:lnSpc>
+                <a:spcPts val="800"/>
+              </a:lnSpc>
+            </a:pPr>
+            <a:r>
+              <a:rPr lang="de-DE" altLang="de-DE" sz="1200" kern="0" dirty="0"/>
+              <a:t>C</a:t>
+            </a:r>
+            <a:r>
+              <a:rPr lang="de-DE" altLang="de-DE" sz="1200" kern="0" dirty="0" smtClean="0"/>
+              <a:t>lick </a:t>
+            </a:r>
+            <a:r>
+              <a:rPr lang="de-DE" altLang="de-DE" sz="1200" kern="0" dirty="0" err="1"/>
+              <a:t>b</a:t>
+            </a:r>
+            <a:r>
+              <a:rPr lang="de-DE" altLang="de-DE" sz="1200" kern="0" dirty="0" err="1" smtClean="0"/>
+              <a:t>utton</a:t>
+            </a:r>
+            <a:r>
+              <a:rPr lang="de-DE" altLang="de-DE" sz="1200" kern="0" dirty="0" smtClean="0"/>
+              <a:t> </a:t>
+            </a:r>
+            <a:r>
+              <a:rPr lang="de-DE" altLang="de-DE" sz="1200" kern="0" dirty="0"/>
+              <a:t>“</a:t>
+            </a:r>
+            <a:r>
+              <a:rPr lang="de-DE" altLang="de-DE" sz="1200" kern="0" dirty="0" smtClean="0"/>
+              <a:t>New“</a:t>
+            </a:r>
+            <a:endParaRPr lang="de-DE" altLang="de-DE" sz="1200" kern="0" dirty="0" smtClean="0"/>
+          </a:p>
+          <a:p>
+            <a:pPr>
+              <a:lnSpc>
+                <a:spcPts val="800"/>
+              </a:lnSpc>
+            </a:pPr>
+            <a:r>
+              <a:rPr lang="de-DE" altLang="de-DE" sz="1200" kern="0" dirty="0" smtClean="0"/>
+              <a:t>.</a:t>
+            </a:r>
+            <a:endParaRPr lang="de-DE" altLang="de-DE" sz="1200" kern="0" dirty="0"/>
+          </a:p>
+          <a:p>
+            <a:pPr>
+              <a:lnSpc>
+                <a:spcPts val="800"/>
+              </a:lnSpc>
+            </a:pPr>
+            <a:r>
+              <a:rPr lang="de-DE" altLang="de-DE" sz="1200" kern="0" dirty="0" smtClean="0"/>
+              <a:t>Select in </a:t>
+            </a:r>
+            <a:r>
+              <a:rPr lang="de-DE" altLang="de-DE" sz="1200" kern="0" dirty="0" err="1" smtClean="0"/>
+              <a:t>field</a:t>
+            </a:r>
+            <a:r>
+              <a:rPr lang="de-DE" altLang="de-DE" sz="1200" kern="0" dirty="0" smtClean="0"/>
+              <a:t> “Type“ </a:t>
+            </a:r>
+            <a:r>
+              <a:rPr lang="de-DE" altLang="de-DE" sz="1200" kern="0" dirty="0" err="1" smtClean="0"/>
+              <a:t>value</a:t>
+            </a:r>
+            <a:r>
+              <a:rPr lang="de-DE" altLang="de-DE" sz="1200" kern="0" dirty="0" smtClean="0"/>
+              <a:t> “Standard“.</a:t>
+            </a:r>
+            <a:endParaRPr lang="de-DE" altLang="de-DE" sz="1200" kern="0" dirty="0"/>
+          </a:p>
+          <a:p>
+            <a:pPr>
+              <a:lnSpc>
+                <a:spcPts val="800"/>
+              </a:lnSpc>
+            </a:pPr>
+            <a:endParaRPr lang="de-DE" altLang="de-DE" sz="1200" kern="0" dirty="0" smtClean="0"/>
+          </a:p>
+          <a:p>
+            <a:pPr>
+              <a:lnSpc>
+                <a:spcPts val="800"/>
+              </a:lnSpc>
+            </a:pPr>
+            <a:r>
+              <a:rPr lang="de-DE" altLang="de-DE" sz="1200" kern="0" dirty="0" smtClean="0"/>
+              <a:t>…</a:t>
+            </a:r>
+            <a:endParaRPr lang="de-DE" altLang="de-DE" sz="1200" kern="0" dirty="0"/>
+          </a:p>
+          <a:p>
+            <a:pPr>
+              <a:lnSpc>
+                <a:spcPts val="800"/>
+              </a:lnSpc>
+            </a:pPr>
+            <a:endParaRPr lang="de-DE" altLang="de-DE" sz="1200" kern="0" dirty="0"/>
+          </a:p>
+          <a:p>
+            <a:pPr>
+              <a:lnSpc>
+                <a:spcPts val="800"/>
+              </a:lnSpc>
+            </a:pPr>
+            <a:r>
+              <a:rPr lang="de-DE" altLang="de-DE" sz="1200" kern="0" dirty="0" smtClean="0"/>
+              <a:t>C</a:t>
+            </a:r>
+            <a:r>
+              <a:rPr lang="de-DE" altLang="de-DE" sz="1200" kern="0" dirty="0" smtClean="0"/>
+              <a:t>lick </a:t>
+            </a:r>
+            <a:r>
+              <a:rPr lang="de-DE" altLang="de-DE" sz="1200" kern="0" dirty="0" err="1"/>
+              <a:t>b</a:t>
+            </a:r>
+            <a:r>
+              <a:rPr lang="de-DE" altLang="de-DE" sz="1200" kern="0" dirty="0" err="1" smtClean="0"/>
+              <a:t>utton</a:t>
+            </a:r>
+            <a:r>
+              <a:rPr lang="de-DE" altLang="de-DE" sz="1200" kern="0" dirty="0" smtClean="0"/>
+              <a:t> </a:t>
+            </a:r>
+            <a:r>
+              <a:rPr lang="de-DE" altLang="de-DE" sz="1200" kern="0" dirty="0"/>
+              <a:t>“OK“.</a:t>
+            </a:r>
+          </a:p>
+          <a:p>
+            <a:pPr>
+              <a:lnSpc>
+                <a:spcPts val="800"/>
+              </a:lnSpc>
+            </a:pPr>
+            <a:endParaRPr lang="de-DE" altLang="de-DE" sz="1200" kern="0" dirty="0"/>
+          </a:p>
+          <a:p>
+            <a:pPr>
+              <a:lnSpc>
+                <a:spcPts val="800"/>
+              </a:lnSpc>
+            </a:pPr>
+            <a:endParaRPr lang="de-DE" altLang="de-DE" sz="1200" kern="0" dirty="0"/>
+          </a:p>
+        </p:txBody>
+      </p:sp>
+    </p:spTree>
+    <p:extLst>
+      <p:ext uri="{BB962C8B-B14F-4D97-AF65-F5344CB8AC3E}">
+        <p14:creationId xmlns:p14="http://schemas.microsoft.com/office/powerpoint/2010/main" val="1443244156"/>
+      </p:ext>
+    </p:extLst>
+  </p:cSld>
+  <p:clrMapOvr>
+    <a:masterClrMapping/>
+  </p:clrMapOvr>
+  <p:timing>
+    <p:tnLst>
+      <p:par>
+        <p:cTn id="1" dur="indefinite" restart="never" nodeType="tmRoot"/>
+      </p:par>
+    </p:tnLst>
+  </p:timing>
+</p:sld>
+</file>
+
+<file path=ppt/slides/slide15.xml><?xml version="1.0" encoding="utf-8"?>
+<p:sld xmlns:a="http://schemas.openxmlformats.org/drawingml/2006/main" xmlns:r="http://schemas.openxmlformats.org/officeDocument/2006/relationships" xmlns:p="http://schemas.openxmlformats.org/presentationml/2006/main">
+  <p:cSld>
+    <p:spTree>
+      <p:nvGrpSpPr>
+        <p:cNvPr id="1" name=""/>
+        <p:cNvGrpSpPr/>
+        <p:nvPr/>
+      </p:nvGrpSpPr>
+      <p:grpSpPr>
+        <a:xfrm>
+          <a:off x="0" y="0"/>
+          <a:ext cx="0" cy="0"/>
+          <a:chOff x="0" y="0"/>
+          <a:chExt cx="0" cy="0"/>
+        </a:xfrm>
+      </p:grpSpPr>
+      <p:sp>
+        <p:nvSpPr>
+          <p:cNvPr id="2" name="Ellipse 1"/>
+          <p:cNvSpPr/>
+          <p:nvPr/>
+        </p:nvSpPr>
+        <p:spPr bwMode="auto">
+          <a:xfrm>
+            <a:off x="1418887" y="1804625"/>
+            <a:ext cx="4002339" cy="3612407"/>
+          </a:xfrm>
+          <a:prstGeom prst="ellipse">
+            <a:avLst/>
+          </a:prstGeom>
+          <a:solidFill>
+            <a:srgbClr val="00B0F0">
+              <a:alpha val="50000"/>
+            </a:srgbClr>
+          </a:solidFill>
+          <a:ln w="6350" cap="flat" cmpd="sng" algn="ctr">
+            <a:noFill/>
+            <a:prstDash val="solid"/>
+            <a:round/>
+            <a:headEnd type="none" w="med" len="med"/>
+            <a:tailEnd type="none" w="med" len="med"/>
+          </a:ln>
+          <a:effectLst/>
+          <a:extLst/>
+        </p:spPr>
+        <p:txBody>
+          <a:bodyPr vert="horz" wrap="none" lIns="0" tIns="0" rIns="0" bIns="0" numCol="1" rtlCol="0" anchor="ctr" anchorCtr="0" compatLnSpc="1">
+            <a:prstTxWarp prst="textNoShape">
+              <a:avLst/>
+            </a:prstTxWarp>
+          </a:bodyPr>
+          <a:lstStyle/>
+          <a:p>
+            <a:pPr marL="0" marR="0" indent="0" algn="l" defTabSz="914400" rtl="0" eaLnBrk="1" fontAlgn="base" latinLnBrk="0" hangingPunct="1">
+              <a:lnSpc>
+                <a:spcPct val="100000"/>
+              </a:lnSpc>
+              <a:spcBef>
+                <a:spcPct val="0"/>
+              </a:spcBef>
+              <a:spcAft>
+                <a:spcPct val="0"/>
+              </a:spcAft>
+              <a:buClrTx/>
+              <a:buSzTx/>
+              <a:buFontTx/>
+              <a:buNone/>
+              <a:tabLst/>
+            </a:pPr>
+            <a:endParaRPr kumimoji="0" lang="de-DE" sz="1400" b="0" i="0" u="none" strike="noStrike" cap="none" normalizeH="0" baseline="0" dirty="0" smtClean="0">
+              <a:ln>
+                <a:noFill/>
+              </a:ln>
+              <a:solidFill>
+                <a:schemeClr val="tx1"/>
+              </a:solidFill>
+              <a:effectLst/>
+              <a:latin typeface="Arial" charset="0"/>
+              <a:cs typeface="Arial" charset="0"/>
+            </a:endParaRPr>
+          </a:p>
+        </p:txBody>
+      </p:sp>
+      <p:sp>
+        <p:nvSpPr>
+          <p:cNvPr id="3" name="Ellipse 2"/>
+          <p:cNvSpPr/>
+          <p:nvPr/>
+        </p:nvSpPr>
+        <p:spPr bwMode="auto">
+          <a:xfrm>
+            <a:off x="2674883" y="1231811"/>
+            <a:ext cx="4002339" cy="3612407"/>
+          </a:xfrm>
+          <a:prstGeom prst="ellipse">
+            <a:avLst/>
+          </a:prstGeom>
+          <a:solidFill>
+            <a:srgbClr val="00B050">
+              <a:alpha val="50000"/>
+            </a:srgbClr>
+          </a:solidFill>
+          <a:ln w="6350" cap="flat" cmpd="sng" algn="ctr">
+            <a:noFill/>
+            <a:prstDash val="solid"/>
+            <a:round/>
+            <a:headEnd type="none" w="med" len="med"/>
+            <a:tailEnd type="none" w="med" len="med"/>
+          </a:ln>
+          <a:effectLst/>
+          <a:extLst/>
+        </p:spPr>
+        <p:txBody>
+          <a:bodyPr vert="horz" wrap="none" lIns="0" tIns="0" rIns="0" bIns="0" numCol="1" rtlCol="0" anchor="ctr" anchorCtr="0" compatLnSpc="1">
+            <a:prstTxWarp prst="textNoShape">
+              <a:avLst/>
+            </a:prstTxWarp>
+          </a:bodyPr>
+          <a:lstStyle/>
+          <a:p>
+            <a:pPr marL="0" marR="0" indent="0" algn="l" defTabSz="914400" rtl="0" eaLnBrk="1" fontAlgn="base" latinLnBrk="0" hangingPunct="1">
+              <a:lnSpc>
+                <a:spcPct val="100000"/>
+              </a:lnSpc>
+              <a:spcBef>
+                <a:spcPct val="0"/>
+              </a:spcBef>
+              <a:spcAft>
+                <a:spcPct val="0"/>
+              </a:spcAft>
+              <a:buClrTx/>
+              <a:buSzTx/>
+              <a:buFontTx/>
+              <a:buNone/>
+              <a:tabLst/>
+            </a:pPr>
+            <a:endParaRPr kumimoji="0" lang="de-DE" sz="1400" b="0" i="0" u="none" strike="noStrike" cap="none" normalizeH="0" baseline="0" dirty="0" smtClean="0">
+              <a:ln>
+                <a:noFill/>
+              </a:ln>
+              <a:solidFill>
+                <a:schemeClr val="tx1"/>
+              </a:solidFill>
+              <a:effectLst/>
+              <a:latin typeface="Arial" charset="0"/>
+              <a:cs typeface="Arial" charset="0"/>
+            </a:endParaRPr>
+          </a:p>
+        </p:txBody>
+      </p:sp>
+      <p:sp>
+        <p:nvSpPr>
+          <p:cNvPr id="4" name="Ellipse 3"/>
+          <p:cNvSpPr/>
+          <p:nvPr/>
+        </p:nvSpPr>
+        <p:spPr bwMode="auto">
+          <a:xfrm>
+            <a:off x="2611821" y="2335397"/>
+            <a:ext cx="4002339" cy="3612407"/>
+          </a:xfrm>
+          <a:prstGeom prst="ellipse">
+            <a:avLst/>
+          </a:prstGeom>
+          <a:solidFill>
+            <a:srgbClr val="FF0000">
+              <a:alpha val="50000"/>
+            </a:srgbClr>
+          </a:solidFill>
+          <a:ln w="6350" cap="flat" cmpd="sng" algn="ctr">
+            <a:noFill/>
+            <a:prstDash val="solid"/>
+            <a:round/>
+            <a:headEnd type="none" w="med" len="med"/>
+            <a:tailEnd type="none" w="med" len="med"/>
+          </a:ln>
+          <a:effectLst/>
+          <a:extLst/>
+        </p:spPr>
+        <p:txBody>
+          <a:bodyPr vert="horz" wrap="none" lIns="0" tIns="0" rIns="0" bIns="0" numCol="1" rtlCol="0" anchor="ctr" anchorCtr="0" compatLnSpc="1">
+            <a:prstTxWarp prst="textNoShape">
+              <a:avLst/>
+            </a:prstTxWarp>
+          </a:bodyPr>
+          <a:lstStyle/>
+          <a:p>
+            <a:pPr marL="0" marR="0" indent="0" algn="l" defTabSz="914400" rtl="0" eaLnBrk="1" fontAlgn="base" latinLnBrk="0" hangingPunct="1">
+              <a:lnSpc>
+                <a:spcPct val="100000"/>
+              </a:lnSpc>
+              <a:spcBef>
+                <a:spcPct val="0"/>
+              </a:spcBef>
+              <a:spcAft>
+                <a:spcPct val="0"/>
+              </a:spcAft>
+              <a:buClrTx/>
+              <a:buSzTx/>
+              <a:buFontTx/>
+              <a:buNone/>
+              <a:tabLst/>
+            </a:pPr>
+            <a:endParaRPr kumimoji="0" lang="de-DE" sz="1400" b="0" i="0" u="none" strike="noStrike" cap="none" normalizeH="0" baseline="0" dirty="0" smtClean="0">
+              <a:ln>
+                <a:noFill/>
+              </a:ln>
+              <a:solidFill>
+                <a:schemeClr val="tx1"/>
+              </a:solidFill>
+              <a:effectLst/>
+              <a:latin typeface="Arial" charset="0"/>
+              <a:cs typeface="Arial" charset="0"/>
+            </a:endParaRPr>
+          </a:p>
+        </p:txBody>
+      </p:sp>
+      <p:sp>
+        <p:nvSpPr>
+          <p:cNvPr id="5" name="Textfeld 4"/>
+          <p:cNvSpPr txBox="1"/>
+          <p:nvPr/>
+        </p:nvSpPr>
+        <p:spPr>
+          <a:xfrm>
+            <a:off x="5221968" y="1450682"/>
+            <a:ext cx="1667444" cy="1015663"/>
+          </a:xfrm>
+          <a:prstGeom prst="rect">
+            <a:avLst/>
+          </a:prstGeom>
+          <a:noFill/>
+        </p:spPr>
+        <p:txBody>
+          <a:bodyPr wrap="none" rtlCol="0">
+            <a:spAutoFit/>
+          </a:bodyPr>
+          <a:lstStyle/>
+          <a:p>
+            <a:pPr algn="ctr"/>
+            <a:r>
+              <a:rPr lang="de-DE" sz="2000" b="1" dirty="0" err="1" smtClean="0"/>
+              <a:t>Automated</a:t>
+            </a:r>
+            <a:endParaRPr lang="de-DE" sz="2000" b="1" dirty="0" smtClean="0"/>
+          </a:p>
+          <a:p>
+            <a:pPr algn="ctr"/>
+            <a:r>
+              <a:rPr lang="de-DE" sz="2000" b="1" dirty="0" err="1" smtClean="0"/>
+              <a:t>Acceptance</a:t>
+            </a:r>
+            <a:endParaRPr lang="de-DE" sz="2000" b="1" dirty="0" smtClean="0"/>
+          </a:p>
+          <a:p>
+            <a:pPr algn="ctr"/>
+            <a:r>
+              <a:rPr lang="de-DE" sz="2000" b="1" dirty="0" smtClean="0"/>
+              <a:t>Tests</a:t>
+            </a:r>
+            <a:endParaRPr lang="de-DE" sz="2000" b="1" dirty="0"/>
+          </a:p>
+        </p:txBody>
+      </p:sp>
+      <p:sp>
+        <p:nvSpPr>
+          <p:cNvPr id="6" name="Textfeld 5"/>
+          <p:cNvSpPr txBox="1"/>
+          <p:nvPr/>
+        </p:nvSpPr>
+        <p:spPr>
+          <a:xfrm>
+            <a:off x="2868195" y="4642134"/>
+            <a:ext cx="1677061" cy="584775"/>
+          </a:xfrm>
+          <a:prstGeom prst="rect">
+            <a:avLst/>
+          </a:prstGeom>
+          <a:noFill/>
+        </p:spPr>
+        <p:txBody>
+          <a:bodyPr wrap="none" rtlCol="0">
+            <a:spAutoFit/>
+          </a:bodyPr>
+          <a:lstStyle/>
+          <a:p>
+            <a:pPr algn="ctr"/>
+            <a:r>
+              <a:rPr lang="de-DE" sz="1600" b="1" i="1" dirty="0" smtClean="0"/>
+              <a:t>Living</a:t>
+            </a:r>
+          </a:p>
+          <a:p>
+            <a:pPr algn="ctr"/>
+            <a:r>
+              <a:rPr lang="de-DE" sz="1600" b="1" i="1" dirty="0" err="1" smtClean="0"/>
+              <a:t>Documentation</a:t>
+            </a:r>
+            <a:endParaRPr lang="de-DE" sz="1600" b="1" i="1" dirty="0"/>
+          </a:p>
+        </p:txBody>
+      </p:sp>
+      <p:sp>
+        <p:nvSpPr>
+          <p:cNvPr id="7" name="Textfeld 6"/>
+          <p:cNvSpPr txBox="1"/>
+          <p:nvPr/>
+        </p:nvSpPr>
+        <p:spPr>
+          <a:xfrm>
+            <a:off x="4484931" y="5239918"/>
+            <a:ext cx="3304110" cy="707886"/>
+          </a:xfrm>
+          <a:prstGeom prst="rect">
+            <a:avLst/>
+          </a:prstGeom>
+          <a:noFill/>
+        </p:spPr>
+        <p:txBody>
+          <a:bodyPr wrap="none" rtlCol="0">
+            <a:spAutoFit/>
+          </a:bodyPr>
+          <a:lstStyle/>
+          <a:p>
+            <a:pPr algn="ctr"/>
+            <a:r>
+              <a:rPr lang="de-DE" sz="2000" b="1" dirty="0" err="1" smtClean="0"/>
+              <a:t>Specification-by</a:t>
+            </a:r>
+            <a:r>
+              <a:rPr lang="de-DE" sz="2000" b="1" dirty="0" err="1"/>
+              <a:t>-</a:t>
+            </a:r>
+            <a:r>
+              <a:rPr lang="de-DE" sz="2000" b="1" dirty="0" err="1" smtClean="0"/>
+              <a:t>Example</a:t>
+            </a:r>
+            <a:endParaRPr lang="de-DE" sz="2000" b="1" dirty="0" smtClean="0"/>
+          </a:p>
+          <a:p>
+            <a:pPr algn="ctr"/>
+            <a:r>
+              <a:rPr lang="de-DE" sz="2000" b="1" dirty="0" err="1" smtClean="0"/>
+              <a:t>Requirements</a:t>
+            </a:r>
+            <a:endParaRPr lang="de-DE" sz="2000" b="1" dirty="0" smtClean="0"/>
+          </a:p>
+        </p:txBody>
+      </p:sp>
+      <p:sp>
+        <p:nvSpPr>
+          <p:cNvPr id="8" name="Textfeld 7"/>
+          <p:cNvSpPr txBox="1"/>
+          <p:nvPr/>
+        </p:nvSpPr>
+        <p:spPr>
+          <a:xfrm>
+            <a:off x="3195573" y="3118671"/>
+            <a:ext cx="2183610" cy="954107"/>
+          </a:xfrm>
+          <a:prstGeom prst="rect">
+            <a:avLst/>
+          </a:prstGeom>
+          <a:noFill/>
+        </p:spPr>
+        <p:txBody>
+          <a:bodyPr wrap="none" rtlCol="0">
+            <a:spAutoFit/>
+          </a:bodyPr>
+          <a:lstStyle>
+            <a:defPPr>
+              <a:defRPr lang="de-DE"/>
+            </a:defPPr>
+            <a:lvl1pPr algn="ctr">
+              <a:defRPr sz="2000" b="1"/>
+            </a:lvl1pPr>
+          </a:lstStyle>
+          <a:p>
+            <a:r>
+              <a:rPr lang="de-DE" sz="2800" dirty="0" err="1"/>
+              <a:t>Executable</a:t>
+            </a:r>
+            <a:r>
+              <a:rPr lang="de-DE" sz="2800" dirty="0"/>
+              <a:t> </a:t>
+            </a:r>
+          </a:p>
+          <a:p>
+            <a:r>
+              <a:rPr lang="de-DE" sz="2800" dirty="0" err="1"/>
+              <a:t>Examples</a:t>
+            </a:r>
+            <a:endParaRPr lang="de-DE" sz="2800" dirty="0"/>
+          </a:p>
+        </p:txBody>
+      </p:sp>
+      <p:sp>
+        <p:nvSpPr>
+          <p:cNvPr id="9" name="Textfeld 8"/>
+          <p:cNvSpPr txBox="1"/>
+          <p:nvPr/>
+        </p:nvSpPr>
+        <p:spPr>
+          <a:xfrm>
+            <a:off x="5398329" y="3267293"/>
+            <a:ext cx="1092736" cy="584775"/>
+          </a:xfrm>
+          <a:prstGeom prst="rect">
+            <a:avLst/>
+          </a:prstGeom>
+          <a:noFill/>
+        </p:spPr>
+        <p:txBody>
+          <a:bodyPr wrap="none" rtlCol="0">
+            <a:spAutoFit/>
+          </a:bodyPr>
+          <a:lstStyle/>
+          <a:p>
+            <a:pPr algn="ctr"/>
+            <a:r>
+              <a:rPr lang="de-DE" sz="1600" b="1" dirty="0" smtClean="0"/>
+              <a:t>Domain</a:t>
+            </a:r>
+          </a:p>
+          <a:p>
+            <a:pPr algn="ctr"/>
+            <a:r>
+              <a:rPr lang="de-DE" sz="1600" b="1" dirty="0" smtClean="0"/>
+              <a:t>Test Data</a:t>
+            </a:r>
+            <a:endParaRPr lang="de-DE" sz="1600" b="1" dirty="0"/>
+          </a:p>
+        </p:txBody>
+      </p:sp>
+      <p:sp>
+        <p:nvSpPr>
+          <p:cNvPr id="10" name="Textfeld 9"/>
+          <p:cNvSpPr txBox="1"/>
+          <p:nvPr/>
+        </p:nvSpPr>
+        <p:spPr>
+          <a:xfrm>
+            <a:off x="588253" y="3066916"/>
+            <a:ext cx="1595309" cy="1015663"/>
+          </a:xfrm>
+          <a:prstGeom prst="rect">
+            <a:avLst/>
+          </a:prstGeom>
+          <a:noFill/>
+        </p:spPr>
+        <p:txBody>
+          <a:bodyPr wrap="none" rtlCol="0">
+            <a:spAutoFit/>
+          </a:bodyPr>
+          <a:lstStyle/>
+          <a:p>
+            <a:pPr algn="ctr"/>
+            <a:r>
+              <a:rPr lang="de-DE" sz="2000" b="1" dirty="0" err="1" smtClean="0"/>
+              <a:t>Actual</a:t>
+            </a:r>
+            <a:endParaRPr lang="de-DE" sz="2000" b="1" dirty="0" smtClean="0"/>
+          </a:p>
+          <a:p>
+            <a:pPr algn="ctr"/>
+            <a:r>
+              <a:rPr lang="de-DE" sz="2000" b="1" dirty="0" smtClean="0"/>
+              <a:t>System </a:t>
+            </a:r>
+          </a:p>
+          <a:p>
+            <a:pPr algn="ctr"/>
+            <a:r>
+              <a:rPr lang="de-DE" sz="2000" b="1" dirty="0" smtClean="0"/>
+              <a:t>Description</a:t>
+            </a:r>
+            <a:endParaRPr lang="de-DE" sz="2000" b="1" dirty="0"/>
+          </a:p>
+        </p:txBody>
+      </p:sp>
+      <p:sp>
+        <p:nvSpPr>
+          <p:cNvPr id="11" name="Textfeld 10"/>
+          <p:cNvSpPr txBox="1"/>
+          <p:nvPr/>
+        </p:nvSpPr>
+        <p:spPr>
+          <a:xfrm>
+            <a:off x="2941981" y="1887278"/>
+            <a:ext cx="1428596" cy="584775"/>
+          </a:xfrm>
+          <a:prstGeom prst="rect">
+            <a:avLst/>
+          </a:prstGeom>
+          <a:noFill/>
+        </p:spPr>
+        <p:txBody>
+          <a:bodyPr wrap="none" rtlCol="0">
+            <a:spAutoFit/>
+          </a:bodyPr>
+          <a:lstStyle/>
+          <a:p>
+            <a:pPr algn="ctr"/>
+            <a:r>
+              <a:rPr lang="de-DE" sz="1600" b="1" i="1" dirty="0" smtClean="0"/>
+              <a:t>Single Point </a:t>
+            </a:r>
+          </a:p>
+          <a:p>
+            <a:pPr algn="ctr"/>
+            <a:r>
+              <a:rPr lang="de-DE" sz="1600" b="1" i="1" dirty="0" err="1" smtClean="0"/>
+              <a:t>of</a:t>
+            </a:r>
+            <a:r>
+              <a:rPr lang="de-DE" sz="1600" b="1" i="1" dirty="0" smtClean="0"/>
+              <a:t> </a:t>
+            </a:r>
+            <a:r>
+              <a:rPr lang="de-DE" sz="1600" b="1" i="1" dirty="0" err="1" smtClean="0"/>
+              <a:t>Truth</a:t>
+            </a:r>
+            <a:endParaRPr lang="de-DE" sz="1600" b="1" i="1" dirty="0"/>
+          </a:p>
+        </p:txBody>
+      </p:sp>
+      <p:sp>
+        <p:nvSpPr>
+          <p:cNvPr id="12" name="Rechteckige Legende 11"/>
+          <p:cNvSpPr/>
+          <p:nvPr/>
+        </p:nvSpPr>
+        <p:spPr bwMode="auto">
+          <a:xfrm>
+            <a:off x="267811" y="1245889"/>
+            <a:ext cx="2106273" cy="694064"/>
+          </a:xfrm>
+          <a:prstGeom prst="wedgeRectCallout">
+            <a:avLst>
+              <a:gd name="adj1" fmla="val 88210"/>
+              <a:gd name="adj2" fmla="val 88389"/>
+            </a:avLst>
+          </a:prstGeom>
+          <a:solidFill>
+            <a:schemeClr val="bg1">
+              <a:lumMod val="95000"/>
+            </a:schemeClr>
+          </a:solidFill>
+          <a:ln w="6350" cap="flat" cmpd="sng" algn="ctr">
+            <a:solidFill>
+              <a:schemeClr val="bg2"/>
+            </a:solidFill>
+            <a:prstDash val="solid"/>
+            <a:round/>
+            <a:headEnd type="none" w="med" len="med"/>
+            <a:tailEnd type="none" w="med" len="med"/>
+          </a:ln>
+          <a:effectLst/>
+          <a:extLst/>
+        </p:spPr>
+        <p:txBody>
+          <a:bodyPr vert="horz" wrap="none" lIns="72000" tIns="72000" rIns="72000" bIns="72000" numCol="1" rtlCol="0" anchor="ctr" anchorCtr="0" compatLnSpc="1">
+            <a:prstTxWarp prst="textNoShape">
+              <a:avLst/>
+            </a:prstTxWarp>
+          </a:bodyPr>
+          <a:lstStyle/>
+          <a:p>
+            <a:pPr marL="0" marR="0" indent="0" algn="l" defTabSz="914400" rtl="0" eaLnBrk="1" fontAlgn="base" latinLnBrk="0" hangingPunct="1">
+              <a:lnSpc>
+                <a:spcPct val="100000"/>
+              </a:lnSpc>
+              <a:spcBef>
+                <a:spcPct val="0"/>
+              </a:spcBef>
+              <a:spcAft>
+                <a:spcPct val="0"/>
+              </a:spcAft>
+              <a:buClrTx/>
+              <a:buSzTx/>
+              <a:buFontTx/>
+              <a:buNone/>
+              <a:tabLst/>
+            </a:pPr>
+            <a:r>
+              <a:rPr kumimoji="0" lang="de-DE" sz="1400" b="0" i="0" u="none" strike="noStrike" cap="none" normalizeH="0" baseline="0" dirty="0" err="1" smtClean="0">
+                <a:ln>
+                  <a:noFill/>
+                </a:ln>
+                <a:solidFill>
+                  <a:schemeClr val="tx1"/>
+                </a:solidFill>
+                <a:effectLst/>
+                <a:latin typeface="Arial" charset="0"/>
+                <a:cs typeface="Arial" charset="0"/>
+              </a:rPr>
+              <a:t>No</a:t>
+            </a:r>
+            <a:r>
+              <a:rPr kumimoji="0" lang="de-DE" sz="1400" b="0" i="0" u="none" strike="noStrike" cap="none" normalizeH="0" baseline="0" dirty="0" smtClean="0">
+                <a:ln>
+                  <a:noFill/>
+                </a:ln>
+                <a:solidFill>
+                  <a:schemeClr val="tx1"/>
+                </a:solidFill>
+                <a:effectLst/>
+                <a:latin typeface="Arial" charset="0"/>
+                <a:cs typeface="Arial" charset="0"/>
+              </a:rPr>
+              <a:t> </a:t>
+            </a:r>
+            <a:r>
+              <a:rPr kumimoji="0" lang="de-DE" sz="1400" b="0" i="0" u="none" strike="noStrike" cap="none" normalizeH="0" baseline="0" dirty="0" err="1" smtClean="0">
+                <a:ln>
+                  <a:noFill/>
+                </a:ln>
+                <a:solidFill>
+                  <a:schemeClr val="tx1"/>
+                </a:solidFill>
+                <a:effectLst/>
+                <a:latin typeface="Arial" charset="0"/>
+                <a:cs typeface="Arial" charset="0"/>
+              </a:rPr>
+              <a:t>Divergence</a:t>
+            </a:r>
+            <a:r>
+              <a:rPr kumimoji="0" lang="de-DE" sz="1400" b="0" i="0" u="none" strike="noStrike" cap="none" normalizeH="0" baseline="0" dirty="0" smtClean="0">
+                <a:ln>
+                  <a:noFill/>
+                </a:ln>
+                <a:solidFill>
+                  <a:schemeClr val="tx1"/>
+                </a:solidFill>
+                <a:effectLst/>
+                <a:latin typeface="Arial" charset="0"/>
+                <a:cs typeface="Arial" charset="0"/>
+              </a:rPr>
+              <a:t> </a:t>
+            </a:r>
+            <a:r>
+              <a:rPr kumimoji="0" lang="de-DE" sz="1400" b="0" i="0" u="none" strike="noStrike" cap="none" normalizeH="0" baseline="0" dirty="0" err="1" smtClean="0">
+                <a:ln>
+                  <a:noFill/>
+                </a:ln>
+                <a:solidFill>
+                  <a:schemeClr val="tx1"/>
+                </a:solidFill>
+                <a:effectLst/>
+                <a:latin typeface="Arial" charset="0"/>
+                <a:cs typeface="Arial" charset="0"/>
+              </a:rPr>
+              <a:t>between</a:t>
+            </a:r>
+            <a:endParaRPr kumimoji="0" lang="de-DE" sz="1400" b="0" i="0" u="none" strike="noStrike" cap="none" normalizeH="0" baseline="0" dirty="0" smtClean="0">
+              <a:ln>
+                <a:noFill/>
+              </a:ln>
+              <a:solidFill>
+                <a:schemeClr val="tx1"/>
+              </a:solidFill>
+              <a:effectLst/>
+              <a:latin typeface="Arial" charset="0"/>
+              <a:cs typeface="Arial" charset="0"/>
+            </a:endParaRPr>
+          </a:p>
+          <a:p>
+            <a:pPr marL="0" marR="0" indent="0" algn="l" defTabSz="914400" rtl="0" eaLnBrk="1" fontAlgn="base" latinLnBrk="0" hangingPunct="1">
+              <a:lnSpc>
+                <a:spcPct val="100000"/>
+              </a:lnSpc>
+              <a:spcBef>
+                <a:spcPct val="0"/>
+              </a:spcBef>
+              <a:spcAft>
+                <a:spcPct val="0"/>
+              </a:spcAft>
+              <a:buClrTx/>
+              <a:buSzTx/>
+              <a:buFontTx/>
+              <a:buNone/>
+              <a:tabLst/>
+            </a:pPr>
+            <a:r>
+              <a:rPr lang="de-DE" smtClean="0"/>
+              <a:t>System Docs, Tests and</a:t>
+            </a:r>
+          </a:p>
+          <a:p>
+            <a:pPr marL="0" marR="0" indent="0" algn="l" defTabSz="914400" rtl="0" eaLnBrk="1" fontAlgn="base" latinLnBrk="0" hangingPunct="1">
+              <a:lnSpc>
+                <a:spcPct val="100000"/>
+              </a:lnSpc>
+              <a:spcBef>
+                <a:spcPct val="0"/>
+              </a:spcBef>
+              <a:spcAft>
+                <a:spcPct val="0"/>
+              </a:spcAft>
+              <a:buClrTx/>
+              <a:buSzTx/>
+              <a:buFontTx/>
+              <a:buNone/>
+              <a:tabLst/>
+            </a:pPr>
+            <a:r>
+              <a:rPr kumimoji="0" lang="de-DE" sz="1400" b="0" i="0" u="none" strike="noStrike" cap="none" normalizeH="0" baseline="0" smtClean="0">
+                <a:ln>
+                  <a:noFill/>
+                </a:ln>
+                <a:solidFill>
+                  <a:schemeClr val="tx1"/>
+                </a:solidFill>
+                <a:effectLst/>
+                <a:latin typeface="Arial" charset="0"/>
+                <a:cs typeface="Arial" charset="0"/>
+              </a:rPr>
+              <a:t>System behaviour</a:t>
+            </a:r>
+            <a:endParaRPr kumimoji="0" lang="de-DE" sz="1400" b="0" i="0" u="none" strike="noStrike" cap="none" normalizeH="0" baseline="0" dirty="0" smtClean="0">
+              <a:ln>
+                <a:noFill/>
+              </a:ln>
+              <a:solidFill>
+                <a:schemeClr val="tx1"/>
+              </a:solidFill>
+              <a:effectLst/>
+              <a:latin typeface="Arial" charset="0"/>
+              <a:cs typeface="Arial" charset="0"/>
+            </a:endParaRPr>
+          </a:p>
+        </p:txBody>
+      </p:sp>
+      <p:sp>
+        <p:nvSpPr>
+          <p:cNvPr id="13" name="Rechteckige Legende 12"/>
+          <p:cNvSpPr/>
+          <p:nvPr/>
+        </p:nvSpPr>
+        <p:spPr bwMode="auto">
+          <a:xfrm>
+            <a:off x="6889412" y="3323372"/>
+            <a:ext cx="1857297" cy="530798"/>
+          </a:xfrm>
+          <a:prstGeom prst="wedgeRectCallout">
+            <a:avLst>
+              <a:gd name="adj1" fmla="val -77476"/>
+              <a:gd name="adj2" fmla="val -1870"/>
+            </a:avLst>
+          </a:prstGeom>
+          <a:solidFill>
+            <a:schemeClr val="bg1">
+              <a:lumMod val="95000"/>
+            </a:schemeClr>
+          </a:solidFill>
+          <a:ln w="6350" cap="flat" cmpd="sng" algn="ctr">
+            <a:solidFill>
+              <a:schemeClr val="bg2"/>
+            </a:solidFill>
+            <a:prstDash val="solid"/>
+            <a:round/>
+            <a:headEnd type="none" w="med" len="med"/>
+            <a:tailEnd type="none" w="med" len="med"/>
+          </a:ln>
+          <a:effectLst/>
+          <a:extLst/>
+        </p:spPr>
+        <p:txBody>
+          <a:bodyPr vert="horz" wrap="none" lIns="72000" tIns="72000" rIns="72000" bIns="72000" numCol="1" rtlCol="0" anchor="ctr" anchorCtr="0" compatLnSpc="1">
+            <a:prstTxWarp prst="textNoShape">
+              <a:avLst/>
+            </a:prstTxWarp>
+          </a:bodyPr>
+          <a:lstStyle/>
+          <a:p>
+            <a:pPr marL="0" marR="0" indent="0" algn="l" defTabSz="914400" rtl="0" eaLnBrk="1" fontAlgn="base" latinLnBrk="0" hangingPunct="1">
+              <a:lnSpc>
+                <a:spcPct val="100000"/>
+              </a:lnSpc>
+              <a:spcBef>
+                <a:spcPct val="0"/>
+              </a:spcBef>
+              <a:spcAft>
+                <a:spcPct val="0"/>
+              </a:spcAft>
+              <a:buClrTx/>
+              <a:buSzTx/>
+              <a:buFontTx/>
+              <a:buNone/>
+              <a:tabLst/>
+            </a:pPr>
+            <a:r>
+              <a:rPr kumimoji="0" lang="de-DE" sz="1400" b="0" i="0" u="none" strike="noStrike" cap="none" normalizeH="0" baseline="0" dirty="0" smtClean="0">
+                <a:ln>
+                  <a:noFill/>
+                </a:ln>
+                <a:solidFill>
+                  <a:schemeClr val="tx1"/>
+                </a:solidFill>
+                <a:effectLst/>
+                <a:latin typeface="Arial" charset="0"/>
+                <a:cs typeface="Arial" charset="0"/>
+              </a:rPr>
+              <a:t>Test Data </a:t>
+            </a:r>
+            <a:r>
+              <a:rPr kumimoji="0" lang="de-DE" sz="1400" b="0" i="0" u="none" strike="noStrike" cap="none" normalizeH="0" baseline="0" dirty="0" err="1" smtClean="0">
+                <a:ln>
+                  <a:noFill/>
+                </a:ln>
+                <a:solidFill>
+                  <a:schemeClr val="tx1"/>
+                </a:solidFill>
+                <a:effectLst/>
+                <a:latin typeface="Arial" charset="0"/>
+                <a:cs typeface="Arial" charset="0"/>
+              </a:rPr>
+              <a:t>defined</a:t>
+            </a:r>
+            <a:r>
+              <a:rPr kumimoji="0" lang="de-DE" sz="1400" b="0" i="0" u="none" strike="noStrike" cap="none" normalizeH="0" dirty="0" smtClean="0">
+                <a:ln>
+                  <a:noFill/>
+                </a:ln>
+                <a:solidFill>
+                  <a:schemeClr val="tx1"/>
+                </a:solidFill>
+                <a:effectLst/>
+                <a:latin typeface="Arial" charset="0"/>
+                <a:cs typeface="Arial" charset="0"/>
+              </a:rPr>
+              <a:t> </a:t>
+            </a:r>
+            <a:r>
+              <a:rPr kumimoji="0" lang="de-DE" sz="1400" b="0" i="0" u="none" strike="noStrike" cap="none" normalizeH="0" dirty="0" err="1" smtClean="0">
+                <a:ln>
+                  <a:noFill/>
+                </a:ln>
+                <a:solidFill>
+                  <a:schemeClr val="tx1"/>
+                </a:solidFill>
+                <a:effectLst/>
+                <a:latin typeface="Arial" charset="0"/>
+                <a:cs typeface="Arial" charset="0"/>
+              </a:rPr>
+              <a:t>by</a:t>
+            </a:r>
+            <a:endParaRPr kumimoji="0" lang="de-DE" sz="1400" b="0" i="0" u="none" strike="noStrike" cap="none" normalizeH="0" baseline="0" dirty="0" smtClean="0">
+              <a:ln>
+                <a:noFill/>
+              </a:ln>
+              <a:solidFill>
+                <a:schemeClr val="tx1"/>
+              </a:solidFill>
+              <a:effectLst/>
+              <a:latin typeface="Arial" charset="0"/>
+              <a:cs typeface="Arial" charset="0"/>
+            </a:endParaRPr>
+          </a:p>
+          <a:p>
+            <a:pPr marL="0" marR="0" indent="0" algn="l" defTabSz="914400" rtl="0" eaLnBrk="1" fontAlgn="base" latinLnBrk="0" hangingPunct="1">
+              <a:lnSpc>
+                <a:spcPct val="100000"/>
+              </a:lnSpc>
+              <a:spcBef>
+                <a:spcPct val="0"/>
+              </a:spcBef>
+              <a:spcAft>
+                <a:spcPct val="0"/>
+              </a:spcAft>
+              <a:buClrTx/>
+              <a:buSzTx/>
+              <a:buFontTx/>
+              <a:buNone/>
+              <a:tabLst/>
+            </a:pPr>
+            <a:r>
+              <a:rPr lang="de-DE" dirty="0" smtClean="0"/>
+              <a:t>Domain </a:t>
+            </a:r>
+            <a:r>
+              <a:rPr lang="de-DE" dirty="0" err="1" smtClean="0"/>
+              <a:t>Experts</a:t>
+            </a:r>
+            <a:r>
+              <a:rPr lang="de-DE" dirty="0" smtClean="0"/>
+              <a:t>.</a:t>
+            </a:r>
+            <a:endParaRPr kumimoji="0" lang="de-DE" sz="1400" b="0" i="0" u="none" strike="noStrike" cap="none" normalizeH="0" baseline="0" dirty="0" smtClean="0">
+              <a:ln>
+                <a:noFill/>
+              </a:ln>
+              <a:solidFill>
+                <a:schemeClr val="tx1"/>
+              </a:solidFill>
+              <a:effectLst/>
+              <a:latin typeface="Arial" charset="0"/>
+              <a:cs typeface="Arial" charset="0"/>
+            </a:endParaRPr>
+          </a:p>
+        </p:txBody>
+      </p:sp>
+      <p:sp>
+        <p:nvSpPr>
+          <p:cNvPr id="14" name="Rechteckige Legende 13"/>
+          <p:cNvSpPr/>
+          <p:nvPr/>
+        </p:nvSpPr>
+        <p:spPr bwMode="auto">
+          <a:xfrm>
+            <a:off x="712602" y="5587300"/>
+            <a:ext cx="2642300" cy="539179"/>
+          </a:xfrm>
+          <a:prstGeom prst="wedgeRectCallout">
+            <a:avLst>
+              <a:gd name="adj1" fmla="val 49707"/>
+              <a:gd name="adj2" fmla="val -108572"/>
+            </a:avLst>
+          </a:prstGeom>
+          <a:solidFill>
+            <a:schemeClr val="bg1">
+              <a:lumMod val="95000"/>
+            </a:schemeClr>
+          </a:solidFill>
+          <a:ln w="6350" cap="flat" cmpd="sng" algn="ctr">
+            <a:solidFill>
+              <a:schemeClr val="bg2"/>
+            </a:solidFill>
+            <a:prstDash val="solid"/>
+            <a:round/>
+            <a:headEnd type="none" w="med" len="med"/>
+            <a:tailEnd type="none" w="med" len="med"/>
+          </a:ln>
+          <a:effectLst/>
+          <a:extLst/>
+        </p:spPr>
+        <p:txBody>
+          <a:bodyPr vert="horz" wrap="none" lIns="144000" tIns="144000" rIns="144000" bIns="144000" numCol="1" rtlCol="0" anchor="ctr" anchorCtr="0" compatLnSpc="1">
+            <a:prstTxWarp prst="textNoShape">
+              <a:avLst/>
+            </a:prstTxWarp>
+          </a:bodyPr>
+          <a:lstStyle/>
+          <a:p>
+            <a:pPr marL="0" marR="0" indent="0" algn="l" defTabSz="914400" rtl="0" eaLnBrk="1" fontAlgn="base" latinLnBrk="0" hangingPunct="1">
+              <a:lnSpc>
+                <a:spcPct val="100000"/>
+              </a:lnSpc>
+              <a:spcBef>
+                <a:spcPct val="0"/>
+              </a:spcBef>
+              <a:spcAft>
+                <a:spcPct val="0"/>
+              </a:spcAft>
+              <a:buClrTx/>
+              <a:buSzTx/>
+              <a:buFontTx/>
+              <a:buNone/>
+              <a:tabLst/>
+            </a:pPr>
+            <a:r>
+              <a:rPr kumimoji="0" lang="de-DE" sz="1400" b="0" i="0" u="none" strike="noStrike" cap="none" normalizeH="0" baseline="0" dirty="0" smtClean="0">
+                <a:ln>
+                  <a:noFill/>
+                </a:ln>
+                <a:solidFill>
+                  <a:schemeClr val="tx1"/>
+                </a:solidFill>
+                <a:effectLst/>
+                <a:latin typeface="Arial" charset="0"/>
+                <a:cs typeface="Arial" charset="0"/>
+              </a:rPr>
+              <a:t>System</a:t>
+            </a:r>
+            <a:r>
+              <a:rPr kumimoji="0" lang="de-DE" sz="1400" b="0" i="0" u="none" strike="noStrike" cap="none" normalizeH="0" dirty="0" smtClean="0">
+                <a:ln>
+                  <a:noFill/>
+                </a:ln>
+                <a:solidFill>
+                  <a:schemeClr val="tx1"/>
+                </a:solidFill>
+                <a:effectLst/>
+                <a:latin typeface="Arial" charset="0"/>
+                <a:cs typeface="Arial" charset="0"/>
+              </a:rPr>
+              <a:t> </a:t>
+            </a:r>
+            <a:r>
+              <a:rPr kumimoji="0" lang="de-DE" sz="1400" b="0" i="0" u="none" strike="noStrike" cap="none" normalizeH="0" dirty="0" err="1" smtClean="0">
+                <a:ln>
+                  <a:noFill/>
+                </a:ln>
+                <a:solidFill>
+                  <a:schemeClr val="tx1"/>
+                </a:solidFill>
+                <a:effectLst/>
+                <a:latin typeface="Arial" charset="0"/>
+                <a:cs typeface="Arial" charset="0"/>
+              </a:rPr>
+              <a:t>Docs</a:t>
+            </a:r>
+            <a:r>
+              <a:rPr kumimoji="0" lang="de-DE" sz="1400" b="0" i="0" u="none" strike="noStrike" cap="none" normalizeH="0" dirty="0" smtClean="0">
+                <a:ln>
+                  <a:noFill/>
+                </a:ln>
+                <a:solidFill>
+                  <a:schemeClr val="tx1"/>
+                </a:solidFill>
+                <a:effectLst/>
+                <a:latin typeface="Arial" charset="0"/>
+                <a:cs typeface="Arial" charset="0"/>
+              </a:rPr>
+              <a:t> / </a:t>
+            </a:r>
+            <a:r>
+              <a:rPr kumimoji="0" lang="de-DE" sz="1400" b="0" i="0" u="none" strike="noStrike" cap="none" normalizeH="0" dirty="0" err="1" smtClean="0">
+                <a:ln>
+                  <a:noFill/>
+                </a:ln>
+                <a:solidFill>
+                  <a:schemeClr val="tx1"/>
+                </a:solidFill>
+                <a:effectLst/>
+                <a:latin typeface="Arial" charset="0"/>
+                <a:cs typeface="Arial" charset="0"/>
+              </a:rPr>
+              <a:t>Requirements</a:t>
+            </a:r>
+            <a:endParaRPr kumimoji="0" lang="de-DE" sz="1400" b="0" i="0" u="none" strike="noStrike" cap="none" normalizeH="0" dirty="0" smtClean="0">
+              <a:ln>
+                <a:noFill/>
+              </a:ln>
+              <a:solidFill>
+                <a:schemeClr val="tx1"/>
+              </a:solidFill>
+              <a:effectLst/>
+              <a:latin typeface="Arial" charset="0"/>
+              <a:cs typeface="Arial" charset="0"/>
+            </a:endParaRPr>
+          </a:p>
+          <a:p>
+            <a:pPr marL="0" marR="0" indent="0" algn="l" defTabSz="914400" rtl="0" eaLnBrk="1" fontAlgn="base" latinLnBrk="0" hangingPunct="1">
+              <a:lnSpc>
+                <a:spcPct val="100000"/>
+              </a:lnSpc>
+              <a:spcBef>
+                <a:spcPct val="0"/>
+              </a:spcBef>
+              <a:spcAft>
+                <a:spcPct val="0"/>
+              </a:spcAft>
+              <a:buClrTx/>
+              <a:buSzTx/>
+              <a:buFontTx/>
+              <a:buNone/>
+              <a:tabLst/>
+            </a:pPr>
+            <a:r>
+              <a:rPr lang="de-DE" baseline="0" dirty="0" err="1" smtClean="0"/>
+              <a:t>always</a:t>
+            </a:r>
+            <a:r>
+              <a:rPr lang="de-DE" dirty="0" smtClean="0"/>
+              <a:t> </a:t>
+            </a:r>
+            <a:r>
+              <a:rPr lang="de-DE" dirty="0" err="1" smtClean="0"/>
+              <a:t>up</a:t>
+            </a:r>
+            <a:r>
+              <a:rPr lang="de-DE" dirty="0" smtClean="0"/>
+              <a:t> </a:t>
+            </a:r>
+            <a:r>
+              <a:rPr lang="de-DE" dirty="0" err="1" smtClean="0"/>
+              <a:t>to</a:t>
+            </a:r>
+            <a:r>
+              <a:rPr lang="de-DE" dirty="0" smtClean="0"/>
+              <a:t> </a:t>
+            </a:r>
+            <a:r>
+              <a:rPr lang="de-DE" dirty="0" err="1" smtClean="0"/>
+              <a:t>date</a:t>
+            </a:r>
+            <a:r>
+              <a:rPr lang="de-DE" dirty="0" smtClean="0"/>
+              <a:t>.</a:t>
+            </a:r>
+            <a:endParaRPr kumimoji="0" lang="de-DE" sz="1400" b="0" i="0" u="none" strike="noStrike" cap="none" normalizeH="0" baseline="0" dirty="0" smtClean="0">
+              <a:ln>
+                <a:noFill/>
+              </a:ln>
+              <a:solidFill>
+                <a:schemeClr val="tx1"/>
+              </a:solidFill>
+              <a:effectLst/>
+              <a:latin typeface="Arial" charset="0"/>
+              <a:cs typeface="Arial" charset="0"/>
+            </a:endParaRPr>
+          </a:p>
+        </p:txBody>
+      </p:sp>
+    </p:spTree>
+    <p:extLst>
+      <p:ext uri="{BB962C8B-B14F-4D97-AF65-F5344CB8AC3E}">
+        <p14:creationId xmlns:p14="http://schemas.microsoft.com/office/powerpoint/2010/main" val="4012872471"/>
+      </p:ext>
+    </p:extLst>
+  </p:cSld>
+  <p:clrMapOvr>
+    <a:masterClrMapping/>
+  </p:clrMapOvr>
+  <p:timing>
+    <p:tnLst>
+      <p:par>
+        <p:cTn id="1" dur="indefinite" restart="never" nodeType="tmRoot"/>
+      </p:par>
+    </p:tnLst>
+  </p:timing>
+</p:sld>
+</file>
+
+<file path=ppt/slides/slide16.xml><?xml version="1.0" encoding="utf-8"?>
+<p:sld xmlns:a="http://schemas.openxmlformats.org/drawingml/2006/main" xmlns:r="http://schemas.openxmlformats.org/officeDocument/2006/relationships" xmlns:p="http://schemas.openxmlformats.org/presentationml/2006/main">
+  <p:cSld>
+    <p:spTree>
+      <p:nvGrpSpPr>
+        <p:cNvPr id="1" name=""/>
+        <p:cNvGrpSpPr/>
+        <p:nvPr/>
+      </p:nvGrpSpPr>
+      <p:grpSpPr>
+        <a:xfrm>
+          <a:off x="0" y="0"/>
+          <a:ext cx="0" cy="0"/>
+          <a:chOff x="0" y="0"/>
+          <a:chExt cx="0" cy="0"/>
+        </a:xfrm>
+      </p:grpSpPr>
+      <p:graphicFrame>
+        <p:nvGraphicFramePr>
+          <p:cNvPr id="12" name="Group 321"/>
+          <p:cNvGraphicFramePr>
+            <a:graphicFrameLocks noGrp="1"/>
+          </p:cNvGraphicFramePr>
+          <p:nvPr>
+            <p:extLst>
+              <p:ext uri="{D42A27DB-BD31-4B8C-83A1-F6EECF244321}">
+                <p14:modId xmlns:p14="http://schemas.microsoft.com/office/powerpoint/2010/main" val="1559337052"/>
+              </p:ext>
+            </p:extLst>
+          </p:nvPr>
+        </p:nvGraphicFramePr>
+        <p:xfrm>
+          <a:off x="690427" y="1814192"/>
+          <a:ext cx="7575550" cy="1438766"/>
+        </p:xfrm>
+        <a:graphic>
+          <a:graphicData uri="http://schemas.openxmlformats.org/drawingml/2006/table">
+            <a:tbl>
+              <a:tblPr/>
+              <a:tblGrid>
+                <a:gridCol w="1245585"/>
+                <a:gridCol w="2989142"/>
+                <a:gridCol w="3340823"/>
+              </a:tblGrid>
+              <a:tr h="411163">
+                <a:tc>
+                  <a:txBody>
+                    <a:bodyPr/>
+                    <a:lstStyle>
+                      <a:lvl1pPr>
+                        <a:spcBef>
+                          <a:spcPct val="80000"/>
+                        </a:spcBef>
+                        <a:buClr>
+                          <a:schemeClr val="tx1"/>
+                        </a:buClr>
+                        <a:buFont typeface="Wingdings" pitchFamily="2" charset="2"/>
+                        <a:defRPr sz="1400" b="1">
+                          <a:solidFill>
+                            <a:srgbClr val="373D41"/>
+                          </a:solidFill>
+                          <a:latin typeface="Arial" charset="0"/>
+                          <a:cs typeface="Arial" charset="0"/>
+                        </a:defRPr>
+                      </a:lvl1pPr>
+                      <a:lvl2pPr>
+                        <a:spcBef>
+                          <a:spcPct val="60000"/>
+                        </a:spcBef>
+                        <a:buClr>
+                          <a:schemeClr val="tx1"/>
+                        </a:buClr>
+                        <a:buFont typeface="Wingdings" pitchFamily="2" charset="2"/>
+                        <a:defRPr sz="1400">
+                          <a:solidFill>
+                            <a:srgbClr val="373D41"/>
+                          </a:solidFill>
+                          <a:latin typeface="Arial" charset="0"/>
+                          <a:cs typeface="Arial" charset="0"/>
+                        </a:defRPr>
+                      </a:lvl2pPr>
+                      <a:lvl3pPr>
+                        <a:spcBef>
+                          <a:spcPct val="30000"/>
+                        </a:spcBef>
+                        <a:buClr>
+                          <a:schemeClr val="tx1"/>
+                        </a:buClr>
+                        <a:buFont typeface="Wingdings" pitchFamily="2" charset="2"/>
+                        <a:defRPr sz="1400">
+                          <a:solidFill>
+                            <a:srgbClr val="373D41"/>
+                          </a:solidFill>
+                          <a:latin typeface="Arial" charset="0"/>
+                          <a:cs typeface="Arial" charset="0"/>
+                        </a:defRPr>
+                      </a:lvl3pPr>
+                      <a:lvl4pPr>
+                        <a:spcBef>
+                          <a:spcPct val="30000"/>
+                        </a:spcBef>
+                        <a:buClr>
+                          <a:schemeClr val="tx1"/>
+                        </a:buClr>
+                        <a:buFont typeface="Wingdings" pitchFamily="2" charset="2"/>
+                        <a:defRPr sz="1400">
+                          <a:solidFill>
+                            <a:srgbClr val="373D41"/>
+                          </a:solidFill>
+                          <a:latin typeface="Arial" charset="0"/>
+                          <a:cs typeface="Arial" charset="0"/>
+                        </a:defRPr>
+                      </a:lvl4pPr>
+                      <a:lvl5pPr>
+                        <a:spcBef>
+                          <a:spcPct val="30000"/>
+                        </a:spcBef>
+                        <a:buClr>
+                          <a:schemeClr val="tx1"/>
+                        </a:buClr>
+                        <a:buFont typeface="Wingdings" pitchFamily="2" charset="2"/>
+                        <a:defRPr sz="1400">
+                          <a:solidFill>
+                            <a:srgbClr val="373D41"/>
+                          </a:solidFill>
+                          <a:latin typeface="Arial" charset="0"/>
+                          <a:cs typeface="Arial" charset="0"/>
+                        </a:defRPr>
+                      </a:lvl5pPr>
+                      <a:lvl6pPr fontAlgn="base">
+                        <a:spcBef>
+                          <a:spcPct val="30000"/>
+                        </a:spcBef>
+                        <a:spcAft>
+                          <a:spcPct val="0"/>
+                        </a:spcAft>
+                        <a:buClr>
+                          <a:schemeClr val="tx1"/>
+                        </a:buClr>
+                        <a:buFont typeface="Wingdings" pitchFamily="2" charset="2"/>
+                        <a:defRPr sz="1400">
+                          <a:solidFill>
+                            <a:srgbClr val="373D41"/>
+                          </a:solidFill>
+                          <a:latin typeface="Arial" charset="0"/>
+                          <a:cs typeface="Arial" charset="0"/>
+                        </a:defRPr>
+                      </a:lvl6pPr>
+                      <a:lvl7pPr fontAlgn="base">
+                        <a:spcBef>
+                          <a:spcPct val="30000"/>
+                        </a:spcBef>
+                        <a:spcAft>
+                          <a:spcPct val="0"/>
+                        </a:spcAft>
+                        <a:buClr>
+                          <a:schemeClr val="tx1"/>
+                        </a:buClr>
+                        <a:buFont typeface="Wingdings" pitchFamily="2" charset="2"/>
+                        <a:defRPr sz="1400">
+                          <a:solidFill>
+                            <a:srgbClr val="373D41"/>
+                          </a:solidFill>
+                          <a:latin typeface="Arial" charset="0"/>
+                          <a:cs typeface="Arial" charset="0"/>
+                        </a:defRPr>
+                      </a:lvl7pPr>
+                      <a:lvl8pPr fontAlgn="base">
+                        <a:spcBef>
+                          <a:spcPct val="30000"/>
+                        </a:spcBef>
+                        <a:spcAft>
+                          <a:spcPct val="0"/>
+                        </a:spcAft>
+                        <a:buClr>
+                          <a:schemeClr val="tx1"/>
+                        </a:buClr>
+                        <a:buFont typeface="Wingdings" pitchFamily="2" charset="2"/>
+                        <a:defRPr sz="1400">
+                          <a:solidFill>
+                            <a:srgbClr val="373D41"/>
+                          </a:solidFill>
+                          <a:latin typeface="Arial" charset="0"/>
+                          <a:cs typeface="Arial" charset="0"/>
+                        </a:defRPr>
+                      </a:lvl8pPr>
+                      <a:lvl9pPr fontAlgn="base">
+                        <a:spcBef>
+                          <a:spcPct val="30000"/>
+                        </a:spcBef>
+                        <a:spcAft>
+                          <a:spcPct val="0"/>
+                        </a:spcAft>
+                        <a:buClr>
+                          <a:schemeClr val="tx1"/>
+                        </a:buClr>
+                        <a:buFont typeface="Wingdings" pitchFamily="2" charset="2"/>
+                        <a:defRPr sz="1400">
+                          <a:solidFill>
+                            <a:srgbClr val="373D41"/>
+                          </a:solidFill>
+                          <a:latin typeface="Arial" charset="0"/>
+                          <a:cs typeface="Arial" charset="0"/>
+                        </a:defRPr>
+                      </a:lvl9pPr>
+                    </a:lstStyle>
+                    <a:p>
+                      <a:pPr marL="0" marR="0" lvl="0" indent="0" algn="l" defTabSz="914400" rtl="0" eaLnBrk="1" fontAlgn="b" latinLnBrk="0" hangingPunct="1">
+                        <a:lnSpc>
+                          <a:spcPct val="100000"/>
+                        </a:lnSpc>
+                        <a:spcBef>
+                          <a:spcPct val="80000"/>
+                        </a:spcBef>
+                        <a:spcAft>
+                          <a:spcPct val="0"/>
+                        </a:spcAft>
+                        <a:buClr>
+                          <a:schemeClr val="tx1"/>
+                        </a:buClr>
+                        <a:buSzTx/>
+                        <a:buFont typeface="Wingdings" pitchFamily="2" charset="2"/>
+                        <a:buNone/>
+                        <a:tabLst/>
+                      </a:pPr>
+                      <a:endParaRPr kumimoji="0" lang="de-DE" altLang="de-DE" sz="1400" b="1" i="0" u="none" strike="noStrike" cap="none" normalizeH="0" baseline="0" dirty="0" smtClean="0">
+                        <a:ln>
+                          <a:noFill/>
+                        </a:ln>
+                        <a:solidFill>
+                          <a:schemeClr val="bg1">
+                            <a:lumMod val="95000"/>
+                          </a:schemeClr>
+                        </a:solidFill>
+                        <a:effectLst/>
+                        <a:latin typeface="Arial" charset="0"/>
+                        <a:cs typeface="Arial" charset="0"/>
+                      </a:endParaRPr>
+                    </a:p>
+                  </a:txBody>
+                  <a:tcPr marL="72000" marR="72000" marT="72000" marB="72000" anchor="ctr" horzOverflow="overflow">
+                    <a:lnL w="6350" cap="flat" cmpd="sng" algn="ctr">
+                      <a:solidFill>
+                        <a:schemeClr val="bg2"/>
+                      </a:solidFill>
+                      <a:prstDash val="solid"/>
+                      <a:round/>
+                      <a:headEnd type="none" w="med" len="med"/>
+                      <a:tailEnd type="none" w="med" len="med"/>
+                    </a:lnL>
+                    <a:lnR w="6350" cap="flat" cmpd="sng" algn="ctr">
+                      <a:solidFill>
+                        <a:schemeClr val="bg2"/>
+                      </a:solidFill>
+                      <a:prstDash val="solid"/>
+                      <a:round/>
+                      <a:headEnd type="none" w="med" len="med"/>
+                      <a:tailEnd type="none" w="med" len="med"/>
+                    </a:lnR>
+                    <a:lnT w="6350" cap="flat" cmpd="sng" algn="ctr">
+                      <a:solidFill>
+                        <a:schemeClr val="bg2"/>
+                      </a:solidFill>
+                      <a:prstDash val="solid"/>
+                      <a:round/>
+                      <a:headEnd type="none" w="med" len="med"/>
+                      <a:tailEnd type="none" w="med" len="med"/>
+                    </a:lnT>
+                    <a:lnB w="6350" cap="flat" cmpd="sng" algn="ctr">
+                      <a:solidFill>
+                        <a:schemeClr val="accent1"/>
+                      </a:solidFill>
+                      <a:prstDash val="solid"/>
+                      <a:round/>
+                      <a:headEnd type="none" w="med" len="med"/>
+                      <a:tailEnd type="none" w="med" len="med"/>
+                    </a:lnB>
+                    <a:lnTlToBr>
+                      <a:noFill/>
+                    </a:lnTlToBr>
+                    <a:lnBlToTr>
+                      <a:noFill/>
+                    </a:lnBlToTr>
+                    <a:solidFill>
+                      <a:schemeClr val="tx1">
+                        <a:lumMod val="50000"/>
+                        <a:lumOff val="50000"/>
+                      </a:schemeClr>
+                    </a:solidFill>
+                  </a:tcPr>
+                </a:tc>
+                <a:tc>
+                  <a:txBody>
+                    <a:bodyPr/>
+                    <a:lstStyle>
+                      <a:lvl1pPr>
+                        <a:spcBef>
+                          <a:spcPct val="80000"/>
+                        </a:spcBef>
+                        <a:buClr>
+                          <a:schemeClr val="tx1"/>
+                        </a:buClr>
+                        <a:buFont typeface="Wingdings" pitchFamily="2" charset="2"/>
+                        <a:defRPr sz="1400" b="1">
+                          <a:solidFill>
+                            <a:srgbClr val="373D41"/>
+                          </a:solidFill>
+                          <a:latin typeface="Arial" charset="0"/>
+                          <a:cs typeface="Arial" charset="0"/>
+                        </a:defRPr>
+                      </a:lvl1pPr>
+                      <a:lvl2pPr>
+                        <a:spcBef>
+                          <a:spcPct val="60000"/>
+                        </a:spcBef>
+                        <a:buClr>
+                          <a:schemeClr val="tx1"/>
+                        </a:buClr>
+                        <a:buFont typeface="Wingdings" pitchFamily="2" charset="2"/>
+                        <a:defRPr sz="1400">
+                          <a:solidFill>
+                            <a:srgbClr val="373D41"/>
+                          </a:solidFill>
+                          <a:latin typeface="Arial" charset="0"/>
+                          <a:cs typeface="Arial" charset="0"/>
+                        </a:defRPr>
+                      </a:lvl2pPr>
+                      <a:lvl3pPr>
+                        <a:spcBef>
+                          <a:spcPct val="30000"/>
+                        </a:spcBef>
+                        <a:buClr>
+                          <a:schemeClr val="tx1"/>
+                        </a:buClr>
+                        <a:buFont typeface="Wingdings" pitchFamily="2" charset="2"/>
+                        <a:defRPr sz="1400">
+                          <a:solidFill>
+                            <a:srgbClr val="373D41"/>
+                          </a:solidFill>
+                          <a:latin typeface="Arial" charset="0"/>
+                          <a:cs typeface="Arial" charset="0"/>
+                        </a:defRPr>
+                      </a:lvl3pPr>
+                      <a:lvl4pPr>
+                        <a:spcBef>
+                          <a:spcPct val="30000"/>
+                        </a:spcBef>
+                        <a:buClr>
+                          <a:schemeClr val="tx1"/>
+                        </a:buClr>
+                        <a:buFont typeface="Wingdings" pitchFamily="2" charset="2"/>
+                        <a:defRPr sz="1400">
+                          <a:solidFill>
+                            <a:srgbClr val="373D41"/>
+                          </a:solidFill>
+                          <a:latin typeface="Arial" charset="0"/>
+                          <a:cs typeface="Arial" charset="0"/>
+                        </a:defRPr>
+                      </a:lvl4pPr>
+                      <a:lvl5pPr>
+                        <a:spcBef>
+                          <a:spcPct val="30000"/>
+                        </a:spcBef>
+                        <a:buClr>
+                          <a:schemeClr val="tx1"/>
+                        </a:buClr>
+                        <a:buFont typeface="Wingdings" pitchFamily="2" charset="2"/>
+                        <a:defRPr sz="1400">
+                          <a:solidFill>
+                            <a:srgbClr val="373D41"/>
+                          </a:solidFill>
+                          <a:latin typeface="Arial" charset="0"/>
+                          <a:cs typeface="Arial" charset="0"/>
+                        </a:defRPr>
+                      </a:lvl5pPr>
+                      <a:lvl6pPr fontAlgn="base">
+                        <a:spcBef>
+                          <a:spcPct val="30000"/>
+                        </a:spcBef>
+                        <a:spcAft>
+                          <a:spcPct val="0"/>
+                        </a:spcAft>
+                        <a:buClr>
+                          <a:schemeClr val="tx1"/>
+                        </a:buClr>
+                        <a:buFont typeface="Wingdings" pitchFamily="2" charset="2"/>
+                        <a:defRPr sz="1400">
+                          <a:solidFill>
+                            <a:srgbClr val="373D41"/>
+                          </a:solidFill>
+                          <a:latin typeface="Arial" charset="0"/>
+                          <a:cs typeface="Arial" charset="0"/>
+                        </a:defRPr>
+                      </a:lvl6pPr>
+                      <a:lvl7pPr fontAlgn="base">
+                        <a:spcBef>
+                          <a:spcPct val="30000"/>
+                        </a:spcBef>
+                        <a:spcAft>
+                          <a:spcPct val="0"/>
+                        </a:spcAft>
+                        <a:buClr>
+                          <a:schemeClr val="tx1"/>
+                        </a:buClr>
+                        <a:buFont typeface="Wingdings" pitchFamily="2" charset="2"/>
+                        <a:defRPr sz="1400">
+                          <a:solidFill>
+                            <a:srgbClr val="373D41"/>
+                          </a:solidFill>
+                          <a:latin typeface="Arial" charset="0"/>
+                          <a:cs typeface="Arial" charset="0"/>
+                        </a:defRPr>
+                      </a:lvl7pPr>
+                      <a:lvl8pPr fontAlgn="base">
+                        <a:spcBef>
+                          <a:spcPct val="30000"/>
+                        </a:spcBef>
+                        <a:spcAft>
+                          <a:spcPct val="0"/>
+                        </a:spcAft>
+                        <a:buClr>
+                          <a:schemeClr val="tx1"/>
+                        </a:buClr>
+                        <a:buFont typeface="Wingdings" pitchFamily="2" charset="2"/>
+                        <a:defRPr sz="1400">
+                          <a:solidFill>
+                            <a:srgbClr val="373D41"/>
+                          </a:solidFill>
+                          <a:latin typeface="Arial" charset="0"/>
+                          <a:cs typeface="Arial" charset="0"/>
+                        </a:defRPr>
+                      </a:lvl8pPr>
+                      <a:lvl9pPr fontAlgn="base">
+                        <a:spcBef>
+                          <a:spcPct val="30000"/>
+                        </a:spcBef>
+                        <a:spcAft>
+                          <a:spcPct val="0"/>
+                        </a:spcAft>
+                        <a:buClr>
+                          <a:schemeClr val="tx1"/>
+                        </a:buClr>
+                        <a:buFont typeface="Wingdings" pitchFamily="2" charset="2"/>
+                        <a:defRPr sz="1400">
+                          <a:solidFill>
+                            <a:srgbClr val="373D41"/>
+                          </a:solidFill>
+                          <a:latin typeface="Arial" charset="0"/>
+                          <a:cs typeface="Arial" charset="0"/>
+                        </a:defRPr>
+                      </a:lvl9pPr>
+                    </a:lstStyle>
+                    <a:p>
+                      <a:pPr marL="0" marR="0" lvl="0" indent="0" algn="ctr" defTabSz="914400" rtl="0" eaLnBrk="1" fontAlgn="b" latinLnBrk="0" hangingPunct="1">
+                        <a:lnSpc>
+                          <a:spcPct val="100000"/>
+                        </a:lnSpc>
+                        <a:spcBef>
+                          <a:spcPct val="80000"/>
+                        </a:spcBef>
+                        <a:spcAft>
+                          <a:spcPct val="0"/>
+                        </a:spcAft>
+                        <a:buClr>
+                          <a:schemeClr val="tx1"/>
+                        </a:buClr>
+                        <a:buSzTx/>
+                        <a:buFont typeface="Wingdings" pitchFamily="2" charset="2"/>
+                        <a:buNone/>
+                        <a:tabLst/>
+                      </a:pPr>
+                      <a:r>
+                        <a:rPr kumimoji="0" lang="de-DE" altLang="de-DE" sz="1400" b="1" i="0" u="none" strike="noStrike" kern="1200" cap="none" normalizeH="0" baseline="0" dirty="0" err="1" smtClean="0">
+                          <a:ln>
+                            <a:noFill/>
+                          </a:ln>
+                          <a:solidFill>
+                            <a:schemeClr val="tx1"/>
+                          </a:solidFill>
+                          <a:effectLst/>
+                          <a:latin typeface="Arial" charset="0"/>
+                          <a:ea typeface="+mn-ea"/>
+                          <a:cs typeface="Arial" charset="0"/>
+                        </a:rPr>
+                        <a:t>Declarative</a:t>
+                      </a:r>
+                      <a:endParaRPr kumimoji="0" lang="de-DE" altLang="de-DE" sz="1400" b="1" i="0" u="none" strike="noStrike" kern="1200" cap="none" normalizeH="0" baseline="0" dirty="0" smtClean="0">
+                        <a:ln>
+                          <a:noFill/>
+                        </a:ln>
+                        <a:solidFill>
+                          <a:schemeClr val="tx1"/>
+                        </a:solidFill>
+                        <a:effectLst/>
+                        <a:latin typeface="Arial" charset="0"/>
+                        <a:ea typeface="+mn-ea"/>
+                        <a:cs typeface="Arial" charset="0"/>
+                      </a:endParaRPr>
+                    </a:p>
+                  </a:txBody>
+                  <a:tcPr marL="72000" marR="72000" marT="72000" marB="72000" anchor="ctr" horzOverflow="overflow">
+                    <a:lnL w="6350" cap="flat" cmpd="sng" algn="ctr">
+                      <a:solidFill>
+                        <a:schemeClr val="bg2"/>
+                      </a:solidFill>
+                      <a:prstDash val="solid"/>
+                      <a:round/>
+                      <a:headEnd type="none" w="med" len="med"/>
+                      <a:tailEnd type="none" w="med" len="med"/>
+                    </a:lnL>
+                    <a:lnR w="6350" cap="flat" cmpd="sng" algn="ctr">
+                      <a:solidFill>
+                        <a:schemeClr val="bg2"/>
+                      </a:solidFill>
+                      <a:prstDash val="solid"/>
+                      <a:round/>
+                      <a:headEnd type="none" w="med" len="med"/>
+                      <a:tailEnd type="none" w="med" len="med"/>
+                    </a:lnR>
+                    <a:lnT w="6350" cap="flat" cmpd="sng" algn="ctr">
+                      <a:solidFill>
+                        <a:schemeClr val="bg2"/>
+                      </a:solidFill>
+                      <a:prstDash val="solid"/>
+                      <a:round/>
+                      <a:headEnd type="none" w="med" len="med"/>
+                      <a:tailEnd type="none" w="med" len="med"/>
+                    </a:lnT>
+                    <a:lnB w="6350" cap="flat" cmpd="sng" algn="ctr">
+                      <a:solidFill>
+                        <a:schemeClr val="accent1"/>
+                      </a:solidFill>
+                      <a:prstDash val="solid"/>
+                      <a:round/>
+                      <a:headEnd type="none" w="med" len="med"/>
+                      <a:tailEnd type="none" w="med" len="med"/>
+                    </a:lnB>
+                    <a:lnTlToBr>
+                      <a:noFill/>
+                    </a:lnTlToBr>
+                    <a:lnBlToTr>
+                      <a:noFill/>
+                    </a:lnBlToTr>
+                    <a:solidFill>
+                      <a:schemeClr val="bg1">
+                        <a:lumMod val="75000"/>
+                      </a:schemeClr>
+                    </a:solidFill>
+                  </a:tcPr>
+                </a:tc>
+                <a:tc>
+                  <a:txBody>
+                    <a:bodyPr/>
+                    <a:lstStyle>
+                      <a:lvl1pPr>
+                        <a:spcBef>
+                          <a:spcPct val="80000"/>
+                        </a:spcBef>
+                        <a:buClr>
+                          <a:schemeClr val="tx1"/>
+                        </a:buClr>
+                        <a:buFont typeface="Wingdings" pitchFamily="2" charset="2"/>
+                        <a:defRPr sz="1400" b="1">
+                          <a:solidFill>
+                            <a:srgbClr val="373D41"/>
+                          </a:solidFill>
+                          <a:latin typeface="Arial" charset="0"/>
+                          <a:cs typeface="Arial" charset="0"/>
+                        </a:defRPr>
+                      </a:lvl1pPr>
+                      <a:lvl2pPr>
+                        <a:spcBef>
+                          <a:spcPct val="60000"/>
+                        </a:spcBef>
+                        <a:buClr>
+                          <a:schemeClr val="tx1"/>
+                        </a:buClr>
+                        <a:buFont typeface="Wingdings" pitchFamily="2" charset="2"/>
+                        <a:defRPr sz="1400">
+                          <a:solidFill>
+                            <a:srgbClr val="373D41"/>
+                          </a:solidFill>
+                          <a:latin typeface="Arial" charset="0"/>
+                          <a:cs typeface="Arial" charset="0"/>
+                        </a:defRPr>
+                      </a:lvl2pPr>
+                      <a:lvl3pPr>
+                        <a:spcBef>
+                          <a:spcPct val="30000"/>
+                        </a:spcBef>
+                        <a:buClr>
+                          <a:schemeClr val="tx1"/>
+                        </a:buClr>
+                        <a:buFont typeface="Wingdings" pitchFamily="2" charset="2"/>
+                        <a:defRPr sz="1400">
+                          <a:solidFill>
+                            <a:srgbClr val="373D41"/>
+                          </a:solidFill>
+                          <a:latin typeface="Arial" charset="0"/>
+                          <a:cs typeface="Arial" charset="0"/>
+                        </a:defRPr>
+                      </a:lvl3pPr>
+                      <a:lvl4pPr>
+                        <a:spcBef>
+                          <a:spcPct val="30000"/>
+                        </a:spcBef>
+                        <a:buClr>
+                          <a:schemeClr val="tx1"/>
+                        </a:buClr>
+                        <a:buFont typeface="Wingdings" pitchFamily="2" charset="2"/>
+                        <a:defRPr sz="1400">
+                          <a:solidFill>
+                            <a:srgbClr val="373D41"/>
+                          </a:solidFill>
+                          <a:latin typeface="Arial" charset="0"/>
+                          <a:cs typeface="Arial" charset="0"/>
+                        </a:defRPr>
+                      </a:lvl4pPr>
+                      <a:lvl5pPr>
+                        <a:spcBef>
+                          <a:spcPct val="30000"/>
+                        </a:spcBef>
+                        <a:buClr>
+                          <a:schemeClr val="tx1"/>
+                        </a:buClr>
+                        <a:buFont typeface="Wingdings" pitchFamily="2" charset="2"/>
+                        <a:defRPr sz="1400">
+                          <a:solidFill>
+                            <a:srgbClr val="373D41"/>
+                          </a:solidFill>
+                          <a:latin typeface="Arial" charset="0"/>
+                          <a:cs typeface="Arial" charset="0"/>
+                        </a:defRPr>
+                      </a:lvl5pPr>
+                      <a:lvl6pPr fontAlgn="base">
+                        <a:spcBef>
+                          <a:spcPct val="30000"/>
+                        </a:spcBef>
+                        <a:spcAft>
+                          <a:spcPct val="0"/>
+                        </a:spcAft>
+                        <a:buClr>
+                          <a:schemeClr val="tx1"/>
+                        </a:buClr>
+                        <a:buFont typeface="Wingdings" pitchFamily="2" charset="2"/>
+                        <a:defRPr sz="1400">
+                          <a:solidFill>
+                            <a:srgbClr val="373D41"/>
+                          </a:solidFill>
+                          <a:latin typeface="Arial" charset="0"/>
+                          <a:cs typeface="Arial" charset="0"/>
+                        </a:defRPr>
+                      </a:lvl6pPr>
+                      <a:lvl7pPr fontAlgn="base">
+                        <a:spcBef>
+                          <a:spcPct val="30000"/>
+                        </a:spcBef>
+                        <a:spcAft>
+                          <a:spcPct val="0"/>
+                        </a:spcAft>
+                        <a:buClr>
+                          <a:schemeClr val="tx1"/>
+                        </a:buClr>
+                        <a:buFont typeface="Wingdings" pitchFamily="2" charset="2"/>
+                        <a:defRPr sz="1400">
+                          <a:solidFill>
+                            <a:srgbClr val="373D41"/>
+                          </a:solidFill>
+                          <a:latin typeface="Arial" charset="0"/>
+                          <a:cs typeface="Arial" charset="0"/>
+                        </a:defRPr>
+                      </a:lvl7pPr>
+                      <a:lvl8pPr fontAlgn="base">
+                        <a:spcBef>
+                          <a:spcPct val="30000"/>
+                        </a:spcBef>
+                        <a:spcAft>
+                          <a:spcPct val="0"/>
+                        </a:spcAft>
+                        <a:buClr>
+                          <a:schemeClr val="tx1"/>
+                        </a:buClr>
+                        <a:buFont typeface="Wingdings" pitchFamily="2" charset="2"/>
+                        <a:defRPr sz="1400">
+                          <a:solidFill>
+                            <a:srgbClr val="373D41"/>
+                          </a:solidFill>
+                          <a:latin typeface="Arial" charset="0"/>
+                          <a:cs typeface="Arial" charset="0"/>
+                        </a:defRPr>
+                      </a:lvl8pPr>
+                      <a:lvl9pPr fontAlgn="base">
+                        <a:spcBef>
+                          <a:spcPct val="30000"/>
+                        </a:spcBef>
+                        <a:spcAft>
+                          <a:spcPct val="0"/>
+                        </a:spcAft>
+                        <a:buClr>
+                          <a:schemeClr val="tx1"/>
+                        </a:buClr>
+                        <a:buFont typeface="Wingdings" pitchFamily="2" charset="2"/>
+                        <a:defRPr sz="1400">
+                          <a:solidFill>
+                            <a:srgbClr val="373D41"/>
+                          </a:solidFill>
+                          <a:latin typeface="Arial" charset="0"/>
+                          <a:cs typeface="Arial" charset="0"/>
+                        </a:defRPr>
+                      </a:lvl9pPr>
+                    </a:lstStyle>
+                    <a:p>
+                      <a:pPr marL="0" marR="0" lvl="0" indent="0" algn="ctr" defTabSz="914400" rtl="0" eaLnBrk="1" fontAlgn="b" latinLnBrk="0" hangingPunct="1">
+                        <a:lnSpc>
+                          <a:spcPct val="100000"/>
+                        </a:lnSpc>
+                        <a:spcBef>
+                          <a:spcPct val="80000"/>
+                        </a:spcBef>
+                        <a:spcAft>
+                          <a:spcPct val="0"/>
+                        </a:spcAft>
+                        <a:buClr>
+                          <a:schemeClr val="tx1"/>
+                        </a:buClr>
+                        <a:buSzTx/>
+                        <a:buFont typeface="Wingdings" pitchFamily="2" charset="2"/>
+                        <a:buNone/>
+                        <a:tabLst/>
+                      </a:pPr>
+                      <a:r>
+                        <a:rPr kumimoji="0" lang="de-DE" altLang="de-DE" sz="1400" b="1" i="0" u="none" strike="noStrike" cap="none" normalizeH="0" baseline="0" dirty="0" smtClean="0">
+                          <a:ln>
+                            <a:noFill/>
+                          </a:ln>
+                          <a:solidFill>
+                            <a:schemeClr val="tx1"/>
+                          </a:solidFill>
+                          <a:effectLst/>
+                          <a:latin typeface="Arial" charset="0"/>
+                          <a:cs typeface="Arial" charset="0"/>
+                        </a:rPr>
+                        <a:t>Imperative</a:t>
+                      </a:r>
+                    </a:p>
+                  </a:txBody>
+                  <a:tcPr marL="72000" marR="72000" marT="72000" marB="72000" anchor="ctr" horzOverflow="overflow">
+                    <a:lnL w="6350" cap="flat" cmpd="sng" algn="ctr">
+                      <a:solidFill>
+                        <a:schemeClr val="bg2"/>
+                      </a:solidFill>
+                      <a:prstDash val="solid"/>
+                      <a:round/>
+                      <a:headEnd type="none" w="med" len="med"/>
+                      <a:tailEnd type="none" w="med" len="med"/>
+                    </a:lnL>
+                    <a:lnR w="6350" cap="flat" cmpd="sng" algn="ctr">
+                      <a:solidFill>
+                        <a:schemeClr val="bg2"/>
+                      </a:solidFill>
+                      <a:prstDash val="solid"/>
+                      <a:round/>
+                      <a:headEnd type="none" w="med" len="med"/>
+                      <a:tailEnd type="none" w="med" len="med"/>
+                    </a:lnR>
+                    <a:lnT w="6350" cap="flat" cmpd="sng" algn="ctr">
+                      <a:solidFill>
+                        <a:schemeClr val="bg2"/>
+                      </a:solidFill>
+                      <a:prstDash val="solid"/>
+                      <a:round/>
+                      <a:headEnd type="none" w="med" len="med"/>
+                      <a:tailEnd type="none" w="med" len="med"/>
+                    </a:lnT>
+                    <a:lnB w="6350" cap="flat" cmpd="sng" algn="ctr">
+                      <a:solidFill>
+                        <a:schemeClr val="accent1"/>
+                      </a:solidFill>
+                      <a:prstDash val="solid"/>
+                      <a:round/>
+                      <a:headEnd type="none" w="med" len="med"/>
+                      <a:tailEnd type="none" w="med" len="med"/>
+                    </a:lnB>
+                    <a:lnTlToBr>
+                      <a:noFill/>
+                    </a:lnTlToBr>
+                    <a:lnBlToTr>
+                      <a:noFill/>
+                    </a:lnBlToTr>
+                    <a:noFill/>
+                  </a:tcPr>
+                </a:tc>
+              </a:tr>
+              <a:tr h="412750">
+                <a:tc>
+                  <a:txBody>
+                    <a:bodyPr/>
+                    <a:lstStyle>
+                      <a:lvl1pPr>
+                        <a:spcBef>
+                          <a:spcPct val="80000"/>
+                        </a:spcBef>
+                        <a:buClr>
+                          <a:schemeClr val="tx1"/>
+                        </a:buClr>
+                        <a:buFont typeface="Wingdings" pitchFamily="2" charset="2"/>
+                        <a:defRPr sz="1400" b="1">
+                          <a:solidFill>
+                            <a:srgbClr val="373D41"/>
+                          </a:solidFill>
+                          <a:latin typeface="Arial" charset="0"/>
+                          <a:cs typeface="Arial" charset="0"/>
+                        </a:defRPr>
+                      </a:lvl1pPr>
+                      <a:lvl2pPr>
+                        <a:spcBef>
+                          <a:spcPct val="60000"/>
+                        </a:spcBef>
+                        <a:buClr>
+                          <a:schemeClr val="tx1"/>
+                        </a:buClr>
+                        <a:buFont typeface="Wingdings" pitchFamily="2" charset="2"/>
+                        <a:defRPr sz="1400">
+                          <a:solidFill>
+                            <a:srgbClr val="373D41"/>
+                          </a:solidFill>
+                          <a:latin typeface="Arial" charset="0"/>
+                          <a:cs typeface="Arial" charset="0"/>
+                        </a:defRPr>
+                      </a:lvl2pPr>
+                      <a:lvl3pPr>
+                        <a:spcBef>
+                          <a:spcPct val="30000"/>
+                        </a:spcBef>
+                        <a:buClr>
+                          <a:schemeClr val="tx1"/>
+                        </a:buClr>
+                        <a:buFont typeface="Wingdings" pitchFamily="2" charset="2"/>
+                        <a:defRPr sz="1400">
+                          <a:solidFill>
+                            <a:srgbClr val="373D41"/>
+                          </a:solidFill>
+                          <a:latin typeface="Arial" charset="0"/>
+                          <a:cs typeface="Arial" charset="0"/>
+                        </a:defRPr>
+                      </a:lvl3pPr>
+                      <a:lvl4pPr>
+                        <a:spcBef>
+                          <a:spcPct val="30000"/>
+                        </a:spcBef>
+                        <a:buClr>
+                          <a:schemeClr val="tx1"/>
+                        </a:buClr>
+                        <a:buFont typeface="Wingdings" pitchFamily="2" charset="2"/>
+                        <a:defRPr sz="1400">
+                          <a:solidFill>
+                            <a:srgbClr val="373D41"/>
+                          </a:solidFill>
+                          <a:latin typeface="Arial" charset="0"/>
+                          <a:cs typeface="Arial" charset="0"/>
+                        </a:defRPr>
+                      </a:lvl4pPr>
+                      <a:lvl5pPr>
+                        <a:spcBef>
+                          <a:spcPct val="30000"/>
+                        </a:spcBef>
+                        <a:buClr>
+                          <a:schemeClr val="tx1"/>
+                        </a:buClr>
+                        <a:buFont typeface="Wingdings" pitchFamily="2" charset="2"/>
+                        <a:defRPr sz="1400">
+                          <a:solidFill>
+                            <a:srgbClr val="373D41"/>
+                          </a:solidFill>
+                          <a:latin typeface="Arial" charset="0"/>
+                          <a:cs typeface="Arial" charset="0"/>
+                        </a:defRPr>
+                      </a:lvl5pPr>
+                      <a:lvl6pPr fontAlgn="base">
+                        <a:spcBef>
+                          <a:spcPct val="30000"/>
+                        </a:spcBef>
+                        <a:spcAft>
+                          <a:spcPct val="0"/>
+                        </a:spcAft>
+                        <a:buClr>
+                          <a:schemeClr val="tx1"/>
+                        </a:buClr>
+                        <a:buFont typeface="Wingdings" pitchFamily="2" charset="2"/>
+                        <a:defRPr sz="1400">
+                          <a:solidFill>
+                            <a:srgbClr val="373D41"/>
+                          </a:solidFill>
+                          <a:latin typeface="Arial" charset="0"/>
+                          <a:cs typeface="Arial" charset="0"/>
+                        </a:defRPr>
+                      </a:lvl6pPr>
+                      <a:lvl7pPr fontAlgn="base">
+                        <a:spcBef>
+                          <a:spcPct val="30000"/>
+                        </a:spcBef>
+                        <a:spcAft>
+                          <a:spcPct val="0"/>
+                        </a:spcAft>
+                        <a:buClr>
+                          <a:schemeClr val="tx1"/>
+                        </a:buClr>
+                        <a:buFont typeface="Wingdings" pitchFamily="2" charset="2"/>
+                        <a:defRPr sz="1400">
+                          <a:solidFill>
+                            <a:srgbClr val="373D41"/>
+                          </a:solidFill>
+                          <a:latin typeface="Arial" charset="0"/>
+                          <a:cs typeface="Arial" charset="0"/>
+                        </a:defRPr>
+                      </a:lvl7pPr>
+                      <a:lvl8pPr fontAlgn="base">
+                        <a:spcBef>
+                          <a:spcPct val="30000"/>
+                        </a:spcBef>
+                        <a:spcAft>
+                          <a:spcPct val="0"/>
+                        </a:spcAft>
+                        <a:buClr>
+                          <a:schemeClr val="tx1"/>
+                        </a:buClr>
+                        <a:buFont typeface="Wingdings" pitchFamily="2" charset="2"/>
+                        <a:defRPr sz="1400">
+                          <a:solidFill>
+                            <a:srgbClr val="373D41"/>
+                          </a:solidFill>
+                          <a:latin typeface="Arial" charset="0"/>
+                          <a:cs typeface="Arial" charset="0"/>
+                        </a:defRPr>
+                      </a:lvl8pPr>
+                      <a:lvl9pPr fontAlgn="base">
+                        <a:spcBef>
+                          <a:spcPct val="30000"/>
+                        </a:spcBef>
+                        <a:spcAft>
+                          <a:spcPct val="0"/>
+                        </a:spcAft>
+                        <a:buClr>
+                          <a:schemeClr val="tx1"/>
+                        </a:buClr>
+                        <a:buFont typeface="Wingdings" pitchFamily="2" charset="2"/>
+                        <a:defRPr sz="1400">
+                          <a:solidFill>
+                            <a:srgbClr val="373D41"/>
+                          </a:solidFill>
+                          <a:latin typeface="Arial" charset="0"/>
+                          <a:cs typeface="Arial" charset="0"/>
+                        </a:defRPr>
+                      </a:lvl9pPr>
+                    </a:lstStyle>
+                    <a:p>
+                      <a:pPr marL="0" marR="0" lvl="0" indent="0" algn="l" defTabSz="914400" rtl="0" eaLnBrk="1" fontAlgn="b" latinLnBrk="0" hangingPunct="1">
+                        <a:lnSpc>
+                          <a:spcPct val="100000"/>
+                        </a:lnSpc>
+                        <a:spcBef>
+                          <a:spcPct val="80000"/>
+                        </a:spcBef>
+                        <a:spcAft>
+                          <a:spcPct val="0"/>
+                        </a:spcAft>
+                        <a:buClr>
+                          <a:schemeClr val="tx1"/>
+                        </a:buClr>
+                        <a:buSzTx/>
+                        <a:buFont typeface="Wingdings" pitchFamily="2" charset="2"/>
+                        <a:buNone/>
+                        <a:tabLst/>
+                      </a:pPr>
+                      <a:r>
+                        <a:rPr kumimoji="0" lang="de-DE" altLang="de-DE" sz="1400" b="1" i="0" u="none" strike="noStrike" cap="none" normalizeH="0" baseline="0" dirty="0" err="1" smtClean="0">
+                          <a:ln>
+                            <a:noFill/>
+                          </a:ln>
+                          <a:solidFill>
+                            <a:schemeClr val="bg1">
+                              <a:lumMod val="95000"/>
+                            </a:schemeClr>
+                          </a:solidFill>
+                          <a:effectLst/>
+                          <a:latin typeface="Arial" charset="0"/>
+                          <a:cs typeface="Arial" charset="0"/>
+                        </a:rPr>
+                        <a:t>Example</a:t>
+                      </a:r>
+                      <a:endParaRPr kumimoji="0" lang="de-DE" altLang="de-DE" sz="1400" b="1" i="0" u="none" strike="noStrike" cap="none" normalizeH="0" baseline="0" dirty="0" smtClean="0">
+                        <a:ln>
+                          <a:noFill/>
+                        </a:ln>
+                        <a:solidFill>
+                          <a:schemeClr val="bg1">
+                            <a:lumMod val="95000"/>
+                          </a:schemeClr>
+                        </a:solidFill>
+                        <a:effectLst/>
+                        <a:latin typeface="Arial" charset="0"/>
+                        <a:cs typeface="Arial" charset="0"/>
+                      </a:endParaRPr>
+                    </a:p>
+                  </a:txBody>
+                  <a:tcPr marL="72000" marR="72000" marT="72000" marB="72000" anchor="ctr" horzOverflow="overflow">
+                    <a:lnL w="6350" cap="flat" cmpd="sng" algn="ctr">
+                      <a:solidFill>
+                        <a:schemeClr val="bg2"/>
+                      </a:solidFill>
+                      <a:prstDash val="solid"/>
+                      <a:round/>
+                      <a:headEnd type="none" w="med" len="med"/>
+                      <a:tailEnd type="none" w="med" len="med"/>
+                    </a:lnL>
+                    <a:lnR w="6350" cap="flat" cmpd="sng" algn="ctr">
+                      <a:solidFill>
+                        <a:schemeClr val="bg2"/>
+                      </a:solidFill>
+                      <a:prstDash val="solid"/>
+                      <a:round/>
+                      <a:headEnd type="none" w="med" len="med"/>
+                      <a:tailEnd type="none" w="med" len="med"/>
+                    </a:lnR>
+                    <a:lnT w="6350" cap="flat" cmpd="sng" algn="ctr">
+                      <a:solidFill>
+                        <a:schemeClr val="accent1"/>
+                      </a:solidFill>
+                      <a:prstDash val="solid"/>
+                      <a:round/>
+                      <a:headEnd type="none" w="med" len="med"/>
+                      <a:tailEnd type="none" w="med" len="med"/>
+                    </a:lnT>
+                    <a:lnB w="6350" cap="flat" cmpd="sng" algn="ctr">
+                      <a:solidFill>
+                        <a:schemeClr val="bg2"/>
+                      </a:solidFill>
+                      <a:prstDash val="solid"/>
+                      <a:round/>
+                      <a:headEnd type="none" w="med" len="med"/>
+                      <a:tailEnd type="none" w="med" len="med"/>
+                    </a:lnB>
+                    <a:lnTlToBr>
+                      <a:noFill/>
+                    </a:lnTlToBr>
+                    <a:lnBlToTr>
+                      <a:noFill/>
+                    </a:lnBlToTr>
+                    <a:solidFill>
+                      <a:schemeClr val="tx1">
+                        <a:lumMod val="50000"/>
+                        <a:lumOff val="50000"/>
+                      </a:schemeClr>
+                    </a:solidFill>
+                  </a:tcPr>
+                </a:tc>
+                <a:tc>
+                  <a:txBody>
+                    <a:bodyPr/>
+                    <a:lstStyle>
+                      <a:lvl1pPr>
+                        <a:spcBef>
+                          <a:spcPct val="80000"/>
+                        </a:spcBef>
+                        <a:buClr>
+                          <a:schemeClr val="tx1"/>
+                        </a:buClr>
+                        <a:buFont typeface="Wingdings" pitchFamily="2" charset="2"/>
+                        <a:defRPr sz="1400" b="1">
+                          <a:solidFill>
+                            <a:srgbClr val="373D41"/>
+                          </a:solidFill>
+                          <a:latin typeface="Arial" charset="0"/>
+                          <a:cs typeface="Arial" charset="0"/>
+                        </a:defRPr>
+                      </a:lvl1pPr>
+                      <a:lvl2pPr>
+                        <a:spcBef>
+                          <a:spcPct val="60000"/>
+                        </a:spcBef>
+                        <a:buClr>
+                          <a:schemeClr val="tx1"/>
+                        </a:buClr>
+                        <a:buFont typeface="Wingdings" pitchFamily="2" charset="2"/>
+                        <a:defRPr sz="1400">
+                          <a:solidFill>
+                            <a:srgbClr val="373D41"/>
+                          </a:solidFill>
+                          <a:latin typeface="Arial" charset="0"/>
+                          <a:cs typeface="Arial" charset="0"/>
+                        </a:defRPr>
+                      </a:lvl2pPr>
+                      <a:lvl3pPr>
+                        <a:spcBef>
+                          <a:spcPct val="30000"/>
+                        </a:spcBef>
+                        <a:buClr>
+                          <a:schemeClr val="tx1"/>
+                        </a:buClr>
+                        <a:buFont typeface="Wingdings" pitchFamily="2" charset="2"/>
+                        <a:defRPr sz="1400">
+                          <a:solidFill>
+                            <a:srgbClr val="373D41"/>
+                          </a:solidFill>
+                          <a:latin typeface="Arial" charset="0"/>
+                          <a:cs typeface="Arial" charset="0"/>
+                        </a:defRPr>
+                      </a:lvl3pPr>
+                      <a:lvl4pPr>
+                        <a:spcBef>
+                          <a:spcPct val="30000"/>
+                        </a:spcBef>
+                        <a:buClr>
+                          <a:schemeClr val="tx1"/>
+                        </a:buClr>
+                        <a:buFont typeface="Wingdings" pitchFamily="2" charset="2"/>
+                        <a:defRPr sz="1400">
+                          <a:solidFill>
+                            <a:srgbClr val="373D41"/>
+                          </a:solidFill>
+                          <a:latin typeface="Arial" charset="0"/>
+                          <a:cs typeface="Arial" charset="0"/>
+                        </a:defRPr>
+                      </a:lvl4pPr>
+                      <a:lvl5pPr>
+                        <a:spcBef>
+                          <a:spcPct val="30000"/>
+                        </a:spcBef>
+                        <a:buClr>
+                          <a:schemeClr val="tx1"/>
+                        </a:buClr>
+                        <a:buFont typeface="Wingdings" pitchFamily="2" charset="2"/>
+                        <a:defRPr sz="1400">
+                          <a:solidFill>
+                            <a:srgbClr val="373D41"/>
+                          </a:solidFill>
+                          <a:latin typeface="Arial" charset="0"/>
+                          <a:cs typeface="Arial" charset="0"/>
+                        </a:defRPr>
+                      </a:lvl5pPr>
+                      <a:lvl6pPr fontAlgn="base">
+                        <a:spcBef>
+                          <a:spcPct val="30000"/>
+                        </a:spcBef>
+                        <a:spcAft>
+                          <a:spcPct val="0"/>
+                        </a:spcAft>
+                        <a:buClr>
+                          <a:schemeClr val="tx1"/>
+                        </a:buClr>
+                        <a:buFont typeface="Wingdings" pitchFamily="2" charset="2"/>
+                        <a:defRPr sz="1400">
+                          <a:solidFill>
+                            <a:srgbClr val="373D41"/>
+                          </a:solidFill>
+                          <a:latin typeface="Arial" charset="0"/>
+                          <a:cs typeface="Arial" charset="0"/>
+                        </a:defRPr>
+                      </a:lvl6pPr>
+                      <a:lvl7pPr fontAlgn="base">
+                        <a:spcBef>
+                          <a:spcPct val="30000"/>
+                        </a:spcBef>
+                        <a:spcAft>
+                          <a:spcPct val="0"/>
+                        </a:spcAft>
+                        <a:buClr>
+                          <a:schemeClr val="tx1"/>
+                        </a:buClr>
+                        <a:buFont typeface="Wingdings" pitchFamily="2" charset="2"/>
+                        <a:defRPr sz="1400">
+                          <a:solidFill>
+                            <a:srgbClr val="373D41"/>
+                          </a:solidFill>
+                          <a:latin typeface="Arial" charset="0"/>
+                          <a:cs typeface="Arial" charset="0"/>
+                        </a:defRPr>
+                      </a:lvl7pPr>
+                      <a:lvl8pPr fontAlgn="base">
+                        <a:spcBef>
+                          <a:spcPct val="30000"/>
+                        </a:spcBef>
+                        <a:spcAft>
+                          <a:spcPct val="0"/>
+                        </a:spcAft>
+                        <a:buClr>
+                          <a:schemeClr val="tx1"/>
+                        </a:buClr>
+                        <a:buFont typeface="Wingdings" pitchFamily="2" charset="2"/>
+                        <a:defRPr sz="1400">
+                          <a:solidFill>
+                            <a:srgbClr val="373D41"/>
+                          </a:solidFill>
+                          <a:latin typeface="Arial" charset="0"/>
+                          <a:cs typeface="Arial" charset="0"/>
+                        </a:defRPr>
+                      </a:lvl8pPr>
+                      <a:lvl9pPr fontAlgn="base">
+                        <a:spcBef>
+                          <a:spcPct val="30000"/>
+                        </a:spcBef>
+                        <a:spcAft>
+                          <a:spcPct val="0"/>
+                        </a:spcAft>
+                        <a:buClr>
+                          <a:schemeClr val="tx1"/>
+                        </a:buClr>
+                        <a:buFont typeface="Wingdings" pitchFamily="2" charset="2"/>
+                        <a:defRPr sz="1400">
+                          <a:solidFill>
+                            <a:srgbClr val="373D41"/>
+                          </a:solidFill>
+                          <a:latin typeface="Arial" charset="0"/>
+                          <a:cs typeface="Arial" charset="0"/>
+                        </a:defRPr>
+                      </a:lvl9pPr>
+                    </a:lstStyle>
+                    <a:p>
+                      <a:pPr marL="0" marR="0" lvl="0" indent="0" algn="ctr" defTabSz="914400" rtl="0" eaLnBrk="1" fontAlgn="b" latinLnBrk="0" hangingPunct="1">
+                        <a:lnSpc>
+                          <a:spcPct val="100000"/>
+                        </a:lnSpc>
+                        <a:spcBef>
+                          <a:spcPct val="80000"/>
+                        </a:spcBef>
+                        <a:spcAft>
+                          <a:spcPct val="0"/>
+                        </a:spcAft>
+                        <a:buClr>
+                          <a:schemeClr val="tx1"/>
+                        </a:buClr>
+                        <a:buSzTx/>
+                        <a:buFont typeface="Wingdings" pitchFamily="2" charset="2"/>
+                        <a:buNone/>
+                        <a:tabLst/>
+                        <a:defRPr/>
+                      </a:pPr>
+                      <a:r>
+                        <a:rPr kumimoji="0" lang="de-DE" sz="1400" b="0" i="0" u="none" strike="noStrike" kern="1200" cap="none" normalizeH="0" baseline="0" dirty="0" smtClean="0">
+                          <a:ln>
+                            <a:noFill/>
+                          </a:ln>
+                          <a:solidFill>
+                            <a:schemeClr val="tx1"/>
+                          </a:solidFill>
+                          <a:effectLst/>
+                          <a:latin typeface="Arial" charset="0"/>
+                          <a:ea typeface="+mn-ea"/>
+                          <a:cs typeface="Arial" charset="0"/>
+                        </a:rPr>
+                        <a:t>User „Smith“ </a:t>
+                      </a:r>
+                      <a:r>
+                        <a:rPr kumimoji="0" lang="de-DE" sz="1400" b="0" i="0" u="none" strike="noStrike" kern="1200" cap="none" normalizeH="0" baseline="0" dirty="0" err="1" smtClean="0">
+                          <a:ln>
+                            <a:noFill/>
+                          </a:ln>
+                          <a:solidFill>
+                            <a:schemeClr val="tx1"/>
+                          </a:solidFill>
+                          <a:effectLst/>
+                          <a:latin typeface="Arial" charset="0"/>
+                          <a:ea typeface="+mn-ea"/>
+                          <a:cs typeface="Arial" charset="0"/>
+                        </a:rPr>
+                        <a:t>is</a:t>
+                      </a:r>
+                      <a:r>
+                        <a:rPr kumimoji="0" lang="de-DE" sz="1400" b="0" i="0" u="none" strike="noStrike" kern="1200" cap="none" normalizeH="0" baseline="0" dirty="0" smtClean="0">
+                          <a:ln>
+                            <a:noFill/>
+                          </a:ln>
+                          <a:solidFill>
+                            <a:schemeClr val="tx1"/>
+                          </a:solidFill>
+                          <a:effectLst/>
+                          <a:latin typeface="Arial" charset="0"/>
+                          <a:ea typeface="+mn-ea"/>
+                          <a:cs typeface="Arial" charset="0"/>
+                        </a:rPr>
+                        <a:t> </a:t>
+                      </a:r>
+                      <a:r>
+                        <a:rPr kumimoji="0" lang="de-DE" sz="1400" b="0" i="0" u="none" strike="noStrike" kern="1200" cap="none" normalizeH="0" baseline="0" dirty="0" err="1" smtClean="0">
+                          <a:ln>
+                            <a:noFill/>
+                          </a:ln>
+                          <a:solidFill>
+                            <a:schemeClr val="tx1"/>
+                          </a:solidFill>
+                          <a:effectLst/>
+                          <a:latin typeface="Arial" charset="0"/>
+                          <a:ea typeface="+mn-ea"/>
+                          <a:cs typeface="Arial" charset="0"/>
+                        </a:rPr>
+                        <a:t>logged</a:t>
+                      </a:r>
+                      <a:r>
+                        <a:rPr kumimoji="0" lang="de-DE" sz="1400" b="0" i="0" u="none" strike="noStrike" kern="1200" cap="none" normalizeH="0" baseline="0" dirty="0" smtClean="0">
+                          <a:ln>
+                            <a:noFill/>
+                          </a:ln>
+                          <a:solidFill>
+                            <a:schemeClr val="tx1"/>
+                          </a:solidFill>
+                          <a:effectLst/>
+                          <a:latin typeface="Arial" charset="0"/>
+                          <a:ea typeface="+mn-ea"/>
+                          <a:cs typeface="Arial" charset="0"/>
+                        </a:rPr>
+                        <a:t> in.</a:t>
+                      </a:r>
+                    </a:p>
+                  </a:txBody>
+                  <a:tcPr marL="72000" marR="72000" marT="72000" marB="72000" anchor="ctr" horzOverflow="overflow">
+                    <a:lnL w="6350" cap="flat" cmpd="sng" algn="ctr">
+                      <a:solidFill>
+                        <a:schemeClr val="bg2"/>
+                      </a:solidFill>
+                      <a:prstDash val="solid"/>
+                      <a:round/>
+                      <a:headEnd type="none" w="med" len="med"/>
+                      <a:tailEnd type="none" w="med" len="med"/>
+                    </a:lnL>
+                    <a:lnR w="6350" cap="flat" cmpd="sng" algn="ctr">
+                      <a:solidFill>
+                        <a:schemeClr val="bg2"/>
+                      </a:solidFill>
+                      <a:prstDash val="solid"/>
+                      <a:round/>
+                      <a:headEnd type="none" w="med" len="med"/>
+                      <a:tailEnd type="none" w="med" len="med"/>
+                    </a:lnR>
+                    <a:lnT w="6350" cap="flat" cmpd="sng" algn="ctr">
+                      <a:solidFill>
+                        <a:schemeClr val="accent1"/>
+                      </a:solidFill>
+                      <a:prstDash val="solid"/>
+                      <a:round/>
+                      <a:headEnd type="none" w="med" len="med"/>
+                      <a:tailEnd type="none" w="med" len="med"/>
+                    </a:lnT>
+                    <a:lnB w="6350" cap="flat" cmpd="sng" algn="ctr">
+                      <a:solidFill>
+                        <a:schemeClr val="bg2"/>
+                      </a:solidFill>
+                      <a:prstDash val="solid"/>
+                      <a:round/>
+                      <a:headEnd type="none" w="med" len="med"/>
+                      <a:tailEnd type="none" w="med" len="med"/>
+                    </a:lnB>
+                    <a:lnTlToBr>
+                      <a:noFill/>
+                    </a:lnTlToBr>
+                    <a:lnBlToTr>
+                      <a:noFill/>
+                    </a:lnBlToTr>
+                    <a:solidFill>
+                      <a:schemeClr val="bg1">
+                        <a:lumMod val="75000"/>
+                      </a:schemeClr>
+                    </a:solidFill>
+                  </a:tcPr>
+                </a:tc>
+                <a:tc>
+                  <a:txBody>
+                    <a:bodyPr/>
+                    <a:lstStyle>
+                      <a:lvl1pPr>
+                        <a:spcBef>
+                          <a:spcPct val="80000"/>
+                        </a:spcBef>
+                        <a:buClr>
+                          <a:schemeClr val="tx1"/>
+                        </a:buClr>
+                        <a:buFont typeface="Wingdings" pitchFamily="2" charset="2"/>
+                        <a:defRPr sz="1400" b="1">
+                          <a:solidFill>
+                            <a:srgbClr val="373D41"/>
+                          </a:solidFill>
+                          <a:latin typeface="Arial" charset="0"/>
+                          <a:cs typeface="Arial" charset="0"/>
+                        </a:defRPr>
+                      </a:lvl1pPr>
+                      <a:lvl2pPr>
+                        <a:spcBef>
+                          <a:spcPct val="60000"/>
+                        </a:spcBef>
+                        <a:buClr>
+                          <a:schemeClr val="tx1"/>
+                        </a:buClr>
+                        <a:buFont typeface="Wingdings" pitchFamily="2" charset="2"/>
+                        <a:defRPr sz="1400">
+                          <a:solidFill>
+                            <a:srgbClr val="373D41"/>
+                          </a:solidFill>
+                          <a:latin typeface="Arial" charset="0"/>
+                          <a:cs typeface="Arial" charset="0"/>
+                        </a:defRPr>
+                      </a:lvl2pPr>
+                      <a:lvl3pPr>
+                        <a:spcBef>
+                          <a:spcPct val="30000"/>
+                        </a:spcBef>
+                        <a:buClr>
+                          <a:schemeClr val="tx1"/>
+                        </a:buClr>
+                        <a:buFont typeface="Wingdings" pitchFamily="2" charset="2"/>
+                        <a:defRPr sz="1400">
+                          <a:solidFill>
+                            <a:srgbClr val="373D41"/>
+                          </a:solidFill>
+                          <a:latin typeface="Arial" charset="0"/>
+                          <a:cs typeface="Arial" charset="0"/>
+                        </a:defRPr>
+                      </a:lvl3pPr>
+                      <a:lvl4pPr>
+                        <a:spcBef>
+                          <a:spcPct val="30000"/>
+                        </a:spcBef>
+                        <a:buClr>
+                          <a:schemeClr val="tx1"/>
+                        </a:buClr>
+                        <a:buFont typeface="Wingdings" pitchFamily="2" charset="2"/>
+                        <a:defRPr sz="1400">
+                          <a:solidFill>
+                            <a:srgbClr val="373D41"/>
+                          </a:solidFill>
+                          <a:latin typeface="Arial" charset="0"/>
+                          <a:cs typeface="Arial" charset="0"/>
+                        </a:defRPr>
+                      </a:lvl4pPr>
+                      <a:lvl5pPr>
+                        <a:spcBef>
+                          <a:spcPct val="30000"/>
+                        </a:spcBef>
+                        <a:buClr>
+                          <a:schemeClr val="tx1"/>
+                        </a:buClr>
+                        <a:buFont typeface="Wingdings" pitchFamily="2" charset="2"/>
+                        <a:defRPr sz="1400">
+                          <a:solidFill>
+                            <a:srgbClr val="373D41"/>
+                          </a:solidFill>
+                          <a:latin typeface="Arial" charset="0"/>
+                          <a:cs typeface="Arial" charset="0"/>
+                        </a:defRPr>
+                      </a:lvl5pPr>
+                      <a:lvl6pPr fontAlgn="base">
+                        <a:spcBef>
+                          <a:spcPct val="30000"/>
+                        </a:spcBef>
+                        <a:spcAft>
+                          <a:spcPct val="0"/>
+                        </a:spcAft>
+                        <a:buClr>
+                          <a:schemeClr val="tx1"/>
+                        </a:buClr>
+                        <a:buFont typeface="Wingdings" pitchFamily="2" charset="2"/>
+                        <a:defRPr sz="1400">
+                          <a:solidFill>
+                            <a:srgbClr val="373D41"/>
+                          </a:solidFill>
+                          <a:latin typeface="Arial" charset="0"/>
+                          <a:cs typeface="Arial" charset="0"/>
+                        </a:defRPr>
+                      </a:lvl6pPr>
+                      <a:lvl7pPr fontAlgn="base">
+                        <a:spcBef>
+                          <a:spcPct val="30000"/>
+                        </a:spcBef>
+                        <a:spcAft>
+                          <a:spcPct val="0"/>
+                        </a:spcAft>
+                        <a:buClr>
+                          <a:schemeClr val="tx1"/>
+                        </a:buClr>
+                        <a:buFont typeface="Wingdings" pitchFamily="2" charset="2"/>
+                        <a:defRPr sz="1400">
+                          <a:solidFill>
+                            <a:srgbClr val="373D41"/>
+                          </a:solidFill>
+                          <a:latin typeface="Arial" charset="0"/>
+                          <a:cs typeface="Arial" charset="0"/>
+                        </a:defRPr>
+                      </a:lvl7pPr>
+                      <a:lvl8pPr fontAlgn="base">
+                        <a:spcBef>
+                          <a:spcPct val="30000"/>
+                        </a:spcBef>
+                        <a:spcAft>
+                          <a:spcPct val="0"/>
+                        </a:spcAft>
+                        <a:buClr>
+                          <a:schemeClr val="tx1"/>
+                        </a:buClr>
+                        <a:buFont typeface="Wingdings" pitchFamily="2" charset="2"/>
+                        <a:defRPr sz="1400">
+                          <a:solidFill>
+                            <a:srgbClr val="373D41"/>
+                          </a:solidFill>
+                          <a:latin typeface="Arial" charset="0"/>
+                          <a:cs typeface="Arial" charset="0"/>
+                        </a:defRPr>
+                      </a:lvl8pPr>
+                      <a:lvl9pPr fontAlgn="base">
+                        <a:spcBef>
+                          <a:spcPct val="30000"/>
+                        </a:spcBef>
+                        <a:spcAft>
+                          <a:spcPct val="0"/>
+                        </a:spcAft>
+                        <a:buClr>
+                          <a:schemeClr val="tx1"/>
+                        </a:buClr>
+                        <a:buFont typeface="Wingdings" pitchFamily="2" charset="2"/>
+                        <a:defRPr sz="1400">
+                          <a:solidFill>
+                            <a:srgbClr val="373D41"/>
+                          </a:solidFill>
+                          <a:latin typeface="Arial" charset="0"/>
+                          <a:cs typeface="Arial" charset="0"/>
+                        </a:defRPr>
+                      </a:lvl9pPr>
+                    </a:lstStyle>
+                    <a:p>
+                      <a:pPr algn="ctr">
+                        <a:lnSpc>
+                          <a:spcPts val="600"/>
+                        </a:lnSpc>
+                      </a:pPr>
+                      <a:r>
+                        <a:rPr lang="de-DE" sz="1000" dirty="0" smtClean="0">
+                          <a:solidFill>
+                            <a:schemeClr val="tx1"/>
+                          </a:solidFill>
+                        </a:rPr>
+                        <a:t>Enter „Smith“ in </a:t>
+                      </a:r>
+                      <a:r>
+                        <a:rPr lang="de-DE" sz="1000" dirty="0" err="1" smtClean="0">
+                          <a:solidFill>
+                            <a:schemeClr val="tx1"/>
+                          </a:solidFill>
+                        </a:rPr>
+                        <a:t>field</a:t>
+                      </a:r>
+                      <a:r>
+                        <a:rPr lang="de-DE" sz="1000" dirty="0" smtClean="0">
+                          <a:solidFill>
+                            <a:schemeClr val="tx1"/>
+                          </a:solidFill>
+                        </a:rPr>
+                        <a:t> „</a:t>
+                      </a:r>
+                      <a:r>
+                        <a:rPr lang="de-DE" sz="1000" dirty="0" err="1" smtClean="0">
+                          <a:solidFill>
+                            <a:schemeClr val="tx1"/>
+                          </a:solidFill>
+                        </a:rPr>
+                        <a:t>UserId</a:t>
+                      </a:r>
+                      <a:r>
+                        <a:rPr lang="de-DE" sz="1000" dirty="0" smtClean="0">
+                          <a:solidFill>
+                            <a:schemeClr val="tx1"/>
+                          </a:solidFill>
+                        </a:rPr>
+                        <a:t>“.</a:t>
+                      </a:r>
+                    </a:p>
+                    <a:p>
+                      <a:pPr algn="ctr">
+                        <a:lnSpc>
+                          <a:spcPts val="600"/>
+                        </a:lnSpc>
+                      </a:pPr>
+                      <a:r>
+                        <a:rPr lang="de-DE" sz="1000" dirty="0" smtClean="0">
+                          <a:solidFill>
+                            <a:schemeClr val="tx1"/>
+                          </a:solidFill>
+                        </a:rPr>
+                        <a:t>Enter „12345“ in </a:t>
+                      </a:r>
+                      <a:r>
+                        <a:rPr lang="de-DE" sz="1000" dirty="0" err="1" smtClean="0">
+                          <a:solidFill>
+                            <a:schemeClr val="tx1"/>
+                          </a:solidFill>
+                        </a:rPr>
+                        <a:t>field</a:t>
+                      </a:r>
+                      <a:r>
+                        <a:rPr lang="de-DE" sz="1000" dirty="0" smtClean="0">
+                          <a:solidFill>
+                            <a:schemeClr val="tx1"/>
+                          </a:solidFill>
+                        </a:rPr>
+                        <a:t> „</a:t>
+                      </a:r>
+                      <a:r>
+                        <a:rPr lang="de-DE" sz="1000" dirty="0" err="1" smtClean="0">
+                          <a:solidFill>
+                            <a:schemeClr val="tx1"/>
+                          </a:solidFill>
+                        </a:rPr>
+                        <a:t>password</a:t>
+                      </a:r>
+                      <a:r>
+                        <a:rPr lang="de-DE" sz="1000" dirty="0" smtClean="0">
+                          <a:solidFill>
+                            <a:schemeClr val="tx1"/>
+                          </a:solidFill>
+                        </a:rPr>
+                        <a:t>“.</a:t>
+                      </a:r>
+                    </a:p>
+                    <a:p>
+                      <a:pPr algn="ctr">
+                        <a:lnSpc>
+                          <a:spcPts val="600"/>
+                        </a:lnSpc>
+                      </a:pPr>
+                      <a:r>
+                        <a:rPr lang="de-DE" sz="1000" dirty="0" smtClean="0">
+                          <a:solidFill>
+                            <a:schemeClr val="tx1"/>
+                          </a:solidFill>
+                        </a:rPr>
+                        <a:t>Press </a:t>
+                      </a:r>
+                      <a:r>
+                        <a:rPr lang="de-DE" sz="1000" dirty="0" err="1" smtClean="0">
+                          <a:solidFill>
+                            <a:schemeClr val="tx1"/>
+                          </a:solidFill>
+                        </a:rPr>
+                        <a:t>button</a:t>
+                      </a:r>
+                      <a:r>
+                        <a:rPr lang="de-DE" sz="1000" dirty="0" smtClean="0">
+                          <a:solidFill>
+                            <a:schemeClr val="tx1"/>
+                          </a:solidFill>
+                        </a:rPr>
+                        <a:t> „Login“.</a:t>
+                      </a:r>
+                    </a:p>
+                  </a:txBody>
+                  <a:tcPr marL="72000" marR="72000" marT="72000" marB="72000" anchor="ctr" horzOverflow="overflow">
+                    <a:lnL w="6350" cap="flat" cmpd="sng" algn="ctr">
+                      <a:solidFill>
+                        <a:schemeClr val="bg2"/>
+                      </a:solidFill>
+                      <a:prstDash val="solid"/>
+                      <a:round/>
+                      <a:headEnd type="none" w="med" len="med"/>
+                      <a:tailEnd type="none" w="med" len="med"/>
+                    </a:lnL>
+                    <a:lnR w="6350" cap="flat" cmpd="sng" algn="ctr">
+                      <a:solidFill>
+                        <a:schemeClr val="bg2"/>
+                      </a:solidFill>
+                      <a:prstDash val="solid"/>
+                      <a:round/>
+                      <a:headEnd type="none" w="med" len="med"/>
+                      <a:tailEnd type="none" w="med" len="med"/>
+                    </a:lnR>
+                    <a:lnT w="6350" cap="flat" cmpd="sng" algn="ctr">
+                      <a:solidFill>
+                        <a:schemeClr val="accent1"/>
+                      </a:solidFill>
+                      <a:prstDash val="solid"/>
+                      <a:round/>
+                      <a:headEnd type="none" w="med" len="med"/>
+                      <a:tailEnd type="none" w="med" len="med"/>
+                    </a:lnT>
+                    <a:lnB w="6350" cap="flat" cmpd="sng" algn="ctr">
+                      <a:solidFill>
+                        <a:schemeClr val="bg2"/>
+                      </a:solidFill>
+                      <a:prstDash val="solid"/>
+                      <a:round/>
+                      <a:headEnd type="none" w="med" len="med"/>
+                      <a:tailEnd type="none" w="med" len="med"/>
+                    </a:lnB>
+                    <a:lnTlToBr>
+                      <a:noFill/>
+                    </a:lnTlToBr>
+                    <a:lnBlToTr>
+                      <a:noFill/>
+                    </a:lnBlToTr>
+                    <a:noFill/>
+                  </a:tcPr>
+                </a:tc>
+              </a:tr>
+              <a:tr h="411163">
+                <a:tc>
+                  <a:txBody>
+                    <a:bodyPr/>
+                    <a:lstStyle>
+                      <a:lvl1pPr>
+                        <a:spcBef>
+                          <a:spcPct val="80000"/>
+                        </a:spcBef>
+                        <a:buClr>
+                          <a:schemeClr val="tx1"/>
+                        </a:buClr>
+                        <a:buFont typeface="Wingdings" pitchFamily="2" charset="2"/>
+                        <a:defRPr sz="1400" b="1">
+                          <a:solidFill>
+                            <a:srgbClr val="373D41"/>
+                          </a:solidFill>
+                          <a:latin typeface="Arial" charset="0"/>
+                          <a:cs typeface="Arial" charset="0"/>
+                        </a:defRPr>
+                      </a:lvl1pPr>
+                      <a:lvl2pPr>
+                        <a:spcBef>
+                          <a:spcPct val="60000"/>
+                        </a:spcBef>
+                        <a:buClr>
+                          <a:schemeClr val="tx1"/>
+                        </a:buClr>
+                        <a:buFont typeface="Wingdings" pitchFamily="2" charset="2"/>
+                        <a:defRPr sz="1400">
+                          <a:solidFill>
+                            <a:srgbClr val="373D41"/>
+                          </a:solidFill>
+                          <a:latin typeface="Arial" charset="0"/>
+                          <a:cs typeface="Arial" charset="0"/>
+                        </a:defRPr>
+                      </a:lvl2pPr>
+                      <a:lvl3pPr>
+                        <a:spcBef>
+                          <a:spcPct val="30000"/>
+                        </a:spcBef>
+                        <a:buClr>
+                          <a:schemeClr val="tx1"/>
+                        </a:buClr>
+                        <a:buFont typeface="Wingdings" pitchFamily="2" charset="2"/>
+                        <a:defRPr sz="1400">
+                          <a:solidFill>
+                            <a:srgbClr val="373D41"/>
+                          </a:solidFill>
+                          <a:latin typeface="Arial" charset="0"/>
+                          <a:cs typeface="Arial" charset="0"/>
+                        </a:defRPr>
+                      </a:lvl3pPr>
+                      <a:lvl4pPr>
+                        <a:spcBef>
+                          <a:spcPct val="30000"/>
+                        </a:spcBef>
+                        <a:buClr>
+                          <a:schemeClr val="tx1"/>
+                        </a:buClr>
+                        <a:buFont typeface="Wingdings" pitchFamily="2" charset="2"/>
+                        <a:defRPr sz="1400">
+                          <a:solidFill>
+                            <a:srgbClr val="373D41"/>
+                          </a:solidFill>
+                          <a:latin typeface="Arial" charset="0"/>
+                          <a:cs typeface="Arial" charset="0"/>
+                        </a:defRPr>
+                      </a:lvl4pPr>
+                      <a:lvl5pPr>
+                        <a:spcBef>
+                          <a:spcPct val="30000"/>
+                        </a:spcBef>
+                        <a:buClr>
+                          <a:schemeClr val="tx1"/>
+                        </a:buClr>
+                        <a:buFont typeface="Wingdings" pitchFamily="2" charset="2"/>
+                        <a:defRPr sz="1400">
+                          <a:solidFill>
+                            <a:srgbClr val="373D41"/>
+                          </a:solidFill>
+                          <a:latin typeface="Arial" charset="0"/>
+                          <a:cs typeface="Arial" charset="0"/>
+                        </a:defRPr>
+                      </a:lvl5pPr>
+                      <a:lvl6pPr fontAlgn="base">
+                        <a:spcBef>
+                          <a:spcPct val="30000"/>
+                        </a:spcBef>
+                        <a:spcAft>
+                          <a:spcPct val="0"/>
+                        </a:spcAft>
+                        <a:buClr>
+                          <a:schemeClr val="tx1"/>
+                        </a:buClr>
+                        <a:buFont typeface="Wingdings" pitchFamily="2" charset="2"/>
+                        <a:defRPr sz="1400">
+                          <a:solidFill>
+                            <a:srgbClr val="373D41"/>
+                          </a:solidFill>
+                          <a:latin typeface="Arial" charset="0"/>
+                          <a:cs typeface="Arial" charset="0"/>
+                        </a:defRPr>
+                      </a:lvl6pPr>
+                      <a:lvl7pPr fontAlgn="base">
+                        <a:spcBef>
+                          <a:spcPct val="30000"/>
+                        </a:spcBef>
+                        <a:spcAft>
+                          <a:spcPct val="0"/>
+                        </a:spcAft>
+                        <a:buClr>
+                          <a:schemeClr val="tx1"/>
+                        </a:buClr>
+                        <a:buFont typeface="Wingdings" pitchFamily="2" charset="2"/>
+                        <a:defRPr sz="1400">
+                          <a:solidFill>
+                            <a:srgbClr val="373D41"/>
+                          </a:solidFill>
+                          <a:latin typeface="Arial" charset="0"/>
+                          <a:cs typeface="Arial" charset="0"/>
+                        </a:defRPr>
+                      </a:lvl7pPr>
+                      <a:lvl8pPr fontAlgn="base">
+                        <a:spcBef>
+                          <a:spcPct val="30000"/>
+                        </a:spcBef>
+                        <a:spcAft>
+                          <a:spcPct val="0"/>
+                        </a:spcAft>
+                        <a:buClr>
+                          <a:schemeClr val="tx1"/>
+                        </a:buClr>
+                        <a:buFont typeface="Wingdings" pitchFamily="2" charset="2"/>
+                        <a:defRPr sz="1400">
+                          <a:solidFill>
+                            <a:srgbClr val="373D41"/>
+                          </a:solidFill>
+                          <a:latin typeface="Arial" charset="0"/>
+                          <a:cs typeface="Arial" charset="0"/>
+                        </a:defRPr>
+                      </a:lvl8pPr>
+                      <a:lvl9pPr fontAlgn="base">
+                        <a:spcBef>
+                          <a:spcPct val="30000"/>
+                        </a:spcBef>
+                        <a:spcAft>
+                          <a:spcPct val="0"/>
+                        </a:spcAft>
+                        <a:buClr>
+                          <a:schemeClr val="tx1"/>
+                        </a:buClr>
+                        <a:buFont typeface="Wingdings" pitchFamily="2" charset="2"/>
+                        <a:defRPr sz="1400">
+                          <a:solidFill>
+                            <a:srgbClr val="373D41"/>
+                          </a:solidFill>
+                          <a:latin typeface="Arial" charset="0"/>
+                          <a:cs typeface="Arial" charset="0"/>
+                        </a:defRPr>
+                      </a:lvl9pPr>
+                    </a:lstStyle>
+                    <a:p>
+                      <a:pPr marL="0" marR="0" lvl="0" indent="0" algn="l" defTabSz="914400" rtl="0" eaLnBrk="1" fontAlgn="b" latinLnBrk="0" hangingPunct="1">
+                        <a:lnSpc>
+                          <a:spcPct val="100000"/>
+                        </a:lnSpc>
+                        <a:spcBef>
+                          <a:spcPct val="80000"/>
+                        </a:spcBef>
+                        <a:spcAft>
+                          <a:spcPct val="0"/>
+                        </a:spcAft>
+                        <a:buClr>
+                          <a:schemeClr val="tx1"/>
+                        </a:buClr>
+                        <a:buSzTx/>
+                        <a:buFont typeface="Wingdings" pitchFamily="2" charset="2"/>
+                        <a:buNone/>
+                        <a:tabLst/>
+                      </a:pPr>
+                      <a:r>
+                        <a:rPr lang="de-DE" sz="1400" b="1" dirty="0" smtClean="0">
+                          <a:solidFill>
+                            <a:schemeClr val="bg1">
+                              <a:lumMod val="95000"/>
+                            </a:schemeClr>
+                          </a:solidFill>
+                        </a:rPr>
+                        <a:t>Definition</a:t>
+                      </a:r>
+                      <a:endParaRPr kumimoji="0" lang="de-DE" altLang="de-DE" sz="1400" b="0" i="0" u="none" strike="noStrike" cap="none" normalizeH="0" baseline="0" dirty="0" smtClean="0">
+                        <a:ln>
+                          <a:noFill/>
+                        </a:ln>
+                        <a:solidFill>
+                          <a:schemeClr val="bg1">
+                            <a:lumMod val="95000"/>
+                          </a:schemeClr>
+                        </a:solidFill>
+                        <a:effectLst/>
+                        <a:latin typeface="Arial" charset="0"/>
+                        <a:cs typeface="Arial" charset="0"/>
+                      </a:endParaRPr>
+                    </a:p>
+                  </a:txBody>
+                  <a:tcPr marL="72000" marR="72000" marT="72000" marB="72000" anchor="ctr" horzOverflow="overflow">
+                    <a:lnL w="6350" cap="flat" cmpd="sng" algn="ctr">
+                      <a:solidFill>
+                        <a:schemeClr val="bg2"/>
+                      </a:solidFill>
+                      <a:prstDash val="solid"/>
+                      <a:round/>
+                      <a:headEnd type="none" w="med" len="med"/>
+                      <a:tailEnd type="none" w="med" len="med"/>
+                    </a:lnL>
+                    <a:lnR w="6350" cap="flat" cmpd="sng" algn="ctr">
+                      <a:solidFill>
+                        <a:schemeClr val="bg2"/>
+                      </a:solidFill>
+                      <a:prstDash val="solid"/>
+                      <a:round/>
+                      <a:headEnd type="none" w="med" len="med"/>
+                      <a:tailEnd type="none" w="med" len="med"/>
+                    </a:lnR>
+                    <a:lnT w="6350" cap="flat" cmpd="sng" algn="ctr">
+                      <a:solidFill>
+                        <a:schemeClr val="bg2"/>
+                      </a:solidFill>
+                      <a:prstDash val="solid"/>
+                      <a:round/>
+                      <a:headEnd type="none" w="med" len="med"/>
+                      <a:tailEnd type="none" w="med" len="med"/>
+                    </a:lnT>
+                    <a:lnB w="6350" cap="flat" cmpd="sng" algn="ctr">
+                      <a:solidFill>
+                        <a:schemeClr val="bg2"/>
+                      </a:solidFill>
+                      <a:prstDash val="solid"/>
+                      <a:round/>
+                      <a:headEnd type="none" w="med" len="med"/>
+                      <a:tailEnd type="none" w="med" len="med"/>
+                    </a:lnB>
+                    <a:lnTlToBr>
+                      <a:noFill/>
+                    </a:lnTlToBr>
+                    <a:lnBlToTr>
+                      <a:noFill/>
+                    </a:lnBlToTr>
+                    <a:solidFill>
+                      <a:schemeClr val="tx1">
+                        <a:lumMod val="50000"/>
+                        <a:lumOff val="50000"/>
+                      </a:schemeClr>
+                    </a:solidFill>
+                  </a:tcPr>
+                </a:tc>
+                <a:tc>
+                  <a:txBody>
+                    <a:bodyPr/>
+                    <a:lstStyle>
+                      <a:lvl1pPr>
+                        <a:spcBef>
+                          <a:spcPct val="80000"/>
+                        </a:spcBef>
+                        <a:buClr>
+                          <a:schemeClr val="tx1"/>
+                        </a:buClr>
+                        <a:buFont typeface="Wingdings" pitchFamily="2" charset="2"/>
+                        <a:defRPr sz="1400" b="1">
+                          <a:solidFill>
+                            <a:srgbClr val="373D41"/>
+                          </a:solidFill>
+                          <a:latin typeface="Arial" charset="0"/>
+                          <a:cs typeface="Arial" charset="0"/>
+                        </a:defRPr>
+                      </a:lvl1pPr>
+                      <a:lvl2pPr>
+                        <a:spcBef>
+                          <a:spcPct val="60000"/>
+                        </a:spcBef>
+                        <a:buClr>
+                          <a:schemeClr val="tx1"/>
+                        </a:buClr>
+                        <a:buFont typeface="Wingdings" pitchFamily="2" charset="2"/>
+                        <a:defRPr sz="1400">
+                          <a:solidFill>
+                            <a:srgbClr val="373D41"/>
+                          </a:solidFill>
+                          <a:latin typeface="Arial" charset="0"/>
+                          <a:cs typeface="Arial" charset="0"/>
+                        </a:defRPr>
+                      </a:lvl2pPr>
+                      <a:lvl3pPr>
+                        <a:spcBef>
+                          <a:spcPct val="30000"/>
+                        </a:spcBef>
+                        <a:buClr>
+                          <a:schemeClr val="tx1"/>
+                        </a:buClr>
+                        <a:buFont typeface="Wingdings" pitchFamily="2" charset="2"/>
+                        <a:defRPr sz="1400">
+                          <a:solidFill>
+                            <a:srgbClr val="373D41"/>
+                          </a:solidFill>
+                          <a:latin typeface="Arial" charset="0"/>
+                          <a:cs typeface="Arial" charset="0"/>
+                        </a:defRPr>
+                      </a:lvl3pPr>
+                      <a:lvl4pPr>
+                        <a:spcBef>
+                          <a:spcPct val="30000"/>
+                        </a:spcBef>
+                        <a:buClr>
+                          <a:schemeClr val="tx1"/>
+                        </a:buClr>
+                        <a:buFont typeface="Wingdings" pitchFamily="2" charset="2"/>
+                        <a:defRPr sz="1400">
+                          <a:solidFill>
+                            <a:srgbClr val="373D41"/>
+                          </a:solidFill>
+                          <a:latin typeface="Arial" charset="0"/>
+                          <a:cs typeface="Arial" charset="0"/>
+                        </a:defRPr>
+                      </a:lvl4pPr>
+                      <a:lvl5pPr>
+                        <a:spcBef>
+                          <a:spcPct val="30000"/>
+                        </a:spcBef>
+                        <a:buClr>
+                          <a:schemeClr val="tx1"/>
+                        </a:buClr>
+                        <a:buFont typeface="Wingdings" pitchFamily="2" charset="2"/>
+                        <a:defRPr sz="1400">
+                          <a:solidFill>
+                            <a:srgbClr val="373D41"/>
+                          </a:solidFill>
+                          <a:latin typeface="Arial" charset="0"/>
+                          <a:cs typeface="Arial" charset="0"/>
+                        </a:defRPr>
+                      </a:lvl5pPr>
+                      <a:lvl6pPr fontAlgn="base">
+                        <a:spcBef>
+                          <a:spcPct val="30000"/>
+                        </a:spcBef>
+                        <a:spcAft>
+                          <a:spcPct val="0"/>
+                        </a:spcAft>
+                        <a:buClr>
+                          <a:schemeClr val="tx1"/>
+                        </a:buClr>
+                        <a:buFont typeface="Wingdings" pitchFamily="2" charset="2"/>
+                        <a:defRPr sz="1400">
+                          <a:solidFill>
+                            <a:srgbClr val="373D41"/>
+                          </a:solidFill>
+                          <a:latin typeface="Arial" charset="0"/>
+                          <a:cs typeface="Arial" charset="0"/>
+                        </a:defRPr>
+                      </a:lvl6pPr>
+                      <a:lvl7pPr fontAlgn="base">
+                        <a:spcBef>
+                          <a:spcPct val="30000"/>
+                        </a:spcBef>
+                        <a:spcAft>
+                          <a:spcPct val="0"/>
+                        </a:spcAft>
+                        <a:buClr>
+                          <a:schemeClr val="tx1"/>
+                        </a:buClr>
+                        <a:buFont typeface="Wingdings" pitchFamily="2" charset="2"/>
+                        <a:defRPr sz="1400">
+                          <a:solidFill>
+                            <a:srgbClr val="373D41"/>
+                          </a:solidFill>
+                          <a:latin typeface="Arial" charset="0"/>
+                          <a:cs typeface="Arial" charset="0"/>
+                        </a:defRPr>
+                      </a:lvl7pPr>
+                      <a:lvl8pPr fontAlgn="base">
+                        <a:spcBef>
+                          <a:spcPct val="30000"/>
+                        </a:spcBef>
+                        <a:spcAft>
+                          <a:spcPct val="0"/>
+                        </a:spcAft>
+                        <a:buClr>
+                          <a:schemeClr val="tx1"/>
+                        </a:buClr>
+                        <a:buFont typeface="Wingdings" pitchFamily="2" charset="2"/>
+                        <a:defRPr sz="1400">
+                          <a:solidFill>
+                            <a:srgbClr val="373D41"/>
+                          </a:solidFill>
+                          <a:latin typeface="Arial" charset="0"/>
+                          <a:cs typeface="Arial" charset="0"/>
+                        </a:defRPr>
+                      </a:lvl8pPr>
+                      <a:lvl9pPr fontAlgn="base">
+                        <a:spcBef>
+                          <a:spcPct val="30000"/>
+                        </a:spcBef>
+                        <a:spcAft>
+                          <a:spcPct val="0"/>
+                        </a:spcAft>
+                        <a:buClr>
+                          <a:schemeClr val="tx1"/>
+                        </a:buClr>
+                        <a:buFont typeface="Wingdings" pitchFamily="2" charset="2"/>
+                        <a:defRPr sz="1400">
+                          <a:solidFill>
+                            <a:srgbClr val="373D41"/>
+                          </a:solidFill>
+                          <a:latin typeface="Arial" charset="0"/>
+                          <a:cs typeface="Arial" charset="0"/>
+                        </a:defRPr>
+                      </a:lvl9pPr>
+                    </a:lstStyle>
+                    <a:p>
+                      <a:pPr marL="0" marR="0" lvl="0" indent="0" algn="ctr" defTabSz="914400" rtl="0" eaLnBrk="1" fontAlgn="b" latinLnBrk="0" hangingPunct="1">
+                        <a:lnSpc>
+                          <a:spcPct val="100000"/>
+                        </a:lnSpc>
+                        <a:spcBef>
+                          <a:spcPct val="80000"/>
+                        </a:spcBef>
+                        <a:spcAft>
+                          <a:spcPct val="0"/>
+                        </a:spcAft>
+                        <a:buClr>
+                          <a:schemeClr val="tx1"/>
+                        </a:buClr>
+                        <a:buSzTx/>
+                        <a:buFont typeface="Wingdings" pitchFamily="2" charset="2"/>
+                        <a:buNone/>
+                        <a:tabLst/>
+                        <a:defRPr/>
+                      </a:pPr>
+                      <a:r>
+                        <a:rPr lang="de-DE" sz="1400" b="0" dirty="0" smtClean="0"/>
+                        <a:t>Description </a:t>
+                      </a:r>
+                      <a:r>
+                        <a:rPr lang="de-DE" sz="1400" b="0" dirty="0" err="1" smtClean="0"/>
+                        <a:t>of</a:t>
+                      </a:r>
+                      <a:r>
+                        <a:rPr lang="de-DE" sz="1400" b="0" dirty="0" smtClean="0"/>
+                        <a:t> a </a:t>
+                      </a:r>
+                      <a:r>
+                        <a:rPr lang="de-DE" sz="1400" b="0" dirty="0" err="1" smtClean="0"/>
+                        <a:t>state</a:t>
+                      </a:r>
+                      <a:r>
+                        <a:rPr lang="de-DE" sz="1400" b="0" dirty="0" smtClean="0"/>
+                        <a:t>.</a:t>
+                      </a:r>
+                    </a:p>
+                  </a:txBody>
+                  <a:tcPr marL="72000" marR="72000" marT="72000" marB="72000" anchor="ctr" horzOverflow="overflow">
+                    <a:lnL w="6350" cap="flat" cmpd="sng" algn="ctr">
+                      <a:solidFill>
+                        <a:schemeClr val="bg2"/>
+                      </a:solidFill>
+                      <a:prstDash val="solid"/>
+                      <a:round/>
+                      <a:headEnd type="none" w="med" len="med"/>
+                      <a:tailEnd type="none" w="med" len="med"/>
+                    </a:lnL>
+                    <a:lnR w="6350" cap="flat" cmpd="sng" algn="ctr">
+                      <a:solidFill>
+                        <a:schemeClr val="bg2"/>
+                      </a:solidFill>
+                      <a:prstDash val="solid"/>
+                      <a:round/>
+                      <a:headEnd type="none" w="med" len="med"/>
+                      <a:tailEnd type="none" w="med" len="med"/>
+                    </a:lnR>
+                    <a:lnT w="6350" cap="flat" cmpd="sng" algn="ctr">
+                      <a:solidFill>
+                        <a:schemeClr val="bg2"/>
+                      </a:solidFill>
+                      <a:prstDash val="solid"/>
+                      <a:round/>
+                      <a:headEnd type="none" w="med" len="med"/>
+                      <a:tailEnd type="none" w="med" len="med"/>
+                    </a:lnT>
+                    <a:lnB w="6350" cap="flat" cmpd="sng" algn="ctr">
+                      <a:solidFill>
+                        <a:schemeClr val="bg2"/>
+                      </a:solidFill>
+                      <a:prstDash val="solid"/>
+                      <a:round/>
+                      <a:headEnd type="none" w="med" len="med"/>
+                      <a:tailEnd type="none" w="med" len="med"/>
+                    </a:lnB>
+                    <a:lnTlToBr>
+                      <a:noFill/>
+                    </a:lnTlToBr>
+                    <a:lnBlToTr>
+                      <a:noFill/>
+                    </a:lnBlToTr>
+                    <a:solidFill>
+                      <a:schemeClr val="bg1">
+                        <a:lumMod val="75000"/>
+                      </a:schemeClr>
+                    </a:solidFill>
+                  </a:tcPr>
+                </a:tc>
+                <a:tc>
+                  <a:txBody>
+                    <a:bodyPr/>
+                    <a:lstStyle>
+                      <a:lvl1pPr>
+                        <a:spcBef>
+                          <a:spcPct val="80000"/>
+                        </a:spcBef>
+                        <a:buClr>
+                          <a:schemeClr val="tx1"/>
+                        </a:buClr>
+                        <a:buFont typeface="Wingdings" pitchFamily="2" charset="2"/>
+                        <a:defRPr sz="1400" b="1">
+                          <a:solidFill>
+                            <a:srgbClr val="373D41"/>
+                          </a:solidFill>
+                          <a:latin typeface="Arial" charset="0"/>
+                          <a:cs typeface="Arial" charset="0"/>
+                        </a:defRPr>
+                      </a:lvl1pPr>
+                      <a:lvl2pPr>
+                        <a:spcBef>
+                          <a:spcPct val="60000"/>
+                        </a:spcBef>
+                        <a:buClr>
+                          <a:schemeClr val="tx1"/>
+                        </a:buClr>
+                        <a:buFont typeface="Wingdings" pitchFamily="2" charset="2"/>
+                        <a:defRPr sz="1400">
+                          <a:solidFill>
+                            <a:srgbClr val="373D41"/>
+                          </a:solidFill>
+                          <a:latin typeface="Arial" charset="0"/>
+                          <a:cs typeface="Arial" charset="0"/>
+                        </a:defRPr>
+                      </a:lvl2pPr>
+                      <a:lvl3pPr>
+                        <a:spcBef>
+                          <a:spcPct val="30000"/>
+                        </a:spcBef>
+                        <a:buClr>
+                          <a:schemeClr val="tx1"/>
+                        </a:buClr>
+                        <a:buFont typeface="Wingdings" pitchFamily="2" charset="2"/>
+                        <a:defRPr sz="1400">
+                          <a:solidFill>
+                            <a:srgbClr val="373D41"/>
+                          </a:solidFill>
+                          <a:latin typeface="Arial" charset="0"/>
+                          <a:cs typeface="Arial" charset="0"/>
+                        </a:defRPr>
+                      </a:lvl3pPr>
+                      <a:lvl4pPr>
+                        <a:spcBef>
+                          <a:spcPct val="30000"/>
+                        </a:spcBef>
+                        <a:buClr>
+                          <a:schemeClr val="tx1"/>
+                        </a:buClr>
+                        <a:buFont typeface="Wingdings" pitchFamily="2" charset="2"/>
+                        <a:defRPr sz="1400">
+                          <a:solidFill>
+                            <a:srgbClr val="373D41"/>
+                          </a:solidFill>
+                          <a:latin typeface="Arial" charset="0"/>
+                          <a:cs typeface="Arial" charset="0"/>
+                        </a:defRPr>
+                      </a:lvl4pPr>
+                      <a:lvl5pPr>
+                        <a:spcBef>
+                          <a:spcPct val="30000"/>
+                        </a:spcBef>
+                        <a:buClr>
+                          <a:schemeClr val="tx1"/>
+                        </a:buClr>
+                        <a:buFont typeface="Wingdings" pitchFamily="2" charset="2"/>
+                        <a:defRPr sz="1400">
+                          <a:solidFill>
+                            <a:srgbClr val="373D41"/>
+                          </a:solidFill>
+                          <a:latin typeface="Arial" charset="0"/>
+                          <a:cs typeface="Arial" charset="0"/>
+                        </a:defRPr>
+                      </a:lvl5pPr>
+                      <a:lvl6pPr fontAlgn="base">
+                        <a:spcBef>
+                          <a:spcPct val="30000"/>
+                        </a:spcBef>
+                        <a:spcAft>
+                          <a:spcPct val="0"/>
+                        </a:spcAft>
+                        <a:buClr>
+                          <a:schemeClr val="tx1"/>
+                        </a:buClr>
+                        <a:buFont typeface="Wingdings" pitchFamily="2" charset="2"/>
+                        <a:defRPr sz="1400">
+                          <a:solidFill>
+                            <a:srgbClr val="373D41"/>
+                          </a:solidFill>
+                          <a:latin typeface="Arial" charset="0"/>
+                          <a:cs typeface="Arial" charset="0"/>
+                        </a:defRPr>
+                      </a:lvl6pPr>
+                      <a:lvl7pPr fontAlgn="base">
+                        <a:spcBef>
+                          <a:spcPct val="30000"/>
+                        </a:spcBef>
+                        <a:spcAft>
+                          <a:spcPct val="0"/>
+                        </a:spcAft>
+                        <a:buClr>
+                          <a:schemeClr val="tx1"/>
+                        </a:buClr>
+                        <a:buFont typeface="Wingdings" pitchFamily="2" charset="2"/>
+                        <a:defRPr sz="1400">
+                          <a:solidFill>
+                            <a:srgbClr val="373D41"/>
+                          </a:solidFill>
+                          <a:latin typeface="Arial" charset="0"/>
+                          <a:cs typeface="Arial" charset="0"/>
+                        </a:defRPr>
+                      </a:lvl7pPr>
+                      <a:lvl8pPr fontAlgn="base">
+                        <a:spcBef>
+                          <a:spcPct val="30000"/>
+                        </a:spcBef>
+                        <a:spcAft>
+                          <a:spcPct val="0"/>
+                        </a:spcAft>
+                        <a:buClr>
+                          <a:schemeClr val="tx1"/>
+                        </a:buClr>
+                        <a:buFont typeface="Wingdings" pitchFamily="2" charset="2"/>
+                        <a:defRPr sz="1400">
+                          <a:solidFill>
+                            <a:srgbClr val="373D41"/>
+                          </a:solidFill>
+                          <a:latin typeface="Arial" charset="0"/>
+                          <a:cs typeface="Arial" charset="0"/>
+                        </a:defRPr>
+                      </a:lvl8pPr>
+                      <a:lvl9pPr fontAlgn="base">
+                        <a:spcBef>
+                          <a:spcPct val="30000"/>
+                        </a:spcBef>
+                        <a:spcAft>
+                          <a:spcPct val="0"/>
+                        </a:spcAft>
+                        <a:buClr>
+                          <a:schemeClr val="tx1"/>
+                        </a:buClr>
+                        <a:buFont typeface="Wingdings" pitchFamily="2" charset="2"/>
+                        <a:defRPr sz="1400">
+                          <a:solidFill>
+                            <a:srgbClr val="373D41"/>
+                          </a:solidFill>
+                          <a:latin typeface="Arial" charset="0"/>
+                          <a:cs typeface="Arial" charset="0"/>
+                        </a:defRPr>
+                      </a:lvl9pPr>
+                    </a:lstStyle>
+                    <a:p>
+                      <a:pPr marL="0" marR="0" lvl="0" indent="0" algn="ctr" defTabSz="914400" rtl="0" eaLnBrk="1" fontAlgn="ctr" latinLnBrk="0" hangingPunct="1">
+                        <a:lnSpc>
+                          <a:spcPct val="100000"/>
+                        </a:lnSpc>
+                        <a:spcBef>
+                          <a:spcPct val="80000"/>
+                        </a:spcBef>
+                        <a:spcAft>
+                          <a:spcPct val="0"/>
+                        </a:spcAft>
+                        <a:buClr>
+                          <a:schemeClr val="tx1"/>
+                        </a:buClr>
+                        <a:buSzTx/>
+                        <a:buFont typeface="Wingdings" pitchFamily="2" charset="2"/>
+                        <a:buNone/>
+                        <a:tabLst/>
+                        <a:defRPr/>
+                      </a:pPr>
+                      <a:r>
+                        <a:rPr lang="de-DE" sz="1400" b="0" dirty="0" smtClean="0"/>
+                        <a:t>List </a:t>
+                      </a:r>
+                      <a:r>
+                        <a:rPr lang="de-DE" sz="1400" b="0" dirty="0" err="1" smtClean="0"/>
+                        <a:t>of</a:t>
+                      </a:r>
+                      <a:r>
+                        <a:rPr lang="de-DE" sz="1400" b="0" dirty="0" smtClean="0"/>
+                        <a:t> </a:t>
+                      </a:r>
+                      <a:r>
+                        <a:rPr lang="de-DE" sz="1400" b="0" dirty="0" err="1" smtClean="0"/>
+                        <a:t>instructions</a:t>
+                      </a:r>
+                      <a:r>
+                        <a:rPr lang="de-DE" sz="1400" b="0" dirty="0" smtClean="0"/>
+                        <a:t>.</a:t>
+                      </a:r>
+                    </a:p>
+                  </a:txBody>
+                  <a:tcPr marL="72000" marR="72000" marT="72000" marB="72000" anchor="ctr" horzOverflow="overflow">
+                    <a:lnL w="6350" cap="flat" cmpd="sng" algn="ctr">
+                      <a:solidFill>
+                        <a:schemeClr val="bg2"/>
+                      </a:solidFill>
+                      <a:prstDash val="solid"/>
+                      <a:round/>
+                      <a:headEnd type="none" w="med" len="med"/>
+                      <a:tailEnd type="none" w="med" len="med"/>
+                    </a:lnL>
+                    <a:lnR w="6350" cap="flat" cmpd="sng" algn="ctr">
+                      <a:solidFill>
+                        <a:schemeClr val="bg2"/>
+                      </a:solidFill>
+                      <a:prstDash val="solid"/>
+                      <a:round/>
+                      <a:headEnd type="none" w="med" len="med"/>
+                      <a:tailEnd type="none" w="med" len="med"/>
+                    </a:lnR>
+                    <a:lnT w="6350" cap="flat" cmpd="sng" algn="ctr">
+                      <a:solidFill>
+                        <a:schemeClr val="bg2"/>
+                      </a:solidFill>
+                      <a:prstDash val="solid"/>
+                      <a:round/>
+                      <a:headEnd type="none" w="med" len="med"/>
+                      <a:tailEnd type="none" w="med" len="med"/>
+                    </a:lnT>
+                    <a:lnB w="6350" cap="flat" cmpd="sng" algn="ctr">
+                      <a:solidFill>
+                        <a:schemeClr val="bg2"/>
+                      </a:solidFill>
+                      <a:prstDash val="solid"/>
+                      <a:round/>
+                      <a:headEnd type="none" w="med" len="med"/>
+                      <a:tailEnd type="none" w="med" len="med"/>
+                    </a:lnB>
+                    <a:lnTlToBr>
+                      <a:noFill/>
+                    </a:lnTlToBr>
+                    <a:lnBlToTr>
+                      <a:noFill/>
+                    </a:lnBlToTr>
+                    <a:noFill/>
+                  </a:tcPr>
+                </a:tc>
+              </a:tr>
+            </a:tbl>
+          </a:graphicData>
+        </a:graphic>
+      </p:graphicFrame>
+      <p:graphicFrame>
+        <p:nvGraphicFramePr>
+          <p:cNvPr id="13" name="Group 321"/>
+          <p:cNvGraphicFramePr>
+            <a:graphicFrameLocks noGrp="1"/>
+          </p:cNvGraphicFramePr>
+          <p:nvPr>
+            <p:extLst>
+              <p:ext uri="{D42A27DB-BD31-4B8C-83A1-F6EECF244321}">
+                <p14:modId xmlns:p14="http://schemas.microsoft.com/office/powerpoint/2010/main" val="4218312389"/>
+              </p:ext>
+            </p:extLst>
+          </p:nvPr>
+        </p:nvGraphicFramePr>
+        <p:xfrm>
+          <a:off x="691887" y="3250630"/>
+          <a:ext cx="7575550" cy="1972800"/>
+        </p:xfrm>
+        <a:graphic>
+          <a:graphicData uri="http://schemas.openxmlformats.org/drawingml/2006/table">
+            <a:tbl>
+              <a:tblPr/>
+              <a:tblGrid>
+                <a:gridCol w="1245585"/>
+                <a:gridCol w="2989142"/>
+                <a:gridCol w="3340823"/>
+              </a:tblGrid>
+              <a:tr h="411163">
+                <a:tc>
+                  <a:txBody>
+                    <a:bodyPr/>
+                    <a:lstStyle>
+                      <a:lvl1pPr>
+                        <a:spcBef>
+                          <a:spcPct val="80000"/>
+                        </a:spcBef>
+                        <a:buClr>
+                          <a:schemeClr val="tx1"/>
+                        </a:buClr>
+                        <a:buFont typeface="Wingdings" pitchFamily="2" charset="2"/>
+                        <a:defRPr sz="1400" b="1">
+                          <a:solidFill>
+                            <a:srgbClr val="373D41"/>
+                          </a:solidFill>
+                          <a:latin typeface="Arial" charset="0"/>
+                          <a:cs typeface="Arial" charset="0"/>
+                        </a:defRPr>
+                      </a:lvl1pPr>
+                      <a:lvl2pPr>
+                        <a:spcBef>
+                          <a:spcPct val="60000"/>
+                        </a:spcBef>
+                        <a:buClr>
+                          <a:schemeClr val="tx1"/>
+                        </a:buClr>
+                        <a:buFont typeface="Wingdings" pitchFamily="2" charset="2"/>
+                        <a:defRPr sz="1400">
+                          <a:solidFill>
+                            <a:srgbClr val="373D41"/>
+                          </a:solidFill>
+                          <a:latin typeface="Arial" charset="0"/>
+                          <a:cs typeface="Arial" charset="0"/>
+                        </a:defRPr>
+                      </a:lvl2pPr>
+                      <a:lvl3pPr>
+                        <a:spcBef>
+                          <a:spcPct val="30000"/>
+                        </a:spcBef>
+                        <a:buClr>
+                          <a:schemeClr val="tx1"/>
+                        </a:buClr>
+                        <a:buFont typeface="Wingdings" pitchFamily="2" charset="2"/>
+                        <a:defRPr sz="1400">
+                          <a:solidFill>
+                            <a:srgbClr val="373D41"/>
+                          </a:solidFill>
+                          <a:latin typeface="Arial" charset="0"/>
+                          <a:cs typeface="Arial" charset="0"/>
+                        </a:defRPr>
+                      </a:lvl3pPr>
+                      <a:lvl4pPr>
+                        <a:spcBef>
+                          <a:spcPct val="30000"/>
+                        </a:spcBef>
+                        <a:buClr>
+                          <a:schemeClr val="tx1"/>
+                        </a:buClr>
+                        <a:buFont typeface="Wingdings" pitchFamily="2" charset="2"/>
+                        <a:defRPr sz="1400">
+                          <a:solidFill>
+                            <a:srgbClr val="373D41"/>
+                          </a:solidFill>
+                          <a:latin typeface="Arial" charset="0"/>
+                          <a:cs typeface="Arial" charset="0"/>
+                        </a:defRPr>
+                      </a:lvl4pPr>
+                      <a:lvl5pPr>
+                        <a:spcBef>
+                          <a:spcPct val="30000"/>
+                        </a:spcBef>
+                        <a:buClr>
+                          <a:schemeClr val="tx1"/>
+                        </a:buClr>
+                        <a:buFont typeface="Wingdings" pitchFamily="2" charset="2"/>
+                        <a:defRPr sz="1400">
+                          <a:solidFill>
+                            <a:srgbClr val="373D41"/>
+                          </a:solidFill>
+                          <a:latin typeface="Arial" charset="0"/>
+                          <a:cs typeface="Arial" charset="0"/>
+                        </a:defRPr>
+                      </a:lvl5pPr>
+                      <a:lvl6pPr fontAlgn="base">
+                        <a:spcBef>
+                          <a:spcPct val="30000"/>
+                        </a:spcBef>
+                        <a:spcAft>
+                          <a:spcPct val="0"/>
+                        </a:spcAft>
+                        <a:buClr>
+                          <a:schemeClr val="tx1"/>
+                        </a:buClr>
+                        <a:buFont typeface="Wingdings" pitchFamily="2" charset="2"/>
+                        <a:defRPr sz="1400">
+                          <a:solidFill>
+                            <a:srgbClr val="373D41"/>
+                          </a:solidFill>
+                          <a:latin typeface="Arial" charset="0"/>
+                          <a:cs typeface="Arial" charset="0"/>
+                        </a:defRPr>
+                      </a:lvl6pPr>
+                      <a:lvl7pPr fontAlgn="base">
+                        <a:spcBef>
+                          <a:spcPct val="30000"/>
+                        </a:spcBef>
+                        <a:spcAft>
+                          <a:spcPct val="0"/>
+                        </a:spcAft>
+                        <a:buClr>
+                          <a:schemeClr val="tx1"/>
+                        </a:buClr>
+                        <a:buFont typeface="Wingdings" pitchFamily="2" charset="2"/>
+                        <a:defRPr sz="1400">
+                          <a:solidFill>
+                            <a:srgbClr val="373D41"/>
+                          </a:solidFill>
+                          <a:latin typeface="Arial" charset="0"/>
+                          <a:cs typeface="Arial" charset="0"/>
+                        </a:defRPr>
+                      </a:lvl7pPr>
+                      <a:lvl8pPr fontAlgn="base">
+                        <a:spcBef>
+                          <a:spcPct val="30000"/>
+                        </a:spcBef>
+                        <a:spcAft>
+                          <a:spcPct val="0"/>
+                        </a:spcAft>
+                        <a:buClr>
+                          <a:schemeClr val="tx1"/>
+                        </a:buClr>
+                        <a:buFont typeface="Wingdings" pitchFamily="2" charset="2"/>
+                        <a:defRPr sz="1400">
+                          <a:solidFill>
+                            <a:srgbClr val="373D41"/>
+                          </a:solidFill>
+                          <a:latin typeface="Arial" charset="0"/>
+                          <a:cs typeface="Arial" charset="0"/>
+                        </a:defRPr>
+                      </a:lvl8pPr>
+                      <a:lvl9pPr fontAlgn="base">
+                        <a:spcBef>
+                          <a:spcPct val="30000"/>
+                        </a:spcBef>
+                        <a:spcAft>
+                          <a:spcPct val="0"/>
+                        </a:spcAft>
+                        <a:buClr>
+                          <a:schemeClr val="tx1"/>
+                        </a:buClr>
+                        <a:buFont typeface="Wingdings" pitchFamily="2" charset="2"/>
+                        <a:defRPr sz="1400">
+                          <a:solidFill>
+                            <a:srgbClr val="373D41"/>
+                          </a:solidFill>
+                          <a:latin typeface="Arial" charset="0"/>
+                          <a:cs typeface="Arial" charset="0"/>
+                        </a:defRPr>
+                      </a:lvl9pPr>
+                    </a:lstStyle>
+                    <a:p>
+                      <a:pPr marL="0" marR="0" lvl="0" indent="0" algn="l" defTabSz="914400" rtl="0" eaLnBrk="1" fontAlgn="ctr" latinLnBrk="0" hangingPunct="1">
+                        <a:lnSpc>
+                          <a:spcPct val="100000"/>
+                        </a:lnSpc>
+                        <a:spcBef>
+                          <a:spcPct val="80000"/>
+                        </a:spcBef>
+                        <a:spcAft>
+                          <a:spcPct val="0"/>
+                        </a:spcAft>
+                        <a:buClr>
+                          <a:schemeClr val="tx1"/>
+                        </a:buClr>
+                        <a:buSzTx/>
+                        <a:buFont typeface="Wingdings" pitchFamily="2" charset="2"/>
+                        <a:buNone/>
+                        <a:tabLst/>
+                      </a:pPr>
+                      <a:r>
+                        <a:rPr lang="de-DE" sz="1400" b="1" dirty="0" smtClean="0">
+                          <a:solidFill>
+                            <a:schemeClr val="bg1">
+                              <a:lumMod val="95000"/>
+                            </a:schemeClr>
+                          </a:solidFill>
+                        </a:rPr>
+                        <a:t>Properties</a:t>
+                      </a:r>
+                      <a:endParaRPr kumimoji="0" lang="de-DE" altLang="de-DE" sz="1400" b="1" i="0" u="none" strike="noStrike" kern="1200" cap="none" normalizeH="0" baseline="0" dirty="0" smtClean="0">
+                        <a:ln>
+                          <a:noFill/>
+                        </a:ln>
+                        <a:solidFill>
+                          <a:schemeClr val="bg1">
+                            <a:lumMod val="95000"/>
+                          </a:schemeClr>
+                        </a:solidFill>
+                        <a:effectLst/>
+                        <a:latin typeface="Arial" charset="0"/>
+                        <a:ea typeface="+mn-ea"/>
+                        <a:cs typeface="Arial" charset="0"/>
+                      </a:endParaRPr>
+                    </a:p>
+                  </a:txBody>
+                  <a:tcPr marL="72000" marR="72000" marT="72000" marB="72000" anchor="ctr" horzOverflow="overflow">
+                    <a:lnL w="6350" cap="flat" cmpd="sng" algn="ctr">
+                      <a:solidFill>
+                        <a:schemeClr val="bg2"/>
+                      </a:solidFill>
+                      <a:prstDash val="solid"/>
+                      <a:round/>
+                      <a:headEnd type="none" w="med" len="med"/>
+                      <a:tailEnd type="none" w="med" len="med"/>
+                    </a:lnL>
+                    <a:lnR w="6350" cap="flat" cmpd="sng" algn="ctr">
+                      <a:solidFill>
+                        <a:schemeClr val="bg2"/>
+                      </a:solidFill>
+                      <a:prstDash val="solid"/>
+                      <a:round/>
+                      <a:headEnd type="none" w="med" len="med"/>
+                      <a:tailEnd type="none" w="med" len="med"/>
+                    </a:lnR>
+                    <a:lnT w="6350" cap="flat" cmpd="sng" algn="ctr">
+                      <a:solidFill>
+                        <a:schemeClr val="bg2"/>
+                      </a:solidFill>
+                      <a:prstDash val="solid"/>
+                      <a:round/>
+                      <a:headEnd type="none" w="med" len="med"/>
+                      <a:tailEnd type="none" w="med" len="med"/>
+                    </a:lnT>
+                    <a:lnB w="6350" cap="flat" cmpd="sng" algn="ctr">
+                      <a:solidFill>
+                        <a:schemeClr val="bg2"/>
+                      </a:solidFill>
+                      <a:prstDash val="solid"/>
+                      <a:round/>
+                      <a:headEnd type="none" w="med" len="med"/>
+                      <a:tailEnd type="none" w="med" len="med"/>
+                    </a:lnB>
+                    <a:lnTlToBr>
+                      <a:noFill/>
+                    </a:lnTlToBr>
+                    <a:lnBlToTr>
+                      <a:noFill/>
+                    </a:lnBlToTr>
+                    <a:solidFill>
+                      <a:schemeClr val="tx1">
+                        <a:lumMod val="50000"/>
+                        <a:lumOff val="50000"/>
+                      </a:schemeClr>
+                    </a:solidFill>
+                  </a:tcPr>
+                </a:tc>
+                <a:tc>
+                  <a:txBody>
+                    <a:bodyPr/>
+                    <a:lstStyle>
+                      <a:lvl1pPr>
+                        <a:spcBef>
+                          <a:spcPct val="80000"/>
+                        </a:spcBef>
+                        <a:buClr>
+                          <a:schemeClr val="tx1"/>
+                        </a:buClr>
+                        <a:buFont typeface="Wingdings" pitchFamily="2" charset="2"/>
+                        <a:defRPr sz="1400" b="1">
+                          <a:solidFill>
+                            <a:srgbClr val="373D41"/>
+                          </a:solidFill>
+                          <a:latin typeface="Arial" charset="0"/>
+                          <a:cs typeface="Arial" charset="0"/>
+                        </a:defRPr>
+                      </a:lvl1pPr>
+                      <a:lvl2pPr>
+                        <a:spcBef>
+                          <a:spcPct val="60000"/>
+                        </a:spcBef>
+                        <a:buClr>
+                          <a:schemeClr val="tx1"/>
+                        </a:buClr>
+                        <a:buFont typeface="Wingdings" pitchFamily="2" charset="2"/>
+                        <a:defRPr sz="1400">
+                          <a:solidFill>
+                            <a:srgbClr val="373D41"/>
+                          </a:solidFill>
+                          <a:latin typeface="Arial" charset="0"/>
+                          <a:cs typeface="Arial" charset="0"/>
+                        </a:defRPr>
+                      </a:lvl2pPr>
+                      <a:lvl3pPr>
+                        <a:spcBef>
+                          <a:spcPct val="30000"/>
+                        </a:spcBef>
+                        <a:buClr>
+                          <a:schemeClr val="tx1"/>
+                        </a:buClr>
+                        <a:buFont typeface="Wingdings" pitchFamily="2" charset="2"/>
+                        <a:defRPr sz="1400">
+                          <a:solidFill>
+                            <a:srgbClr val="373D41"/>
+                          </a:solidFill>
+                          <a:latin typeface="Arial" charset="0"/>
+                          <a:cs typeface="Arial" charset="0"/>
+                        </a:defRPr>
+                      </a:lvl3pPr>
+                      <a:lvl4pPr>
+                        <a:spcBef>
+                          <a:spcPct val="30000"/>
+                        </a:spcBef>
+                        <a:buClr>
+                          <a:schemeClr val="tx1"/>
+                        </a:buClr>
+                        <a:buFont typeface="Wingdings" pitchFamily="2" charset="2"/>
+                        <a:defRPr sz="1400">
+                          <a:solidFill>
+                            <a:srgbClr val="373D41"/>
+                          </a:solidFill>
+                          <a:latin typeface="Arial" charset="0"/>
+                          <a:cs typeface="Arial" charset="0"/>
+                        </a:defRPr>
+                      </a:lvl4pPr>
+                      <a:lvl5pPr>
+                        <a:spcBef>
+                          <a:spcPct val="30000"/>
+                        </a:spcBef>
+                        <a:buClr>
+                          <a:schemeClr val="tx1"/>
+                        </a:buClr>
+                        <a:buFont typeface="Wingdings" pitchFamily="2" charset="2"/>
+                        <a:defRPr sz="1400">
+                          <a:solidFill>
+                            <a:srgbClr val="373D41"/>
+                          </a:solidFill>
+                          <a:latin typeface="Arial" charset="0"/>
+                          <a:cs typeface="Arial" charset="0"/>
+                        </a:defRPr>
+                      </a:lvl5pPr>
+                      <a:lvl6pPr fontAlgn="base">
+                        <a:spcBef>
+                          <a:spcPct val="30000"/>
+                        </a:spcBef>
+                        <a:spcAft>
+                          <a:spcPct val="0"/>
+                        </a:spcAft>
+                        <a:buClr>
+                          <a:schemeClr val="tx1"/>
+                        </a:buClr>
+                        <a:buFont typeface="Wingdings" pitchFamily="2" charset="2"/>
+                        <a:defRPr sz="1400">
+                          <a:solidFill>
+                            <a:srgbClr val="373D41"/>
+                          </a:solidFill>
+                          <a:latin typeface="Arial" charset="0"/>
+                          <a:cs typeface="Arial" charset="0"/>
+                        </a:defRPr>
+                      </a:lvl6pPr>
+                      <a:lvl7pPr fontAlgn="base">
+                        <a:spcBef>
+                          <a:spcPct val="30000"/>
+                        </a:spcBef>
+                        <a:spcAft>
+                          <a:spcPct val="0"/>
+                        </a:spcAft>
+                        <a:buClr>
+                          <a:schemeClr val="tx1"/>
+                        </a:buClr>
+                        <a:buFont typeface="Wingdings" pitchFamily="2" charset="2"/>
+                        <a:defRPr sz="1400">
+                          <a:solidFill>
+                            <a:srgbClr val="373D41"/>
+                          </a:solidFill>
+                          <a:latin typeface="Arial" charset="0"/>
+                          <a:cs typeface="Arial" charset="0"/>
+                        </a:defRPr>
+                      </a:lvl7pPr>
+                      <a:lvl8pPr fontAlgn="base">
+                        <a:spcBef>
+                          <a:spcPct val="30000"/>
+                        </a:spcBef>
+                        <a:spcAft>
+                          <a:spcPct val="0"/>
+                        </a:spcAft>
+                        <a:buClr>
+                          <a:schemeClr val="tx1"/>
+                        </a:buClr>
+                        <a:buFont typeface="Wingdings" pitchFamily="2" charset="2"/>
+                        <a:defRPr sz="1400">
+                          <a:solidFill>
+                            <a:srgbClr val="373D41"/>
+                          </a:solidFill>
+                          <a:latin typeface="Arial" charset="0"/>
+                          <a:cs typeface="Arial" charset="0"/>
+                        </a:defRPr>
+                      </a:lvl8pPr>
+                      <a:lvl9pPr fontAlgn="base">
+                        <a:spcBef>
+                          <a:spcPct val="30000"/>
+                        </a:spcBef>
+                        <a:spcAft>
+                          <a:spcPct val="0"/>
+                        </a:spcAft>
+                        <a:buClr>
+                          <a:schemeClr val="tx1"/>
+                        </a:buClr>
+                        <a:buFont typeface="Wingdings" pitchFamily="2" charset="2"/>
+                        <a:defRPr sz="1400">
+                          <a:solidFill>
+                            <a:srgbClr val="373D41"/>
+                          </a:solidFill>
+                          <a:latin typeface="Arial" charset="0"/>
+                          <a:cs typeface="Arial" charset="0"/>
+                        </a:defRPr>
+                      </a:lvl9pPr>
+                    </a:lstStyle>
+                    <a:p>
+                      <a:pPr algn="ctr">
+                        <a:lnSpc>
+                          <a:spcPct val="100000"/>
+                        </a:lnSpc>
+                      </a:pPr>
+                      <a:r>
+                        <a:rPr lang="de-DE" sz="1200" b="0" dirty="0" smtClean="0">
+                          <a:solidFill>
+                            <a:schemeClr val="tx1"/>
+                          </a:solidFill>
+                        </a:rPr>
+                        <a:t>Short, Compact</a:t>
+                      </a:r>
+                    </a:p>
+                    <a:p>
+                      <a:pPr algn="ctr">
+                        <a:lnSpc>
+                          <a:spcPct val="100000"/>
+                        </a:lnSpc>
+                      </a:pPr>
+                      <a:r>
+                        <a:rPr lang="de-DE" sz="1200" b="0" dirty="0" err="1" smtClean="0">
+                          <a:solidFill>
+                            <a:schemeClr val="tx1"/>
+                          </a:solidFill>
+                        </a:rPr>
+                        <a:t>Few</a:t>
+                      </a:r>
+                      <a:r>
+                        <a:rPr lang="de-DE" sz="1200" b="0" dirty="0" smtClean="0">
+                          <a:solidFill>
+                            <a:schemeClr val="tx1"/>
+                          </a:solidFill>
+                        </a:rPr>
+                        <a:t> Details </a:t>
+                      </a:r>
+                      <a:r>
+                        <a:rPr lang="de-DE" sz="1200" b="0" dirty="0" err="1" smtClean="0">
+                          <a:solidFill>
+                            <a:schemeClr val="tx1"/>
+                          </a:solidFill>
+                        </a:rPr>
+                        <a:t>and</a:t>
+                      </a:r>
+                      <a:r>
+                        <a:rPr lang="de-DE" sz="1200" b="0" dirty="0" smtClean="0">
+                          <a:solidFill>
+                            <a:schemeClr val="tx1"/>
+                          </a:solidFill>
+                        </a:rPr>
+                        <a:t> Data Values</a:t>
+                      </a:r>
+                    </a:p>
+                    <a:p>
+                      <a:pPr algn="ctr">
+                        <a:lnSpc>
+                          <a:spcPct val="100000"/>
+                        </a:lnSpc>
+                      </a:pPr>
+                      <a:r>
+                        <a:rPr lang="de-DE" sz="1200" b="0" dirty="0" smtClean="0">
+                          <a:solidFill>
+                            <a:schemeClr val="tx1"/>
+                          </a:solidFill>
+                        </a:rPr>
+                        <a:t>Abstract</a:t>
+                      </a:r>
+                    </a:p>
+                    <a:p>
+                      <a:pPr algn="ctr">
+                        <a:lnSpc>
+                          <a:spcPct val="100000"/>
+                        </a:lnSpc>
+                      </a:pPr>
+                      <a:r>
+                        <a:rPr lang="de-DE" sz="1200" b="0" dirty="0" err="1" smtClean="0">
+                          <a:solidFill>
+                            <a:schemeClr val="tx1"/>
+                          </a:solidFill>
+                        </a:rPr>
+                        <a:t>Strongly</a:t>
+                      </a:r>
+                      <a:r>
+                        <a:rPr lang="de-DE" sz="1200" b="0" dirty="0" smtClean="0">
+                          <a:solidFill>
+                            <a:schemeClr val="tx1"/>
+                          </a:solidFill>
+                        </a:rPr>
+                        <a:t> </a:t>
+                      </a:r>
+                      <a:r>
+                        <a:rPr lang="de-DE" sz="1200" b="0" dirty="0" err="1" smtClean="0">
+                          <a:solidFill>
+                            <a:schemeClr val="tx1"/>
+                          </a:solidFill>
+                        </a:rPr>
+                        <a:t>Context</a:t>
+                      </a:r>
+                      <a:r>
+                        <a:rPr lang="de-DE" sz="1200" b="0" dirty="0" smtClean="0">
+                          <a:solidFill>
+                            <a:schemeClr val="tx1"/>
+                          </a:solidFill>
+                        </a:rPr>
+                        <a:t> </a:t>
+                      </a:r>
+                      <a:r>
+                        <a:rPr lang="de-DE" sz="1200" b="0" dirty="0" err="1" smtClean="0">
+                          <a:solidFill>
+                            <a:schemeClr val="tx1"/>
+                          </a:solidFill>
+                        </a:rPr>
+                        <a:t>Specific</a:t>
+                      </a:r>
+                      <a:endParaRPr lang="de-DE" sz="1200" b="0" dirty="0" smtClean="0">
+                        <a:solidFill>
+                          <a:schemeClr val="tx1"/>
+                        </a:solidFill>
+                      </a:endParaRPr>
+                    </a:p>
+                    <a:p>
+                      <a:pPr algn="ctr">
+                        <a:lnSpc>
+                          <a:spcPct val="100000"/>
+                        </a:lnSpc>
+                      </a:pPr>
+                      <a:r>
+                        <a:rPr lang="de-DE" sz="1200" b="0" dirty="0" smtClean="0">
+                          <a:solidFill>
+                            <a:schemeClr val="tx1"/>
+                          </a:solidFill>
+                        </a:rPr>
+                        <a:t>Hard </a:t>
+                      </a:r>
+                      <a:r>
+                        <a:rPr lang="de-DE" sz="1200" b="0" dirty="0" err="1" smtClean="0">
+                          <a:solidFill>
+                            <a:schemeClr val="tx1"/>
+                          </a:solidFill>
+                        </a:rPr>
+                        <a:t>to</a:t>
+                      </a:r>
+                      <a:r>
+                        <a:rPr lang="de-DE" sz="1200" b="0" dirty="0" smtClean="0">
+                          <a:solidFill>
+                            <a:schemeClr val="tx1"/>
+                          </a:solidFill>
+                        </a:rPr>
+                        <a:t> </a:t>
+                      </a:r>
+                      <a:r>
+                        <a:rPr lang="de-DE" sz="1200" b="0" dirty="0" err="1" smtClean="0">
+                          <a:solidFill>
+                            <a:schemeClr val="tx1"/>
+                          </a:solidFill>
+                        </a:rPr>
+                        <a:t>reuse</a:t>
+                      </a:r>
+                      <a:endParaRPr lang="de-DE" sz="1200" b="0" dirty="0" smtClean="0">
+                        <a:solidFill>
+                          <a:schemeClr val="tx1"/>
+                        </a:solidFill>
+                      </a:endParaRPr>
+                    </a:p>
+                    <a:p>
+                      <a:pPr algn="ctr">
+                        <a:lnSpc>
+                          <a:spcPct val="100000"/>
+                        </a:lnSpc>
+                      </a:pPr>
+                      <a:r>
+                        <a:rPr lang="de-DE" sz="1200" b="0" dirty="0" smtClean="0">
+                          <a:solidFill>
+                            <a:schemeClr val="tx1"/>
+                          </a:solidFill>
+                        </a:rPr>
+                        <a:t>Intransparent </a:t>
+                      </a:r>
+                      <a:r>
+                        <a:rPr lang="de-DE" sz="1200" b="0" dirty="0" err="1" smtClean="0">
+                          <a:solidFill>
+                            <a:schemeClr val="tx1"/>
+                          </a:solidFill>
+                        </a:rPr>
+                        <a:t>for</a:t>
+                      </a:r>
+                      <a:r>
+                        <a:rPr lang="de-DE" sz="1200" b="0" dirty="0" smtClean="0">
+                          <a:solidFill>
+                            <a:schemeClr val="tx1"/>
+                          </a:solidFill>
+                        </a:rPr>
+                        <a:t> Non-Developers</a:t>
+                      </a:r>
+                      <a:endParaRPr kumimoji="0" lang="de-DE" altLang="de-DE" sz="1400" b="0" i="0" u="none" strike="noStrike" kern="1200" cap="none" normalizeH="0" baseline="0" dirty="0" smtClean="0">
+                        <a:ln>
+                          <a:noFill/>
+                        </a:ln>
+                        <a:solidFill>
+                          <a:schemeClr val="tx1"/>
+                        </a:solidFill>
+                        <a:effectLst/>
+                        <a:latin typeface="Arial" charset="0"/>
+                        <a:ea typeface="+mn-ea"/>
+                        <a:cs typeface="Arial" charset="0"/>
+                      </a:endParaRPr>
+                    </a:p>
+                  </a:txBody>
+                  <a:tcPr marL="72000" marR="72000" marT="72000" marB="72000" anchor="ctr" horzOverflow="overflow">
+                    <a:lnL w="6350" cap="flat" cmpd="sng" algn="ctr">
+                      <a:solidFill>
+                        <a:schemeClr val="bg2"/>
+                      </a:solidFill>
+                      <a:prstDash val="solid"/>
+                      <a:round/>
+                      <a:headEnd type="none" w="med" len="med"/>
+                      <a:tailEnd type="none" w="med" len="med"/>
+                    </a:lnL>
+                    <a:lnR w="6350" cap="flat" cmpd="sng" algn="ctr">
+                      <a:solidFill>
+                        <a:schemeClr val="bg2"/>
+                      </a:solidFill>
+                      <a:prstDash val="solid"/>
+                      <a:round/>
+                      <a:headEnd type="none" w="med" len="med"/>
+                      <a:tailEnd type="none" w="med" len="med"/>
+                    </a:lnR>
+                    <a:lnT w="6350" cap="flat" cmpd="sng" algn="ctr">
+                      <a:solidFill>
+                        <a:schemeClr val="bg2"/>
+                      </a:solidFill>
+                      <a:prstDash val="solid"/>
+                      <a:round/>
+                      <a:headEnd type="none" w="med" len="med"/>
+                      <a:tailEnd type="none" w="med" len="med"/>
+                    </a:lnT>
+                    <a:lnB w="6350" cap="flat" cmpd="sng" algn="ctr">
+                      <a:solidFill>
+                        <a:schemeClr val="bg2"/>
+                      </a:solidFill>
+                      <a:prstDash val="solid"/>
+                      <a:round/>
+                      <a:headEnd type="none" w="med" len="med"/>
+                      <a:tailEnd type="none" w="med" len="med"/>
+                    </a:lnB>
+                    <a:lnTlToBr>
+                      <a:noFill/>
+                    </a:lnTlToBr>
+                    <a:lnBlToTr>
+                      <a:noFill/>
+                    </a:lnBlToTr>
+                    <a:solidFill>
+                      <a:schemeClr val="bg1">
+                        <a:lumMod val="75000"/>
+                      </a:schemeClr>
+                    </a:solidFill>
+                  </a:tcPr>
+                </a:tc>
+                <a:tc>
+                  <a:txBody>
+                    <a:bodyPr/>
+                    <a:lstStyle>
+                      <a:lvl1pPr>
+                        <a:spcBef>
+                          <a:spcPct val="80000"/>
+                        </a:spcBef>
+                        <a:buClr>
+                          <a:schemeClr val="tx1"/>
+                        </a:buClr>
+                        <a:buFont typeface="Wingdings" pitchFamily="2" charset="2"/>
+                        <a:defRPr sz="1400" b="1">
+                          <a:solidFill>
+                            <a:srgbClr val="373D41"/>
+                          </a:solidFill>
+                          <a:latin typeface="Arial" charset="0"/>
+                          <a:cs typeface="Arial" charset="0"/>
+                        </a:defRPr>
+                      </a:lvl1pPr>
+                      <a:lvl2pPr>
+                        <a:spcBef>
+                          <a:spcPct val="60000"/>
+                        </a:spcBef>
+                        <a:buClr>
+                          <a:schemeClr val="tx1"/>
+                        </a:buClr>
+                        <a:buFont typeface="Wingdings" pitchFamily="2" charset="2"/>
+                        <a:defRPr sz="1400">
+                          <a:solidFill>
+                            <a:srgbClr val="373D41"/>
+                          </a:solidFill>
+                          <a:latin typeface="Arial" charset="0"/>
+                          <a:cs typeface="Arial" charset="0"/>
+                        </a:defRPr>
+                      </a:lvl2pPr>
+                      <a:lvl3pPr>
+                        <a:spcBef>
+                          <a:spcPct val="30000"/>
+                        </a:spcBef>
+                        <a:buClr>
+                          <a:schemeClr val="tx1"/>
+                        </a:buClr>
+                        <a:buFont typeface="Wingdings" pitchFamily="2" charset="2"/>
+                        <a:defRPr sz="1400">
+                          <a:solidFill>
+                            <a:srgbClr val="373D41"/>
+                          </a:solidFill>
+                          <a:latin typeface="Arial" charset="0"/>
+                          <a:cs typeface="Arial" charset="0"/>
+                        </a:defRPr>
+                      </a:lvl3pPr>
+                      <a:lvl4pPr>
+                        <a:spcBef>
+                          <a:spcPct val="30000"/>
+                        </a:spcBef>
+                        <a:buClr>
+                          <a:schemeClr val="tx1"/>
+                        </a:buClr>
+                        <a:buFont typeface="Wingdings" pitchFamily="2" charset="2"/>
+                        <a:defRPr sz="1400">
+                          <a:solidFill>
+                            <a:srgbClr val="373D41"/>
+                          </a:solidFill>
+                          <a:latin typeface="Arial" charset="0"/>
+                          <a:cs typeface="Arial" charset="0"/>
+                        </a:defRPr>
+                      </a:lvl4pPr>
+                      <a:lvl5pPr>
+                        <a:spcBef>
+                          <a:spcPct val="30000"/>
+                        </a:spcBef>
+                        <a:buClr>
+                          <a:schemeClr val="tx1"/>
+                        </a:buClr>
+                        <a:buFont typeface="Wingdings" pitchFamily="2" charset="2"/>
+                        <a:defRPr sz="1400">
+                          <a:solidFill>
+                            <a:srgbClr val="373D41"/>
+                          </a:solidFill>
+                          <a:latin typeface="Arial" charset="0"/>
+                          <a:cs typeface="Arial" charset="0"/>
+                        </a:defRPr>
+                      </a:lvl5pPr>
+                      <a:lvl6pPr fontAlgn="base">
+                        <a:spcBef>
+                          <a:spcPct val="30000"/>
+                        </a:spcBef>
+                        <a:spcAft>
+                          <a:spcPct val="0"/>
+                        </a:spcAft>
+                        <a:buClr>
+                          <a:schemeClr val="tx1"/>
+                        </a:buClr>
+                        <a:buFont typeface="Wingdings" pitchFamily="2" charset="2"/>
+                        <a:defRPr sz="1400">
+                          <a:solidFill>
+                            <a:srgbClr val="373D41"/>
+                          </a:solidFill>
+                          <a:latin typeface="Arial" charset="0"/>
+                          <a:cs typeface="Arial" charset="0"/>
+                        </a:defRPr>
+                      </a:lvl6pPr>
+                      <a:lvl7pPr fontAlgn="base">
+                        <a:spcBef>
+                          <a:spcPct val="30000"/>
+                        </a:spcBef>
+                        <a:spcAft>
+                          <a:spcPct val="0"/>
+                        </a:spcAft>
+                        <a:buClr>
+                          <a:schemeClr val="tx1"/>
+                        </a:buClr>
+                        <a:buFont typeface="Wingdings" pitchFamily="2" charset="2"/>
+                        <a:defRPr sz="1400">
+                          <a:solidFill>
+                            <a:srgbClr val="373D41"/>
+                          </a:solidFill>
+                          <a:latin typeface="Arial" charset="0"/>
+                          <a:cs typeface="Arial" charset="0"/>
+                        </a:defRPr>
+                      </a:lvl7pPr>
+                      <a:lvl8pPr fontAlgn="base">
+                        <a:spcBef>
+                          <a:spcPct val="30000"/>
+                        </a:spcBef>
+                        <a:spcAft>
+                          <a:spcPct val="0"/>
+                        </a:spcAft>
+                        <a:buClr>
+                          <a:schemeClr val="tx1"/>
+                        </a:buClr>
+                        <a:buFont typeface="Wingdings" pitchFamily="2" charset="2"/>
+                        <a:defRPr sz="1400">
+                          <a:solidFill>
+                            <a:srgbClr val="373D41"/>
+                          </a:solidFill>
+                          <a:latin typeface="Arial" charset="0"/>
+                          <a:cs typeface="Arial" charset="0"/>
+                        </a:defRPr>
+                      </a:lvl8pPr>
+                      <a:lvl9pPr fontAlgn="base">
+                        <a:spcBef>
+                          <a:spcPct val="30000"/>
+                        </a:spcBef>
+                        <a:spcAft>
+                          <a:spcPct val="0"/>
+                        </a:spcAft>
+                        <a:buClr>
+                          <a:schemeClr val="tx1"/>
+                        </a:buClr>
+                        <a:buFont typeface="Wingdings" pitchFamily="2" charset="2"/>
+                        <a:defRPr sz="1400">
+                          <a:solidFill>
+                            <a:srgbClr val="373D41"/>
+                          </a:solidFill>
+                          <a:latin typeface="Arial" charset="0"/>
+                          <a:cs typeface="Arial" charset="0"/>
+                        </a:defRPr>
+                      </a:lvl9pPr>
+                    </a:lstStyle>
+                    <a:p>
+                      <a:pPr marL="0" algn="ctr" defTabSz="914400" rtl="0" eaLnBrk="1" latinLnBrk="0" hangingPunct="1">
+                        <a:spcBef>
+                          <a:spcPct val="80000"/>
+                        </a:spcBef>
+                        <a:buClr>
+                          <a:schemeClr val="tx1"/>
+                        </a:buClr>
+                        <a:buFont typeface="Wingdings" pitchFamily="2" charset="2"/>
+                      </a:pPr>
+                      <a:r>
+                        <a:rPr lang="de-DE" sz="1200" b="0" kern="1200" dirty="0" err="1" smtClean="0">
+                          <a:solidFill>
+                            <a:schemeClr val="tx1"/>
+                          </a:solidFill>
+                          <a:latin typeface="Arial" charset="0"/>
+                          <a:ea typeface="+mn-ea"/>
+                          <a:cs typeface="Arial" charset="0"/>
+                        </a:rPr>
+                        <a:t>Wordy</a:t>
+                      </a:r>
+                      <a:r>
+                        <a:rPr lang="de-DE" sz="1200" b="0" kern="1200" dirty="0" smtClean="0">
+                          <a:solidFill>
+                            <a:schemeClr val="tx1"/>
+                          </a:solidFill>
+                          <a:latin typeface="Arial" charset="0"/>
+                          <a:ea typeface="+mn-ea"/>
+                          <a:cs typeface="Arial" charset="0"/>
+                        </a:rPr>
+                        <a:t>, Extensive</a:t>
+                      </a:r>
+                    </a:p>
+                    <a:p>
+                      <a:pPr marL="0" algn="ctr" defTabSz="914400" rtl="0" eaLnBrk="1" latinLnBrk="0" hangingPunct="1">
+                        <a:spcBef>
+                          <a:spcPct val="80000"/>
+                        </a:spcBef>
+                        <a:buClr>
+                          <a:schemeClr val="tx1"/>
+                        </a:buClr>
+                        <a:buFont typeface="Wingdings" pitchFamily="2" charset="2"/>
+                      </a:pPr>
+                      <a:r>
+                        <a:rPr lang="de-DE" sz="1200" b="0" kern="1200" dirty="0" err="1" smtClean="0">
+                          <a:solidFill>
+                            <a:schemeClr val="tx1"/>
+                          </a:solidFill>
+                          <a:latin typeface="Arial" charset="0"/>
+                          <a:ea typeface="+mn-ea"/>
+                          <a:cs typeface="Arial" charset="0"/>
+                        </a:rPr>
+                        <a:t>Many</a:t>
+                      </a:r>
+                      <a:r>
+                        <a:rPr lang="de-DE" sz="1200" b="0" kern="1200" dirty="0" smtClean="0">
+                          <a:solidFill>
+                            <a:schemeClr val="tx1"/>
+                          </a:solidFill>
+                          <a:latin typeface="Arial" charset="0"/>
+                          <a:ea typeface="+mn-ea"/>
+                          <a:cs typeface="Arial" charset="0"/>
+                        </a:rPr>
+                        <a:t> Details </a:t>
+                      </a:r>
+                      <a:r>
+                        <a:rPr lang="de-DE" sz="1200" b="0" kern="1200" dirty="0" err="1" smtClean="0">
+                          <a:solidFill>
+                            <a:schemeClr val="tx1"/>
+                          </a:solidFill>
+                          <a:latin typeface="Arial" charset="0"/>
+                          <a:ea typeface="+mn-ea"/>
+                          <a:cs typeface="Arial" charset="0"/>
+                        </a:rPr>
+                        <a:t>and</a:t>
+                      </a:r>
+                      <a:r>
+                        <a:rPr lang="de-DE" sz="1200" b="0" kern="1200" dirty="0" smtClean="0">
+                          <a:solidFill>
+                            <a:schemeClr val="tx1"/>
+                          </a:solidFill>
+                          <a:latin typeface="Arial" charset="0"/>
+                          <a:ea typeface="+mn-ea"/>
+                          <a:cs typeface="Arial" charset="0"/>
+                        </a:rPr>
+                        <a:t> Data Values</a:t>
+                      </a:r>
+                    </a:p>
+                    <a:p>
+                      <a:pPr marL="0" algn="ctr" defTabSz="914400" rtl="0" eaLnBrk="1" latinLnBrk="0" hangingPunct="1">
+                        <a:spcBef>
+                          <a:spcPct val="80000"/>
+                        </a:spcBef>
+                        <a:buClr>
+                          <a:schemeClr val="tx1"/>
+                        </a:buClr>
+                        <a:buFont typeface="Wingdings" pitchFamily="2" charset="2"/>
+                      </a:pPr>
+                      <a:r>
+                        <a:rPr lang="de-DE" sz="1200" b="0" kern="1200" dirty="0" err="1" smtClean="0">
+                          <a:solidFill>
+                            <a:schemeClr val="tx1"/>
+                          </a:solidFill>
+                          <a:latin typeface="Arial" charset="0"/>
+                          <a:ea typeface="+mn-ea"/>
+                          <a:cs typeface="Arial" charset="0"/>
+                        </a:rPr>
+                        <a:t>Concrete</a:t>
+                      </a:r>
+                      <a:endParaRPr lang="de-DE" sz="1200" b="0" kern="1200" dirty="0" smtClean="0">
+                        <a:solidFill>
+                          <a:schemeClr val="tx1"/>
+                        </a:solidFill>
+                        <a:latin typeface="Arial" charset="0"/>
+                        <a:ea typeface="+mn-ea"/>
+                        <a:cs typeface="Arial" charset="0"/>
+                      </a:endParaRPr>
+                    </a:p>
+                    <a:p>
+                      <a:pPr marL="0" algn="ctr" defTabSz="914400" rtl="0" eaLnBrk="1" latinLnBrk="0" hangingPunct="1">
+                        <a:spcBef>
+                          <a:spcPct val="80000"/>
+                        </a:spcBef>
+                        <a:buClr>
+                          <a:schemeClr val="tx1"/>
+                        </a:buClr>
+                        <a:buFont typeface="Wingdings" pitchFamily="2" charset="2"/>
+                      </a:pPr>
+                      <a:r>
+                        <a:rPr lang="de-DE" sz="1200" b="0" kern="1200" dirty="0" smtClean="0">
+                          <a:solidFill>
+                            <a:schemeClr val="tx1"/>
+                          </a:solidFill>
+                          <a:latin typeface="Arial" charset="0"/>
+                          <a:ea typeface="+mn-ea"/>
+                          <a:cs typeface="Arial" charset="0"/>
+                        </a:rPr>
+                        <a:t>Moderate </a:t>
+                      </a:r>
+                      <a:r>
+                        <a:rPr lang="de-DE" sz="1200" b="0" kern="1200" dirty="0" err="1" smtClean="0">
+                          <a:solidFill>
+                            <a:schemeClr val="tx1"/>
+                          </a:solidFill>
+                          <a:latin typeface="Arial" charset="0"/>
+                          <a:ea typeface="+mn-ea"/>
+                          <a:cs typeface="Arial" charset="0"/>
+                        </a:rPr>
+                        <a:t>Context</a:t>
+                      </a:r>
+                      <a:r>
+                        <a:rPr lang="de-DE" sz="1200" b="0" kern="1200" dirty="0" smtClean="0">
+                          <a:solidFill>
+                            <a:schemeClr val="tx1"/>
+                          </a:solidFill>
+                          <a:latin typeface="Arial" charset="0"/>
+                          <a:ea typeface="+mn-ea"/>
+                          <a:cs typeface="Arial" charset="0"/>
+                        </a:rPr>
+                        <a:t> </a:t>
+                      </a:r>
+                      <a:r>
+                        <a:rPr lang="de-DE" sz="1200" b="0" kern="1200" dirty="0" err="1" smtClean="0">
+                          <a:solidFill>
+                            <a:schemeClr val="tx1"/>
+                          </a:solidFill>
+                          <a:latin typeface="Arial" charset="0"/>
+                          <a:ea typeface="+mn-ea"/>
+                          <a:cs typeface="Arial" charset="0"/>
+                        </a:rPr>
+                        <a:t>Specific</a:t>
+                      </a:r>
+                      <a:endParaRPr lang="de-DE" sz="1200" b="0" kern="1200" dirty="0" smtClean="0">
+                        <a:solidFill>
+                          <a:schemeClr val="tx1"/>
+                        </a:solidFill>
+                        <a:latin typeface="Arial" charset="0"/>
+                        <a:ea typeface="+mn-ea"/>
+                        <a:cs typeface="Arial" charset="0"/>
+                      </a:endParaRPr>
+                    </a:p>
+                    <a:p>
+                      <a:pPr marL="0" algn="ctr" defTabSz="914400" rtl="0" eaLnBrk="1" latinLnBrk="0" hangingPunct="1">
+                        <a:spcBef>
+                          <a:spcPct val="80000"/>
+                        </a:spcBef>
+                        <a:buClr>
+                          <a:schemeClr val="tx1"/>
+                        </a:buClr>
+                        <a:buFont typeface="Wingdings" pitchFamily="2" charset="2"/>
+                      </a:pPr>
+                      <a:r>
+                        <a:rPr lang="de-DE" sz="1200" b="0" kern="1200" dirty="0" err="1" smtClean="0">
+                          <a:solidFill>
+                            <a:schemeClr val="tx1"/>
+                          </a:solidFill>
+                          <a:latin typeface="Arial" charset="0"/>
+                          <a:ea typeface="+mn-ea"/>
+                          <a:cs typeface="Arial" charset="0"/>
+                        </a:rPr>
+                        <a:t>Good</a:t>
+                      </a:r>
+                      <a:r>
+                        <a:rPr lang="de-DE" sz="1200" b="0" kern="1200" dirty="0" smtClean="0">
+                          <a:solidFill>
+                            <a:schemeClr val="tx1"/>
+                          </a:solidFill>
+                          <a:latin typeface="Arial" charset="0"/>
+                          <a:ea typeface="+mn-ea"/>
+                          <a:cs typeface="Arial" charset="0"/>
+                        </a:rPr>
+                        <a:t> </a:t>
+                      </a:r>
+                      <a:r>
+                        <a:rPr lang="de-DE" sz="1200" b="0" kern="1200" dirty="0" err="1" smtClean="0">
+                          <a:solidFill>
+                            <a:schemeClr val="tx1"/>
+                          </a:solidFill>
+                          <a:latin typeface="Arial" charset="0"/>
+                          <a:ea typeface="+mn-ea"/>
+                          <a:cs typeface="Arial" charset="0"/>
+                        </a:rPr>
+                        <a:t>to</a:t>
+                      </a:r>
+                      <a:r>
+                        <a:rPr lang="de-DE" sz="1200" b="0" kern="1200" dirty="0" smtClean="0">
+                          <a:solidFill>
+                            <a:schemeClr val="tx1"/>
+                          </a:solidFill>
+                          <a:latin typeface="Arial" charset="0"/>
+                          <a:ea typeface="+mn-ea"/>
+                          <a:cs typeface="Arial" charset="0"/>
+                        </a:rPr>
+                        <a:t> </a:t>
+                      </a:r>
+                      <a:r>
+                        <a:rPr lang="de-DE" sz="1200" b="0" kern="1200" dirty="0" err="1" smtClean="0">
+                          <a:solidFill>
+                            <a:schemeClr val="tx1"/>
+                          </a:solidFill>
+                          <a:latin typeface="Arial" charset="0"/>
+                          <a:ea typeface="+mn-ea"/>
+                          <a:cs typeface="Arial" charset="0"/>
+                        </a:rPr>
+                        <a:t>reuse</a:t>
+                      </a:r>
+                      <a:endParaRPr lang="de-DE" sz="1200" b="0" kern="1200" dirty="0" smtClean="0">
+                        <a:solidFill>
+                          <a:schemeClr val="tx1"/>
+                        </a:solidFill>
+                        <a:latin typeface="Arial" charset="0"/>
+                        <a:ea typeface="+mn-ea"/>
+                        <a:cs typeface="Arial" charset="0"/>
+                      </a:endParaRPr>
+                    </a:p>
+                    <a:p>
+                      <a:pPr marL="0" algn="ctr" defTabSz="914400" rtl="0" eaLnBrk="1" latinLnBrk="0" hangingPunct="1">
+                        <a:spcBef>
+                          <a:spcPct val="80000"/>
+                        </a:spcBef>
+                        <a:buClr>
+                          <a:schemeClr val="tx1"/>
+                        </a:buClr>
+                        <a:buFont typeface="Wingdings" pitchFamily="2" charset="2"/>
+                      </a:pPr>
+                      <a:r>
+                        <a:rPr lang="de-DE" sz="1200" b="0" kern="1200" dirty="0" smtClean="0">
+                          <a:solidFill>
+                            <a:schemeClr val="tx1"/>
+                          </a:solidFill>
+                          <a:latin typeface="Arial" charset="0"/>
+                          <a:ea typeface="+mn-ea"/>
+                          <a:cs typeface="Arial" charset="0"/>
+                        </a:rPr>
+                        <a:t>Transparent </a:t>
+                      </a:r>
+                      <a:r>
+                        <a:rPr lang="de-DE" sz="1200" b="0" kern="1200" dirty="0" err="1" smtClean="0">
+                          <a:solidFill>
+                            <a:schemeClr val="tx1"/>
+                          </a:solidFill>
+                          <a:latin typeface="Arial" charset="0"/>
+                          <a:ea typeface="+mn-ea"/>
+                          <a:cs typeface="Arial" charset="0"/>
+                        </a:rPr>
+                        <a:t>for</a:t>
+                      </a:r>
+                      <a:r>
+                        <a:rPr lang="de-DE" sz="1200" b="0" kern="1200" dirty="0" smtClean="0">
+                          <a:solidFill>
+                            <a:schemeClr val="tx1"/>
+                          </a:solidFill>
+                          <a:latin typeface="Arial" charset="0"/>
+                          <a:ea typeface="+mn-ea"/>
+                          <a:cs typeface="Arial" charset="0"/>
+                        </a:rPr>
+                        <a:t> Non-Developers</a:t>
+                      </a:r>
+                    </a:p>
+                  </a:txBody>
+                  <a:tcPr marL="72000" marR="72000" marT="72000" marB="72000" anchor="ctr" horzOverflow="overflow">
+                    <a:lnL w="6350" cap="flat" cmpd="sng" algn="ctr">
+                      <a:solidFill>
+                        <a:schemeClr val="bg2"/>
+                      </a:solidFill>
+                      <a:prstDash val="solid"/>
+                      <a:round/>
+                      <a:headEnd type="none" w="med" len="med"/>
+                      <a:tailEnd type="none" w="med" len="med"/>
+                    </a:lnL>
+                    <a:lnR w="6350" cap="flat" cmpd="sng" algn="ctr">
+                      <a:solidFill>
+                        <a:schemeClr val="bg2"/>
+                      </a:solidFill>
+                      <a:prstDash val="solid"/>
+                      <a:round/>
+                      <a:headEnd type="none" w="med" len="med"/>
+                      <a:tailEnd type="none" w="med" len="med"/>
+                    </a:lnR>
+                    <a:lnT w="6350" cap="flat" cmpd="sng" algn="ctr">
+                      <a:solidFill>
+                        <a:schemeClr val="bg2"/>
+                      </a:solidFill>
+                      <a:prstDash val="solid"/>
+                      <a:round/>
+                      <a:headEnd type="none" w="med" len="med"/>
+                      <a:tailEnd type="none" w="med" len="med"/>
+                    </a:lnT>
+                    <a:lnB w="6350" cap="flat" cmpd="sng" algn="ctr">
+                      <a:solidFill>
+                        <a:schemeClr val="bg2"/>
+                      </a:solidFill>
+                      <a:prstDash val="solid"/>
+                      <a:round/>
+                      <a:headEnd type="none" w="med" len="med"/>
+                      <a:tailEnd type="none" w="med" len="med"/>
+                    </a:lnB>
+                    <a:lnTlToBr>
+                      <a:noFill/>
+                    </a:lnTlToBr>
+                    <a:lnBlToTr>
+                      <a:noFill/>
+                    </a:lnBlToTr>
+                    <a:solidFill>
+                      <a:schemeClr val="bg1"/>
+                    </a:solidFill>
+                  </a:tcPr>
+                </a:tc>
+              </a:tr>
+            </a:tbl>
+          </a:graphicData>
+        </a:graphic>
+      </p:graphicFrame>
+      <p:sp>
+        <p:nvSpPr>
+          <p:cNvPr id="22" name="Textfeld 21"/>
+          <p:cNvSpPr txBox="1"/>
+          <p:nvPr/>
+        </p:nvSpPr>
+        <p:spPr>
+          <a:xfrm>
+            <a:off x="3886085" y="4522832"/>
+            <a:ext cx="685800" cy="461665"/>
+          </a:xfrm>
+          <a:prstGeom prst="rect">
+            <a:avLst/>
+          </a:prstGeom>
+          <a:noFill/>
+        </p:spPr>
+        <p:txBody>
+          <a:bodyPr wrap="square" rtlCol="0">
+            <a:spAutoFit/>
+          </a:bodyPr>
+          <a:lstStyle/>
+          <a:p>
+            <a:r>
+              <a:rPr lang="de-DE" sz="2400" b="1" dirty="0" smtClean="0">
+                <a:solidFill>
+                  <a:srgbClr val="FF0000"/>
+                </a:solidFill>
+                <a:latin typeface="Segoe MDL2 Assets" panose="050A0102010101010101" pitchFamily="18" charset="0"/>
+                <a:sym typeface="Wingdings 2" panose="05020102010507070707" pitchFamily="18" charset="2"/>
+              </a:rPr>
+              <a:t></a:t>
+            </a:r>
+            <a:endParaRPr lang="de-DE" sz="2400" b="1" dirty="0">
+              <a:solidFill>
+                <a:srgbClr val="FF0000"/>
+              </a:solidFill>
+            </a:endParaRPr>
+          </a:p>
+        </p:txBody>
+      </p:sp>
+      <p:sp>
+        <p:nvSpPr>
+          <p:cNvPr id="23" name="Textfeld 22"/>
+          <p:cNvSpPr txBox="1"/>
+          <p:nvPr/>
+        </p:nvSpPr>
+        <p:spPr>
+          <a:xfrm>
+            <a:off x="3968381" y="3224135"/>
+            <a:ext cx="685800" cy="461665"/>
+          </a:xfrm>
+          <a:prstGeom prst="rect">
+            <a:avLst/>
+          </a:prstGeom>
+          <a:noFill/>
+        </p:spPr>
+        <p:txBody>
+          <a:bodyPr wrap="square" rtlCol="0">
+            <a:spAutoFit/>
+          </a:bodyPr>
+          <a:lstStyle/>
+          <a:p>
+            <a:r>
+              <a:rPr lang="de-DE" sz="2400" b="1" dirty="0" smtClean="0">
+                <a:solidFill>
+                  <a:srgbClr val="00CC00"/>
+                </a:solidFill>
+                <a:latin typeface="Segoe MDL2 Assets" panose="050A0102010101010101" pitchFamily="18" charset="0"/>
+                <a:sym typeface="Wingdings 2" panose="05020102010507070707" pitchFamily="18" charset="2"/>
+              </a:rPr>
+              <a:t></a:t>
+            </a:r>
+            <a:endParaRPr lang="de-DE" sz="2400" b="1" dirty="0">
+              <a:solidFill>
+                <a:srgbClr val="00CC00"/>
+              </a:solidFill>
+            </a:endParaRPr>
+          </a:p>
+        </p:txBody>
+      </p:sp>
+      <p:sp>
+        <p:nvSpPr>
+          <p:cNvPr id="24" name="Textfeld 23"/>
+          <p:cNvSpPr txBox="1"/>
+          <p:nvPr/>
+        </p:nvSpPr>
+        <p:spPr>
+          <a:xfrm>
+            <a:off x="4404245" y="3522839"/>
+            <a:ext cx="685800" cy="461665"/>
+          </a:xfrm>
+          <a:prstGeom prst="rect">
+            <a:avLst/>
+          </a:prstGeom>
+          <a:noFill/>
+        </p:spPr>
+        <p:txBody>
+          <a:bodyPr wrap="square" rtlCol="0">
+            <a:spAutoFit/>
+          </a:bodyPr>
+          <a:lstStyle/>
+          <a:p>
+            <a:r>
+              <a:rPr lang="de-DE" sz="2400" b="1" dirty="0" smtClean="0">
+                <a:solidFill>
+                  <a:srgbClr val="00CC00"/>
+                </a:solidFill>
+                <a:latin typeface="Segoe MDL2 Assets" panose="050A0102010101010101" pitchFamily="18" charset="0"/>
+                <a:sym typeface="Wingdings 2" panose="05020102010507070707" pitchFamily="18" charset="2"/>
+              </a:rPr>
+              <a:t></a:t>
+            </a:r>
+            <a:endParaRPr lang="de-DE" sz="2400" b="1" dirty="0">
+              <a:solidFill>
+                <a:srgbClr val="00CC00"/>
+              </a:solidFill>
+            </a:endParaRPr>
+          </a:p>
+        </p:txBody>
+      </p:sp>
+      <p:sp>
+        <p:nvSpPr>
+          <p:cNvPr id="25" name="Textfeld 24"/>
+          <p:cNvSpPr txBox="1"/>
+          <p:nvPr/>
+        </p:nvSpPr>
+        <p:spPr>
+          <a:xfrm>
+            <a:off x="7145824" y="4522833"/>
+            <a:ext cx="685800" cy="461665"/>
+          </a:xfrm>
+          <a:prstGeom prst="rect">
+            <a:avLst/>
+          </a:prstGeom>
+          <a:noFill/>
+        </p:spPr>
+        <p:txBody>
+          <a:bodyPr wrap="square" rtlCol="0">
+            <a:spAutoFit/>
+          </a:bodyPr>
+          <a:lstStyle/>
+          <a:p>
+            <a:r>
+              <a:rPr lang="de-DE" sz="2400" b="1" dirty="0" smtClean="0">
+                <a:solidFill>
+                  <a:srgbClr val="00CC00"/>
+                </a:solidFill>
+                <a:latin typeface="Segoe MDL2 Assets" panose="050A0102010101010101" pitchFamily="18" charset="0"/>
+                <a:sym typeface="Wingdings 2" panose="05020102010507070707" pitchFamily="18" charset="2"/>
+              </a:rPr>
+              <a:t></a:t>
+            </a:r>
+            <a:endParaRPr lang="de-DE" sz="2400" b="1" dirty="0">
+              <a:solidFill>
+                <a:srgbClr val="00CC00"/>
+              </a:solidFill>
+            </a:endParaRPr>
+          </a:p>
+        </p:txBody>
+      </p:sp>
+      <p:sp>
+        <p:nvSpPr>
+          <p:cNvPr id="26" name="Textfeld 25"/>
+          <p:cNvSpPr txBox="1"/>
+          <p:nvPr/>
+        </p:nvSpPr>
+        <p:spPr>
+          <a:xfrm>
+            <a:off x="7682272" y="4858113"/>
+            <a:ext cx="685800" cy="461665"/>
+          </a:xfrm>
+          <a:prstGeom prst="rect">
+            <a:avLst/>
+          </a:prstGeom>
+          <a:noFill/>
+        </p:spPr>
+        <p:txBody>
+          <a:bodyPr wrap="square" rtlCol="0">
+            <a:spAutoFit/>
+          </a:bodyPr>
+          <a:lstStyle/>
+          <a:p>
+            <a:r>
+              <a:rPr lang="de-DE" sz="2400" b="1" dirty="0" smtClean="0">
+                <a:solidFill>
+                  <a:srgbClr val="00CC00"/>
+                </a:solidFill>
+                <a:latin typeface="Segoe MDL2 Assets" panose="050A0102010101010101" pitchFamily="18" charset="0"/>
+                <a:sym typeface="Wingdings 2" panose="05020102010507070707" pitchFamily="18" charset="2"/>
+              </a:rPr>
+              <a:t></a:t>
+            </a:r>
+            <a:endParaRPr lang="de-DE" sz="2400" b="1" dirty="0">
+              <a:solidFill>
+                <a:srgbClr val="00CC00"/>
+              </a:solidFill>
+            </a:endParaRPr>
+          </a:p>
+        </p:txBody>
+      </p:sp>
+      <p:sp>
+        <p:nvSpPr>
+          <p:cNvPr id="27" name="Textfeld 26"/>
+          <p:cNvSpPr txBox="1"/>
+          <p:nvPr/>
+        </p:nvSpPr>
+        <p:spPr>
+          <a:xfrm>
+            <a:off x="4486541" y="4848968"/>
+            <a:ext cx="685800" cy="461665"/>
+          </a:xfrm>
+          <a:prstGeom prst="rect">
+            <a:avLst/>
+          </a:prstGeom>
+          <a:noFill/>
+        </p:spPr>
+        <p:txBody>
+          <a:bodyPr wrap="square" rtlCol="0">
+            <a:spAutoFit/>
+          </a:bodyPr>
+          <a:lstStyle/>
+          <a:p>
+            <a:r>
+              <a:rPr lang="de-DE" sz="2400" b="1" dirty="0" smtClean="0">
+                <a:solidFill>
+                  <a:srgbClr val="FF0000"/>
+                </a:solidFill>
+                <a:latin typeface="Segoe MDL2 Assets" panose="050A0102010101010101" pitchFamily="18" charset="0"/>
+                <a:sym typeface="Wingdings 2" panose="05020102010507070707" pitchFamily="18" charset="2"/>
+              </a:rPr>
+              <a:t></a:t>
+            </a:r>
+            <a:endParaRPr lang="de-DE" sz="2400" b="1" dirty="0">
+              <a:solidFill>
+                <a:srgbClr val="FF0000"/>
+              </a:solidFill>
+            </a:endParaRPr>
+          </a:p>
+        </p:txBody>
+      </p:sp>
+      <p:sp>
+        <p:nvSpPr>
+          <p:cNvPr id="28" name="Textfeld 27"/>
+          <p:cNvSpPr txBox="1"/>
+          <p:nvPr/>
+        </p:nvSpPr>
+        <p:spPr>
+          <a:xfrm>
+            <a:off x="7145824" y="3187558"/>
+            <a:ext cx="685800" cy="461665"/>
+          </a:xfrm>
+          <a:prstGeom prst="rect">
+            <a:avLst/>
+          </a:prstGeom>
+          <a:noFill/>
+        </p:spPr>
+        <p:txBody>
+          <a:bodyPr wrap="square" rtlCol="0">
+            <a:spAutoFit/>
+          </a:bodyPr>
+          <a:lstStyle/>
+          <a:p>
+            <a:r>
+              <a:rPr lang="de-DE" sz="2400" b="1" dirty="0" smtClean="0">
+                <a:solidFill>
+                  <a:srgbClr val="FF0000"/>
+                </a:solidFill>
+                <a:latin typeface="Segoe MDL2 Assets" panose="050A0102010101010101" pitchFamily="18" charset="0"/>
+                <a:sym typeface="Wingdings 2" panose="05020102010507070707" pitchFamily="18" charset="2"/>
+              </a:rPr>
+              <a:t></a:t>
+            </a:r>
+            <a:endParaRPr lang="de-DE" sz="2400" b="1" dirty="0">
+              <a:solidFill>
+                <a:srgbClr val="FF0000"/>
+              </a:solidFill>
+            </a:endParaRPr>
+          </a:p>
+        </p:txBody>
+      </p:sp>
+      <p:sp>
+        <p:nvSpPr>
+          <p:cNvPr id="29" name="Textfeld 28"/>
+          <p:cNvSpPr txBox="1"/>
+          <p:nvPr/>
+        </p:nvSpPr>
+        <p:spPr>
+          <a:xfrm>
+            <a:off x="7554256" y="3541126"/>
+            <a:ext cx="685800" cy="461665"/>
+          </a:xfrm>
+          <a:prstGeom prst="rect">
+            <a:avLst/>
+          </a:prstGeom>
+          <a:noFill/>
+        </p:spPr>
+        <p:txBody>
+          <a:bodyPr wrap="square" rtlCol="0">
+            <a:spAutoFit/>
+          </a:bodyPr>
+          <a:lstStyle/>
+          <a:p>
+            <a:r>
+              <a:rPr lang="de-DE" sz="2400" b="1" dirty="0" smtClean="0">
+                <a:solidFill>
+                  <a:srgbClr val="FF0000"/>
+                </a:solidFill>
+                <a:latin typeface="Segoe MDL2 Assets" panose="050A0102010101010101" pitchFamily="18" charset="0"/>
+                <a:sym typeface="Wingdings 2" panose="05020102010507070707" pitchFamily="18" charset="2"/>
+              </a:rPr>
+              <a:t></a:t>
+            </a:r>
+            <a:endParaRPr lang="de-DE" sz="2400" b="1" dirty="0">
+              <a:solidFill>
+                <a:srgbClr val="FF0000"/>
+              </a:solidFill>
+            </a:endParaRPr>
+          </a:p>
+        </p:txBody>
+      </p:sp>
+      <p:sp>
+        <p:nvSpPr>
+          <p:cNvPr id="30" name="Rechteck 29"/>
+          <p:cNvSpPr/>
+          <p:nvPr/>
+        </p:nvSpPr>
+        <p:spPr>
+          <a:xfrm>
+            <a:off x="704087" y="1814192"/>
+            <a:ext cx="7561889" cy="3409238"/>
+          </a:xfrm>
+          <a:prstGeom prst="rect">
+            <a:avLst/>
+          </a:prstGeom>
+          <a:noFill/>
+          <a:ln w="28575">
+            <a:solidFill>
+              <a:schemeClr val="tx1"/>
+            </a:solidFill>
+          </a:ln>
+        </p:spPr>
+        <p:style>
+          <a:lnRef idx="2">
+            <a:schemeClr val="accent1">
+              <a:shade val="50000"/>
+            </a:schemeClr>
+          </a:lnRef>
+          <a:fillRef idx="1">
+            <a:schemeClr val="accent1"/>
+          </a:fillRef>
+          <a:effectRef idx="0">
+            <a:schemeClr val="accent1"/>
+          </a:effectRef>
+          <a:fontRef idx="minor">
+            <a:schemeClr val="lt1"/>
+          </a:fontRef>
+        </p:style>
+        <p:txBody>
+          <a:bodyPr rtlCol="0" anchor="ctr"/>
+          <a:lstStyle/>
+          <a:p>
+            <a:pPr algn="ctr"/>
+            <a:endParaRPr lang="de-DE"/>
+          </a:p>
+        </p:txBody>
+      </p:sp>
+      <p:cxnSp>
+        <p:nvCxnSpPr>
+          <p:cNvPr id="32" name="Gerader Verbinder 31"/>
+          <p:cNvCxnSpPr/>
+          <p:nvPr/>
+        </p:nvCxnSpPr>
+        <p:spPr>
+          <a:xfrm>
+            <a:off x="690427" y="2221992"/>
+            <a:ext cx="7575549" cy="0"/>
+          </a:xfrm>
+          <a:prstGeom prst="line">
+            <a:avLst/>
+          </a:prstGeom>
+          <a:ln>
+            <a:solidFill>
+              <a:schemeClr val="tx1"/>
+            </a:solidFill>
+          </a:ln>
+        </p:spPr>
+        <p:style>
+          <a:lnRef idx="1">
+            <a:schemeClr val="accent1"/>
+          </a:lnRef>
+          <a:fillRef idx="0">
+            <a:schemeClr val="accent1"/>
+          </a:fillRef>
+          <a:effectRef idx="0">
+            <a:schemeClr val="accent1"/>
+          </a:effectRef>
+          <a:fontRef idx="minor">
+            <a:schemeClr val="tx1"/>
+          </a:fontRef>
+        </p:style>
+      </p:cxnSp>
+    </p:spTree>
+    <p:extLst>
+      <p:ext uri="{BB962C8B-B14F-4D97-AF65-F5344CB8AC3E}">
+        <p14:creationId xmlns:p14="http://schemas.microsoft.com/office/powerpoint/2010/main" val="23180875"/>
       </p:ext>
     </p:extLst>
   </p:cSld>
@@ -21498,15 +29341,7 @@
                     <a:schemeClr val="tx1"/>
                   </a:solidFill>
                 </a:rPr>
-                <a:t> </a:t>
-              </a:r>
-              <a:r>
-                <a:rPr lang="de-DE" sz="1000" dirty="0">
-                  <a:solidFill>
-                    <a:schemeClr val="tx1"/>
-                  </a:solidFill>
-                </a:rPr>
-                <a:t>Manage </a:t>
+                <a:t> Manage </a:t>
               </a:r>
               <a:r>
                 <a:rPr lang="de-DE" sz="1000" dirty="0" err="1">

--- a/documentation/Figures.pptx
+++ b/documentation/Figures.pptx
@@ -212,7 +212,7 @@
           <a:p>
             <a:fld id="{6F0CB9C3-760B-411B-91A2-B4F0AEC3563C}" type="datetimeFigureOut">
               <a:rPr lang="de-DE" smtClean="0"/>
-              <a:t>05.02.2019</a:t>
+              <a:t>06.02.2019</a:t>
             </a:fld>
             <a:endParaRPr lang="de-DE"/>
           </a:p>
@@ -703,7 +703,7 @@
           <a:p>
             <a:fld id="{741DBE4D-3915-4D34-B181-3D444D071C49}" type="datetimeFigureOut">
               <a:rPr lang="de-DE" smtClean="0"/>
-              <a:t>05.02.2019</a:t>
+              <a:t>06.02.2019</a:t>
             </a:fld>
             <a:endParaRPr lang="de-DE"/>
           </a:p>
@@ -873,7 +873,7 @@
           <a:p>
             <a:fld id="{741DBE4D-3915-4D34-B181-3D444D071C49}" type="datetimeFigureOut">
               <a:rPr lang="de-DE" smtClean="0"/>
-              <a:t>05.02.2019</a:t>
+              <a:t>06.02.2019</a:t>
             </a:fld>
             <a:endParaRPr lang="de-DE"/>
           </a:p>
@@ -1053,7 +1053,7 @@
           <a:p>
             <a:fld id="{741DBE4D-3915-4D34-B181-3D444D071C49}" type="datetimeFigureOut">
               <a:rPr lang="de-DE" smtClean="0"/>
-              <a:t>05.02.2019</a:t>
+              <a:t>06.02.2019</a:t>
             </a:fld>
             <a:endParaRPr lang="de-DE"/>
           </a:p>
@@ -1223,7 +1223,7 @@
           <a:p>
             <a:fld id="{741DBE4D-3915-4D34-B181-3D444D071C49}" type="datetimeFigureOut">
               <a:rPr lang="de-DE" smtClean="0"/>
-              <a:t>05.02.2019</a:t>
+              <a:t>06.02.2019</a:t>
             </a:fld>
             <a:endParaRPr lang="de-DE"/>
           </a:p>
@@ -1469,7 +1469,7 @@
           <a:p>
             <a:fld id="{741DBE4D-3915-4D34-B181-3D444D071C49}" type="datetimeFigureOut">
               <a:rPr lang="de-DE" smtClean="0"/>
-              <a:t>05.02.2019</a:t>
+              <a:t>06.02.2019</a:t>
             </a:fld>
             <a:endParaRPr lang="de-DE"/>
           </a:p>
@@ -1701,7 +1701,7 @@
           <a:p>
             <a:fld id="{741DBE4D-3915-4D34-B181-3D444D071C49}" type="datetimeFigureOut">
               <a:rPr lang="de-DE" smtClean="0"/>
-              <a:t>05.02.2019</a:t>
+              <a:t>06.02.2019</a:t>
             </a:fld>
             <a:endParaRPr lang="de-DE"/>
           </a:p>
@@ -2068,7 +2068,7 @@
           <a:p>
             <a:fld id="{741DBE4D-3915-4D34-B181-3D444D071C49}" type="datetimeFigureOut">
               <a:rPr lang="de-DE" smtClean="0"/>
-              <a:t>05.02.2019</a:t>
+              <a:t>06.02.2019</a:t>
             </a:fld>
             <a:endParaRPr lang="de-DE"/>
           </a:p>
@@ -2186,7 +2186,7 @@
           <a:p>
             <a:fld id="{741DBE4D-3915-4D34-B181-3D444D071C49}" type="datetimeFigureOut">
               <a:rPr lang="de-DE" smtClean="0"/>
-              <a:t>05.02.2019</a:t>
+              <a:t>06.02.2019</a:t>
             </a:fld>
             <a:endParaRPr lang="de-DE"/>
           </a:p>
@@ -2281,7 +2281,7 @@
           <a:p>
             <a:fld id="{741DBE4D-3915-4D34-B181-3D444D071C49}" type="datetimeFigureOut">
               <a:rPr lang="de-DE" smtClean="0"/>
-              <a:t>05.02.2019</a:t>
+              <a:t>06.02.2019</a:t>
             </a:fld>
             <a:endParaRPr lang="de-DE"/>
           </a:p>
@@ -2558,7 +2558,7 @@
           <a:p>
             <a:fld id="{741DBE4D-3915-4D34-B181-3D444D071C49}" type="datetimeFigureOut">
               <a:rPr lang="de-DE" smtClean="0"/>
-              <a:t>05.02.2019</a:t>
+              <a:t>06.02.2019</a:t>
             </a:fld>
             <a:endParaRPr lang="de-DE"/>
           </a:p>
@@ -2811,7 +2811,7 @@
           <a:p>
             <a:fld id="{741DBE4D-3915-4D34-B181-3D444D071C49}" type="datetimeFigureOut">
               <a:rPr lang="de-DE" smtClean="0"/>
-              <a:t>05.02.2019</a:t>
+              <a:t>06.02.2019</a:t>
             </a:fld>
             <a:endParaRPr lang="de-DE"/>
           </a:p>
@@ -3024,7 +3024,7 @@
           <a:p>
             <a:fld id="{741DBE4D-3915-4D34-B181-3D444D071C49}" type="datetimeFigureOut">
               <a:rPr lang="de-DE" smtClean="0"/>
-              <a:t>05.02.2019</a:t>
+              <a:t>06.02.2019</a:t>
             </a:fld>
             <a:endParaRPr lang="de-DE"/>
           </a:p>
@@ -9321,11 +9321,7 @@
             </a:r>
             <a:r>
               <a:rPr lang="de-DE" altLang="de-DE" b="0" kern="0" dirty="0" smtClean="0"/>
-              <a:t> </a:t>
-            </a:r>
-            <a:r>
-              <a:rPr lang="de-DE" altLang="de-DE" b="0" kern="0" dirty="0" smtClean="0"/>
-              <a:t>Create </a:t>
+              <a:t> Create </a:t>
             </a:r>
             <a:r>
               <a:rPr lang="de-DE" altLang="de-DE" b="0" kern="0" dirty="0" err="1" smtClean="0"/>
@@ -9363,7 +9359,6 @@
               <a:rPr lang="de-DE" altLang="de-DE" b="0" kern="0" dirty="0" smtClean="0"/>
               <a:t>: XX10</a:t>
             </a:r>
-            <a:endParaRPr lang="de-DE" altLang="de-DE" b="0" kern="0" dirty="0" smtClean="0"/>
           </a:p>
           <a:p>
             <a:pPr>
@@ -9548,14 +9543,6 @@
             </a:r>
             <a:r>
               <a:rPr lang="de-DE" altLang="de-DE" b="0" kern="0" dirty="0" err="1" smtClean="0"/>
-              <a:t>overview</a:t>
-            </a:r>
-            <a:r>
-              <a:rPr lang="de-DE" altLang="de-DE" b="0" kern="0" dirty="0" smtClean="0"/>
-              <a:t> </a:t>
-            </a:r>
-            <a:r>
-              <a:rPr lang="de-DE" altLang="de-DE" b="0" kern="0" dirty="0" err="1" smtClean="0"/>
               <a:t>table</a:t>
             </a:r>
             <a:r>
@@ -9626,7 +9613,7 @@
         </p:nvSpPr>
         <p:spPr bwMode="auto">
           <a:xfrm>
-            <a:off x="5174827" y="3580598"/>
+            <a:off x="5028523" y="3598886"/>
             <a:ext cx="3721523" cy="1511166"/>
           </a:xfrm>
           <a:prstGeom prst="rect">
@@ -9744,15 +9731,7 @@
             </a:r>
             <a:r>
               <a:rPr lang="de-DE" altLang="de-DE" sz="1400" kern="0" dirty="0" smtClean="0"/>
-              <a:t> „</a:t>
-            </a:r>
-            <a:r>
-              <a:rPr lang="de-DE" altLang="de-DE" sz="1400" kern="0" dirty="0" smtClean="0"/>
-              <a:t>C</a:t>
-            </a:r>
-            <a:r>
-              <a:rPr lang="de-DE" altLang="de-DE" sz="1400" kern="0" dirty="0" smtClean="0"/>
-              <a:t>ustomer“ </a:t>
+              <a:t> „Customer“ </a:t>
             </a:r>
             <a:r>
               <a:rPr lang="de-DE" altLang="de-DE" sz="1400" kern="0" dirty="0" err="1" smtClean="0"/>
@@ -9779,11 +9758,7 @@
             </a:pPr>
             <a:r>
               <a:rPr lang="de-DE" altLang="de-DE" sz="1400" kern="0" dirty="0" smtClean="0"/>
-              <a:t>C</a:t>
-            </a:r>
-            <a:r>
-              <a:rPr lang="de-DE" altLang="de-DE" sz="1400" kern="0" dirty="0" smtClean="0"/>
-              <a:t>lick </a:t>
+              <a:t>Click </a:t>
             </a:r>
             <a:r>
               <a:rPr lang="de-DE" altLang="de-DE" sz="1400" kern="0" dirty="0" err="1"/>
@@ -9805,7 +9780,6 @@
               <a:rPr lang="de-DE" altLang="de-DE" sz="1400" kern="0" dirty="0" smtClean="0"/>
               <a:t>New“</a:t>
             </a:r>
-            <a:endParaRPr lang="de-DE" altLang="de-DE" sz="1400" kern="0" dirty="0" smtClean="0"/>
           </a:p>
           <a:p>
             <a:pPr>
@@ -9952,85 +9926,8 @@
         </p:nvSpPr>
         <p:spPr bwMode="auto">
           <a:xfrm rot="16200000">
-            <a:off x="2776911" y="3190753"/>
-            <a:ext cx="382742" cy="4338772"/>
-          </a:xfrm>
-          <a:prstGeom prst="leftBrace">
-            <a:avLst/>
-          </a:prstGeom>
-          <a:solidFill>
-            <a:schemeClr val="bg1"/>
-          </a:solidFill>
-          <a:ln w="6350" cap="flat" cmpd="sng" algn="ctr">
-            <a:solidFill>
-              <a:schemeClr val="tx1"/>
-            </a:solidFill>
-            <a:prstDash val="solid"/>
-            <a:round/>
-            <a:headEnd type="none" w="med" len="med"/>
-            <a:tailEnd type="none" w="med" len="med"/>
-          </a:ln>
-          <a:effectLst/>
-          <a:extLst>
-            <a:ext uri="{AF507438-7753-43E0-B8FC-AC1667EBCBE1}">
-              <a14:hiddenEffects xmlns:a14="http://schemas.microsoft.com/office/drawing/2010/main">
-                <a:effectLst>
-                  <a:outerShdw dist="35921" dir="2700000" algn="ctr" rotWithShape="0">
-                    <a:schemeClr val="bg2"/>
-                  </a:outerShdw>
-                </a:effectLst>
-              </a14:hiddenEffects>
-            </a:ext>
-          </a:extLst>
-        </p:spPr>
-        <p:txBody>
-          <a:bodyPr vert="horz" wrap="none" lIns="0" tIns="0" rIns="0" bIns="0" numCol="1" rtlCol="0" anchor="ctr" anchorCtr="0" compatLnSpc="1">
-            <a:prstTxWarp prst="textNoShape">
-              <a:avLst/>
-            </a:prstTxWarp>
-          </a:bodyPr>
-          <a:lstStyle/>
-          <a:p>
-            <a:pPr marL="0" marR="0" indent="0" algn="l" defTabSz="914400" rtl="0" eaLnBrk="1" fontAlgn="base" latinLnBrk="0" hangingPunct="1">
-              <a:lnSpc>
-                <a:spcPct val="100000"/>
-              </a:lnSpc>
-              <a:spcBef>
-                <a:spcPct val="0"/>
-              </a:spcBef>
-              <a:spcAft>
-                <a:spcPct val="0"/>
-              </a:spcAft>
-              <a:buClrTx/>
-              <a:buSzTx/>
-              <a:buFontTx/>
-              <a:buNone/>
-              <a:tabLst/>
-            </a:pPr>
-            <a:endParaRPr kumimoji="0" lang="de-DE" sz="1400" b="0" i="0" u="none" strike="noStrike" cap="none" normalizeH="0" baseline="0" smtClean="0">
-              <a:ln>
-                <a:noFill/>
-              </a:ln>
-              <a:solidFill>
-                <a:schemeClr val="tx1"/>
-              </a:solidFill>
-              <a:effectLst/>
-              <a:latin typeface="Arial" charset="0"/>
-              <a:cs typeface="Arial" charset="0"/>
-            </a:endParaRPr>
-          </a:p>
-        </p:txBody>
-      </p:sp>
-      <p:sp>
-        <p:nvSpPr>
-          <p:cNvPr id="7" name="Geschweifte Klammer links 6"/>
-          <p:cNvSpPr/>
-          <p:nvPr/>
-        </p:nvSpPr>
-        <p:spPr bwMode="auto">
-          <a:xfrm rot="16200000">
-            <a:off x="6833666" y="3509932"/>
-            <a:ext cx="403848" cy="3721521"/>
+            <a:off x="2238045" y="3729619"/>
+            <a:ext cx="382742" cy="3261040"/>
           </a:xfrm>
           <a:prstGeom prst="leftBrace">
             <a:avLst/>
@@ -10106,7 +10003,7 @@
         </p:nvCxnSpPr>
         <p:spPr bwMode="auto">
           <a:xfrm flipV="1">
-            <a:off x="2612005" y="4109987"/>
+            <a:off x="2465701" y="4128275"/>
             <a:ext cx="2562823" cy="3"/>
           </a:xfrm>
           <a:prstGeom prst="straightConnector1">
@@ -10146,8 +10043,8 @@
         </p:nvSpPr>
         <p:spPr>
           <a:xfrm>
-            <a:off x="1424538" y="5555776"/>
-            <a:ext cx="2800952" cy="523220"/>
+            <a:off x="1031346" y="5555776"/>
+            <a:ext cx="2800952" cy="646331"/>
           </a:xfrm>
           <a:prstGeom prst="rect">
             <a:avLst/>
@@ -10161,26 +10058,6 @@
           <a:lstStyle/>
           <a:p>
             <a:pPr algn="ctr"/>
-            <a:r>
-              <a:rPr lang="de-DE" b="1" dirty="0" err="1" smtClean="0">
-                <a:solidFill>
-                  <a:schemeClr val="accent1">
-                    <a:lumMod val="75000"/>
-                  </a:schemeClr>
-                </a:solidFill>
-              </a:rPr>
-              <a:t>Declarative</a:t>
-            </a:r>
-            <a:r>
-              <a:rPr lang="de-DE" b="1" dirty="0" smtClean="0">
-                <a:solidFill>
-                  <a:schemeClr val="accent1">
-                    <a:lumMod val="75000"/>
-                  </a:schemeClr>
-                </a:solidFill>
-              </a:rPr>
-              <a:t> </a:t>
-            </a:r>
             <a:r>
               <a:rPr lang="de-DE" b="1" dirty="0" smtClean="0">
                 <a:solidFill>
@@ -10249,7 +10126,7 @@
         </p:nvSpPr>
         <p:spPr>
           <a:xfrm>
-            <a:off x="5648780" y="5555776"/>
+            <a:off x="5493332" y="5555776"/>
             <a:ext cx="2800952" cy="646331"/>
           </a:xfrm>
           <a:prstGeom prst="rect">
@@ -10272,7 +10149,7 @@
                   </a:schemeClr>
                 </a:solidFill>
               </a:rPr>
-              <a:t>Imperative Low-Level </a:t>
+              <a:t>Low-Level </a:t>
             </a:r>
             <a:endParaRPr lang="de-DE" b="1" dirty="0" smtClean="0">
               <a:solidFill>
@@ -10342,7 +10219,7 @@
         </p:nvSpPr>
         <p:spPr bwMode="auto">
           <a:xfrm>
-            <a:off x="5174827" y="2676524"/>
+            <a:off x="5028523" y="2694812"/>
             <a:ext cx="3721523" cy="749139"/>
           </a:xfrm>
           <a:prstGeom prst="rect">
@@ -10492,11 +10369,7 @@
             </a:pPr>
             <a:r>
               <a:rPr lang="de-DE" altLang="de-DE" sz="1400" kern="0" dirty="0" smtClean="0"/>
-              <a:t>C</a:t>
-            </a:r>
-            <a:r>
-              <a:rPr lang="de-DE" altLang="de-DE" sz="1400" kern="0" dirty="0" smtClean="0"/>
-              <a:t>lick </a:t>
+              <a:t>Click </a:t>
             </a:r>
             <a:r>
               <a:rPr lang="de-DE" altLang="de-DE" sz="1400" kern="0" dirty="0" err="1" smtClean="0"/>
@@ -10518,7 +10391,7 @@
         </p:nvCxnSpPr>
         <p:spPr bwMode="auto">
           <a:xfrm>
-            <a:off x="3746182" y="3267805"/>
+            <a:off x="3599878" y="3286093"/>
             <a:ext cx="1428646" cy="2924"/>
           </a:xfrm>
           <a:prstGeom prst="straightConnector1">
@@ -10550,6 +10423,83 @@
           </a:extLst>
         </p:spPr>
       </p:cxnSp>
+      <p:sp>
+        <p:nvSpPr>
+          <p:cNvPr id="13" name="Geschweifte Klammer links 12"/>
+          <p:cNvSpPr/>
+          <p:nvPr/>
+        </p:nvSpPr>
+        <p:spPr bwMode="auto">
+          <a:xfrm rot="16200000">
+            <a:off x="6678219" y="3509932"/>
+            <a:ext cx="403848" cy="3721521"/>
+          </a:xfrm>
+          <a:prstGeom prst="leftBrace">
+            <a:avLst/>
+          </a:prstGeom>
+          <a:solidFill>
+            <a:schemeClr val="bg1"/>
+          </a:solidFill>
+          <a:ln w="6350" cap="flat" cmpd="sng" algn="ctr">
+            <a:solidFill>
+              <a:schemeClr val="tx1"/>
+            </a:solidFill>
+            <a:prstDash val="solid"/>
+            <a:round/>
+            <a:headEnd type="none" w="med" len="med"/>
+            <a:tailEnd type="none" w="med" len="med"/>
+          </a:ln>
+          <a:effectLst/>
+          <a:extLst>
+            <a:ext uri="{AF507438-7753-43E0-B8FC-AC1667EBCBE1}">
+              <a14:hiddenEffects xmlns:a14="http://schemas.microsoft.com/office/drawing/2010/main">
+                <a:effectLst>
+                  <a:outerShdw dist="35921" dir="2700000" algn="ctr" rotWithShape="0">
+                    <a:schemeClr val="bg2"/>
+                  </a:outerShdw>
+                </a:effectLst>
+              </a14:hiddenEffects>
+            </a:ext>
+          </a:extLst>
+        </p:spPr>
+        <p:txBody>
+          <a:bodyPr vert="horz" wrap="none" lIns="0" tIns="0" rIns="0" bIns="0" numCol="1" rtlCol="0" anchor="ctr" anchorCtr="0" compatLnSpc="1">
+            <a:prstTxWarp prst="textNoShape">
+              <a:avLst/>
+            </a:prstTxWarp>
+          </a:bodyPr>
+          <a:lstStyle/>
+          <a:p>
+            <a:pPr marL="0" marR="0" indent="0" algn="l" defTabSz="914400" rtl="0" eaLnBrk="1" fontAlgn="base" latinLnBrk="0" hangingPunct="1">
+              <a:lnSpc>
+                <a:spcPct val="100000"/>
+              </a:lnSpc>
+              <a:spcBef>
+                <a:spcPct val="0"/>
+              </a:spcBef>
+              <a:spcAft>
+                <a:spcPct val="0"/>
+              </a:spcAft>
+              <a:buClrTx/>
+              <a:buSzTx/>
+              <a:buFontTx/>
+              <a:buNone/>
+              <a:tabLst/>
+            </a:pPr>
+            <a:endParaRPr kumimoji="0" lang="de-DE" sz="1400" b="0" i="0" u="none" strike="noStrike" cap="none" normalizeH="0" baseline="0" smtClean="0">
+              <a:ln>
+                <a:noFill/>
+              </a:ln>
+              <a:solidFill>
+                <a:schemeClr val="tx1"/>
+              </a:solidFill>
+              <a:effectLst/>
+              <a:latin typeface="Arial" charset="0"/>
+              <a:cs typeface="Arial" charset="0"/>
+            </a:endParaRPr>
+          </a:p>
+        </p:txBody>
+      </p:sp>
     </p:spTree>
     <p:extLst>
       <p:ext uri="{BB962C8B-B14F-4D97-AF65-F5344CB8AC3E}">
@@ -10587,46 +10537,6 @@
           <a:chExt cx="0" cy="0"/>
         </a:xfrm>
       </p:grpSpPr>
-      <p:cxnSp>
-        <p:nvCxnSpPr>
-          <p:cNvPr id="7" name="Gerade Verbindung mit Pfeil 6"/>
-          <p:cNvCxnSpPr/>
-          <p:nvPr/>
-        </p:nvCxnSpPr>
-        <p:spPr bwMode="auto">
-          <a:xfrm flipH="1">
-            <a:off x="6050440" y="2715768"/>
-            <a:ext cx="1484216" cy="963"/>
-          </a:xfrm>
-          <a:prstGeom prst="straightConnector1">
-            <a:avLst/>
-          </a:prstGeom>
-          <a:solidFill>
-            <a:schemeClr val="bg1"/>
-          </a:solidFill>
-          <a:ln w="76200" cap="flat" cmpd="sng" algn="ctr">
-            <a:solidFill>
-              <a:srgbClr val="FFC000"/>
-            </a:solidFill>
-            <a:prstDash val="solid"/>
-            <a:round/>
-            <a:headEnd type="none" w="med" len="med"/>
-            <a:tailEnd type="none" w="med" len="med"/>
-          </a:ln>
-          <a:effectLst/>
-          <a:extLst>
-            <a:ext uri="{AF507438-7753-43E0-B8FC-AC1667EBCBE1}">
-              <a14:hiddenEffects xmlns:a14="http://schemas.microsoft.com/office/drawing/2010/main">
-                <a:effectLst>
-                  <a:outerShdw dist="35921" dir="2700000" algn="ctr" rotWithShape="0">
-                    <a:schemeClr val="bg2"/>
-                  </a:outerShdw>
-                </a:effectLst>
-              </a14:hiddenEffects>
-            </a:ext>
-          </a:extLst>
-        </p:spPr>
-      </p:cxnSp>
       <p:sp>
         <p:nvSpPr>
           <p:cNvPr id="5" name="Rectangle 3"/>
@@ -10885,11 +10795,7 @@
             </a:r>
             <a:r>
               <a:rPr lang="de-DE" altLang="de-DE" b="0" kern="0" dirty="0" smtClean="0"/>
-              <a:t> </a:t>
-            </a:r>
-            <a:r>
-              <a:rPr lang="de-DE" altLang="de-DE" b="0" kern="0" dirty="0" smtClean="0"/>
-              <a:t>Create </a:t>
+              <a:t> Create </a:t>
             </a:r>
             <a:r>
               <a:rPr lang="de-DE" altLang="de-DE" b="0" kern="0" dirty="0" err="1" smtClean="0"/>
@@ -10903,14 +10809,6 @@
               <a:rPr lang="de-DE" altLang="de-DE" b="0" kern="0" dirty="0" err="1" smtClean="0"/>
               <a:t>order</a:t>
             </a:r>
-            <a:endParaRPr lang="de-DE" altLang="de-DE" b="0" kern="0" dirty="0" smtClean="0"/>
-          </a:p>
-          <a:p>
-            <a:pPr>
-              <a:lnSpc>
-                <a:spcPts val="800"/>
-              </a:lnSpc>
-            </a:pPr>
             <a:endParaRPr lang="de-DE" altLang="de-DE" kern="0" dirty="0" smtClean="0"/>
           </a:p>
           <a:p>
@@ -10925,11 +10823,7 @@
             </a:r>
             <a:r>
               <a:rPr lang="de-DE" altLang="de-DE" b="0" kern="0" dirty="0" smtClean="0"/>
-              <a:t> </a:t>
-            </a:r>
-            <a:r>
-              <a:rPr lang="de-DE" altLang="de-DE" b="0" kern="0" dirty="0" smtClean="0"/>
-              <a:t>The </a:t>
+              <a:t> The </a:t>
             </a:r>
             <a:r>
               <a:rPr lang="de-DE" altLang="de-DE" b="0" kern="0" dirty="0" err="1" smtClean="0"/>
@@ -10971,14 +10865,6 @@
               <a:rPr lang="de-DE" altLang="de-DE" b="0" kern="0" dirty="0" smtClean="0"/>
               <a:t>.</a:t>
             </a:r>
-            <a:endParaRPr lang="de-DE" altLang="de-DE" b="0" kern="0" dirty="0" smtClean="0"/>
-          </a:p>
-          <a:p>
-            <a:pPr>
-              <a:lnSpc>
-                <a:spcPts val="800"/>
-              </a:lnSpc>
-            </a:pPr>
             <a:endParaRPr lang="de-DE" altLang="de-DE" kern="0" dirty="0" smtClean="0"/>
           </a:p>
           <a:p>
@@ -11001,19 +10887,7 @@
             </a:r>
             <a:r>
               <a:rPr lang="de-DE" altLang="de-DE" b="0" kern="0" dirty="0" smtClean="0"/>
-              <a:t> </a:t>
-            </a:r>
-            <a:r>
-              <a:rPr lang="de-DE" altLang="de-DE" b="0" kern="0" dirty="0" smtClean="0"/>
-              <a:t>„</a:t>
-            </a:r>
-            <a:r>
-              <a:rPr lang="de-DE" altLang="de-DE" b="0" kern="0" dirty="0" smtClean="0"/>
-              <a:t>Miller</a:t>
-            </a:r>
-            <a:r>
-              <a:rPr lang="de-DE" altLang="de-DE" b="0" kern="0" dirty="0" smtClean="0"/>
-              <a:t>“ </a:t>
+              <a:t> „Miller“ </a:t>
             </a:r>
             <a:r>
               <a:rPr lang="de-DE" altLang="de-DE" b="0" kern="0" dirty="0" err="1" smtClean="0"/>
@@ -11049,11 +10923,7 @@
             </a:r>
             <a:r>
               <a:rPr lang="de-DE" altLang="de-DE" b="0" kern="0" dirty="0" smtClean="0"/>
-              <a:t> </a:t>
-            </a:r>
-            <a:r>
-              <a:rPr lang="de-DE" altLang="de-DE" b="0" kern="0" dirty="0" smtClean="0"/>
-              <a:t>a </a:t>
+              <a:t> a </a:t>
             </a:r>
             <a:r>
               <a:rPr lang="de-DE" altLang="de-DE" b="0" kern="0" dirty="0" err="1" smtClean="0"/>
@@ -11123,14 +10993,6 @@
               <a:rPr lang="de-DE" altLang="de-DE" b="0" kern="0" dirty="0" err="1" smtClean="0"/>
               <a:t>customer</a:t>
             </a:r>
-            <a:endParaRPr lang="de-DE" altLang="de-DE" b="0" kern="0" dirty="0" smtClean="0"/>
-          </a:p>
-          <a:p>
-            <a:pPr>
-              <a:lnSpc>
-                <a:spcPts val="800"/>
-              </a:lnSpc>
-            </a:pPr>
             <a:endParaRPr lang="de-DE" altLang="de-DE" b="0" kern="0" dirty="0"/>
           </a:p>
           <a:p>
@@ -11164,10 +11026,6 @@
               <a:t> </a:t>
             </a:r>
             <a:r>
-              <a:rPr lang="de-DE" altLang="de-DE" b="0" kern="0" dirty="0" err="1" smtClean="0"/>
-              <a:t>overview</a:t>
-            </a:r>
-            <a:r>
               <a:rPr lang="de-DE" altLang="de-DE" b="0" kern="0" dirty="0" smtClean="0"/>
               <a:t> </a:t>
             </a:r>
@@ -11235,7 +11093,6 @@
               <a:rPr lang="de-DE" altLang="de-DE" b="0" kern="0" dirty="0" smtClean="0"/>
               <a:t>.</a:t>
             </a:r>
-            <a:endParaRPr lang="de-DE" altLang="de-DE" b="0" kern="0" dirty="0" smtClean="0"/>
           </a:p>
           <a:p>
             <a:pPr>
@@ -11269,9 +11126,9 @@
           <p:nvPr/>
         </p:nvCxnSpPr>
         <p:spPr bwMode="auto">
-          <a:xfrm>
-            <a:off x="7498080" y="2715768"/>
-            <a:ext cx="16362" cy="937021"/>
+          <a:xfrm flipV="1">
+            <a:off x="6023008" y="2121408"/>
+            <a:ext cx="664626" cy="9144"/>
           </a:xfrm>
           <a:prstGeom prst="straightConnector1">
             <a:avLst/>
@@ -11310,8 +11167,8 @@
         </p:nvSpPr>
         <p:spPr bwMode="auto">
           <a:xfrm>
-            <a:off x="3724978" y="3652789"/>
-            <a:ext cx="4173512" cy="1193531"/>
+            <a:off x="6715066" y="1819657"/>
+            <a:ext cx="2566094" cy="813815"/>
           </a:xfrm>
           <a:prstGeom prst="rect">
             <a:avLst/>
@@ -11334,7 +11191,189 @@
           <a:extLst/>
         </p:spPr>
         <p:txBody>
-          <a:bodyPr vert="horz" wrap="none" lIns="0" tIns="0" rIns="0" bIns="0" numCol="1" rtlCol="0" anchor="ctr" anchorCtr="0" compatLnSpc="1">
+          <a:bodyPr vert="horz" wrap="none" lIns="36000" tIns="72000" rIns="0" bIns="0" numCol="1" rtlCol="0" anchor="t" anchorCtr="0" compatLnSpc="1">
+            <a:prstTxWarp prst="textNoShape">
+              <a:avLst/>
+            </a:prstTxWarp>
+          </a:bodyPr>
+          <a:lstStyle/>
+          <a:p>
+            <a:pPr>
+              <a:lnSpc>
+                <a:spcPts val="800"/>
+              </a:lnSpc>
+            </a:pPr>
+            <a:r>
+              <a:rPr lang="de-DE" altLang="de-DE" sz="1200" kern="0" dirty="0" smtClean="0"/>
+              <a:t>Click </a:t>
+            </a:r>
+            <a:r>
+              <a:rPr lang="de-DE" altLang="de-DE" sz="1200" kern="0" dirty="0" err="1"/>
+              <a:t>b</a:t>
+            </a:r>
+            <a:r>
+              <a:rPr lang="de-DE" altLang="de-DE" sz="1200" kern="0" dirty="0" err="1" smtClean="0"/>
+              <a:t>utton</a:t>
+            </a:r>
+            <a:r>
+              <a:rPr lang="de-DE" altLang="de-DE" sz="1200" kern="0" dirty="0" smtClean="0"/>
+              <a:t> </a:t>
+            </a:r>
+            <a:r>
+              <a:rPr lang="de-DE" altLang="de-DE" sz="1200" kern="0" dirty="0"/>
+              <a:t>“</a:t>
+            </a:r>
+            <a:r>
+              <a:rPr lang="de-DE" altLang="de-DE" sz="1200" kern="0" dirty="0" smtClean="0"/>
+              <a:t>New“</a:t>
+            </a:r>
+          </a:p>
+          <a:p>
+            <a:pPr>
+              <a:lnSpc>
+                <a:spcPts val="800"/>
+              </a:lnSpc>
+            </a:pPr>
+            <a:r>
+              <a:rPr lang="de-DE" altLang="de-DE" sz="1200" kern="0" dirty="0" smtClean="0"/>
+              <a:t>.</a:t>
+            </a:r>
+            <a:endParaRPr lang="de-DE" altLang="de-DE" sz="1200" kern="0" dirty="0"/>
+          </a:p>
+          <a:p>
+            <a:pPr>
+              <a:lnSpc>
+                <a:spcPts val="800"/>
+              </a:lnSpc>
+            </a:pPr>
+            <a:r>
+              <a:rPr lang="de-DE" altLang="de-DE" sz="1200" kern="0" dirty="0" smtClean="0"/>
+              <a:t>Select in </a:t>
+            </a:r>
+            <a:r>
+              <a:rPr lang="de-DE" altLang="de-DE" sz="1200" kern="0" dirty="0" err="1" smtClean="0"/>
+              <a:t>field</a:t>
+            </a:r>
+            <a:r>
+              <a:rPr lang="de-DE" altLang="de-DE" sz="1200" kern="0" dirty="0" smtClean="0"/>
+              <a:t> “Type“ </a:t>
+            </a:r>
+            <a:r>
+              <a:rPr lang="de-DE" altLang="de-DE" sz="1200" kern="0" dirty="0" err="1" smtClean="0"/>
+              <a:t>value</a:t>
+            </a:r>
+            <a:r>
+              <a:rPr lang="de-DE" altLang="de-DE" sz="1200" kern="0" dirty="0" smtClean="0"/>
+              <a:t> “Standard“.</a:t>
+            </a:r>
+            <a:endParaRPr lang="de-DE" altLang="de-DE" sz="1200" kern="0" dirty="0"/>
+          </a:p>
+          <a:p>
+            <a:pPr>
+              <a:lnSpc>
+                <a:spcPts val="800"/>
+              </a:lnSpc>
+            </a:pPr>
+            <a:endParaRPr lang="de-DE" altLang="de-DE" sz="1200" kern="0" dirty="0" smtClean="0"/>
+          </a:p>
+          <a:p>
+            <a:pPr>
+              <a:lnSpc>
+                <a:spcPts val="800"/>
+              </a:lnSpc>
+            </a:pPr>
+            <a:r>
+              <a:rPr lang="de-DE" altLang="de-DE" sz="1200" kern="0" dirty="0" smtClean="0"/>
+              <a:t>…</a:t>
+            </a:r>
+            <a:endParaRPr lang="de-DE" altLang="de-DE" sz="1200" kern="0" dirty="0"/>
+          </a:p>
+          <a:p>
+            <a:pPr>
+              <a:lnSpc>
+                <a:spcPts val="800"/>
+              </a:lnSpc>
+            </a:pPr>
+            <a:endParaRPr lang="de-DE" altLang="de-DE" sz="1200" kern="0" dirty="0"/>
+          </a:p>
+          <a:p>
+            <a:pPr>
+              <a:lnSpc>
+                <a:spcPts val="800"/>
+              </a:lnSpc>
+            </a:pPr>
+            <a:r>
+              <a:rPr lang="de-DE" altLang="de-DE" sz="1200" kern="0" dirty="0" smtClean="0"/>
+              <a:t>Click </a:t>
+            </a:r>
+            <a:r>
+              <a:rPr lang="de-DE" altLang="de-DE" sz="1200" kern="0" dirty="0" err="1"/>
+              <a:t>b</a:t>
+            </a:r>
+            <a:r>
+              <a:rPr lang="de-DE" altLang="de-DE" sz="1200" kern="0" dirty="0" err="1" smtClean="0"/>
+              <a:t>utton</a:t>
+            </a:r>
+            <a:r>
+              <a:rPr lang="de-DE" altLang="de-DE" sz="1200" kern="0" dirty="0" smtClean="0"/>
+              <a:t> </a:t>
+            </a:r>
+            <a:r>
+              <a:rPr lang="de-DE" altLang="de-DE" sz="1200" kern="0" dirty="0"/>
+              <a:t>“OK“.</a:t>
+            </a:r>
+          </a:p>
+          <a:p>
+            <a:pPr>
+              <a:lnSpc>
+                <a:spcPts val="800"/>
+              </a:lnSpc>
+            </a:pPr>
+            <a:endParaRPr lang="de-DE" altLang="de-DE" sz="1200" kern="0" dirty="0"/>
+          </a:p>
+          <a:p>
+            <a:pPr>
+              <a:lnSpc>
+                <a:spcPts val="800"/>
+              </a:lnSpc>
+            </a:pPr>
+            <a:endParaRPr lang="de-DE" altLang="de-DE" sz="1200" kern="0" dirty="0"/>
+          </a:p>
+        </p:txBody>
+      </p:sp>
+      <p:sp>
+        <p:nvSpPr>
+          <p:cNvPr id="8" name="Rechteck 7"/>
+          <p:cNvSpPr/>
+          <p:nvPr/>
+        </p:nvSpPr>
+        <p:spPr bwMode="auto">
+          <a:xfrm>
+            <a:off x="5107648" y="1537478"/>
+            <a:ext cx="4173512" cy="282179"/>
+          </a:xfrm>
+          <a:prstGeom prst="rect">
+            <a:avLst/>
+          </a:prstGeom>
+          <a:solidFill>
+            <a:schemeClr val="bg1">
+              <a:lumMod val="85000"/>
+            </a:schemeClr>
+          </a:solidFill>
+          <a:ln w="6350" cap="flat" cmpd="sng" algn="ctr">
+            <a:solidFill>
+              <a:schemeClr val="tx1"/>
+            </a:solidFill>
+            <a:prstDash val="solid"/>
+            <a:round/>
+            <a:headEnd type="none" w="med" len="med"/>
+            <a:tailEnd type="none" w="med" len="med"/>
+          </a:ln>
+          <a:effectLst/>
+          <a:extLst/>
+        </p:spPr>
+        <p:txBody>
+          <a:bodyPr vert="horz" wrap="none" lIns="36000" tIns="0" rIns="0" bIns="0" numCol="1" rtlCol="0" anchor="t" anchorCtr="0" compatLnSpc="1">
             <a:prstTxWarp prst="textNoShape">
               <a:avLst/>
             </a:prstTxWarp>
@@ -11354,22 +11393,6 @@
                 <a:spcPts val="800"/>
               </a:lnSpc>
             </a:pPr>
-            <a:endParaRPr lang="de-DE" altLang="de-DE" sz="1200" kern="0" dirty="0" smtClean="0"/>
-          </a:p>
-          <a:p>
-            <a:pPr>
-              <a:lnSpc>
-                <a:spcPts val="800"/>
-              </a:lnSpc>
-            </a:pPr>
-            <a:endParaRPr lang="de-DE" altLang="de-DE" sz="1200" kern="0" dirty="0"/>
-          </a:p>
-          <a:p>
-            <a:pPr>
-              <a:lnSpc>
-                <a:spcPts val="800"/>
-              </a:lnSpc>
-            </a:pPr>
             <a:r>
               <a:rPr lang="de-DE" altLang="de-DE" sz="1200" b="1" kern="0" dirty="0" smtClean="0"/>
               <a:t>Script</a:t>
@@ -11447,177 +11470,10 @@
               <a:t> </a:t>
             </a:r>
             <a:r>
-              <a:rPr lang="de-DE" altLang="de-DE" sz="1200" kern="0" dirty="0" err="1"/>
+              <a:rPr lang="de-DE" altLang="de-DE" sz="1200" kern="0" dirty="0" err="1" smtClean="0"/>
               <a:t>customer</a:t>
             </a:r>
             <a:endParaRPr lang="de-DE" altLang="de-DE" sz="1200" b="1" i="1" kern="0" dirty="0"/>
-          </a:p>
-          <a:p>
-            <a:pPr>
-              <a:lnSpc>
-                <a:spcPts val="800"/>
-              </a:lnSpc>
-            </a:pPr>
-            <a:endParaRPr lang="de-DE" altLang="de-DE" sz="1200" kern="0" dirty="0" smtClean="0"/>
-          </a:p>
-          <a:p>
-            <a:pPr>
-              <a:lnSpc>
-                <a:spcPts val="800"/>
-              </a:lnSpc>
-            </a:pPr>
-            <a:endParaRPr lang="de-DE" altLang="de-DE" sz="1200" kern="0" dirty="0"/>
-          </a:p>
-          <a:p>
-            <a:pPr>
-              <a:lnSpc>
-                <a:spcPts val="800"/>
-              </a:lnSpc>
-            </a:pPr>
-            <a:r>
-              <a:rPr lang="de-DE" altLang="de-DE" sz="1200" kern="0" dirty="0"/>
-              <a:t>C</a:t>
-            </a:r>
-            <a:r>
-              <a:rPr lang="de-DE" altLang="de-DE" sz="1200" kern="0" dirty="0" smtClean="0"/>
-              <a:t>lick </a:t>
-            </a:r>
-            <a:r>
-              <a:rPr lang="de-DE" altLang="de-DE" sz="1200" kern="0" dirty="0" err="1"/>
-              <a:t>b</a:t>
-            </a:r>
-            <a:r>
-              <a:rPr lang="de-DE" altLang="de-DE" sz="1200" kern="0" dirty="0" err="1" smtClean="0"/>
-              <a:t>utton</a:t>
-            </a:r>
-            <a:r>
-              <a:rPr lang="de-DE" altLang="de-DE" sz="1200" kern="0" dirty="0" smtClean="0"/>
-              <a:t> </a:t>
-            </a:r>
-            <a:r>
-              <a:rPr lang="de-DE" altLang="de-DE" sz="1200" kern="0" dirty="0"/>
-              <a:t>“</a:t>
-            </a:r>
-            <a:r>
-              <a:rPr lang="de-DE" altLang="de-DE" sz="1200" kern="0" dirty="0" smtClean="0"/>
-              <a:t>New“</a:t>
-            </a:r>
-            <a:endParaRPr lang="de-DE" altLang="de-DE" sz="1200" kern="0" dirty="0" smtClean="0"/>
-          </a:p>
-          <a:p>
-            <a:pPr>
-              <a:lnSpc>
-                <a:spcPts val="800"/>
-              </a:lnSpc>
-            </a:pPr>
-            <a:r>
-              <a:rPr lang="de-DE" altLang="de-DE" sz="1200" kern="0" dirty="0" smtClean="0"/>
-              <a:t>.</a:t>
-            </a:r>
-            <a:endParaRPr lang="de-DE" altLang="de-DE" sz="1200" kern="0" dirty="0"/>
-          </a:p>
-          <a:p>
-            <a:pPr>
-              <a:lnSpc>
-                <a:spcPts val="800"/>
-              </a:lnSpc>
-            </a:pPr>
-            <a:r>
-              <a:rPr lang="de-DE" altLang="de-DE" sz="1200" kern="0" dirty="0" smtClean="0"/>
-              <a:t>Select in </a:t>
-            </a:r>
-            <a:r>
-              <a:rPr lang="de-DE" altLang="de-DE" sz="1200" kern="0" dirty="0" err="1" smtClean="0"/>
-              <a:t>field</a:t>
-            </a:r>
-            <a:r>
-              <a:rPr lang="de-DE" altLang="de-DE" sz="1200" kern="0" dirty="0" smtClean="0"/>
-              <a:t> “Type“ </a:t>
-            </a:r>
-            <a:r>
-              <a:rPr lang="de-DE" altLang="de-DE" sz="1200" kern="0" dirty="0" err="1" smtClean="0"/>
-              <a:t>value</a:t>
-            </a:r>
-            <a:r>
-              <a:rPr lang="de-DE" altLang="de-DE" sz="1200" kern="0" dirty="0" smtClean="0"/>
-              <a:t> “Standard“.</a:t>
-            </a:r>
-            <a:endParaRPr lang="de-DE" altLang="de-DE" sz="1200" kern="0" dirty="0"/>
-          </a:p>
-          <a:p>
-            <a:pPr>
-              <a:lnSpc>
-                <a:spcPts val="800"/>
-              </a:lnSpc>
-            </a:pPr>
-            <a:endParaRPr lang="de-DE" altLang="de-DE" sz="1200" kern="0" dirty="0" smtClean="0"/>
-          </a:p>
-          <a:p>
-            <a:pPr>
-              <a:lnSpc>
-                <a:spcPts val="800"/>
-              </a:lnSpc>
-            </a:pPr>
-            <a:r>
-              <a:rPr lang="de-DE" altLang="de-DE" sz="1200" kern="0" dirty="0" smtClean="0"/>
-              <a:t>…</a:t>
-            </a:r>
-            <a:endParaRPr lang="de-DE" altLang="de-DE" sz="1200" kern="0" dirty="0"/>
-          </a:p>
-          <a:p>
-            <a:pPr>
-              <a:lnSpc>
-                <a:spcPts val="800"/>
-              </a:lnSpc>
-            </a:pPr>
-            <a:endParaRPr lang="de-DE" altLang="de-DE" sz="1200" kern="0" dirty="0"/>
-          </a:p>
-          <a:p>
-            <a:pPr>
-              <a:lnSpc>
-                <a:spcPts val="800"/>
-              </a:lnSpc>
-            </a:pPr>
-            <a:r>
-              <a:rPr lang="de-DE" altLang="de-DE" sz="1200" kern="0" dirty="0" smtClean="0"/>
-              <a:t>C</a:t>
-            </a:r>
-            <a:r>
-              <a:rPr lang="de-DE" altLang="de-DE" sz="1200" kern="0" dirty="0" smtClean="0"/>
-              <a:t>lick </a:t>
-            </a:r>
-            <a:r>
-              <a:rPr lang="de-DE" altLang="de-DE" sz="1200" kern="0" dirty="0" err="1"/>
-              <a:t>b</a:t>
-            </a:r>
-            <a:r>
-              <a:rPr lang="de-DE" altLang="de-DE" sz="1200" kern="0" dirty="0" err="1" smtClean="0"/>
-              <a:t>utton</a:t>
-            </a:r>
-            <a:r>
-              <a:rPr lang="de-DE" altLang="de-DE" sz="1200" kern="0" dirty="0" smtClean="0"/>
-              <a:t> </a:t>
-            </a:r>
-            <a:r>
-              <a:rPr lang="de-DE" altLang="de-DE" sz="1200" kern="0" dirty="0"/>
-              <a:t>“OK“.</a:t>
-            </a:r>
-          </a:p>
-          <a:p>
-            <a:pPr>
-              <a:lnSpc>
-                <a:spcPts val="800"/>
-              </a:lnSpc>
-            </a:pPr>
-            <a:endParaRPr lang="de-DE" altLang="de-DE" sz="1200" kern="0" dirty="0"/>
-          </a:p>
-          <a:p>
-            <a:pPr>
-              <a:lnSpc>
-                <a:spcPts val="800"/>
-              </a:lnSpc>
-            </a:pPr>
-            <a:endParaRPr lang="de-DE" altLang="de-DE" sz="1200" kern="0" dirty="0"/>
           </a:p>
         </p:txBody>
       </p:sp>

--- a/documentation/Figures.pptx
+++ b/documentation/Figures.pptx
@@ -9682,22 +9682,22 @@
               <a:t>: </a:t>
             </a:r>
             <a:r>
-              <a:rPr lang="de-DE" altLang="de-DE" sz="1400" b="1" i="1" kern="0" dirty="0" smtClean="0"/>
+              <a:rPr lang="de-DE" altLang="de-DE" sz="1400" i="1" kern="0" dirty="0" smtClean="0"/>
               <a:t>Create </a:t>
             </a:r>
             <a:r>
-              <a:rPr lang="de-DE" altLang="de-DE" sz="1400" b="1" i="1" kern="0" dirty="0" err="1" smtClean="0"/>
+              <a:rPr lang="de-DE" altLang="de-DE" sz="1400" i="1" kern="0" dirty="0" err="1" smtClean="0"/>
               <a:t>new</a:t>
             </a:r>
             <a:r>
-              <a:rPr lang="de-DE" altLang="de-DE" sz="1400" b="1" i="1" kern="0" dirty="0" smtClean="0"/>
+              <a:rPr lang="de-DE" altLang="de-DE" sz="1400" i="1" kern="0" dirty="0" smtClean="0"/>
               <a:t> </a:t>
             </a:r>
             <a:r>
-              <a:rPr lang="de-DE" altLang="de-DE" sz="1400" b="1" i="1" kern="0" dirty="0" err="1" smtClean="0"/>
+              <a:rPr lang="de-DE" altLang="de-DE" sz="1400" i="1" kern="0" dirty="0" err="1" smtClean="0"/>
               <a:t>order</a:t>
             </a:r>
-            <a:endParaRPr lang="de-DE" altLang="de-DE" sz="1400" b="1" i="1" kern="0" dirty="0"/>
+            <a:endParaRPr lang="de-DE" altLang="de-DE" sz="1400" i="1" kern="0" dirty="0"/>
           </a:p>
           <a:p>
             <a:pPr>
@@ -10068,13 +10068,6 @@
               </a:rPr>
               <a:t>High-Level </a:t>
             </a:r>
-            <a:endParaRPr lang="de-DE" b="1" dirty="0" smtClean="0">
-              <a:solidFill>
-                <a:schemeClr val="accent1">
-                  <a:lumMod val="75000"/>
-                </a:schemeClr>
-              </a:solidFill>
-            </a:endParaRPr>
           </a:p>
           <a:p>
             <a:pPr algn="ctr"/>
@@ -10151,13 +10144,6 @@
               </a:rPr>
               <a:t>Low-Level </a:t>
             </a:r>
-            <a:endParaRPr lang="de-DE" b="1" dirty="0" smtClean="0">
-              <a:solidFill>
-                <a:schemeClr val="accent1">
-                  <a:lumMod val="75000"/>
-                </a:schemeClr>
-              </a:solidFill>
-            </a:endParaRPr>
           </a:p>
           <a:p>
             <a:pPr algn="ctr"/>
@@ -10272,35 +10258,35 @@
               <a:t>: </a:t>
             </a:r>
             <a:r>
-              <a:rPr lang="de-DE" altLang="de-DE" sz="1400" kern="0" dirty="0"/>
+              <a:rPr lang="de-DE" altLang="de-DE" sz="1400" i="1" kern="0" dirty="0"/>
               <a:t>Go </a:t>
             </a:r>
             <a:r>
-              <a:rPr lang="de-DE" altLang="de-DE" sz="1400" kern="0" dirty="0" err="1"/>
+              <a:rPr lang="de-DE" altLang="de-DE" sz="1400" i="1" kern="0" dirty="0" err="1"/>
               <a:t>to</a:t>
             </a:r>
             <a:r>
-              <a:rPr lang="de-DE" altLang="de-DE" sz="1400" kern="0" dirty="0"/>
+              <a:rPr lang="de-DE" altLang="de-DE" sz="1400" i="1" kern="0" dirty="0"/>
               <a:t> </a:t>
             </a:r>
             <a:r>
-              <a:rPr lang="de-DE" altLang="de-DE" sz="1400" kern="0" dirty="0" err="1"/>
+              <a:rPr lang="de-DE" altLang="de-DE" sz="1400" i="1" kern="0" dirty="0" err="1"/>
               <a:t>order</a:t>
             </a:r>
             <a:r>
-              <a:rPr lang="de-DE" altLang="de-DE" sz="1400" kern="0" dirty="0"/>
+              <a:rPr lang="de-DE" altLang="de-DE" sz="1400" i="1" kern="0" dirty="0"/>
               <a:t> </a:t>
             </a:r>
             <a:r>
-              <a:rPr lang="de-DE" altLang="de-DE" sz="1400" kern="0" dirty="0" err="1"/>
+              <a:rPr lang="de-DE" altLang="de-DE" sz="1400" i="1" kern="0" dirty="0" err="1"/>
               <a:t>management</a:t>
             </a:r>
             <a:r>
-              <a:rPr lang="de-DE" altLang="de-DE" sz="1400" kern="0" dirty="0"/>
+              <a:rPr lang="de-DE" altLang="de-DE" sz="1400" i="1" kern="0" dirty="0"/>
               <a:t> </a:t>
             </a:r>
             <a:r>
-              <a:rPr lang="de-DE" altLang="de-DE" sz="1400" kern="0" dirty="0" err="1"/>
+              <a:rPr lang="de-DE" altLang="de-DE" sz="1400" i="1" kern="0" dirty="0" err="1"/>
               <a:t>page</a:t>
             </a:r>
             <a:endParaRPr lang="de-DE" altLang="de-DE" sz="1400" b="1" i="1" kern="0" dirty="0"/>
@@ -11023,11 +11009,7 @@
             </a:r>
             <a:r>
               <a:rPr lang="de-DE" altLang="de-DE" b="0" kern="0" dirty="0" smtClean="0"/>
-              <a:t> </a:t>
-            </a:r>
-            <a:r>
-              <a:rPr lang="de-DE" altLang="de-DE" b="0" kern="0" dirty="0" smtClean="0"/>
-              <a:t> </a:t>
+              <a:t>  </a:t>
             </a:r>
             <a:r>
               <a:rPr lang="de-DE" altLang="de-DE" b="0" kern="0" dirty="0" err="1" smtClean="0"/>
@@ -11402,75 +11384,75 @@
               <a:t>: </a:t>
             </a:r>
             <a:r>
-              <a:rPr lang="de-DE" altLang="de-DE" sz="1200" kern="0" dirty="0"/>
+              <a:rPr lang="de-DE" altLang="de-DE" sz="1200" i="1" kern="0" dirty="0"/>
               <a:t>a </a:t>
             </a:r>
             <a:r>
-              <a:rPr lang="de-DE" altLang="de-DE" sz="1200" kern="0" dirty="0" err="1"/>
+              <a:rPr lang="de-DE" altLang="de-DE" sz="1200" i="1" kern="0" dirty="0" err="1"/>
               <a:t>new</a:t>
             </a:r>
             <a:r>
-              <a:rPr lang="de-DE" altLang="de-DE" sz="1200" kern="0" dirty="0"/>
+              <a:rPr lang="de-DE" altLang="de-DE" sz="1200" i="1" kern="0" dirty="0"/>
               <a:t> </a:t>
             </a:r>
             <a:r>
-              <a:rPr lang="de-DE" altLang="de-DE" sz="1200" kern="0" dirty="0" err="1"/>
+              <a:rPr lang="de-DE" altLang="de-DE" sz="1200" i="1" kern="0" dirty="0" err="1"/>
               <a:t>order</a:t>
             </a:r>
             <a:r>
-              <a:rPr lang="de-DE" altLang="de-DE" sz="1200" kern="0" dirty="0"/>
+              <a:rPr lang="de-DE" altLang="de-DE" sz="1200" i="1" kern="0" dirty="0"/>
               <a:t> </a:t>
             </a:r>
             <a:r>
-              <a:rPr lang="de-DE" altLang="de-DE" sz="1200" kern="0" dirty="0" err="1"/>
+              <a:rPr lang="de-DE" altLang="de-DE" sz="1200" i="1" kern="0" dirty="0" err="1"/>
               <a:t>has</a:t>
             </a:r>
             <a:r>
-              <a:rPr lang="de-DE" altLang="de-DE" sz="1200" kern="0" dirty="0"/>
+              <a:rPr lang="de-DE" altLang="de-DE" sz="1200" i="1" kern="0" dirty="0"/>
               <a:t> </a:t>
             </a:r>
             <a:r>
-              <a:rPr lang="de-DE" altLang="de-DE" sz="1200" kern="0" dirty="0" err="1"/>
+              <a:rPr lang="de-DE" altLang="de-DE" sz="1200" i="1" kern="0" dirty="0" err="1"/>
               <a:t>been</a:t>
             </a:r>
             <a:r>
-              <a:rPr lang="de-DE" altLang="de-DE" sz="1200" kern="0" dirty="0"/>
+              <a:rPr lang="de-DE" altLang="de-DE" sz="1200" i="1" kern="0" dirty="0"/>
               <a:t> </a:t>
             </a:r>
             <a:r>
-              <a:rPr lang="de-DE" altLang="de-DE" sz="1200" kern="0" dirty="0" err="1"/>
+              <a:rPr lang="de-DE" altLang="de-DE" sz="1200" i="1" kern="0" dirty="0" err="1"/>
               <a:t>created</a:t>
             </a:r>
             <a:r>
-              <a:rPr lang="de-DE" altLang="de-DE" sz="1200" kern="0" dirty="0"/>
+              <a:rPr lang="de-DE" altLang="de-DE" sz="1200" i="1" kern="0" dirty="0"/>
               <a:t> </a:t>
             </a:r>
             <a:r>
-              <a:rPr lang="de-DE" altLang="de-DE" sz="1200" kern="0" dirty="0" err="1"/>
+              <a:rPr lang="de-DE" altLang="de-DE" sz="1200" i="1" kern="0" dirty="0" err="1"/>
               <a:t>for</a:t>
             </a:r>
             <a:r>
-              <a:rPr lang="de-DE" altLang="de-DE" sz="1200" kern="0" dirty="0"/>
+              <a:rPr lang="de-DE" altLang="de-DE" sz="1200" i="1" kern="0" dirty="0"/>
               <a:t> </a:t>
             </a:r>
             <a:r>
-              <a:rPr lang="de-DE" altLang="de-DE" sz="1200" kern="0" dirty="0" err="1"/>
+              <a:rPr lang="de-DE" altLang="de-DE" sz="1200" i="1" kern="0" dirty="0" err="1"/>
               <a:t>the</a:t>
             </a:r>
             <a:r>
-              <a:rPr lang="de-DE" altLang="de-DE" sz="1200" kern="0" dirty="0"/>
+              <a:rPr lang="de-DE" altLang="de-DE" sz="1200" i="1" kern="0" dirty="0"/>
               <a:t> </a:t>
             </a:r>
             <a:r>
-              <a:rPr lang="de-DE" altLang="de-DE" sz="1200" kern="0" dirty="0" err="1"/>
+              <a:rPr lang="de-DE" altLang="de-DE" sz="1200" i="1" kern="0" dirty="0" err="1"/>
               <a:t>selected</a:t>
             </a:r>
             <a:r>
-              <a:rPr lang="de-DE" altLang="de-DE" sz="1200" kern="0" dirty="0"/>
+              <a:rPr lang="de-DE" altLang="de-DE" sz="1200" i="1" kern="0" dirty="0"/>
               <a:t> </a:t>
             </a:r>
             <a:r>
-              <a:rPr lang="de-DE" altLang="de-DE" sz="1200" kern="0" dirty="0" err="1" smtClean="0"/>
+              <a:rPr lang="de-DE" altLang="de-DE" sz="1200" i="1" kern="0" dirty="0" err="1" smtClean="0"/>
               <a:t>customer</a:t>
             </a:r>
             <a:endParaRPr lang="de-DE" altLang="de-DE" sz="1200" b="1" i="1" kern="0" dirty="0"/>

--- a/documentation/Figures.pptx
+++ b/documentation/Figures.pptx
@@ -214,7 +214,7 @@
           <a:p>
             <a:fld id="{6F0CB9C3-760B-411B-91A2-B4F0AEC3563C}" type="datetimeFigureOut">
               <a:rPr lang="de-DE" smtClean="0"/>
-              <a:t>06.02.2019</a:t>
+              <a:t>07.02.2019</a:t>
             </a:fld>
             <a:endParaRPr lang="de-DE"/>
           </a:p>
@@ -705,7 +705,7 @@
           <a:p>
             <a:fld id="{741DBE4D-3915-4D34-B181-3D444D071C49}" type="datetimeFigureOut">
               <a:rPr lang="de-DE" smtClean="0"/>
-              <a:t>06.02.2019</a:t>
+              <a:t>07.02.2019</a:t>
             </a:fld>
             <a:endParaRPr lang="de-DE"/>
           </a:p>
@@ -875,7 +875,7 @@
           <a:p>
             <a:fld id="{741DBE4D-3915-4D34-B181-3D444D071C49}" type="datetimeFigureOut">
               <a:rPr lang="de-DE" smtClean="0"/>
-              <a:t>06.02.2019</a:t>
+              <a:t>07.02.2019</a:t>
             </a:fld>
             <a:endParaRPr lang="de-DE"/>
           </a:p>
@@ -1055,7 +1055,7 @@
           <a:p>
             <a:fld id="{741DBE4D-3915-4D34-B181-3D444D071C49}" type="datetimeFigureOut">
               <a:rPr lang="de-DE" smtClean="0"/>
-              <a:t>06.02.2019</a:t>
+              <a:t>07.02.2019</a:t>
             </a:fld>
             <a:endParaRPr lang="de-DE"/>
           </a:p>
@@ -1225,7 +1225,7 @@
           <a:p>
             <a:fld id="{741DBE4D-3915-4D34-B181-3D444D071C49}" type="datetimeFigureOut">
               <a:rPr lang="de-DE" smtClean="0"/>
-              <a:t>06.02.2019</a:t>
+              <a:t>07.02.2019</a:t>
             </a:fld>
             <a:endParaRPr lang="de-DE"/>
           </a:p>
@@ -1471,7 +1471,7 @@
           <a:p>
             <a:fld id="{741DBE4D-3915-4D34-B181-3D444D071C49}" type="datetimeFigureOut">
               <a:rPr lang="de-DE" smtClean="0"/>
-              <a:t>06.02.2019</a:t>
+              <a:t>07.02.2019</a:t>
             </a:fld>
             <a:endParaRPr lang="de-DE"/>
           </a:p>
@@ -1703,7 +1703,7 @@
           <a:p>
             <a:fld id="{741DBE4D-3915-4D34-B181-3D444D071C49}" type="datetimeFigureOut">
               <a:rPr lang="de-DE" smtClean="0"/>
-              <a:t>06.02.2019</a:t>
+              <a:t>07.02.2019</a:t>
             </a:fld>
             <a:endParaRPr lang="de-DE"/>
           </a:p>
@@ -2070,7 +2070,7 @@
           <a:p>
             <a:fld id="{741DBE4D-3915-4D34-B181-3D444D071C49}" type="datetimeFigureOut">
               <a:rPr lang="de-DE" smtClean="0"/>
-              <a:t>06.02.2019</a:t>
+              <a:t>07.02.2019</a:t>
             </a:fld>
             <a:endParaRPr lang="de-DE"/>
           </a:p>
@@ -2188,7 +2188,7 @@
           <a:p>
             <a:fld id="{741DBE4D-3915-4D34-B181-3D444D071C49}" type="datetimeFigureOut">
               <a:rPr lang="de-DE" smtClean="0"/>
-              <a:t>06.02.2019</a:t>
+              <a:t>07.02.2019</a:t>
             </a:fld>
             <a:endParaRPr lang="de-DE"/>
           </a:p>
@@ -2283,7 +2283,7 @@
           <a:p>
             <a:fld id="{741DBE4D-3915-4D34-B181-3D444D071C49}" type="datetimeFigureOut">
               <a:rPr lang="de-DE" smtClean="0"/>
-              <a:t>06.02.2019</a:t>
+              <a:t>07.02.2019</a:t>
             </a:fld>
             <a:endParaRPr lang="de-DE"/>
           </a:p>
@@ -2560,7 +2560,7 @@
           <a:p>
             <a:fld id="{741DBE4D-3915-4D34-B181-3D444D071C49}" type="datetimeFigureOut">
               <a:rPr lang="de-DE" smtClean="0"/>
-              <a:t>06.02.2019</a:t>
+              <a:t>07.02.2019</a:t>
             </a:fld>
             <a:endParaRPr lang="de-DE"/>
           </a:p>
@@ -2813,7 +2813,7 @@
           <a:p>
             <a:fld id="{741DBE4D-3915-4D34-B181-3D444D071C49}" type="datetimeFigureOut">
               <a:rPr lang="de-DE" smtClean="0"/>
-              <a:t>06.02.2019</a:t>
+              <a:t>07.02.2019</a:t>
             </a:fld>
             <a:endParaRPr lang="de-DE"/>
           </a:p>
@@ -3026,7 +3026,7 @@
           <a:p>
             <a:fld id="{741DBE4D-3915-4D34-B181-3D444D071C49}" type="datetimeFigureOut">
               <a:rPr lang="de-DE" smtClean="0"/>
-              <a:t>06.02.2019</a:t>
+              <a:t>07.02.2019</a:t>
             </a:fld>
             <a:endParaRPr lang="de-DE"/>
           </a:p>
@@ -3440,7 +3440,7 @@
         <p:spPr>
           <a:xfrm>
             <a:off x="338328" y="274320"/>
-            <a:ext cx="8695944" cy="2585323"/>
+            <a:ext cx="8695944" cy="3416320"/>
           </a:xfrm>
           <a:prstGeom prst="rect">
             <a:avLst/>
@@ -3467,14 +3467,13 @@
           <a:p>
             <a:r>
               <a:rPr lang="en-US" dirty="0"/>
-              <a:t>The order management view allows to create new orders and to modify or cancel them.</a:t>
-            </a:r>
-          </a:p>
-          <a:p>
-            <a:r>
-              <a:rPr lang="en-US" dirty="0"/>
-              <a:t>Requirement 1.2.3</a:t>
-            </a:r>
+              <a:t>The order management view allows to create new orders and to modify or cancel them</a:t>
+            </a:r>
+            <a:r>
+              <a:rPr lang="en-US" dirty="0" smtClean="0"/>
+              <a:t>.</a:t>
+            </a:r>
+            <a:endParaRPr lang="en-US" dirty="0"/>
           </a:p>
           <a:p>
             <a:r>
@@ -3492,37 +3491,101 @@
             </a:r>
             <a:r>
               <a:rPr lang="en-US" dirty="0"/>
-              <a:t>Create new order</a:t>
+              <a:t>Create new </a:t>
+            </a:r>
+            <a:r>
+              <a:rPr lang="en-US" dirty="0" smtClean="0"/>
+              <a:t>order</a:t>
             </a:r>
           </a:p>
           <a:p>
+            <a:endParaRPr lang="en-US" dirty="0"/>
+          </a:p>
+          <a:p>
             <a:r>
               <a:rPr lang="en-US" b="1" dirty="0"/>
               <a:t>Given</a:t>
             </a:r>
             <a:r>
               <a:rPr lang="en-US" dirty="0"/>
-              <a:t> the order overview is visible.</a:t>
-            </a:r>
+              <a:t> the </a:t>
+            </a:r>
+            <a:r>
+              <a:rPr lang="en-US" dirty="0" smtClean="0"/>
+              <a:t>page </a:t>
+            </a:r>
+            <a:r>
+              <a:rPr lang="en-US" i="1" dirty="0" smtClean="0"/>
+              <a:t>Order </a:t>
+            </a:r>
+            <a:r>
+              <a:rPr lang="en-US" i="1" dirty="0" smtClean="0"/>
+              <a:t>M</a:t>
+            </a:r>
+            <a:r>
+              <a:rPr lang="en-US" i="1" dirty="0" smtClean="0"/>
+              <a:t>anagement</a:t>
+            </a:r>
+            <a:r>
+              <a:rPr lang="en-US" dirty="0" smtClean="0"/>
+              <a:t> </a:t>
+            </a:r>
+            <a:r>
+              <a:rPr lang="en-US" dirty="0"/>
+              <a:t>is </a:t>
+            </a:r>
+            <a:r>
+              <a:rPr lang="en-US" dirty="0" smtClean="0"/>
+              <a:t>visible</a:t>
+            </a:r>
+            <a:endParaRPr lang="en-US" dirty="0"/>
           </a:p>
           <a:p>
-            <a:r>
-              <a:rPr lang="en-US" b="1" dirty="0"/>
-              <a:t>When</a:t>
-            </a:r>
-            <a:r>
-              <a:rPr lang="en-US" dirty="0"/>
-              <a:t> a new order is created</a:t>
-            </a:r>
+            <a:endParaRPr lang="en-US" b="1" dirty="0" smtClean="0"/>
           </a:p>
           <a:p>
             <a:r>
-              <a:rPr lang="en-US" b="1" dirty="0"/>
+              <a:rPr lang="en-US" b="1" dirty="0" smtClean="0"/>
+              <a:t>When</a:t>
+            </a:r>
+            <a:r>
+              <a:rPr lang="en-US" dirty="0" smtClean="0"/>
+              <a:t> </a:t>
+            </a:r>
+            <a:r>
+              <a:rPr lang="en-US" dirty="0"/>
+              <a:t>a new order is created</a:t>
+            </a:r>
+          </a:p>
+          <a:p>
+            <a:endParaRPr lang="en-US" b="1" dirty="0" smtClean="0"/>
+          </a:p>
+          <a:p>
+            <a:r>
+              <a:rPr lang="en-US" b="1" dirty="0" smtClean="0"/>
               <a:t>Then</a:t>
             </a:r>
             <a:r>
+              <a:rPr lang="en-US" dirty="0" smtClean="0"/>
+              <a:t> </a:t>
+            </a:r>
+            <a:r>
               <a:rPr lang="en-US" dirty="0"/>
-              <a:t> the overview table contains one more entry.</a:t>
+              <a:t>the overview table contains </a:t>
+            </a:r>
+            <a:r>
+              <a:rPr lang="en-US" dirty="0" smtClean="0"/>
+              <a:t>a new entry</a:t>
+            </a:r>
+          </a:p>
+          <a:p>
+            <a:r>
+              <a:rPr lang="en-US" b="1" dirty="0" smtClean="0"/>
+              <a:t>And</a:t>
+            </a:r>
+            <a:r>
+              <a:rPr lang="en-US" dirty="0" smtClean="0"/>
+              <a:t> the creation date of the new order is today.</a:t>
             </a:r>
             <a:endParaRPr lang="de-DE" dirty="0"/>
           </a:p>
@@ -17083,7 +17146,7 @@
         <p:spPr>
           <a:xfrm>
             <a:off x="566928" y="1112520"/>
-            <a:ext cx="9701784" cy="4524315"/>
+            <a:ext cx="9701784" cy="5078313"/>
           </a:xfrm>
           <a:prstGeom prst="rect">
             <a:avLst/>
@@ -17116,6 +17179,18 @@
             </a:r>
           </a:p>
           <a:p>
+            <a:r>
+              <a:rPr lang="en-US" dirty="0"/>
+              <a:t>The order management view allows to create new orders and to modify or cancel them.</a:t>
+            </a:r>
+          </a:p>
+          <a:p>
+            <a:r>
+              <a:rPr lang="en-US" dirty="0"/>
+              <a:t>User story: As a customer, I wish to create an order in order to start a business process.</a:t>
+            </a:r>
+          </a:p>
+          <a:p>
             <a:endParaRPr lang="en-US" b="1" dirty="0"/>
           </a:p>
           <a:p>
@@ -17247,28 +17322,37 @@
           <a:p>
             <a:r>
               <a:rPr lang="en-US" dirty="0" smtClean="0"/>
-              <a:t>Select </a:t>
+              <a:t>Increase the value in field "</a:t>
+            </a:r>
+            <a:r>
+              <a:rPr lang="en-US" b="1" dirty="0" smtClean="0"/>
+              <a:t>Due </a:t>
+            </a:r>
+            <a:r>
+              <a:rPr lang="en-US" b="1" dirty="0"/>
+              <a:t>Date</a:t>
             </a:r>
             <a:r>
               <a:rPr lang="en-US" dirty="0"/>
-              <a:t>in field "</a:t>
-            </a:r>
-            <a:r>
-              <a:rPr lang="en-US" b="1" dirty="0"/>
-              <a:t>Due Date</a:t>
+              <a:t>" </a:t>
+            </a:r>
+            <a:r>
+              <a:rPr lang="en-US" dirty="0" smtClean="0"/>
+              <a:t>by "</a:t>
+            </a:r>
+            <a:r>
+              <a:rPr lang="en-US" b="1" dirty="0" smtClean="0"/>
+              <a:t>7</a:t>
             </a:r>
             <a:r>
               <a:rPr lang="en-US" dirty="0"/>
-              <a:t>" a value of "</a:t>
-            </a:r>
-            <a:r>
-              <a:rPr lang="en-US" b="1" dirty="0"/>
-              <a:t>7</a:t>
-            </a:r>
-            <a:r>
-              <a:rPr lang="en-US" dirty="0"/>
-              <a:t>" days in the future.</a:t>
-            </a:r>
+              <a:t>" </a:t>
+            </a:r>
+            <a:r>
+              <a:rPr lang="en-US" dirty="0" smtClean="0"/>
+              <a:t>days.</a:t>
+            </a:r>
+            <a:endParaRPr lang="en-US" dirty="0"/>
           </a:p>
           <a:p>
             <a:r>

--- a/documentation/Figures.pptx
+++ b/documentation/Figures.pptx
@@ -8,8 +8,8 @@
     <p:notesMasterId r:id="rId20"/>
   </p:notesMasterIdLst>
   <p:sldIdLst>
-    <p:sldId id="282" r:id="rId2"/>
-    <p:sldId id="283" r:id="rId3"/>
+    <p:sldId id="283" r:id="rId2"/>
+    <p:sldId id="282" r:id="rId3"/>
     <p:sldId id="267" r:id="rId4"/>
     <p:sldId id="276" r:id="rId5"/>
     <p:sldId id="277" r:id="rId6"/>
@@ -3433,14 +3433,14 @@
       </p:grpSpPr>
       <p:sp>
         <p:nvSpPr>
-          <p:cNvPr id="4" name="Textfeld 3"/>
+          <p:cNvPr id="2" name="Textfeld 1"/>
           <p:cNvSpPr txBox="1"/>
           <p:nvPr/>
         </p:nvSpPr>
         <p:spPr>
           <a:xfrm>
-            <a:off x="338328" y="274320"/>
-            <a:ext cx="8695944" cy="3416320"/>
+            <a:off x="566928" y="1112520"/>
+            <a:ext cx="9701784" cy="5078313"/>
           </a:xfrm>
           <a:prstGeom prst="rect">
             <a:avLst/>
@@ -3456,29 +3456,157 @@
           <a:lstStyle/>
           <a:p>
             <a:r>
-              <a:rPr lang="en-US" b="1" dirty="0"/>
-              <a:t>Feature:</a:t>
+              <a:rPr lang="en-US" b="1" dirty="0" err="1" smtClean="0"/>
+              <a:t>Behaviour</a:t>
+            </a:r>
+            <a:r>
+              <a:rPr lang="en-US" dirty="0" smtClean="0"/>
+              <a:t>: </a:t>
             </a:r>
             <a:r>
               <a:rPr lang="en-US" dirty="0"/>
-              <a:t> Managing orders</a:t>
+              <a:t>Order </a:t>
+            </a:r>
+            <a:r>
+              <a:rPr lang="en-US" dirty="0" smtClean="0"/>
+              <a:t>Management</a:t>
             </a:r>
           </a:p>
           <a:p>
             <a:r>
               <a:rPr lang="en-US" dirty="0"/>
-              <a:t>The order management view allows to create new orders and to modify or cancel them</a:t>
+              <a:t>The order management view allows to create new orders and to modify or cancel them.</a:t>
+            </a:r>
+          </a:p>
+          <a:p>
+            <a:r>
+              <a:rPr lang="en-US" dirty="0"/>
+              <a:t>User story: As a customer, I wish to </a:t>
             </a:r>
             <a:r>
               <a:rPr lang="en-US" dirty="0" smtClean="0"/>
-              <a:t>.</a:t>
+              <a:t>modify an existing order </a:t>
+            </a:r>
+            <a:r>
+              <a:rPr lang="en-US" dirty="0"/>
+              <a:t>in order to </a:t>
+            </a:r>
+            <a:r>
+              <a:rPr lang="en-US" dirty="0" smtClean="0"/>
+              <a:t>adapt to changing conditions.</a:t>
             </a:r>
             <a:endParaRPr lang="en-US" dirty="0"/>
           </a:p>
           <a:p>
+            <a:endParaRPr lang="en-US" b="1" dirty="0"/>
+          </a:p>
+          <a:p>
+            <a:r>
+              <a:rPr lang="en-US" b="1" dirty="0" smtClean="0"/>
+              <a:t>XXID</a:t>
+            </a:r>
+            <a:r>
+              <a:rPr lang="en-US" dirty="0" smtClean="0"/>
+              <a:t>: </a:t>
+            </a:r>
             <a:r>
               <a:rPr lang="en-US" dirty="0"/>
-              <a:t>User story: As a customer, I wish to create an order in order to start a business process.</a:t>
+              <a:t>Modify existing order</a:t>
+            </a:r>
+          </a:p>
+          <a:p>
+            <a:r>
+              <a:rPr lang="en-US" dirty="0"/>
+              <a:t>    </a:t>
+            </a:r>
+          </a:p>
+          <a:p>
+            <a:r>
+              <a:rPr lang="en-US" b="1" dirty="0" smtClean="0"/>
+              <a:t>Test-Phase:</a:t>
+            </a:r>
+            <a:r>
+              <a:rPr lang="en-US" dirty="0" smtClean="0"/>
+              <a:t> Arrange</a:t>
+            </a:r>
+            <a:endParaRPr lang="en-US" dirty="0"/>
+          </a:p>
+          <a:p>
+            <a:r>
+              <a:rPr lang="en-US" dirty="0"/>
+              <a:t>Click main menu "</a:t>
+            </a:r>
+            <a:r>
+              <a:rPr lang="en-US" b="1" dirty="0"/>
+              <a:t>Order Management</a:t>
+            </a:r>
+            <a:r>
+              <a:rPr lang="en-US" dirty="0" smtClean="0"/>
+              <a:t>"</a:t>
+            </a:r>
+            <a:endParaRPr lang="en-US" dirty="0"/>
+          </a:p>
+          <a:p>
+            <a:r>
+              <a:rPr lang="en-US" dirty="0"/>
+              <a:t>The value of "</a:t>
+            </a:r>
+            <a:r>
+              <a:rPr lang="en-US" b="1" dirty="0"/>
+              <a:t>Due Date</a:t>
+            </a:r>
+            <a:r>
+              <a:rPr lang="en-US" dirty="0"/>
+              <a:t>" in the most recently created or modified order is stored as </a:t>
+            </a:r>
+            <a:r>
+              <a:rPr lang="en-US" b="1" dirty="0">
+                <a:solidFill>
+                  <a:schemeClr val="accent1">
+                    <a:lumMod val="75000"/>
+                  </a:schemeClr>
+                </a:solidFill>
+              </a:rPr>
+              <a:t>&lt;</a:t>
+            </a:r>
+            <a:r>
+              <a:rPr lang="en-US" b="1" dirty="0" err="1">
+                <a:solidFill>
+                  <a:schemeClr val="accent1">
+                    <a:lumMod val="75000"/>
+                  </a:schemeClr>
+                </a:solidFill>
+              </a:rPr>
+              <a:t>OldDueDate</a:t>
+            </a:r>
+            <a:r>
+              <a:rPr lang="en-US" b="1" dirty="0" smtClean="0">
+                <a:solidFill>
+                  <a:schemeClr val="accent1">
+                    <a:lumMod val="75000"/>
+                  </a:schemeClr>
+                </a:solidFill>
+              </a:rPr>
+              <a:t>&gt;</a:t>
+            </a:r>
+            <a:r>
+              <a:rPr lang="en-US" dirty="0" smtClean="0"/>
+              <a:t>.</a:t>
+            </a:r>
+            <a:endParaRPr lang="en-US" dirty="0"/>
+          </a:p>
+          <a:p>
+            <a:r>
+              <a:rPr lang="en-US" dirty="0"/>
+              <a:t>Press </a:t>
+            </a:r>
+            <a:r>
+              <a:rPr lang="en-US" b="1" dirty="0"/>
+              <a:t>"New"</a:t>
+            </a:r>
+            <a:r>
+              <a:rPr lang="en-US" dirty="0"/>
+              <a:t> button.</a:t>
             </a:r>
           </a:p>
           <a:p>
@@ -3486,16 +3614,61 @@
           </a:p>
           <a:p>
             <a:r>
+              <a:rPr lang="en-US" b="1" dirty="0" smtClean="0"/>
+              <a:t>Test-Phase:</a:t>
+            </a:r>
+            <a:r>
+              <a:rPr lang="en-US" dirty="0" smtClean="0"/>
+              <a:t> </a:t>
+            </a:r>
+            <a:r>
+              <a:rPr lang="en-US" dirty="0"/>
+              <a:t>Act</a:t>
+            </a:r>
+          </a:p>
+          <a:p>
+            <a:r>
+              <a:rPr lang="en-US" dirty="0" smtClean="0"/>
+              <a:t>Increase the value in field "</a:t>
+            </a:r>
+            <a:r>
+              <a:rPr lang="en-US" b="1" dirty="0" smtClean="0"/>
+              <a:t>Due </a:t>
+            </a:r>
+            <a:r>
               <a:rPr lang="en-US" b="1" dirty="0"/>
-              <a:t>Scenario: </a:t>
+              <a:t>Date</a:t>
             </a:r>
             <a:r>
               <a:rPr lang="en-US" dirty="0"/>
-              <a:t>Create new </a:t>
+              <a:t>" </a:t>
             </a:r>
             <a:r>
               <a:rPr lang="en-US" dirty="0" smtClean="0"/>
-              <a:t>order</a:t>
+              <a:t>by "</a:t>
+            </a:r>
+            <a:r>
+              <a:rPr lang="en-US" b="1" dirty="0" smtClean="0"/>
+              <a:t>7</a:t>
+            </a:r>
+            <a:r>
+              <a:rPr lang="en-US" dirty="0"/>
+              <a:t>" </a:t>
+            </a:r>
+            <a:r>
+              <a:rPr lang="en-US" dirty="0" smtClean="0"/>
+              <a:t>days.</a:t>
+            </a:r>
+            <a:endParaRPr lang="en-US" dirty="0"/>
+          </a:p>
+          <a:p>
+            <a:r>
+              <a:rPr lang="en-US" dirty="0" smtClean="0"/>
+              <a:t>Press </a:t>
+            </a:r>
+            <a:r>
+              <a:rPr lang="en-US" dirty="0"/>
+              <a:t>"Save" button.</a:t>
             </a:r>
           </a:p>
           <a:p>
@@ -3503,89 +3676,104 @@
           </a:p>
           <a:p>
             <a:r>
-              <a:rPr lang="en-US" b="1" dirty="0"/>
-              <a:t>Given</a:t>
-            </a:r>
-            <a:r>
-              <a:rPr lang="en-US" dirty="0"/>
-              <a:t> the </a:t>
+              <a:rPr lang="en-US" b="1" dirty="0" smtClean="0"/>
+              <a:t>Test-Phase:</a:t>
             </a:r>
             <a:r>
               <a:rPr lang="en-US" dirty="0" smtClean="0"/>
-              <a:t>page </a:t>
-            </a:r>
-            <a:r>
-              <a:rPr lang="en-US" i="1" dirty="0" smtClean="0"/>
-              <a:t>Order </a:t>
-            </a:r>
-            <a:r>
-              <a:rPr lang="en-US" i="1" dirty="0" smtClean="0"/>
-              <a:t>M</a:t>
-            </a:r>
-            <a:r>
-              <a:rPr lang="en-US" i="1" dirty="0" smtClean="0"/>
-              <a:t>anagement</a:t>
-            </a:r>
-            <a:r>
-              <a:rPr lang="en-US" dirty="0" smtClean="0"/>
-              <a:t> </a:t>
-            </a:r>
-            <a:r>
-              <a:rPr lang="en-US" dirty="0"/>
-              <a:t>is </a:t>
-            </a:r>
-            <a:r>
-              <a:rPr lang="en-US" dirty="0" smtClean="0"/>
-              <a:t>visible</a:t>
+              <a:t> Assert</a:t>
             </a:r>
             <a:endParaRPr lang="en-US" dirty="0"/>
           </a:p>
           <a:p>
-            <a:endParaRPr lang="en-US" b="1" dirty="0" smtClean="0"/>
+            <a:r>
+              <a:rPr lang="en-US" dirty="0"/>
+              <a:t>The value of "</a:t>
+            </a:r>
+            <a:r>
+              <a:rPr lang="en-US" b="1" dirty="0"/>
+              <a:t>Due Date</a:t>
+            </a:r>
+            <a:r>
+              <a:rPr lang="en-US" dirty="0"/>
+              <a:t>" in the most recently created or modified order is stored as &lt;</a:t>
+            </a:r>
+            <a:r>
+              <a:rPr lang="en-US" b="1" dirty="0" err="1">
+                <a:solidFill>
+                  <a:schemeClr val="accent1">
+                    <a:lumMod val="75000"/>
+                  </a:schemeClr>
+                </a:solidFill>
+              </a:rPr>
+              <a:t>NewDueDate</a:t>
+            </a:r>
+            <a:r>
+              <a:rPr lang="en-US" dirty="0" smtClean="0"/>
+              <a:t>&gt;.</a:t>
+            </a:r>
+            <a:endParaRPr lang="en-US" dirty="0"/>
           </a:p>
           <a:p>
             <a:r>
-              <a:rPr lang="en-US" b="1" dirty="0" smtClean="0"/>
-              <a:t>When</a:t>
-            </a:r>
-            <a:r>
-              <a:rPr lang="en-US" dirty="0" smtClean="0"/>
-              <a:t> </a:t>
-            </a:r>
-            <a:r>
               <a:rPr lang="en-US" dirty="0"/>
-              <a:t>a new order is created</a:t>
-            </a:r>
-          </a:p>
-          <a:p>
-            <a:endParaRPr lang="en-US" b="1" dirty="0" smtClean="0"/>
-          </a:p>
-          <a:p>
-            <a:r>
-              <a:rPr lang="en-US" b="1" dirty="0" smtClean="0"/>
-              <a:t>Then</a:t>
-            </a:r>
-            <a:r>
-              <a:rPr lang="en-US" dirty="0" smtClean="0"/>
-              <a:t> </a:t>
+              <a:t>Do the date values of </a:t>
+            </a:r>
+            <a:r>
+              <a:rPr lang="en-US" dirty="0">
+                <a:solidFill>
+                  <a:schemeClr val="accent1">
+                    <a:lumMod val="75000"/>
+                  </a:schemeClr>
+                </a:solidFill>
+              </a:rPr>
+              <a:t>'</a:t>
+            </a:r>
+            <a:r>
+              <a:rPr lang="en-US" dirty="0" err="1">
+                <a:solidFill>
+                  <a:schemeClr val="accent1">
+                    <a:lumMod val="75000"/>
+                  </a:schemeClr>
+                </a:solidFill>
+              </a:rPr>
+              <a:t>NewDueDate</a:t>
             </a:r>
             <a:r>
               <a:rPr lang="en-US" dirty="0"/>
-              <a:t>the overview table contains </a:t>
-            </a:r>
-            <a:r>
-              <a:rPr lang="en-US" dirty="0" smtClean="0"/>
-              <a:t>a new entry</a:t>
-            </a:r>
-          </a:p>
-          <a:p>
-            <a:r>
-              <a:rPr lang="en-US" b="1" dirty="0" smtClean="0"/>
-              <a:t>And</a:t>
-            </a:r>
-            <a:r>
-              <a:rPr lang="en-US" dirty="0" smtClean="0"/>
-              <a:t> the creation date of the new order is today.</a:t>
+              <a:t>' and </a:t>
+            </a:r>
+            <a:r>
+              <a:rPr lang="en-US" dirty="0">
+                <a:solidFill>
+                  <a:schemeClr val="accent1">
+                    <a:lumMod val="75000"/>
+                  </a:schemeClr>
+                </a:solidFill>
+              </a:rPr>
+              <a:t>'</a:t>
+            </a:r>
+            <a:r>
+              <a:rPr lang="en-US" dirty="0" err="1">
+                <a:solidFill>
+                  <a:schemeClr val="accent1">
+                    <a:lumMod val="75000"/>
+                  </a:schemeClr>
+                </a:solidFill>
+              </a:rPr>
+              <a:t>NewDueDate</a:t>
+            </a:r>
+            <a:r>
+              <a:rPr lang="en-US" dirty="0"/>
+              <a:t>' differ by "</a:t>
+            </a:r>
+            <a:r>
+              <a:rPr lang="en-US" b="1" dirty="0"/>
+              <a:t>7</a:t>
+            </a:r>
+            <a:r>
+              <a:rPr lang="en-US" dirty="0"/>
+              <a:t>" days?</a:t>
             </a:r>
             <a:endParaRPr lang="de-DE" dirty="0"/>
           </a:p>
@@ -3594,7 +3782,7 @@
     </p:spTree>
     <p:extLst>
       <p:ext uri="{BB962C8B-B14F-4D97-AF65-F5344CB8AC3E}">
-        <p14:creationId xmlns:p14="http://schemas.microsoft.com/office/powerpoint/2010/main" val="2252298577"/>
+        <p14:creationId xmlns:p14="http://schemas.microsoft.com/office/powerpoint/2010/main" val="854785966"/>
       </p:ext>
     </p:extLst>
   </p:cSld>
@@ -17139,14 +17327,14 @@
       </p:grpSpPr>
       <p:sp>
         <p:nvSpPr>
-          <p:cNvPr id="2" name="Textfeld 1"/>
+          <p:cNvPr id="4" name="Textfeld 3"/>
           <p:cNvSpPr txBox="1"/>
           <p:nvPr/>
         </p:nvSpPr>
         <p:spPr>
           <a:xfrm>
-            <a:off x="566928" y="1112520"/>
-            <a:ext cx="9701784" cy="5078313"/>
+            <a:off x="338328" y="274320"/>
+            <a:ext cx="8695944" cy="3416320"/>
           </a:xfrm>
           <a:prstGeom prst="rect">
             <a:avLst/>
@@ -17162,144 +17350,29 @@
           <a:lstStyle/>
           <a:p>
             <a:r>
-              <a:rPr lang="en-US" b="1" dirty="0" err="1" smtClean="0"/>
-              <a:t>Behaviour</a:t>
-            </a:r>
-            <a:r>
-              <a:rPr lang="en-US" dirty="0" smtClean="0"/>
-              <a:t>: </a:t>
+              <a:rPr lang="en-US" b="1" dirty="0"/>
+              <a:t>Feature:</a:t>
             </a:r>
             <a:r>
               <a:rPr lang="en-US" dirty="0"/>
-              <a:t>Order </a:t>
-            </a:r>
-            <a:r>
-              <a:rPr lang="en-US" dirty="0" smtClean="0"/>
-              <a:t>Management</a:t>
+              <a:t> Managing orders</a:t>
             </a:r>
           </a:p>
           <a:p>
             <a:r>
               <a:rPr lang="en-US" dirty="0"/>
-              <a:t>The order management view allows to create new orders and to modify or cancel them.</a:t>
-            </a:r>
-          </a:p>
-          <a:p>
-            <a:r>
-              <a:rPr lang="en-US" dirty="0"/>
-              <a:t>User story: As a customer, I wish to create an order in order to start a business process.</a:t>
-            </a:r>
-          </a:p>
-          <a:p>
-            <a:endParaRPr lang="en-US" b="1" dirty="0"/>
-          </a:p>
-          <a:p>
-            <a:r>
-              <a:rPr lang="en-US" b="1" dirty="0" smtClean="0"/>
-              <a:t>XXID</a:t>
+              <a:t>The order management view allows to create new orders and to modify or cancel them</a:t>
             </a:r>
             <a:r>
               <a:rPr lang="en-US" dirty="0" smtClean="0"/>
-              <a:t>: </a:t>
-            </a:r>
-            <a:r>
-              <a:rPr lang="en-US" dirty="0"/>
-              <a:t>Modify existing order</a:t>
-            </a:r>
-          </a:p>
-          <a:p>
-            <a:r>
-              <a:rPr lang="en-US" dirty="0"/>
-              <a:t>    </a:t>
-            </a:r>
-          </a:p>
-          <a:p>
-            <a:r>
-              <a:rPr lang="en-US" b="1" dirty="0" smtClean="0"/>
-              <a:t>Test-Phase:</a:t>
-            </a:r>
-            <a:r>
-              <a:rPr lang="en-US" dirty="0" smtClean="0"/>
-              <a:t> Arrange</a:t>
+              <a:t>.</a:t>
             </a:r>
             <a:endParaRPr lang="en-US" dirty="0"/>
           </a:p>
           <a:p>
             <a:r>
               <a:rPr lang="en-US" dirty="0"/>
-              <a:t>Click main menu "</a:t>
-            </a:r>
-            <a:r>
-              <a:rPr lang="en-US" b="1" dirty="0"/>
-              <a:t>Order Management</a:t>
-            </a:r>
-            <a:r>
-              <a:rPr lang="en-US" dirty="0" smtClean="0"/>
-              <a:t>"</a:t>
-            </a:r>
-            <a:endParaRPr lang="en-US" dirty="0"/>
-          </a:p>
-          <a:p>
-            <a:r>
-              <a:rPr lang="en-US" dirty="0"/>
-              <a:t>The value of "</a:t>
-            </a:r>
-            <a:r>
-              <a:rPr lang="en-US" b="1" dirty="0"/>
-              <a:t>Due Date</a:t>
-            </a:r>
-            <a:r>
-              <a:rPr lang="en-US" dirty="0"/>
-              <a:t>" in the most recently created or modified order is stored as </a:t>
-            </a:r>
-            <a:r>
-              <a:rPr lang="en-US" b="1" dirty="0">
-                <a:solidFill>
-                  <a:schemeClr val="accent1">
-                    <a:lumMod val="75000"/>
-                  </a:schemeClr>
-                </a:solidFill>
-              </a:rPr>
-              <a:t>&lt;</a:t>
-            </a:r>
-            <a:r>
-              <a:rPr lang="en-US" b="1" dirty="0" err="1">
-                <a:solidFill>
-                  <a:schemeClr val="accent1">
-                    <a:lumMod val="75000"/>
-                  </a:schemeClr>
-                </a:solidFill>
-              </a:rPr>
-              <a:t>OldDueDate</a:t>
-            </a:r>
-            <a:r>
-              <a:rPr lang="en-US" b="1" dirty="0" smtClean="0">
-                <a:solidFill>
-                  <a:schemeClr val="accent1">
-                    <a:lumMod val="75000"/>
-                  </a:schemeClr>
-                </a:solidFill>
-              </a:rPr>
-              <a:t>&gt;</a:t>
-            </a:r>
-            <a:r>
-              <a:rPr lang="en-US" dirty="0" smtClean="0"/>
-              <a:t>.</a:t>
-            </a:r>
-            <a:endParaRPr lang="en-US" dirty="0"/>
-          </a:p>
-          <a:p>
-            <a:r>
-              <a:rPr lang="en-US" dirty="0"/>
-              <a:t>Press </a:t>
-            </a:r>
-            <a:r>
-              <a:rPr lang="en-US" b="1" dirty="0"/>
-              <a:t>"New"</a:t>
-            </a:r>
-            <a:r>
-              <a:rPr lang="en-US" dirty="0"/>
-              <a:t> button.</a:t>
+              <a:t>User story: As a customer, I wish to create an order in order to start a business process.</a:t>
             </a:r>
           </a:p>
           <a:p>
@@ -17307,61 +17380,16 @@
           </a:p>
           <a:p>
             <a:r>
-              <a:rPr lang="en-US" b="1" dirty="0" smtClean="0"/>
-              <a:t>Test-Phase:</a:t>
+              <a:rPr lang="en-US" b="1" dirty="0"/>
+              <a:t>Scenario: </a:t>
+            </a:r>
+            <a:r>
+              <a:rPr lang="en-US" dirty="0"/>
+              <a:t>Create new </a:t>
             </a:r>
             <a:r>
               <a:rPr lang="en-US" dirty="0" smtClean="0"/>
-              <a:t> </a:t>
-            </a:r>
-            <a:r>
-              <a:rPr lang="en-US" dirty="0"/>
-              <a:t>Act</a:t>
-            </a:r>
-          </a:p>
-          <a:p>
-            <a:r>
-              <a:rPr lang="en-US" dirty="0" smtClean="0"/>
-              <a:t>Increase the value in field "</a:t>
-            </a:r>
-            <a:r>
-              <a:rPr lang="en-US" b="1" dirty="0" smtClean="0"/>
-              <a:t>Due </a:t>
-            </a:r>
-            <a:r>
-              <a:rPr lang="en-US" b="1" dirty="0"/>
-              <a:t>Date</a:t>
-            </a:r>
-            <a:r>
-              <a:rPr lang="en-US" dirty="0"/>
-              <a:t>" </a:t>
-            </a:r>
-            <a:r>
-              <a:rPr lang="en-US" dirty="0" smtClean="0"/>
-              <a:t>by "</a:t>
-            </a:r>
-            <a:r>
-              <a:rPr lang="en-US" b="1" dirty="0" smtClean="0"/>
-              <a:t>7</a:t>
-            </a:r>
-            <a:r>
-              <a:rPr lang="en-US" dirty="0"/>
-              <a:t>" </a:t>
-            </a:r>
-            <a:r>
-              <a:rPr lang="en-US" dirty="0" smtClean="0"/>
-              <a:t>days.</a:t>
-            </a:r>
-            <a:endParaRPr lang="en-US" dirty="0"/>
-          </a:p>
-          <a:p>
-            <a:r>
-              <a:rPr lang="en-US" dirty="0" smtClean="0"/>
-              <a:t>Press </a:t>
-            </a:r>
-            <a:r>
-              <a:rPr lang="en-US" dirty="0"/>
-              <a:t>"Save" button.</a:t>
+              <a:t>order</a:t>
             </a:r>
           </a:p>
           <a:p>
@@ -17369,104 +17397,81 @@
           </a:p>
           <a:p>
             <a:r>
-              <a:rPr lang="en-US" b="1" dirty="0" smtClean="0"/>
-              <a:t>Test-Phase:</a:t>
+              <a:rPr lang="en-US" b="1" dirty="0"/>
+              <a:t>Given</a:t>
+            </a:r>
+            <a:r>
+              <a:rPr lang="en-US" dirty="0"/>
+              <a:t> the </a:t>
             </a:r>
             <a:r>
               <a:rPr lang="en-US" dirty="0" smtClean="0"/>
-              <a:t> Assert</a:t>
+              <a:t>page </a:t>
+            </a:r>
+            <a:r>
+              <a:rPr lang="en-US" i="1" dirty="0" smtClean="0"/>
+              <a:t>Order Management</a:t>
+            </a:r>
+            <a:r>
+              <a:rPr lang="en-US" dirty="0" smtClean="0"/>
+              <a:t> </a:t>
+            </a:r>
+            <a:r>
+              <a:rPr lang="en-US" dirty="0"/>
+              <a:t>is </a:t>
+            </a:r>
+            <a:r>
+              <a:rPr lang="en-US" dirty="0" smtClean="0"/>
+              <a:t>visible</a:t>
             </a:r>
             <a:endParaRPr lang="en-US" dirty="0"/>
           </a:p>
           <a:p>
-            <a:r>
-              <a:rPr lang="en-US" dirty="0"/>
-              <a:t>The value of "</a:t>
-            </a:r>
-            <a:r>
-              <a:rPr lang="en-US" b="1" dirty="0"/>
-              <a:t>Due Date</a:t>
-            </a:r>
-            <a:r>
-              <a:rPr lang="en-US" dirty="0"/>
-              <a:t>" in the most recently created or modified order is stored as &lt;</a:t>
-            </a:r>
-            <a:r>
-              <a:rPr lang="en-US" b="1" dirty="0" err="1">
-                <a:solidFill>
-                  <a:schemeClr val="accent1">
-                    <a:lumMod val="75000"/>
-                  </a:schemeClr>
-                </a:solidFill>
-              </a:rPr>
-              <a:t>NewDueDate</a:t>
-            </a:r>
-            <a:r>
-              <a:rPr lang="en-US" dirty="0" smtClean="0"/>
-              <a:t>&gt;.</a:t>
-            </a:r>
-            <a:endParaRPr lang="en-US" dirty="0"/>
+            <a:endParaRPr lang="en-US" b="1" dirty="0" smtClean="0"/>
           </a:p>
           <a:p>
             <a:r>
+              <a:rPr lang="en-US" b="1" dirty="0" smtClean="0"/>
+              <a:t>When</a:t>
+            </a:r>
+            <a:r>
+              <a:rPr lang="en-US" dirty="0" smtClean="0"/>
+              <a:t> </a:t>
+            </a:r>
+            <a:r>
               <a:rPr lang="en-US" dirty="0"/>
-              <a:t>Do the date values of </a:t>
-            </a:r>
-            <a:r>
-              <a:rPr lang="en-US" dirty="0">
-                <a:solidFill>
-                  <a:schemeClr val="accent1">
-                    <a:lumMod val="75000"/>
-                  </a:schemeClr>
-                </a:solidFill>
-              </a:rPr>
-              <a:t>'</a:t>
-            </a:r>
-            <a:r>
-              <a:rPr lang="en-US" dirty="0" err="1">
-                <a:solidFill>
-                  <a:schemeClr val="accent1">
-                    <a:lumMod val="75000"/>
-                  </a:schemeClr>
-                </a:solidFill>
-              </a:rPr>
-              <a:t>NewDueDate</a:t>
+              <a:t>a new order is created</a:t>
+            </a:r>
+          </a:p>
+          <a:p>
+            <a:endParaRPr lang="en-US" b="1" dirty="0" smtClean="0"/>
+          </a:p>
+          <a:p>
+            <a:r>
+              <a:rPr lang="en-US" b="1" dirty="0" smtClean="0"/>
+              <a:t>Then</a:t>
+            </a:r>
+            <a:r>
+              <a:rPr lang="en-US" dirty="0" smtClean="0"/>
+              <a:t> </a:t>
             </a:r>
             <a:r>
               <a:rPr lang="en-US" dirty="0"/>
-              <a:t>' and </a:t>
-            </a:r>
-            <a:r>
-              <a:rPr lang="en-US" dirty="0">
-                <a:solidFill>
-                  <a:schemeClr val="accent1">
-                    <a:lumMod val="75000"/>
-                  </a:schemeClr>
-                </a:solidFill>
-              </a:rPr>
-              <a:t>'</a:t>
-            </a:r>
-            <a:r>
-              <a:rPr lang="en-US" dirty="0" err="1">
-                <a:solidFill>
-                  <a:schemeClr val="accent1">
-                    <a:lumMod val="75000"/>
-                  </a:schemeClr>
-                </a:solidFill>
-              </a:rPr>
-              <a:t>NewDueDate</a:t>
-            </a:r>
-            <a:r>
-              <a:rPr lang="en-US" dirty="0"/>
-              <a:t>' differ by "</a:t>
-            </a:r>
-            <a:r>
-              <a:rPr lang="en-US" b="1" dirty="0"/>
-              <a:t>7</a:t>
-            </a:r>
-            <a:r>
-              <a:rPr lang="en-US" dirty="0"/>
-              <a:t>" days?</a:t>
+              <a:t>the overview table contains </a:t>
+            </a:r>
+            <a:r>
+              <a:rPr lang="en-US" dirty="0" smtClean="0"/>
+              <a:t>a new entry</a:t>
+            </a:r>
+          </a:p>
+          <a:p>
+            <a:r>
+              <a:rPr lang="en-US" b="1" dirty="0" smtClean="0"/>
+              <a:t>And</a:t>
+            </a:r>
+            <a:r>
+              <a:rPr lang="en-US" dirty="0" smtClean="0"/>
+              <a:t> the creation date of the new order is today.</a:t>
             </a:r>
             <a:endParaRPr lang="de-DE" dirty="0"/>
           </a:p>
@@ -17475,7 +17480,7 @@
     </p:spTree>
     <p:extLst>
       <p:ext uri="{BB962C8B-B14F-4D97-AF65-F5344CB8AC3E}">
-        <p14:creationId xmlns:p14="http://schemas.microsoft.com/office/powerpoint/2010/main" val="854785966"/>
+        <p14:creationId xmlns:p14="http://schemas.microsoft.com/office/powerpoint/2010/main" val="2252298577"/>
       </p:ext>
     </p:extLst>
   </p:cSld>

--- a/documentation/Figures.pptx
+++ b/documentation/Figures.pptx
@@ -12523,8 +12523,8 @@
         </p:nvSpPr>
         <p:spPr>
           <a:xfrm>
-            <a:off x="588253" y="3066916"/>
-            <a:ext cx="1595309" cy="1015663"/>
+            <a:off x="466042" y="3066916"/>
+            <a:ext cx="1839734" cy="707886"/>
           </a:xfrm>
           <a:prstGeom prst="rect">
             <a:avLst/>
@@ -12542,20 +12542,17 @@
               <a:rPr lang="de-DE" sz="2000" b="1" dirty="0" err="1" smtClean="0"/>
               <a:t>Actual</a:t>
             </a:r>
+            <a:r>
+              <a:rPr lang="de-DE" sz="2000" b="1" dirty="0" smtClean="0"/>
+              <a:t> System </a:t>
+            </a:r>
             <a:endParaRPr lang="de-DE" sz="2000" b="1" dirty="0" smtClean="0"/>
           </a:p>
           <a:p>
             <a:pPr algn="ctr"/>
             <a:r>
-              <a:rPr lang="de-DE" sz="2000" b="1" dirty="0" smtClean="0"/>
-              <a:t>System </a:t>
-            </a:r>
-          </a:p>
-          <a:p>
-            <a:pPr algn="ctr"/>
-            <a:r>
-              <a:rPr lang="de-DE" sz="2000" b="1" dirty="0" smtClean="0"/>
-              <a:t>Description</a:t>
+              <a:rPr lang="de-DE" sz="2000" b="1" dirty="0" err="1" smtClean="0"/>
+              <a:t>Documentation</a:t>
             </a:r>
             <a:endParaRPr lang="de-DE" sz="2000" b="1" dirty="0"/>
           </a:p>
@@ -12616,7 +12613,7 @@
         <p:spPr bwMode="auto">
           <a:xfrm>
             <a:off x="267811" y="1245889"/>
-            <a:ext cx="2106273" cy="694064"/>
+            <a:ext cx="2194882" cy="694064"/>
           </a:xfrm>
           <a:prstGeom prst="wedgeRectCallout">
             <a:avLst>
@@ -12765,9 +12762,37 @@
               <a:tabLst/>
             </a:pPr>
             <a:r>
-              <a:rPr lang="de-DE" smtClean="0"/>
-              <a:t>System Docs, Tests and</a:t>
-            </a:r>
+              <a:rPr lang="de-DE" sz="1400" dirty="0" err="1" smtClean="0">
+                <a:latin typeface="Arial" charset="0"/>
+                <a:cs typeface="Arial" charset="0"/>
+              </a:rPr>
+              <a:t>Documentation</a:t>
+            </a:r>
+            <a:r>
+              <a:rPr lang="de-DE" sz="1400" dirty="0" smtClean="0">
+                <a:latin typeface="Arial" charset="0"/>
+                <a:cs typeface="Arial" charset="0"/>
+              </a:rPr>
+              <a:t>, </a:t>
+            </a:r>
+            <a:r>
+              <a:rPr lang="de-DE" sz="1400" dirty="0">
+                <a:latin typeface="Arial" charset="0"/>
+                <a:cs typeface="Arial" charset="0"/>
+              </a:rPr>
+              <a:t>Tests </a:t>
+            </a:r>
+            <a:r>
+              <a:rPr lang="de-DE" sz="1400" dirty="0" err="1">
+                <a:latin typeface="Arial" charset="0"/>
+                <a:cs typeface="Arial" charset="0"/>
+              </a:rPr>
+              <a:t>and</a:t>
+            </a:r>
+            <a:endParaRPr lang="de-DE" sz="1400" dirty="0">
+              <a:latin typeface="Arial" charset="0"/>
+              <a:cs typeface="Arial" charset="0"/>
+            </a:endParaRPr>
           </a:p>
           <a:p>
             <a:pPr marL="0" marR="0" indent="0" algn="l" defTabSz="914400" rtl="0" eaLnBrk="1" fontAlgn="base" latinLnBrk="0" hangingPunct="1">
@@ -12787,7 +12812,7 @@
               <a:tabLst/>
             </a:pPr>
             <a:r>
-              <a:rPr kumimoji="0" lang="de-DE" sz="1400" b="0" i="0" u="none" strike="noStrike" cap="none" normalizeH="0" baseline="0" smtClean="0">
+              <a:rPr kumimoji="0" lang="de-DE" sz="1400" b="0" i="0" u="none" strike="noStrike" cap="none" normalizeH="0" baseline="0" dirty="0" smtClean="0">
                 <a:ln>
                   <a:noFill/>
                 </a:ln>
@@ -12798,7 +12823,21 @@
                 <a:latin typeface="Arial" charset="0"/>
                 <a:cs typeface="Arial" charset="0"/>
               </a:rPr>
-              <a:t>System behaviour</a:t>
+              <a:t>System </a:t>
+            </a:r>
+            <a:r>
+              <a:rPr kumimoji="0" lang="de-DE" sz="1400" b="0" i="0" u="none" strike="noStrike" cap="none" normalizeH="0" baseline="0" dirty="0" err="1" smtClean="0">
+                <a:ln>
+                  <a:noFill/>
+                </a:ln>
+                <a:solidFill>
+                  <a:schemeClr val="tx1"/>
+                </a:solidFill>
+                <a:effectLst/>
+                <a:latin typeface="Arial" charset="0"/>
+                <a:cs typeface="Arial" charset="0"/>
+              </a:rPr>
+              <a:t>behaviour</a:t>
             </a:r>
             <a:endParaRPr kumimoji="0" lang="de-DE" sz="1400" b="0" i="0" u="none" strike="noStrike" cap="none" normalizeH="0" baseline="0" dirty="0" smtClean="0">
               <a:ln>
@@ -12958,11 +12997,17 @@
               <a:tabLst/>
             </a:pPr>
             <a:r>
-              <a:rPr lang="de-DE" dirty="0" smtClean="0"/>
+              <a:rPr lang="de-DE" sz="1400" dirty="0">
+                <a:latin typeface="Arial" charset="0"/>
+                <a:cs typeface="Arial" charset="0"/>
+              </a:rPr>
               <a:t>Domain </a:t>
             </a:r>
             <a:r>
-              <a:rPr lang="de-DE" dirty="0" err="1" smtClean="0"/>
+              <a:rPr lang="de-DE" sz="1400" dirty="0" err="1">
+                <a:latin typeface="Arial" charset="0"/>
+                <a:cs typeface="Arial" charset="0"/>
+              </a:rPr>
               <a:t>Experts</a:t>
             </a:r>
             <a:r>
@@ -13042,7 +13087,7 @@
               <a:tabLst/>
             </a:pPr>
             <a:r>
-              <a:rPr kumimoji="0" lang="de-DE" sz="1400" b="0" i="0" u="none" strike="noStrike" cap="none" normalizeH="0" baseline="0" dirty="0" smtClean="0">
+              <a:rPr kumimoji="0" lang="de-DE" sz="1400" b="0" i="0" u="none" strike="noStrike" cap="none" normalizeH="0" baseline="0" dirty="0" err="1" smtClean="0">
                 <a:ln>
                   <a:noFill/>
                 </a:ln>
@@ -13053,7 +13098,7 @@
                 <a:latin typeface="Arial" charset="0"/>
                 <a:cs typeface="Arial" charset="0"/>
               </a:rPr>
-              <a:t>System</a:t>
+              <a:t>Documentation</a:t>
             </a:r>
             <a:r>
               <a:rPr kumimoji="0" lang="de-DE" sz="1400" b="0" i="0" u="none" strike="noStrike" cap="none" normalizeH="0" dirty="0" smtClean="0">
@@ -13070,20 +13115,6 @@
               <a:t> </a:t>
             </a:r>
             <a:r>
-              <a:rPr kumimoji="0" lang="de-DE" sz="1400" b="0" i="0" u="none" strike="noStrike" cap="none" normalizeH="0" dirty="0" err="1" smtClean="0">
-                <a:ln>
-                  <a:noFill/>
-                </a:ln>
-                <a:solidFill>
-                  <a:schemeClr val="tx1"/>
-                </a:solidFill>
-                <a:effectLst/>
-                <a:latin typeface="Arial" charset="0"/>
-                <a:cs typeface="Arial" charset="0"/>
-              </a:rPr>
-              <a:t>Docs</a:t>
-            </a:r>
-            <a:r>
               <a:rPr kumimoji="0" lang="de-DE" sz="1400" b="0" i="0" u="none" strike="noStrike" cap="none" normalizeH="0" dirty="0" smtClean="0">
                 <a:ln>
                   <a:noFill/>
@@ -13095,7 +13126,7 @@
                 <a:latin typeface="Arial" charset="0"/>
                 <a:cs typeface="Arial" charset="0"/>
               </a:rPr>
-              <a:t> / </a:t>
+              <a:t>/ </a:t>
             </a:r>
             <a:r>
               <a:rPr kumimoji="0" lang="de-DE" sz="1400" b="0" i="0" u="none" strike="noStrike" cap="none" normalizeH="0" dirty="0" err="1" smtClean="0">
@@ -13141,48 +13172,61 @@
               <a:tabLst/>
             </a:pPr>
             <a:r>
-              <a:rPr lang="de-DE" baseline="0" dirty="0" err="1" smtClean="0"/>
+              <a:rPr lang="de-DE" sz="1400" dirty="0" err="1">
+                <a:latin typeface="Arial" charset="0"/>
+                <a:cs typeface="Arial" charset="0"/>
+              </a:rPr>
               <a:t>always</a:t>
             </a:r>
             <a:r>
-              <a:rPr lang="de-DE" dirty="0" smtClean="0"/>
+              <a:rPr lang="de-DE" sz="1400" dirty="0">
+                <a:latin typeface="Arial" charset="0"/>
+                <a:cs typeface="Arial" charset="0"/>
+              </a:rPr>
               <a:t> </a:t>
             </a:r>
             <a:r>
-              <a:rPr lang="de-DE" dirty="0" err="1" smtClean="0"/>
+              <a:rPr lang="de-DE" sz="1400" dirty="0" err="1">
+                <a:latin typeface="Arial" charset="0"/>
+                <a:cs typeface="Arial" charset="0"/>
+              </a:rPr>
               <a:t>up</a:t>
             </a:r>
             <a:r>
-              <a:rPr lang="de-DE" dirty="0" smtClean="0"/>
+              <a:rPr lang="de-DE" sz="1400" dirty="0">
+                <a:latin typeface="Arial" charset="0"/>
+                <a:cs typeface="Arial" charset="0"/>
+              </a:rPr>
               <a:t> </a:t>
             </a:r>
             <a:r>
-              <a:rPr lang="de-DE" dirty="0" err="1" smtClean="0"/>
+              <a:rPr lang="de-DE" sz="1400" dirty="0" err="1">
+                <a:latin typeface="Arial" charset="0"/>
+                <a:cs typeface="Arial" charset="0"/>
+              </a:rPr>
               <a:t>to</a:t>
             </a:r>
             <a:r>
-              <a:rPr lang="de-DE" dirty="0" smtClean="0"/>
+              <a:rPr lang="de-DE" sz="1400" dirty="0">
+                <a:latin typeface="Arial" charset="0"/>
+                <a:cs typeface="Arial" charset="0"/>
+              </a:rPr>
               <a:t> </a:t>
             </a:r>
             <a:r>
-              <a:rPr lang="de-DE" dirty="0" err="1" smtClean="0"/>
+              <a:rPr lang="de-DE" sz="1400" dirty="0" err="1">
+                <a:latin typeface="Arial" charset="0"/>
+                <a:cs typeface="Arial" charset="0"/>
+              </a:rPr>
               <a:t>date</a:t>
             </a:r>
             <a:r>
-              <a:rPr lang="de-DE" dirty="0" smtClean="0"/>
+              <a:rPr lang="de-DE" sz="1400" dirty="0">
+                <a:latin typeface="Arial" charset="0"/>
+                <a:cs typeface="Arial" charset="0"/>
+              </a:rPr>
               <a:t>.</a:t>
             </a:r>
-            <a:endParaRPr kumimoji="0" lang="de-DE" sz="1400" b="0" i="0" u="none" strike="noStrike" cap="none" normalizeH="0" baseline="0" dirty="0" smtClean="0">
-              <a:ln>
-                <a:noFill/>
-              </a:ln>
-              <a:solidFill>
-                <a:schemeClr val="tx1"/>
-              </a:solidFill>
-              <a:effectLst/>
-              <a:latin typeface="Arial" charset="0"/>
-              <a:cs typeface="Arial" charset="0"/>
-            </a:endParaRPr>
           </a:p>
         </p:txBody>
       </p:sp>

--- a/documentation/Figures.pptx
+++ b/documentation/Figures.pptx
@@ -5,7 +5,7 @@
     <p:sldMasterId id="2147483648" r:id="rId1"/>
   </p:sldMasterIdLst>
   <p:notesMasterIdLst>
-    <p:notesMasterId r:id="rId20"/>
+    <p:notesMasterId r:id="rId25"/>
   </p:notesMasterIdLst>
   <p:sldIdLst>
     <p:sldId id="283" r:id="rId2"/>
@@ -26,6 +26,11 @@
     <p:sldId id="279" r:id="rId17"/>
     <p:sldId id="280" r:id="rId18"/>
     <p:sldId id="281" r:id="rId19"/>
+    <p:sldId id="284" r:id="rId20"/>
+    <p:sldId id="287" r:id="rId21"/>
+    <p:sldId id="288" r:id="rId22"/>
+    <p:sldId id="285" r:id="rId23"/>
+    <p:sldId id="286" r:id="rId24"/>
   </p:sldIdLst>
   <p:sldSz cx="12192000" cy="6858000"/>
   <p:notesSz cx="6858000" cy="9144000"/>
@@ -214,7 +219,7 @@
           <a:p>
             <a:fld id="{6F0CB9C3-760B-411B-91A2-B4F0AEC3563C}" type="datetimeFigureOut">
               <a:rPr lang="de-DE" smtClean="0"/>
-              <a:t>07.02.2019</a:t>
+              <a:t>04.07.2019</a:t>
             </a:fld>
             <a:endParaRPr lang="de-DE"/>
           </a:p>
@@ -705,7 +710,7 @@
           <a:p>
             <a:fld id="{741DBE4D-3915-4D34-B181-3D444D071C49}" type="datetimeFigureOut">
               <a:rPr lang="de-DE" smtClean="0"/>
-              <a:t>07.02.2019</a:t>
+              <a:t>04.07.2019</a:t>
             </a:fld>
             <a:endParaRPr lang="de-DE"/>
           </a:p>
@@ -875,7 +880,7 @@
           <a:p>
             <a:fld id="{741DBE4D-3915-4D34-B181-3D444D071C49}" type="datetimeFigureOut">
               <a:rPr lang="de-DE" smtClean="0"/>
-              <a:t>07.02.2019</a:t>
+              <a:t>04.07.2019</a:t>
             </a:fld>
             <a:endParaRPr lang="de-DE"/>
           </a:p>
@@ -1055,7 +1060,7 @@
           <a:p>
             <a:fld id="{741DBE4D-3915-4D34-B181-3D444D071C49}" type="datetimeFigureOut">
               <a:rPr lang="de-DE" smtClean="0"/>
-              <a:t>07.02.2019</a:t>
+              <a:t>04.07.2019</a:t>
             </a:fld>
             <a:endParaRPr lang="de-DE"/>
           </a:p>
@@ -1225,7 +1230,7 @@
           <a:p>
             <a:fld id="{741DBE4D-3915-4D34-B181-3D444D071C49}" type="datetimeFigureOut">
               <a:rPr lang="de-DE" smtClean="0"/>
-              <a:t>07.02.2019</a:t>
+              <a:t>04.07.2019</a:t>
             </a:fld>
             <a:endParaRPr lang="de-DE"/>
           </a:p>
@@ -1471,7 +1476,7 @@
           <a:p>
             <a:fld id="{741DBE4D-3915-4D34-B181-3D444D071C49}" type="datetimeFigureOut">
               <a:rPr lang="de-DE" smtClean="0"/>
-              <a:t>07.02.2019</a:t>
+              <a:t>04.07.2019</a:t>
             </a:fld>
             <a:endParaRPr lang="de-DE"/>
           </a:p>
@@ -1703,7 +1708,7 @@
           <a:p>
             <a:fld id="{741DBE4D-3915-4D34-B181-3D444D071C49}" type="datetimeFigureOut">
               <a:rPr lang="de-DE" smtClean="0"/>
-              <a:t>07.02.2019</a:t>
+              <a:t>04.07.2019</a:t>
             </a:fld>
             <a:endParaRPr lang="de-DE"/>
           </a:p>
@@ -2070,7 +2075,7 @@
           <a:p>
             <a:fld id="{741DBE4D-3915-4D34-B181-3D444D071C49}" type="datetimeFigureOut">
               <a:rPr lang="de-DE" smtClean="0"/>
-              <a:t>07.02.2019</a:t>
+              <a:t>04.07.2019</a:t>
             </a:fld>
             <a:endParaRPr lang="de-DE"/>
           </a:p>
@@ -2188,7 +2193,7 @@
           <a:p>
             <a:fld id="{741DBE4D-3915-4D34-B181-3D444D071C49}" type="datetimeFigureOut">
               <a:rPr lang="de-DE" smtClean="0"/>
-              <a:t>07.02.2019</a:t>
+              <a:t>04.07.2019</a:t>
             </a:fld>
             <a:endParaRPr lang="de-DE"/>
           </a:p>
@@ -2283,7 +2288,7 @@
           <a:p>
             <a:fld id="{741DBE4D-3915-4D34-B181-3D444D071C49}" type="datetimeFigureOut">
               <a:rPr lang="de-DE" smtClean="0"/>
-              <a:t>07.02.2019</a:t>
+              <a:t>04.07.2019</a:t>
             </a:fld>
             <a:endParaRPr lang="de-DE"/>
           </a:p>
@@ -2560,7 +2565,7 @@
           <a:p>
             <a:fld id="{741DBE4D-3915-4D34-B181-3D444D071C49}" type="datetimeFigureOut">
               <a:rPr lang="de-DE" smtClean="0"/>
-              <a:t>07.02.2019</a:t>
+              <a:t>04.07.2019</a:t>
             </a:fld>
             <a:endParaRPr lang="de-DE"/>
           </a:p>
@@ -2813,7 +2818,7 @@
           <a:p>
             <a:fld id="{741DBE4D-3915-4D34-B181-3D444D071C49}" type="datetimeFigureOut">
               <a:rPr lang="de-DE" smtClean="0"/>
-              <a:t>07.02.2019</a:t>
+              <a:t>04.07.2019</a:t>
             </a:fld>
             <a:endParaRPr lang="de-DE"/>
           </a:p>
@@ -3026,7 +3031,7 @@
           <a:p>
             <a:fld id="{741DBE4D-3915-4D34-B181-3D444D071C49}" type="datetimeFigureOut">
               <a:rPr lang="de-DE" smtClean="0"/>
-              <a:t>07.02.2019</a:t>
+              <a:t>04.07.2019</a:t>
             </a:fld>
             <a:endParaRPr lang="de-DE"/>
           </a:p>
@@ -4974,10 +4979,10 @@
         </p:nvGrpSpPr>
         <p:grpSpPr>
           <a:xfrm>
-            <a:off x="994789" y="2228148"/>
-            <a:ext cx="2255605" cy="1006257"/>
-            <a:chOff x="8695426" y="448574"/>
-            <a:chExt cx="2731698" cy="1621766"/>
+            <a:off x="758803" y="2228148"/>
+            <a:ext cx="2491591" cy="1006257"/>
+            <a:chOff x="8409630" y="448574"/>
+            <a:chExt cx="3017494" cy="1621766"/>
           </a:xfrm>
         </p:grpSpPr>
         <p:sp>
@@ -4988,8 +4993,8 @@
           </p:nvSpPr>
           <p:spPr>
             <a:xfrm>
-              <a:off x="8695426" y="448574"/>
-              <a:ext cx="2731698" cy="1621766"/>
+              <a:off x="8409630" y="448574"/>
+              <a:ext cx="3017494" cy="1621766"/>
             </a:xfrm>
             <a:prstGeom prst="rect">
               <a:avLst/>
@@ -5037,8 +5042,8 @@
           </p:nvSpPr>
           <p:spPr>
             <a:xfrm>
-              <a:off x="9432332" y="507355"/>
-              <a:ext cx="1980414" cy="307777"/>
+              <a:off x="8409631" y="507355"/>
+              <a:ext cx="3003115" cy="496039"/>
             </a:xfrm>
             <a:prstGeom prst="rect">
               <a:avLst/>
@@ -5053,12 +5058,12 @@
             <a:p>
               <a:pPr algn="r"/>
               <a:r>
-                <a:rPr lang="de-DE" sz="1400" dirty="0" smtClean="0"/>
+                <a:rPr lang="de-DE" sz="1400" dirty="0"/>
                 <a:t>&lt;&lt;</a:t>
               </a:r>
               <a:r>
-                <a:rPr lang="de-DE" sz="1400" dirty="0" err="1" smtClean="0"/>
-                <a:t>testcase.generation</a:t>
+                <a:rPr lang="de-DE" sz="1400" dirty="0" err="1"/>
+                <a:t>sysnat.testcase.generation</a:t>
               </a:r>
               <a:r>
                 <a:rPr lang="de-DE" sz="1400" dirty="0" smtClean="0"/>
@@ -5077,10 +5082,10 @@
         </p:nvGrpSpPr>
         <p:grpSpPr>
           <a:xfrm>
-            <a:off x="8521002" y="2228148"/>
-            <a:ext cx="2617846" cy="1006257"/>
-            <a:chOff x="8695426" y="448574"/>
-            <a:chExt cx="2731698" cy="1621766"/>
+            <a:off x="8189136" y="2228148"/>
+            <a:ext cx="2949712" cy="1006257"/>
+            <a:chOff x="8349127" y="448574"/>
+            <a:chExt cx="3077997" cy="1621766"/>
           </a:xfrm>
         </p:grpSpPr>
         <p:sp>
@@ -5091,8 +5096,8 @@
           </p:nvSpPr>
           <p:spPr>
             <a:xfrm>
-              <a:off x="8695426" y="448574"/>
-              <a:ext cx="2731698" cy="1621766"/>
+              <a:off x="8349127" y="448574"/>
+              <a:ext cx="3077997" cy="1621766"/>
             </a:xfrm>
             <a:prstGeom prst="rect">
               <a:avLst/>
@@ -5140,8 +5145,8 @@
           </p:nvSpPr>
           <p:spPr>
             <a:xfrm>
-              <a:off x="8976117" y="507355"/>
-              <a:ext cx="2436629" cy="307777"/>
+              <a:off x="8349127" y="507355"/>
+              <a:ext cx="3063619" cy="496039"/>
             </a:xfrm>
             <a:prstGeom prst="rect">
               <a:avLst/>
@@ -5156,12 +5161,12 @@
             <a:p>
               <a:pPr algn="r"/>
               <a:r>
-                <a:rPr lang="de-DE" sz="1400" dirty="0" smtClean="0"/>
+                <a:rPr lang="de-DE" sz="1400" dirty="0"/>
                 <a:t>&lt;&lt;</a:t>
               </a:r>
               <a:r>
-                <a:rPr lang="de-DE" sz="1400" dirty="0" err="1" smtClean="0"/>
-                <a:t>test.runtime.environment</a:t>
+                <a:rPr lang="de-DE" sz="1400" dirty="0" err="1"/>
+                <a:t>sysnat.test.runtime.environment</a:t>
               </a:r>
               <a:r>
                 <a:rPr lang="de-DE" sz="1400" dirty="0" smtClean="0"/>
@@ -5180,8 +5185,8 @@
         </p:nvGrpSpPr>
         <p:grpSpPr>
           <a:xfrm>
-            <a:off x="8521002" y="3749957"/>
-            <a:ext cx="2617846" cy="1006257"/>
+            <a:off x="8189136" y="3749957"/>
+            <a:ext cx="2949712" cy="1006257"/>
             <a:chOff x="8695426" y="448574"/>
             <a:chExt cx="2731698" cy="1621766"/>
           </a:xfrm>
@@ -5243,8 +5248,8 @@
           </p:nvSpPr>
           <p:spPr>
             <a:xfrm>
-              <a:off x="9467277" y="507355"/>
-              <a:ext cx="1945469" cy="307777"/>
+              <a:off x="8861649" y="507355"/>
+              <a:ext cx="2551098" cy="496039"/>
             </a:xfrm>
             <a:prstGeom prst="rect">
               <a:avLst/>
@@ -5259,12 +5264,12 @@
             <a:p>
               <a:pPr algn="r"/>
               <a:r>
-                <a:rPr lang="de-DE" sz="1400" dirty="0" smtClean="0"/>
+                <a:rPr lang="de-DE" sz="1400" dirty="0"/>
                 <a:t>&lt;&lt;</a:t>
               </a:r>
               <a:r>
-                <a:rPr lang="de-DE" sz="1400" dirty="0" err="1" smtClean="0"/>
-                <a:t>testresult.archiving</a:t>
+                <a:rPr lang="de-DE" sz="1400" dirty="0" err="1"/>
+                <a:t>sysnat.testresult.archiving</a:t>
               </a:r>
               <a:r>
                 <a:rPr lang="de-DE" sz="1400" dirty="0" smtClean="0"/>
@@ -5346,8 +5351,8 @@
           </p:nvSpPr>
           <p:spPr>
             <a:xfrm>
-              <a:off x="10226074" y="507355"/>
-              <a:ext cx="1186672" cy="307777"/>
+              <a:off x="9649431" y="507355"/>
+              <a:ext cx="1763315" cy="496039"/>
             </a:xfrm>
             <a:prstGeom prst="rect">
               <a:avLst/>
@@ -5362,12 +5367,12 @@
             <a:p>
               <a:pPr algn="r"/>
               <a:r>
-                <a:rPr lang="de-DE" sz="1400" dirty="0" smtClean="0"/>
+                <a:rPr lang="de-DE" sz="1400" dirty="0"/>
                 <a:t>&lt;&lt;</a:t>
               </a:r>
               <a:r>
-                <a:rPr lang="de-DE" sz="1400" dirty="0" err="1" smtClean="0"/>
-                <a:t>common</a:t>
+                <a:rPr lang="de-DE" sz="1400" dirty="0" err="1"/>
+                <a:t>sysnat.common</a:t>
               </a:r>
               <a:r>
                 <a:rPr lang="de-DE" sz="1400" dirty="0" smtClean="0"/>
@@ -5386,10 +5391,10 @@
         </p:nvGrpSpPr>
         <p:grpSpPr>
           <a:xfrm>
-            <a:off x="994789" y="3817195"/>
-            <a:ext cx="2255605" cy="1006257"/>
-            <a:chOff x="8695426" y="448574"/>
-            <a:chExt cx="2731698" cy="1621766"/>
+            <a:off x="758802" y="3817195"/>
+            <a:ext cx="2491591" cy="1006257"/>
+            <a:chOff x="8409630" y="448574"/>
+            <a:chExt cx="3017494" cy="1621766"/>
           </a:xfrm>
         </p:grpSpPr>
         <p:sp>
@@ -5400,8 +5405,8 @@
           </p:nvSpPr>
           <p:spPr>
             <a:xfrm>
-              <a:off x="8695426" y="448574"/>
-              <a:ext cx="2731698" cy="1621766"/>
+              <a:off x="8409630" y="448574"/>
+              <a:ext cx="3017494" cy="1621766"/>
             </a:xfrm>
             <a:prstGeom prst="rect">
               <a:avLst/>
@@ -5449,8 +5454,8 @@
           </p:nvSpPr>
           <p:spPr>
             <a:xfrm>
-              <a:off x="9726194" y="507355"/>
-              <a:ext cx="1686552" cy="307777"/>
+              <a:off x="8765520" y="507355"/>
+              <a:ext cx="2647226" cy="496039"/>
             </a:xfrm>
             <a:prstGeom prst="rect">
               <a:avLst/>
@@ -5465,12 +5470,12 @@
             <a:p>
               <a:pPr algn="r"/>
               <a:r>
-                <a:rPr lang="de-DE" sz="1400" dirty="0" smtClean="0"/>
+                <a:rPr lang="de-DE" sz="1400" dirty="0"/>
                 <a:t>&lt;&lt;</a:t>
               </a:r>
               <a:r>
-                <a:rPr lang="de-DE" sz="1400" dirty="0" err="1" smtClean="0"/>
-                <a:t>testdata.import</a:t>
+                <a:rPr lang="de-DE" sz="1400" dirty="0" err="1"/>
+                <a:t>sysnat.testdata.import</a:t>
               </a:r>
               <a:r>
                 <a:rPr lang="de-DE" sz="1400" dirty="0" smtClean="0"/>
@@ -5489,10 +5494,10 @@
         </p:nvGrpSpPr>
         <p:grpSpPr>
           <a:xfrm>
-            <a:off x="986225" y="584104"/>
-            <a:ext cx="2255605" cy="1006257"/>
-            <a:chOff x="8695426" y="448574"/>
-            <a:chExt cx="2731698" cy="1621766"/>
+            <a:off x="758803" y="584104"/>
+            <a:ext cx="2483027" cy="1006257"/>
+            <a:chOff x="8616422" y="448574"/>
+            <a:chExt cx="2810702" cy="1621766"/>
           </a:xfrm>
         </p:grpSpPr>
         <p:sp>
@@ -5503,8 +5508,8 @@
           </p:nvSpPr>
           <p:spPr>
             <a:xfrm>
-              <a:off x="8695426" y="448574"/>
-              <a:ext cx="2731698" cy="1621766"/>
+              <a:off x="8616422" y="448574"/>
+              <a:ext cx="2810702" cy="1621766"/>
             </a:xfrm>
             <a:prstGeom prst="rect">
               <a:avLst/>
@@ -5552,8 +5557,8 @@
           </p:nvSpPr>
           <p:spPr>
             <a:xfrm>
-              <a:off x="9606931" y="507355"/>
-              <a:ext cx="1805815" cy="307777"/>
+              <a:off x="8616423" y="507355"/>
+              <a:ext cx="2796322" cy="496039"/>
             </a:xfrm>
             <a:prstGeom prst="rect">
               <a:avLst/>
@@ -5573,7 +5578,7 @@
               </a:r>
               <a:r>
                 <a:rPr lang="de-DE" sz="1400" dirty="0" err="1" smtClean="0"/>
-                <a:t>quality.assurance</a:t>
+                <a:t>sysnat.quality.assurance</a:t>
               </a:r>
               <a:r>
                 <a:rPr lang="de-DE" sz="1400" dirty="0" smtClean="0"/>
@@ -5592,8 +5597,8 @@
         </p:nvGrpSpPr>
         <p:grpSpPr>
           <a:xfrm>
-            <a:off x="4361068" y="558102"/>
-            <a:ext cx="3240000" cy="1020773"/>
+            <a:off x="3868615" y="558102"/>
+            <a:ext cx="3732453" cy="1020773"/>
             <a:chOff x="8695424" y="425204"/>
             <a:chExt cx="3239999" cy="1643370"/>
           </a:xfrm>
@@ -5656,7 +5661,7 @@
           <p:spPr>
             <a:xfrm>
               <a:off x="8755422" y="425204"/>
-              <a:ext cx="3100144" cy="307777"/>
+              <a:ext cx="3100144" cy="842346"/>
             </a:xfrm>
             <a:prstGeom prst="rect">
               <a:avLst/>
@@ -5671,12 +5676,12 @@
             <a:p>
               <a:pPr algn="r"/>
               <a:r>
-                <a:rPr lang="de-DE" sz="1400" dirty="0" smtClean="0"/>
+                <a:rPr lang="de-DE" sz="1400" dirty="0"/>
                 <a:t>&lt;&lt;</a:t>
               </a:r>
               <a:r>
-                <a:rPr lang="de-DE" sz="1400" dirty="0" err="1" smtClean="0"/>
-                <a:t>natural.language.executable.example</a:t>
+                <a:rPr lang="de-DE" sz="1400" dirty="0" err="1"/>
+                <a:t>sysnat.natural.language.executable.example</a:t>
               </a:r>
               <a:r>
                 <a:rPr lang="de-DE" sz="1400" dirty="0" smtClean="0"/>
@@ -5697,8 +5702,8 @@
         </p:nvCxnSpPr>
         <p:spPr>
           <a:xfrm flipH="1">
-            <a:off x="2122592" y="1578875"/>
-            <a:ext cx="3858477" cy="649273"/>
+            <a:off x="2004598" y="1578875"/>
+            <a:ext cx="3976472" cy="649273"/>
           </a:xfrm>
           <a:prstGeom prst="straightConnector1">
             <a:avLst/>
@@ -5776,7 +5781,7 @@
         <p:spPr>
           <a:xfrm>
             <a:off x="7601068" y="2730435"/>
-            <a:ext cx="919934" cy="842"/>
+            <a:ext cx="588068" cy="842"/>
           </a:xfrm>
           <a:prstGeom prst="straightConnector1">
             <a:avLst/>
@@ -5851,7 +5856,7 @@
         <p:spPr>
           <a:xfrm flipH="1">
             <a:off x="3250394" y="3234405"/>
-            <a:ext cx="6579531" cy="1085919"/>
+            <a:ext cx="6413598" cy="1085919"/>
           </a:xfrm>
           <a:prstGeom prst="straightConnector1">
             <a:avLst/>
@@ -5883,13 +5888,14 @@
           <p:cNvPr id="63" name="Gerade Verbindung mit Pfeil 62"/>
           <p:cNvCxnSpPr>
             <a:stCxn id="29" idx="2"/>
+            <a:endCxn id="32" idx="0"/>
           </p:cNvCxnSpPr>
           <p:nvPr/>
         </p:nvCxnSpPr>
         <p:spPr>
-          <a:xfrm flipH="1">
-            <a:off x="9825487" y="3234405"/>
-            <a:ext cx="4438" cy="515552"/>
+          <a:xfrm>
+            <a:off x="9663992" y="3234405"/>
+            <a:ext cx="0" cy="515552"/>
           </a:xfrm>
           <a:prstGeom prst="straightConnector1">
             <a:avLst/>
@@ -5927,7 +5933,7 @@
         <p:spPr>
           <a:xfrm flipH="1">
             <a:off x="7289991" y="4756214"/>
-            <a:ext cx="2539934" cy="1122653"/>
+            <a:ext cx="2374001" cy="1122653"/>
           </a:xfrm>
           <a:prstGeom prst="straightConnector1">
             <a:avLst/>
@@ -6139,8 +6145,8 @@
           </p:nvSpPr>
           <p:spPr>
             <a:xfrm>
-              <a:off x="9833595" y="507355"/>
-              <a:ext cx="1579151" cy="307777"/>
+              <a:off x="9634951" y="507355"/>
+              <a:ext cx="1752379" cy="496039"/>
             </a:xfrm>
             <a:prstGeom prst="rect">
               <a:avLst/>
@@ -6155,12 +6161,12 @@
             <a:p>
               <a:pPr algn="r"/>
               <a:r>
-                <a:rPr lang="de-DE" sz="1400" dirty="0" smtClean="0"/>
+                <a:rPr lang="de-DE" sz="1400" dirty="0"/>
                 <a:t>&lt;&lt;</a:t>
               </a:r>
               <a:r>
-                <a:rPr lang="de-DE" sz="1400" dirty="0" err="1" smtClean="0"/>
-                <a:t>test.execution</a:t>
+                <a:rPr lang="de-DE" sz="1400" dirty="0" err="1"/>
+                <a:t>sysnat.test.execution</a:t>
               </a:r>
               <a:r>
                 <a:rPr lang="de-DE" sz="1400" dirty="0" smtClean="0"/>
@@ -6182,7 +6188,7 @@
         <p:spPr>
           <a:xfrm flipH="1">
             <a:off x="7276212" y="5406242"/>
-            <a:ext cx="461019" cy="15341"/>
+            <a:ext cx="461020" cy="73747"/>
           </a:xfrm>
           <a:prstGeom prst="straightConnector1">
             <a:avLst/>
@@ -6291,7 +6297,7 @@
         <p:spPr>
           <a:xfrm flipV="1">
             <a:off x="3241830" y="1075747"/>
-            <a:ext cx="1119238" cy="11486"/>
+            <a:ext cx="626785" cy="11486"/>
           </a:xfrm>
           <a:prstGeom prst="straightConnector1">
             <a:avLst/>
@@ -6327,9 +6333,9 @@
           <p:nvPr/>
         </p:nvCxnSpPr>
         <p:spPr>
-          <a:xfrm flipH="1">
-            <a:off x="2122592" y="1590361"/>
-            <a:ext cx="14057" cy="637787"/>
+          <a:xfrm>
+            <a:off x="2000316" y="1590361"/>
+            <a:ext cx="4283" cy="637787"/>
           </a:xfrm>
           <a:prstGeom prst="straightConnector1">
             <a:avLst/>
@@ -6367,8 +6373,8 @@
         </p:nvCxnSpPr>
         <p:spPr>
           <a:xfrm>
-            <a:off x="2114028" y="1590361"/>
-            <a:ext cx="2247040" cy="1140074"/>
+            <a:off x="2000317" y="1590361"/>
+            <a:ext cx="2360751" cy="1140074"/>
           </a:xfrm>
           <a:prstGeom prst="straightConnector1">
             <a:avLst/>
@@ -6406,8 +6412,8 @@
         </p:nvCxnSpPr>
         <p:spPr>
           <a:xfrm>
-            <a:off x="2114028" y="1590361"/>
-            <a:ext cx="7715897" cy="637787"/>
+            <a:off x="2000317" y="1590361"/>
+            <a:ext cx="7663675" cy="637787"/>
           </a:xfrm>
           <a:prstGeom prst="straightConnector1">
             <a:avLst/>
@@ -6718,8 +6724,8 @@
         </p:nvSpPr>
         <p:spPr>
           <a:xfrm>
-            <a:off x="8761254" y="448574"/>
-            <a:ext cx="2486515" cy="369332"/>
+            <a:off x="8123772" y="448574"/>
+            <a:ext cx="3123997" cy="369332"/>
           </a:xfrm>
           <a:prstGeom prst="rect">
             <a:avLst/>
@@ -6734,12 +6740,12 @@
           <a:p>
             <a:pPr algn="r"/>
             <a:r>
-              <a:rPr lang="de-DE" dirty="0"/>
+              <a:rPr lang="de-DE" dirty="0" smtClean="0"/>
               <a:t>&lt;&lt;</a:t>
             </a:r>
             <a:r>
-              <a:rPr lang="de-DE" dirty="0" err="1"/>
-              <a:t>testcase.generation</a:t>
+              <a:rPr lang="de-DE" dirty="0" err="1" smtClean="0"/>
+              <a:t>sysnat.testcase.generation</a:t>
             </a:r>
             <a:r>
               <a:rPr lang="de-DE" dirty="0"/>
@@ -6756,8 +6762,8 @@
         </p:nvGrpSpPr>
         <p:grpSpPr>
           <a:xfrm>
-            <a:off x="7490925" y="5523250"/>
-            <a:ext cx="2731698" cy="875628"/>
+            <a:off x="6827736" y="5523250"/>
+            <a:ext cx="1874139" cy="875628"/>
             <a:chOff x="8695426" y="448574"/>
             <a:chExt cx="2731698" cy="1621766"/>
           </a:xfrm>
@@ -6956,8 +6962,8 @@
         </p:nvGrpSpPr>
         <p:grpSpPr>
           <a:xfrm>
-            <a:off x="4545351" y="4382029"/>
-            <a:ext cx="2731698" cy="875628"/>
+            <a:off x="4525255" y="5527540"/>
+            <a:ext cx="2074203" cy="875628"/>
             <a:chOff x="8695426" y="448575"/>
             <a:chExt cx="2731698" cy="1621765"/>
           </a:xfrm>
@@ -7241,8 +7247,8 @@
         </p:nvCxnSpPr>
         <p:spPr>
           <a:xfrm flipH="1">
-            <a:off x="4330840" y="1481491"/>
-            <a:ext cx="1568553" cy="2151167"/>
+            <a:off x="4314968" y="1481491"/>
+            <a:ext cx="1584425" cy="3843502"/>
           </a:xfrm>
           <a:prstGeom prst="straightConnector1">
             <a:avLst/>
@@ -7279,9 +7285,9 @@
           <p:nvPr/>
         </p:nvCxnSpPr>
         <p:spPr>
-          <a:xfrm>
-            <a:off x="5899393" y="1481491"/>
-            <a:ext cx="11807" cy="2900538"/>
+          <a:xfrm flipH="1">
+            <a:off x="5562357" y="1481491"/>
+            <a:ext cx="337036" cy="4046049"/>
           </a:xfrm>
           <a:prstGeom prst="straightConnector1">
             <a:avLst/>
@@ -7320,7 +7326,7 @@
         <p:spPr>
           <a:xfrm>
             <a:off x="5899393" y="1481491"/>
-            <a:ext cx="2957381" cy="4041759"/>
+            <a:ext cx="1865413" cy="4041759"/>
           </a:xfrm>
           <a:prstGeom prst="straightConnector1">
             <a:avLst/>
@@ -7455,7 +7461,7 @@
         </p:nvGrpSpPr>
         <p:grpSpPr>
           <a:xfrm>
-            <a:off x="902595" y="3189257"/>
+            <a:off x="886723" y="4881592"/>
             <a:ext cx="3436139" cy="881215"/>
             <a:chOff x="8047016" y="438226"/>
             <a:chExt cx="3387891" cy="1632114"/>
@@ -7640,7 +7646,7 @@
               <a:pPr algn="ctr"/>
               <a:r>
                 <a:rPr lang="de-DE" sz="1400" dirty="0" err="1" smtClean="0"/>
-                <a:t>LanguageTemplateContainerFinder</a:t>
+                <a:t>CommandLibraryCreator</a:t>
               </a:r>
               <a:endParaRPr lang="de-DE" sz="1400" dirty="0"/>
             </a:p>
@@ -7660,6 +7666,284 @@
           <a:xfrm flipH="1">
             <a:off x="3991104" y="1481491"/>
             <a:ext cx="1908289" cy="931653"/>
+          </a:xfrm>
+          <a:prstGeom prst="straightConnector1">
+            <a:avLst/>
+          </a:prstGeom>
+          <a:ln>
+            <a:solidFill>
+              <a:schemeClr val="tx1"/>
+            </a:solidFill>
+            <a:tailEnd type="triangle"/>
+          </a:ln>
+        </p:spPr>
+        <p:style>
+          <a:lnRef idx="1">
+            <a:schemeClr val="accent1"/>
+          </a:lnRef>
+          <a:fillRef idx="0">
+            <a:schemeClr val="accent1"/>
+          </a:fillRef>
+          <a:effectRef idx="0">
+            <a:schemeClr val="accent1"/>
+          </a:effectRef>
+          <a:fontRef idx="minor">
+            <a:schemeClr val="tx1"/>
+          </a:fontRef>
+        </p:style>
+      </p:cxnSp>
+      <p:grpSp>
+        <p:nvGrpSpPr>
+          <p:cNvPr id="47" name="Gruppieren 46"/>
+          <p:cNvGrpSpPr/>
+          <p:nvPr/>
+        </p:nvGrpSpPr>
+        <p:grpSpPr>
+          <a:xfrm>
+            <a:off x="886723" y="3472807"/>
+            <a:ext cx="3115487" cy="875628"/>
+            <a:chOff x="8316257" y="448574"/>
+            <a:chExt cx="3115487" cy="1621766"/>
+          </a:xfrm>
+        </p:grpSpPr>
+        <p:sp>
+          <p:nvSpPr>
+            <p:cNvPr id="48" name="Rechteck 47"/>
+            <p:cNvSpPr/>
+            <p:nvPr/>
+          </p:nvSpPr>
+          <p:spPr>
+            <a:xfrm>
+              <a:off x="8316257" y="448574"/>
+              <a:ext cx="3110867" cy="1621766"/>
+            </a:xfrm>
+            <a:prstGeom prst="rect">
+              <a:avLst/>
+            </a:prstGeom>
+            <a:solidFill>
+              <a:schemeClr val="bg1">
+                <a:lumMod val="85000"/>
+              </a:schemeClr>
+            </a:solidFill>
+          </p:spPr>
+          <p:style>
+            <a:lnRef idx="2">
+              <a:schemeClr val="accent1">
+                <a:shade val="50000"/>
+              </a:schemeClr>
+            </a:lnRef>
+            <a:fillRef idx="1">
+              <a:schemeClr val="accent1"/>
+            </a:fillRef>
+            <a:effectRef idx="0">
+              <a:schemeClr val="accent1"/>
+            </a:effectRef>
+            <a:fontRef idx="minor">
+              <a:schemeClr val="lt1"/>
+            </a:fontRef>
+          </p:style>
+          <p:txBody>
+            <a:bodyPr rtlCol="0" anchor="ctr"/>
+            <a:lstStyle/>
+            <a:p>
+              <a:pPr algn="ctr"/>
+              <a:endParaRPr lang="de-DE" dirty="0">
+                <a:solidFill>
+                  <a:schemeClr val="tx1"/>
+                </a:solidFill>
+              </a:endParaRPr>
+            </a:p>
+          </p:txBody>
+        </p:sp>
+        <p:sp>
+          <p:nvSpPr>
+            <p:cNvPr id="49" name="Textfeld 48"/>
+            <p:cNvSpPr txBox="1"/>
+            <p:nvPr/>
+          </p:nvSpPr>
+          <p:spPr>
+            <a:xfrm>
+              <a:off x="8316257" y="451373"/>
+              <a:ext cx="3115487" cy="570039"/>
+            </a:xfrm>
+            <a:prstGeom prst="rect">
+              <a:avLst/>
+            </a:prstGeom>
+            <a:noFill/>
+            <a:ln>
+              <a:solidFill>
+                <a:schemeClr val="tx1"/>
+              </a:solidFill>
+            </a:ln>
+          </p:spPr>
+          <p:txBody>
+            <a:bodyPr wrap="square" rtlCol="0">
+              <a:spAutoFit/>
+            </a:bodyPr>
+            <a:lstStyle/>
+            <a:p>
+              <a:pPr algn="ctr"/>
+              <a:r>
+                <a:rPr lang="de-DE" sz="1400" dirty="0" err="1" smtClean="0"/>
+                <a:t>LanguageTemplateContainerFinder</a:t>
+              </a:r>
+              <a:endParaRPr lang="de-DE" sz="1400" dirty="0"/>
+            </a:p>
+          </p:txBody>
+        </p:sp>
+      </p:grpSp>
+      <p:grpSp>
+        <p:nvGrpSpPr>
+          <p:cNvPr id="50" name="Gruppieren 49"/>
+          <p:cNvGrpSpPr/>
+          <p:nvPr/>
+        </p:nvGrpSpPr>
+        <p:grpSpPr>
+          <a:xfrm>
+            <a:off x="8203979" y="4297794"/>
+            <a:ext cx="1995098" cy="875628"/>
+            <a:chOff x="8695426" y="448574"/>
+            <a:chExt cx="2731698" cy="1621766"/>
+          </a:xfrm>
+        </p:grpSpPr>
+        <p:sp>
+          <p:nvSpPr>
+            <p:cNvPr id="51" name="Rechteck 50"/>
+            <p:cNvSpPr/>
+            <p:nvPr/>
+          </p:nvSpPr>
+          <p:spPr>
+            <a:xfrm>
+              <a:off x="8695426" y="448574"/>
+              <a:ext cx="2731698" cy="1621766"/>
+            </a:xfrm>
+            <a:prstGeom prst="rect">
+              <a:avLst/>
+            </a:prstGeom>
+            <a:solidFill>
+              <a:schemeClr val="bg1">
+                <a:lumMod val="85000"/>
+              </a:schemeClr>
+            </a:solidFill>
+          </p:spPr>
+          <p:style>
+            <a:lnRef idx="2">
+              <a:schemeClr val="accent1">
+                <a:shade val="50000"/>
+              </a:schemeClr>
+            </a:lnRef>
+            <a:fillRef idx="1">
+              <a:schemeClr val="accent1"/>
+            </a:fillRef>
+            <a:effectRef idx="0">
+              <a:schemeClr val="accent1"/>
+            </a:effectRef>
+            <a:fontRef idx="minor">
+              <a:schemeClr val="lt1"/>
+            </a:fontRef>
+          </p:style>
+          <p:txBody>
+            <a:bodyPr rtlCol="0" anchor="ctr"/>
+            <a:lstStyle/>
+            <a:p>
+              <a:pPr algn="ctr"/>
+              <a:endParaRPr lang="de-DE" dirty="0">
+                <a:solidFill>
+                  <a:schemeClr val="tx1"/>
+                </a:solidFill>
+              </a:endParaRPr>
+            </a:p>
+          </p:txBody>
+        </p:sp>
+        <p:sp>
+          <p:nvSpPr>
+            <p:cNvPr id="52" name="Textfeld 51"/>
+            <p:cNvSpPr txBox="1"/>
+            <p:nvPr/>
+          </p:nvSpPr>
+          <p:spPr>
+            <a:xfrm>
+              <a:off x="8695426" y="455508"/>
+              <a:ext cx="2731697" cy="570039"/>
+            </a:xfrm>
+            <a:prstGeom prst="rect">
+              <a:avLst/>
+            </a:prstGeom>
+            <a:noFill/>
+            <a:ln>
+              <a:solidFill>
+                <a:schemeClr val="tx1"/>
+              </a:solidFill>
+            </a:ln>
+          </p:spPr>
+          <p:txBody>
+            <a:bodyPr wrap="square" rtlCol="0">
+              <a:spAutoFit/>
+            </a:bodyPr>
+            <a:lstStyle/>
+            <a:p>
+              <a:pPr algn="ctr"/>
+              <a:r>
+                <a:rPr lang="de-DE" sz="1400" dirty="0" err="1" smtClean="0"/>
+                <a:t>XXGroupBuilder</a:t>
+              </a:r>
+              <a:endParaRPr lang="de-DE" sz="1400" dirty="0"/>
+            </a:p>
+          </p:txBody>
+        </p:sp>
+      </p:grpSp>
+      <p:cxnSp>
+        <p:nvCxnSpPr>
+          <p:cNvPr id="53" name="Gerade Verbindung mit Pfeil 52"/>
+          <p:cNvCxnSpPr>
+            <a:stCxn id="41" idx="2"/>
+            <a:endCxn id="48" idx="3"/>
+          </p:cNvCxnSpPr>
+          <p:nvPr/>
+        </p:nvCxnSpPr>
+        <p:spPr>
+          <a:xfrm flipH="1">
+            <a:off x="3997590" y="1481491"/>
+            <a:ext cx="1901803" cy="2429130"/>
+          </a:xfrm>
+          <a:prstGeom prst="straightConnector1">
+            <a:avLst/>
+          </a:prstGeom>
+          <a:ln>
+            <a:solidFill>
+              <a:schemeClr val="tx1"/>
+            </a:solidFill>
+            <a:tailEnd type="triangle"/>
+          </a:ln>
+        </p:spPr>
+        <p:style>
+          <a:lnRef idx="1">
+            <a:schemeClr val="accent1"/>
+          </a:lnRef>
+          <a:fillRef idx="0">
+            <a:schemeClr val="accent1"/>
+          </a:fillRef>
+          <a:effectRef idx="0">
+            <a:schemeClr val="accent1"/>
+          </a:effectRef>
+          <a:fontRef idx="minor">
+            <a:schemeClr val="tx1"/>
+          </a:fontRef>
+        </p:style>
+      </p:cxnSp>
+      <p:cxnSp>
+        <p:nvCxnSpPr>
+          <p:cNvPr id="54" name="Gerade Verbindung mit Pfeil 53"/>
+          <p:cNvCxnSpPr>
+            <a:stCxn id="41" idx="2"/>
+            <a:endCxn id="51" idx="1"/>
+          </p:cNvCxnSpPr>
+          <p:nvPr/>
+        </p:nvCxnSpPr>
+        <p:spPr>
+          <a:xfrm>
+            <a:off x="5899393" y="1481491"/>
+            <a:ext cx="2304586" cy="3254117"/>
           </a:xfrm>
           <a:prstGeom prst="straightConnector1">
             <a:avLst/>
@@ -7731,7 +8015,7 @@
         </p:nvSpPr>
         <p:spPr>
           <a:xfrm>
-            <a:off x="602773" y="178907"/>
+            <a:off x="602773" y="152247"/>
             <a:ext cx="10644996" cy="6228272"/>
           </a:xfrm>
           <a:prstGeom prst="rect">
@@ -7780,8 +8064,8 @@
         </p:nvSpPr>
         <p:spPr>
           <a:xfrm>
-            <a:off x="8173721" y="253243"/>
-            <a:ext cx="3074048" cy="369332"/>
+            <a:off x="7536239" y="253243"/>
+            <a:ext cx="3711530" cy="369332"/>
           </a:xfrm>
           <a:prstGeom prst="rect">
             <a:avLst/>
@@ -7796,12 +8080,12 @@
           <a:p>
             <a:pPr algn="r"/>
             <a:r>
-              <a:rPr lang="de-DE" dirty="0"/>
+              <a:rPr lang="de-DE" dirty="0" smtClean="0"/>
               <a:t>&lt;&lt;</a:t>
             </a:r>
             <a:r>
-              <a:rPr lang="de-DE" dirty="0" err="1"/>
-              <a:t>test.runtime.environment</a:t>
+              <a:rPr lang="de-DE" dirty="0" err="1" smtClean="0"/>
+              <a:t>sysnat.test.runtime.environment</a:t>
             </a:r>
             <a:r>
               <a:rPr lang="de-DE" dirty="0"/>
@@ -7819,9 +8103,9 @@
         <p:grpSpPr>
           <a:xfrm>
             <a:off x="8144805" y="1967510"/>
-            <a:ext cx="2731698" cy="881215"/>
+            <a:ext cx="2731698" cy="705353"/>
             <a:chOff x="8695426" y="438226"/>
-            <a:chExt cx="2731698" cy="1632114"/>
+            <a:chExt cx="2731698" cy="1398837"/>
           </a:xfrm>
         </p:grpSpPr>
         <p:sp>
@@ -7832,8 +8116,8 @@
           </p:nvSpPr>
           <p:spPr>
             <a:xfrm>
-              <a:off x="8695426" y="448574"/>
-              <a:ext cx="2731698" cy="1621766"/>
+              <a:off x="8695426" y="448576"/>
+              <a:ext cx="2731698" cy="1388487"/>
             </a:xfrm>
             <a:prstGeom prst="rect">
               <a:avLst/>
@@ -8041,7 +8325,7 @@
         <p:spPr>
           <a:xfrm>
             <a:off x="5899393" y="1481491"/>
-            <a:ext cx="20472" cy="1657664"/>
+            <a:ext cx="723855" cy="1376312"/>
           </a:xfrm>
           <a:prstGeom prst="straightConnector1">
             <a:avLst/>
@@ -8080,7 +8364,7 @@
         <p:spPr>
           <a:xfrm>
             <a:off x="5899393" y="1481491"/>
-            <a:ext cx="2245412" cy="929420"/>
+            <a:ext cx="2245412" cy="841305"/>
           </a:xfrm>
           <a:prstGeom prst="straightConnector1">
             <a:avLst/>
@@ -8115,7 +8399,7 @@
         </p:nvGrpSpPr>
         <p:grpSpPr>
           <a:xfrm>
-            <a:off x="4552519" y="3135411"/>
+            <a:off x="5255902" y="2854059"/>
             <a:ext cx="2734690" cy="875628"/>
             <a:chOff x="8695426" y="448574"/>
             <a:chExt cx="2734690" cy="1621766"/>
@@ -8200,7 +8484,15 @@
               <a:pPr algn="ctr"/>
               <a:r>
                 <a:rPr lang="de-DE" sz="1400" dirty="0" err="1" smtClean="0"/>
-                <a:t>interface</a:t>
+                <a:t>abstract</a:t>
+              </a:r>
+              <a:r>
+                <a:rPr lang="de-DE" sz="1400" dirty="0" smtClean="0"/>
+                <a:t> </a:t>
+              </a:r>
+              <a:r>
+                <a:rPr lang="de-DE" sz="1400" dirty="0" err="1" smtClean="0"/>
+                <a:t>class</a:t>
               </a:r>
               <a:endParaRPr lang="de-DE" sz="1400" dirty="0" smtClean="0"/>
             </a:p>
@@ -8208,7 +8500,7 @@
               <a:pPr algn="ctr"/>
               <a:r>
                 <a:rPr lang="de-DE" sz="1400" dirty="0" err="1" smtClean="0"/>
-                <a:t>LanguageTemplates</a:t>
+                <a:t>LanguageTemplateBasics</a:t>
               </a:r>
               <a:endParaRPr lang="de-DE" sz="1400" dirty="0"/>
             </a:p>
@@ -8223,10 +8515,10 @@
         </p:nvGrpSpPr>
         <p:grpSpPr>
           <a:xfrm>
-            <a:off x="880237" y="1975330"/>
-            <a:ext cx="3115487" cy="875628"/>
+            <a:off x="815361" y="1349358"/>
+            <a:ext cx="2146827" cy="764165"/>
             <a:chOff x="8316257" y="448574"/>
-            <a:chExt cx="3115487" cy="1621766"/>
+            <a:chExt cx="3115487" cy="1415323"/>
           </a:xfrm>
         </p:grpSpPr>
         <p:sp>
@@ -8238,7 +8530,7 @@
           <p:spPr>
             <a:xfrm>
               <a:off x="8316257" y="448574"/>
-              <a:ext cx="3110867" cy="1621766"/>
+              <a:ext cx="3110866" cy="1415323"/>
             </a:xfrm>
             <a:prstGeom prst="rect">
               <a:avLst/>
@@ -8337,8 +8629,8 @@
         </p:nvCxnSpPr>
         <p:spPr>
           <a:xfrm flipH="1">
-            <a:off x="3991104" y="1481491"/>
-            <a:ext cx="1908289" cy="931653"/>
+            <a:off x="2959004" y="1481491"/>
+            <a:ext cx="2940389" cy="249950"/>
           </a:xfrm>
           <a:prstGeom prst="straightConnector1">
             <a:avLst/>
@@ -8374,9 +8666,9 @@
         <p:grpSpPr>
           <a:xfrm>
             <a:off x="8154466" y="3684041"/>
-            <a:ext cx="2731698" cy="881215"/>
+            <a:ext cx="2731698" cy="702656"/>
             <a:chOff x="8732750" y="438226"/>
-            <a:chExt cx="2731698" cy="1632114"/>
+            <a:chExt cx="2731698" cy="1301402"/>
           </a:xfrm>
         </p:grpSpPr>
         <p:sp>
@@ -8388,7 +8680,7 @@
           <p:spPr>
             <a:xfrm>
               <a:off x="8732750" y="448574"/>
-              <a:ext cx="2731698" cy="1621766"/>
+              <a:ext cx="2731698" cy="1291054"/>
             </a:xfrm>
             <a:prstGeom prst="rect">
               <a:avLst/>
@@ -8487,8 +8779,8 @@
         </p:nvCxnSpPr>
         <p:spPr>
           <a:xfrm flipH="1" flipV="1">
-            <a:off x="9510654" y="2848725"/>
-            <a:ext cx="9661" cy="835316"/>
+            <a:off x="9510654" y="2672863"/>
+            <a:ext cx="9661" cy="1011178"/>
           </a:xfrm>
           <a:prstGeom prst="straightConnector1">
             <a:avLst/>
@@ -8524,10 +8816,10 @@
         </p:nvGrpSpPr>
         <p:grpSpPr>
           <a:xfrm>
-            <a:off x="4552206" y="5176347"/>
-            <a:ext cx="2731698" cy="875628"/>
+            <a:off x="853213" y="5173353"/>
+            <a:ext cx="2566871" cy="795552"/>
             <a:chOff x="8732750" y="448574"/>
-            <a:chExt cx="2731698" cy="1621766"/>
+            <a:chExt cx="2731698" cy="1473456"/>
           </a:xfrm>
         </p:grpSpPr>
         <p:sp>
@@ -8539,7 +8831,7 @@
           <p:spPr>
             <a:xfrm>
               <a:off x="8732750" y="448574"/>
-              <a:ext cx="2731698" cy="1621766"/>
+              <a:ext cx="2731698" cy="1473456"/>
             </a:xfrm>
             <a:prstGeom prst="rect">
               <a:avLst/>
@@ -8619,8 +8911,8 @@
             <a:p>
               <a:pPr algn="ctr"/>
               <a:r>
-                <a:rPr lang="de-DE" sz="1400" dirty="0" err="1" smtClean="0"/>
-                <a:t>CommonLanguageTemplates</a:t>
+                <a:rPr lang="de-DE" sz="1400" dirty="0" err="1"/>
+                <a:t>LanguageTemplatesCommon</a:t>
               </a:r>
               <a:endParaRPr lang="de-DE" sz="1400" dirty="0"/>
             </a:p>
@@ -8635,10 +8927,10 @@
         </p:nvGrpSpPr>
         <p:grpSpPr>
           <a:xfrm>
-            <a:off x="1429561" y="5175929"/>
-            <a:ext cx="2731698" cy="875628"/>
+            <a:off x="3564480" y="5173352"/>
+            <a:ext cx="3991077" cy="795553"/>
             <a:chOff x="8732750" y="448574"/>
-            <a:chExt cx="2731698" cy="1621766"/>
+            <a:chExt cx="2731698" cy="1361175"/>
           </a:xfrm>
         </p:grpSpPr>
         <p:sp>
@@ -8650,7 +8942,7 @@
           <p:spPr>
             <a:xfrm>
               <a:off x="8732750" y="448574"/>
-              <a:ext cx="2731698" cy="1621766"/>
+              <a:ext cx="2731698" cy="1361175"/>
             </a:xfrm>
             <a:prstGeom prst="rect">
               <a:avLst/>
@@ -8698,8 +8990,8 @@
           </p:nvSpPr>
           <p:spPr>
             <a:xfrm>
-              <a:off x="8732750" y="455508"/>
-              <a:ext cx="2731698" cy="969065"/>
+              <a:off x="8732750" y="455509"/>
+              <a:ext cx="2731698" cy="895219"/>
             </a:xfrm>
             <a:prstGeom prst="rect">
               <a:avLst/>
@@ -8730,8 +9022,8 @@
             <a:p>
               <a:pPr algn="ctr"/>
               <a:r>
-                <a:rPr lang="de-DE" sz="1400" dirty="0" err="1" smtClean="0"/>
-                <a:t>IksHomepageLanguageTemplates</a:t>
+                <a:rPr lang="de-DE" sz="1400" dirty="0" err="1"/>
+                <a:t>LanguageTemplatesBasics_HelloWorldSpringBoot</a:t>
               </a:r>
               <a:endParaRPr lang="de-DE" sz="1400" dirty="0"/>
             </a:p>
@@ -8746,10 +9038,10 @@
         </p:nvGrpSpPr>
         <p:grpSpPr>
           <a:xfrm>
-            <a:off x="8173721" y="5175929"/>
-            <a:ext cx="2731698" cy="875628"/>
+            <a:off x="7674851" y="5175929"/>
+            <a:ext cx="3230568" cy="792976"/>
             <a:chOff x="8732750" y="448574"/>
-            <a:chExt cx="2731698" cy="1621766"/>
+            <a:chExt cx="2731698" cy="1468685"/>
           </a:xfrm>
         </p:grpSpPr>
         <p:sp>
@@ -8761,7 +9053,7 @@
           <p:spPr>
             <a:xfrm>
               <a:off x="8732750" y="448574"/>
-              <a:ext cx="2731698" cy="1621766"/>
+              <a:ext cx="2731698" cy="1468685"/>
             </a:xfrm>
             <a:prstGeom prst="rect">
               <a:avLst/>
@@ -8838,8 +9130,8 @@
                 <a:t> </a:t>
               </a:r>
               <a:r>
-                <a:rPr lang="de-DE" sz="1400" dirty="0" err="1" smtClean="0"/>
-                <a:t>HelloWorldLanguageTemplates</a:t>
+                <a:rPr lang="de-DE" sz="1400" dirty="0" err="1"/>
+                <a:t>LanguageTemplatesBasics_HomePageIKS</a:t>
               </a:r>
               <a:endParaRPr lang="de-DE" sz="1400" dirty="0"/>
             </a:p>
@@ -8857,48 +9149,8 @@
         </p:nvCxnSpPr>
         <p:spPr>
           <a:xfrm flipV="1">
-            <a:off x="2795410" y="4011039"/>
-            <a:ext cx="3122958" cy="1168634"/>
-          </a:xfrm>
-          <a:prstGeom prst="straightConnector1">
-            <a:avLst/>
-          </a:prstGeom>
-          <a:ln>
-            <a:solidFill>
-              <a:schemeClr val="tx1"/>
-            </a:solidFill>
-            <a:prstDash val="sysDash"/>
-            <a:tailEnd type="triangle"/>
-          </a:ln>
-        </p:spPr>
-        <p:style>
-          <a:lnRef idx="1">
-            <a:schemeClr val="accent1"/>
-          </a:lnRef>
-          <a:fillRef idx="0">
-            <a:schemeClr val="accent1"/>
-          </a:fillRef>
-          <a:effectRef idx="0">
-            <a:schemeClr val="accent1"/>
-          </a:effectRef>
-          <a:fontRef idx="minor">
-            <a:schemeClr val="tx1"/>
-          </a:fontRef>
-        </p:style>
-      </p:cxnSp>
-      <p:cxnSp>
-        <p:nvCxnSpPr>
-          <p:cNvPr id="62" name="Gerade Verbindung mit Pfeil 61"/>
-          <p:cNvCxnSpPr>
-            <a:stCxn id="53" idx="0"/>
-            <a:endCxn id="25" idx="2"/>
-          </p:cNvCxnSpPr>
-          <p:nvPr/>
-        </p:nvCxnSpPr>
-        <p:spPr>
-          <a:xfrm flipV="1">
-            <a:off x="5918055" y="4011039"/>
-            <a:ext cx="313" cy="1169052"/>
+            <a:off x="5560019" y="3729687"/>
+            <a:ext cx="1061732" cy="1447718"/>
           </a:xfrm>
           <a:prstGeom prst="straightConnector1">
             <a:avLst/>
@@ -8937,8 +9189,8 @@
         </p:nvCxnSpPr>
         <p:spPr>
           <a:xfrm flipH="1" flipV="1">
-            <a:off x="5918368" y="4011039"/>
-            <a:ext cx="3621202" cy="1168634"/>
+            <a:off x="6621751" y="3729687"/>
+            <a:ext cx="2668384" cy="1449986"/>
           </a:xfrm>
           <a:prstGeom prst="straightConnector1">
             <a:avLst/>
@@ -8948,6 +9200,344 @@
               <a:schemeClr val="tx1"/>
             </a:solidFill>
             <a:prstDash val="sysDash"/>
+            <a:tailEnd type="triangle"/>
+          </a:ln>
+        </p:spPr>
+        <p:style>
+          <a:lnRef idx="1">
+            <a:schemeClr val="accent1"/>
+          </a:lnRef>
+          <a:fillRef idx="0">
+            <a:schemeClr val="accent1"/>
+          </a:fillRef>
+          <a:effectRef idx="0">
+            <a:schemeClr val="accent1"/>
+          </a:effectRef>
+          <a:fontRef idx="minor">
+            <a:schemeClr val="tx1"/>
+          </a:fontRef>
+        </p:style>
+      </p:cxnSp>
+      <p:cxnSp>
+        <p:nvCxnSpPr>
+          <p:cNvPr id="37" name="Gerade Verbindung mit Pfeil 36"/>
+          <p:cNvCxnSpPr>
+            <a:stCxn id="41" idx="2"/>
+            <a:endCxn id="53" idx="3"/>
+          </p:cNvCxnSpPr>
+          <p:nvPr/>
+        </p:nvCxnSpPr>
+        <p:spPr>
+          <a:xfrm flipH="1">
+            <a:off x="3420084" y="1481491"/>
+            <a:ext cx="2479309" cy="3957216"/>
+          </a:xfrm>
+          <a:prstGeom prst="straightConnector1">
+            <a:avLst/>
+          </a:prstGeom>
+          <a:ln>
+            <a:solidFill>
+              <a:schemeClr val="tx1"/>
+            </a:solidFill>
+            <a:tailEnd type="triangle"/>
+          </a:ln>
+        </p:spPr>
+        <p:style>
+          <a:lnRef idx="1">
+            <a:schemeClr val="accent1"/>
+          </a:lnRef>
+          <a:fillRef idx="0">
+            <a:schemeClr val="accent1"/>
+          </a:fillRef>
+          <a:effectRef idx="0">
+            <a:schemeClr val="accent1"/>
+          </a:effectRef>
+          <a:fontRef idx="minor">
+            <a:schemeClr val="tx1"/>
+          </a:fontRef>
+        </p:style>
+      </p:cxnSp>
+      <p:grpSp>
+        <p:nvGrpSpPr>
+          <p:cNvPr id="38" name="Gruppieren 37"/>
+          <p:cNvGrpSpPr/>
+          <p:nvPr/>
+        </p:nvGrpSpPr>
+        <p:grpSpPr>
+          <a:xfrm>
+            <a:off x="832741" y="2525137"/>
+            <a:ext cx="2566871" cy="677888"/>
+            <a:chOff x="8732750" y="448574"/>
+            <a:chExt cx="2731698" cy="1255528"/>
+          </a:xfrm>
+        </p:grpSpPr>
+        <p:sp>
+          <p:nvSpPr>
+            <p:cNvPr id="39" name="Rechteck 38"/>
+            <p:cNvSpPr/>
+            <p:nvPr/>
+          </p:nvSpPr>
+          <p:spPr>
+            <a:xfrm>
+              <a:off x="8732750" y="448574"/>
+              <a:ext cx="2731698" cy="1255528"/>
+            </a:xfrm>
+            <a:prstGeom prst="rect">
+              <a:avLst/>
+            </a:prstGeom>
+            <a:solidFill>
+              <a:schemeClr val="bg1">
+                <a:lumMod val="85000"/>
+              </a:schemeClr>
+            </a:solidFill>
+          </p:spPr>
+          <p:style>
+            <a:lnRef idx="2">
+              <a:schemeClr val="accent1">
+                <a:shade val="50000"/>
+              </a:schemeClr>
+            </a:lnRef>
+            <a:fillRef idx="1">
+              <a:schemeClr val="accent1"/>
+            </a:fillRef>
+            <a:effectRef idx="0">
+              <a:schemeClr val="accent1"/>
+            </a:effectRef>
+            <a:fontRef idx="minor">
+              <a:schemeClr val="lt1"/>
+            </a:fontRef>
+          </p:style>
+          <p:txBody>
+            <a:bodyPr rtlCol="0" anchor="ctr"/>
+            <a:lstStyle/>
+            <a:p>
+              <a:pPr algn="ctr"/>
+              <a:endParaRPr lang="de-DE" dirty="0">
+                <a:solidFill>
+                  <a:schemeClr val="tx1"/>
+                </a:solidFill>
+              </a:endParaRPr>
+            </a:p>
+          </p:txBody>
+        </p:sp>
+        <p:sp>
+          <p:nvSpPr>
+            <p:cNvPr id="44" name="Textfeld 43"/>
+            <p:cNvSpPr txBox="1"/>
+            <p:nvPr/>
+          </p:nvSpPr>
+          <p:spPr>
+            <a:xfrm>
+              <a:off x="8732750" y="455508"/>
+              <a:ext cx="2731698" cy="969065"/>
+            </a:xfrm>
+            <a:prstGeom prst="rect">
+              <a:avLst/>
+            </a:prstGeom>
+            <a:noFill/>
+            <a:ln>
+              <a:solidFill>
+                <a:schemeClr val="tx1"/>
+              </a:solidFill>
+            </a:ln>
+          </p:spPr>
+          <p:txBody>
+            <a:bodyPr wrap="square" rtlCol="0">
+              <a:spAutoFit/>
+            </a:bodyPr>
+            <a:lstStyle/>
+            <a:p>
+              <a:pPr algn="ctr"/>
+              <a:r>
+                <a:rPr lang="de-DE" sz="1400" dirty="0" err="1" smtClean="0"/>
+                <a:t>class</a:t>
+              </a:r>
+              <a:r>
+                <a:rPr lang="de-DE" sz="1400" dirty="0" smtClean="0"/>
+                <a:t> </a:t>
+              </a:r>
+            </a:p>
+            <a:p>
+              <a:pPr algn="ctr"/>
+              <a:r>
+                <a:rPr lang="de-DE" sz="1400" dirty="0" err="1"/>
+                <a:t>LanguageTemplatesDownload</a:t>
+              </a:r>
+              <a:endParaRPr lang="de-DE" sz="1400" dirty="0"/>
+            </a:p>
+          </p:txBody>
+        </p:sp>
+      </p:grpSp>
+      <p:grpSp>
+        <p:nvGrpSpPr>
+          <p:cNvPr id="46" name="Gruppieren 45"/>
+          <p:cNvGrpSpPr/>
+          <p:nvPr/>
+        </p:nvGrpSpPr>
+        <p:grpSpPr>
+          <a:xfrm>
+            <a:off x="891695" y="3745038"/>
+            <a:ext cx="2672785" cy="875628"/>
+            <a:chOff x="8732750" y="448574"/>
+            <a:chExt cx="2731698" cy="1621766"/>
+          </a:xfrm>
+        </p:grpSpPr>
+        <p:sp>
+          <p:nvSpPr>
+            <p:cNvPr id="54" name="Rechteck 53"/>
+            <p:cNvSpPr/>
+            <p:nvPr/>
+          </p:nvSpPr>
+          <p:spPr>
+            <a:xfrm>
+              <a:off x="8732750" y="448574"/>
+              <a:ext cx="2731698" cy="1621766"/>
+            </a:xfrm>
+            <a:prstGeom prst="rect">
+              <a:avLst/>
+            </a:prstGeom>
+            <a:solidFill>
+              <a:schemeClr val="bg1">
+                <a:lumMod val="85000"/>
+              </a:schemeClr>
+            </a:solidFill>
+          </p:spPr>
+          <p:style>
+            <a:lnRef idx="2">
+              <a:schemeClr val="accent1">
+                <a:shade val="50000"/>
+              </a:schemeClr>
+            </a:lnRef>
+            <a:fillRef idx="1">
+              <a:schemeClr val="accent1"/>
+            </a:fillRef>
+            <a:effectRef idx="0">
+              <a:schemeClr val="accent1"/>
+            </a:effectRef>
+            <a:fontRef idx="minor">
+              <a:schemeClr val="lt1"/>
+            </a:fontRef>
+          </p:style>
+          <p:txBody>
+            <a:bodyPr rtlCol="0" anchor="ctr"/>
+            <a:lstStyle/>
+            <a:p>
+              <a:pPr algn="ctr"/>
+              <a:endParaRPr lang="de-DE" dirty="0">
+                <a:solidFill>
+                  <a:schemeClr val="tx1"/>
+                </a:solidFill>
+              </a:endParaRPr>
+            </a:p>
+          </p:txBody>
+        </p:sp>
+        <p:sp>
+          <p:nvSpPr>
+            <p:cNvPr id="64" name="Textfeld 63"/>
+            <p:cNvSpPr txBox="1"/>
+            <p:nvPr/>
+          </p:nvSpPr>
+          <p:spPr>
+            <a:xfrm>
+              <a:off x="8732750" y="455508"/>
+              <a:ext cx="2731698" cy="1368093"/>
+            </a:xfrm>
+            <a:prstGeom prst="rect">
+              <a:avLst/>
+            </a:prstGeom>
+            <a:noFill/>
+            <a:ln>
+              <a:solidFill>
+                <a:schemeClr val="tx1"/>
+              </a:solidFill>
+            </a:ln>
+          </p:spPr>
+          <p:txBody>
+            <a:bodyPr wrap="square" rtlCol="0">
+              <a:spAutoFit/>
+            </a:bodyPr>
+            <a:lstStyle/>
+            <a:p>
+              <a:pPr algn="ctr"/>
+              <a:r>
+                <a:rPr lang="de-DE" sz="1400" dirty="0" err="1" smtClean="0"/>
+                <a:t>class</a:t>
+              </a:r>
+              <a:r>
+                <a:rPr lang="de-DE" sz="1400" dirty="0" smtClean="0"/>
+                <a:t> </a:t>
+              </a:r>
+            </a:p>
+            <a:p>
+              <a:pPr algn="ctr"/>
+              <a:r>
+                <a:rPr lang="de-DE" sz="1400" dirty="0" err="1"/>
+                <a:t>LanguageTemplatesPDFValidation</a:t>
+              </a:r>
+              <a:endParaRPr lang="de-DE" sz="1400" dirty="0"/>
+            </a:p>
+          </p:txBody>
+        </p:sp>
+      </p:grpSp>
+      <p:cxnSp>
+        <p:nvCxnSpPr>
+          <p:cNvPr id="65" name="Gerade Verbindung mit Pfeil 64"/>
+          <p:cNvCxnSpPr>
+            <a:endCxn id="44" idx="3"/>
+          </p:cNvCxnSpPr>
+          <p:nvPr/>
+        </p:nvCxnSpPr>
+        <p:spPr>
+          <a:xfrm flipH="1">
+            <a:off x="3399612" y="1481183"/>
+            <a:ext cx="2518757" cy="1309308"/>
+          </a:xfrm>
+          <a:prstGeom prst="straightConnector1">
+            <a:avLst/>
+          </a:prstGeom>
+          <a:ln>
+            <a:solidFill>
+              <a:schemeClr val="tx1"/>
+            </a:solidFill>
+            <a:tailEnd type="triangle"/>
+          </a:ln>
+        </p:spPr>
+        <p:style>
+          <a:lnRef idx="1">
+            <a:schemeClr val="accent1"/>
+          </a:lnRef>
+          <a:fillRef idx="0">
+            <a:schemeClr val="accent1"/>
+          </a:fillRef>
+          <a:effectRef idx="0">
+            <a:schemeClr val="accent1"/>
+          </a:effectRef>
+          <a:fontRef idx="minor">
+            <a:schemeClr val="tx1"/>
+          </a:fontRef>
+        </p:style>
+      </p:cxnSp>
+      <p:cxnSp>
+        <p:nvCxnSpPr>
+          <p:cNvPr id="66" name="Gerade Verbindung mit Pfeil 65"/>
+          <p:cNvCxnSpPr>
+            <a:stCxn id="41" idx="2"/>
+            <a:endCxn id="64" idx="3"/>
+          </p:cNvCxnSpPr>
+          <p:nvPr/>
+        </p:nvCxnSpPr>
+        <p:spPr>
+          <a:xfrm flipH="1">
+            <a:off x="3564480" y="1481491"/>
+            <a:ext cx="2334913" cy="2636623"/>
+          </a:xfrm>
+          <a:prstGeom prst="straightConnector1">
+            <a:avLst/>
+          </a:prstGeom>
+          <a:ln>
+            <a:solidFill>
+              <a:schemeClr val="tx1"/>
+            </a:solidFill>
             <a:tailEnd type="triangle"/>
           </a:ln>
         </p:spPr>
@@ -9060,8 +9650,8 @@
         </p:nvSpPr>
         <p:spPr>
           <a:xfrm>
-            <a:off x="7013853" y="253243"/>
-            <a:ext cx="4233916" cy="369332"/>
+            <a:off x="6371434" y="253243"/>
+            <a:ext cx="4876335" cy="369332"/>
           </a:xfrm>
           <a:prstGeom prst="rect">
             <a:avLst/>
@@ -9076,12 +9666,12 @@
           <a:p>
             <a:pPr algn="r"/>
             <a:r>
-              <a:rPr lang="de-DE" dirty="0"/>
+              <a:rPr lang="de-DE" dirty="0" smtClean="0"/>
               <a:t>&lt;&lt;</a:t>
             </a:r>
             <a:r>
-              <a:rPr lang="de-DE" dirty="0" err="1"/>
-              <a:t>natural.language.executable.examples</a:t>
+              <a:rPr lang="de-DE" dirty="0" err="1" smtClean="0"/>
+              <a:t>sysnat.natural.language.executable.examples</a:t>
             </a:r>
             <a:r>
               <a:rPr lang="de-DE" dirty="0"/>
@@ -12546,7 +13136,6 @@
               <a:rPr lang="de-DE" sz="2000" b="1" dirty="0" smtClean="0"/>
               <a:t> System </a:t>
             </a:r>
-            <a:endParaRPr lang="de-DE" sz="2000" b="1" dirty="0" smtClean="0"/>
           </a:p>
           <a:p>
             <a:pPr algn="ctr"/>
@@ -13112,21 +13701,7 @@
                 <a:latin typeface="Arial" charset="0"/>
                 <a:cs typeface="Arial" charset="0"/>
               </a:rPr>
-              <a:t> </a:t>
-            </a:r>
-            <a:r>
-              <a:rPr kumimoji="0" lang="de-DE" sz="1400" b="0" i="0" u="none" strike="noStrike" cap="none" normalizeH="0" dirty="0" smtClean="0">
-                <a:ln>
-                  <a:noFill/>
-                </a:ln>
-                <a:solidFill>
-                  <a:schemeClr val="tx1"/>
-                </a:solidFill>
-                <a:effectLst/>
-                <a:latin typeface="Arial" charset="0"/>
-                <a:cs typeface="Arial" charset="0"/>
-              </a:rPr>
-              <a:t>/ </a:t>
+              <a:t> / </a:t>
             </a:r>
             <a:r>
               <a:rPr kumimoji="0" lang="de-DE" sz="1400" b="0" i="0" u="none" strike="noStrike" cap="none" normalizeH="0" dirty="0" err="1" smtClean="0">
@@ -17352,6 +17927,766 @@
 </p:sld>
 </file>
 
+<file path=ppt/slides/slide19.xml><?xml version="1.0" encoding="utf-8"?>
+<p:sld xmlns:a="http://schemas.openxmlformats.org/drawingml/2006/main" xmlns:r="http://schemas.openxmlformats.org/officeDocument/2006/relationships" xmlns:p="http://schemas.openxmlformats.org/presentationml/2006/main">
+  <p:cSld>
+    <p:spTree>
+      <p:nvGrpSpPr>
+        <p:cNvPr id="1" name=""/>
+        <p:cNvGrpSpPr/>
+        <p:nvPr/>
+      </p:nvGrpSpPr>
+      <p:grpSpPr>
+        <a:xfrm>
+          <a:off x="0" y="0"/>
+          <a:ext cx="0" cy="0"/>
+          <a:chOff x="0" y="0"/>
+          <a:chExt cx="0" cy="0"/>
+        </a:xfrm>
+      </p:grpSpPr>
+      <p:sp>
+        <p:nvSpPr>
+          <p:cNvPr id="9" name="Ellipse 8"/>
+          <p:cNvSpPr/>
+          <p:nvPr/>
+        </p:nvSpPr>
+        <p:spPr>
+          <a:xfrm>
+            <a:off x="4059534" y="1188360"/>
+            <a:ext cx="3617407" cy="3433883"/>
+          </a:xfrm>
+          <a:prstGeom prst="ellipse">
+            <a:avLst/>
+          </a:prstGeom>
+          <a:solidFill>
+            <a:schemeClr val="bg1">
+              <a:lumMod val="50000"/>
+            </a:schemeClr>
+          </a:solidFill>
+        </p:spPr>
+        <p:style>
+          <a:lnRef idx="2">
+            <a:schemeClr val="accent1">
+              <a:shade val="50000"/>
+            </a:schemeClr>
+          </a:lnRef>
+          <a:fillRef idx="1">
+            <a:schemeClr val="accent1"/>
+          </a:fillRef>
+          <a:effectRef idx="0">
+            <a:schemeClr val="accent1"/>
+          </a:effectRef>
+          <a:fontRef idx="minor">
+            <a:schemeClr val="lt1"/>
+          </a:fontRef>
+        </p:style>
+        <p:txBody>
+          <a:bodyPr tIns="0" rtlCol="0" anchor="t" anchorCtr="0"/>
+          <a:lstStyle/>
+          <a:p>
+            <a:pPr algn="ctr"/>
+            <a:r>
+              <a:rPr lang="de-DE" sz="4000" b="1" dirty="0" err="1" smtClean="0"/>
+              <a:t>SysNat</a:t>
+            </a:r>
+            <a:endParaRPr lang="de-DE" sz="4000" b="1" dirty="0"/>
+          </a:p>
+        </p:txBody>
+      </p:sp>
+      <p:sp>
+        <p:nvSpPr>
+          <p:cNvPr id="2" name="Ellipse 1"/>
+          <p:cNvSpPr/>
+          <p:nvPr/>
+        </p:nvSpPr>
+        <p:spPr>
+          <a:xfrm>
+            <a:off x="4951179" y="2743202"/>
+            <a:ext cx="1716656" cy="1371600"/>
+          </a:xfrm>
+          <a:prstGeom prst="ellipse">
+            <a:avLst/>
+          </a:prstGeom>
+        </p:spPr>
+        <p:style>
+          <a:lnRef idx="2">
+            <a:schemeClr val="accent1">
+              <a:shade val="50000"/>
+            </a:schemeClr>
+          </a:lnRef>
+          <a:fillRef idx="1">
+            <a:schemeClr val="accent1"/>
+          </a:fillRef>
+          <a:effectRef idx="0">
+            <a:schemeClr val="accent1"/>
+          </a:effectRef>
+          <a:fontRef idx="minor">
+            <a:schemeClr val="lt1"/>
+          </a:fontRef>
+        </p:style>
+        <p:txBody>
+          <a:bodyPr rtlCol="0" anchor="ctr"/>
+          <a:lstStyle/>
+          <a:p>
+            <a:pPr algn="ctr"/>
+            <a:r>
+              <a:rPr lang="de-DE" dirty="0" err="1" smtClean="0"/>
+              <a:t>Executable</a:t>
+            </a:r>
+            <a:endParaRPr lang="de-DE" dirty="0" smtClean="0"/>
+          </a:p>
+          <a:p>
+            <a:pPr algn="ctr"/>
+            <a:r>
+              <a:rPr lang="de-DE" dirty="0" err="1" smtClean="0"/>
+              <a:t>Example</a:t>
+            </a:r>
+            <a:endParaRPr lang="de-DE" dirty="0"/>
+          </a:p>
+        </p:txBody>
+      </p:sp>
+      <p:sp>
+        <p:nvSpPr>
+          <p:cNvPr id="3" name="Rechteck 2"/>
+          <p:cNvSpPr/>
+          <p:nvPr/>
+        </p:nvSpPr>
+        <p:spPr>
+          <a:xfrm>
+            <a:off x="862642" y="336430"/>
+            <a:ext cx="3046951" cy="5589917"/>
+          </a:xfrm>
+          <a:prstGeom prst="rect">
+            <a:avLst/>
+          </a:prstGeom>
+          <a:solidFill>
+            <a:schemeClr val="bg1">
+              <a:lumMod val="85000"/>
+            </a:schemeClr>
+          </a:solidFill>
+        </p:spPr>
+        <p:style>
+          <a:lnRef idx="2">
+            <a:schemeClr val="accent1">
+              <a:shade val="50000"/>
+            </a:schemeClr>
+          </a:lnRef>
+          <a:fillRef idx="1">
+            <a:schemeClr val="accent1"/>
+          </a:fillRef>
+          <a:effectRef idx="0">
+            <a:schemeClr val="accent1"/>
+          </a:effectRef>
+          <a:fontRef idx="minor">
+            <a:schemeClr val="lt1"/>
+          </a:fontRef>
+        </p:style>
+        <p:txBody>
+          <a:bodyPr rtlCol="0" anchor="t" anchorCtr="0"/>
+          <a:lstStyle/>
+          <a:p>
+            <a:pPr algn="ctr"/>
+            <a:r>
+              <a:rPr lang="de-DE" sz="2400" dirty="0" smtClean="0">
+                <a:solidFill>
+                  <a:schemeClr val="tx1"/>
+                </a:solidFill>
+              </a:rPr>
+              <a:t>Domain User</a:t>
+            </a:r>
+            <a:endParaRPr lang="de-DE" sz="2400" dirty="0">
+              <a:solidFill>
+                <a:schemeClr val="tx1"/>
+              </a:solidFill>
+            </a:endParaRPr>
+          </a:p>
+        </p:txBody>
+      </p:sp>
+      <p:sp>
+        <p:nvSpPr>
+          <p:cNvPr id="4" name="Rechteck 3"/>
+          <p:cNvSpPr/>
+          <p:nvPr/>
+        </p:nvSpPr>
+        <p:spPr>
+          <a:xfrm>
+            <a:off x="7832785" y="336430"/>
+            <a:ext cx="3088257" cy="5589917"/>
+          </a:xfrm>
+          <a:prstGeom prst="rect">
+            <a:avLst/>
+          </a:prstGeom>
+          <a:solidFill>
+            <a:schemeClr val="bg1">
+              <a:lumMod val="85000"/>
+            </a:schemeClr>
+          </a:solidFill>
+        </p:spPr>
+        <p:style>
+          <a:lnRef idx="2">
+            <a:schemeClr val="accent1">
+              <a:shade val="50000"/>
+            </a:schemeClr>
+          </a:lnRef>
+          <a:fillRef idx="1">
+            <a:schemeClr val="accent1"/>
+          </a:fillRef>
+          <a:effectRef idx="0">
+            <a:schemeClr val="accent1"/>
+          </a:effectRef>
+          <a:fontRef idx="minor">
+            <a:schemeClr val="lt1"/>
+          </a:fontRef>
+        </p:style>
+        <p:txBody>
+          <a:bodyPr rtlCol="0" anchor="t" anchorCtr="0"/>
+          <a:lstStyle/>
+          <a:p>
+            <a:pPr algn="ctr"/>
+            <a:r>
+              <a:rPr lang="de-DE" sz="2400" dirty="0" smtClean="0">
+                <a:solidFill>
+                  <a:schemeClr val="tx1"/>
+                </a:solidFill>
+              </a:rPr>
+              <a:t>Developer</a:t>
+            </a:r>
+            <a:endParaRPr lang="de-DE" sz="2400" dirty="0">
+              <a:solidFill>
+                <a:schemeClr val="tx1"/>
+              </a:solidFill>
+            </a:endParaRPr>
+          </a:p>
+        </p:txBody>
+      </p:sp>
+      <p:sp>
+        <p:nvSpPr>
+          <p:cNvPr id="5" name="Ellipse 4"/>
+          <p:cNvSpPr/>
+          <p:nvPr/>
+        </p:nvSpPr>
+        <p:spPr>
+          <a:xfrm>
+            <a:off x="1165609" y="974690"/>
+            <a:ext cx="2280975" cy="1989574"/>
+          </a:xfrm>
+          <a:prstGeom prst="ellipse">
+            <a:avLst/>
+          </a:prstGeom>
+        </p:spPr>
+        <p:style>
+          <a:lnRef idx="2">
+            <a:schemeClr val="accent1">
+              <a:shade val="50000"/>
+            </a:schemeClr>
+          </a:lnRef>
+          <a:fillRef idx="1">
+            <a:schemeClr val="accent1"/>
+          </a:fillRef>
+          <a:effectRef idx="0">
+            <a:schemeClr val="accent1"/>
+          </a:effectRef>
+          <a:fontRef idx="minor">
+            <a:schemeClr val="lt1"/>
+          </a:fontRef>
+        </p:style>
+        <p:txBody>
+          <a:bodyPr rtlCol="0" anchor="ctr"/>
+          <a:lstStyle/>
+          <a:p>
+            <a:pPr algn="ctr"/>
+            <a:r>
+              <a:rPr lang="de-DE" dirty="0" smtClean="0"/>
+              <a:t>Natural</a:t>
+            </a:r>
+          </a:p>
+          <a:p>
+            <a:pPr algn="ctr"/>
+            <a:r>
+              <a:rPr lang="de-DE" dirty="0" smtClean="0"/>
+              <a:t>Language</a:t>
+            </a:r>
+          </a:p>
+          <a:p>
+            <a:pPr algn="ctr"/>
+            <a:r>
+              <a:rPr lang="de-DE" dirty="0" err="1" smtClean="0"/>
+              <a:t>Instructions</a:t>
+            </a:r>
+            <a:endParaRPr lang="de-DE" dirty="0" smtClean="0"/>
+          </a:p>
+          <a:p>
+            <a:pPr algn="ctr"/>
+            <a:r>
+              <a:rPr lang="de-DE" dirty="0" smtClean="0"/>
+              <a:t>(</a:t>
+            </a:r>
+            <a:r>
+              <a:rPr lang="de-DE" dirty="0" err="1" smtClean="0"/>
+              <a:t>nlxx</a:t>
+            </a:r>
+            <a:r>
+              <a:rPr lang="de-DE" dirty="0" smtClean="0"/>
+              <a:t>, </a:t>
+            </a:r>
+            <a:r>
+              <a:rPr lang="de-DE" dirty="0" err="1" smtClean="0"/>
+              <a:t>nls</a:t>
+            </a:r>
+            <a:r>
+              <a:rPr lang="de-DE" dirty="0" smtClean="0"/>
+              <a:t>)</a:t>
+            </a:r>
+            <a:endParaRPr lang="de-DE" dirty="0"/>
+          </a:p>
+        </p:txBody>
+      </p:sp>
+      <p:sp>
+        <p:nvSpPr>
+          <p:cNvPr id="6" name="Ellipse 5"/>
+          <p:cNvSpPr/>
+          <p:nvPr/>
+        </p:nvSpPr>
+        <p:spPr>
+          <a:xfrm>
+            <a:off x="1154896" y="3602524"/>
+            <a:ext cx="2331217" cy="1979525"/>
+          </a:xfrm>
+          <a:prstGeom prst="ellipse">
+            <a:avLst/>
+          </a:prstGeom>
+        </p:spPr>
+        <p:style>
+          <a:lnRef idx="2">
+            <a:schemeClr val="accent1">
+              <a:shade val="50000"/>
+            </a:schemeClr>
+          </a:lnRef>
+          <a:fillRef idx="1">
+            <a:schemeClr val="accent1"/>
+          </a:fillRef>
+          <a:effectRef idx="0">
+            <a:schemeClr val="accent1"/>
+          </a:effectRef>
+          <a:fontRef idx="minor">
+            <a:schemeClr val="lt1"/>
+          </a:fontRef>
+        </p:style>
+        <p:txBody>
+          <a:bodyPr rtlCol="0" anchor="ctr"/>
+          <a:lstStyle/>
+          <a:p>
+            <a:pPr algn="ctr"/>
+            <a:r>
+              <a:rPr lang="de-DE" dirty="0" smtClean="0"/>
+              <a:t>Test Data</a:t>
+            </a:r>
+          </a:p>
+          <a:p>
+            <a:pPr algn="ctr"/>
+            <a:r>
+              <a:rPr lang="de-DE" dirty="0" smtClean="0"/>
+              <a:t>(</a:t>
+            </a:r>
+            <a:r>
+              <a:rPr lang="de-DE" dirty="0" err="1" smtClean="0"/>
+              <a:t>nlxx</a:t>
+            </a:r>
+            <a:r>
+              <a:rPr lang="de-DE" dirty="0" smtClean="0"/>
+              <a:t>, </a:t>
+            </a:r>
+            <a:r>
+              <a:rPr lang="de-DE" dirty="0" err="1" smtClean="0"/>
+              <a:t>dat</a:t>
+            </a:r>
+            <a:r>
+              <a:rPr lang="de-DE" dirty="0" smtClean="0"/>
+              <a:t>, </a:t>
+            </a:r>
+            <a:r>
+              <a:rPr lang="de-DE" dirty="0" err="1" smtClean="0"/>
+              <a:t>xlsx</a:t>
+            </a:r>
+            <a:r>
+              <a:rPr lang="de-DE" dirty="0" smtClean="0"/>
+              <a:t>)</a:t>
+            </a:r>
+            <a:endParaRPr lang="de-DE" dirty="0"/>
+          </a:p>
+        </p:txBody>
+      </p:sp>
+      <p:sp>
+        <p:nvSpPr>
+          <p:cNvPr id="7" name="Ellipse 6"/>
+          <p:cNvSpPr/>
+          <p:nvPr/>
+        </p:nvSpPr>
+        <p:spPr>
+          <a:xfrm>
+            <a:off x="8201130" y="986416"/>
+            <a:ext cx="2450123" cy="2118527"/>
+          </a:xfrm>
+          <a:prstGeom prst="ellipse">
+            <a:avLst/>
+          </a:prstGeom>
+        </p:spPr>
+        <p:style>
+          <a:lnRef idx="2">
+            <a:schemeClr val="accent1">
+              <a:shade val="50000"/>
+            </a:schemeClr>
+          </a:lnRef>
+          <a:fillRef idx="1">
+            <a:schemeClr val="accent1"/>
+          </a:fillRef>
+          <a:effectRef idx="0">
+            <a:schemeClr val="accent1"/>
+          </a:effectRef>
+          <a:fontRef idx="minor">
+            <a:schemeClr val="lt1"/>
+          </a:fontRef>
+        </p:style>
+        <p:txBody>
+          <a:bodyPr rtlCol="0" anchor="ctr"/>
+          <a:lstStyle/>
+          <a:p>
+            <a:pPr algn="ctr"/>
+            <a:r>
+              <a:rPr lang="de-DE" dirty="0"/>
+              <a:t>Language</a:t>
+            </a:r>
+          </a:p>
+          <a:p>
+            <a:pPr algn="ctr"/>
+            <a:r>
+              <a:rPr lang="de-DE" dirty="0"/>
+              <a:t>Template</a:t>
+            </a:r>
+          </a:p>
+          <a:p>
+            <a:pPr algn="ctr"/>
+            <a:r>
+              <a:rPr lang="de-DE" dirty="0"/>
+              <a:t>Implementation</a:t>
+            </a:r>
+          </a:p>
+        </p:txBody>
+      </p:sp>
+      <p:sp>
+        <p:nvSpPr>
+          <p:cNvPr id="8" name="Ellipse 7"/>
+          <p:cNvSpPr/>
+          <p:nvPr/>
+        </p:nvSpPr>
+        <p:spPr>
+          <a:xfrm>
+            <a:off x="8190417" y="3714731"/>
+            <a:ext cx="2331217" cy="1979525"/>
+          </a:xfrm>
+          <a:prstGeom prst="ellipse">
+            <a:avLst/>
+          </a:prstGeom>
+        </p:spPr>
+        <p:style>
+          <a:lnRef idx="2">
+            <a:schemeClr val="accent1">
+              <a:shade val="50000"/>
+            </a:schemeClr>
+          </a:lnRef>
+          <a:fillRef idx="1">
+            <a:schemeClr val="accent1"/>
+          </a:fillRef>
+          <a:effectRef idx="0">
+            <a:schemeClr val="accent1"/>
+          </a:effectRef>
+          <a:fontRef idx="minor">
+            <a:schemeClr val="lt1"/>
+          </a:fontRef>
+        </p:style>
+        <p:txBody>
+          <a:bodyPr rtlCol="0" anchor="ctr"/>
+          <a:lstStyle/>
+          <a:p>
+            <a:pPr algn="ctr"/>
+            <a:r>
+              <a:rPr lang="de-DE" dirty="0" smtClean="0"/>
+              <a:t>Page </a:t>
+            </a:r>
+            <a:r>
+              <a:rPr lang="de-DE" dirty="0" err="1" smtClean="0"/>
+              <a:t>Object</a:t>
+            </a:r>
+            <a:endParaRPr lang="de-DE" dirty="0"/>
+          </a:p>
+        </p:txBody>
+      </p:sp>
+      <p:cxnSp>
+        <p:nvCxnSpPr>
+          <p:cNvPr id="10" name="Gerade Verbindung mit Pfeil 9"/>
+          <p:cNvCxnSpPr>
+            <a:stCxn id="5" idx="6"/>
+            <a:endCxn id="2" idx="1"/>
+          </p:cNvCxnSpPr>
+          <p:nvPr/>
+        </p:nvCxnSpPr>
+        <p:spPr>
+          <a:xfrm>
+            <a:off x="3446584" y="1969477"/>
+            <a:ext cx="1755993" cy="974591"/>
+          </a:xfrm>
+          <a:prstGeom prst="straightConnector1">
+            <a:avLst/>
+          </a:prstGeom>
+          <a:ln w="28575">
+            <a:solidFill>
+              <a:schemeClr val="tx1"/>
+            </a:solidFill>
+            <a:tailEnd type="triangle" w="lg" len="lg"/>
+          </a:ln>
+        </p:spPr>
+        <p:style>
+          <a:lnRef idx="1">
+            <a:schemeClr val="accent1"/>
+          </a:lnRef>
+          <a:fillRef idx="0">
+            <a:schemeClr val="accent1"/>
+          </a:fillRef>
+          <a:effectRef idx="0">
+            <a:schemeClr val="accent1"/>
+          </a:effectRef>
+          <a:fontRef idx="minor">
+            <a:schemeClr val="tx1"/>
+          </a:fontRef>
+        </p:style>
+      </p:cxnSp>
+      <p:cxnSp>
+        <p:nvCxnSpPr>
+          <p:cNvPr id="11" name="Gerade Verbindung mit Pfeil 10"/>
+          <p:cNvCxnSpPr>
+            <a:stCxn id="7" idx="2"/>
+            <a:endCxn id="2" idx="7"/>
+          </p:cNvCxnSpPr>
+          <p:nvPr/>
+        </p:nvCxnSpPr>
+        <p:spPr>
+          <a:xfrm flipH="1">
+            <a:off x="6416437" y="2045680"/>
+            <a:ext cx="1784693" cy="898388"/>
+          </a:xfrm>
+          <a:prstGeom prst="straightConnector1">
+            <a:avLst/>
+          </a:prstGeom>
+          <a:ln w="28575">
+            <a:solidFill>
+              <a:schemeClr val="tx1"/>
+            </a:solidFill>
+            <a:tailEnd type="triangle" w="lg" len="lg"/>
+          </a:ln>
+        </p:spPr>
+        <p:style>
+          <a:lnRef idx="1">
+            <a:schemeClr val="accent1"/>
+          </a:lnRef>
+          <a:fillRef idx="0">
+            <a:schemeClr val="accent1"/>
+          </a:fillRef>
+          <a:effectRef idx="0">
+            <a:schemeClr val="accent1"/>
+          </a:effectRef>
+          <a:fontRef idx="minor">
+            <a:schemeClr val="tx1"/>
+          </a:fontRef>
+        </p:style>
+      </p:cxnSp>
+      <p:cxnSp>
+        <p:nvCxnSpPr>
+          <p:cNvPr id="14" name="Gerade Verbindung mit Pfeil 13"/>
+          <p:cNvCxnSpPr>
+            <a:stCxn id="6" idx="6"/>
+            <a:endCxn id="2" idx="3"/>
+          </p:cNvCxnSpPr>
+          <p:nvPr/>
+        </p:nvCxnSpPr>
+        <p:spPr>
+          <a:xfrm flipV="1">
+            <a:off x="3486113" y="3913936"/>
+            <a:ext cx="1716464" cy="678351"/>
+          </a:xfrm>
+          <a:prstGeom prst="straightConnector1">
+            <a:avLst/>
+          </a:prstGeom>
+          <a:ln w="28575">
+            <a:solidFill>
+              <a:schemeClr val="tx1"/>
+            </a:solidFill>
+            <a:tailEnd type="triangle" w="lg" len="lg"/>
+          </a:ln>
+        </p:spPr>
+        <p:style>
+          <a:lnRef idx="1">
+            <a:schemeClr val="accent1"/>
+          </a:lnRef>
+          <a:fillRef idx="0">
+            <a:schemeClr val="accent1"/>
+          </a:fillRef>
+          <a:effectRef idx="0">
+            <a:schemeClr val="accent1"/>
+          </a:effectRef>
+          <a:fontRef idx="minor">
+            <a:schemeClr val="tx1"/>
+          </a:fontRef>
+        </p:style>
+      </p:cxnSp>
+      <p:cxnSp>
+        <p:nvCxnSpPr>
+          <p:cNvPr id="17" name="Gerade Verbindung mit Pfeil 16"/>
+          <p:cNvCxnSpPr>
+            <a:stCxn id="8" idx="2"/>
+            <a:endCxn id="2" idx="5"/>
+          </p:cNvCxnSpPr>
+          <p:nvPr/>
+        </p:nvCxnSpPr>
+        <p:spPr>
+          <a:xfrm flipH="1" flipV="1">
+            <a:off x="6416437" y="3913936"/>
+            <a:ext cx="1773980" cy="790558"/>
+          </a:xfrm>
+          <a:prstGeom prst="straightConnector1">
+            <a:avLst/>
+          </a:prstGeom>
+          <a:ln w="28575">
+            <a:solidFill>
+              <a:schemeClr val="tx1"/>
+            </a:solidFill>
+            <a:tailEnd type="triangle" w="lg" len="lg"/>
+          </a:ln>
+        </p:spPr>
+        <p:style>
+          <a:lnRef idx="1">
+            <a:schemeClr val="accent1"/>
+          </a:lnRef>
+          <a:fillRef idx="0">
+            <a:schemeClr val="accent1"/>
+          </a:fillRef>
+          <a:effectRef idx="0">
+            <a:schemeClr val="accent1"/>
+          </a:effectRef>
+          <a:fontRef idx="minor">
+            <a:schemeClr val="tx1"/>
+          </a:fontRef>
+        </p:style>
+      </p:cxnSp>
+      <p:sp>
+        <p:nvSpPr>
+          <p:cNvPr id="15" name="Ellipse 14"/>
+          <p:cNvSpPr/>
+          <p:nvPr/>
+        </p:nvSpPr>
+        <p:spPr>
+          <a:xfrm>
+            <a:off x="5054322" y="5084670"/>
+            <a:ext cx="1519475" cy="1170620"/>
+          </a:xfrm>
+          <a:prstGeom prst="ellipse">
+            <a:avLst/>
+          </a:prstGeom>
+        </p:spPr>
+        <p:style>
+          <a:lnRef idx="2">
+            <a:schemeClr val="accent1">
+              <a:shade val="50000"/>
+            </a:schemeClr>
+          </a:lnRef>
+          <a:fillRef idx="1">
+            <a:schemeClr val="accent1"/>
+          </a:fillRef>
+          <a:effectRef idx="0">
+            <a:schemeClr val="accent1"/>
+          </a:effectRef>
+          <a:fontRef idx="minor">
+            <a:schemeClr val="lt1"/>
+          </a:fontRef>
+        </p:style>
+        <p:txBody>
+          <a:bodyPr rtlCol="0" anchor="ctr"/>
+          <a:lstStyle/>
+          <a:p>
+            <a:pPr algn="ctr"/>
+            <a:r>
+              <a:rPr lang="de-DE" dirty="0" smtClean="0"/>
+              <a:t>Natural</a:t>
+            </a:r>
+          </a:p>
+          <a:p>
+            <a:pPr algn="ctr"/>
+            <a:r>
+              <a:rPr lang="de-DE" dirty="0" smtClean="0"/>
+              <a:t>Language</a:t>
+            </a:r>
+          </a:p>
+          <a:p>
+            <a:pPr algn="ctr"/>
+            <a:r>
+              <a:rPr lang="de-DE" dirty="0" smtClean="0"/>
+              <a:t>Report</a:t>
+            </a:r>
+            <a:endParaRPr lang="de-DE" dirty="0"/>
+          </a:p>
+        </p:txBody>
+      </p:sp>
+      <p:cxnSp>
+        <p:nvCxnSpPr>
+          <p:cNvPr id="16" name="Gerade Verbindung mit Pfeil 15"/>
+          <p:cNvCxnSpPr>
+            <a:stCxn id="2" idx="4"/>
+            <a:endCxn id="15" idx="0"/>
+          </p:cNvCxnSpPr>
+          <p:nvPr/>
+        </p:nvCxnSpPr>
+        <p:spPr>
+          <a:xfrm>
+            <a:off x="5809507" y="4114802"/>
+            <a:ext cx="4553" cy="969868"/>
+          </a:xfrm>
+          <a:prstGeom prst="straightConnector1">
+            <a:avLst/>
+          </a:prstGeom>
+          <a:ln w="28575">
+            <a:solidFill>
+              <a:schemeClr val="tx1"/>
+            </a:solidFill>
+            <a:tailEnd type="triangle" w="lg" len="lg"/>
+          </a:ln>
+        </p:spPr>
+        <p:style>
+          <a:lnRef idx="1">
+            <a:schemeClr val="accent1"/>
+          </a:lnRef>
+          <a:fillRef idx="0">
+            <a:schemeClr val="accent1"/>
+          </a:fillRef>
+          <a:effectRef idx="0">
+            <a:schemeClr val="accent1"/>
+          </a:effectRef>
+          <a:fontRef idx="minor">
+            <a:schemeClr val="tx1"/>
+          </a:fontRef>
+        </p:style>
+      </p:cxnSp>
+    </p:spTree>
+    <p:extLst>
+      <p:ext uri="{BB962C8B-B14F-4D97-AF65-F5344CB8AC3E}">
+        <p14:creationId xmlns:p14="http://schemas.microsoft.com/office/powerpoint/2010/main" val="1473498961"/>
+      </p:ext>
+    </p:extLst>
+  </p:cSld>
+  <p:clrMapOvr>
+    <a:masterClrMapping/>
+  </p:clrMapOvr>
+</p:sld>
+</file>
+
 <file path=ppt/slides/slide2.xml><?xml version="1.0" encoding="utf-8"?>
 <p:sld xmlns:a="http://schemas.openxmlformats.org/drawingml/2006/main" xmlns:r="http://schemas.openxmlformats.org/officeDocument/2006/relationships" xmlns:p="http://schemas.openxmlformats.org/presentationml/2006/main">
   <p:cSld>
@@ -17538,6 +18873,4178 @@
       </p:par>
     </p:tnLst>
   </p:timing>
+</p:sld>
+</file>
+
+<file path=ppt/slides/slide20.xml><?xml version="1.0" encoding="utf-8"?>
+<p:sld xmlns:a="http://schemas.openxmlformats.org/drawingml/2006/main" xmlns:r="http://schemas.openxmlformats.org/officeDocument/2006/relationships" xmlns:p="http://schemas.openxmlformats.org/presentationml/2006/main">
+  <p:cSld>
+    <p:spTree>
+      <p:nvGrpSpPr>
+        <p:cNvPr id="1" name=""/>
+        <p:cNvGrpSpPr/>
+        <p:nvPr/>
+      </p:nvGrpSpPr>
+      <p:grpSpPr>
+        <a:xfrm>
+          <a:off x="0" y="0"/>
+          <a:ext cx="0" cy="0"/>
+          <a:chOff x="0" y="0"/>
+          <a:chExt cx="0" cy="0"/>
+        </a:xfrm>
+      </p:grpSpPr>
+      <p:sp>
+        <p:nvSpPr>
+          <p:cNvPr id="9" name="Ellipse 8"/>
+          <p:cNvSpPr/>
+          <p:nvPr/>
+        </p:nvSpPr>
+        <p:spPr>
+          <a:xfrm>
+            <a:off x="4013814" y="1188360"/>
+            <a:ext cx="3617407" cy="3433883"/>
+          </a:xfrm>
+          <a:prstGeom prst="ellipse">
+            <a:avLst/>
+          </a:prstGeom>
+          <a:solidFill>
+            <a:schemeClr val="bg1">
+              <a:lumMod val="50000"/>
+            </a:schemeClr>
+          </a:solidFill>
+        </p:spPr>
+        <p:style>
+          <a:lnRef idx="2">
+            <a:schemeClr val="accent1">
+              <a:shade val="50000"/>
+            </a:schemeClr>
+          </a:lnRef>
+          <a:fillRef idx="1">
+            <a:schemeClr val="accent1"/>
+          </a:fillRef>
+          <a:effectRef idx="0">
+            <a:schemeClr val="accent1"/>
+          </a:effectRef>
+          <a:fontRef idx="minor">
+            <a:schemeClr val="lt1"/>
+          </a:fontRef>
+        </p:style>
+        <p:txBody>
+          <a:bodyPr tIns="0" rtlCol="0" anchor="t" anchorCtr="0"/>
+          <a:lstStyle/>
+          <a:p>
+            <a:pPr algn="ctr"/>
+            <a:r>
+              <a:rPr lang="de-DE" sz="4000" b="1" dirty="0" err="1" smtClean="0"/>
+              <a:t>SysNat</a:t>
+            </a:r>
+            <a:endParaRPr lang="de-DE" sz="4000" b="1" dirty="0"/>
+          </a:p>
+        </p:txBody>
+      </p:sp>
+      <p:sp>
+        <p:nvSpPr>
+          <p:cNvPr id="2" name="Ellipse 1"/>
+          <p:cNvSpPr/>
+          <p:nvPr/>
+        </p:nvSpPr>
+        <p:spPr>
+          <a:xfrm>
+            <a:off x="4951179" y="2743202"/>
+            <a:ext cx="1716656" cy="1371600"/>
+          </a:xfrm>
+          <a:prstGeom prst="ellipse">
+            <a:avLst/>
+          </a:prstGeom>
+        </p:spPr>
+        <p:style>
+          <a:lnRef idx="2">
+            <a:schemeClr val="accent1">
+              <a:shade val="50000"/>
+            </a:schemeClr>
+          </a:lnRef>
+          <a:fillRef idx="1">
+            <a:schemeClr val="accent1"/>
+          </a:fillRef>
+          <a:effectRef idx="0">
+            <a:schemeClr val="accent1"/>
+          </a:effectRef>
+          <a:fontRef idx="minor">
+            <a:schemeClr val="lt1"/>
+          </a:fontRef>
+        </p:style>
+        <p:txBody>
+          <a:bodyPr rtlCol="0" anchor="ctr"/>
+          <a:lstStyle/>
+          <a:p>
+            <a:pPr algn="ctr"/>
+            <a:r>
+              <a:rPr lang="de-DE" dirty="0" err="1" smtClean="0"/>
+              <a:t>Executable</a:t>
+            </a:r>
+            <a:endParaRPr lang="de-DE" dirty="0" smtClean="0"/>
+          </a:p>
+          <a:p>
+            <a:pPr algn="ctr"/>
+            <a:r>
+              <a:rPr lang="de-DE" dirty="0" err="1" smtClean="0"/>
+              <a:t>Example</a:t>
+            </a:r>
+            <a:endParaRPr lang="de-DE" dirty="0"/>
+          </a:p>
+        </p:txBody>
+      </p:sp>
+      <p:sp>
+        <p:nvSpPr>
+          <p:cNvPr id="3" name="Rechteck 2"/>
+          <p:cNvSpPr/>
+          <p:nvPr/>
+        </p:nvSpPr>
+        <p:spPr>
+          <a:xfrm>
+            <a:off x="79287" y="336430"/>
+            <a:ext cx="3840038" cy="5589917"/>
+          </a:xfrm>
+          <a:prstGeom prst="rect">
+            <a:avLst/>
+          </a:prstGeom>
+          <a:solidFill>
+            <a:schemeClr val="bg1">
+              <a:lumMod val="85000"/>
+            </a:schemeClr>
+          </a:solidFill>
+        </p:spPr>
+        <p:style>
+          <a:lnRef idx="2">
+            <a:schemeClr val="accent1">
+              <a:shade val="50000"/>
+            </a:schemeClr>
+          </a:lnRef>
+          <a:fillRef idx="1">
+            <a:schemeClr val="accent1"/>
+          </a:fillRef>
+          <a:effectRef idx="0">
+            <a:schemeClr val="accent1"/>
+          </a:effectRef>
+          <a:fontRef idx="minor">
+            <a:schemeClr val="lt1"/>
+          </a:fontRef>
+        </p:style>
+        <p:txBody>
+          <a:bodyPr rtlCol="0" anchor="t" anchorCtr="0"/>
+          <a:lstStyle/>
+          <a:p>
+            <a:pPr algn="ctr"/>
+            <a:r>
+              <a:rPr lang="de-DE" sz="2400" dirty="0" smtClean="0">
+                <a:solidFill>
+                  <a:schemeClr val="tx1"/>
+                </a:solidFill>
+              </a:rPr>
+              <a:t>Domain User</a:t>
+            </a:r>
+            <a:endParaRPr lang="de-DE" sz="2400" dirty="0">
+              <a:solidFill>
+                <a:schemeClr val="tx1"/>
+              </a:solidFill>
+            </a:endParaRPr>
+          </a:p>
+        </p:txBody>
+      </p:sp>
+      <p:sp>
+        <p:nvSpPr>
+          <p:cNvPr id="4" name="Rechteck 3"/>
+          <p:cNvSpPr/>
+          <p:nvPr/>
+        </p:nvSpPr>
+        <p:spPr>
+          <a:xfrm>
+            <a:off x="7796209" y="336430"/>
+            <a:ext cx="4328735" cy="5589917"/>
+          </a:xfrm>
+          <a:prstGeom prst="rect">
+            <a:avLst/>
+          </a:prstGeom>
+          <a:solidFill>
+            <a:schemeClr val="bg1">
+              <a:lumMod val="85000"/>
+            </a:schemeClr>
+          </a:solidFill>
+        </p:spPr>
+        <p:style>
+          <a:lnRef idx="2">
+            <a:schemeClr val="accent1">
+              <a:shade val="50000"/>
+            </a:schemeClr>
+          </a:lnRef>
+          <a:fillRef idx="1">
+            <a:schemeClr val="accent1"/>
+          </a:fillRef>
+          <a:effectRef idx="0">
+            <a:schemeClr val="accent1"/>
+          </a:effectRef>
+          <a:fontRef idx="minor">
+            <a:schemeClr val="lt1"/>
+          </a:fontRef>
+        </p:style>
+        <p:txBody>
+          <a:bodyPr rtlCol="0" anchor="t" anchorCtr="0"/>
+          <a:lstStyle/>
+          <a:p>
+            <a:pPr algn="ctr"/>
+            <a:r>
+              <a:rPr lang="de-DE" sz="2400" dirty="0" smtClean="0">
+                <a:solidFill>
+                  <a:schemeClr val="tx1"/>
+                </a:solidFill>
+              </a:rPr>
+              <a:t>Developer</a:t>
+            </a:r>
+            <a:endParaRPr lang="de-DE" sz="2400" dirty="0">
+              <a:solidFill>
+                <a:schemeClr val="tx1"/>
+              </a:solidFill>
+            </a:endParaRPr>
+          </a:p>
+        </p:txBody>
+      </p:sp>
+      <p:cxnSp>
+        <p:nvCxnSpPr>
+          <p:cNvPr id="10" name="Gerade Verbindung mit Pfeil 9"/>
+          <p:cNvCxnSpPr>
+            <a:endCxn id="2" idx="1"/>
+          </p:cNvCxnSpPr>
+          <p:nvPr/>
+        </p:nvCxnSpPr>
+        <p:spPr>
+          <a:xfrm>
+            <a:off x="3446584" y="1969477"/>
+            <a:ext cx="1755993" cy="974591"/>
+          </a:xfrm>
+          <a:prstGeom prst="straightConnector1">
+            <a:avLst/>
+          </a:prstGeom>
+          <a:ln w="28575">
+            <a:solidFill>
+              <a:schemeClr val="tx1"/>
+            </a:solidFill>
+            <a:tailEnd type="triangle" w="lg" len="lg"/>
+          </a:ln>
+        </p:spPr>
+        <p:style>
+          <a:lnRef idx="1">
+            <a:schemeClr val="accent1"/>
+          </a:lnRef>
+          <a:fillRef idx="0">
+            <a:schemeClr val="accent1"/>
+          </a:fillRef>
+          <a:effectRef idx="0">
+            <a:schemeClr val="accent1"/>
+          </a:effectRef>
+          <a:fontRef idx="minor">
+            <a:schemeClr val="tx1"/>
+          </a:fontRef>
+        </p:style>
+      </p:cxnSp>
+      <p:cxnSp>
+        <p:nvCxnSpPr>
+          <p:cNvPr id="11" name="Gerade Verbindung mit Pfeil 10"/>
+          <p:cNvCxnSpPr>
+            <a:endCxn id="2" idx="7"/>
+          </p:cNvCxnSpPr>
+          <p:nvPr/>
+        </p:nvCxnSpPr>
+        <p:spPr>
+          <a:xfrm flipH="1">
+            <a:off x="6416437" y="2045680"/>
+            <a:ext cx="1784693" cy="898388"/>
+          </a:xfrm>
+          <a:prstGeom prst="straightConnector1">
+            <a:avLst/>
+          </a:prstGeom>
+          <a:ln w="28575">
+            <a:solidFill>
+              <a:schemeClr val="tx1"/>
+            </a:solidFill>
+            <a:tailEnd type="triangle" w="lg" len="lg"/>
+          </a:ln>
+        </p:spPr>
+        <p:style>
+          <a:lnRef idx="1">
+            <a:schemeClr val="accent1"/>
+          </a:lnRef>
+          <a:fillRef idx="0">
+            <a:schemeClr val="accent1"/>
+          </a:fillRef>
+          <a:effectRef idx="0">
+            <a:schemeClr val="accent1"/>
+          </a:effectRef>
+          <a:fontRef idx="minor">
+            <a:schemeClr val="tx1"/>
+          </a:fontRef>
+        </p:style>
+      </p:cxnSp>
+      <p:cxnSp>
+        <p:nvCxnSpPr>
+          <p:cNvPr id="14" name="Gerade Verbindung mit Pfeil 13"/>
+          <p:cNvCxnSpPr>
+            <a:endCxn id="2" idx="3"/>
+          </p:cNvCxnSpPr>
+          <p:nvPr/>
+        </p:nvCxnSpPr>
+        <p:spPr>
+          <a:xfrm flipV="1">
+            <a:off x="3486113" y="3913936"/>
+            <a:ext cx="1716464" cy="678351"/>
+          </a:xfrm>
+          <a:prstGeom prst="straightConnector1">
+            <a:avLst/>
+          </a:prstGeom>
+          <a:ln w="28575">
+            <a:solidFill>
+              <a:schemeClr val="tx1"/>
+            </a:solidFill>
+            <a:tailEnd type="triangle" w="lg" len="lg"/>
+          </a:ln>
+        </p:spPr>
+        <p:style>
+          <a:lnRef idx="1">
+            <a:schemeClr val="accent1"/>
+          </a:lnRef>
+          <a:fillRef idx="0">
+            <a:schemeClr val="accent1"/>
+          </a:fillRef>
+          <a:effectRef idx="0">
+            <a:schemeClr val="accent1"/>
+          </a:effectRef>
+          <a:fontRef idx="minor">
+            <a:schemeClr val="tx1"/>
+          </a:fontRef>
+        </p:style>
+      </p:cxnSp>
+      <p:cxnSp>
+        <p:nvCxnSpPr>
+          <p:cNvPr id="17" name="Gerade Verbindung mit Pfeil 16"/>
+          <p:cNvCxnSpPr>
+            <a:endCxn id="2" idx="5"/>
+          </p:cNvCxnSpPr>
+          <p:nvPr/>
+        </p:nvCxnSpPr>
+        <p:spPr>
+          <a:xfrm flipH="1" flipV="1">
+            <a:off x="6416437" y="3913936"/>
+            <a:ext cx="1773980" cy="790558"/>
+          </a:xfrm>
+          <a:prstGeom prst="straightConnector1">
+            <a:avLst/>
+          </a:prstGeom>
+          <a:ln w="28575">
+            <a:solidFill>
+              <a:schemeClr val="tx1"/>
+            </a:solidFill>
+            <a:tailEnd type="triangle" w="lg" len="lg"/>
+          </a:ln>
+        </p:spPr>
+        <p:style>
+          <a:lnRef idx="1">
+            <a:schemeClr val="accent1"/>
+          </a:lnRef>
+          <a:fillRef idx="0">
+            <a:schemeClr val="accent1"/>
+          </a:fillRef>
+          <a:effectRef idx="0">
+            <a:schemeClr val="accent1"/>
+          </a:effectRef>
+          <a:fontRef idx="minor">
+            <a:schemeClr val="tx1"/>
+          </a:fontRef>
+        </p:style>
+      </p:cxnSp>
+      <p:cxnSp>
+        <p:nvCxnSpPr>
+          <p:cNvPr id="16" name="Gerade Verbindung mit Pfeil 15"/>
+          <p:cNvCxnSpPr>
+            <a:stCxn id="2" idx="4"/>
+          </p:cNvCxnSpPr>
+          <p:nvPr/>
+        </p:nvCxnSpPr>
+        <p:spPr>
+          <a:xfrm>
+            <a:off x="5809507" y="4114802"/>
+            <a:ext cx="13010" cy="1811545"/>
+          </a:xfrm>
+          <a:prstGeom prst="straightConnector1">
+            <a:avLst/>
+          </a:prstGeom>
+          <a:ln w="28575">
+            <a:solidFill>
+              <a:schemeClr val="tx1"/>
+            </a:solidFill>
+            <a:tailEnd type="triangle" w="lg" len="lg"/>
+          </a:ln>
+        </p:spPr>
+        <p:style>
+          <a:lnRef idx="1">
+            <a:schemeClr val="accent1"/>
+          </a:lnRef>
+          <a:fillRef idx="0">
+            <a:schemeClr val="accent1"/>
+          </a:fillRef>
+          <a:effectRef idx="0">
+            <a:schemeClr val="accent1"/>
+          </a:effectRef>
+          <a:fontRef idx="minor">
+            <a:schemeClr val="tx1"/>
+          </a:fontRef>
+        </p:style>
+      </p:cxnSp>
+      <p:pic>
+        <p:nvPicPr>
+          <p:cNvPr id="20" name="Grafik 19"/>
+          <p:cNvPicPr>
+            <a:picLocks noChangeAspect="1"/>
+          </p:cNvPicPr>
+          <p:nvPr/>
+        </p:nvPicPr>
+        <p:blipFill>
+          <a:blip r:embed="rId2"/>
+          <a:stretch>
+            <a:fillRect/>
+          </a:stretch>
+        </p:blipFill>
+        <p:spPr>
+          <a:xfrm>
+            <a:off x="1096546" y="4577115"/>
+            <a:ext cx="2419100" cy="1171882"/>
+          </a:xfrm>
+          <a:prstGeom prst="rect">
+            <a:avLst/>
+          </a:prstGeom>
+        </p:spPr>
+      </p:pic>
+      <p:pic>
+        <p:nvPicPr>
+          <p:cNvPr id="22" name="Grafik 21"/>
+          <p:cNvPicPr>
+            <a:picLocks noChangeAspect="1"/>
+          </p:cNvPicPr>
+          <p:nvPr/>
+        </p:nvPicPr>
+        <p:blipFill>
+          <a:blip r:embed="rId3"/>
+          <a:stretch>
+            <a:fillRect/>
+          </a:stretch>
+        </p:blipFill>
+        <p:spPr>
+          <a:xfrm>
+            <a:off x="144981" y="2306311"/>
+            <a:ext cx="3740421" cy="743327"/>
+          </a:xfrm>
+          <a:prstGeom prst="rect">
+            <a:avLst/>
+          </a:prstGeom>
+        </p:spPr>
+      </p:pic>
+      <p:pic>
+        <p:nvPicPr>
+          <p:cNvPr id="26" name="Grafik 25"/>
+          <p:cNvPicPr>
+            <a:picLocks noChangeAspect="1"/>
+          </p:cNvPicPr>
+          <p:nvPr/>
+        </p:nvPicPr>
+        <p:blipFill>
+          <a:blip r:embed="rId4"/>
+          <a:stretch>
+            <a:fillRect/>
+          </a:stretch>
+        </p:blipFill>
+        <p:spPr>
+          <a:xfrm>
+            <a:off x="3864461" y="5962202"/>
+            <a:ext cx="3995399" cy="662966"/>
+          </a:xfrm>
+          <a:prstGeom prst="rect">
+            <a:avLst/>
+          </a:prstGeom>
+        </p:spPr>
+      </p:pic>
+      <p:pic>
+        <p:nvPicPr>
+          <p:cNvPr id="30" name="Grafik 29"/>
+          <p:cNvPicPr>
+            <a:picLocks noChangeAspect="1"/>
+          </p:cNvPicPr>
+          <p:nvPr/>
+        </p:nvPicPr>
+        <p:blipFill>
+          <a:blip r:embed="rId5"/>
+          <a:stretch>
+            <a:fillRect/>
+          </a:stretch>
+        </p:blipFill>
+        <p:spPr>
+          <a:xfrm>
+            <a:off x="7858829" y="1188361"/>
+            <a:ext cx="4183826" cy="1022042"/>
+          </a:xfrm>
+          <a:prstGeom prst="rect">
+            <a:avLst/>
+          </a:prstGeom>
+        </p:spPr>
+      </p:pic>
+      <p:pic>
+        <p:nvPicPr>
+          <p:cNvPr id="31" name="Grafik 30"/>
+          <p:cNvPicPr>
+            <a:picLocks noChangeAspect="1"/>
+          </p:cNvPicPr>
+          <p:nvPr/>
+        </p:nvPicPr>
+        <p:blipFill>
+          <a:blip r:embed="rId6"/>
+          <a:stretch>
+            <a:fillRect/>
+          </a:stretch>
+        </p:blipFill>
+        <p:spPr>
+          <a:xfrm>
+            <a:off x="7891649" y="4562487"/>
+            <a:ext cx="4151006" cy="572553"/>
+          </a:xfrm>
+          <a:prstGeom prst="rect">
+            <a:avLst/>
+          </a:prstGeom>
+        </p:spPr>
+      </p:pic>
+      <p:pic>
+        <p:nvPicPr>
+          <p:cNvPr id="33" name="Grafik 32"/>
+          <p:cNvPicPr>
+            <a:picLocks noChangeAspect="1"/>
+          </p:cNvPicPr>
+          <p:nvPr/>
+        </p:nvPicPr>
+        <p:blipFill>
+          <a:blip r:embed="rId7"/>
+          <a:stretch>
+            <a:fillRect/>
+          </a:stretch>
+        </p:blipFill>
+        <p:spPr>
+          <a:xfrm>
+            <a:off x="1249986" y="1057014"/>
+            <a:ext cx="2265660" cy="961956"/>
+          </a:xfrm>
+          <a:prstGeom prst="rect">
+            <a:avLst/>
+          </a:prstGeom>
+        </p:spPr>
+      </p:pic>
+      <p:cxnSp>
+        <p:nvCxnSpPr>
+          <p:cNvPr id="35" name="Gerade Verbindung mit Pfeil 34"/>
+          <p:cNvCxnSpPr>
+            <a:stCxn id="22" idx="3"/>
+            <a:endCxn id="2" idx="1"/>
+          </p:cNvCxnSpPr>
+          <p:nvPr/>
+        </p:nvCxnSpPr>
+        <p:spPr>
+          <a:xfrm>
+            <a:off x="3885402" y="2677975"/>
+            <a:ext cx="1317175" cy="266093"/>
+          </a:xfrm>
+          <a:prstGeom prst="straightConnector1">
+            <a:avLst/>
+          </a:prstGeom>
+          <a:ln w="28575">
+            <a:solidFill>
+              <a:schemeClr val="tx1"/>
+            </a:solidFill>
+            <a:tailEnd type="triangle" w="lg" len="lg"/>
+          </a:ln>
+        </p:spPr>
+        <p:style>
+          <a:lnRef idx="1">
+            <a:schemeClr val="accent1"/>
+          </a:lnRef>
+          <a:fillRef idx="0">
+            <a:schemeClr val="accent1"/>
+          </a:fillRef>
+          <a:effectRef idx="0">
+            <a:schemeClr val="accent1"/>
+          </a:effectRef>
+          <a:fontRef idx="minor">
+            <a:schemeClr val="tx1"/>
+          </a:fontRef>
+        </p:style>
+      </p:cxnSp>
+    </p:spTree>
+    <p:extLst>
+      <p:ext uri="{BB962C8B-B14F-4D97-AF65-F5344CB8AC3E}">
+        <p14:creationId xmlns:p14="http://schemas.microsoft.com/office/powerpoint/2010/main" val="1990247617"/>
+      </p:ext>
+    </p:extLst>
+  </p:cSld>
+  <p:clrMapOvr>
+    <a:masterClrMapping/>
+  </p:clrMapOvr>
+</p:sld>
+</file>
+
+<file path=ppt/slides/slide21.xml><?xml version="1.0" encoding="utf-8"?>
+<p:sld xmlns:a="http://schemas.openxmlformats.org/drawingml/2006/main" xmlns:r="http://schemas.openxmlformats.org/officeDocument/2006/relationships" xmlns:p="http://schemas.openxmlformats.org/presentationml/2006/main">
+  <p:cSld>
+    <p:spTree>
+      <p:nvGrpSpPr>
+        <p:cNvPr id="1" name=""/>
+        <p:cNvGrpSpPr/>
+        <p:nvPr/>
+      </p:nvGrpSpPr>
+      <p:grpSpPr>
+        <a:xfrm>
+          <a:off x="0" y="0"/>
+          <a:ext cx="0" cy="0"/>
+          <a:chOff x="0" y="0"/>
+          <a:chExt cx="0" cy="0"/>
+        </a:xfrm>
+      </p:grpSpPr>
+      <p:pic>
+        <p:nvPicPr>
+          <p:cNvPr id="4" name="Grafik 3"/>
+          <p:cNvPicPr>
+            <a:picLocks noChangeAspect="1"/>
+          </p:cNvPicPr>
+          <p:nvPr/>
+        </p:nvPicPr>
+        <p:blipFill>
+          <a:blip r:embed="rId2"/>
+          <a:stretch>
+            <a:fillRect/>
+          </a:stretch>
+        </p:blipFill>
+        <p:spPr>
+          <a:xfrm>
+            <a:off x="9753430" y="3190587"/>
+            <a:ext cx="1980367" cy="1309561"/>
+          </a:xfrm>
+          <a:prstGeom prst="rect">
+            <a:avLst/>
+          </a:prstGeom>
+        </p:spPr>
+      </p:pic>
+      <p:grpSp>
+        <p:nvGrpSpPr>
+          <p:cNvPr id="42" name="Gruppieren 41"/>
+          <p:cNvGrpSpPr/>
+          <p:nvPr/>
+        </p:nvGrpSpPr>
+        <p:grpSpPr>
+          <a:xfrm>
+            <a:off x="2627534" y="2115365"/>
+            <a:ext cx="2575430" cy="1247613"/>
+            <a:chOff x="3761390" y="2115365"/>
+            <a:chExt cx="2575430" cy="1247613"/>
+          </a:xfrm>
+        </p:grpSpPr>
+        <p:pic>
+          <p:nvPicPr>
+            <p:cNvPr id="20" name="Grafik 19"/>
+            <p:cNvPicPr>
+              <a:picLocks noChangeAspect="1"/>
+            </p:cNvPicPr>
+            <p:nvPr/>
+          </p:nvPicPr>
+          <p:blipFill>
+            <a:blip r:embed="rId3"/>
+            <a:stretch>
+              <a:fillRect/>
+            </a:stretch>
+          </p:blipFill>
+          <p:spPr>
+            <a:xfrm>
+              <a:off x="3761390" y="2115365"/>
+              <a:ext cx="2575430" cy="1247613"/>
+            </a:xfrm>
+            <a:prstGeom prst="rect">
+              <a:avLst/>
+            </a:prstGeom>
+          </p:spPr>
+        </p:pic>
+        <p:sp>
+          <p:nvSpPr>
+            <p:cNvPr id="18" name="Ellipse 17"/>
+            <p:cNvSpPr/>
+            <p:nvPr/>
+          </p:nvSpPr>
+          <p:spPr>
+            <a:xfrm>
+              <a:off x="4294632" y="2554482"/>
+              <a:ext cx="1198654" cy="548640"/>
+            </a:xfrm>
+            <a:prstGeom prst="ellipse">
+              <a:avLst/>
+            </a:prstGeom>
+            <a:noFill/>
+            <a:ln w="38100">
+              <a:solidFill>
+                <a:srgbClr val="FF0000"/>
+              </a:solidFill>
+            </a:ln>
+          </p:spPr>
+          <p:style>
+            <a:lnRef idx="2">
+              <a:schemeClr val="accent1">
+                <a:shade val="50000"/>
+              </a:schemeClr>
+            </a:lnRef>
+            <a:fillRef idx="1">
+              <a:schemeClr val="accent1"/>
+            </a:fillRef>
+            <a:effectRef idx="0">
+              <a:schemeClr val="accent1"/>
+            </a:effectRef>
+            <a:fontRef idx="minor">
+              <a:schemeClr val="lt1"/>
+            </a:fontRef>
+          </p:style>
+          <p:txBody>
+            <a:bodyPr rtlCol="0" anchor="ctr"/>
+            <a:lstStyle/>
+            <a:p>
+              <a:pPr algn="ctr"/>
+              <a:endParaRPr lang="de-DE"/>
+            </a:p>
+          </p:txBody>
+        </p:sp>
+      </p:grpSp>
+      <p:grpSp>
+        <p:nvGrpSpPr>
+          <p:cNvPr id="27" name="Gruppieren 26"/>
+          <p:cNvGrpSpPr/>
+          <p:nvPr/>
+        </p:nvGrpSpPr>
+        <p:grpSpPr>
+          <a:xfrm>
+            <a:off x="3549680" y="3803905"/>
+            <a:ext cx="5659550" cy="1124712"/>
+            <a:chOff x="2150648" y="2103121"/>
+            <a:chExt cx="5659550" cy="1124712"/>
+          </a:xfrm>
+        </p:grpSpPr>
+        <p:pic>
+          <p:nvPicPr>
+            <p:cNvPr id="22" name="Grafik 21"/>
+            <p:cNvPicPr>
+              <a:picLocks noChangeAspect="1"/>
+            </p:cNvPicPr>
+            <p:nvPr/>
+          </p:nvPicPr>
+          <p:blipFill>
+            <a:blip r:embed="rId4"/>
+            <a:stretch>
+              <a:fillRect/>
+            </a:stretch>
+          </p:blipFill>
+          <p:spPr>
+            <a:xfrm>
+              <a:off x="2150648" y="2103121"/>
+              <a:ext cx="5659550" cy="1124712"/>
+            </a:xfrm>
+            <a:prstGeom prst="rect">
+              <a:avLst/>
+            </a:prstGeom>
+          </p:spPr>
+        </p:pic>
+        <p:sp>
+          <p:nvSpPr>
+            <p:cNvPr id="5" name="Ellipse 4"/>
+            <p:cNvSpPr/>
+            <p:nvPr/>
+          </p:nvSpPr>
+          <p:spPr>
+            <a:xfrm>
+              <a:off x="3685032" y="2468880"/>
+              <a:ext cx="1198654" cy="548640"/>
+            </a:xfrm>
+            <a:prstGeom prst="ellipse">
+              <a:avLst/>
+            </a:prstGeom>
+            <a:noFill/>
+            <a:ln w="38100">
+              <a:solidFill>
+                <a:srgbClr val="FF0000"/>
+              </a:solidFill>
+            </a:ln>
+          </p:spPr>
+          <p:style>
+            <a:lnRef idx="2">
+              <a:schemeClr val="accent1">
+                <a:shade val="50000"/>
+              </a:schemeClr>
+            </a:lnRef>
+            <a:fillRef idx="1">
+              <a:schemeClr val="accent1"/>
+            </a:fillRef>
+            <a:effectRef idx="0">
+              <a:schemeClr val="accent1"/>
+            </a:effectRef>
+            <a:fontRef idx="minor">
+              <a:schemeClr val="lt1"/>
+            </a:fontRef>
+          </p:style>
+          <p:txBody>
+            <a:bodyPr rtlCol="0" anchor="ctr"/>
+            <a:lstStyle/>
+            <a:p>
+              <a:pPr algn="ctr"/>
+              <a:endParaRPr lang="de-DE"/>
+            </a:p>
+          </p:txBody>
+        </p:sp>
+        <p:sp>
+          <p:nvSpPr>
+            <p:cNvPr id="21" name="Ellipse 20"/>
+            <p:cNvSpPr/>
+            <p:nvPr/>
+          </p:nvSpPr>
+          <p:spPr>
+            <a:xfrm>
+              <a:off x="6418070" y="2468880"/>
+              <a:ext cx="1198654" cy="548640"/>
+            </a:xfrm>
+            <a:prstGeom prst="ellipse">
+              <a:avLst/>
+            </a:prstGeom>
+            <a:noFill/>
+            <a:ln w="38100">
+              <a:solidFill>
+                <a:srgbClr val="FF0000"/>
+              </a:solidFill>
+            </a:ln>
+          </p:spPr>
+          <p:style>
+            <a:lnRef idx="2">
+              <a:schemeClr val="accent1">
+                <a:shade val="50000"/>
+              </a:schemeClr>
+            </a:lnRef>
+            <a:fillRef idx="1">
+              <a:schemeClr val="accent1"/>
+            </a:fillRef>
+            <a:effectRef idx="0">
+              <a:schemeClr val="accent1"/>
+            </a:effectRef>
+            <a:fontRef idx="minor">
+              <a:schemeClr val="lt1"/>
+            </a:fontRef>
+          </p:style>
+          <p:txBody>
+            <a:bodyPr rtlCol="0" anchor="ctr"/>
+            <a:lstStyle/>
+            <a:p>
+              <a:pPr algn="ctr"/>
+              <a:endParaRPr lang="de-DE"/>
+            </a:p>
+          </p:txBody>
+        </p:sp>
+      </p:grpSp>
+      <p:grpSp>
+        <p:nvGrpSpPr>
+          <p:cNvPr id="33" name="Gruppieren 32"/>
+          <p:cNvGrpSpPr/>
+          <p:nvPr/>
+        </p:nvGrpSpPr>
+        <p:grpSpPr>
+          <a:xfrm>
+            <a:off x="2264855" y="5408636"/>
+            <a:ext cx="7766114" cy="1085553"/>
+            <a:chOff x="1789366" y="3399326"/>
+            <a:chExt cx="8448675" cy="1247775"/>
+          </a:xfrm>
+        </p:grpSpPr>
+        <p:pic>
+          <p:nvPicPr>
+            <p:cNvPr id="30" name="Grafik 29"/>
+            <p:cNvPicPr>
+              <a:picLocks noChangeAspect="1"/>
+            </p:cNvPicPr>
+            <p:nvPr/>
+          </p:nvPicPr>
+          <p:blipFill>
+            <a:blip r:embed="rId5"/>
+            <a:stretch>
+              <a:fillRect/>
+            </a:stretch>
+          </p:blipFill>
+          <p:spPr>
+            <a:xfrm>
+              <a:off x="1789366" y="3399326"/>
+              <a:ext cx="8448675" cy="1247775"/>
+            </a:xfrm>
+            <a:prstGeom prst="rect">
+              <a:avLst/>
+            </a:prstGeom>
+          </p:spPr>
+        </p:pic>
+        <p:sp>
+          <p:nvSpPr>
+            <p:cNvPr id="23" name="Ellipse 22"/>
+            <p:cNvSpPr/>
+            <p:nvPr/>
+          </p:nvSpPr>
+          <p:spPr>
+            <a:xfrm>
+              <a:off x="3284615" y="4029200"/>
+              <a:ext cx="1198654" cy="548640"/>
+            </a:xfrm>
+            <a:prstGeom prst="ellipse">
+              <a:avLst/>
+            </a:prstGeom>
+            <a:noFill/>
+            <a:ln w="38100">
+              <a:solidFill>
+                <a:srgbClr val="FF0000"/>
+              </a:solidFill>
+            </a:ln>
+          </p:spPr>
+          <p:style>
+            <a:lnRef idx="2">
+              <a:schemeClr val="accent1">
+                <a:shade val="50000"/>
+              </a:schemeClr>
+            </a:lnRef>
+            <a:fillRef idx="1">
+              <a:schemeClr val="accent1"/>
+            </a:fillRef>
+            <a:effectRef idx="0">
+              <a:schemeClr val="accent1"/>
+            </a:effectRef>
+            <a:fontRef idx="minor">
+              <a:schemeClr val="lt1"/>
+            </a:fontRef>
+          </p:style>
+          <p:txBody>
+            <a:bodyPr rtlCol="0" anchor="ctr"/>
+            <a:lstStyle/>
+            <a:p>
+              <a:pPr algn="ctr"/>
+              <a:endParaRPr lang="de-DE"/>
+            </a:p>
+          </p:txBody>
+        </p:sp>
+      </p:grpSp>
+      <p:cxnSp>
+        <p:nvCxnSpPr>
+          <p:cNvPr id="7" name="Gerader Verbinder 6"/>
+          <p:cNvCxnSpPr>
+            <a:stCxn id="21" idx="3"/>
+            <a:endCxn id="23" idx="7"/>
+          </p:cNvCxnSpPr>
+          <p:nvPr/>
+        </p:nvCxnSpPr>
+        <p:spPr>
+          <a:xfrm flipH="1">
+            <a:off x="4579763" y="4637958"/>
+            <a:ext cx="3412878" cy="1388564"/>
+          </a:xfrm>
+          <a:prstGeom prst="line">
+            <a:avLst/>
+          </a:prstGeom>
+          <a:ln w="28575">
+            <a:solidFill>
+              <a:srgbClr val="FF0000"/>
+            </a:solidFill>
+          </a:ln>
+        </p:spPr>
+        <p:style>
+          <a:lnRef idx="1">
+            <a:schemeClr val="accent1"/>
+          </a:lnRef>
+          <a:fillRef idx="0">
+            <a:schemeClr val="accent1"/>
+          </a:fillRef>
+          <a:effectRef idx="0">
+            <a:schemeClr val="accent1"/>
+          </a:effectRef>
+          <a:fontRef idx="minor">
+            <a:schemeClr val="tx1"/>
+          </a:fontRef>
+        </p:style>
+      </p:cxnSp>
+      <p:cxnSp>
+        <p:nvCxnSpPr>
+          <p:cNvPr id="25" name="Gerader Verbinder 24"/>
+          <p:cNvCxnSpPr>
+            <a:stCxn id="18" idx="5"/>
+            <a:endCxn id="5" idx="1"/>
+          </p:cNvCxnSpPr>
+          <p:nvPr/>
+        </p:nvCxnSpPr>
+        <p:spPr>
+          <a:xfrm>
+            <a:off x="4183891" y="3022776"/>
+            <a:ext cx="1075712" cy="1227234"/>
+          </a:xfrm>
+          <a:prstGeom prst="line">
+            <a:avLst/>
+          </a:prstGeom>
+          <a:ln w="28575">
+            <a:solidFill>
+              <a:srgbClr val="FF0000"/>
+            </a:solidFill>
+          </a:ln>
+        </p:spPr>
+        <p:style>
+          <a:lnRef idx="1">
+            <a:schemeClr val="accent1"/>
+          </a:lnRef>
+          <a:fillRef idx="0">
+            <a:schemeClr val="accent1"/>
+          </a:fillRef>
+          <a:effectRef idx="0">
+            <a:schemeClr val="accent1"/>
+          </a:effectRef>
+          <a:fontRef idx="minor">
+            <a:schemeClr val="tx1"/>
+          </a:fontRef>
+        </p:style>
+      </p:cxnSp>
+      <p:sp>
+        <p:nvSpPr>
+          <p:cNvPr id="34" name="Textfeld 33"/>
+          <p:cNvSpPr txBox="1"/>
+          <p:nvPr/>
+        </p:nvSpPr>
+        <p:spPr>
+          <a:xfrm>
+            <a:off x="54864" y="2194560"/>
+            <a:ext cx="2093976" cy="923330"/>
+          </a:xfrm>
+          <a:prstGeom prst="rect">
+            <a:avLst/>
+          </a:prstGeom>
+          <a:noFill/>
+        </p:spPr>
+        <p:txBody>
+          <a:bodyPr wrap="square" rtlCol="0">
+            <a:spAutoFit/>
+          </a:bodyPr>
+          <a:lstStyle/>
+          <a:p>
+            <a:r>
+              <a:rPr lang="de-DE" dirty="0" smtClean="0"/>
+              <a:t>2. </a:t>
+            </a:r>
+            <a:r>
+              <a:rPr lang="de-DE" dirty="0" err="1" smtClean="0"/>
+              <a:t>Provide</a:t>
+            </a:r>
+            <a:r>
+              <a:rPr lang="de-DE" dirty="0" smtClean="0"/>
+              <a:t> </a:t>
+            </a:r>
+            <a:r>
+              <a:rPr lang="de-DE" dirty="0" err="1" smtClean="0"/>
+              <a:t>new</a:t>
+            </a:r>
+            <a:r>
+              <a:rPr lang="de-DE" dirty="0" smtClean="0"/>
+              <a:t> </a:t>
+            </a:r>
+            <a:r>
+              <a:rPr lang="de-DE" dirty="0" err="1" smtClean="0"/>
+              <a:t>test</a:t>
+            </a:r>
+            <a:r>
+              <a:rPr lang="de-DE" dirty="0" smtClean="0"/>
+              <a:t> </a:t>
+            </a:r>
+            <a:r>
+              <a:rPr lang="de-DE" dirty="0" err="1" smtClean="0"/>
+              <a:t>data</a:t>
+            </a:r>
+            <a:r>
+              <a:rPr lang="de-DE" dirty="0" smtClean="0"/>
+              <a:t> </a:t>
+            </a:r>
+            <a:r>
+              <a:rPr lang="de-DE" dirty="0" err="1" smtClean="0"/>
+              <a:t>as</a:t>
+            </a:r>
+            <a:r>
+              <a:rPr lang="de-DE" dirty="0" smtClean="0"/>
+              <a:t> </a:t>
+            </a:r>
+            <a:r>
+              <a:rPr lang="de-DE" dirty="0" err="1" smtClean="0"/>
+              <a:t>key-value-pairs</a:t>
+            </a:r>
+            <a:r>
+              <a:rPr lang="de-DE" dirty="0" smtClean="0"/>
+              <a:t> in </a:t>
+            </a:r>
+            <a:r>
+              <a:rPr lang="de-DE" dirty="0" err="1" smtClean="0"/>
+              <a:t>data</a:t>
+            </a:r>
+            <a:r>
+              <a:rPr lang="de-DE" dirty="0" smtClean="0"/>
+              <a:t> </a:t>
+            </a:r>
+            <a:r>
+              <a:rPr lang="de-DE" dirty="0" err="1" smtClean="0"/>
+              <a:t>file</a:t>
+            </a:r>
+            <a:r>
+              <a:rPr lang="de-DE" dirty="0" smtClean="0"/>
+              <a:t>.</a:t>
+            </a:r>
+            <a:endParaRPr lang="de-DE" dirty="0"/>
+          </a:p>
+        </p:txBody>
+      </p:sp>
+      <p:sp>
+        <p:nvSpPr>
+          <p:cNvPr id="35" name="Textfeld 34"/>
+          <p:cNvSpPr txBox="1"/>
+          <p:nvPr/>
+        </p:nvSpPr>
+        <p:spPr>
+          <a:xfrm>
+            <a:off x="54864" y="3904596"/>
+            <a:ext cx="2093976" cy="1200329"/>
+          </a:xfrm>
+          <a:prstGeom prst="rect">
+            <a:avLst/>
+          </a:prstGeom>
+          <a:noFill/>
+        </p:spPr>
+        <p:txBody>
+          <a:bodyPr wrap="square" rtlCol="0">
+            <a:spAutoFit/>
+          </a:bodyPr>
+          <a:lstStyle/>
+          <a:p>
+            <a:r>
+              <a:rPr lang="de-DE" dirty="0" smtClean="0"/>
+              <a:t>3. Tell </a:t>
+            </a:r>
+            <a:r>
+              <a:rPr lang="de-DE" dirty="0" err="1" smtClean="0"/>
+              <a:t>which</a:t>
+            </a:r>
+            <a:r>
+              <a:rPr lang="de-DE" dirty="0" smtClean="0"/>
+              <a:t> </a:t>
+            </a:r>
+            <a:r>
+              <a:rPr lang="de-DE" dirty="0" err="1" smtClean="0"/>
+              <a:t>value</a:t>
+            </a:r>
+            <a:r>
+              <a:rPr lang="de-DE" dirty="0" smtClean="0"/>
+              <a:t> </a:t>
+            </a:r>
+            <a:r>
+              <a:rPr lang="de-DE" dirty="0" err="1" smtClean="0"/>
+              <a:t>key</a:t>
+            </a:r>
+            <a:r>
+              <a:rPr lang="de-DE" dirty="0" smtClean="0"/>
+              <a:t> </a:t>
+            </a:r>
+            <a:r>
+              <a:rPr lang="de-DE" dirty="0" err="1" smtClean="0"/>
+              <a:t>is</a:t>
+            </a:r>
+            <a:r>
+              <a:rPr lang="de-DE" dirty="0" smtClean="0"/>
+              <a:t> </a:t>
+            </a:r>
+            <a:r>
+              <a:rPr lang="de-DE" dirty="0" err="1" smtClean="0"/>
+              <a:t>to</a:t>
+            </a:r>
+            <a:r>
+              <a:rPr lang="de-DE" dirty="0" smtClean="0"/>
+              <a:t> </a:t>
+            </a:r>
+            <a:r>
+              <a:rPr lang="de-DE" dirty="0" err="1" smtClean="0"/>
+              <a:t>be</a:t>
+            </a:r>
+            <a:r>
+              <a:rPr lang="de-DE" dirty="0" smtClean="0"/>
+              <a:t> </a:t>
+            </a:r>
+            <a:r>
+              <a:rPr lang="de-DE" dirty="0" err="1" smtClean="0"/>
+              <a:t>used</a:t>
+            </a:r>
+            <a:r>
+              <a:rPr lang="de-DE" dirty="0" smtClean="0"/>
+              <a:t> in </a:t>
+            </a:r>
+            <a:r>
+              <a:rPr lang="de-DE" dirty="0" err="1" smtClean="0"/>
+              <a:t>which</a:t>
+            </a:r>
+            <a:r>
+              <a:rPr lang="de-DE" dirty="0" smtClean="0"/>
+              <a:t> </a:t>
+            </a:r>
+            <a:r>
+              <a:rPr lang="de-DE" dirty="0" err="1" smtClean="0"/>
+              <a:t>way</a:t>
+            </a:r>
+            <a:r>
+              <a:rPr lang="de-DE" dirty="0" smtClean="0"/>
+              <a:t> </a:t>
+            </a:r>
+            <a:r>
+              <a:rPr lang="de-DE" dirty="0" err="1" smtClean="0"/>
+              <a:t>with</a:t>
+            </a:r>
+            <a:r>
+              <a:rPr lang="de-DE" dirty="0" smtClean="0"/>
+              <a:t> </a:t>
+            </a:r>
+            <a:r>
+              <a:rPr lang="de-DE" dirty="0" err="1" smtClean="0"/>
+              <a:t>which</a:t>
+            </a:r>
+            <a:r>
+              <a:rPr lang="de-DE" dirty="0" smtClean="0"/>
+              <a:t> </a:t>
+            </a:r>
+            <a:r>
+              <a:rPr lang="de-DE" dirty="0" err="1" smtClean="0"/>
+              <a:t>field</a:t>
+            </a:r>
+            <a:r>
+              <a:rPr lang="de-DE" dirty="0"/>
+              <a:t>.</a:t>
+            </a:r>
+            <a:endParaRPr lang="de-DE" dirty="0"/>
+          </a:p>
+        </p:txBody>
+      </p:sp>
+      <p:sp>
+        <p:nvSpPr>
+          <p:cNvPr id="36" name="Textfeld 35"/>
+          <p:cNvSpPr txBox="1"/>
+          <p:nvPr/>
+        </p:nvSpPr>
+        <p:spPr>
+          <a:xfrm>
+            <a:off x="99910" y="5408636"/>
+            <a:ext cx="2093976" cy="923330"/>
+          </a:xfrm>
+          <a:prstGeom prst="rect">
+            <a:avLst/>
+          </a:prstGeom>
+          <a:noFill/>
+        </p:spPr>
+        <p:txBody>
+          <a:bodyPr wrap="square" rtlCol="0">
+            <a:spAutoFit/>
+          </a:bodyPr>
+          <a:lstStyle/>
+          <a:p>
+            <a:r>
+              <a:rPr lang="de-DE" dirty="0" smtClean="0"/>
+              <a:t>4. </a:t>
+            </a:r>
+            <a:r>
+              <a:rPr lang="de-DE" dirty="0" err="1" smtClean="0"/>
+              <a:t>Give</a:t>
+            </a:r>
+            <a:r>
+              <a:rPr lang="de-DE" dirty="0" smtClean="0"/>
+              <a:t> </a:t>
+            </a:r>
+            <a:r>
+              <a:rPr lang="de-DE" dirty="0" err="1" smtClean="0"/>
+              <a:t>information</a:t>
+            </a:r>
+            <a:r>
+              <a:rPr lang="de-DE" dirty="0" smtClean="0"/>
+              <a:t> </a:t>
+            </a:r>
+            <a:r>
+              <a:rPr lang="de-DE" dirty="0" err="1" smtClean="0"/>
+              <a:t>where</a:t>
+            </a:r>
+            <a:r>
+              <a:rPr lang="de-DE" dirty="0" smtClean="0"/>
+              <a:t> </a:t>
+            </a:r>
+            <a:r>
+              <a:rPr lang="de-DE" dirty="0" err="1" smtClean="0"/>
+              <a:t>to</a:t>
+            </a:r>
+            <a:r>
+              <a:rPr lang="de-DE" dirty="0" smtClean="0"/>
+              <a:t> find </a:t>
+            </a:r>
+            <a:r>
+              <a:rPr lang="de-DE" dirty="0" err="1" smtClean="0"/>
+              <a:t>the</a:t>
+            </a:r>
+            <a:r>
+              <a:rPr lang="de-DE" dirty="0" smtClean="0"/>
+              <a:t> </a:t>
+            </a:r>
+            <a:r>
+              <a:rPr lang="de-DE" dirty="0" err="1" smtClean="0"/>
+              <a:t>field</a:t>
+            </a:r>
+            <a:r>
+              <a:rPr lang="de-DE" dirty="0" smtClean="0"/>
+              <a:t> in </a:t>
+            </a:r>
+            <a:r>
+              <a:rPr lang="de-DE" dirty="0" err="1" smtClean="0"/>
+              <a:t>the</a:t>
+            </a:r>
+            <a:r>
+              <a:rPr lang="de-DE" dirty="0" smtClean="0"/>
+              <a:t> </a:t>
+            </a:r>
+            <a:r>
+              <a:rPr lang="de-DE" dirty="0" smtClean="0"/>
+              <a:t>GUI.</a:t>
+            </a:r>
+            <a:endParaRPr lang="de-DE" dirty="0"/>
+          </a:p>
+        </p:txBody>
+      </p:sp>
+      <p:grpSp>
+        <p:nvGrpSpPr>
+          <p:cNvPr id="61" name="Gruppieren 60"/>
+          <p:cNvGrpSpPr/>
+          <p:nvPr/>
+        </p:nvGrpSpPr>
+        <p:grpSpPr>
+          <a:xfrm>
+            <a:off x="2451484" y="62111"/>
+            <a:ext cx="3409950" cy="1447800"/>
+            <a:chOff x="3585340" y="52967"/>
+            <a:chExt cx="3409950" cy="1447800"/>
+          </a:xfrm>
+        </p:grpSpPr>
+        <p:pic>
+          <p:nvPicPr>
+            <p:cNvPr id="49" name="Grafik 48"/>
+            <p:cNvPicPr>
+              <a:picLocks noChangeAspect="1"/>
+            </p:cNvPicPr>
+            <p:nvPr/>
+          </p:nvPicPr>
+          <p:blipFill>
+            <a:blip r:embed="rId6"/>
+            <a:stretch>
+              <a:fillRect/>
+            </a:stretch>
+          </p:blipFill>
+          <p:spPr>
+            <a:xfrm>
+              <a:off x="3585340" y="52967"/>
+              <a:ext cx="3409950" cy="1447800"/>
+            </a:xfrm>
+            <a:prstGeom prst="rect">
+              <a:avLst/>
+            </a:prstGeom>
+          </p:spPr>
+        </p:pic>
+        <p:sp>
+          <p:nvSpPr>
+            <p:cNvPr id="41" name="Ellipse 40"/>
+            <p:cNvSpPr/>
+            <p:nvPr/>
+          </p:nvSpPr>
+          <p:spPr>
+            <a:xfrm>
+              <a:off x="4930665" y="714995"/>
+              <a:ext cx="2064625" cy="439048"/>
+            </a:xfrm>
+            <a:prstGeom prst="ellipse">
+              <a:avLst/>
+            </a:prstGeom>
+            <a:noFill/>
+            <a:ln w="38100">
+              <a:solidFill>
+                <a:srgbClr val="FF0000"/>
+              </a:solidFill>
+            </a:ln>
+          </p:spPr>
+          <p:style>
+            <a:lnRef idx="2">
+              <a:schemeClr val="accent1">
+                <a:shade val="50000"/>
+              </a:schemeClr>
+            </a:lnRef>
+            <a:fillRef idx="1">
+              <a:schemeClr val="accent1"/>
+            </a:fillRef>
+            <a:effectRef idx="0">
+              <a:schemeClr val="accent1"/>
+            </a:effectRef>
+            <a:fontRef idx="minor">
+              <a:schemeClr val="lt1"/>
+            </a:fontRef>
+          </p:style>
+          <p:txBody>
+            <a:bodyPr rtlCol="0" anchor="ctr"/>
+            <a:lstStyle/>
+            <a:p>
+              <a:pPr algn="ctr"/>
+              <a:endParaRPr lang="de-DE"/>
+            </a:p>
+          </p:txBody>
+        </p:sp>
+      </p:grpSp>
+      <p:cxnSp>
+        <p:nvCxnSpPr>
+          <p:cNvPr id="44" name="Gerader Verbinder 43"/>
+          <p:cNvCxnSpPr>
+            <a:stCxn id="20" idx="0"/>
+            <a:endCxn id="41" idx="4"/>
+          </p:cNvCxnSpPr>
+          <p:nvPr/>
+        </p:nvCxnSpPr>
+        <p:spPr>
+          <a:xfrm flipV="1">
+            <a:off x="3915249" y="1163187"/>
+            <a:ext cx="913873" cy="952178"/>
+          </a:xfrm>
+          <a:prstGeom prst="line">
+            <a:avLst/>
+          </a:prstGeom>
+          <a:ln w="28575">
+            <a:solidFill>
+              <a:srgbClr val="FF0000"/>
+            </a:solidFill>
+          </a:ln>
+        </p:spPr>
+        <p:style>
+          <a:lnRef idx="1">
+            <a:schemeClr val="accent1"/>
+          </a:lnRef>
+          <a:fillRef idx="0">
+            <a:schemeClr val="accent1"/>
+          </a:fillRef>
+          <a:effectRef idx="0">
+            <a:schemeClr val="accent1"/>
+          </a:effectRef>
+          <a:fontRef idx="minor">
+            <a:schemeClr val="tx1"/>
+          </a:fontRef>
+        </p:style>
+      </p:cxnSp>
+      <p:sp>
+        <p:nvSpPr>
+          <p:cNvPr id="48" name="Textfeld 47"/>
+          <p:cNvSpPr txBox="1"/>
+          <p:nvPr/>
+        </p:nvSpPr>
+        <p:spPr>
+          <a:xfrm>
+            <a:off x="54864" y="422930"/>
+            <a:ext cx="2335120" cy="923330"/>
+          </a:xfrm>
+          <a:prstGeom prst="rect">
+            <a:avLst/>
+          </a:prstGeom>
+          <a:noFill/>
+        </p:spPr>
+        <p:txBody>
+          <a:bodyPr wrap="square" rtlCol="0">
+            <a:spAutoFit/>
+          </a:bodyPr>
+          <a:lstStyle/>
+          <a:p>
+            <a:r>
+              <a:rPr lang="de-DE" dirty="0" smtClean="0"/>
+              <a:t>1</a:t>
+            </a:r>
+            <a:r>
+              <a:rPr lang="de-DE" dirty="0" smtClean="0"/>
+              <a:t>. </a:t>
+            </a:r>
+            <a:r>
+              <a:rPr lang="de-DE" dirty="0" err="1" smtClean="0"/>
+              <a:t>Assure</a:t>
+            </a:r>
+            <a:r>
+              <a:rPr lang="de-DE" dirty="0" smtClean="0"/>
+              <a:t> </a:t>
+            </a:r>
+            <a:r>
+              <a:rPr lang="de-DE" dirty="0" err="1" smtClean="0"/>
+              <a:t>needed</a:t>
+            </a:r>
+            <a:r>
+              <a:rPr lang="de-DE" dirty="0" smtClean="0"/>
+              <a:t> </a:t>
+            </a:r>
+            <a:r>
+              <a:rPr lang="de-DE" dirty="0" err="1" smtClean="0"/>
+              <a:t>test</a:t>
+            </a:r>
+            <a:r>
+              <a:rPr lang="de-DE" dirty="0" smtClean="0"/>
+              <a:t> </a:t>
+            </a:r>
+            <a:r>
+              <a:rPr lang="de-DE" dirty="0" err="1" smtClean="0"/>
+              <a:t>data</a:t>
+            </a:r>
+            <a:r>
+              <a:rPr lang="de-DE" dirty="0" smtClean="0"/>
+              <a:t> </a:t>
+            </a:r>
+            <a:r>
+              <a:rPr lang="de-DE" dirty="0" err="1" smtClean="0"/>
+              <a:t>file</a:t>
+            </a:r>
+            <a:r>
+              <a:rPr lang="de-DE" dirty="0" smtClean="0"/>
+              <a:t> </a:t>
+            </a:r>
+            <a:r>
+              <a:rPr lang="de-DE" dirty="0" err="1" smtClean="0"/>
+              <a:t>is</a:t>
+            </a:r>
+            <a:r>
+              <a:rPr lang="de-DE" dirty="0" smtClean="0"/>
+              <a:t> </a:t>
+            </a:r>
+            <a:r>
+              <a:rPr lang="de-DE" dirty="0" err="1" smtClean="0"/>
+              <a:t>defined</a:t>
+            </a:r>
+            <a:r>
+              <a:rPr lang="de-DE" dirty="0" smtClean="0"/>
+              <a:t> </a:t>
+            </a:r>
+            <a:r>
+              <a:rPr lang="de-DE" dirty="0" err="1" smtClean="0"/>
+              <a:t>for</a:t>
+            </a:r>
+            <a:r>
+              <a:rPr lang="de-DE" dirty="0" smtClean="0"/>
+              <a:t> </a:t>
+            </a:r>
+            <a:r>
+              <a:rPr lang="de-DE" dirty="0" err="1" smtClean="0"/>
+              <a:t>import</a:t>
+            </a:r>
+            <a:r>
+              <a:rPr lang="de-DE" dirty="0" smtClean="0"/>
+              <a:t>.</a:t>
+            </a:r>
+            <a:endParaRPr lang="de-DE" dirty="0"/>
+          </a:p>
+        </p:txBody>
+      </p:sp>
+      <p:sp>
+        <p:nvSpPr>
+          <p:cNvPr id="2" name="Abgerundete rechteckige Legende 1"/>
+          <p:cNvSpPr/>
+          <p:nvPr/>
+        </p:nvSpPr>
+        <p:spPr>
+          <a:xfrm>
+            <a:off x="6978158" y="146713"/>
+            <a:ext cx="1808997" cy="720070"/>
+          </a:xfrm>
+          <a:prstGeom prst="wedgeRoundRectCallout">
+            <a:avLst>
+              <a:gd name="adj1" fmla="val -123125"/>
+              <a:gd name="adj2" fmla="val -32541"/>
+              <a:gd name="adj3" fmla="val 16667"/>
+            </a:avLst>
+          </a:prstGeom>
+        </p:spPr>
+        <p:style>
+          <a:lnRef idx="2">
+            <a:schemeClr val="accent1">
+              <a:shade val="50000"/>
+            </a:schemeClr>
+          </a:lnRef>
+          <a:fillRef idx="1">
+            <a:schemeClr val="accent1"/>
+          </a:fillRef>
+          <a:effectRef idx="0">
+            <a:schemeClr val="accent1"/>
+          </a:effectRef>
+          <a:fontRef idx="minor">
+            <a:schemeClr val="lt1"/>
+          </a:fontRef>
+        </p:style>
+        <p:txBody>
+          <a:bodyPr rtlCol="0" anchor="ctr"/>
+          <a:lstStyle/>
+          <a:p>
+            <a:pPr algn="ctr"/>
+            <a:r>
+              <a:rPr lang="de-DE" dirty="0" err="1" smtClean="0"/>
+              <a:t>Executable</a:t>
+            </a:r>
+            <a:endParaRPr lang="de-DE" dirty="0" smtClean="0"/>
+          </a:p>
+          <a:p>
+            <a:pPr algn="ctr"/>
+            <a:r>
+              <a:rPr lang="de-DE" dirty="0" err="1" smtClean="0"/>
+              <a:t>Example</a:t>
+            </a:r>
+            <a:endParaRPr lang="de-DE" dirty="0"/>
+          </a:p>
+        </p:txBody>
+      </p:sp>
+      <p:sp>
+        <p:nvSpPr>
+          <p:cNvPr id="24" name="Abgerundete rechteckige Legende 23"/>
+          <p:cNvSpPr/>
+          <p:nvPr/>
+        </p:nvSpPr>
+        <p:spPr>
+          <a:xfrm>
+            <a:off x="6912603" y="1302790"/>
+            <a:ext cx="1808997" cy="535154"/>
+          </a:xfrm>
+          <a:prstGeom prst="wedgeRoundRectCallout">
+            <a:avLst>
+              <a:gd name="adj1" fmla="val -152948"/>
+              <a:gd name="adj2" fmla="val 135987"/>
+              <a:gd name="adj3" fmla="val 16667"/>
+            </a:avLst>
+          </a:prstGeom>
+        </p:spPr>
+        <p:style>
+          <a:lnRef idx="2">
+            <a:schemeClr val="accent1">
+              <a:shade val="50000"/>
+            </a:schemeClr>
+          </a:lnRef>
+          <a:fillRef idx="1">
+            <a:schemeClr val="accent1"/>
+          </a:fillRef>
+          <a:effectRef idx="0">
+            <a:schemeClr val="accent1"/>
+          </a:effectRef>
+          <a:fontRef idx="minor">
+            <a:schemeClr val="lt1"/>
+          </a:fontRef>
+        </p:style>
+        <p:txBody>
+          <a:bodyPr rtlCol="0" anchor="ctr"/>
+          <a:lstStyle/>
+          <a:p>
+            <a:pPr algn="ctr"/>
+            <a:r>
+              <a:rPr lang="de-DE" dirty="0" smtClean="0"/>
+              <a:t>Import Data File</a:t>
+            </a:r>
+            <a:endParaRPr lang="de-DE" dirty="0"/>
+          </a:p>
+        </p:txBody>
+      </p:sp>
+      <p:sp>
+        <p:nvSpPr>
+          <p:cNvPr id="26" name="Abgerundete rechteckige Legende 25"/>
+          <p:cNvSpPr/>
+          <p:nvPr/>
+        </p:nvSpPr>
+        <p:spPr>
+          <a:xfrm>
+            <a:off x="6407002" y="2367860"/>
+            <a:ext cx="2074401" cy="720070"/>
+          </a:xfrm>
+          <a:prstGeom prst="wedgeRoundRectCallout">
+            <a:avLst>
+              <a:gd name="adj1" fmla="val -87849"/>
+              <a:gd name="adj2" fmla="val 169369"/>
+              <a:gd name="adj3" fmla="val 16667"/>
+            </a:avLst>
+          </a:prstGeom>
+        </p:spPr>
+        <p:style>
+          <a:lnRef idx="2">
+            <a:schemeClr val="accent1">
+              <a:shade val="50000"/>
+            </a:schemeClr>
+          </a:lnRef>
+          <a:fillRef idx="1">
+            <a:schemeClr val="accent1"/>
+          </a:fillRef>
+          <a:effectRef idx="0">
+            <a:schemeClr val="accent1"/>
+          </a:effectRef>
+          <a:fontRef idx="minor">
+            <a:schemeClr val="lt1"/>
+          </a:fontRef>
+        </p:style>
+        <p:txBody>
+          <a:bodyPr rtlCol="0" anchor="ctr"/>
+          <a:lstStyle/>
+          <a:p>
+            <a:pPr algn="ctr"/>
+            <a:r>
+              <a:rPr lang="de-DE" dirty="0" smtClean="0"/>
+              <a:t>Natural Language</a:t>
+            </a:r>
+          </a:p>
+          <a:p>
+            <a:pPr algn="ctr"/>
+            <a:r>
+              <a:rPr lang="de-DE" dirty="0" smtClean="0"/>
+              <a:t>Script</a:t>
+            </a:r>
+            <a:endParaRPr lang="de-DE" dirty="0"/>
+          </a:p>
+        </p:txBody>
+      </p:sp>
+      <p:sp>
+        <p:nvSpPr>
+          <p:cNvPr id="28" name="Abgerundete rechteckige Legende 27"/>
+          <p:cNvSpPr/>
+          <p:nvPr/>
+        </p:nvSpPr>
+        <p:spPr>
+          <a:xfrm>
+            <a:off x="10653928" y="5445212"/>
+            <a:ext cx="1299209" cy="517904"/>
+          </a:xfrm>
+          <a:prstGeom prst="wedgeRoundRectCallout">
+            <a:avLst>
+              <a:gd name="adj1" fmla="val -126090"/>
+              <a:gd name="adj2" fmla="val -26398"/>
+              <a:gd name="adj3" fmla="val 16667"/>
+            </a:avLst>
+          </a:prstGeom>
+        </p:spPr>
+        <p:style>
+          <a:lnRef idx="2">
+            <a:schemeClr val="accent1">
+              <a:shade val="50000"/>
+            </a:schemeClr>
+          </a:lnRef>
+          <a:fillRef idx="1">
+            <a:schemeClr val="accent1"/>
+          </a:fillRef>
+          <a:effectRef idx="0">
+            <a:schemeClr val="accent1"/>
+          </a:effectRef>
+          <a:fontRef idx="minor">
+            <a:schemeClr val="lt1"/>
+          </a:fontRef>
+        </p:style>
+        <p:txBody>
+          <a:bodyPr rtlCol="0" anchor="ctr"/>
+          <a:lstStyle/>
+          <a:p>
+            <a:pPr algn="ctr"/>
+            <a:r>
+              <a:rPr lang="de-DE" dirty="0" err="1" smtClean="0"/>
+              <a:t>PageObject</a:t>
+            </a:r>
+            <a:endParaRPr lang="de-DE" dirty="0"/>
+          </a:p>
+        </p:txBody>
+      </p:sp>
+      <p:sp>
+        <p:nvSpPr>
+          <p:cNvPr id="37" name="Ellipse 36"/>
+          <p:cNvSpPr/>
+          <p:nvPr/>
+        </p:nvSpPr>
+        <p:spPr>
+          <a:xfrm>
+            <a:off x="5893834" y="6022004"/>
+            <a:ext cx="1110570" cy="345080"/>
+          </a:xfrm>
+          <a:prstGeom prst="ellipse">
+            <a:avLst/>
+          </a:prstGeom>
+          <a:noFill/>
+          <a:ln w="38100">
+            <a:solidFill>
+              <a:srgbClr val="FF0000"/>
+            </a:solidFill>
+          </a:ln>
+        </p:spPr>
+        <p:style>
+          <a:lnRef idx="2">
+            <a:schemeClr val="accent1">
+              <a:shade val="50000"/>
+            </a:schemeClr>
+          </a:lnRef>
+          <a:fillRef idx="1">
+            <a:schemeClr val="accent1"/>
+          </a:fillRef>
+          <a:effectRef idx="0">
+            <a:schemeClr val="accent1"/>
+          </a:effectRef>
+          <a:fontRef idx="minor">
+            <a:schemeClr val="lt1"/>
+          </a:fontRef>
+        </p:style>
+        <p:txBody>
+          <a:bodyPr rtlCol="0" anchor="ctr"/>
+          <a:lstStyle/>
+          <a:p>
+            <a:pPr algn="ctr"/>
+            <a:endParaRPr lang="de-DE"/>
+          </a:p>
+        </p:txBody>
+      </p:sp>
+      <p:sp>
+        <p:nvSpPr>
+          <p:cNvPr id="32" name="Ellipse 31"/>
+          <p:cNvSpPr/>
+          <p:nvPr/>
+        </p:nvSpPr>
+        <p:spPr>
+          <a:xfrm>
+            <a:off x="10468905" y="4169664"/>
+            <a:ext cx="658159" cy="233856"/>
+          </a:xfrm>
+          <a:prstGeom prst="ellipse">
+            <a:avLst/>
+          </a:prstGeom>
+          <a:noFill/>
+          <a:ln w="38100">
+            <a:solidFill>
+              <a:srgbClr val="FF0000"/>
+            </a:solidFill>
+          </a:ln>
+        </p:spPr>
+        <p:style>
+          <a:lnRef idx="2">
+            <a:schemeClr val="accent1">
+              <a:shade val="50000"/>
+            </a:schemeClr>
+          </a:lnRef>
+          <a:fillRef idx="1">
+            <a:schemeClr val="accent1"/>
+          </a:fillRef>
+          <a:effectRef idx="0">
+            <a:schemeClr val="accent1"/>
+          </a:effectRef>
+          <a:fontRef idx="minor">
+            <a:schemeClr val="lt1"/>
+          </a:fontRef>
+        </p:style>
+        <p:txBody>
+          <a:bodyPr rtlCol="0" anchor="ctr"/>
+          <a:lstStyle/>
+          <a:p>
+            <a:pPr algn="ctr"/>
+            <a:endParaRPr lang="de-DE"/>
+          </a:p>
+        </p:txBody>
+      </p:sp>
+      <p:cxnSp>
+        <p:nvCxnSpPr>
+          <p:cNvPr id="38" name="Gerader Verbinder 37"/>
+          <p:cNvCxnSpPr>
+            <a:stCxn id="32" idx="3"/>
+            <a:endCxn id="37" idx="7"/>
+          </p:cNvCxnSpPr>
+          <p:nvPr/>
+        </p:nvCxnSpPr>
+        <p:spPr>
+          <a:xfrm flipH="1">
+            <a:off x="6841765" y="4369273"/>
+            <a:ext cx="3723525" cy="1703267"/>
+          </a:xfrm>
+          <a:prstGeom prst="line">
+            <a:avLst/>
+          </a:prstGeom>
+          <a:ln w="28575">
+            <a:solidFill>
+              <a:srgbClr val="FF0000"/>
+            </a:solidFill>
+          </a:ln>
+        </p:spPr>
+        <p:style>
+          <a:lnRef idx="1">
+            <a:schemeClr val="accent1"/>
+          </a:lnRef>
+          <a:fillRef idx="0">
+            <a:schemeClr val="accent1"/>
+          </a:fillRef>
+          <a:effectRef idx="0">
+            <a:schemeClr val="accent1"/>
+          </a:effectRef>
+          <a:fontRef idx="minor">
+            <a:schemeClr val="tx1"/>
+          </a:fontRef>
+        </p:style>
+      </p:cxnSp>
+      <p:sp>
+        <p:nvSpPr>
+          <p:cNvPr id="39" name="Abgerundete rechteckige Legende 38"/>
+          <p:cNvSpPr/>
+          <p:nvPr/>
+        </p:nvSpPr>
+        <p:spPr>
+          <a:xfrm>
+            <a:off x="9888807" y="1647790"/>
+            <a:ext cx="2074401" cy="720070"/>
+          </a:xfrm>
+          <a:prstGeom prst="wedgeRoundRectCallout">
+            <a:avLst>
+              <a:gd name="adj1" fmla="val -16880"/>
+              <a:gd name="adj2" fmla="val 217624"/>
+              <a:gd name="adj3" fmla="val 16667"/>
+            </a:avLst>
+          </a:prstGeom>
+        </p:spPr>
+        <p:style>
+          <a:lnRef idx="2">
+            <a:schemeClr val="accent1">
+              <a:shade val="50000"/>
+            </a:schemeClr>
+          </a:lnRef>
+          <a:fillRef idx="1">
+            <a:schemeClr val="accent1"/>
+          </a:fillRef>
+          <a:effectRef idx="0">
+            <a:schemeClr val="accent1"/>
+          </a:effectRef>
+          <a:fontRef idx="minor">
+            <a:schemeClr val="lt1"/>
+          </a:fontRef>
+        </p:style>
+        <p:txBody>
+          <a:bodyPr rtlCol="0" anchor="ctr"/>
+          <a:lstStyle/>
+          <a:p>
+            <a:pPr algn="ctr"/>
+            <a:r>
+              <a:rPr lang="de-DE" dirty="0" smtClean="0"/>
+              <a:t>HTML </a:t>
+            </a:r>
+            <a:r>
+              <a:rPr lang="de-DE" dirty="0" err="1" smtClean="0"/>
+              <a:t>code</a:t>
+            </a:r>
+            <a:r>
+              <a:rPr lang="de-DE" dirty="0" smtClean="0"/>
+              <a:t> </a:t>
+            </a:r>
+          </a:p>
+          <a:p>
+            <a:pPr algn="ctr"/>
+            <a:r>
+              <a:rPr lang="de-DE" dirty="0" smtClean="0"/>
+              <a:t>Der </a:t>
+            </a:r>
+            <a:r>
+              <a:rPr lang="de-DE" dirty="0" smtClean="0"/>
+              <a:t>Webseite</a:t>
+            </a:r>
+            <a:endParaRPr lang="de-DE" dirty="0"/>
+          </a:p>
+        </p:txBody>
+      </p:sp>
+    </p:spTree>
+    <p:extLst>
+      <p:ext uri="{BB962C8B-B14F-4D97-AF65-F5344CB8AC3E}">
+        <p14:creationId xmlns:p14="http://schemas.microsoft.com/office/powerpoint/2010/main" val="4054028616"/>
+      </p:ext>
+    </p:extLst>
+  </p:cSld>
+  <p:clrMapOvr>
+    <a:masterClrMapping/>
+  </p:clrMapOvr>
+</p:sld>
+</file>
+
+<file path=ppt/slides/slide22.xml><?xml version="1.0" encoding="utf-8"?>
+<p:sld xmlns:a="http://schemas.openxmlformats.org/drawingml/2006/main" xmlns:r="http://schemas.openxmlformats.org/officeDocument/2006/relationships" xmlns:p="http://schemas.openxmlformats.org/presentationml/2006/main">
+  <p:cSld>
+    <p:spTree>
+      <p:nvGrpSpPr>
+        <p:cNvPr id="1" name=""/>
+        <p:cNvGrpSpPr/>
+        <p:nvPr/>
+      </p:nvGrpSpPr>
+      <p:grpSpPr>
+        <a:xfrm>
+          <a:off x="0" y="0"/>
+          <a:ext cx="0" cy="0"/>
+          <a:chOff x="0" y="0"/>
+          <a:chExt cx="0" cy="0"/>
+        </a:xfrm>
+      </p:grpSpPr>
+      <p:grpSp>
+        <p:nvGrpSpPr>
+          <p:cNvPr id="26" name="Gruppieren 25"/>
+          <p:cNvGrpSpPr/>
+          <p:nvPr/>
+        </p:nvGrpSpPr>
+        <p:grpSpPr>
+          <a:xfrm>
+            <a:off x="5195003" y="602900"/>
+            <a:ext cx="542611" cy="1376625"/>
+            <a:chOff x="763675" y="2964263"/>
+            <a:chExt cx="542611" cy="1376625"/>
+          </a:xfrm>
+        </p:grpSpPr>
+        <p:sp>
+          <p:nvSpPr>
+            <p:cNvPr id="2" name="Smiley 1"/>
+            <p:cNvSpPr/>
+            <p:nvPr/>
+          </p:nvSpPr>
+          <p:spPr>
+            <a:xfrm>
+              <a:off x="844062" y="2964263"/>
+              <a:ext cx="401935" cy="411985"/>
+            </a:xfrm>
+            <a:prstGeom prst="smileyFace">
+              <a:avLst/>
+            </a:prstGeom>
+            <a:solidFill>
+              <a:schemeClr val="bg1"/>
+            </a:solidFill>
+            <a:ln w="28575">
+              <a:solidFill>
+                <a:schemeClr val="tx1"/>
+              </a:solidFill>
+            </a:ln>
+          </p:spPr>
+          <p:style>
+            <a:lnRef idx="2">
+              <a:schemeClr val="accent1">
+                <a:shade val="50000"/>
+              </a:schemeClr>
+            </a:lnRef>
+            <a:fillRef idx="1">
+              <a:schemeClr val="accent1"/>
+            </a:fillRef>
+            <a:effectRef idx="0">
+              <a:schemeClr val="accent1"/>
+            </a:effectRef>
+            <a:fontRef idx="minor">
+              <a:schemeClr val="lt1"/>
+            </a:fontRef>
+          </p:style>
+          <p:txBody>
+            <a:bodyPr rtlCol="0" anchor="ctr"/>
+            <a:lstStyle/>
+            <a:p>
+              <a:pPr algn="ctr"/>
+              <a:endParaRPr lang="de-DE"/>
+            </a:p>
+          </p:txBody>
+        </p:sp>
+        <p:cxnSp>
+          <p:nvCxnSpPr>
+            <p:cNvPr id="4" name="Gerader Verbinder 3"/>
+            <p:cNvCxnSpPr/>
+            <p:nvPr/>
+          </p:nvCxnSpPr>
+          <p:spPr>
+            <a:xfrm>
+              <a:off x="1045029" y="3366198"/>
+              <a:ext cx="10048" cy="542611"/>
+            </a:xfrm>
+            <a:prstGeom prst="line">
+              <a:avLst/>
+            </a:prstGeom>
+            <a:ln w="76200">
+              <a:solidFill>
+                <a:schemeClr val="tx1"/>
+              </a:solidFill>
+            </a:ln>
+          </p:spPr>
+          <p:style>
+            <a:lnRef idx="1">
+              <a:schemeClr val="accent1"/>
+            </a:lnRef>
+            <a:fillRef idx="0">
+              <a:schemeClr val="accent1"/>
+            </a:fillRef>
+            <a:effectRef idx="0">
+              <a:schemeClr val="accent1"/>
+            </a:effectRef>
+            <a:fontRef idx="minor">
+              <a:schemeClr val="tx1"/>
+            </a:fontRef>
+          </p:style>
+        </p:cxnSp>
+        <p:cxnSp>
+          <p:nvCxnSpPr>
+            <p:cNvPr id="5" name="Gerader Verbinder 4"/>
+            <p:cNvCxnSpPr/>
+            <p:nvPr/>
+          </p:nvCxnSpPr>
+          <p:spPr>
+            <a:xfrm>
+              <a:off x="1045029" y="3828422"/>
+              <a:ext cx="261257" cy="512466"/>
+            </a:xfrm>
+            <a:prstGeom prst="line">
+              <a:avLst/>
+            </a:prstGeom>
+            <a:ln w="76200">
+              <a:solidFill>
+                <a:schemeClr val="tx1"/>
+              </a:solidFill>
+            </a:ln>
+          </p:spPr>
+          <p:style>
+            <a:lnRef idx="1">
+              <a:schemeClr val="accent1"/>
+            </a:lnRef>
+            <a:fillRef idx="0">
+              <a:schemeClr val="accent1"/>
+            </a:fillRef>
+            <a:effectRef idx="0">
+              <a:schemeClr val="accent1"/>
+            </a:effectRef>
+            <a:fontRef idx="minor">
+              <a:schemeClr val="tx1"/>
+            </a:fontRef>
+          </p:style>
+        </p:cxnSp>
+        <p:cxnSp>
+          <p:nvCxnSpPr>
+            <p:cNvPr id="8" name="Gerader Verbinder 7"/>
+            <p:cNvCxnSpPr/>
+            <p:nvPr/>
+          </p:nvCxnSpPr>
+          <p:spPr>
+            <a:xfrm flipH="1">
+              <a:off x="763675" y="3878665"/>
+              <a:ext cx="281354" cy="432079"/>
+            </a:xfrm>
+            <a:prstGeom prst="line">
+              <a:avLst/>
+            </a:prstGeom>
+            <a:ln w="76200">
+              <a:solidFill>
+                <a:schemeClr val="tx1"/>
+              </a:solidFill>
+            </a:ln>
+          </p:spPr>
+          <p:style>
+            <a:lnRef idx="1">
+              <a:schemeClr val="accent1"/>
+            </a:lnRef>
+            <a:fillRef idx="0">
+              <a:schemeClr val="accent1"/>
+            </a:fillRef>
+            <a:effectRef idx="0">
+              <a:schemeClr val="accent1"/>
+            </a:effectRef>
+            <a:fontRef idx="minor">
+              <a:schemeClr val="tx1"/>
+            </a:fontRef>
+          </p:style>
+        </p:cxnSp>
+        <p:cxnSp>
+          <p:nvCxnSpPr>
+            <p:cNvPr id="12" name="Gerader Verbinder 11"/>
+            <p:cNvCxnSpPr/>
+            <p:nvPr/>
+          </p:nvCxnSpPr>
+          <p:spPr>
+            <a:xfrm>
+              <a:off x="1045029" y="3466682"/>
+              <a:ext cx="261257" cy="271306"/>
+            </a:xfrm>
+            <a:prstGeom prst="line">
+              <a:avLst/>
+            </a:prstGeom>
+            <a:ln w="76200">
+              <a:solidFill>
+                <a:schemeClr val="tx1"/>
+              </a:solidFill>
+            </a:ln>
+          </p:spPr>
+          <p:style>
+            <a:lnRef idx="1">
+              <a:schemeClr val="accent1"/>
+            </a:lnRef>
+            <a:fillRef idx="0">
+              <a:schemeClr val="accent1"/>
+            </a:fillRef>
+            <a:effectRef idx="0">
+              <a:schemeClr val="accent1"/>
+            </a:effectRef>
+            <a:fontRef idx="minor">
+              <a:schemeClr val="tx1"/>
+            </a:fontRef>
+          </p:style>
+        </p:cxnSp>
+        <p:cxnSp>
+          <p:nvCxnSpPr>
+            <p:cNvPr id="15" name="Gerader Verbinder 14"/>
+            <p:cNvCxnSpPr/>
+            <p:nvPr/>
+          </p:nvCxnSpPr>
+          <p:spPr>
+            <a:xfrm flipH="1">
+              <a:off x="813919" y="3488455"/>
+              <a:ext cx="232786" cy="209340"/>
+            </a:xfrm>
+            <a:prstGeom prst="line">
+              <a:avLst/>
+            </a:prstGeom>
+            <a:ln w="76200">
+              <a:solidFill>
+                <a:schemeClr val="tx1"/>
+              </a:solidFill>
+            </a:ln>
+          </p:spPr>
+          <p:style>
+            <a:lnRef idx="1">
+              <a:schemeClr val="accent1"/>
+            </a:lnRef>
+            <a:fillRef idx="0">
+              <a:schemeClr val="accent1"/>
+            </a:fillRef>
+            <a:effectRef idx="0">
+              <a:schemeClr val="accent1"/>
+            </a:effectRef>
+            <a:fontRef idx="minor">
+              <a:schemeClr val="tx1"/>
+            </a:fontRef>
+          </p:style>
+        </p:cxnSp>
+      </p:grpSp>
+      <p:cxnSp>
+        <p:nvCxnSpPr>
+          <p:cNvPr id="18" name="Gerade Verbindung mit Pfeil 17"/>
+          <p:cNvCxnSpPr>
+            <a:endCxn id="61" idx="0"/>
+          </p:cNvCxnSpPr>
+          <p:nvPr/>
+        </p:nvCxnSpPr>
+        <p:spPr>
+          <a:xfrm>
+            <a:off x="5467973" y="2090058"/>
+            <a:ext cx="0" cy="739305"/>
+          </a:xfrm>
+          <a:prstGeom prst="straightConnector1">
+            <a:avLst/>
+          </a:prstGeom>
+          <a:ln w="28575">
+            <a:solidFill>
+              <a:schemeClr val="accent1">
+                <a:lumMod val="50000"/>
+              </a:schemeClr>
+            </a:solidFill>
+            <a:tailEnd type="triangle" w="lg" len="lg"/>
+          </a:ln>
+        </p:spPr>
+        <p:style>
+          <a:lnRef idx="1">
+            <a:schemeClr val="accent1"/>
+          </a:lnRef>
+          <a:fillRef idx="0">
+            <a:schemeClr val="accent1"/>
+          </a:fillRef>
+          <a:effectRef idx="0">
+            <a:schemeClr val="accent1"/>
+          </a:effectRef>
+          <a:fontRef idx="minor">
+            <a:schemeClr val="tx1"/>
+          </a:fontRef>
+        </p:style>
+      </p:cxnSp>
+      <p:pic>
+        <p:nvPicPr>
+          <p:cNvPr id="24" name="Grafik 23"/>
+          <p:cNvPicPr>
+            <a:picLocks noChangeAspect="1"/>
+          </p:cNvPicPr>
+          <p:nvPr/>
+        </p:nvPicPr>
+        <p:blipFill>
+          <a:blip r:embed="rId2"/>
+          <a:stretch>
+            <a:fillRect/>
+          </a:stretch>
+        </p:blipFill>
+        <p:spPr>
+          <a:xfrm>
+            <a:off x="7650697" y="3004678"/>
+            <a:ext cx="3430231" cy="1379550"/>
+          </a:xfrm>
+          <a:prstGeom prst="rect">
+            <a:avLst/>
+          </a:prstGeom>
+        </p:spPr>
+      </p:pic>
+      <p:sp>
+        <p:nvSpPr>
+          <p:cNvPr id="25" name="Textfeld 24"/>
+          <p:cNvSpPr txBox="1"/>
+          <p:nvPr/>
+        </p:nvSpPr>
+        <p:spPr>
+          <a:xfrm>
+            <a:off x="8243543" y="4464614"/>
+            <a:ext cx="1673022" cy="369332"/>
+          </a:xfrm>
+          <a:prstGeom prst="rect">
+            <a:avLst/>
+          </a:prstGeom>
+          <a:noFill/>
+        </p:spPr>
+        <p:txBody>
+          <a:bodyPr wrap="none" rtlCol="0">
+            <a:spAutoFit/>
+          </a:bodyPr>
+          <a:lstStyle/>
+          <a:p>
+            <a:r>
+              <a:rPr lang="de-DE" dirty="0" err="1" smtClean="0"/>
+              <a:t>JUnit</a:t>
+            </a:r>
+            <a:r>
+              <a:rPr lang="de-DE" dirty="0" smtClean="0"/>
+              <a:t>-Java-Code</a:t>
+            </a:r>
+            <a:endParaRPr lang="de-DE" dirty="0"/>
+          </a:p>
+        </p:txBody>
+      </p:sp>
+      <p:pic>
+        <p:nvPicPr>
+          <p:cNvPr id="33" name="Grafik 32"/>
+          <p:cNvPicPr>
+            <a:picLocks noChangeAspect="1"/>
+          </p:cNvPicPr>
+          <p:nvPr/>
+        </p:nvPicPr>
+        <p:blipFill>
+          <a:blip r:embed="rId3"/>
+          <a:stretch>
+            <a:fillRect/>
+          </a:stretch>
+        </p:blipFill>
+        <p:spPr>
+          <a:xfrm>
+            <a:off x="8134354" y="588619"/>
+            <a:ext cx="2898740" cy="1360762"/>
+          </a:xfrm>
+          <a:prstGeom prst="rect">
+            <a:avLst/>
+          </a:prstGeom>
+        </p:spPr>
+      </p:pic>
+      <p:cxnSp>
+        <p:nvCxnSpPr>
+          <p:cNvPr id="34" name="Gerade Verbindung mit Pfeil 33"/>
+          <p:cNvCxnSpPr>
+            <a:stCxn id="24" idx="0"/>
+          </p:cNvCxnSpPr>
+          <p:nvPr/>
+        </p:nvCxnSpPr>
+        <p:spPr>
+          <a:xfrm flipH="1" flipV="1">
+            <a:off x="9362662" y="2201434"/>
+            <a:ext cx="3151" cy="803244"/>
+          </a:xfrm>
+          <a:prstGeom prst="straightConnector1">
+            <a:avLst/>
+          </a:prstGeom>
+          <a:ln w="28575">
+            <a:solidFill>
+              <a:schemeClr val="accent1">
+                <a:lumMod val="50000"/>
+              </a:schemeClr>
+            </a:solidFill>
+            <a:tailEnd type="triangle" w="lg" len="lg"/>
+          </a:ln>
+        </p:spPr>
+        <p:style>
+          <a:lnRef idx="1">
+            <a:schemeClr val="accent1"/>
+          </a:lnRef>
+          <a:fillRef idx="0">
+            <a:schemeClr val="accent1"/>
+          </a:fillRef>
+          <a:effectRef idx="0">
+            <a:schemeClr val="accent1"/>
+          </a:effectRef>
+          <a:fontRef idx="minor">
+            <a:schemeClr val="tx1"/>
+          </a:fontRef>
+        </p:style>
+      </p:cxnSp>
+      <p:sp>
+        <p:nvSpPr>
+          <p:cNvPr id="37" name="Textfeld 36"/>
+          <p:cNvSpPr txBox="1"/>
+          <p:nvPr/>
+        </p:nvSpPr>
+        <p:spPr>
+          <a:xfrm>
+            <a:off x="8731670" y="1875246"/>
+            <a:ext cx="1276440" cy="369332"/>
+          </a:xfrm>
+          <a:prstGeom prst="rect">
+            <a:avLst/>
+          </a:prstGeom>
+          <a:noFill/>
+        </p:spPr>
+        <p:txBody>
+          <a:bodyPr wrap="none" rtlCol="0">
+            <a:spAutoFit/>
+          </a:bodyPr>
+          <a:lstStyle/>
+          <a:p>
+            <a:r>
+              <a:rPr lang="de-DE" dirty="0" smtClean="0"/>
+              <a:t>Test </a:t>
+            </a:r>
+            <a:r>
+              <a:rPr lang="de-DE" dirty="0" err="1" smtClean="0"/>
+              <a:t>Results</a:t>
+            </a:r>
+            <a:endParaRPr lang="de-DE" dirty="0"/>
+          </a:p>
+        </p:txBody>
+      </p:sp>
+      <p:pic>
+        <p:nvPicPr>
+          <p:cNvPr id="61" name="Grafik 60"/>
+          <p:cNvPicPr>
+            <a:picLocks noChangeAspect="1"/>
+          </p:cNvPicPr>
+          <p:nvPr/>
+        </p:nvPicPr>
+        <p:blipFill>
+          <a:blip r:embed="rId4"/>
+          <a:stretch>
+            <a:fillRect/>
+          </a:stretch>
+        </p:blipFill>
+        <p:spPr>
+          <a:xfrm>
+            <a:off x="4350557" y="2829363"/>
+            <a:ext cx="2234832" cy="1742638"/>
+          </a:xfrm>
+          <a:prstGeom prst="rect">
+            <a:avLst/>
+          </a:prstGeom>
+        </p:spPr>
+      </p:pic>
+      <p:cxnSp>
+        <p:nvCxnSpPr>
+          <p:cNvPr id="68" name="Gerade Verbindung mit Pfeil 67"/>
+          <p:cNvCxnSpPr>
+            <a:endCxn id="24" idx="1"/>
+          </p:cNvCxnSpPr>
+          <p:nvPr/>
+        </p:nvCxnSpPr>
+        <p:spPr>
+          <a:xfrm>
+            <a:off x="6524048" y="3694453"/>
+            <a:ext cx="1126649" cy="0"/>
+          </a:xfrm>
+          <a:prstGeom prst="straightConnector1">
+            <a:avLst/>
+          </a:prstGeom>
+          <a:ln w="28575">
+            <a:solidFill>
+              <a:schemeClr val="accent1">
+                <a:lumMod val="50000"/>
+              </a:schemeClr>
+            </a:solidFill>
+            <a:tailEnd type="triangle" w="lg" len="lg"/>
+          </a:ln>
+        </p:spPr>
+        <p:style>
+          <a:lnRef idx="1">
+            <a:schemeClr val="accent1"/>
+          </a:lnRef>
+          <a:fillRef idx="0">
+            <a:schemeClr val="accent1"/>
+          </a:fillRef>
+          <a:effectRef idx="0">
+            <a:schemeClr val="accent1"/>
+          </a:effectRef>
+          <a:fontRef idx="minor">
+            <a:schemeClr val="tx1"/>
+          </a:fontRef>
+        </p:style>
+      </p:cxnSp>
+      <p:sp>
+        <p:nvSpPr>
+          <p:cNvPr id="71" name="Textfeld 70"/>
+          <p:cNvSpPr txBox="1"/>
+          <p:nvPr/>
+        </p:nvSpPr>
+        <p:spPr>
+          <a:xfrm>
+            <a:off x="4089937" y="4474662"/>
+            <a:ext cx="2583592" cy="369332"/>
+          </a:xfrm>
+          <a:prstGeom prst="rect">
+            <a:avLst/>
+          </a:prstGeom>
+          <a:noFill/>
+        </p:spPr>
+        <p:txBody>
+          <a:bodyPr wrap="none" rtlCol="0">
+            <a:spAutoFit/>
+          </a:bodyPr>
+          <a:lstStyle/>
+          <a:p>
+            <a:r>
+              <a:rPr lang="de-DE" dirty="0" err="1"/>
+              <a:t>SysNatTestCaseGenerator</a:t>
+            </a:r>
+            <a:endParaRPr lang="de-DE" dirty="0"/>
+          </a:p>
+        </p:txBody>
+      </p:sp>
+      <p:sp>
+        <p:nvSpPr>
+          <p:cNvPr id="73" name="Textfeld 72"/>
+          <p:cNvSpPr txBox="1"/>
+          <p:nvPr/>
+        </p:nvSpPr>
+        <p:spPr>
+          <a:xfrm>
+            <a:off x="5467973" y="2201434"/>
+            <a:ext cx="654025" cy="338554"/>
+          </a:xfrm>
+          <a:prstGeom prst="rect">
+            <a:avLst/>
+          </a:prstGeom>
+          <a:noFill/>
+        </p:spPr>
+        <p:txBody>
+          <a:bodyPr wrap="none" rtlCol="0">
+            <a:spAutoFit/>
+          </a:bodyPr>
+          <a:lstStyle/>
+          <a:p>
+            <a:r>
+              <a:rPr lang="de-DE" sz="1600" i="1" dirty="0" err="1" smtClean="0">
+                <a:solidFill>
+                  <a:schemeClr val="accent1">
+                    <a:lumMod val="50000"/>
+                  </a:schemeClr>
+                </a:solidFill>
+              </a:rPr>
+              <a:t>starts</a:t>
+            </a:r>
+            <a:endParaRPr lang="de-DE" sz="1600" i="1" dirty="0">
+              <a:solidFill>
+                <a:schemeClr val="accent1">
+                  <a:lumMod val="50000"/>
+                </a:schemeClr>
+              </a:solidFill>
+            </a:endParaRPr>
+          </a:p>
+        </p:txBody>
+      </p:sp>
+      <p:sp>
+        <p:nvSpPr>
+          <p:cNvPr id="74" name="Textfeld 73"/>
+          <p:cNvSpPr txBox="1"/>
+          <p:nvPr/>
+        </p:nvSpPr>
+        <p:spPr>
+          <a:xfrm>
+            <a:off x="6504632" y="3380746"/>
+            <a:ext cx="1012841" cy="338554"/>
+          </a:xfrm>
+          <a:prstGeom prst="rect">
+            <a:avLst/>
+          </a:prstGeom>
+          <a:noFill/>
+        </p:spPr>
+        <p:txBody>
+          <a:bodyPr wrap="none" rtlCol="0">
+            <a:spAutoFit/>
+          </a:bodyPr>
+          <a:lstStyle/>
+          <a:p>
+            <a:r>
+              <a:rPr lang="de-DE" sz="1600" i="1" dirty="0" err="1" smtClean="0">
+                <a:solidFill>
+                  <a:schemeClr val="accent1">
+                    <a:lumMod val="50000"/>
+                  </a:schemeClr>
+                </a:solidFill>
+              </a:rPr>
+              <a:t>generates</a:t>
+            </a:r>
+            <a:endParaRPr lang="de-DE" sz="1600" i="1" dirty="0">
+              <a:solidFill>
+                <a:schemeClr val="accent1">
+                  <a:lumMod val="50000"/>
+                </a:schemeClr>
+              </a:solidFill>
+            </a:endParaRPr>
+          </a:p>
+        </p:txBody>
+      </p:sp>
+      <p:sp>
+        <p:nvSpPr>
+          <p:cNvPr id="75" name="Textfeld 74"/>
+          <p:cNvSpPr txBox="1"/>
+          <p:nvPr/>
+        </p:nvSpPr>
+        <p:spPr>
+          <a:xfrm>
+            <a:off x="9362662" y="2456654"/>
+            <a:ext cx="2497212" cy="338554"/>
+          </a:xfrm>
+          <a:prstGeom prst="rect">
+            <a:avLst/>
+          </a:prstGeom>
+          <a:noFill/>
+        </p:spPr>
+        <p:txBody>
+          <a:bodyPr wrap="square" rtlCol="0">
+            <a:spAutoFit/>
+          </a:bodyPr>
+          <a:lstStyle/>
+          <a:p>
+            <a:r>
+              <a:rPr lang="de-DE" sz="1600" i="1" dirty="0" err="1">
+                <a:solidFill>
+                  <a:schemeClr val="accent1">
+                    <a:lumMod val="50000"/>
+                  </a:schemeClr>
+                </a:solidFill>
+              </a:rPr>
+              <a:t>c</a:t>
+            </a:r>
+            <a:r>
+              <a:rPr lang="de-DE" sz="1600" i="1" dirty="0" err="1" smtClean="0">
+                <a:solidFill>
+                  <a:schemeClr val="accent1">
+                    <a:lumMod val="50000"/>
+                  </a:schemeClr>
+                </a:solidFill>
+              </a:rPr>
+              <a:t>reates</a:t>
+            </a:r>
+            <a:r>
+              <a:rPr lang="de-DE" sz="1600" i="1" dirty="0" smtClean="0">
+                <a:solidFill>
+                  <a:schemeClr val="accent1">
+                    <a:lumMod val="50000"/>
+                  </a:schemeClr>
+                </a:solidFill>
+              </a:rPr>
+              <a:t> </a:t>
+            </a:r>
+            <a:r>
+              <a:rPr lang="de-DE" sz="1600" i="1" dirty="0" err="1" smtClean="0">
+                <a:solidFill>
+                  <a:schemeClr val="accent1">
+                    <a:lumMod val="50000"/>
+                  </a:schemeClr>
+                </a:solidFill>
+              </a:rPr>
+              <a:t>by</a:t>
+            </a:r>
+            <a:r>
+              <a:rPr lang="de-DE" sz="1600" i="1" dirty="0" smtClean="0">
+                <a:solidFill>
+                  <a:schemeClr val="accent1">
+                    <a:lumMod val="50000"/>
+                  </a:schemeClr>
+                </a:solidFill>
+              </a:rPr>
+              <a:t> </a:t>
+            </a:r>
+            <a:r>
+              <a:rPr lang="de-DE" sz="1600" i="1" dirty="0" err="1" smtClean="0">
+                <a:solidFill>
+                  <a:schemeClr val="accent1">
+                    <a:lumMod val="50000"/>
+                  </a:schemeClr>
+                </a:solidFill>
+              </a:rPr>
+              <a:t>being</a:t>
+            </a:r>
+            <a:r>
+              <a:rPr lang="de-DE" sz="1600" i="1" dirty="0" smtClean="0">
+                <a:solidFill>
+                  <a:schemeClr val="accent1">
+                    <a:lumMod val="50000"/>
+                  </a:schemeClr>
+                </a:solidFill>
+              </a:rPr>
+              <a:t> </a:t>
+            </a:r>
+            <a:r>
+              <a:rPr lang="de-DE" sz="1600" i="1" dirty="0" err="1" smtClean="0">
+                <a:solidFill>
+                  <a:schemeClr val="accent1">
+                    <a:lumMod val="50000"/>
+                  </a:schemeClr>
+                </a:solidFill>
+              </a:rPr>
+              <a:t>executed</a:t>
+            </a:r>
+            <a:endParaRPr lang="de-DE" sz="1600" i="1" dirty="0" smtClean="0">
+              <a:solidFill>
+                <a:schemeClr val="accent1">
+                  <a:lumMod val="50000"/>
+                </a:schemeClr>
+              </a:solidFill>
+            </a:endParaRPr>
+          </a:p>
+        </p:txBody>
+      </p:sp>
+    </p:spTree>
+    <p:extLst>
+      <p:ext uri="{BB962C8B-B14F-4D97-AF65-F5344CB8AC3E}">
+        <p14:creationId xmlns:p14="http://schemas.microsoft.com/office/powerpoint/2010/main" val="3728935155"/>
+      </p:ext>
+    </p:extLst>
+  </p:cSld>
+  <p:clrMapOvr>
+    <a:masterClrMapping/>
+  </p:clrMapOvr>
+</p:sld>
+</file>
+
+<file path=ppt/slides/slide23.xml><?xml version="1.0" encoding="utf-8"?>
+<p:sld xmlns:a="http://schemas.openxmlformats.org/drawingml/2006/main" xmlns:r="http://schemas.openxmlformats.org/officeDocument/2006/relationships" xmlns:p="http://schemas.openxmlformats.org/presentationml/2006/main">
+  <p:cSld>
+    <p:spTree>
+      <p:nvGrpSpPr>
+        <p:cNvPr id="1" name=""/>
+        <p:cNvGrpSpPr/>
+        <p:nvPr/>
+      </p:nvGrpSpPr>
+      <p:grpSpPr>
+        <a:xfrm>
+          <a:off x="0" y="0"/>
+          <a:ext cx="0" cy="0"/>
+          <a:chOff x="0" y="0"/>
+          <a:chExt cx="0" cy="0"/>
+        </a:xfrm>
+      </p:grpSpPr>
+      <p:pic>
+        <p:nvPicPr>
+          <p:cNvPr id="23" name="Grafik 22"/>
+          <p:cNvPicPr>
+            <a:picLocks noChangeAspect="1"/>
+          </p:cNvPicPr>
+          <p:nvPr/>
+        </p:nvPicPr>
+        <p:blipFill>
+          <a:blip r:embed="rId2"/>
+          <a:stretch>
+            <a:fillRect/>
+          </a:stretch>
+        </p:blipFill>
+        <p:spPr>
+          <a:xfrm>
+            <a:off x="935112" y="2472870"/>
+            <a:ext cx="2264768" cy="1553736"/>
+          </a:xfrm>
+          <a:prstGeom prst="rect">
+            <a:avLst/>
+          </a:prstGeom>
+        </p:spPr>
+      </p:pic>
+      <p:grpSp>
+        <p:nvGrpSpPr>
+          <p:cNvPr id="26" name="Gruppieren 25"/>
+          <p:cNvGrpSpPr/>
+          <p:nvPr/>
+        </p:nvGrpSpPr>
+        <p:grpSpPr>
+          <a:xfrm>
+            <a:off x="1796190" y="179884"/>
+            <a:ext cx="542611" cy="1376625"/>
+            <a:chOff x="763675" y="2964263"/>
+            <a:chExt cx="542611" cy="1376625"/>
+          </a:xfrm>
+        </p:grpSpPr>
+        <p:sp>
+          <p:nvSpPr>
+            <p:cNvPr id="2" name="Smiley 1"/>
+            <p:cNvSpPr/>
+            <p:nvPr/>
+          </p:nvSpPr>
+          <p:spPr>
+            <a:xfrm>
+              <a:off x="844062" y="2964263"/>
+              <a:ext cx="401935" cy="411985"/>
+            </a:xfrm>
+            <a:prstGeom prst="smileyFace">
+              <a:avLst/>
+            </a:prstGeom>
+            <a:solidFill>
+              <a:schemeClr val="bg1"/>
+            </a:solidFill>
+            <a:ln w="28575">
+              <a:solidFill>
+                <a:schemeClr val="tx1"/>
+              </a:solidFill>
+            </a:ln>
+          </p:spPr>
+          <p:style>
+            <a:lnRef idx="2">
+              <a:schemeClr val="accent1">
+                <a:shade val="50000"/>
+              </a:schemeClr>
+            </a:lnRef>
+            <a:fillRef idx="1">
+              <a:schemeClr val="accent1"/>
+            </a:fillRef>
+            <a:effectRef idx="0">
+              <a:schemeClr val="accent1"/>
+            </a:effectRef>
+            <a:fontRef idx="minor">
+              <a:schemeClr val="lt1"/>
+            </a:fontRef>
+          </p:style>
+          <p:txBody>
+            <a:bodyPr rtlCol="0" anchor="ctr"/>
+            <a:lstStyle/>
+            <a:p>
+              <a:pPr algn="ctr"/>
+              <a:endParaRPr lang="de-DE"/>
+            </a:p>
+          </p:txBody>
+        </p:sp>
+        <p:cxnSp>
+          <p:nvCxnSpPr>
+            <p:cNvPr id="4" name="Gerader Verbinder 3"/>
+            <p:cNvCxnSpPr/>
+            <p:nvPr/>
+          </p:nvCxnSpPr>
+          <p:spPr>
+            <a:xfrm>
+              <a:off x="1045029" y="3366198"/>
+              <a:ext cx="10048" cy="542611"/>
+            </a:xfrm>
+            <a:prstGeom prst="line">
+              <a:avLst/>
+            </a:prstGeom>
+            <a:ln w="76200">
+              <a:solidFill>
+                <a:schemeClr val="tx1"/>
+              </a:solidFill>
+            </a:ln>
+          </p:spPr>
+          <p:style>
+            <a:lnRef idx="1">
+              <a:schemeClr val="accent1"/>
+            </a:lnRef>
+            <a:fillRef idx="0">
+              <a:schemeClr val="accent1"/>
+            </a:fillRef>
+            <a:effectRef idx="0">
+              <a:schemeClr val="accent1"/>
+            </a:effectRef>
+            <a:fontRef idx="minor">
+              <a:schemeClr val="tx1"/>
+            </a:fontRef>
+          </p:style>
+        </p:cxnSp>
+        <p:cxnSp>
+          <p:nvCxnSpPr>
+            <p:cNvPr id="5" name="Gerader Verbinder 4"/>
+            <p:cNvCxnSpPr/>
+            <p:nvPr/>
+          </p:nvCxnSpPr>
+          <p:spPr>
+            <a:xfrm>
+              <a:off x="1045029" y="3828422"/>
+              <a:ext cx="261257" cy="512466"/>
+            </a:xfrm>
+            <a:prstGeom prst="line">
+              <a:avLst/>
+            </a:prstGeom>
+            <a:ln w="76200">
+              <a:solidFill>
+                <a:schemeClr val="tx1"/>
+              </a:solidFill>
+            </a:ln>
+          </p:spPr>
+          <p:style>
+            <a:lnRef idx="1">
+              <a:schemeClr val="accent1"/>
+            </a:lnRef>
+            <a:fillRef idx="0">
+              <a:schemeClr val="accent1"/>
+            </a:fillRef>
+            <a:effectRef idx="0">
+              <a:schemeClr val="accent1"/>
+            </a:effectRef>
+            <a:fontRef idx="minor">
+              <a:schemeClr val="tx1"/>
+            </a:fontRef>
+          </p:style>
+        </p:cxnSp>
+        <p:cxnSp>
+          <p:nvCxnSpPr>
+            <p:cNvPr id="8" name="Gerader Verbinder 7"/>
+            <p:cNvCxnSpPr/>
+            <p:nvPr/>
+          </p:nvCxnSpPr>
+          <p:spPr>
+            <a:xfrm flipH="1">
+              <a:off x="763675" y="3878665"/>
+              <a:ext cx="281354" cy="432079"/>
+            </a:xfrm>
+            <a:prstGeom prst="line">
+              <a:avLst/>
+            </a:prstGeom>
+            <a:ln w="76200">
+              <a:solidFill>
+                <a:schemeClr val="tx1"/>
+              </a:solidFill>
+            </a:ln>
+          </p:spPr>
+          <p:style>
+            <a:lnRef idx="1">
+              <a:schemeClr val="accent1"/>
+            </a:lnRef>
+            <a:fillRef idx="0">
+              <a:schemeClr val="accent1"/>
+            </a:fillRef>
+            <a:effectRef idx="0">
+              <a:schemeClr val="accent1"/>
+            </a:effectRef>
+            <a:fontRef idx="minor">
+              <a:schemeClr val="tx1"/>
+            </a:fontRef>
+          </p:style>
+        </p:cxnSp>
+        <p:cxnSp>
+          <p:nvCxnSpPr>
+            <p:cNvPr id="12" name="Gerader Verbinder 11"/>
+            <p:cNvCxnSpPr/>
+            <p:nvPr/>
+          </p:nvCxnSpPr>
+          <p:spPr>
+            <a:xfrm>
+              <a:off x="1045029" y="3466682"/>
+              <a:ext cx="261257" cy="271306"/>
+            </a:xfrm>
+            <a:prstGeom prst="line">
+              <a:avLst/>
+            </a:prstGeom>
+            <a:ln w="76200">
+              <a:solidFill>
+                <a:schemeClr val="tx1"/>
+              </a:solidFill>
+            </a:ln>
+          </p:spPr>
+          <p:style>
+            <a:lnRef idx="1">
+              <a:schemeClr val="accent1"/>
+            </a:lnRef>
+            <a:fillRef idx="0">
+              <a:schemeClr val="accent1"/>
+            </a:fillRef>
+            <a:effectRef idx="0">
+              <a:schemeClr val="accent1"/>
+            </a:effectRef>
+            <a:fontRef idx="minor">
+              <a:schemeClr val="tx1"/>
+            </a:fontRef>
+          </p:style>
+        </p:cxnSp>
+        <p:cxnSp>
+          <p:nvCxnSpPr>
+            <p:cNvPr id="15" name="Gerader Verbinder 14"/>
+            <p:cNvCxnSpPr/>
+            <p:nvPr/>
+          </p:nvCxnSpPr>
+          <p:spPr>
+            <a:xfrm flipH="1">
+              <a:off x="813919" y="3488455"/>
+              <a:ext cx="232786" cy="209340"/>
+            </a:xfrm>
+            <a:prstGeom prst="line">
+              <a:avLst/>
+            </a:prstGeom>
+            <a:ln w="76200">
+              <a:solidFill>
+                <a:schemeClr val="tx1"/>
+              </a:solidFill>
+            </a:ln>
+          </p:spPr>
+          <p:style>
+            <a:lnRef idx="1">
+              <a:schemeClr val="accent1"/>
+            </a:lnRef>
+            <a:fillRef idx="0">
+              <a:schemeClr val="accent1"/>
+            </a:fillRef>
+            <a:effectRef idx="0">
+              <a:schemeClr val="accent1"/>
+            </a:effectRef>
+            <a:fontRef idx="minor">
+              <a:schemeClr val="tx1"/>
+            </a:fontRef>
+          </p:style>
+        </p:cxnSp>
+      </p:grpSp>
+      <p:sp>
+        <p:nvSpPr>
+          <p:cNvPr id="20" name="Textfeld 19"/>
+          <p:cNvSpPr txBox="1"/>
+          <p:nvPr/>
+        </p:nvSpPr>
+        <p:spPr>
+          <a:xfrm>
+            <a:off x="961774" y="4026606"/>
+            <a:ext cx="2264338" cy="369332"/>
+          </a:xfrm>
+          <a:prstGeom prst="rect">
+            <a:avLst/>
+          </a:prstGeom>
+          <a:noFill/>
+        </p:spPr>
+        <p:txBody>
+          <a:bodyPr wrap="none" rtlCol="0">
+            <a:spAutoFit/>
+          </a:bodyPr>
+          <a:lstStyle/>
+          <a:p>
+            <a:r>
+              <a:rPr lang="de-DE" dirty="0" err="1" smtClean="0"/>
+              <a:t>SettingConfigDialogue</a:t>
+            </a:r>
+            <a:endParaRPr lang="de-DE" dirty="0"/>
+          </a:p>
+        </p:txBody>
+      </p:sp>
+      <p:pic>
+        <p:nvPicPr>
+          <p:cNvPr id="24" name="Grafik 23"/>
+          <p:cNvPicPr>
+            <a:picLocks noChangeAspect="1"/>
+          </p:cNvPicPr>
+          <p:nvPr/>
+        </p:nvPicPr>
+        <p:blipFill>
+          <a:blip r:embed="rId3"/>
+          <a:stretch>
+            <a:fillRect/>
+          </a:stretch>
+        </p:blipFill>
+        <p:spPr>
+          <a:xfrm>
+            <a:off x="4151376" y="4988694"/>
+            <a:ext cx="2990799" cy="1202822"/>
+          </a:xfrm>
+          <a:prstGeom prst="rect">
+            <a:avLst/>
+          </a:prstGeom>
+        </p:spPr>
+      </p:pic>
+      <p:sp>
+        <p:nvSpPr>
+          <p:cNvPr id="25" name="Textfeld 24"/>
+          <p:cNvSpPr txBox="1"/>
+          <p:nvPr/>
+        </p:nvSpPr>
+        <p:spPr>
+          <a:xfrm>
+            <a:off x="4744585" y="6220037"/>
+            <a:ext cx="1673022" cy="369332"/>
+          </a:xfrm>
+          <a:prstGeom prst="rect">
+            <a:avLst/>
+          </a:prstGeom>
+          <a:noFill/>
+        </p:spPr>
+        <p:txBody>
+          <a:bodyPr wrap="none" rtlCol="0">
+            <a:spAutoFit/>
+          </a:bodyPr>
+          <a:lstStyle/>
+          <a:p>
+            <a:r>
+              <a:rPr lang="de-DE" dirty="0" err="1" smtClean="0"/>
+              <a:t>JUnit</a:t>
+            </a:r>
+            <a:r>
+              <a:rPr lang="de-DE" dirty="0" smtClean="0"/>
+              <a:t>-Java-Code</a:t>
+            </a:r>
+            <a:endParaRPr lang="de-DE" dirty="0"/>
+          </a:p>
+        </p:txBody>
+      </p:sp>
+      <p:pic>
+        <p:nvPicPr>
+          <p:cNvPr id="33" name="Grafik 32"/>
+          <p:cNvPicPr>
+            <a:picLocks noChangeAspect="1"/>
+          </p:cNvPicPr>
+          <p:nvPr/>
+        </p:nvPicPr>
+        <p:blipFill>
+          <a:blip r:embed="rId4"/>
+          <a:stretch>
+            <a:fillRect/>
+          </a:stretch>
+        </p:blipFill>
+        <p:spPr>
+          <a:xfrm>
+            <a:off x="4229011" y="170002"/>
+            <a:ext cx="2898740" cy="1360762"/>
+          </a:xfrm>
+          <a:prstGeom prst="rect">
+            <a:avLst/>
+          </a:prstGeom>
+        </p:spPr>
+      </p:pic>
+      <p:cxnSp>
+        <p:nvCxnSpPr>
+          <p:cNvPr id="34" name="Gerade Verbindung mit Pfeil 33"/>
+          <p:cNvCxnSpPr>
+            <a:stCxn id="61" idx="0"/>
+            <a:endCxn id="33" idx="2"/>
+          </p:cNvCxnSpPr>
+          <p:nvPr/>
+        </p:nvCxnSpPr>
+        <p:spPr>
+          <a:xfrm flipH="1" flipV="1">
+            <a:off x="5678381" y="1530764"/>
+            <a:ext cx="9048" cy="850543"/>
+          </a:xfrm>
+          <a:prstGeom prst="straightConnector1">
+            <a:avLst/>
+          </a:prstGeom>
+          <a:ln w="28575">
+            <a:solidFill>
+              <a:schemeClr val="accent1">
+                <a:lumMod val="50000"/>
+              </a:schemeClr>
+            </a:solidFill>
+            <a:tailEnd type="triangle" w="lg" len="lg"/>
+          </a:ln>
+        </p:spPr>
+        <p:style>
+          <a:lnRef idx="1">
+            <a:schemeClr val="accent1"/>
+          </a:lnRef>
+          <a:fillRef idx="0">
+            <a:schemeClr val="accent1"/>
+          </a:fillRef>
+          <a:effectRef idx="0">
+            <a:schemeClr val="accent1"/>
+          </a:effectRef>
+          <a:fontRef idx="minor">
+            <a:schemeClr val="tx1"/>
+          </a:fontRef>
+        </p:style>
+      </p:cxnSp>
+      <p:cxnSp>
+        <p:nvCxnSpPr>
+          <p:cNvPr id="41" name="Gerade Verbindung mit Pfeil 40"/>
+          <p:cNvCxnSpPr>
+            <a:endCxn id="23" idx="0"/>
+          </p:cNvCxnSpPr>
+          <p:nvPr/>
+        </p:nvCxnSpPr>
+        <p:spPr>
+          <a:xfrm>
+            <a:off x="2067496" y="1619408"/>
+            <a:ext cx="0" cy="853462"/>
+          </a:xfrm>
+          <a:prstGeom prst="straightConnector1">
+            <a:avLst/>
+          </a:prstGeom>
+          <a:ln w="28575">
+            <a:solidFill>
+              <a:schemeClr val="accent1">
+                <a:lumMod val="50000"/>
+              </a:schemeClr>
+            </a:solidFill>
+            <a:tailEnd type="triangle" w="lg" len="lg"/>
+          </a:ln>
+        </p:spPr>
+        <p:style>
+          <a:lnRef idx="1">
+            <a:schemeClr val="accent1"/>
+          </a:lnRef>
+          <a:fillRef idx="0">
+            <a:schemeClr val="accent1"/>
+          </a:fillRef>
+          <a:effectRef idx="0">
+            <a:schemeClr val="accent1"/>
+          </a:effectRef>
+          <a:fontRef idx="minor">
+            <a:schemeClr val="tx1"/>
+          </a:fontRef>
+        </p:style>
+      </p:cxnSp>
+      <p:sp>
+        <p:nvSpPr>
+          <p:cNvPr id="45" name="Textfeld 44"/>
+          <p:cNvSpPr txBox="1"/>
+          <p:nvPr/>
+        </p:nvSpPr>
+        <p:spPr>
+          <a:xfrm>
+            <a:off x="2044524" y="1804750"/>
+            <a:ext cx="679994" cy="338554"/>
+          </a:xfrm>
+          <a:prstGeom prst="rect">
+            <a:avLst/>
+          </a:prstGeom>
+          <a:noFill/>
+        </p:spPr>
+        <p:txBody>
+          <a:bodyPr wrap="none" rtlCol="0">
+            <a:spAutoFit/>
+          </a:bodyPr>
+          <a:lstStyle/>
+          <a:p>
+            <a:r>
+              <a:rPr lang="de-DE" sz="1600" i="1" dirty="0" err="1" smtClean="0">
+                <a:solidFill>
+                  <a:schemeClr val="accent1">
+                    <a:lumMod val="50000"/>
+                  </a:schemeClr>
+                </a:solidFill>
+              </a:rPr>
+              <a:t>opens</a:t>
+            </a:r>
+            <a:endParaRPr lang="de-DE" sz="1600" i="1" dirty="0">
+              <a:solidFill>
+                <a:schemeClr val="accent1">
+                  <a:lumMod val="50000"/>
+                </a:schemeClr>
+              </a:solidFill>
+            </a:endParaRPr>
+          </a:p>
+        </p:txBody>
+      </p:sp>
+      <p:pic>
+        <p:nvPicPr>
+          <p:cNvPr id="61" name="Grafik 60"/>
+          <p:cNvPicPr>
+            <a:picLocks noChangeAspect="1"/>
+          </p:cNvPicPr>
+          <p:nvPr/>
+        </p:nvPicPr>
+        <p:blipFill>
+          <a:blip r:embed="rId5"/>
+          <a:stretch>
+            <a:fillRect/>
+          </a:stretch>
+        </p:blipFill>
+        <p:spPr>
+          <a:xfrm>
+            <a:off x="4570013" y="2381307"/>
+            <a:ext cx="2234832" cy="1742638"/>
+          </a:xfrm>
+          <a:prstGeom prst="rect">
+            <a:avLst/>
+          </a:prstGeom>
+        </p:spPr>
+      </p:pic>
+      <p:cxnSp>
+        <p:nvCxnSpPr>
+          <p:cNvPr id="68" name="Gerade Verbindung mit Pfeil 67"/>
+          <p:cNvCxnSpPr>
+            <a:stCxn id="71" idx="2"/>
+            <a:endCxn id="24" idx="0"/>
+          </p:cNvCxnSpPr>
+          <p:nvPr/>
+        </p:nvCxnSpPr>
+        <p:spPr>
+          <a:xfrm>
+            <a:off x="5638249" y="4395938"/>
+            <a:ext cx="8527" cy="592756"/>
+          </a:xfrm>
+          <a:prstGeom prst="straightConnector1">
+            <a:avLst/>
+          </a:prstGeom>
+          <a:ln w="28575">
+            <a:solidFill>
+              <a:schemeClr val="accent1">
+                <a:lumMod val="50000"/>
+              </a:schemeClr>
+            </a:solidFill>
+            <a:tailEnd type="triangle" w="lg" len="lg"/>
+          </a:ln>
+        </p:spPr>
+        <p:style>
+          <a:lnRef idx="1">
+            <a:schemeClr val="accent1"/>
+          </a:lnRef>
+          <a:fillRef idx="0">
+            <a:schemeClr val="accent1"/>
+          </a:fillRef>
+          <a:effectRef idx="0">
+            <a:schemeClr val="accent1"/>
+          </a:effectRef>
+          <a:fontRef idx="minor">
+            <a:schemeClr val="tx1"/>
+          </a:fontRef>
+        </p:style>
+      </p:cxnSp>
+      <p:sp>
+        <p:nvSpPr>
+          <p:cNvPr id="71" name="Textfeld 70"/>
+          <p:cNvSpPr txBox="1"/>
+          <p:nvPr/>
+        </p:nvSpPr>
+        <p:spPr>
+          <a:xfrm>
+            <a:off x="4903753" y="4026606"/>
+            <a:ext cx="1468992" cy="369332"/>
+          </a:xfrm>
+          <a:prstGeom prst="rect">
+            <a:avLst/>
+          </a:prstGeom>
+          <a:noFill/>
+        </p:spPr>
+        <p:txBody>
+          <a:bodyPr wrap="none" rtlCol="0">
+            <a:spAutoFit/>
+          </a:bodyPr>
+          <a:lstStyle/>
+          <a:p>
+            <a:r>
+              <a:rPr lang="de-DE" dirty="0" err="1" smtClean="0"/>
+              <a:t>SysNatTesting</a:t>
+            </a:r>
+            <a:endParaRPr lang="de-DE" dirty="0"/>
+          </a:p>
+        </p:txBody>
+      </p:sp>
+      <p:sp>
+        <p:nvSpPr>
+          <p:cNvPr id="74" name="Textfeld 73"/>
+          <p:cNvSpPr txBox="1"/>
+          <p:nvPr/>
+        </p:nvSpPr>
+        <p:spPr>
+          <a:xfrm>
+            <a:off x="4485227" y="4416552"/>
+            <a:ext cx="1214820" cy="338554"/>
+          </a:xfrm>
+          <a:prstGeom prst="rect">
+            <a:avLst/>
+          </a:prstGeom>
+          <a:noFill/>
+        </p:spPr>
+        <p:txBody>
+          <a:bodyPr wrap="none" rtlCol="0">
+            <a:spAutoFit/>
+          </a:bodyPr>
+          <a:lstStyle/>
+          <a:p>
+            <a:r>
+              <a:rPr lang="de-DE" sz="1600" i="1" dirty="0" smtClean="0">
+                <a:solidFill>
+                  <a:schemeClr val="accent1">
+                    <a:lumMod val="50000"/>
+                  </a:schemeClr>
+                </a:solidFill>
+              </a:rPr>
+              <a:t>1. </a:t>
+            </a:r>
+            <a:r>
+              <a:rPr lang="de-DE" sz="1600" i="1" dirty="0" err="1" smtClean="0">
+                <a:solidFill>
+                  <a:schemeClr val="accent1">
+                    <a:lumMod val="50000"/>
+                  </a:schemeClr>
+                </a:solidFill>
+              </a:rPr>
+              <a:t>generates</a:t>
+            </a:r>
+            <a:endParaRPr lang="de-DE" sz="1600" i="1" dirty="0">
+              <a:solidFill>
+                <a:schemeClr val="accent1">
+                  <a:lumMod val="50000"/>
+                </a:schemeClr>
+              </a:solidFill>
+            </a:endParaRPr>
+          </a:p>
+        </p:txBody>
+      </p:sp>
+      <p:sp>
+        <p:nvSpPr>
+          <p:cNvPr id="75" name="Textfeld 74"/>
+          <p:cNvSpPr txBox="1"/>
+          <p:nvPr/>
+        </p:nvSpPr>
+        <p:spPr>
+          <a:xfrm>
+            <a:off x="5670195" y="1796522"/>
+            <a:ext cx="1134650" cy="338554"/>
+          </a:xfrm>
+          <a:prstGeom prst="rect">
+            <a:avLst/>
+          </a:prstGeom>
+          <a:noFill/>
+        </p:spPr>
+        <p:txBody>
+          <a:bodyPr wrap="square" rtlCol="0">
+            <a:spAutoFit/>
+          </a:bodyPr>
+          <a:lstStyle/>
+          <a:p>
+            <a:r>
+              <a:rPr lang="de-DE" sz="1600" i="1" dirty="0" smtClean="0">
+                <a:solidFill>
+                  <a:schemeClr val="accent1">
+                    <a:lumMod val="50000"/>
+                  </a:schemeClr>
+                </a:solidFill>
+              </a:rPr>
+              <a:t>3. </a:t>
+            </a:r>
+            <a:r>
+              <a:rPr lang="de-DE" sz="1600" i="1" dirty="0" err="1" smtClean="0">
+                <a:solidFill>
+                  <a:schemeClr val="accent1">
+                    <a:lumMod val="50000"/>
+                  </a:schemeClr>
+                </a:solidFill>
+              </a:rPr>
+              <a:t>creates</a:t>
+            </a:r>
+            <a:endParaRPr lang="de-DE" sz="1600" i="1" dirty="0" smtClean="0">
+              <a:solidFill>
+                <a:schemeClr val="accent1">
+                  <a:lumMod val="50000"/>
+                </a:schemeClr>
+              </a:solidFill>
+            </a:endParaRPr>
+          </a:p>
+        </p:txBody>
+      </p:sp>
+      <p:sp>
+        <p:nvSpPr>
+          <p:cNvPr id="72" name="Textfeld 71"/>
+          <p:cNvSpPr txBox="1"/>
+          <p:nvPr/>
+        </p:nvSpPr>
+        <p:spPr>
+          <a:xfrm>
+            <a:off x="3529702" y="2942738"/>
+            <a:ext cx="654025" cy="338554"/>
+          </a:xfrm>
+          <a:prstGeom prst="rect">
+            <a:avLst/>
+          </a:prstGeom>
+          <a:noFill/>
+        </p:spPr>
+        <p:txBody>
+          <a:bodyPr wrap="none" rtlCol="0">
+            <a:spAutoFit/>
+          </a:bodyPr>
+          <a:lstStyle/>
+          <a:p>
+            <a:r>
+              <a:rPr lang="de-DE" sz="1600" i="1" dirty="0" err="1" smtClean="0">
+                <a:solidFill>
+                  <a:schemeClr val="accent1">
+                    <a:lumMod val="50000"/>
+                  </a:schemeClr>
+                </a:solidFill>
+              </a:rPr>
+              <a:t>starts</a:t>
+            </a:r>
+            <a:endParaRPr lang="de-DE" sz="1600" i="1" dirty="0">
+              <a:solidFill>
+                <a:schemeClr val="accent1">
+                  <a:lumMod val="50000"/>
+                </a:schemeClr>
+              </a:solidFill>
+            </a:endParaRPr>
+          </a:p>
+        </p:txBody>
+      </p:sp>
+      <p:cxnSp>
+        <p:nvCxnSpPr>
+          <p:cNvPr id="21" name="Gerade Verbindung mit Pfeil 20"/>
+          <p:cNvCxnSpPr>
+            <a:stCxn id="23" idx="3"/>
+            <a:endCxn id="61" idx="1"/>
+          </p:cNvCxnSpPr>
+          <p:nvPr/>
+        </p:nvCxnSpPr>
+        <p:spPr>
+          <a:xfrm>
+            <a:off x="3199880" y="3249738"/>
+            <a:ext cx="1370133" cy="2888"/>
+          </a:xfrm>
+          <a:prstGeom prst="straightConnector1">
+            <a:avLst/>
+          </a:prstGeom>
+          <a:ln w="28575">
+            <a:solidFill>
+              <a:schemeClr val="accent1">
+                <a:lumMod val="50000"/>
+              </a:schemeClr>
+            </a:solidFill>
+            <a:tailEnd type="triangle" w="lg" len="lg"/>
+          </a:ln>
+        </p:spPr>
+        <p:style>
+          <a:lnRef idx="1">
+            <a:schemeClr val="accent1"/>
+          </a:lnRef>
+          <a:fillRef idx="0">
+            <a:schemeClr val="accent1"/>
+          </a:fillRef>
+          <a:effectRef idx="0">
+            <a:schemeClr val="accent1"/>
+          </a:effectRef>
+          <a:fontRef idx="minor">
+            <a:schemeClr val="tx1"/>
+          </a:fontRef>
+        </p:style>
+      </p:cxnSp>
+      <p:pic>
+        <p:nvPicPr>
+          <p:cNvPr id="11" name="Grafik 10"/>
+          <p:cNvPicPr>
+            <a:picLocks noChangeAspect="1"/>
+          </p:cNvPicPr>
+          <p:nvPr/>
+        </p:nvPicPr>
+        <p:blipFill>
+          <a:blip r:embed="rId6">
+            <a:extLst>
+              <a:ext uri="{28A0092B-C50C-407E-A947-70E740481C1C}">
+                <a14:useLocalDpi xmlns:a14="http://schemas.microsoft.com/office/drawing/2010/main" val="0"/>
+              </a:ext>
+            </a:extLst>
+          </a:blip>
+          <a:stretch>
+            <a:fillRect/>
+          </a:stretch>
+        </p:blipFill>
+        <p:spPr>
+          <a:xfrm>
+            <a:off x="8275320" y="3034204"/>
+            <a:ext cx="2112082" cy="531221"/>
+          </a:xfrm>
+          <a:prstGeom prst="rect">
+            <a:avLst/>
+          </a:prstGeom>
+        </p:spPr>
+      </p:pic>
+      <p:pic>
+        <p:nvPicPr>
+          <p:cNvPr id="13" name="Grafik 12"/>
+          <p:cNvPicPr>
+            <a:picLocks noChangeAspect="1"/>
+          </p:cNvPicPr>
+          <p:nvPr/>
+        </p:nvPicPr>
+        <p:blipFill>
+          <a:blip r:embed="rId7">
+            <a:extLst>
+              <a:ext uri="{28A0092B-C50C-407E-A947-70E740481C1C}">
+                <a14:useLocalDpi xmlns:a14="http://schemas.microsoft.com/office/drawing/2010/main" val="0"/>
+              </a:ext>
+            </a:extLst>
+          </a:blip>
+          <a:stretch>
+            <a:fillRect/>
+          </a:stretch>
+        </p:blipFill>
+        <p:spPr>
+          <a:xfrm>
+            <a:off x="8139946" y="4755106"/>
+            <a:ext cx="891917" cy="1688696"/>
+          </a:xfrm>
+          <a:prstGeom prst="rect">
+            <a:avLst/>
+          </a:prstGeom>
+        </p:spPr>
+      </p:pic>
+      <p:cxnSp>
+        <p:nvCxnSpPr>
+          <p:cNvPr id="47" name="Gerade Verbindung mit Pfeil 46"/>
+          <p:cNvCxnSpPr/>
+          <p:nvPr/>
+        </p:nvCxnSpPr>
+        <p:spPr>
+          <a:xfrm>
+            <a:off x="6601974" y="3246397"/>
+            <a:ext cx="1472178" cy="6669"/>
+          </a:xfrm>
+          <a:prstGeom prst="straightConnector1">
+            <a:avLst/>
+          </a:prstGeom>
+          <a:ln w="28575">
+            <a:solidFill>
+              <a:schemeClr val="accent1">
+                <a:lumMod val="50000"/>
+              </a:schemeClr>
+            </a:solidFill>
+            <a:tailEnd type="triangle" w="lg" len="lg"/>
+          </a:ln>
+        </p:spPr>
+        <p:style>
+          <a:lnRef idx="1">
+            <a:schemeClr val="accent1"/>
+          </a:lnRef>
+          <a:fillRef idx="0">
+            <a:schemeClr val="accent1"/>
+          </a:fillRef>
+          <a:effectRef idx="0">
+            <a:schemeClr val="accent1"/>
+          </a:effectRef>
+          <a:fontRef idx="minor">
+            <a:schemeClr val="tx1"/>
+          </a:fontRef>
+        </p:style>
+      </p:cxnSp>
+      <p:sp>
+        <p:nvSpPr>
+          <p:cNvPr id="51" name="Textfeld 50"/>
+          <p:cNvSpPr txBox="1"/>
+          <p:nvPr/>
+        </p:nvSpPr>
+        <p:spPr>
+          <a:xfrm>
+            <a:off x="6866034" y="2937485"/>
+            <a:ext cx="749244" cy="338554"/>
+          </a:xfrm>
+          <a:prstGeom prst="rect">
+            <a:avLst/>
+          </a:prstGeom>
+          <a:noFill/>
+        </p:spPr>
+        <p:txBody>
+          <a:bodyPr wrap="none" rtlCol="0">
+            <a:spAutoFit/>
+          </a:bodyPr>
+          <a:lstStyle/>
+          <a:p>
+            <a:r>
+              <a:rPr lang="de-DE" sz="1600" i="1" dirty="0" smtClean="0">
+                <a:solidFill>
+                  <a:schemeClr val="accent1">
+                    <a:lumMod val="50000"/>
+                  </a:schemeClr>
+                </a:solidFill>
+              </a:rPr>
+              <a:t>2. </a:t>
+            </a:r>
+            <a:r>
+              <a:rPr lang="de-DE" sz="1600" i="1" dirty="0" err="1" smtClean="0">
+                <a:solidFill>
+                  <a:schemeClr val="accent1">
+                    <a:lumMod val="50000"/>
+                  </a:schemeClr>
+                </a:solidFill>
+              </a:rPr>
+              <a:t>calls</a:t>
+            </a:r>
+            <a:endParaRPr lang="de-DE" sz="1600" i="1" dirty="0">
+              <a:solidFill>
+                <a:schemeClr val="accent1">
+                  <a:lumMod val="50000"/>
+                </a:schemeClr>
+              </a:solidFill>
+            </a:endParaRPr>
+          </a:p>
+        </p:txBody>
+      </p:sp>
+      <p:cxnSp>
+        <p:nvCxnSpPr>
+          <p:cNvPr id="55" name="Gerade Verbindung mit Pfeil 54"/>
+          <p:cNvCxnSpPr>
+            <a:stCxn id="11" idx="2"/>
+            <a:endCxn id="13" idx="0"/>
+          </p:cNvCxnSpPr>
+          <p:nvPr/>
+        </p:nvCxnSpPr>
+        <p:spPr>
+          <a:xfrm flipH="1">
+            <a:off x="8585905" y="3565425"/>
+            <a:ext cx="745456" cy="1189681"/>
+          </a:xfrm>
+          <a:prstGeom prst="straightConnector1">
+            <a:avLst/>
+          </a:prstGeom>
+          <a:ln w="28575">
+            <a:solidFill>
+              <a:schemeClr val="accent1">
+                <a:lumMod val="50000"/>
+              </a:schemeClr>
+            </a:solidFill>
+            <a:tailEnd type="triangle" w="lg" len="lg"/>
+          </a:ln>
+        </p:spPr>
+        <p:style>
+          <a:lnRef idx="1">
+            <a:schemeClr val="accent1"/>
+          </a:lnRef>
+          <a:fillRef idx="0">
+            <a:schemeClr val="accent1"/>
+          </a:fillRef>
+          <a:effectRef idx="0">
+            <a:schemeClr val="accent1"/>
+          </a:effectRef>
+          <a:fontRef idx="minor">
+            <a:schemeClr val="tx1"/>
+          </a:fontRef>
+        </p:style>
+      </p:cxnSp>
+      <p:sp>
+        <p:nvSpPr>
+          <p:cNvPr id="57" name="Textfeld 56"/>
+          <p:cNvSpPr txBox="1"/>
+          <p:nvPr/>
+        </p:nvSpPr>
+        <p:spPr>
+          <a:xfrm>
+            <a:off x="7937474" y="3780830"/>
+            <a:ext cx="1050865" cy="584775"/>
+          </a:xfrm>
+          <a:prstGeom prst="rect">
+            <a:avLst/>
+          </a:prstGeom>
+          <a:noFill/>
+        </p:spPr>
+        <p:txBody>
+          <a:bodyPr wrap="none" rtlCol="0">
+            <a:spAutoFit/>
+          </a:bodyPr>
+          <a:lstStyle/>
+          <a:p>
+            <a:r>
+              <a:rPr lang="de-DE" sz="1600" i="1" dirty="0" smtClean="0">
+                <a:solidFill>
+                  <a:schemeClr val="accent1">
+                    <a:lumMod val="50000"/>
+                  </a:schemeClr>
+                </a:solidFill>
+              </a:rPr>
+              <a:t>2a)</a:t>
+            </a:r>
+            <a:r>
+              <a:rPr lang="de-DE" sz="1600" i="1" dirty="0" smtClean="0">
+                <a:solidFill>
+                  <a:schemeClr val="accent1">
+                    <a:lumMod val="50000"/>
+                  </a:schemeClr>
+                </a:solidFill>
+              </a:rPr>
+              <a:t> </a:t>
+            </a:r>
+            <a:r>
+              <a:rPr lang="de-DE" sz="1600" i="1" dirty="0" err="1">
+                <a:solidFill>
+                  <a:schemeClr val="accent1">
+                    <a:lumMod val="50000"/>
+                  </a:schemeClr>
+                </a:solidFill>
+              </a:rPr>
+              <a:t>u</a:t>
+            </a:r>
+            <a:r>
+              <a:rPr lang="de-DE" sz="1600" i="1" dirty="0" err="1" smtClean="0">
+                <a:solidFill>
+                  <a:schemeClr val="accent1">
+                    <a:lumMod val="50000"/>
+                  </a:schemeClr>
+                </a:solidFill>
+              </a:rPr>
+              <a:t>ses</a:t>
+            </a:r>
+            <a:r>
+              <a:rPr lang="de-DE" sz="1600" i="1" dirty="0" smtClean="0">
+                <a:solidFill>
+                  <a:schemeClr val="accent1">
+                    <a:lumMod val="50000"/>
+                  </a:schemeClr>
+                </a:solidFill>
+              </a:rPr>
+              <a:t> </a:t>
+            </a:r>
+          </a:p>
+          <a:p>
+            <a:r>
+              <a:rPr lang="de-DE" sz="1600" i="1" dirty="0" err="1" smtClean="0">
+                <a:solidFill>
+                  <a:schemeClr val="accent1">
+                    <a:lumMod val="50000"/>
+                  </a:schemeClr>
+                </a:solidFill>
+              </a:rPr>
+              <a:t>to</a:t>
+            </a:r>
+            <a:r>
+              <a:rPr lang="de-DE" sz="1600" i="1" dirty="0" smtClean="0">
+                <a:solidFill>
+                  <a:schemeClr val="accent1">
+                    <a:lumMod val="50000"/>
+                  </a:schemeClr>
+                </a:solidFill>
+              </a:rPr>
+              <a:t> </a:t>
+            </a:r>
+            <a:r>
+              <a:rPr lang="de-DE" sz="1600" i="1" dirty="0" err="1" smtClean="0">
+                <a:solidFill>
+                  <a:schemeClr val="accent1">
+                    <a:lumMod val="50000"/>
+                  </a:schemeClr>
+                </a:solidFill>
+              </a:rPr>
+              <a:t>compile</a:t>
+            </a:r>
+            <a:endParaRPr lang="de-DE" sz="1600" i="1" dirty="0">
+              <a:solidFill>
+                <a:schemeClr val="accent1">
+                  <a:lumMod val="50000"/>
+                </a:schemeClr>
+              </a:solidFill>
+            </a:endParaRPr>
+          </a:p>
+        </p:txBody>
+      </p:sp>
+      <p:cxnSp>
+        <p:nvCxnSpPr>
+          <p:cNvPr id="58" name="Gerade Verbindung mit Pfeil 57"/>
+          <p:cNvCxnSpPr>
+            <a:stCxn id="11" idx="2"/>
+            <a:endCxn id="43" idx="0"/>
+          </p:cNvCxnSpPr>
+          <p:nvPr/>
+        </p:nvCxnSpPr>
+        <p:spPr>
+          <a:xfrm>
+            <a:off x="9331361" y="3565425"/>
+            <a:ext cx="779614" cy="1147665"/>
+          </a:xfrm>
+          <a:prstGeom prst="straightConnector1">
+            <a:avLst/>
+          </a:prstGeom>
+          <a:ln w="28575">
+            <a:solidFill>
+              <a:schemeClr val="accent1">
+                <a:lumMod val="50000"/>
+              </a:schemeClr>
+            </a:solidFill>
+            <a:tailEnd type="triangle" w="lg" len="lg"/>
+          </a:ln>
+        </p:spPr>
+        <p:style>
+          <a:lnRef idx="1">
+            <a:schemeClr val="accent1"/>
+          </a:lnRef>
+          <a:fillRef idx="0">
+            <a:schemeClr val="accent1"/>
+          </a:fillRef>
+          <a:effectRef idx="0">
+            <a:schemeClr val="accent1"/>
+          </a:effectRef>
+          <a:fontRef idx="minor">
+            <a:schemeClr val="tx1"/>
+          </a:fontRef>
+        </p:style>
+      </p:cxnSp>
+      <p:pic>
+        <p:nvPicPr>
+          <p:cNvPr id="43" name="Grafik 42"/>
+          <p:cNvPicPr>
+            <a:picLocks noChangeAspect="1"/>
+          </p:cNvPicPr>
+          <p:nvPr/>
+        </p:nvPicPr>
+        <p:blipFill>
+          <a:blip r:embed="rId8">
+            <a:extLst>
+              <a:ext uri="{28A0092B-C50C-407E-A947-70E740481C1C}">
+                <a14:useLocalDpi xmlns:a14="http://schemas.microsoft.com/office/drawing/2010/main" val="0"/>
+              </a:ext>
+            </a:extLst>
+          </a:blip>
+          <a:stretch>
+            <a:fillRect/>
+          </a:stretch>
+        </p:blipFill>
+        <p:spPr>
+          <a:xfrm>
+            <a:off x="9298104" y="4713090"/>
+            <a:ext cx="1625741" cy="650296"/>
+          </a:xfrm>
+          <a:prstGeom prst="rect">
+            <a:avLst/>
+          </a:prstGeom>
+        </p:spPr>
+      </p:pic>
+      <p:sp>
+        <p:nvSpPr>
+          <p:cNvPr id="65" name="Textfeld 64"/>
+          <p:cNvSpPr txBox="1"/>
+          <p:nvPr/>
+        </p:nvSpPr>
+        <p:spPr>
+          <a:xfrm>
+            <a:off x="9814141" y="3786574"/>
+            <a:ext cx="1132746" cy="584775"/>
+          </a:xfrm>
+          <a:prstGeom prst="rect">
+            <a:avLst/>
+          </a:prstGeom>
+          <a:noFill/>
+        </p:spPr>
+        <p:txBody>
+          <a:bodyPr wrap="none" rtlCol="0">
+            <a:spAutoFit/>
+          </a:bodyPr>
+          <a:lstStyle/>
+          <a:p>
+            <a:r>
+              <a:rPr lang="de-DE" sz="1600" i="1" dirty="0" smtClean="0">
+                <a:solidFill>
+                  <a:schemeClr val="accent1">
+                    <a:lumMod val="50000"/>
+                  </a:schemeClr>
+                </a:solidFill>
+              </a:rPr>
+              <a:t>2b)</a:t>
+            </a:r>
+            <a:r>
+              <a:rPr lang="de-DE" sz="1600" i="1" dirty="0" smtClean="0">
+                <a:solidFill>
+                  <a:schemeClr val="accent1">
+                    <a:lumMod val="50000"/>
+                  </a:schemeClr>
+                </a:solidFill>
+              </a:rPr>
+              <a:t> </a:t>
+            </a:r>
+            <a:r>
+              <a:rPr lang="de-DE" sz="1600" i="1" dirty="0" err="1" smtClean="0">
+                <a:solidFill>
+                  <a:schemeClr val="accent1">
+                    <a:lumMod val="50000"/>
+                  </a:schemeClr>
+                </a:solidFill>
+              </a:rPr>
+              <a:t>uses</a:t>
+            </a:r>
+            <a:r>
+              <a:rPr lang="de-DE" sz="1600" i="1" dirty="0" smtClean="0">
+                <a:solidFill>
+                  <a:schemeClr val="accent1">
+                    <a:lumMod val="50000"/>
+                  </a:schemeClr>
+                </a:solidFill>
+              </a:rPr>
+              <a:t> </a:t>
+            </a:r>
+            <a:r>
+              <a:rPr lang="de-DE" sz="1600" i="1" dirty="0" err="1" smtClean="0">
+                <a:solidFill>
+                  <a:schemeClr val="accent1">
+                    <a:lumMod val="50000"/>
+                  </a:schemeClr>
+                </a:solidFill>
+              </a:rPr>
+              <a:t>to</a:t>
+            </a:r>
+            <a:r>
+              <a:rPr lang="de-DE" sz="1600" i="1" dirty="0" smtClean="0">
+                <a:solidFill>
+                  <a:schemeClr val="accent1">
+                    <a:lumMod val="50000"/>
+                  </a:schemeClr>
+                </a:solidFill>
+              </a:rPr>
+              <a:t> </a:t>
+            </a:r>
+          </a:p>
+          <a:p>
+            <a:r>
+              <a:rPr lang="de-DE" sz="1600" i="1" dirty="0" err="1" smtClean="0">
+                <a:solidFill>
+                  <a:schemeClr val="accent1">
+                    <a:lumMod val="50000"/>
+                  </a:schemeClr>
+                </a:solidFill>
+              </a:rPr>
+              <a:t>to</a:t>
+            </a:r>
+            <a:r>
+              <a:rPr lang="de-DE" sz="1600" i="1" dirty="0" smtClean="0">
+                <a:solidFill>
+                  <a:schemeClr val="accent1">
+                    <a:lumMod val="50000"/>
+                  </a:schemeClr>
+                </a:solidFill>
+              </a:rPr>
+              <a:t> </a:t>
+            </a:r>
+            <a:r>
+              <a:rPr lang="de-DE" sz="1600" i="1" dirty="0" err="1" smtClean="0">
+                <a:solidFill>
+                  <a:schemeClr val="accent1">
+                    <a:lumMod val="50000"/>
+                  </a:schemeClr>
+                </a:solidFill>
+              </a:rPr>
+              <a:t>execute</a:t>
+            </a:r>
+            <a:endParaRPr lang="de-DE" sz="1600" i="1" dirty="0">
+              <a:solidFill>
+                <a:schemeClr val="accent1">
+                  <a:lumMod val="50000"/>
+                </a:schemeClr>
+              </a:solidFill>
+            </a:endParaRPr>
+          </a:p>
+        </p:txBody>
+      </p:sp>
+      <p:pic>
+        <p:nvPicPr>
+          <p:cNvPr id="76" name="Grafik 75"/>
+          <p:cNvPicPr>
+            <a:picLocks noChangeAspect="1"/>
+          </p:cNvPicPr>
+          <p:nvPr/>
+        </p:nvPicPr>
+        <p:blipFill>
+          <a:blip r:embed="rId9"/>
+          <a:stretch>
+            <a:fillRect/>
+          </a:stretch>
+        </p:blipFill>
+        <p:spPr>
+          <a:xfrm>
+            <a:off x="394711" y="5062069"/>
+            <a:ext cx="3402644" cy="1157968"/>
+          </a:xfrm>
+          <a:prstGeom prst="rect">
+            <a:avLst/>
+          </a:prstGeom>
+        </p:spPr>
+      </p:pic>
+      <p:cxnSp>
+        <p:nvCxnSpPr>
+          <p:cNvPr id="80" name="Gerade Verbindung mit Pfeil 79"/>
+          <p:cNvCxnSpPr>
+            <a:stCxn id="20" idx="2"/>
+            <a:endCxn id="76" idx="0"/>
+          </p:cNvCxnSpPr>
+          <p:nvPr/>
+        </p:nvCxnSpPr>
+        <p:spPr>
+          <a:xfrm>
+            <a:off x="2093943" y="4395938"/>
+            <a:ext cx="2090" cy="666131"/>
+          </a:xfrm>
+          <a:prstGeom prst="straightConnector1">
+            <a:avLst/>
+          </a:prstGeom>
+          <a:ln w="28575">
+            <a:solidFill>
+              <a:schemeClr val="accent1">
+                <a:lumMod val="50000"/>
+              </a:schemeClr>
+            </a:solidFill>
+            <a:tailEnd type="triangle" w="lg" len="lg"/>
+          </a:ln>
+        </p:spPr>
+        <p:style>
+          <a:lnRef idx="1">
+            <a:schemeClr val="accent1"/>
+          </a:lnRef>
+          <a:fillRef idx="0">
+            <a:schemeClr val="accent1"/>
+          </a:fillRef>
+          <a:effectRef idx="0">
+            <a:schemeClr val="accent1"/>
+          </a:effectRef>
+          <a:fontRef idx="minor">
+            <a:schemeClr val="tx1"/>
+          </a:fontRef>
+        </p:style>
+      </p:cxnSp>
+      <p:sp>
+        <p:nvSpPr>
+          <p:cNvPr id="85" name="Textfeld 84"/>
+          <p:cNvSpPr txBox="1"/>
+          <p:nvPr/>
+        </p:nvSpPr>
+        <p:spPr>
+          <a:xfrm>
+            <a:off x="2087592" y="4462032"/>
+            <a:ext cx="644728" cy="338554"/>
+          </a:xfrm>
+          <a:prstGeom prst="rect">
+            <a:avLst/>
+          </a:prstGeom>
+          <a:noFill/>
+        </p:spPr>
+        <p:txBody>
+          <a:bodyPr wrap="none" rtlCol="0">
+            <a:spAutoFit/>
+          </a:bodyPr>
+          <a:lstStyle/>
+          <a:p>
+            <a:r>
+              <a:rPr lang="de-DE" sz="1600" i="1" dirty="0" err="1" smtClean="0">
+                <a:solidFill>
+                  <a:schemeClr val="accent1">
+                    <a:lumMod val="50000"/>
+                  </a:schemeClr>
+                </a:solidFill>
+              </a:rPr>
+              <a:t>read</a:t>
+            </a:r>
+            <a:r>
+              <a:rPr lang="de-DE" sz="1600" i="1" dirty="0" err="1" smtClean="0">
+                <a:solidFill>
+                  <a:schemeClr val="accent1">
+                    <a:lumMod val="50000"/>
+                  </a:schemeClr>
+                </a:solidFill>
+              </a:rPr>
+              <a:t>s</a:t>
+            </a:r>
+            <a:endParaRPr lang="de-DE" sz="1600" i="1" dirty="0">
+              <a:solidFill>
+                <a:schemeClr val="accent1">
+                  <a:lumMod val="50000"/>
+                </a:schemeClr>
+              </a:solidFill>
+            </a:endParaRPr>
+          </a:p>
+        </p:txBody>
+      </p:sp>
+    </p:spTree>
+    <p:extLst>
+      <p:ext uri="{BB962C8B-B14F-4D97-AF65-F5344CB8AC3E}">
+        <p14:creationId xmlns:p14="http://schemas.microsoft.com/office/powerpoint/2010/main" val="512489787"/>
+      </p:ext>
+    </p:extLst>
+  </p:cSld>
+  <p:clrMapOvr>
+    <a:masterClrMapping/>
+  </p:clrMapOvr>
 </p:sld>
 </file>
 

--- a/documentation/Figures.pptx
+++ b/documentation/Figures.pptx
@@ -219,7 +219,7 @@
           <a:p>
             <a:fld id="{6F0CB9C3-760B-411B-91A2-B4F0AEC3563C}" type="datetimeFigureOut">
               <a:rPr lang="de-DE" smtClean="0"/>
-              <a:t>04.07.2019</a:t>
+              <a:t>09.07.2019</a:t>
             </a:fld>
             <a:endParaRPr lang="de-DE"/>
           </a:p>
@@ -710,7 +710,7 @@
           <a:p>
             <a:fld id="{741DBE4D-3915-4D34-B181-3D444D071C49}" type="datetimeFigureOut">
               <a:rPr lang="de-DE" smtClean="0"/>
-              <a:t>04.07.2019</a:t>
+              <a:t>09.07.2019</a:t>
             </a:fld>
             <a:endParaRPr lang="de-DE"/>
           </a:p>
@@ -880,7 +880,7 @@
           <a:p>
             <a:fld id="{741DBE4D-3915-4D34-B181-3D444D071C49}" type="datetimeFigureOut">
               <a:rPr lang="de-DE" smtClean="0"/>
-              <a:t>04.07.2019</a:t>
+              <a:t>09.07.2019</a:t>
             </a:fld>
             <a:endParaRPr lang="de-DE"/>
           </a:p>
@@ -1060,7 +1060,7 @@
           <a:p>
             <a:fld id="{741DBE4D-3915-4D34-B181-3D444D071C49}" type="datetimeFigureOut">
               <a:rPr lang="de-DE" smtClean="0"/>
-              <a:t>04.07.2019</a:t>
+              <a:t>09.07.2019</a:t>
             </a:fld>
             <a:endParaRPr lang="de-DE"/>
           </a:p>
@@ -1230,7 +1230,7 @@
           <a:p>
             <a:fld id="{741DBE4D-3915-4D34-B181-3D444D071C49}" type="datetimeFigureOut">
               <a:rPr lang="de-DE" smtClean="0"/>
-              <a:t>04.07.2019</a:t>
+              <a:t>09.07.2019</a:t>
             </a:fld>
             <a:endParaRPr lang="de-DE"/>
           </a:p>
@@ -1476,7 +1476,7 @@
           <a:p>
             <a:fld id="{741DBE4D-3915-4D34-B181-3D444D071C49}" type="datetimeFigureOut">
               <a:rPr lang="de-DE" smtClean="0"/>
-              <a:t>04.07.2019</a:t>
+              <a:t>09.07.2019</a:t>
             </a:fld>
             <a:endParaRPr lang="de-DE"/>
           </a:p>
@@ -1708,7 +1708,7 @@
           <a:p>
             <a:fld id="{741DBE4D-3915-4D34-B181-3D444D071C49}" type="datetimeFigureOut">
               <a:rPr lang="de-DE" smtClean="0"/>
-              <a:t>04.07.2019</a:t>
+              <a:t>09.07.2019</a:t>
             </a:fld>
             <a:endParaRPr lang="de-DE"/>
           </a:p>
@@ -2075,7 +2075,7 @@
           <a:p>
             <a:fld id="{741DBE4D-3915-4D34-B181-3D444D071C49}" type="datetimeFigureOut">
               <a:rPr lang="de-DE" smtClean="0"/>
-              <a:t>04.07.2019</a:t>
+              <a:t>09.07.2019</a:t>
             </a:fld>
             <a:endParaRPr lang="de-DE"/>
           </a:p>
@@ -2193,7 +2193,7 @@
           <a:p>
             <a:fld id="{741DBE4D-3915-4D34-B181-3D444D071C49}" type="datetimeFigureOut">
               <a:rPr lang="de-DE" smtClean="0"/>
-              <a:t>04.07.2019</a:t>
+              <a:t>09.07.2019</a:t>
             </a:fld>
             <a:endParaRPr lang="de-DE"/>
           </a:p>
@@ -2288,7 +2288,7 @@
           <a:p>
             <a:fld id="{741DBE4D-3915-4D34-B181-3D444D071C49}" type="datetimeFigureOut">
               <a:rPr lang="de-DE" smtClean="0"/>
-              <a:t>04.07.2019</a:t>
+              <a:t>09.07.2019</a:t>
             </a:fld>
             <a:endParaRPr lang="de-DE"/>
           </a:p>
@@ -2565,7 +2565,7 @@
           <a:p>
             <a:fld id="{741DBE4D-3915-4D34-B181-3D444D071C49}" type="datetimeFigureOut">
               <a:rPr lang="de-DE" smtClean="0"/>
-              <a:t>04.07.2019</a:t>
+              <a:t>09.07.2019</a:t>
             </a:fld>
             <a:endParaRPr lang="de-DE"/>
           </a:p>
@@ -2818,7 +2818,7 @@
           <a:p>
             <a:fld id="{741DBE4D-3915-4D34-B181-3D444D071C49}" type="datetimeFigureOut">
               <a:rPr lang="de-DE" smtClean="0"/>
-              <a:t>04.07.2019</a:t>
+              <a:t>09.07.2019</a:t>
             </a:fld>
             <a:endParaRPr lang="de-DE"/>
           </a:p>
@@ -3031,7 +3031,7 @@
           <a:p>
             <a:fld id="{741DBE4D-3915-4D34-B181-3D444D071C49}" type="datetimeFigureOut">
               <a:rPr lang="de-DE" smtClean="0"/>
-              <a:t>04.07.2019</a:t>
+              <a:t>09.07.2019</a:t>
             </a:fld>
             <a:endParaRPr lang="de-DE"/>
           </a:p>
@@ -18674,6 +18674,146 @@
           </a:fontRef>
         </p:style>
       </p:cxnSp>
+      <p:cxnSp>
+        <p:nvCxnSpPr>
+          <p:cNvPr id="13" name="Gerader Verbinder 12"/>
+          <p:cNvCxnSpPr/>
+          <p:nvPr/>
+        </p:nvCxnSpPr>
+        <p:spPr>
+          <a:xfrm>
+            <a:off x="7832785" y="3407432"/>
+            <a:ext cx="3088257" cy="8626"/>
+          </a:xfrm>
+          <a:prstGeom prst="line">
+            <a:avLst/>
+          </a:prstGeom>
+          <a:ln>
+            <a:solidFill>
+              <a:schemeClr val="tx1"/>
+            </a:solidFill>
+            <a:prstDash val="dash"/>
+          </a:ln>
+        </p:spPr>
+        <p:style>
+          <a:lnRef idx="1">
+            <a:schemeClr val="accent1"/>
+          </a:lnRef>
+          <a:fillRef idx="0">
+            <a:schemeClr val="accent1"/>
+          </a:fillRef>
+          <a:effectRef idx="0">
+            <a:schemeClr val="accent1"/>
+          </a:effectRef>
+          <a:fontRef idx="minor">
+            <a:schemeClr val="tx1"/>
+          </a:fontRef>
+        </p:style>
+      </p:cxnSp>
+      <p:sp>
+        <p:nvSpPr>
+          <p:cNvPr id="18" name="Textfeld 17"/>
+          <p:cNvSpPr txBox="1"/>
+          <p:nvPr/>
+        </p:nvSpPr>
+        <p:spPr>
+          <a:xfrm>
+            <a:off x="7815534" y="3114131"/>
+            <a:ext cx="1665328" cy="307777"/>
+          </a:xfrm>
+          <a:prstGeom prst="rect">
+            <a:avLst/>
+          </a:prstGeom>
+          <a:noFill/>
+        </p:spPr>
+        <p:txBody>
+          <a:bodyPr wrap="none" rtlCol="0">
+            <a:spAutoFit/>
+          </a:bodyPr>
+          <a:lstStyle/>
+          <a:p>
+            <a:r>
+              <a:rPr lang="de-DE" sz="1400" dirty="0" err="1" smtClean="0"/>
+              <a:t>required</a:t>
+            </a:r>
+            <a:r>
+              <a:rPr lang="de-DE" sz="1400" dirty="0" smtClean="0"/>
+              <a:t> </a:t>
+            </a:r>
+            <a:r>
+              <a:rPr lang="de-DE" sz="1400" dirty="0" err="1" smtClean="0"/>
+              <a:t>for</a:t>
+            </a:r>
+            <a:r>
+              <a:rPr lang="de-DE" sz="1400" dirty="0" smtClean="0"/>
+              <a:t> </a:t>
+            </a:r>
+            <a:r>
+              <a:rPr lang="de-DE" sz="1400" dirty="0" err="1"/>
+              <a:t>p</a:t>
+            </a:r>
+            <a:r>
+              <a:rPr lang="de-DE" sz="1400" dirty="0" err="1" smtClean="0"/>
+              <a:t>hase</a:t>
+            </a:r>
+            <a:r>
+              <a:rPr lang="de-DE" sz="1400" dirty="0" smtClean="0"/>
+              <a:t> 1</a:t>
+            </a:r>
+            <a:endParaRPr lang="de-DE" sz="1400" dirty="0"/>
+          </a:p>
+        </p:txBody>
+      </p:sp>
+      <p:sp>
+        <p:nvSpPr>
+          <p:cNvPr id="19" name="Textfeld 18"/>
+          <p:cNvSpPr txBox="1"/>
+          <p:nvPr/>
+        </p:nvSpPr>
+        <p:spPr>
+          <a:xfrm>
+            <a:off x="9328738" y="3376587"/>
+            <a:ext cx="1665328" cy="307777"/>
+          </a:xfrm>
+          <a:prstGeom prst="rect">
+            <a:avLst/>
+          </a:prstGeom>
+          <a:noFill/>
+        </p:spPr>
+        <p:txBody>
+          <a:bodyPr wrap="none" rtlCol="0">
+            <a:spAutoFit/>
+          </a:bodyPr>
+          <a:lstStyle/>
+          <a:p>
+            <a:r>
+              <a:rPr lang="de-DE" sz="1400" dirty="0" err="1" smtClean="0"/>
+              <a:t>required</a:t>
+            </a:r>
+            <a:r>
+              <a:rPr lang="de-DE" sz="1400" dirty="0" smtClean="0"/>
+              <a:t> </a:t>
+            </a:r>
+            <a:r>
+              <a:rPr lang="de-DE" sz="1400" dirty="0" err="1" smtClean="0"/>
+              <a:t>for</a:t>
+            </a:r>
+            <a:r>
+              <a:rPr lang="de-DE" sz="1400" dirty="0" smtClean="0"/>
+              <a:t> </a:t>
+            </a:r>
+            <a:r>
+              <a:rPr lang="de-DE" sz="1400" dirty="0" err="1" smtClean="0"/>
+              <a:t>phase</a:t>
+            </a:r>
+            <a:r>
+              <a:rPr lang="de-DE" sz="1400" dirty="0" smtClean="0"/>
+              <a:t> 2</a:t>
+            </a:r>
+            <a:endParaRPr lang="de-DE" sz="1400" dirty="0"/>
+          </a:p>
+        </p:txBody>
+      </p:sp>
     </p:spTree>
     <p:extLst>
       <p:ext uri="{BB962C8B-B14F-4D97-AF65-F5344CB8AC3E}">
@@ -19481,6 +19621,146 @@
           </a:fontRef>
         </p:style>
       </p:cxnSp>
+      <p:cxnSp>
+        <p:nvCxnSpPr>
+          <p:cNvPr id="18" name="Gerader Verbinder 17"/>
+          <p:cNvCxnSpPr/>
+          <p:nvPr/>
+        </p:nvCxnSpPr>
+        <p:spPr>
+          <a:xfrm>
+            <a:off x="7832785" y="3407432"/>
+            <a:ext cx="4292159" cy="14476"/>
+          </a:xfrm>
+          <a:prstGeom prst="line">
+            <a:avLst/>
+          </a:prstGeom>
+          <a:ln>
+            <a:solidFill>
+              <a:schemeClr val="tx1"/>
+            </a:solidFill>
+            <a:prstDash val="dash"/>
+          </a:ln>
+        </p:spPr>
+        <p:style>
+          <a:lnRef idx="1">
+            <a:schemeClr val="accent1"/>
+          </a:lnRef>
+          <a:fillRef idx="0">
+            <a:schemeClr val="accent1"/>
+          </a:fillRef>
+          <a:effectRef idx="0">
+            <a:schemeClr val="accent1"/>
+          </a:effectRef>
+          <a:fontRef idx="minor">
+            <a:schemeClr val="tx1"/>
+          </a:fontRef>
+        </p:style>
+      </p:cxnSp>
+      <p:sp>
+        <p:nvSpPr>
+          <p:cNvPr id="19" name="Textfeld 18"/>
+          <p:cNvSpPr txBox="1"/>
+          <p:nvPr/>
+        </p:nvSpPr>
+        <p:spPr>
+          <a:xfrm>
+            <a:off x="7815534" y="3114131"/>
+            <a:ext cx="1665328" cy="307777"/>
+          </a:xfrm>
+          <a:prstGeom prst="rect">
+            <a:avLst/>
+          </a:prstGeom>
+          <a:noFill/>
+        </p:spPr>
+        <p:txBody>
+          <a:bodyPr wrap="none" rtlCol="0">
+            <a:spAutoFit/>
+          </a:bodyPr>
+          <a:lstStyle/>
+          <a:p>
+            <a:r>
+              <a:rPr lang="de-DE" sz="1400" dirty="0" err="1" smtClean="0"/>
+              <a:t>required</a:t>
+            </a:r>
+            <a:r>
+              <a:rPr lang="de-DE" sz="1400" dirty="0" smtClean="0"/>
+              <a:t> </a:t>
+            </a:r>
+            <a:r>
+              <a:rPr lang="de-DE" sz="1400" dirty="0" err="1" smtClean="0"/>
+              <a:t>for</a:t>
+            </a:r>
+            <a:r>
+              <a:rPr lang="de-DE" sz="1400" dirty="0" smtClean="0"/>
+              <a:t> </a:t>
+            </a:r>
+            <a:r>
+              <a:rPr lang="de-DE" sz="1400" dirty="0" err="1"/>
+              <a:t>p</a:t>
+            </a:r>
+            <a:r>
+              <a:rPr lang="de-DE" sz="1400" dirty="0" err="1" smtClean="0"/>
+              <a:t>hase</a:t>
+            </a:r>
+            <a:r>
+              <a:rPr lang="de-DE" sz="1400" dirty="0" smtClean="0"/>
+              <a:t> 1</a:t>
+            </a:r>
+            <a:endParaRPr lang="de-DE" sz="1400" dirty="0"/>
+          </a:p>
+        </p:txBody>
+      </p:sp>
+      <p:sp>
+        <p:nvSpPr>
+          <p:cNvPr id="21" name="Textfeld 20"/>
+          <p:cNvSpPr txBox="1"/>
+          <p:nvPr/>
+        </p:nvSpPr>
+        <p:spPr>
+          <a:xfrm>
+            <a:off x="10519177" y="3376587"/>
+            <a:ext cx="1665328" cy="307777"/>
+          </a:xfrm>
+          <a:prstGeom prst="rect">
+            <a:avLst/>
+          </a:prstGeom>
+          <a:noFill/>
+        </p:spPr>
+        <p:txBody>
+          <a:bodyPr wrap="none" rtlCol="0">
+            <a:spAutoFit/>
+          </a:bodyPr>
+          <a:lstStyle/>
+          <a:p>
+            <a:r>
+              <a:rPr lang="de-DE" sz="1400" dirty="0" err="1" smtClean="0"/>
+              <a:t>required</a:t>
+            </a:r>
+            <a:r>
+              <a:rPr lang="de-DE" sz="1400" dirty="0" smtClean="0"/>
+              <a:t> </a:t>
+            </a:r>
+            <a:r>
+              <a:rPr lang="de-DE" sz="1400" dirty="0" err="1" smtClean="0"/>
+              <a:t>for</a:t>
+            </a:r>
+            <a:r>
+              <a:rPr lang="de-DE" sz="1400" dirty="0" smtClean="0"/>
+              <a:t> </a:t>
+            </a:r>
+            <a:r>
+              <a:rPr lang="de-DE" sz="1400" dirty="0" err="1" smtClean="0"/>
+              <a:t>phase</a:t>
+            </a:r>
+            <a:r>
+              <a:rPr lang="de-DE" sz="1400" dirty="0" smtClean="0"/>
+              <a:t> 2</a:t>
+            </a:r>
+            <a:endParaRPr lang="de-DE" sz="1400" dirty="0"/>
+          </a:p>
+        </p:txBody>
+      </p:sp>
     </p:spTree>
     <p:extLst>
       <p:ext uri="{BB962C8B-B14F-4D97-AF65-F5344CB8AC3E}">
@@ -20128,7 +20408,6 @@
               <a:rPr lang="de-DE" dirty="0"/>
               <a:t>.</a:t>
             </a:r>
-            <a:endParaRPr lang="de-DE" dirty="0"/>
           </a:p>
         </p:txBody>
       </p:sp>
@@ -20212,11 +20491,7 @@
             </a:r>
             <a:r>
               <a:rPr lang="de-DE" dirty="0" smtClean="0"/>
-              <a:t> </a:t>
-            </a:r>
-            <a:r>
-              <a:rPr lang="de-DE" dirty="0" smtClean="0"/>
-              <a:t>GUI.</a:t>
+              <a:t> GUI.</a:t>
             </a:r>
             <a:endParaRPr lang="de-DE" dirty="0"/>
           </a:p>
@@ -20369,11 +20644,7 @@
           <a:p>
             <a:r>
               <a:rPr lang="de-DE" dirty="0" smtClean="0"/>
-              <a:t>1</a:t>
-            </a:r>
-            <a:r>
-              <a:rPr lang="de-DE" dirty="0" smtClean="0"/>
-              <a:t>. </a:t>
+              <a:t>1. </a:t>
             </a:r>
             <a:r>
               <a:rPr lang="de-DE" dirty="0" err="1" smtClean="0"/>
@@ -20845,11 +21116,7 @@
             <a:pPr algn="ctr"/>
             <a:r>
               <a:rPr lang="de-DE" dirty="0" smtClean="0"/>
-              <a:t>Der </a:t>
-            </a:r>
-            <a:r>
-              <a:rPr lang="de-DE" dirty="0" smtClean="0"/>
-              <a:t>Webseite</a:t>
+              <a:t>Der Webseite</a:t>
             </a:r>
             <a:endParaRPr lang="de-DE" dirty="0"/>
           </a:p>
@@ -22239,8 +22506,8 @@
         </p:nvSpPr>
         <p:spPr>
           <a:xfrm>
-            <a:off x="4485227" y="4416552"/>
-            <a:ext cx="1214820" cy="338554"/>
+            <a:off x="4390341" y="4416552"/>
+            <a:ext cx="1319015" cy="338554"/>
           </a:xfrm>
           <a:prstGeom prst="rect">
             <a:avLst/>
@@ -22261,7 +22528,7 @@
                   </a:schemeClr>
                 </a:solidFill>
               </a:rPr>
-              <a:t>1. </a:t>
+              <a:t>1.2 </a:t>
             </a:r>
             <a:r>
               <a:rPr lang="de-DE" sz="1600" i="1" dirty="0" err="1" smtClean="0">
@@ -22313,7 +22580,17 @@
                   </a:schemeClr>
                 </a:solidFill>
               </a:rPr>
-              <a:t>3. </a:t>
+              <a:t>2.2</a:t>
+            </a:r>
+            <a:r>
+              <a:rPr lang="de-DE" sz="1600" i="1" dirty="0" smtClean="0">
+                <a:solidFill>
+                  <a:schemeClr val="accent1">
+                    <a:lumMod val="50000"/>
+                  </a:schemeClr>
+                </a:solidFill>
+              </a:rPr>
+              <a:t> </a:t>
             </a:r>
             <a:r>
               <a:rPr lang="de-DE" sz="1600" i="1" dirty="0" err="1" smtClean="0">
@@ -22525,7 +22802,7 @@
         <p:spPr>
           <a:xfrm>
             <a:off x="6866034" y="2937485"/>
-            <a:ext cx="749244" cy="338554"/>
+            <a:ext cx="853439" cy="338554"/>
           </a:xfrm>
           <a:prstGeom prst="rect">
             <a:avLst/>
@@ -22546,7 +22823,7 @@
                   </a:schemeClr>
                 </a:solidFill>
               </a:rPr>
-              <a:t>2. </a:t>
+              <a:t>2.1 </a:t>
             </a:r>
             <a:r>
               <a:rPr lang="de-DE" sz="1600" i="1" dirty="0" err="1" smtClean="0">
@@ -22639,7 +22916,7 @@
                   </a:schemeClr>
                 </a:solidFill>
               </a:rPr>
-              <a:t>2a)</a:t>
+              <a:t>a</a:t>
             </a:r>
             <a:r>
               <a:rPr lang="de-DE" sz="1600" i="1" dirty="0" smtClean="0">
@@ -22649,7 +22926,7 @@
                   </a:schemeClr>
                 </a:solidFill>
               </a:rPr>
-              <a:t> </a:t>
+              <a:t>) </a:t>
             </a:r>
             <a:r>
               <a:rPr lang="de-DE" sz="1600" i="1" dirty="0" err="1">
@@ -22803,7 +23080,7 @@
         <p:spPr>
           <a:xfrm>
             <a:off x="9814141" y="3786574"/>
-            <a:ext cx="1132746" cy="584775"/>
+            <a:ext cx="1033937" cy="584775"/>
           </a:xfrm>
           <a:prstGeom prst="rect">
             <a:avLst/>
@@ -22824,7 +23101,7 @@
                   </a:schemeClr>
                 </a:solidFill>
               </a:rPr>
-              <a:t>2b)</a:t>
+              <a:t>b</a:t>
             </a:r>
             <a:r>
               <a:rPr lang="de-DE" sz="1600" i="1" dirty="0" smtClean="0">
@@ -22834,7 +23111,7 @@
                   </a:schemeClr>
                 </a:solidFill>
               </a:rPr>
-              <a:t> </a:t>
+              <a:t>) </a:t>
             </a:r>
             <a:r>
               <a:rPr lang="de-DE" sz="1600" i="1" dirty="0" err="1" smtClean="0">
@@ -22992,7 +23269,7 @@
         <p:spPr>
           <a:xfrm>
             <a:off x="2087592" y="4462032"/>
-            <a:ext cx="644728" cy="338554"/>
+            <a:ext cx="950901" cy="338554"/>
           </a:xfrm>
           <a:prstGeom prst="rect">
             <a:avLst/>
@@ -23006,6 +23283,16 @@
           <a:lstStyle/>
           <a:p>
             <a:r>
+              <a:rPr lang="de-DE" sz="1600" i="1" dirty="0" smtClean="0">
+                <a:solidFill>
+                  <a:schemeClr val="accent1">
+                    <a:lumMod val="50000"/>
+                  </a:schemeClr>
+                </a:solidFill>
+              </a:rPr>
+              <a:t>1.1 </a:t>
+            </a:r>
+            <a:r>
               <a:rPr lang="de-DE" sz="1600" i="1" dirty="0" err="1" smtClean="0">
                 <a:solidFill>
                   <a:schemeClr val="accent1">
@@ -23013,17 +23300,7 @@
                   </a:schemeClr>
                 </a:solidFill>
               </a:rPr>
-              <a:t>read</a:t>
-            </a:r>
-            <a:r>
-              <a:rPr lang="de-DE" sz="1600" i="1" dirty="0" err="1" smtClean="0">
-                <a:solidFill>
-                  <a:schemeClr val="accent1">
-                    <a:lumMod val="50000"/>
-                  </a:schemeClr>
-                </a:solidFill>
-              </a:rPr>
-              <a:t>s</a:t>
+              <a:t>reads</a:t>
             </a:r>
             <a:endParaRPr lang="de-DE" sz="1600" i="1" dirty="0">
               <a:solidFill>

--- a/documentation/Figures.pptx
+++ b/documentation/Figures.pptx
@@ -5,7 +5,7 @@
     <p:sldMasterId id="2147483648" r:id="rId1"/>
   </p:sldMasterIdLst>
   <p:notesMasterIdLst>
-    <p:notesMasterId r:id="rId25"/>
+    <p:notesMasterId r:id="rId26"/>
   </p:notesMasterIdLst>
   <p:sldIdLst>
     <p:sldId id="283" r:id="rId2"/>
@@ -22,15 +22,16 @@
     <p:sldId id="269" r:id="rId13"/>
     <p:sldId id="270" r:id="rId14"/>
     <p:sldId id="271" r:id="rId15"/>
-    <p:sldId id="278" r:id="rId16"/>
-    <p:sldId id="279" r:id="rId17"/>
-    <p:sldId id="280" r:id="rId18"/>
-    <p:sldId id="281" r:id="rId19"/>
-    <p:sldId id="284" r:id="rId20"/>
-    <p:sldId id="287" r:id="rId21"/>
-    <p:sldId id="288" r:id="rId22"/>
-    <p:sldId id="285" r:id="rId23"/>
-    <p:sldId id="286" r:id="rId24"/>
+    <p:sldId id="289" r:id="rId16"/>
+    <p:sldId id="278" r:id="rId17"/>
+    <p:sldId id="279" r:id="rId18"/>
+    <p:sldId id="280" r:id="rId19"/>
+    <p:sldId id="281" r:id="rId20"/>
+    <p:sldId id="284" r:id="rId21"/>
+    <p:sldId id="287" r:id="rId22"/>
+    <p:sldId id="288" r:id="rId23"/>
+    <p:sldId id="285" r:id="rId24"/>
+    <p:sldId id="286" r:id="rId25"/>
   </p:sldIdLst>
   <p:sldSz cx="12192000" cy="6858000"/>
   <p:notesSz cx="6858000" cy="9144000"/>
@@ -219,7 +220,7 @@
           <a:p>
             <a:fld id="{6F0CB9C3-760B-411B-91A2-B4F0AEC3563C}" type="datetimeFigureOut">
               <a:rPr lang="de-DE" smtClean="0"/>
-              <a:t>09.07.2019</a:t>
+              <a:t>12.07.2019</a:t>
             </a:fld>
             <a:endParaRPr lang="de-DE"/>
           </a:p>
@@ -710,7 +711,7 @@
           <a:p>
             <a:fld id="{741DBE4D-3915-4D34-B181-3D444D071C49}" type="datetimeFigureOut">
               <a:rPr lang="de-DE" smtClean="0"/>
-              <a:t>09.07.2019</a:t>
+              <a:t>12.07.2019</a:t>
             </a:fld>
             <a:endParaRPr lang="de-DE"/>
           </a:p>
@@ -880,7 +881,7 @@
           <a:p>
             <a:fld id="{741DBE4D-3915-4D34-B181-3D444D071C49}" type="datetimeFigureOut">
               <a:rPr lang="de-DE" smtClean="0"/>
-              <a:t>09.07.2019</a:t>
+              <a:t>12.07.2019</a:t>
             </a:fld>
             <a:endParaRPr lang="de-DE"/>
           </a:p>
@@ -1060,7 +1061,7 @@
           <a:p>
             <a:fld id="{741DBE4D-3915-4D34-B181-3D444D071C49}" type="datetimeFigureOut">
               <a:rPr lang="de-DE" smtClean="0"/>
-              <a:t>09.07.2019</a:t>
+              <a:t>12.07.2019</a:t>
             </a:fld>
             <a:endParaRPr lang="de-DE"/>
           </a:p>
@@ -1230,7 +1231,7 @@
           <a:p>
             <a:fld id="{741DBE4D-3915-4D34-B181-3D444D071C49}" type="datetimeFigureOut">
               <a:rPr lang="de-DE" smtClean="0"/>
-              <a:t>09.07.2019</a:t>
+              <a:t>12.07.2019</a:t>
             </a:fld>
             <a:endParaRPr lang="de-DE"/>
           </a:p>
@@ -1476,7 +1477,7 @@
           <a:p>
             <a:fld id="{741DBE4D-3915-4D34-B181-3D444D071C49}" type="datetimeFigureOut">
               <a:rPr lang="de-DE" smtClean="0"/>
-              <a:t>09.07.2019</a:t>
+              <a:t>12.07.2019</a:t>
             </a:fld>
             <a:endParaRPr lang="de-DE"/>
           </a:p>
@@ -1708,7 +1709,7 @@
           <a:p>
             <a:fld id="{741DBE4D-3915-4D34-B181-3D444D071C49}" type="datetimeFigureOut">
               <a:rPr lang="de-DE" smtClean="0"/>
-              <a:t>09.07.2019</a:t>
+              <a:t>12.07.2019</a:t>
             </a:fld>
             <a:endParaRPr lang="de-DE"/>
           </a:p>
@@ -2075,7 +2076,7 @@
           <a:p>
             <a:fld id="{741DBE4D-3915-4D34-B181-3D444D071C49}" type="datetimeFigureOut">
               <a:rPr lang="de-DE" smtClean="0"/>
-              <a:t>09.07.2019</a:t>
+              <a:t>12.07.2019</a:t>
             </a:fld>
             <a:endParaRPr lang="de-DE"/>
           </a:p>
@@ -2193,7 +2194,7 @@
           <a:p>
             <a:fld id="{741DBE4D-3915-4D34-B181-3D444D071C49}" type="datetimeFigureOut">
               <a:rPr lang="de-DE" smtClean="0"/>
-              <a:t>09.07.2019</a:t>
+              <a:t>12.07.2019</a:t>
             </a:fld>
             <a:endParaRPr lang="de-DE"/>
           </a:p>
@@ -2288,7 +2289,7 @@
           <a:p>
             <a:fld id="{741DBE4D-3915-4D34-B181-3D444D071C49}" type="datetimeFigureOut">
               <a:rPr lang="de-DE" smtClean="0"/>
-              <a:t>09.07.2019</a:t>
+              <a:t>12.07.2019</a:t>
             </a:fld>
             <a:endParaRPr lang="de-DE"/>
           </a:p>
@@ -2565,7 +2566,7 @@
           <a:p>
             <a:fld id="{741DBE4D-3915-4D34-B181-3D444D071C49}" type="datetimeFigureOut">
               <a:rPr lang="de-DE" smtClean="0"/>
-              <a:t>09.07.2019</a:t>
+              <a:t>12.07.2019</a:t>
             </a:fld>
             <a:endParaRPr lang="de-DE"/>
           </a:p>
@@ -2818,7 +2819,7 @@
           <a:p>
             <a:fld id="{741DBE4D-3915-4D34-B181-3D444D071C49}" type="datetimeFigureOut">
               <a:rPr lang="de-DE" smtClean="0"/>
-              <a:t>09.07.2019</a:t>
+              <a:t>12.07.2019</a:t>
             </a:fld>
             <a:endParaRPr lang="de-DE"/>
           </a:p>
@@ -3031,7 +3032,7 @@
           <a:p>
             <a:fld id="{741DBE4D-3915-4D34-B181-3D444D071C49}" type="datetimeFigureOut">
               <a:rPr lang="de-DE" smtClean="0"/>
-              <a:t>09.07.2019</a:t>
+              <a:t>12.07.2019</a:t>
             </a:fld>
             <a:endParaRPr lang="de-DE"/>
           </a:p>
@@ -10240,6 +10241,1661 @@
       </p:grpSpPr>
       <p:sp>
         <p:nvSpPr>
+          <p:cNvPr id="4" name="Rechteck 3"/>
+          <p:cNvSpPr/>
+          <p:nvPr/>
+        </p:nvSpPr>
+        <p:spPr>
+          <a:xfrm>
+            <a:off x="602773" y="225559"/>
+            <a:ext cx="10644996" cy="6228272"/>
+          </a:xfrm>
+          <a:prstGeom prst="rect">
+            <a:avLst/>
+          </a:prstGeom>
+          <a:solidFill>
+            <a:schemeClr val="bg1">
+              <a:lumMod val="95000"/>
+            </a:schemeClr>
+          </a:solidFill>
+        </p:spPr>
+        <p:style>
+          <a:lnRef idx="2">
+            <a:schemeClr val="accent1">
+              <a:shade val="50000"/>
+            </a:schemeClr>
+          </a:lnRef>
+          <a:fillRef idx="1">
+            <a:schemeClr val="accent1"/>
+          </a:fillRef>
+          <a:effectRef idx="0">
+            <a:schemeClr val="accent1"/>
+          </a:effectRef>
+          <a:fontRef idx="minor">
+            <a:schemeClr val="lt1"/>
+          </a:fontRef>
+        </p:style>
+        <p:txBody>
+          <a:bodyPr rtlCol="0" anchor="ctr"/>
+          <a:lstStyle/>
+          <a:p>
+            <a:pPr algn="ctr"/>
+            <a:endParaRPr lang="de-DE" dirty="0">
+              <a:solidFill>
+                <a:schemeClr val="tx1"/>
+              </a:solidFill>
+            </a:endParaRPr>
+          </a:p>
+        </p:txBody>
+      </p:sp>
+      <p:sp>
+        <p:nvSpPr>
+          <p:cNvPr id="3" name="Textfeld 2"/>
+          <p:cNvSpPr txBox="1"/>
+          <p:nvPr/>
+        </p:nvSpPr>
+        <p:spPr>
+          <a:xfrm>
+            <a:off x="8342294" y="253243"/>
+            <a:ext cx="2905475" cy="369332"/>
+          </a:xfrm>
+          <a:prstGeom prst="rect">
+            <a:avLst/>
+          </a:prstGeom>
+          <a:noFill/>
+        </p:spPr>
+        <p:txBody>
+          <a:bodyPr wrap="none" rtlCol="0">
+            <a:spAutoFit/>
+          </a:bodyPr>
+          <a:lstStyle/>
+          <a:p>
+            <a:pPr algn="r"/>
+            <a:r>
+              <a:rPr lang="de-DE" dirty="0" smtClean="0"/>
+              <a:t>&lt;&lt;</a:t>
+            </a:r>
+            <a:r>
+              <a:rPr lang="de-DE" dirty="0" err="1" smtClean="0"/>
+              <a:t>sysnat.quality.assurance</a:t>
+            </a:r>
+            <a:r>
+              <a:rPr lang="de-DE" dirty="0" smtClean="0"/>
+              <a:t>&gt;&gt;</a:t>
+            </a:r>
+            <a:endParaRPr lang="de-DE" dirty="0"/>
+          </a:p>
+        </p:txBody>
+      </p:sp>
+      <p:grpSp>
+        <p:nvGrpSpPr>
+          <p:cNvPr id="40" name="Gruppieren 39"/>
+          <p:cNvGrpSpPr/>
+          <p:nvPr/>
+        </p:nvGrpSpPr>
+        <p:grpSpPr>
+          <a:xfrm>
+            <a:off x="1500992" y="3106635"/>
+            <a:ext cx="2731698" cy="875628"/>
+            <a:chOff x="8695426" y="448574"/>
+            <a:chExt cx="2731698" cy="1621766"/>
+          </a:xfrm>
+        </p:grpSpPr>
+        <p:sp>
+          <p:nvSpPr>
+            <p:cNvPr id="41" name="Rechteck 40"/>
+            <p:cNvSpPr/>
+            <p:nvPr/>
+          </p:nvSpPr>
+          <p:spPr>
+            <a:xfrm>
+              <a:off x="8695426" y="448574"/>
+              <a:ext cx="2731698" cy="1621766"/>
+            </a:xfrm>
+            <a:prstGeom prst="rect">
+              <a:avLst/>
+            </a:prstGeom>
+            <a:solidFill>
+              <a:schemeClr val="bg1">
+                <a:lumMod val="85000"/>
+              </a:schemeClr>
+            </a:solidFill>
+          </p:spPr>
+          <p:style>
+            <a:lnRef idx="2">
+              <a:schemeClr val="accent1">
+                <a:shade val="50000"/>
+              </a:schemeClr>
+            </a:lnRef>
+            <a:fillRef idx="1">
+              <a:schemeClr val="accent1"/>
+            </a:fillRef>
+            <a:effectRef idx="0">
+              <a:schemeClr val="accent1"/>
+            </a:effectRef>
+            <a:fontRef idx="minor">
+              <a:schemeClr val="lt1"/>
+            </a:fontRef>
+          </p:style>
+          <p:txBody>
+            <a:bodyPr rtlCol="0" anchor="ctr"/>
+            <a:lstStyle/>
+            <a:p>
+              <a:pPr algn="ctr"/>
+              <a:endParaRPr lang="de-DE" dirty="0">
+                <a:solidFill>
+                  <a:schemeClr val="tx1"/>
+                </a:solidFill>
+              </a:endParaRPr>
+            </a:p>
+          </p:txBody>
+        </p:sp>
+        <p:sp>
+          <p:nvSpPr>
+            <p:cNvPr id="42" name="Textfeld 41"/>
+            <p:cNvSpPr txBox="1"/>
+            <p:nvPr/>
+          </p:nvSpPr>
+          <p:spPr>
+            <a:xfrm>
+              <a:off x="8697901" y="455508"/>
+              <a:ext cx="2729223" cy="969065"/>
+            </a:xfrm>
+            <a:prstGeom prst="rect">
+              <a:avLst/>
+            </a:prstGeom>
+            <a:noFill/>
+            <a:ln>
+              <a:solidFill>
+                <a:schemeClr val="tx1"/>
+              </a:solidFill>
+            </a:ln>
+          </p:spPr>
+          <p:txBody>
+            <a:bodyPr wrap="square" rtlCol="0">
+              <a:spAutoFit/>
+            </a:bodyPr>
+            <a:lstStyle/>
+            <a:p>
+              <a:pPr algn="ctr"/>
+              <a:r>
+                <a:rPr lang="de-DE" sz="1400" dirty="0" err="1" smtClean="0"/>
+                <a:t>class</a:t>
+              </a:r>
+              <a:r>
+                <a:rPr lang="de-DE" sz="1400" dirty="0" smtClean="0"/>
+                <a:t> </a:t>
+              </a:r>
+            </a:p>
+            <a:p>
+              <a:pPr algn="ctr"/>
+              <a:r>
+                <a:rPr lang="de-DE" sz="1400" dirty="0" err="1" smtClean="0"/>
+                <a:t>ModuleLevelTestExecutor</a:t>
+              </a:r>
+              <a:endParaRPr lang="de-DE" sz="1400" dirty="0"/>
+            </a:p>
+          </p:txBody>
+        </p:sp>
+      </p:grpSp>
+      <p:grpSp>
+        <p:nvGrpSpPr>
+          <p:cNvPr id="24" name="Gruppieren 23"/>
+          <p:cNvGrpSpPr/>
+          <p:nvPr/>
+        </p:nvGrpSpPr>
+        <p:grpSpPr>
+          <a:xfrm>
+            <a:off x="1500992" y="1560567"/>
+            <a:ext cx="2734690" cy="875628"/>
+            <a:chOff x="8695426" y="448574"/>
+            <a:chExt cx="2734690" cy="1621766"/>
+          </a:xfrm>
+        </p:grpSpPr>
+        <p:sp>
+          <p:nvSpPr>
+            <p:cNvPr id="25" name="Rechteck 24"/>
+            <p:cNvSpPr/>
+            <p:nvPr/>
+          </p:nvSpPr>
+          <p:spPr>
+            <a:xfrm>
+              <a:off x="8695426" y="448574"/>
+              <a:ext cx="2731698" cy="1621766"/>
+            </a:xfrm>
+            <a:prstGeom prst="rect">
+              <a:avLst/>
+            </a:prstGeom>
+            <a:solidFill>
+              <a:schemeClr val="bg1">
+                <a:lumMod val="85000"/>
+              </a:schemeClr>
+            </a:solidFill>
+          </p:spPr>
+          <p:style>
+            <a:lnRef idx="2">
+              <a:schemeClr val="accent1">
+                <a:shade val="50000"/>
+              </a:schemeClr>
+            </a:lnRef>
+            <a:fillRef idx="1">
+              <a:schemeClr val="accent1"/>
+            </a:fillRef>
+            <a:effectRef idx="0">
+              <a:schemeClr val="accent1"/>
+            </a:effectRef>
+            <a:fontRef idx="minor">
+              <a:schemeClr val="lt1"/>
+            </a:fontRef>
+          </p:style>
+          <p:txBody>
+            <a:bodyPr rtlCol="0" anchor="ctr"/>
+            <a:lstStyle/>
+            <a:p>
+              <a:pPr algn="ctr"/>
+              <a:endParaRPr lang="de-DE" dirty="0">
+                <a:solidFill>
+                  <a:schemeClr val="tx1"/>
+                </a:solidFill>
+              </a:endParaRPr>
+            </a:p>
+          </p:txBody>
+        </p:sp>
+        <p:sp>
+          <p:nvSpPr>
+            <p:cNvPr id="26" name="Textfeld 25"/>
+            <p:cNvSpPr txBox="1"/>
+            <p:nvPr/>
+          </p:nvSpPr>
+          <p:spPr>
+            <a:xfrm>
+              <a:off x="8695428" y="455508"/>
+              <a:ext cx="2734688" cy="969065"/>
+            </a:xfrm>
+            <a:prstGeom prst="rect">
+              <a:avLst/>
+            </a:prstGeom>
+            <a:noFill/>
+            <a:ln>
+              <a:solidFill>
+                <a:schemeClr val="tx1"/>
+              </a:solidFill>
+            </a:ln>
+          </p:spPr>
+          <p:txBody>
+            <a:bodyPr wrap="square" rtlCol="0">
+              <a:spAutoFit/>
+            </a:bodyPr>
+            <a:lstStyle/>
+            <a:p>
+              <a:pPr algn="ctr"/>
+              <a:r>
+                <a:rPr lang="de-DE" sz="1400" dirty="0" err="1" smtClean="0"/>
+                <a:t>class</a:t>
+              </a:r>
+              <a:endParaRPr lang="de-DE" sz="1400" dirty="0" smtClean="0"/>
+            </a:p>
+            <a:p>
+              <a:pPr algn="ctr"/>
+              <a:r>
+                <a:rPr lang="de-DE" sz="1400" dirty="0" err="1"/>
+                <a:t>ClassLevelTestExecutor</a:t>
+              </a:r>
+              <a:endParaRPr lang="de-DE" sz="1400" dirty="0"/>
+            </a:p>
+          </p:txBody>
+        </p:sp>
+      </p:grpSp>
+      <p:grpSp>
+        <p:nvGrpSpPr>
+          <p:cNvPr id="34" name="Gruppieren 33"/>
+          <p:cNvGrpSpPr/>
+          <p:nvPr/>
+        </p:nvGrpSpPr>
+        <p:grpSpPr>
+          <a:xfrm>
+            <a:off x="1500993" y="4688250"/>
+            <a:ext cx="2731698" cy="875628"/>
+            <a:chOff x="8316257" y="448574"/>
+            <a:chExt cx="3115487" cy="1621766"/>
+          </a:xfrm>
+        </p:grpSpPr>
+        <p:sp>
+          <p:nvSpPr>
+            <p:cNvPr id="35" name="Rechteck 34"/>
+            <p:cNvSpPr/>
+            <p:nvPr/>
+          </p:nvSpPr>
+          <p:spPr>
+            <a:xfrm>
+              <a:off x="8316257" y="448574"/>
+              <a:ext cx="3110867" cy="1621766"/>
+            </a:xfrm>
+            <a:prstGeom prst="rect">
+              <a:avLst/>
+            </a:prstGeom>
+            <a:solidFill>
+              <a:schemeClr val="bg1">
+                <a:lumMod val="85000"/>
+              </a:schemeClr>
+            </a:solidFill>
+          </p:spPr>
+          <p:style>
+            <a:lnRef idx="2">
+              <a:schemeClr val="accent1">
+                <a:shade val="50000"/>
+              </a:schemeClr>
+            </a:lnRef>
+            <a:fillRef idx="1">
+              <a:schemeClr val="accent1"/>
+            </a:fillRef>
+            <a:effectRef idx="0">
+              <a:schemeClr val="accent1"/>
+            </a:effectRef>
+            <a:fontRef idx="minor">
+              <a:schemeClr val="lt1"/>
+            </a:fontRef>
+          </p:style>
+          <p:txBody>
+            <a:bodyPr rtlCol="0" anchor="ctr"/>
+            <a:lstStyle/>
+            <a:p>
+              <a:pPr algn="ctr"/>
+              <a:endParaRPr lang="de-DE" dirty="0">
+                <a:solidFill>
+                  <a:schemeClr val="tx1"/>
+                </a:solidFill>
+              </a:endParaRPr>
+            </a:p>
+          </p:txBody>
+        </p:sp>
+        <p:sp>
+          <p:nvSpPr>
+            <p:cNvPr id="36" name="Textfeld 35"/>
+            <p:cNvSpPr txBox="1"/>
+            <p:nvPr/>
+          </p:nvSpPr>
+          <p:spPr>
+            <a:xfrm>
+              <a:off x="8316257" y="451373"/>
+              <a:ext cx="3115487" cy="969065"/>
+            </a:xfrm>
+            <a:prstGeom prst="rect">
+              <a:avLst/>
+            </a:prstGeom>
+            <a:noFill/>
+            <a:ln>
+              <a:solidFill>
+                <a:schemeClr val="tx1"/>
+              </a:solidFill>
+            </a:ln>
+          </p:spPr>
+          <p:txBody>
+            <a:bodyPr wrap="square" rtlCol="0">
+              <a:spAutoFit/>
+            </a:bodyPr>
+            <a:lstStyle/>
+            <a:p>
+              <a:pPr algn="ctr"/>
+              <a:r>
+                <a:rPr lang="de-DE" sz="1400" dirty="0" err="1" smtClean="0"/>
+                <a:t>class</a:t>
+              </a:r>
+              <a:r>
+                <a:rPr lang="de-DE" sz="1400" dirty="0" smtClean="0"/>
+                <a:t> </a:t>
+              </a:r>
+            </a:p>
+            <a:p>
+              <a:pPr algn="ctr"/>
+              <a:r>
+                <a:rPr lang="de-DE" sz="1400" dirty="0" err="1" smtClean="0"/>
+                <a:t>SystemLevelTestExecutor</a:t>
+              </a:r>
+              <a:endParaRPr lang="de-DE" sz="1400" dirty="0"/>
+            </a:p>
+          </p:txBody>
+        </p:sp>
+      </p:grpSp>
+      <p:grpSp>
+        <p:nvGrpSpPr>
+          <p:cNvPr id="21" name="Gruppieren 20"/>
+          <p:cNvGrpSpPr/>
+          <p:nvPr/>
+        </p:nvGrpSpPr>
+        <p:grpSpPr>
+          <a:xfrm>
+            <a:off x="5932095" y="3106635"/>
+            <a:ext cx="3013620" cy="875628"/>
+            <a:chOff x="8695426" y="448574"/>
+            <a:chExt cx="2734690" cy="1621766"/>
+          </a:xfrm>
+        </p:grpSpPr>
+        <p:sp>
+          <p:nvSpPr>
+            <p:cNvPr id="22" name="Rechteck 21"/>
+            <p:cNvSpPr/>
+            <p:nvPr/>
+          </p:nvSpPr>
+          <p:spPr>
+            <a:xfrm>
+              <a:off x="8695426" y="448574"/>
+              <a:ext cx="2731698" cy="1621766"/>
+            </a:xfrm>
+            <a:prstGeom prst="rect">
+              <a:avLst/>
+            </a:prstGeom>
+            <a:solidFill>
+              <a:schemeClr val="bg1">
+                <a:lumMod val="85000"/>
+              </a:schemeClr>
+            </a:solidFill>
+          </p:spPr>
+          <p:style>
+            <a:lnRef idx="2">
+              <a:schemeClr val="accent1">
+                <a:shade val="50000"/>
+              </a:schemeClr>
+            </a:lnRef>
+            <a:fillRef idx="1">
+              <a:schemeClr val="accent1"/>
+            </a:fillRef>
+            <a:effectRef idx="0">
+              <a:schemeClr val="accent1"/>
+            </a:effectRef>
+            <a:fontRef idx="minor">
+              <a:schemeClr val="lt1"/>
+            </a:fontRef>
+          </p:style>
+          <p:txBody>
+            <a:bodyPr rtlCol="0" anchor="ctr"/>
+            <a:lstStyle/>
+            <a:p>
+              <a:pPr algn="ctr"/>
+              <a:endParaRPr lang="de-DE" dirty="0">
+                <a:solidFill>
+                  <a:schemeClr val="tx1"/>
+                </a:solidFill>
+              </a:endParaRPr>
+            </a:p>
+          </p:txBody>
+        </p:sp>
+        <p:sp>
+          <p:nvSpPr>
+            <p:cNvPr id="23" name="Textfeld 22"/>
+            <p:cNvSpPr txBox="1"/>
+            <p:nvPr/>
+          </p:nvSpPr>
+          <p:spPr>
+            <a:xfrm>
+              <a:off x="8695428" y="455508"/>
+              <a:ext cx="2734688" cy="969065"/>
+            </a:xfrm>
+            <a:prstGeom prst="rect">
+              <a:avLst/>
+            </a:prstGeom>
+            <a:noFill/>
+            <a:ln>
+              <a:solidFill>
+                <a:schemeClr val="tx1"/>
+              </a:solidFill>
+            </a:ln>
+          </p:spPr>
+          <p:txBody>
+            <a:bodyPr wrap="square" rtlCol="0">
+              <a:spAutoFit/>
+            </a:bodyPr>
+            <a:lstStyle/>
+            <a:p>
+              <a:pPr algn="ctr"/>
+              <a:r>
+                <a:rPr lang="de-DE" sz="1400" dirty="0" err="1" smtClean="0"/>
+                <a:t>class</a:t>
+              </a:r>
+              <a:endParaRPr lang="de-DE" sz="1400" dirty="0" smtClean="0"/>
+            </a:p>
+            <a:p>
+              <a:pPr algn="ctr"/>
+              <a:endParaRPr lang="de-DE" sz="1400" dirty="0"/>
+            </a:p>
+          </p:txBody>
+        </p:sp>
+      </p:grpSp>
+      <p:grpSp>
+        <p:nvGrpSpPr>
+          <p:cNvPr id="37" name="Gruppieren 36"/>
+          <p:cNvGrpSpPr/>
+          <p:nvPr/>
+        </p:nvGrpSpPr>
+        <p:grpSpPr>
+          <a:xfrm>
+            <a:off x="6101748" y="3279095"/>
+            <a:ext cx="3013620" cy="875628"/>
+            <a:chOff x="8695426" y="448574"/>
+            <a:chExt cx="2734690" cy="1621766"/>
+          </a:xfrm>
+        </p:grpSpPr>
+        <p:sp>
+          <p:nvSpPr>
+            <p:cNvPr id="39" name="Rechteck 38"/>
+            <p:cNvSpPr/>
+            <p:nvPr/>
+          </p:nvSpPr>
+          <p:spPr>
+            <a:xfrm>
+              <a:off x="8695426" y="448574"/>
+              <a:ext cx="2731698" cy="1621766"/>
+            </a:xfrm>
+            <a:prstGeom prst="rect">
+              <a:avLst/>
+            </a:prstGeom>
+            <a:solidFill>
+              <a:schemeClr val="bg1">
+                <a:lumMod val="85000"/>
+              </a:schemeClr>
+            </a:solidFill>
+          </p:spPr>
+          <p:style>
+            <a:lnRef idx="2">
+              <a:schemeClr val="accent1">
+                <a:shade val="50000"/>
+              </a:schemeClr>
+            </a:lnRef>
+            <a:fillRef idx="1">
+              <a:schemeClr val="accent1"/>
+            </a:fillRef>
+            <a:effectRef idx="0">
+              <a:schemeClr val="accent1"/>
+            </a:effectRef>
+            <a:fontRef idx="minor">
+              <a:schemeClr val="lt1"/>
+            </a:fontRef>
+          </p:style>
+          <p:txBody>
+            <a:bodyPr rtlCol="0" anchor="ctr"/>
+            <a:lstStyle/>
+            <a:p>
+              <a:pPr algn="ctr"/>
+              <a:endParaRPr lang="de-DE" dirty="0">
+                <a:solidFill>
+                  <a:schemeClr val="tx1"/>
+                </a:solidFill>
+              </a:endParaRPr>
+            </a:p>
+          </p:txBody>
+        </p:sp>
+        <p:sp>
+          <p:nvSpPr>
+            <p:cNvPr id="43" name="Textfeld 42"/>
+            <p:cNvSpPr txBox="1"/>
+            <p:nvPr/>
+          </p:nvSpPr>
+          <p:spPr>
+            <a:xfrm>
+              <a:off x="8695428" y="455508"/>
+              <a:ext cx="2734688" cy="969065"/>
+            </a:xfrm>
+            <a:prstGeom prst="rect">
+              <a:avLst/>
+            </a:prstGeom>
+            <a:noFill/>
+            <a:ln>
+              <a:solidFill>
+                <a:schemeClr val="tx1"/>
+              </a:solidFill>
+            </a:ln>
+          </p:spPr>
+          <p:txBody>
+            <a:bodyPr wrap="square" rtlCol="0">
+              <a:spAutoFit/>
+            </a:bodyPr>
+            <a:lstStyle/>
+            <a:p>
+              <a:pPr algn="ctr"/>
+              <a:r>
+                <a:rPr lang="de-DE" sz="1400" dirty="0" err="1" smtClean="0"/>
+                <a:t>class</a:t>
+              </a:r>
+              <a:endParaRPr lang="de-DE" sz="1400" dirty="0" smtClean="0"/>
+            </a:p>
+            <a:p>
+              <a:pPr algn="ctr"/>
+              <a:endParaRPr lang="de-DE" sz="1400" dirty="0"/>
+            </a:p>
+          </p:txBody>
+        </p:sp>
+      </p:grpSp>
+      <p:grpSp>
+        <p:nvGrpSpPr>
+          <p:cNvPr id="44" name="Gruppieren 43"/>
+          <p:cNvGrpSpPr/>
+          <p:nvPr/>
+        </p:nvGrpSpPr>
+        <p:grpSpPr>
+          <a:xfrm>
+            <a:off x="6302909" y="3456347"/>
+            <a:ext cx="3013620" cy="875628"/>
+            <a:chOff x="8695426" y="448574"/>
+            <a:chExt cx="2734690" cy="1621766"/>
+          </a:xfrm>
+        </p:grpSpPr>
+        <p:sp>
+          <p:nvSpPr>
+            <p:cNvPr id="45" name="Rechteck 44"/>
+            <p:cNvSpPr/>
+            <p:nvPr/>
+          </p:nvSpPr>
+          <p:spPr>
+            <a:xfrm>
+              <a:off x="8695426" y="448574"/>
+              <a:ext cx="2731698" cy="1621766"/>
+            </a:xfrm>
+            <a:prstGeom prst="rect">
+              <a:avLst/>
+            </a:prstGeom>
+            <a:solidFill>
+              <a:schemeClr val="bg1">
+                <a:lumMod val="85000"/>
+              </a:schemeClr>
+            </a:solidFill>
+          </p:spPr>
+          <p:style>
+            <a:lnRef idx="2">
+              <a:schemeClr val="accent1">
+                <a:shade val="50000"/>
+              </a:schemeClr>
+            </a:lnRef>
+            <a:fillRef idx="1">
+              <a:schemeClr val="accent1"/>
+            </a:fillRef>
+            <a:effectRef idx="0">
+              <a:schemeClr val="accent1"/>
+            </a:effectRef>
+            <a:fontRef idx="minor">
+              <a:schemeClr val="lt1"/>
+            </a:fontRef>
+          </p:style>
+          <p:txBody>
+            <a:bodyPr rtlCol="0" anchor="ctr"/>
+            <a:lstStyle/>
+            <a:p>
+              <a:pPr algn="ctr"/>
+              <a:endParaRPr lang="de-DE" dirty="0">
+                <a:solidFill>
+                  <a:schemeClr val="tx1"/>
+                </a:solidFill>
+              </a:endParaRPr>
+            </a:p>
+          </p:txBody>
+        </p:sp>
+        <p:sp>
+          <p:nvSpPr>
+            <p:cNvPr id="46" name="Textfeld 45"/>
+            <p:cNvSpPr txBox="1"/>
+            <p:nvPr/>
+          </p:nvSpPr>
+          <p:spPr>
+            <a:xfrm>
+              <a:off x="8695428" y="455508"/>
+              <a:ext cx="2734688" cy="1368093"/>
+            </a:xfrm>
+            <a:prstGeom prst="rect">
+              <a:avLst/>
+            </a:prstGeom>
+            <a:noFill/>
+            <a:ln>
+              <a:solidFill>
+                <a:schemeClr val="tx1"/>
+              </a:solidFill>
+            </a:ln>
+          </p:spPr>
+          <p:txBody>
+            <a:bodyPr wrap="square" rtlCol="0">
+              <a:spAutoFit/>
+            </a:bodyPr>
+            <a:lstStyle/>
+            <a:p>
+              <a:pPr algn="ctr"/>
+              <a:r>
+                <a:rPr lang="de-DE" sz="1400" dirty="0" err="1" smtClean="0"/>
+                <a:t>class</a:t>
+              </a:r>
+              <a:endParaRPr lang="de-DE" sz="1400" dirty="0" smtClean="0"/>
+            </a:p>
+            <a:p>
+              <a:pPr algn="ctr"/>
+              <a:r>
+                <a:rPr lang="de-DE" sz="1400" dirty="0" err="1"/>
+                <a:t>TestcaseGeneration_ModuleLevelTest</a:t>
+              </a:r>
+              <a:endParaRPr lang="de-DE" sz="1400" dirty="0"/>
+            </a:p>
+          </p:txBody>
+        </p:sp>
+      </p:grpSp>
+      <p:grpSp>
+        <p:nvGrpSpPr>
+          <p:cNvPr id="47" name="Gruppieren 46"/>
+          <p:cNvGrpSpPr/>
+          <p:nvPr/>
+        </p:nvGrpSpPr>
+        <p:grpSpPr>
+          <a:xfrm>
+            <a:off x="5928798" y="4688250"/>
+            <a:ext cx="3013620" cy="875628"/>
+            <a:chOff x="8695426" y="448574"/>
+            <a:chExt cx="2734690" cy="1621766"/>
+          </a:xfrm>
+        </p:grpSpPr>
+        <p:sp>
+          <p:nvSpPr>
+            <p:cNvPr id="48" name="Rechteck 47"/>
+            <p:cNvSpPr/>
+            <p:nvPr/>
+          </p:nvSpPr>
+          <p:spPr>
+            <a:xfrm>
+              <a:off x="8695426" y="448574"/>
+              <a:ext cx="2731698" cy="1621766"/>
+            </a:xfrm>
+            <a:prstGeom prst="rect">
+              <a:avLst/>
+            </a:prstGeom>
+            <a:solidFill>
+              <a:schemeClr val="bg1">
+                <a:lumMod val="85000"/>
+              </a:schemeClr>
+            </a:solidFill>
+          </p:spPr>
+          <p:style>
+            <a:lnRef idx="2">
+              <a:schemeClr val="accent1">
+                <a:shade val="50000"/>
+              </a:schemeClr>
+            </a:lnRef>
+            <a:fillRef idx="1">
+              <a:schemeClr val="accent1"/>
+            </a:fillRef>
+            <a:effectRef idx="0">
+              <a:schemeClr val="accent1"/>
+            </a:effectRef>
+            <a:fontRef idx="minor">
+              <a:schemeClr val="lt1"/>
+            </a:fontRef>
+          </p:style>
+          <p:txBody>
+            <a:bodyPr rtlCol="0" anchor="ctr"/>
+            <a:lstStyle/>
+            <a:p>
+              <a:pPr algn="ctr"/>
+              <a:endParaRPr lang="de-DE" dirty="0">
+                <a:solidFill>
+                  <a:schemeClr val="tx1"/>
+                </a:solidFill>
+              </a:endParaRPr>
+            </a:p>
+          </p:txBody>
+        </p:sp>
+        <p:sp>
+          <p:nvSpPr>
+            <p:cNvPr id="49" name="Textfeld 48"/>
+            <p:cNvSpPr txBox="1"/>
+            <p:nvPr/>
+          </p:nvSpPr>
+          <p:spPr>
+            <a:xfrm>
+              <a:off x="8695428" y="455508"/>
+              <a:ext cx="2734688" cy="969065"/>
+            </a:xfrm>
+            <a:prstGeom prst="rect">
+              <a:avLst/>
+            </a:prstGeom>
+            <a:noFill/>
+            <a:ln>
+              <a:solidFill>
+                <a:schemeClr val="tx1"/>
+              </a:solidFill>
+            </a:ln>
+          </p:spPr>
+          <p:txBody>
+            <a:bodyPr wrap="square" rtlCol="0">
+              <a:spAutoFit/>
+            </a:bodyPr>
+            <a:lstStyle/>
+            <a:p>
+              <a:pPr algn="ctr"/>
+              <a:r>
+                <a:rPr lang="de-DE" sz="1400" dirty="0" err="1" smtClean="0"/>
+                <a:t>class</a:t>
+              </a:r>
+              <a:endParaRPr lang="de-DE" sz="1400" dirty="0" smtClean="0"/>
+            </a:p>
+            <a:p>
+              <a:pPr algn="ctr"/>
+              <a:endParaRPr lang="de-DE" sz="1400" dirty="0"/>
+            </a:p>
+          </p:txBody>
+        </p:sp>
+      </p:grpSp>
+      <p:grpSp>
+        <p:nvGrpSpPr>
+          <p:cNvPr id="50" name="Gruppieren 49"/>
+          <p:cNvGrpSpPr/>
+          <p:nvPr/>
+        </p:nvGrpSpPr>
+        <p:grpSpPr>
+          <a:xfrm>
+            <a:off x="6098451" y="4860710"/>
+            <a:ext cx="3013620" cy="875628"/>
+            <a:chOff x="8695426" y="448574"/>
+            <a:chExt cx="2734690" cy="1621766"/>
+          </a:xfrm>
+        </p:grpSpPr>
+        <p:sp>
+          <p:nvSpPr>
+            <p:cNvPr id="51" name="Rechteck 50"/>
+            <p:cNvSpPr/>
+            <p:nvPr/>
+          </p:nvSpPr>
+          <p:spPr>
+            <a:xfrm>
+              <a:off x="8695426" y="448574"/>
+              <a:ext cx="2731698" cy="1621766"/>
+            </a:xfrm>
+            <a:prstGeom prst="rect">
+              <a:avLst/>
+            </a:prstGeom>
+            <a:solidFill>
+              <a:schemeClr val="bg1">
+                <a:lumMod val="85000"/>
+              </a:schemeClr>
+            </a:solidFill>
+          </p:spPr>
+          <p:style>
+            <a:lnRef idx="2">
+              <a:schemeClr val="accent1">
+                <a:shade val="50000"/>
+              </a:schemeClr>
+            </a:lnRef>
+            <a:fillRef idx="1">
+              <a:schemeClr val="accent1"/>
+            </a:fillRef>
+            <a:effectRef idx="0">
+              <a:schemeClr val="accent1"/>
+            </a:effectRef>
+            <a:fontRef idx="minor">
+              <a:schemeClr val="lt1"/>
+            </a:fontRef>
+          </p:style>
+          <p:txBody>
+            <a:bodyPr rtlCol="0" anchor="ctr"/>
+            <a:lstStyle/>
+            <a:p>
+              <a:pPr algn="ctr"/>
+              <a:endParaRPr lang="de-DE" dirty="0">
+                <a:solidFill>
+                  <a:schemeClr val="tx1"/>
+                </a:solidFill>
+              </a:endParaRPr>
+            </a:p>
+          </p:txBody>
+        </p:sp>
+        <p:sp>
+          <p:nvSpPr>
+            <p:cNvPr id="52" name="Textfeld 51"/>
+            <p:cNvSpPr txBox="1"/>
+            <p:nvPr/>
+          </p:nvSpPr>
+          <p:spPr>
+            <a:xfrm>
+              <a:off x="8695428" y="455508"/>
+              <a:ext cx="2734688" cy="969065"/>
+            </a:xfrm>
+            <a:prstGeom prst="rect">
+              <a:avLst/>
+            </a:prstGeom>
+            <a:noFill/>
+            <a:ln>
+              <a:solidFill>
+                <a:schemeClr val="tx1"/>
+              </a:solidFill>
+            </a:ln>
+          </p:spPr>
+          <p:txBody>
+            <a:bodyPr wrap="square" rtlCol="0">
+              <a:spAutoFit/>
+            </a:bodyPr>
+            <a:lstStyle/>
+            <a:p>
+              <a:pPr algn="ctr"/>
+              <a:r>
+                <a:rPr lang="de-DE" sz="1400" dirty="0" err="1" smtClean="0"/>
+                <a:t>class</a:t>
+              </a:r>
+              <a:endParaRPr lang="de-DE" sz="1400" dirty="0" smtClean="0"/>
+            </a:p>
+            <a:p>
+              <a:pPr algn="ctr"/>
+              <a:endParaRPr lang="de-DE" sz="1400" dirty="0"/>
+            </a:p>
+          </p:txBody>
+        </p:sp>
+      </p:grpSp>
+      <p:grpSp>
+        <p:nvGrpSpPr>
+          <p:cNvPr id="53" name="Gruppieren 52"/>
+          <p:cNvGrpSpPr/>
+          <p:nvPr/>
+        </p:nvGrpSpPr>
+        <p:grpSpPr>
+          <a:xfrm>
+            <a:off x="6299612" y="5037962"/>
+            <a:ext cx="3013620" cy="875628"/>
+            <a:chOff x="8695426" y="448574"/>
+            <a:chExt cx="2734690" cy="1621766"/>
+          </a:xfrm>
+        </p:grpSpPr>
+        <p:sp>
+          <p:nvSpPr>
+            <p:cNvPr id="54" name="Rechteck 53"/>
+            <p:cNvSpPr/>
+            <p:nvPr/>
+          </p:nvSpPr>
+          <p:spPr>
+            <a:xfrm>
+              <a:off x="8695426" y="448574"/>
+              <a:ext cx="2731698" cy="1621766"/>
+            </a:xfrm>
+            <a:prstGeom prst="rect">
+              <a:avLst/>
+            </a:prstGeom>
+            <a:solidFill>
+              <a:schemeClr val="bg1">
+                <a:lumMod val="85000"/>
+              </a:schemeClr>
+            </a:solidFill>
+          </p:spPr>
+          <p:style>
+            <a:lnRef idx="2">
+              <a:schemeClr val="accent1">
+                <a:shade val="50000"/>
+              </a:schemeClr>
+            </a:lnRef>
+            <a:fillRef idx="1">
+              <a:schemeClr val="accent1"/>
+            </a:fillRef>
+            <a:effectRef idx="0">
+              <a:schemeClr val="accent1"/>
+            </a:effectRef>
+            <a:fontRef idx="minor">
+              <a:schemeClr val="lt1"/>
+            </a:fontRef>
+          </p:style>
+          <p:txBody>
+            <a:bodyPr rtlCol="0" anchor="ctr"/>
+            <a:lstStyle/>
+            <a:p>
+              <a:pPr algn="ctr"/>
+              <a:endParaRPr lang="de-DE" dirty="0">
+                <a:solidFill>
+                  <a:schemeClr val="tx1"/>
+                </a:solidFill>
+              </a:endParaRPr>
+            </a:p>
+          </p:txBody>
+        </p:sp>
+        <p:sp>
+          <p:nvSpPr>
+            <p:cNvPr id="55" name="Textfeld 54"/>
+            <p:cNvSpPr txBox="1"/>
+            <p:nvPr/>
+          </p:nvSpPr>
+          <p:spPr>
+            <a:xfrm>
+              <a:off x="8695428" y="455508"/>
+              <a:ext cx="2734688" cy="969065"/>
+            </a:xfrm>
+            <a:prstGeom prst="rect">
+              <a:avLst/>
+            </a:prstGeom>
+            <a:noFill/>
+            <a:ln>
+              <a:solidFill>
+                <a:schemeClr val="tx1"/>
+              </a:solidFill>
+            </a:ln>
+          </p:spPr>
+          <p:txBody>
+            <a:bodyPr wrap="square" rtlCol="0">
+              <a:spAutoFit/>
+            </a:bodyPr>
+            <a:lstStyle/>
+            <a:p>
+              <a:pPr algn="ctr"/>
+              <a:r>
+                <a:rPr lang="de-DE" sz="1400" dirty="0" err="1" smtClean="0"/>
+                <a:t>class</a:t>
+              </a:r>
+              <a:endParaRPr lang="de-DE" sz="1400" dirty="0" smtClean="0"/>
+            </a:p>
+            <a:p>
+              <a:pPr algn="ctr"/>
+              <a:r>
+                <a:rPr lang="de-DE" sz="1400" dirty="0" err="1"/>
+                <a:t>HelloWorldSpringBootSystemLevelTest</a:t>
+              </a:r>
+              <a:endParaRPr lang="de-DE" sz="1400" dirty="0"/>
+            </a:p>
+          </p:txBody>
+        </p:sp>
+      </p:grpSp>
+      <p:cxnSp>
+        <p:nvCxnSpPr>
+          <p:cNvPr id="56" name="Gerade Verbindung mit Pfeil 55"/>
+          <p:cNvCxnSpPr>
+            <a:stCxn id="42" idx="3"/>
+            <a:endCxn id="23" idx="1"/>
+          </p:cNvCxnSpPr>
+          <p:nvPr/>
+        </p:nvCxnSpPr>
+        <p:spPr>
+          <a:xfrm>
+            <a:off x="4232690" y="3371989"/>
+            <a:ext cx="1699407" cy="0"/>
+          </a:xfrm>
+          <a:prstGeom prst="straightConnector1">
+            <a:avLst/>
+          </a:prstGeom>
+          <a:ln>
+            <a:solidFill>
+              <a:schemeClr val="tx1"/>
+            </a:solidFill>
+            <a:prstDash val="dash"/>
+            <a:tailEnd type="triangle"/>
+          </a:ln>
+        </p:spPr>
+        <p:style>
+          <a:lnRef idx="1">
+            <a:schemeClr val="accent1"/>
+          </a:lnRef>
+          <a:fillRef idx="0">
+            <a:schemeClr val="accent1"/>
+          </a:fillRef>
+          <a:effectRef idx="0">
+            <a:schemeClr val="accent1"/>
+          </a:effectRef>
+          <a:fontRef idx="minor">
+            <a:schemeClr val="tx1"/>
+          </a:fontRef>
+        </p:style>
+      </p:cxnSp>
+      <p:sp>
+        <p:nvSpPr>
+          <p:cNvPr id="13" name="Textfeld 12"/>
+          <p:cNvSpPr txBox="1"/>
+          <p:nvPr/>
+        </p:nvSpPr>
+        <p:spPr>
+          <a:xfrm>
+            <a:off x="4311015" y="3080042"/>
+            <a:ext cx="1536254" cy="307777"/>
+          </a:xfrm>
+          <a:prstGeom prst="rect">
+            <a:avLst/>
+          </a:prstGeom>
+          <a:noFill/>
+        </p:spPr>
+        <p:txBody>
+          <a:bodyPr wrap="none" rtlCol="0">
+            <a:spAutoFit/>
+          </a:bodyPr>
+          <a:lstStyle/>
+          <a:p>
+            <a:r>
+              <a:rPr lang="de-DE" sz="1400" dirty="0" err="1" smtClean="0"/>
+              <a:t>finds</a:t>
+            </a:r>
+            <a:r>
+              <a:rPr lang="de-DE" sz="1400" dirty="0" smtClean="0"/>
+              <a:t> </a:t>
+            </a:r>
+            <a:r>
+              <a:rPr lang="de-DE" sz="1400" dirty="0" err="1" smtClean="0"/>
+              <a:t>and</a:t>
+            </a:r>
+            <a:r>
+              <a:rPr lang="de-DE" sz="1400" dirty="0" smtClean="0"/>
+              <a:t> </a:t>
+            </a:r>
+            <a:r>
+              <a:rPr lang="de-DE" sz="1400" dirty="0" err="1" smtClean="0"/>
+              <a:t>executes</a:t>
+            </a:r>
+            <a:endParaRPr lang="de-DE" sz="1400" dirty="0"/>
+          </a:p>
+        </p:txBody>
+      </p:sp>
+      <p:cxnSp>
+        <p:nvCxnSpPr>
+          <p:cNvPr id="59" name="Gerade Verbindung mit Pfeil 58"/>
+          <p:cNvCxnSpPr/>
+          <p:nvPr/>
+        </p:nvCxnSpPr>
+        <p:spPr>
+          <a:xfrm>
+            <a:off x="4229393" y="4966822"/>
+            <a:ext cx="1699407" cy="0"/>
+          </a:xfrm>
+          <a:prstGeom prst="straightConnector1">
+            <a:avLst/>
+          </a:prstGeom>
+          <a:ln>
+            <a:solidFill>
+              <a:schemeClr val="tx1"/>
+            </a:solidFill>
+            <a:prstDash val="dash"/>
+            <a:tailEnd type="triangle"/>
+          </a:ln>
+        </p:spPr>
+        <p:style>
+          <a:lnRef idx="1">
+            <a:schemeClr val="accent1"/>
+          </a:lnRef>
+          <a:fillRef idx="0">
+            <a:schemeClr val="accent1"/>
+          </a:fillRef>
+          <a:effectRef idx="0">
+            <a:schemeClr val="accent1"/>
+          </a:effectRef>
+          <a:fontRef idx="minor">
+            <a:schemeClr val="tx1"/>
+          </a:fontRef>
+        </p:style>
+      </p:cxnSp>
+      <p:sp>
+        <p:nvSpPr>
+          <p:cNvPr id="60" name="Textfeld 59"/>
+          <p:cNvSpPr txBox="1"/>
+          <p:nvPr/>
+        </p:nvSpPr>
+        <p:spPr>
+          <a:xfrm>
+            <a:off x="4307718" y="4674875"/>
+            <a:ext cx="1536254" cy="307777"/>
+          </a:xfrm>
+          <a:prstGeom prst="rect">
+            <a:avLst/>
+          </a:prstGeom>
+          <a:noFill/>
+        </p:spPr>
+        <p:txBody>
+          <a:bodyPr wrap="none" rtlCol="0">
+            <a:spAutoFit/>
+          </a:bodyPr>
+          <a:lstStyle/>
+          <a:p>
+            <a:r>
+              <a:rPr lang="de-DE" sz="1400" dirty="0" err="1" smtClean="0"/>
+              <a:t>finds</a:t>
+            </a:r>
+            <a:r>
+              <a:rPr lang="de-DE" sz="1400" dirty="0" smtClean="0"/>
+              <a:t> </a:t>
+            </a:r>
+            <a:r>
+              <a:rPr lang="de-DE" sz="1400" dirty="0" err="1" smtClean="0"/>
+              <a:t>and</a:t>
+            </a:r>
+            <a:r>
+              <a:rPr lang="de-DE" sz="1400" dirty="0" smtClean="0"/>
+              <a:t> </a:t>
+            </a:r>
+            <a:r>
+              <a:rPr lang="de-DE" sz="1400" dirty="0" err="1" smtClean="0"/>
+              <a:t>executes</a:t>
+            </a:r>
+            <a:endParaRPr lang="de-DE" sz="1400" dirty="0"/>
+          </a:p>
+        </p:txBody>
+      </p:sp>
+      <p:cxnSp>
+        <p:nvCxnSpPr>
+          <p:cNvPr id="61" name="Gerade Verbindung mit Pfeil 60"/>
+          <p:cNvCxnSpPr/>
+          <p:nvPr/>
+        </p:nvCxnSpPr>
+        <p:spPr>
+          <a:xfrm>
+            <a:off x="4229393" y="1852514"/>
+            <a:ext cx="1699407" cy="0"/>
+          </a:xfrm>
+          <a:prstGeom prst="straightConnector1">
+            <a:avLst/>
+          </a:prstGeom>
+          <a:ln>
+            <a:solidFill>
+              <a:schemeClr val="tx1"/>
+            </a:solidFill>
+            <a:prstDash val="dash"/>
+            <a:tailEnd type="triangle"/>
+          </a:ln>
+        </p:spPr>
+        <p:style>
+          <a:lnRef idx="1">
+            <a:schemeClr val="accent1"/>
+          </a:lnRef>
+          <a:fillRef idx="0">
+            <a:schemeClr val="accent1"/>
+          </a:fillRef>
+          <a:effectRef idx="0">
+            <a:schemeClr val="accent1"/>
+          </a:effectRef>
+          <a:fontRef idx="minor">
+            <a:schemeClr val="tx1"/>
+          </a:fontRef>
+        </p:style>
+      </p:cxnSp>
+      <p:sp>
+        <p:nvSpPr>
+          <p:cNvPr id="62" name="Textfeld 61"/>
+          <p:cNvSpPr txBox="1"/>
+          <p:nvPr/>
+        </p:nvSpPr>
+        <p:spPr>
+          <a:xfrm>
+            <a:off x="4307718" y="1560567"/>
+            <a:ext cx="1536254" cy="307777"/>
+          </a:xfrm>
+          <a:prstGeom prst="rect">
+            <a:avLst/>
+          </a:prstGeom>
+          <a:noFill/>
+        </p:spPr>
+        <p:txBody>
+          <a:bodyPr wrap="none" rtlCol="0">
+            <a:spAutoFit/>
+          </a:bodyPr>
+          <a:lstStyle/>
+          <a:p>
+            <a:r>
+              <a:rPr lang="de-DE" sz="1400" dirty="0" err="1" smtClean="0"/>
+              <a:t>finds</a:t>
+            </a:r>
+            <a:r>
+              <a:rPr lang="de-DE" sz="1400" dirty="0" smtClean="0"/>
+              <a:t> </a:t>
+            </a:r>
+            <a:r>
+              <a:rPr lang="de-DE" sz="1400" dirty="0" err="1" smtClean="0"/>
+              <a:t>and</a:t>
+            </a:r>
+            <a:r>
+              <a:rPr lang="de-DE" sz="1400" dirty="0" smtClean="0"/>
+              <a:t> </a:t>
+            </a:r>
+            <a:r>
+              <a:rPr lang="de-DE" sz="1400" dirty="0" err="1" smtClean="0"/>
+              <a:t>executes</a:t>
+            </a:r>
+            <a:endParaRPr lang="de-DE" sz="1400" dirty="0"/>
+          </a:p>
+        </p:txBody>
+      </p:sp>
+      <p:grpSp>
+        <p:nvGrpSpPr>
+          <p:cNvPr id="63" name="Gruppieren 62"/>
+          <p:cNvGrpSpPr/>
+          <p:nvPr/>
+        </p:nvGrpSpPr>
+        <p:grpSpPr>
+          <a:xfrm>
+            <a:off x="5963730" y="1542375"/>
+            <a:ext cx="3013620" cy="875628"/>
+            <a:chOff x="8695426" y="448574"/>
+            <a:chExt cx="2734690" cy="1621766"/>
+          </a:xfrm>
+        </p:grpSpPr>
+        <p:sp>
+          <p:nvSpPr>
+            <p:cNvPr id="64" name="Rechteck 63"/>
+            <p:cNvSpPr/>
+            <p:nvPr/>
+          </p:nvSpPr>
+          <p:spPr>
+            <a:xfrm>
+              <a:off x="8695426" y="448574"/>
+              <a:ext cx="2731698" cy="1621766"/>
+            </a:xfrm>
+            <a:prstGeom prst="rect">
+              <a:avLst/>
+            </a:prstGeom>
+            <a:solidFill>
+              <a:schemeClr val="bg1">
+                <a:lumMod val="85000"/>
+              </a:schemeClr>
+            </a:solidFill>
+          </p:spPr>
+          <p:style>
+            <a:lnRef idx="2">
+              <a:schemeClr val="accent1">
+                <a:shade val="50000"/>
+              </a:schemeClr>
+            </a:lnRef>
+            <a:fillRef idx="1">
+              <a:schemeClr val="accent1"/>
+            </a:fillRef>
+            <a:effectRef idx="0">
+              <a:schemeClr val="accent1"/>
+            </a:effectRef>
+            <a:fontRef idx="minor">
+              <a:schemeClr val="lt1"/>
+            </a:fontRef>
+          </p:style>
+          <p:txBody>
+            <a:bodyPr rtlCol="0" anchor="ctr"/>
+            <a:lstStyle/>
+            <a:p>
+              <a:pPr algn="ctr"/>
+              <a:endParaRPr lang="de-DE" dirty="0">
+                <a:solidFill>
+                  <a:schemeClr val="tx1"/>
+                </a:solidFill>
+              </a:endParaRPr>
+            </a:p>
+          </p:txBody>
+        </p:sp>
+        <p:sp>
+          <p:nvSpPr>
+            <p:cNvPr id="65" name="Textfeld 64"/>
+            <p:cNvSpPr txBox="1"/>
+            <p:nvPr/>
+          </p:nvSpPr>
+          <p:spPr>
+            <a:xfrm>
+              <a:off x="8695428" y="455508"/>
+              <a:ext cx="2734688" cy="969065"/>
+            </a:xfrm>
+            <a:prstGeom prst="rect">
+              <a:avLst/>
+            </a:prstGeom>
+            <a:noFill/>
+            <a:ln>
+              <a:solidFill>
+                <a:schemeClr val="tx1"/>
+              </a:solidFill>
+            </a:ln>
+          </p:spPr>
+          <p:txBody>
+            <a:bodyPr wrap="square" rtlCol="0">
+              <a:spAutoFit/>
+            </a:bodyPr>
+            <a:lstStyle/>
+            <a:p>
+              <a:pPr algn="ctr"/>
+              <a:r>
+                <a:rPr lang="de-DE" sz="1400" dirty="0" err="1" smtClean="0"/>
+                <a:t>class</a:t>
+              </a:r>
+              <a:endParaRPr lang="de-DE" sz="1400" dirty="0" smtClean="0"/>
+            </a:p>
+            <a:p>
+              <a:pPr algn="ctr"/>
+              <a:endParaRPr lang="de-DE" sz="1400" dirty="0"/>
+            </a:p>
+          </p:txBody>
+        </p:sp>
+      </p:grpSp>
+      <p:grpSp>
+        <p:nvGrpSpPr>
+          <p:cNvPr id="66" name="Gruppieren 65"/>
+          <p:cNvGrpSpPr/>
+          <p:nvPr/>
+        </p:nvGrpSpPr>
+        <p:grpSpPr>
+          <a:xfrm>
+            <a:off x="6133383" y="1714835"/>
+            <a:ext cx="3013620" cy="875628"/>
+            <a:chOff x="8695426" y="448574"/>
+            <a:chExt cx="2734690" cy="1621766"/>
+          </a:xfrm>
+        </p:grpSpPr>
+        <p:sp>
+          <p:nvSpPr>
+            <p:cNvPr id="67" name="Rechteck 66"/>
+            <p:cNvSpPr/>
+            <p:nvPr/>
+          </p:nvSpPr>
+          <p:spPr>
+            <a:xfrm>
+              <a:off x="8695426" y="448574"/>
+              <a:ext cx="2731698" cy="1621766"/>
+            </a:xfrm>
+            <a:prstGeom prst="rect">
+              <a:avLst/>
+            </a:prstGeom>
+            <a:solidFill>
+              <a:schemeClr val="bg1">
+                <a:lumMod val="85000"/>
+              </a:schemeClr>
+            </a:solidFill>
+          </p:spPr>
+          <p:style>
+            <a:lnRef idx="2">
+              <a:schemeClr val="accent1">
+                <a:shade val="50000"/>
+              </a:schemeClr>
+            </a:lnRef>
+            <a:fillRef idx="1">
+              <a:schemeClr val="accent1"/>
+            </a:fillRef>
+            <a:effectRef idx="0">
+              <a:schemeClr val="accent1"/>
+            </a:effectRef>
+            <a:fontRef idx="minor">
+              <a:schemeClr val="lt1"/>
+            </a:fontRef>
+          </p:style>
+          <p:txBody>
+            <a:bodyPr rtlCol="0" anchor="ctr"/>
+            <a:lstStyle/>
+            <a:p>
+              <a:pPr algn="ctr"/>
+              <a:endParaRPr lang="de-DE" dirty="0">
+                <a:solidFill>
+                  <a:schemeClr val="tx1"/>
+                </a:solidFill>
+              </a:endParaRPr>
+            </a:p>
+          </p:txBody>
+        </p:sp>
+        <p:sp>
+          <p:nvSpPr>
+            <p:cNvPr id="68" name="Textfeld 67"/>
+            <p:cNvSpPr txBox="1"/>
+            <p:nvPr/>
+          </p:nvSpPr>
+          <p:spPr>
+            <a:xfrm>
+              <a:off x="8695428" y="455508"/>
+              <a:ext cx="2734688" cy="969065"/>
+            </a:xfrm>
+            <a:prstGeom prst="rect">
+              <a:avLst/>
+            </a:prstGeom>
+            <a:noFill/>
+            <a:ln>
+              <a:solidFill>
+                <a:schemeClr val="tx1"/>
+              </a:solidFill>
+            </a:ln>
+          </p:spPr>
+          <p:txBody>
+            <a:bodyPr wrap="square" rtlCol="0">
+              <a:spAutoFit/>
+            </a:bodyPr>
+            <a:lstStyle/>
+            <a:p>
+              <a:pPr algn="ctr"/>
+              <a:r>
+                <a:rPr lang="de-DE" sz="1400" dirty="0" err="1" smtClean="0"/>
+                <a:t>class</a:t>
+              </a:r>
+              <a:endParaRPr lang="de-DE" sz="1400" dirty="0" smtClean="0"/>
+            </a:p>
+            <a:p>
+              <a:pPr algn="ctr"/>
+              <a:endParaRPr lang="de-DE" sz="1400" dirty="0"/>
+            </a:p>
+          </p:txBody>
+        </p:sp>
+      </p:grpSp>
+      <p:grpSp>
+        <p:nvGrpSpPr>
+          <p:cNvPr id="69" name="Gruppieren 68"/>
+          <p:cNvGrpSpPr/>
+          <p:nvPr/>
+        </p:nvGrpSpPr>
+        <p:grpSpPr>
+          <a:xfrm>
+            <a:off x="6334544" y="1892087"/>
+            <a:ext cx="3013620" cy="875628"/>
+            <a:chOff x="8695426" y="448574"/>
+            <a:chExt cx="2734690" cy="1621766"/>
+          </a:xfrm>
+        </p:grpSpPr>
+        <p:sp>
+          <p:nvSpPr>
+            <p:cNvPr id="70" name="Rechteck 69"/>
+            <p:cNvSpPr/>
+            <p:nvPr/>
+          </p:nvSpPr>
+          <p:spPr>
+            <a:xfrm>
+              <a:off x="8695426" y="448574"/>
+              <a:ext cx="2731698" cy="1621766"/>
+            </a:xfrm>
+            <a:prstGeom prst="rect">
+              <a:avLst/>
+            </a:prstGeom>
+            <a:solidFill>
+              <a:schemeClr val="bg1">
+                <a:lumMod val="85000"/>
+              </a:schemeClr>
+            </a:solidFill>
+          </p:spPr>
+          <p:style>
+            <a:lnRef idx="2">
+              <a:schemeClr val="accent1">
+                <a:shade val="50000"/>
+              </a:schemeClr>
+            </a:lnRef>
+            <a:fillRef idx="1">
+              <a:schemeClr val="accent1"/>
+            </a:fillRef>
+            <a:effectRef idx="0">
+              <a:schemeClr val="accent1"/>
+            </a:effectRef>
+            <a:fontRef idx="minor">
+              <a:schemeClr val="lt1"/>
+            </a:fontRef>
+          </p:style>
+          <p:txBody>
+            <a:bodyPr rtlCol="0" anchor="ctr"/>
+            <a:lstStyle/>
+            <a:p>
+              <a:pPr algn="ctr"/>
+              <a:endParaRPr lang="de-DE" dirty="0">
+                <a:solidFill>
+                  <a:schemeClr val="tx1"/>
+                </a:solidFill>
+              </a:endParaRPr>
+            </a:p>
+          </p:txBody>
+        </p:sp>
+        <p:sp>
+          <p:nvSpPr>
+            <p:cNvPr id="71" name="Textfeld 70"/>
+            <p:cNvSpPr txBox="1"/>
+            <p:nvPr/>
+          </p:nvSpPr>
+          <p:spPr>
+            <a:xfrm>
+              <a:off x="8695428" y="455508"/>
+              <a:ext cx="2734688" cy="1368093"/>
+            </a:xfrm>
+            <a:prstGeom prst="rect">
+              <a:avLst/>
+            </a:prstGeom>
+            <a:noFill/>
+            <a:ln>
+              <a:solidFill>
+                <a:schemeClr val="tx1"/>
+              </a:solidFill>
+            </a:ln>
+          </p:spPr>
+          <p:txBody>
+            <a:bodyPr wrap="square" rtlCol="0">
+              <a:spAutoFit/>
+            </a:bodyPr>
+            <a:lstStyle/>
+            <a:p>
+              <a:pPr algn="ctr"/>
+              <a:r>
+                <a:rPr lang="de-DE" sz="1400" dirty="0" err="1" smtClean="0"/>
+                <a:t>class</a:t>
+              </a:r>
+              <a:endParaRPr lang="de-DE" sz="1400" dirty="0" smtClean="0"/>
+            </a:p>
+            <a:p>
+              <a:pPr algn="ctr"/>
+              <a:r>
+                <a:rPr lang="de-DE" sz="1400" dirty="0" err="1" smtClean="0"/>
+                <a:t>TestcaseGeneration_ModuleLevelTest</a:t>
+              </a:r>
+              <a:endParaRPr lang="de-DE" sz="1400" dirty="0"/>
+            </a:p>
+          </p:txBody>
+        </p:sp>
+      </p:grpSp>
+    </p:spTree>
+    <p:extLst>
+      <p:ext uri="{BB962C8B-B14F-4D97-AF65-F5344CB8AC3E}">
+        <p14:creationId xmlns:p14="http://schemas.microsoft.com/office/powerpoint/2010/main" val="982936037"/>
+      </p:ext>
+    </p:extLst>
+  </p:cSld>
+  <p:clrMapOvr>
+    <a:masterClrMapping/>
+  </p:clrMapOvr>
+  <p:timing>
+    <p:tnLst>
+      <p:par>
+        <p:cTn id="1" dur="indefinite" restart="never" nodeType="tmRoot"/>
+      </p:par>
+    </p:tnLst>
+  </p:timing>
+</p:sld>
+</file>
+
+<file path=ppt/slides/slide16.xml><?xml version="1.0" encoding="utf-8"?>
+<p:sld xmlns:a="http://schemas.openxmlformats.org/drawingml/2006/main" xmlns:r="http://schemas.openxmlformats.org/officeDocument/2006/relationships" xmlns:p="http://schemas.openxmlformats.org/presentationml/2006/main">
+  <p:cSld>
+    <p:spTree>
+      <p:nvGrpSpPr>
+        <p:cNvPr id="1" name=""/>
+        <p:cNvGrpSpPr/>
+        <p:nvPr/>
+      </p:nvGrpSpPr>
+      <p:grpSpPr>
+        <a:xfrm>
+          <a:off x="0" y="0"/>
+          <a:ext cx="0" cy="0"/>
+          <a:chOff x="0" y="0"/>
+          <a:chExt cx="0" cy="0"/>
+        </a:xfrm>
+      </p:grpSpPr>
+      <p:sp>
+        <p:nvSpPr>
           <p:cNvPr id="4" name="Rectangle 3"/>
           <p:cNvSpPr txBox="1">
             <a:spLocks noChangeArrowheads="1"/>
@@ -11697,7 +13353,7 @@
 </p:sld>
 </file>
 
-<file path=ppt/slides/slide16.xml><?xml version="1.0" encoding="utf-8"?>
+<file path=ppt/slides/slide17.xml><?xml version="1.0" encoding="utf-8"?>
 <p:sld xmlns:a="http://schemas.openxmlformats.org/drawingml/2006/main" xmlns:r="http://schemas.openxmlformats.org/officeDocument/2006/relationships" xmlns:p="http://schemas.openxmlformats.org/presentationml/2006/main">
   <p:cSld>
     <p:spTree>
@@ -12670,7 +14326,7 @@
 </p:sld>
 </file>
 
-<file path=ppt/slides/slide17.xml><?xml version="1.0" encoding="utf-8"?>
+<file path=ppt/slides/slide18.xml><?xml version="1.0" encoding="utf-8"?>
 <p:sld xmlns:a="http://schemas.openxmlformats.org/drawingml/2006/main" xmlns:r="http://schemas.openxmlformats.org/officeDocument/2006/relationships" xmlns:p="http://schemas.openxmlformats.org/presentationml/2006/main">
   <p:cSld>
     <p:spTree>
@@ -13825,7 +15481,7 @@
 </p:sld>
 </file>
 
-<file path=ppt/slides/slide18.xml><?xml version="1.0" encoding="utf-8"?>
+<file path=ppt/slides/slide19.xml><?xml version="1.0" encoding="utf-8"?>
 <p:sld xmlns:a="http://schemas.openxmlformats.org/drawingml/2006/main" xmlns:r="http://schemas.openxmlformats.org/officeDocument/2006/relationships" xmlns:p="http://schemas.openxmlformats.org/presentationml/2006/main">
   <p:cSld>
     <p:spTree>
@@ -17927,7 +19583,196 @@
 </p:sld>
 </file>
 
-<file path=ppt/slides/slide19.xml><?xml version="1.0" encoding="utf-8"?>
+<file path=ppt/slides/slide2.xml><?xml version="1.0" encoding="utf-8"?>
+<p:sld xmlns:a="http://schemas.openxmlformats.org/drawingml/2006/main" xmlns:r="http://schemas.openxmlformats.org/officeDocument/2006/relationships" xmlns:p="http://schemas.openxmlformats.org/presentationml/2006/main">
+  <p:cSld>
+    <p:spTree>
+      <p:nvGrpSpPr>
+        <p:cNvPr id="1" name=""/>
+        <p:cNvGrpSpPr/>
+        <p:nvPr/>
+      </p:nvGrpSpPr>
+      <p:grpSpPr>
+        <a:xfrm>
+          <a:off x="0" y="0"/>
+          <a:ext cx="0" cy="0"/>
+          <a:chOff x="0" y="0"/>
+          <a:chExt cx="0" cy="0"/>
+        </a:xfrm>
+      </p:grpSpPr>
+      <p:sp>
+        <p:nvSpPr>
+          <p:cNvPr id="4" name="Textfeld 3"/>
+          <p:cNvSpPr txBox="1"/>
+          <p:nvPr/>
+        </p:nvSpPr>
+        <p:spPr>
+          <a:xfrm>
+            <a:off x="338328" y="274320"/>
+            <a:ext cx="8695944" cy="3416320"/>
+          </a:xfrm>
+          <a:prstGeom prst="rect">
+            <a:avLst/>
+          </a:prstGeom>
+          <a:solidFill>
+            <a:schemeClr val="bg2"/>
+          </a:solidFill>
+        </p:spPr>
+        <p:txBody>
+          <a:bodyPr wrap="square" rtlCol="0">
+            <a:spAutoFit/>
+          </a:bodyPr>
+          <a:lstStyle/>
+          <a:p>
+            <a:r>
+              <a:rPr lang="en-US" b="1" dirty="0"/>
+              <a:t>Feature:</a:t>
+            </a:r>
+            <a:r>
+              <a:rPr lang="en-US" dirty="0"/>
+              <a:t> Managing orders</a:t>
+            </a:r>
+          </a:p>
+          <a:p>
+            <a:r>
+              <a:rPr lang="en-US" dirty="0"/>
+              <a:t>The order management view allows to create new orders and to modify or cancel them</a:t>
+            </a:r>
+            <a:r>
+              <a:rPr lang="en-US" dirty="0" smtClean="0"/>
+              <a:t>.</a:t>
+            </a:r>
+            <a:endParaRPr lang="en-US" dirty="0"/>
+          </a:p>
+          <a:p>
+            <a:r>
+              <a:rPr lang="en-US" dirty="0"/>
+              <a:t>User story: As a customer, I wish to create an order in order to start a business process.</a:t>
+            </a:r>
+          </a:p>
+          <a:p>
+            <a:endParaRPr lang="en-US" dirty="0"/>
+          </a:p>
+          <a:p>
+            <a:r>
+              <a:rPr lang="en-US" b="1" dirty="0"/>
+              <a:t>Scenario: </a:t>
+            </a:r>
+            <a:r>
+              <a:rPr lang="en-US" dirty="0"/>
+              <a:t>Create new </a:t>
+            </a:r>
+            <a:r>
+              <a:rPr lang="en-US" dirty="0" smtClean="0"/>
+              <a:t>order</a:t>
+            </a:r>
+          </a:p>
+          <a:p>
+            <a:endParaRPr lang="en-US" dirty="0"/>
+          </a:p>
+          <a:p>
+            <a:r>
+              <a:rPr lang="en-US" b="1" dirty="0"/>
+              <a:t>Given</a:t>
+            </a:r>
+            <a:r>
+              <a:rPr lang="en-US" dirty="0"/>
+              <a:t> the </a:t>
+            </a:r>
+            <a:r>
+              <a:rPr lang="en-US" dirty="0" smtClean="0"/>
+              <a:t>page </a:t>
+            </a:r>
+            <a:r>
+              <a:rPr lang="en-US" i="1" dirty="0" smtClean="0"/>
+              <a:t>Order Management</a:t>
+            </a:r>
+            <a:r>
+              <a:rPr lang="en-US" dirty="0" smtClean="0"/>
+              <a:t> </a:t>
+            </a:r>
+            <a:r>
+              <a:rPr lang="en-US" dirty="0"/>
+              <a:t>is </a:t>
+            </a:r>
+            <a:r>
+              <a:rPr lang="en-US" dirty="0" smtClean="0"/>
+              <a:t>visible</a:t>
+            </a:r>
+            <a:endParaRPr lang="en-US" dirty="0"/>
+          </a:p>
+          <a:p>
+            <a:endParaRPr lang="en-US" b="1" dirty="0" smtClean="0"/>
+          </a:p>
+          <a:p>
+            <a:r>
+              <a:rPr lang="en-US" b="1" dirty="0" smtClean="0"/>
+              <a:t>When</a:t>
+            </a:r>
+            <a:r>
+              <a:rPr lang="en-US" dirty="0" smtClean="0"/>
+              <a:t> </a:t>
+            </a:r>
+            <a:r>
+              <a:rPr lang="en-US" dirty="0"/>
+              <a:t>a new order is created</a:t>
+            </a:r>
+          </a:p>
+          <a:p>
+            <a:endParaRPr lang="en-US" b="1" dirty="0" smtClean="0"/>
+          </a:p>
+          <a:p>
+            <a:r>
+              <a:rPr lang="en-US" b="1" dirty="0" smtClean="0"/>
+              <a:t>Then</a:t>
+            </a:r>
+            <a:r>
+              <a:rPr lang="en-US" dirty="0" smtClean="0"/>
+              <a:t> </a:t>
+            </a:r>
+            <a:r>
+              <a:rPr lang="en-US" dirty="0"/>
+              <a:t>the overview table contains </a:t>
+            </a:r>
+            <a:r>
+              <a:rPr lang="en-US" dirty="0" smtClean="0"/>
+              <a:t>a new entry</a:t>
+            </a:r>
+          </a:p>
+          <a:p>
+            <a:r>
+              <a:rPr lang="en-US" b="1" dirty="0" smtClean="0"/>
+              <a:t>And</a:t>
+            </a:r>
+            <a:r>
+              <a:rPr lang="en-US" dirty="0" smtClean="0"/>
+              <a:t> the creation date of the new order is today.</a:t>
+            </a:r>
+            <a:endParaRPr lang="de-DE" dirty="0"/>
+          </a:p>
+        </p:txBody>
+      </p:sp>
+    </p:spTree>
+    <p:extLst>
+      <p:ext uri="{BB962C8B-B14F-4D97-AF65-F5344CB8AC3E}">
+        <p14:creationId xmlns:p14="http://schemas.microsoft.com/office/powerpoint/2010/main" val="2252298577"/>
+      </p:ext>
+    </p:extLst>
+  </p:cSld>
+  <p:clrMapOvr>
+    <a:masterClrMapping/>
+  </p:clrMapOvr>
+  <p:timing>
+    <p:tnLst>
+      <p:par>
+        <p:cTn id="1" dur="indefinite" restart="never" nodeType="tmRoot"/>
+      </p:par>
+    </p:tnLst>
+  </p:timing>
+</p:sld>
+</file>
+
+<file path=ppt/slides/slide20.xml><?xml version="1.0" encoding="utf-8"?>
 <p:sld xmlns:a="http://schemas.openxmlformats.org/drawingml/2006/main" xmlns:r="http://schemas.openxmlformats.org/officeDocument/2006/relationships" xmlns:p="http://schemas.openxmlformats.org/presentationml/2006/main">
   <p:cSld>
     <p:spTree>
@@ -18827,196 +20672,7 @@
 </p:sld>
 </file>
 
-<file path=ppt/slides/slide2.xml><?xml version="1.0" encoding="utf-8"?>
-<p:sld xmlns:a="http://schemas.openxmlformats.org/drawingml/2006/main" xmlns:r="http://schemas.openxmlformats.org/officeDocument/2006/relationships" xmlns:p="http://schemas.openxmlformats.org/presentationml/2006/main">
-  <p:cSld>
-    <p:spTree>
-      <p:nvGrpSpPr>
-        <p:cNvPr id="1" name=""/>
-        <p:cNvGrpSpPr/>
-        <p:nvPr/>
-      </p:nvGrpSpPr>
-      <p:grpSpPr>
-        <a:xfrm>
-          <a:off x="0" y="0"/>
-          <a:ext cx="0" cy="0"/>
-          <a:chOff x="0" y="0"/>
-          <a:chExt cx="0" cy="0"/>
-        </a:xfrm>
-      </p:grpSpPr>
-      <p:sp>
-        <p:nvSpPr>
-          <p:cNvPr id="4" name="Textfeld 3"/>
-          <p:cNvSpPr txBox="1"/>
-          <p:nvPr/>
-        </p:nvSpPr>
-        <p:spPr>
-          <a:xfrm>
-            <a:off x="338328" y="274320"/>
-            <a:ext cx="8695944" cy="3416320"/>
-          </a:xfrm>
-          <a:prstGeom prst="rect">
-            <a:avLst/>
-          </a:prstGeom>
-          <a:solidFill>
-            <a:schemeClr val="bg2"/>
-          </a:solidFill>
-        </p:spPr>
-        <p:txBody>
-          <a:bodyPr wrap="square" rtlCol="0">
-            <a:spAutoFit/>
-          </a:bodyPr>
-          <a:lstStyle/>
-          <a:p>
-            <a:r>
-              <a:rPr lang="en-US" b="1" dirty="0"/>
-              <a:t>Feature:</a:t>
-            </a:r>
-            <a:r>
-              <a:rPr lang="en-US" dirty="0"/>
-              <a:t> Managing orders</a:t>
-            </a:r>
-          </a:p>
-          <a:p>
-            <a:r>
-              <a:rPr lang="en-US" dirty="0"/>
-              <a:t>The order management view allows to create new orders and to modify or cancel them</a:t>
-            </a:r>
-            <a:r>
-              <a:rPr lang="en-US" dirty="0" smtClean="0"/>
-              <a:t>.</a:t>
-            </a:r>
-            <a:endParaRPr lang="en-US" dirty="0"/>
-          </a:p>
-          <a:p>
-            <a:r>
-              <a:rPr lang="en-US" dirty="0"/>
-              <a:t>User story: As a customer, I wish to create an order in order to start a business process.</a:t>
-            </a:r>
-          </a:p>
-          <a:p>
-            <a:endParaRPr lang="en-US" dirty="0"/>
-          </a:p>
-          <a:p>
-            <a:r>
-              <a:rPr lang="en-US" b="1" dirty="0"/>
-              <a:t>Scenario: </a:t>
-            </a:r>
-            <a:r>
-              <a:rPr lang="en-US" dirty="0"/>
-              <a:t>Create new </a:t>
-            </a:r>
-            <a:r>
-              <a:rPr lang="en-US" dirty="0" smtClean="0"/>
-              <a:t>order</a:t>
-            </a:r>
-          </a:p>
-          <a:p>
-            <a:endParaRPr lang="en-US" dirty="0"/>
-          </a:p>
-          <a:p>
-            <a:r>
-              <a:rPr lang="en-US" b="1" dirty="0"/>
-              <a:t>Given</a:t>
-            </a:r>
-            <a:r>
-              <a:rPr lang="en-US" dirty="0"/>
-              <a:t> the </a:t>
-            </a:r>
-            <a:r>
-              <a:rPr lang="en-US" dirty="0" smtClean="0"/>
-              <a:t>page </a:t>
-            </a:r>
-            <a:r>
-              <a:rPr lang="en-US" i="1" dirty="0" smtClean="0"/>
-              <a:t>Order Management</a:t>
-            </a:r>
-            <a:r>
-              <a:rPr lang="en-US" dirty="0" smtClean="0"/>
-              <a:t> </a:t>
-            </a:r>
-            <a:r>
-              <a:rPr lang="en-US" dirty="0"/>
-              <a:t>is </a:t>
-            </a:r>
-            <a:r>
-              <a:rPr lang="en-US" dirty="0" smtClean="0"/>
-              <a:t>visible</a:t>
-            </a:r>
-            <a:endParaRPr lang="en-US" dirty="0"/>
-          </a:p>
-          <a:p>
-            <a:endParaRPr lang="en-US" b="1" dirty="0" smtClean="0"/>
-          </a:p>
-          <a:p>
-            <a:r>
-              <a:rPr lang="en-US" b="1" dirty="0" smtClean="0"/>
-              <a:t>When</a:t>
-            </a:r>
-            <a:r>
-              <a:rPr lang="en-US" dirty="0" smtClean="0"/>
-              <a:t> </a:t>
-            </a:r>
-            <a:r>
-              <a:rPr lang="en-US" dirty="0"/>
-              <a:t>a new order is created</a:t>
-            </a:r>
-          </a:p>
-          <a:p>
-            <a:endParaRPr lang="en-US" b="1" dirty="0" smtClean="0"/>
-          </a:p>
-          <a:p>
-            <a:r>
-              <a:rPr lang="en-US" b="1" dirty="0" smtClean="0"/>
-              <a:t>Then</a:t>
-            </a:r>
-            <a:r>
-              <a:rPr lang="en-US" dirty="0" smtClean="0"/>
-              <a:t> </a:t>
-            </a:r>
-            <a:r>
-              <a:rPr lang="en-US" dirty="0"/>
-              <a:t>the overview table contains </a:t>
-            </a:r>
-            <a:r>
-              <a:rPr lang="en-US" dirty="0" smtClean="0"/>
-              <a:t>a new entry</a:t>
-            </a:r>
-          </a:p>
-          <a:p>
-            <a:r>
-              <a:rPr lang="en-US" b="1" dirty="0" smtClean="0"/>
-              <a:t>And</a:t>
-            </a:r>
-            <a:r>
-              <a:rPr lang="en-US" dirty="0" smtClean="0"/>
-              <a:t> the creation date of the new order is today.</a:t>
-            </a:r>
-            <a:endParaRPr lang="de-DE" dirty="0"/>
-          </a:p>
-        </p:txBody>
-      </p:sp>
-    </p:spTree>
-    <p:extLst>
-      <p:ext uri="{BB962C8B-B14F-4D97-AF65-F5344CB8AC3E}">
-        <p14:creationId xmlns:p14="http://schemas.microsoft.com/office/powerpoint/2010/main" val="2252298577"/>
-      </p:ext>
-    </p:extLst>
-  </p:cSld>
-  <p:clrMapOvr>
-    <a:masterClrMapping/>
-  </p:clrMapOvr>
-  <p:timing>
-    <p:tnLst>
-      <p:par>
-        <p:cTn id="1" dur="indefinite" restart="never" nodeType="tmRoot"/>
-      </p:par>
-    </p:tnLst>
-  </p:timing>
-</p:sld>
-</file>
-
-<file path=ppt/slides/slide20.xml><?xml version="1.0" encoding="utf-8"?>
+<file path=ppt/slides/slide21.xml><?xml version="1.0" encoding="utf-8"?>
 <p:sld xmlns:a="http://schemas.openxmlformats.org/drawingml/2006/main" xmlns:r="http://schemas.openxmlformats.org/officeDocument/2006/relationships" xmlns:p="http://schemas.openxmlformats.org/presentationml/2006/main">
   <p:cSld>
     <p:spTree>
@@ -19774,7 +21430,7 @@
 </p:sld>
 </file>
 
-<file path=ppt/slides/slide21.xml><?xml version="1.0" encoding="utf-8"?>
+<file path=ppt/slides/slide22.xml><?xml version="1.0" encoding="utf-8"?>
 <p:sld xmlns:a="http://schemas.openxmlformats.org/drawingml/2006/main" xmlns:r="http://schemas.openxmlformats.org/officeDocument/2006/relationships" xmlns:p="http://schemas.openxmlformats.org/presentationml/2006/main">
   <p:cSld>
     <p:spTree>
@@ -21135,7 +22791,7 @@
 </p:sld>
 </file>
 
-<file path=ppt/slides/slide22.xml><?xml version="1.0" encoding="utf-8"?>
+<file path=ppt/slides/slide23.xml><?xml version="1.0" encoding="utf-8"?>
 <p:sld xmlns:a="http://schemas.openxmlformats.org/drawingml/2006/main" xmlns:r="http://schemas.openxmlformats.org/officeDocument/2006/relationships" xmlns:p="http://schemas.openxmlformats.org/presentationml/2006/main">
   <p:cSld>
     <p:spTree>
@@ -21889,7 +23545,7 @@
 </p:sld>
 </file>
 
-<file path=ppt/slides/slide23.xml><?xml version="1.0" encoding="utf-8"?>
+<file path=ppt/slides/slide24.xml><?xml version="1.0" encoding="utf-8"?>
 <p:sld xmlns:a="http://schemas.openxmlformats.org/drawingml/2006/main" xmlns:r="http://schemas.openxmlformats.org/officeDocument/2006/relationships" xmlns:p="http://schemas.openxmlformats.org/presentationml/2006/main">
   <p:cSld>
     <p:spTree>
@@ -21922,7 +23578,7 @@
         </p:blipFill>
         <p:spPr>
           <a:xfrm>
-            <a:off x="935112" y="2472870"/>
+            <a:off x="607317" y="2541879"/>
             <a:ext cx="2264768" cy="1553736"/>
           </a:xfrm>
           <a:prstGeom prst="rect">
@@ -21938,7 +23594,7 @@
         </p:nvGrpSpPr>
         <p:grpSpPr>
           <a:xfrm>
-            <a:off x="1796190" y="179884"/>
+            <a:off x="1468395" y="248893"/>
             <a:ext cx="542611" cy="1376625"/>
             <a:chOff x="763675" y="2964263"/>
             <a:chExt cx="542611" cy="1376625"/>
@@ -22176,7 +23832,7 @@
         </p:nvSpPr>
         <p:spPr>
           <a:xfrm>
-            <a:off x="961774" y="4026606"/>
+            <a:off x="633979" y="4095615"/>
             <a:ext cx="2264338" cy="369332"/>
           </a:xfrm>
           <a:prstGeom prst="rect">
@@ -22214,7 +23870,7 @@
         </p:blipFill>
         <p:spPr>
           <a:xfrm>
-            <a:off x="4151376" y="4988694"/>
+            <a:off x="3823581" y="5057703"/>
             <a:ext cx="2990799" cy="1202822"/>
           </a:xfrm>
           <a:prstGeom prst="rect">
@@ -22230,7 +23886,7 @@
         </p:nvSpPr>
         <p:spPr>
           <a:xfrm>
-            <a:off x="4744585" y="6220037"/>
+            <a:off x="4416790" y="6289046"/>
             <a:ext cx="1673022" cy="369332"/>
           </a:xfrm>
           <a:prstGeom prst="rect">
@@ -22272,7 +23928,7 @@
         </p:blipFill>
         <p:spPr>
           <a:xfrm>
-            <a:off x="4229011" y="170002"/>
+            <a:off x="3901216" y="239011"/>
             <a:ext cx="2898740" cy="1360762"/>
           </a:xfrm>
           <a:prstGeom prst="rect">
@@ -22291,7 +23947,7 @@
         </p:nvCxnSpPr>
         <p:spPr>
           <a:xfrm flipH="1" flipV="1">
-            <a:off x="5678381" y="1530764"/>
+            <a:off x="5350586" y="1599773"/>
             <a:ext cx="9048" cy="850543"/>
           </a:xfrm>
           <a:prstGeom prst="straightConnector1">
@@ -22331,7 +23987,7 @@
         </p:nvCxnSpPr>
         <p:spPr>
           <a:xfrm>
-            <a:off x="2067496" y="1619408"/>
+            <a:off x="1739701" y="1688417"/>
             <a:ext cx="0" cy="853462"/>
           </a:xfrm>
           <a:prstGeom prst="straightConnector1">
@@ -22369,7 +24025,7 @@
         </p:nvSpPr>
         <p:spPr>
           <a:xfrm>
-            <a:off x="2044524" y="1804750"/>
+            <a:off x="1716729" y="1873759"/>
             <a:ext cx="679994" cy="338554"/>
           </a:xfrm>
           <a:prstGeom prst="rect">
@@ -22419,7 +24075,7 @@
         </p:blipFill>
         <p:spPr>
           <a:xfrm>
-            <a:off x="4570013" y="2381307"/>
+            <a:off x="4242218" y="2450316"/>
             <a:ext cx="2234832" cy="1742638"/>
           </a:xfrm>
           <a:prstGeom prst="rect">
@@ -22438,7 +24094,7 @@
         </p:nvCxnSpPr>
         <p:spPr>
           <a:xfrm>
-            <a:off x="5638249" y="4395938"/>
+            <a:off x="5310454" y="4464947"/>
             <a:ext cx="8527" cy="592756"/>
           </a:xfrm>
           <a:prstGeom prst="straightConnector1">
@@ -22476,7 +24132,7 @@
         </p:nvSpPr>
         <p:spPr>
           <a:xfrm>
-            <a:off x="4903753" y="4026606"/>
+            <a:off x="4575958" y="4095615"/>
             <a:ext cx="1468992" cy="369332"/>
           </a:xfrm>
           <a:prstGeom prst="rect">
@@ -22506,7 +24162,7 @@
         </p:nvSpPr>
         <p:spPr>
           <a:xfrm>
-            <a:off x="4390341" y="4416552"/>
+            <a:off x="4062546" y="4485561"/>
             <a:ext cx="1319015" cy="338554"/>
           </a:xfrm>
           <a:prstGeom prst="rect">
@@ -22558,7 +24214,7 @@
         </p:nvSpPr>
         <p:spPr>
           <a:xfrm>
-            <a:off x="5670195" y="1796522"/>
+            <a:off x="5342400" y="1865531"/>
             <a:ext cx="1134650" cy="338554"/>
           </a:xfrm>
           <a:prstGeom prst="rect">
@@ -22580,17 +24236,7 @@
                   </a:schemeClr>
                 </a:solidFill>
               </a:rPr>
-              <a:t>2.2</a:t>
-            </a:r>
-            <a:r>
-              <a:rPr lang="de-DE" sz="1600" i="1" dirty="0" smtClean="0">
-                <a:solidFill>
-                  <a:schemeClr val="accent1">
-                    <a:lumMod val="50000"/>
-                  </a:schemeClr>
-                </a:solidFill>
-              </a:rPr>
-              <a:t> </a:t>
+              <a:t>2.2 </a:t>
             </a:r>
             <a:r>
               <a:rPr lang="de-DE" sz="1600" i="1" dirty="0" err="1" smtClean="0">
@@ -22620,7 +24266,7 @@
         </p:nvSpPr>
         <p:spPr>
           <a:xfrm>
-            <a:off x="3529702" y="2942738"/>
+            <a:off x="3201907" y="3011747"/>
             <a:ext cx="654025" cy="338554"/>
           </a:xfrm>
           <a:prstGeom prst="rect">
@@ -22665,7 +24311,7 @@
         </p:nvCxnSpPr>
         <p:spPr>
           <a:xfrm>
-            <a:off x="3199880" y="3249738"/>
+            <a:off x="2872085" y="3318747"/>
             <a:ext cx="1370133" cy="2888"/>
           </a:xfrm>
           <a:prstGeom prst="straightConnector1">
@@ -22717,7 +24363,7 @@
         </p:blipFill>
         <p:spPr>
           <a:xfrm>
-            <a:off x="8275320" y="3034204"/>
+            <a:off x="7654231" y="3103213"/>
             <a:ext cx="2112082" cy="531221"/>
           </a:xfrm>
           <a:prstGeom prst="rect">
@@ -22747,7 +24393,7 @@
         </p:blipFill>
         <p:spPr>
           <a:xfrm>
-            <a:off x="8139946" y="4755106"/>
+            <a:off x="8260729" y="4824115"/>
             <a:ext cx="891917" cy="1688696"/>
           </a:xfrm>
           <a:prstGeom prst="rect">
@@ -22762,9 +24408,9 @@
           <p:nvPr/>
         </p:nvCxnSpPr>
         <p:spPr>
-          <a:xfrm>
-            <a:off x="6601974" y="3246397"/>
-            <a:ext cx="1472178" cy="6669"/>
+          <a:xfrm flipV="1">
+            <a:off x="6274179" y="3307175"/>
+            <a:ext cx="1244678" cy="8231"/>
           </a:xfrm>
           <a:prstGeom prst="straightConnector1">
             <a:avLst/>
@@ -22801,7 +24447,7 @@
         </p:nvSpPr>
         <p:spPr>
           <a:xfrm>
-            <a:off x="6866034" y="2937485"/>
+            <a:off x="6426096" y="3006494"/>
             <a:ext cx="853439" cy="338554"/>
           </a:xfrm>
           <a:prstGeom prst="rect">
@@ -22856,8 +24502,8 @@
         </p:nvCxnSpPr>
         <p:spPr>
           <a:xfrm flipH="1">
-            <a:off x="8585905" y="3565425"/>
-            <a:ext cx="745456" cy="1189681"/>
+            <a:off x="8706688" y="3634434"/>
+            <a:ext cx="3584" cy="1189681"/>
           </a:xfrm>
           <a:prstGeom prst="straightConnector1">
             <a:avLst/>
@@ -22894,7 +24540,7 @@
         </p:nvSpPr>
         <p:spPr>
           <a:xfrm>
-            <a:off x="7937474" y="3780830"/>
+            <a:off x="7619204" y="3849839"/>
             <a:ext cx="1050865" cy="584775"/>
           </a:xfrm>
           <a:prstGeom prst="rect">
@@ -22908,6 +24554,7 @@
           </a:bodyPr>
           <a:lstStyle/>
           <a:p>
+            <a:pPr algn="r"/>
             <a:r>
               <a:rPr lang="de-DE" sz="1600" i="1" dirty="0" smtClean="0">
                 <a:solidFill>
@@ -22916,17 +24563,7 @@
                   </a:schemeClr>
                 </a:solidFill>
               </a:rPr>
-              <a:t>a</a:t>
-            </a:r>
-            <a:r>
-              <a:rPr lang="de-DE" sz="1600" i="1" dirty="0" smtClean="0">
-                <a:solidFill>
-                  <a:schemeClr val="accent1">
-                    <a:lumMod val="50000"/>
-                  </a:schemeClr>
-                </a:solidFill>
-              </a:rPr>
-              <a:t>) </a:t>
+              <a:t>a) </a:t>
             </a:r>
             <a:r>
               <a:rPr lang="de-DE" sz="1600" i="1" dirty="0" err="1">
@@ -22960,6 +24597,7 @@
             </a:r>
           </a:p>
           <a:p>
+            <a:pPr algn="r"/>
             <a:r>
               <a:rPr lang="de-DE" sz="1600" i="1" dirty="0" err="1" smtClean="0">
                 <a:solidFill>
@@ -23004,15 +24642,15 @@
         <p:nvCxnSpPr>
           <p:cNvPr id="58" name="Gerade Verbindung mit Pfeil 57"/>
           <p:cNvCxnSpPr>
-            <a:stCxn id="11" idx="2"/>
-            <a:endCxn id="43" idx="0"/>
+            <a:stCxn id="11" idx="3"/>
+            <a:endCxn id="43" idx="1"/>
           </p:cNvCxnSpPr>
           <p:nvPr/>
         </p:nvCxnSpPr>
         <p:spPr>
-          <a:xfrm>
-            <a:off x="9331361" y="3565425"/>
-            <a:ext cx="779614" cy="1147665"/>
+          <a:xfrm flipV="1">
+            <a:off x="9766313" y="3368823"/>
+            <a:ext cx="674895" cy="1"/>
           </a:xfrm>
           <a:prstGeom prst="straightConnector1">
             <a:avLst/>
@@ -23063,7 +24701,7 @@
         </p:blipFill>
         <p:spPr>
           <a:xfrm>
-            <a:off x="9298104" y="4713090"/>
+            <a:off x="10441208" y="3043675"/>
             <a:ext cx="1625741" cy="650296"/>
           </a:xfrm>
           <a:prstGeom prst="rect">
@@ -23079,7 +24717,7 @@
         </p:nvSpPr>
         <p:spPr>
           <a:xfrm>
-            <a:off x="9814141" y="3786574"/>
+            <a:off x="9556275" y="3379758"/>
             <a:ext cx="1033937" cy="584775"/>
           </a:xfrm>
           <a:prstGeom prst="rect">
@@ -23093,6 +24731,7 @@
           </a:bodyPr>
           <a:lstStyle/>
           <a:p>
+            <a:pPr algn="ctr"/>
             <a:r>
               <a:rPr lang="de-DE" sz="1600" i="1" dirty="0" smtClean="0">
                 <a:solidFill>
@@ -23101,17 +24740,7 @@
                   </a:schemeClr>
                 </a:solidFill>
               </a:rPr>
-              <a:t>b</a:t>
-            </a:r>
-            <a:r>
-              <a:rPr lang="de-DE" sz="1600" i="1" dirty="0" smtClean="0">
-                <a:solidFill>
-                  <a:schemeClr val="accent1">
-                    <a:lumMod val="50000"/>
-                  </a:schemeClr>
-                </a:solidFill>
-              </a:rPr>
-              <a:t>) </a:t>
+              <a:t>b) </a:t>
             </a:r>
             <a:r>
               <a:rPr lang="de-DE" sz="1600" i="1" dirty="0" err="1" smtClean="0">
@@ -23133,28 +24762,9 @@
               </a:rPr>
               <a:t> </a:t>
             </a:r>
-            <a:r>
-              <a:rPr lang="de-DE" sz="1600" i="1" dirty="0" err="1" smtClean="0">
-                <a:solidFill>
-                  <a:schemeClr val="accent1">
-                    <a:lumMod val="50000"/>
-                  </a:schemeClr>
-                </a:solidFill>
-              </a:rPr>
-              <a:t>to</a:t>
-            </a:r>
-            <a:r>
-              <a:rPr lang="de-DE" sz="1600" i="1" dirty="0" smtClean="0">
-                <a:solidFill>
-                  <a:schemeClr val="accent1">
-                    <a:lumMod val="50000"/>
-                  </a:schemeClr>
-                </a:solidFill>
-              </a:rPr>
-              <a:t> </a:t>
-            </a:r>
           </a:p>
           <a:p>
+            <a:pPr algn="ctr"/>
             <a:r>
               <a:rPr lang="de-DE" sz="1600" i="1" dirty="0" err="1" smtClean="0">
                 <a:solidFill>
@@ -23211,7 +24821,7 @@
         </p:blipFill>
         <p:spPr>
           <a:xfrm>
-            <a:off x="394711" y="5062069"/>
+            <a:off x="66916" y="5131078"/>
             <a:ext cx="3402644" cy="1157968"/>
           </a:xfrm>
           <a:prstGeom prst="rect">
@@ -23230,7 +24840,7 @@
         </p:nvCxnSpPr>
         <p:spPr>
           <a:xfrm>
-            <a:off x="2093943" y="4395938"/>
+            <a:off x="1766148" y="4464947"/>
             <a:ext cx="2090" cy="666131"/>
           </a:xfrm>
           <a:prstGeom prst="straightConnector1">
@@ -23268,7 +24878,7 @@
         </p:nvSpPr>
         <p:spPr>
           <a:xfrm>
-            <a:off x="2087592" y="4462032"/>
+            <a:off x="1759797" y="4531041"/>
             <a:ext cx="950901" cy="338554"/>
           </a:xfrm>
           <a:prstGeom prst="rect">
@@ -23309,6 +24919,326 @@
                 </a:schemeClr>
               </a:solidFill>
             </a:endParaRPr>
+          </a:p>
+        </p:txBody>
+      </p:sp>
+      <p:pic>
+        <p:nvPicPr>
+          <p:cNvPr id="6" name="Grafik 5"/>
+          <p:cNvPicPr>
+            <a:picLocks noChangeAspect="1"/>
+          </p:cNvPicPr>
+          <p:nvPr/>
+        </p:nvPicPr>
+        <p:blipFill>
+          <a:blip r:embed="rId10"/>
+          <a:stretch>
+            <a:fillRect/>
+          </a:stretch>
+        </p:blipFill>
+        <p:spPr>
+          <a:xfrm>
+            <a:off x="10885458" y="1544076"/>
+            <a:ext cx="737239" cy="662582"/>
+          </a:xfrm>
+          <a:prstGeom prst="rect">
+            <a:avLst/>
+          </a:prstGeom>
+        </p:spPr>
+      </p:pic>
+      <p:cxnSp>
+        <p:nvCxnSpPr>
+          <p:cNvPr id="42" name="Gerade Verbindung mit Pfeil 41"/>
+          <p:cNvCxnSpPr>
+            <a:stCxn id="43" idx="0"/>
+            <a:endCxn id="6" idx="2"/>
+          </p:cNvCxnSpPr>
+          <p:nvPr/>
+        </p:nvCxnSpPr>
+        <p:spPr>
+          <a:xfrm flipH="1" flipV="1">
+            <a:off x="11254078" y="2206658"/>
+            <a:ext cx="1" cy="837017"/>
+          </a:xfrm>
+          <a:prstGeom prst="straightConnector1">
+            <a:avLst/>
+          </a:prstGeom>
+          <a:ln w="28575">
+            <a:solidFill>
+              <a:schemeClr val="accent1">
+                <a:lumMod val="50000"/>
+              </a:schemeClr>
+            </a:solidFill>
+            <a:tailEnd type="triangle" w="lg" len="lg"/>
+          </a:ln>
+        </p:spPr>
+        <p:style>
+          <a:lnRef idx="1">
+            <a:schemeClr val="accent1"/>
+          </a:lnRef>
+          <a:fillRef idx="0">
+            <a:schemeClr val="accent1"/>
+          </a:fillRef>
+          <a:effectRef idx="0">
+            <a:schemeClr val="accent1"/>
+          </a:effectRef>
+          <a:fontRef idx="minor">
+            <a:schemeClr val="tx1"/>
+          </a:fontRef>
+        </p:style>
+      </p:cxnSp>
+      <p:sp>
+        <p:nvSpPr>
+          <p:cNvPr id="46" name="Textfeld 45"/>
+          <p:cNvSpPr txBox="1"/>
+          <p:nvPr/>
+        </p:nvSpPr>
+        <p:spPr>
+          <a:xfrm>
+            <a:off x="8764956" y="1458094"/>
+            <a:ext cx="2261103" cy="830997"/>
+          </a:xfrm>
+          <a:prstGeom prst="rect">
+            <a:avLst/>
+          </a:prstGeom>
+          <a:noFill/>
+        </p:spPr>
+        <p:txBody>
+          <a:bodyPr wrap="square" rtlCol="0">
+            <a:spAutoFit/>
+          </a:bodyPr>
+          <a:lstStyle/>
+          <a:p>
+            <a:pPr algn="ctr"/>
+            <a:r>
+              <a:rPr lang="de-DE" sz="1600" i="1" dirty="0" err="1" smtClean="0">
+                <a:solidFill>
+                  <a:schemeClr val="accent1">
+                    <a:lumMod val="50000"/>
+                  </a:schemeClr>
+                </a:solidFill>
+              </a:rPr>
+              <a:t>Used</a:t>
+            </a:r>
+            <a:r>
+              <a:rPr lang="de-DE" sz="1600" i="1" dirty="0" smtClean="0">
+                <a:solidFill>
+                  <a:schemeClr val="accent1">
+                    <a:lumMod val="50000"/>
+                  </a:schemeClr>
+                </a:solidFill>
+              </a:rPr>
+              <a:t> in </a:t>
+            </a:r>
+            <a:r>
+              <a:rPr lang="de-DE" sz="1600" i="1" dirty="0" err="1" smtClean="0">
+                <a:solidFill>
+                  <a:schemeClr val="accent1">
+                    <a:lumMod val="50000"/>
+                  </a:schemeClr>
+                </a:solidFill>
+              </a:rPr>
+              <a:t>combination</a:t>
+            </a:r>
+            <a:r>
+              <a:rPr lang="de-DE" sz="1600" i="1" dirty="0" smtClean="0">
+                <a:solidFill>
+                  <a:schemeClr val="accent1">
+                    <a:lumMod val="50000"/>
+                  </a:schemeClr>
+                </a:solidFill>
+              </a:rPr>
+              <a:t> </a:t>
+            </a:r>
+            <a:r>
+              <a:rPr lang="de-DE" sz="1600" i="1" dirty="0" err="1" smtClean="0">
+                <a:solidFill>
+                  <a:schemeClr val="accent1">
+                    <a:lumMod val="50000"/>
+                  </a:schemeClr>
+                </a:solidFill>
+              </a:rPr>
+              <a:t>with</a:t>
+            </a:r>
+            <a:r>
+              <a:rPr lang="de-DE" sz="1600" i="1" dirty="0" smtClean="0">
+                <a:solidFill>
+                  <a:schemeClr val="accent1">
+                    <a:lumMod val="50000"/>
+                  </a:schemeClr>
+                </a:solidFill>
+              </a:rPr>
+              <a:t> </a:t>
+            </a:r>
+            <a:r>
+              <a:rPr lang="de-DE" sz="1600" i="1" dirty="0" err="1" smtClean="0">
+                <a:solidFill>
+                  <a:schemeClr val="accent1">
+                    <a:lumMod val="50000"/>
+                  </a:schemeClr>
+                </a:solidFill>
+              </a:rPr>
+              <a:t>geckodriver</a:t>
+            </a:r>
+            <a:r>
+              <a:rPr lang="de-DE" sz="1600" i="1" dirty="0" smtClean="0">
+                <a:solidFill>
+                  <a:schemeClr val="accent1">
+                    <a:lumMod val="50000"/>
+                  </a:schemeClr>
+                </a:solidFill>
+              </a:rPr>
+              <a:t>  </a:t>
+            </a:r>
+            <a:r>
+              <a:rPr lang="de-DE" sz="1600" i="1" dirty="0" err="1" smtClean="0">
+                <a:solidFill>
+                  <a:schemeClr val="accent1">
+                    <a:lumMod val="50000"/>
+                  </a:schemeClr>
+                </a:solidFill>
+              </a:rPr>
+              <a:t>to</a:t>
+            </a:r>
+            <a:r>
+              <a:rPr lang="de-DE" sz="1600" i="1" dirty="0">
+                <a:solidFill>
+                  <a:schemeClr val="accent1">
+                    <a:lumMod val="50000"/>
+                  </a:schemeClr>
+                </a:solidFill>
+              </a:rPr>
+              <a:t> </a:t>
+            </a:r>
+            <a:r>
+              <a:rPr lang="de-DE" sz="1600" i="1" dirty="0" err="1" smtClean="0">
+                <a:solidFill>
+                  <a:schemeClr val="accent1">
+                    <a:lumMod val="50000"/>
+                  </a:schemeClr>
+                </a:solidFill>
+              </a:rPr>
+              <a:t>control</a:t>
+            </a:r>
+            <a:r>
+              <a:rPr lang="de-DE" sz="1600" i="1" dirty="0" smtClean="0">
+                <a:solidFill>
+                  <a:schemeClr val="accent1">
+                    <a:lumMod val="50000"/>
+                  </a:schemeClr>
+                </a:solidFill>
+              </a:rPr>
+              <a:t> web </a:t>
+            </a:r>
+            <a:r>
+              <a:rPr lang="de-DE" sz="1600" i="1" dirty="0" err="1" smtClean="0">
+                <a:solidFill>
+                  <a:schemeClr val="accent1">
+                    <a:lumMod val="50000"/>
+                  </a:schemeClr>
+                </a:solidFill>
+              </a:rPr>
+              <a:t>applications</a:t>
+            </a:r>
+            <a:endParaRPr lang="de-DE" sz="1600" i="1" dirty="0">
+              <a:solidFill>
+                <a:schemeClr val="accent1">
+                  <a:lumMod val="50000"/>
+                </a:schemeClr>
+              </a:solidFill>
+            </a:endParaRPr>
+          </a:p>
+        </p:txBody>
+      </p:sp>
+      <p:cxnSp>
+        <p:nvCxnSpPr>
+          <p:cNvPr id="48" name="Gerade Verbindung mit Pfeil 47"/>
+          <p:cNvCxnSpPr>
+            <a:stCxn id="6" idx="0"/>
+            <a:endCxn id="22" idx="2"/>
+          </p:cNvCxnSpPr>
+          <p:nvPr/>
+        </p:nvCxnSpPr>
+        <p:spPr>
+          <a:xfrm flipV="1">
+            <a:off x="11254078" y="751312"/>
+            <a:ext cx="2492" cy="792764"/>
+          </a:xfrm>
+          <a:prstGeom prst="straightConnector1">
+            <a:avLst/>
+          </a:prstGeom>
+          <a:ln w="28575">
+            <a:solidFill>
+              <a:schemeClr val="accent1">
+                <a:lumMod val="50000"/>
+              </a:schemeClr>
+            </a:solidFill>
+            <a:tailEnd type="triangle" w="lg" len="lg"/>
+          </a:ln>
+        </p:spPr>
+        <p:style>
+          <a:lnRef idx="1">
+            <a:schemeClr val="accent1"/>
+          </a:lnRef>
+          <a:fillRef idx="0">
+            <a:schemeClr val="accent1"/>
+          </a:fillRef>
+          <a:effectRef idx="0">
+            <a:schemeClr val="accent1"/>
+          </a:effectRef>
+          <a:fontRef idx="minor">
+            <a:schemeClr val="tx1"/>
+          </a:fontRef>
+        </p:style>
+      </p:cxnSp>
+      <p:sp>
+        <p:nvSpPr>
+          <p:cNvPr id="22" name="Rechteck 21"/>
+          <p:cNvSpPr/>
+          <p:nvPr/>
+        </p:nvSpPr>
+        <p:spPr>
+          <a:xfrm>
+            <a:off x="10420704" y="223772"/>
+            <a:ext cx="1671732" cy="527540"/>
+          </a:xfrm>
+          <a:prstGeom prst="rect">
+            <a:avLst/>
+          </a:prstGeom>
+        </p:spPr>
+        <p:style>
+          <a:lnRef idx="2">
+            <a:schemeClr val="accent1">
+              <a:shade val="50000"/>
+            </a:schemeClr>
+          </a:lnRef>
+          <a:fillRef idx="1">
+            <a:schemeClr val="accent1"/>
+          </a:fillRef>
+          <a:effectRef idx="0">
+            <a:schemeClr val="accent1"/>
+          </a:effectRef>
+          <a:fontRef idx="minor">
+            <a:schemeClr val="lt1"/>
+          </a:fontRef>
+        </p:style>
+        <p:txBody>
+          <a:bodyPr rtlCol="0" anchor="ctr"/>
+          <a:lstStyle/>
+          <a:p>
+            <a:pPr algn="ctr"/>
+            <a:r>
+              <a:rPr lang="de-DE" dirty="0" smtClean="0"/>
+              <a:t>Test </a:t>
+            </a:r>
+          </a:p>
+          <a:p>
+            <a:pPr algn="ctr"/>
+            <a:r>
+              <a:rPr lang="de-DE" dirty="0" err="1" smtClean="0"/>
+              <a:t>Application</a:t>
+            </a:r>
+            <a:endParaRPr lang="de-DE" dirty="0"/>
           </a:p>
         </p:txBody>
       </p:sp>

--- a/documentation/Figures.pptx
+++ b/documentation/Figures.pptx
@@ -5,7 +5,7 @@
     <p:sldMasterId id="2147483648" r:id="rId1"/>
   </p:sldMasterIdLst>
   <p:notesMasterIdLst>
-    <p:notesMasterId r:id="rId26"/>
+    <p:notesMasterId r:id="rId27"/>
   </p:notesMasterIdLst>
   <p:sldIdLst>
     <p:sldId id="283" r:id="rId2"/>
@@ -32,6 +32,7 @@
     <p:sldId id="288" r:id="rId23"/>
     <p:sldId id="285" r:id="rId24"/>
     <p:sldId id="286" r:id="rId25"/>
+    <p:sldId id="290" r:id="rId26"/>
   </p:sldIdLst>
   <p:sldSz cx="12192000" cy="6858000"/>
   <p:notesSz cx="6858000" cy="9144000"/>
@@ -25255,6 +25256,312 @@
 </p:sld>
 </file>
 
+<file path=ppt/slides/slide25.xml><?xml version="1.0" encoding="utf-8"?>
+<p:sld xmlns:a="http://schemas.openxmlformats.org/drawingml/2006/main" xmlns:r="http://schemas.openxmlformats.org/officeDocument/2006/relationships" xmlns:p="http://schemas.openxmlformats.org/presentationml/2006/main">
+  <p:cSld>
+    <p:spTree>
+      <p:nvGrpSpPr>
+        <p:cNvPr id="1" name=""/>
+        <p:cNvGrpSpPr/>
+        <p:nvPr/>
+      </p:nvGrpSpPr>
+      <p:grpSpPr>
+        <a:xfrm>
+          <a:off x="0" y="0"/>
+          <a:ext cx="0" cy="0"/>
+          <a:chOff x="0" y="0"/>
+          <a:chExt cx="0" cy="0"/>
+        </a:xfrm>
+      </p:grpSpPr>
+      <p:grpSp>
+        <p:nvGrpSpPr>
+          <p:cNvPr id="2" name="Gruppieren 1"/>
+          <p:cNvGrpSpPr/>
+          <p:nvPr/>
+        </p:nvGrpSpPr>
+        <p:grpSpPr>
+          <a:xfrm>
+            <a:off x="894080" y="839216"/>
+            <a:ext cx="3510000" cy="2001520"/>
+            <a:chOff x="345440" y="3190240"/>
+            <a:chExt cx="3510000" cy="2001520"/>
+          </a:xfrm>
+        </p:grpSpPr>
+        <p:sp>
+          <p:nvSpPr>
+            <p:cNvPr id="3" name="Gleichschenkliges Dreieck 2"/>
+            <p:cNvSpPr/>
+            <p:nvPr/>
+          </p:nvSpPr>
+          <p:spPr>
+            <a:xfrm>
+              <a:off x="1351280" y="3190240"/>
+              <a:ext cx="1493520" cy="873760"/>
+            </a:xfrm>
+            <a:prstGeom prst="triangle">
+              <a:avLst/>
+            </a:prstGeom>
+            <a:solidFill>
+              <a:srgbClr val="99CCFF"/>
+            </a:solidFill>
+            <a:ln>
+              <a:solidFill>
+                <a:srgbClr val="000000"/>
+              </a:solidFill>
+            </a:ln>
+            <a:effectLst/>
+          </p:spPr>
+          <p:style>
+            <a:lnRef idx="1">
+              <a:schemeClr val="accent1"/>
+            </a:lnRef>
+            <a:fillRef idx="3">
+              <a:schemeClr val="accent1"/>
+            </a:fillRef>
+            <a:effectRef idx="2">
+              <a:schemeClr val="accent1"/>
+            </a:effectRef>
+            <a:fontRef idx="minor">
+              <a:schemeClr val="lt1"/>
+            </a:fontRef>
+          </p:style>
+          <p:txBody>
+            <a:bodyPr rot="0" spcFirstLastPara="0" vertOverflow="overflow" horzOverflow="overflow" vert="horz" wrap="square" lIns="0" tIns="0" rIns="0" bIns="45720" numCol="1" spcCol="0" rtlCol="0" fromWordArt="0" anchor="ctr" anchorCtr="0" forceAA="0" compatLnSpc="1">
+              <a:prstTxWarp prst="textNoShape">
+                <a:avLst/>
+              </a:prstTxWarp>
+              <a:noAutofit/>
+            </a:bodyPr>
+            <a:lstStyle/>
+            <a:p>
+              <a:pPr algn="ctr"/>
+              <a:r>
+                <a:rPr lang="de-DE" sz="1350" b="1" dirty="0" smtClean="0">
+                  <a:solidFill>
+                    <a:srgbClr val="000000"/>
+                  </a:solidFill>
+                </a:rPr>
+                <a:t>System-Tests</a:t>
+              </a:r>
+              <a:endParaRPr lang="de-DE" sz="1350" b="1" dirty="0" smtClean="0">
+                <a:solidFill>
+                  <a:srgbClr val="000000"/>
+                </a:solidFill>
+              </a:endParaRPr>
+            </a:p>
+          </p:txBody>
+        </p:sp>
+        <p:sp>
+          <p:nvSpPr>
+            <p:cNvPr id="4" name="Trapezoid 3"/>
+            <p:cNvSpPr/>
+            <p:nvPr/>
+          </p:nvSpPr>
+          <p:spPr>
+            <a:xfrm>
+              <a:off x="843280" y="4064000"/>
+              <a:ext cx="2509520" cy="568960"/>
+            </a:xfrm>
+            <a:prstGeom prst="trapezoid">
+              <a:avLst>
+                <a:gd name="adj" fmla="val 89286"/>
+              </a:avLst>
+            </a:prstGeom>
+            <a:solidFill>
+              <a:srgbClr val="6699FF"/>
+            </a:solidFill>
+            <a:ln>
+              <a:solidFill>
+                <a:srgbClr val="000000"/>
+              </a:solidFill>
+            </a:ln>
+            <a:effectLst/>
+          </p:spPr>
+          <p:style>
+            <a:lnRef idx="1">
+              <a:schemeClr val="accent1"/>
+            </a:lnRef>
+            <a:fillRef idx="3">
+              <a:schemeClr val="accent1"/>
+            </a:fillRef>
+            <a:effectRef idx="2">
+              <a:schemeClr val="accent1"/>
+            </a:effectRef>
+            <a:fontRef idx="minor">
+              <a:schemeClr val="lt1"/>
+            </a:fontRef>
+          </p:style>
+          <p:txBody>
+            <a:bodyPr rot="0" spcFirstLastPara="0" vertOverflow="overflow" horzOverflow="overflow" vert="horz" wrap="square" lIns="91440" tIns="45720" rIns="91440" bIns="45720" numCol="1" spcCol="0" rtlCol="0" fromWordArt="0" anchor="ctr" anchorCtr="0" forceAA="0" compatLnSpc="1">
+              <a:prstTxWarp prst="textNoShape">
+                <a:avLst/>
+              </a:prstTxWarp>
+              <a:noAutofit/>
+            </a:bodyPr>
+            <a:lstStyle/>
+            <a:p>
+              <a:pPr algn="ctr"/>
+              <a:r>
+                <a:rPr lang="de-DE" sz="1400" b="1" dirty="0">
+                  <a:solidFill>
+                    <a:srgbClr val="000000"/>
+                  </a:solidFill>
+                </a:rPr>
+                <a:t>Integrationstests</a:t>
+              </a:r>
+            </a:p>
+          </p:txBody>
+        </p:sp>
+        <p:sp>
+          <p:nvSpPr>
+            <p:cNvPr id="5" name="Trapezoid 4"/>
+            <p:cNvSpPr/>
+            <p:nvPr/>
+          </p:nvSpPr>
+          <p:spPr>
+            <a:xfrm>
+              <a:off x="345440" y="4622800"/>
+              <a:ext cx="3510000" cy="568960"/>
+            </a:xfrm>
+            <a:prstGeom prst="trapezoid">
+              <a:avLst>
+                <a:gd name="adj" fmla="val 89286"/>
+              </a:avLst>
+            </a:prstGeom>
+            <a:solidFill>
+              <a:srgbClr val="3366FF"/>
+            </a:solidFill>
+            <a:ln>
+              <a:solidFill>
+                <a:srgbClr val="000000"/>
+              </a:solidFill>
+            </a:ln>
+            <a:effectLst/>
+          </p:spPr>
+          <p:style>
+            <a:lnRef idx="1">
+              <a:schemeClr val="accent1"/>
+            </a:lnRef>
+            <a:fillRef idx="3">
+              <a:schemeClr val="accent1"/>
+            </a:fillRef>
+            <a:effectRef idx="2">
+              <a:schemeClr val="accent1"/>
+            </a:effectRef>
+            <a:fontRef idx="minor">
+              <a:schemeClr val="lt1"/>
+            </a:fontRef>
+          </p:style>
+          <p:txBody>
+            <a:bodyPr rot="0" spcFirstLastPara="0" vertOverflow="overflow" horzOverflow="overflow" vert="horz" wrap="square" lIns="91440" tIns="45720" rIns="91440" bIns="45720" numCol="1" spcCol="0" rtlCol="0" fromWordArt="0" anchor="ctr" anchorCtr="0" forceAA="0" compatLnSpc="1">
+              <a:prstTxWarp prst="textNoShape">
+                <a:avLst/>
+              </a:prstTxWarp>
+              <a:noAutofit/>
+            </a:bodyPr>
+            <a:lstStyle/>
+            <a:p>
+              <a:pPr algn="ctr"/>
+              <a:r>
+                <a:rPr lang="de-DE" sz="1400" b="1" dirty="0">
+                  <a:solidFill>
+                    <a:srgbClr val="000000"/>
+                  </a:solidFill>
+                </a:rPr>
+                <a:t>Unit-Tests</a:t>
+              </a:r>
+            </a:p>
+          </p:txBody>
+        </p:sp>
+      </p:grpSp>
+    </p:spTree>
+    <p:extLst>
+      <p:ext uri="{BB962C8B-B14F-4D97-AF65-F5344CB8AC3E}">
+        <p14:creationId xmlns:p14="http://schemas.microsoft.com/office/powerpoint/2010/main" val="3708899952"/>
+      </p:ext>
+    </p:extLst>
+  </p:cSld>
+  <p:clrMapOvr>
+    <a:masterClrMapping/>
+  </p:clrMapOvr>
+  <p:timing>
+    <p:tnLst>
+      <p:par>
+        <p:cTn id="1" dur="indefinite" restart="never" nodeType="tmRoot">
+          <p:childTnLst>
+            <p:seq concurrent="1" nextAc="seek">
+              <p:cTn id="2" dur="indefinite" nodeType="mainSeq">
+                <p:childTnLst>
+                  <p:par>
+                    <p:cTn id="3" fill="hold">
+                      <p:stCondLst>
+                        <p:cond delay="indefinite"/>
+                      </p:stCondLst>
+                      <p:childTnLst>
+                        <p:par>
+                          <p:cTn id="4" fill="hold">
+                            <p:stCondLst>
+                              <p:cond delay="0"/>
+                            </p:stCondLst>
+                            <p:childTnLst>
+                              <p:par>
+                                <p:cTn id="5" presetID="1" presetClass="entr" presetSubtype="0" fill="hold" nodeType="clickEffect">
+                                  <p:stCondLst>
+                                    <p:cond delay="0"/>
+                                  </p:stCondLst>
+                                  <p:childTnLst>
+                                    <p:set>
+                                      <p:cBhvr>
+                                        <p:cTn id="6" dur="1" fill="hold">
+                                          <p:stCondLst>
+                                            <p:cond delay="0"/>
+                                          </p:stCondLst>
+                                        </p:cTn>
+                                        <p:tgtEl>
+                                          <p:spTgt spid="2"/>
+                                        </p:tgtEl>
+                                        <p:attrNameLst>
+                                          <p:attrName>style.visibility</p:attrName>
+                                        </p:attrNameLst>
+                                      </p:cBhvr>
+                                      <p:to>
+                                        <p:strVal val="visible"/>
+                                      </p:to>
+                                    </p:set>
+                                  </p:childTnLst>
+                                </p:cTn>
+                              </p:par>
+                            </p:childTnLst>
+                          </p:cTn>
+                        </p:par>
+                      </p:childTnLst>
+                    </p:cTn>
+                  </p:par>
+                </p:childTnLst>
+              </p:cTn>
+              <p:prevCondLst>
+                <p:cond evt="onPrev" delay="0">
+                  <p:tgtEl>
+                    <p:sldTgt/>
+                  </p:tgtEl>
+                </p:cond>
+              </p:prevCondLst>
+              <p:nextCondLst>
+                <p:cond evt="onNext" delay="0">
+                  <p:tgtEl>
+                    <p:sldTgt/>
+                  </p:tgtEl>
+                </p:cond>
+              </p:nextCondLst>
+            </p:seq>
+          </p:childTnLst>
+        </p:cTn>
+      </p:par>
+    </p:tnLst>
+  </p:timing>
+</p:sld>
+</file>
+
 <file path=ppt/slides/slide3.xml><?xml version="1.0" encoding="utf-8"?>
 <p:sld xmlns:a="http://schemas.openxmlformats.org/drawingml/2006/main" xmlns:r="http://schemas.openxmlformats.org/officeDocument/2006/relationships" xmlns:p="http://schemas.openxmlformats.org/presentationml/2006/main">
   <p:cSld>

--- a/documentation/Figures.pptx
+++ b/documentation/Figures.pptx
@@ -221,7 +221,7 @@
           <a:p>
             <a:fld id="{6F0CB9C3-760B-411B-91A2-B4F0AEC3563C}" type="datetimeFigureOut">
               <a:rPr lang="de-DE" smtClean="0"/>
-              <a:t>12.07.2019</a:t>
+              <a:t>21.07.2019</a:t>
             </a:fld>
             <a:endParaRPr lang="de-DE"/>
           </a:p>
@@ -712,7 +712,7 @@
           <a:p>
             <a:fld id="{741DBE4D-3915-4D34-B181-3D444D071C49}" type="datetimeFigureOut">
               <a:rPr lang="de-DE" smtClean="0"/>
-              <a:t>12.07.2019</a:t>
+              <a:t>21.07.2019</a:t>
             </a:fld>
             <a:endParaRPr lang="de-DE"/>
           </a:p>
@@ -882,7 +882,7 @@
           <a:p>
             <a:fld id="{741DBE4D-3915-4D34-B181-3D444D071C49}" type="datetimeFigureOut">
               <a:rPr lang="de-DE" smtClean="0"/>
-              <a:t>12.07.2019</a:t>
+              <a:t>21.07.2019</a:t>
             </a:fld>
             <a:endParaRPr lang="de-DE"/>
           </a:p>
@@ -1062,7 +1062,7 @@
           <a:p>
             <a:fld id="{741DBE4D-3915-4D34-B181-3D444D071C49}" type="datetimeFigureOut">
               <a:rPr lang="de-DE" smtClean="0"/>
-              <a:t>12.07.2019</a:t>
+              <a:t>21.07.2019</a:t>
             </a:fld>
             <a:endParaRPr lang="de-DE"/>
           </a:p>
@@ -1232,7 +1232,7 @@
           <a:p>
             <a:fld id="{741DBE4D-3915-4D34-B181-3D444D071C49}" type="datetimeFigureOut">
               <a:rPr lang="de-DE" smtClean="0"/>
-              <a:t>12.07.2019</a:t>
+              <a:t>21.07.2019</a:t>
             </a:fld>
             <a:endParaRPr lang="de-DE"/>
           </a:p>
@@ -1478,7 +1478,7 @@
           <a:p>
             <a:fld id="{741DBE4D-3915-4D34-B181-3D444D071C49}" type="datetimeFigureOut">
               <a:rPr lang="de-DE" smtClean="0"/>
-              <a:t>12.07.2019</a:t>
+              <a:t>21.07.2019</a:t>
             </a:fld>
             <a:endParaRPr lang="de-DE"/>
           </a:p>
@@ -1710,7 +1710,7 @@
           <a:p>
             <a:fld id="{741DBE4D-3915-4D34-B181-3D444D071C49}" type="datetimeFigureOut">
               <a:rPr lang="de-DE" smtClean="0"/>
-              <a:t>12.07.2019</a:t>
+              <a:t>21.07.2019</a:t>
             </a:fld>
             <a:endParaRPr lang="de-DE"/>
           </a:p>
@@ -2077,7 +2077,7 @@
           <a:p>
             <a:fld id="{741DBE4D-3915-4D34-B181-3D444D071C49}" type="datetimeFigureOut">
               <a:rPr lang="de-DE" smtClean="0"/>
-              <a:t>12.07.2019</a:t>
+              <a:t>21.07.2019</a:t>
             </a:fld>
             <a:endParaRPr lang="de-DE"/>
           </a:p>
@@ -2195,7 +2195,7 @@
           <a:p>
             <a:fld id="{741DBE4D-3915-4D34-B181-3D444D071C49}" type="datetimeFigureOut">
               <a:rPr lang="de-DE" smtClean="0"/>
-              <a:t>12.07.2019</a:t>
+              <a:t>21.07.2019</a:t>
             </a:fld>
             <a:endParaRPr lang="de-DE"/>
           </a:p>
@@ -2290,7 +2290,7 @@
           <a:p>
             <a:fld id="{741DBE4D-3915-4D34-B181-3D444D071C49}" type="datetimeFigureOut">
               <a:rPr lang="de-DE" smtClean="0"/>
-              <a:t>12.07.2019</a:t>
+              <a:t>21.07.2019</a:t>
             </a:fld>
             <a:endParaRPr lang="de-DE"/>
           </a:p>
@@ -2567,7 +2567,7 @@
           <a:p>
             <a:fld id="{741DBE4D-3915-4D34-B181-3D444D071C49}" type="datetimeFigureOut">
               <a:rPr lang="de-DE" smtClean="0"/>
-              <a:t>12.07.2019</a:t>
+              <a:t>21.07.2019</a:t>
             </a:fld>
             <a:endParaRPr lang="de-DE"/>
           </a:p>
@@ -2820,7 +2820,7 @@
           <a:p>
             <a:fld id="{741DBE4D-3915-4D34-B181-3D444D071C49}" type="datetimeFigureOut">
               <a:rPr lang="de-DE" smtClean="0"/>
-              <a:t>12.07.2019</a:t>
+              <a:t>21.07.2019</a:t>
             </a:fld>
             <a:endParaRPr lang="de-DE"/>
           </a:p>
@@ -3033,7 +3033,7 @@
           <a:p>
             <a:fld id="{741DBE4D-3915-4D34-B181-3D444D071C49}" type="datetimeFigureOut">
               <a:rPr lang="de-DE" smtClean="0"/>
-              <a:t>12.07.2019</a:t>
+              <a:t>21.07.2019</a:t>
             </a:fld>
             <a:endParaRPr lang="de-DE"/>
           </a:p>
@@ -25341,7 +25341,7 @@
                     <a:srgbClr val="000000"/>
                   </a:solidFill>
                 </a:rPr>
-                <a:t>System-Tests</a:t>
+                <a:t>System Tests</a:t>
               </a:r>
               <a:endParaRPr lang="de-DE" sz="1350" b="1" dirty="0" smtClean="0">
                 <a:solidFill>
@@ -25402,13 +25402,18 @@
             <a:p>
               <a:pPr algn="ctr"/>
               <a:r>
-                <a:rPr lang="de-DE" sz="1400" b="1" dirty="0">
+                <a:rPr lang="de-DE" sz="1400" b="1" dirty="0" smtClean="0">
                   <a:solidFill>
                     <a:srgbClr val="000000"/>
                   </a:solidFill>
                 </a:rPr>
-                <a:t>Integrationstests</a:t>
-              </a:r>
+                <a:t>Integration Tests</a:t>
+              </a:r>
+              <a:endParaRPr lang="de-DE" sz="1400" b="1" dirty="0">
+                <a:solidFill>
+                  <a:srgbClr val="000000"/>
+                </a:solidFill>
+              </a:endParaRPr>
             </a:p>
           </p:txBody>
         </p:sp>
@@ -25463,13 +25468,18 @@
             <a:p>
               <a:pPr algn="ctr"/>
               <a:r>
-                <a:rPr lang="de-DE" sz="1400" b="1" dirty="0">
+                <a:rPr lang="de-DE" sz="1400" b="1" dirty="0" smtClean="0">
                   <a:solidFill>
                     <a:srgbClr val="000000"/>
                   </a:solidFill>
                 </a:rPr>
-                <a:t>Unit-Tests</a:t>
-              </a:r>
+                <a:t>Unit Tests</a:t>
+              </a:r>
+              <a:endParaRPr lang="de-DE" sz="1400" b="1" dirty="0">
+                <a:solidFill>
+                  <a:srgbClr val="000000"/>
+                </a:solidFill>
+              </a:endParaRPr>
             </a:p>
           </p:txBody>
         </p:sp>

--- a/documentation/Figures.pptx
+++ b/documentation/Figures.pptx
@@ -5,7 +5,7 @@
     <p:sldMasterId id="2147483648" r:id="rId1"/>
   </p:sldMasterIdLst>
   <p:notesMasterIdLst>
-    <p:notesMasterId r:id="rId27"/>
+    <p:notesMasterId r:id="rId30"/>
   </p:notesMasterIdLst>
   <p:sldIdLst>
     <p:sldId id="283" r:id="rId2"/>
@@ -33,6 +33,9 @@
     <p:sldId id="285" r:id="rId24"/>
     <p:sldId id="286" r:id="rId25"/>
     <p:sldId id="290" r:id="rId26"/>
+    <p:sldId id="291" r:id="rId27"/>
+    <p:sldId id="292" r:id="rId28"/>
+    <p:sldId id="293" r:id="rId29"/>
   </p:sldIdLst>
   <p:sldSz cx="12192000" cy="6858000"/>
   <p:notesSz cx="6858000" cy="9144000"/>
@@ -221,7 +224,7 @@
           <a:p>
             <a:fld id="{6F0CB9C3-760B-411B-91A2-B4F0AEC3563C}" type="datetimeFigureOut">
               <a:rPr lang="de-DE" smtClean="0"/>
-              <a:t>21.07.2019</a:t>
+              <a:t>27.08.2020</a:t>
             </a:fld>
             <a:endParaRPr lang="de-DE"/>
           </a:p>
@@ -712,7 +715,7 @@
           <a:p>
             <a:fld id="{741DBE4D-3915-4D34-B181-3D444D071C49}" type="datetimeFigureOut">
               <a:rPr lang="de-DE" smtClean="0"/>
-              <a:t>21.07.2019</a:t>
+              <a:t>27.08.2020</a:t>
             </a:fld>
             <a:endParaRPr lang="de-DE"/>
           </a:p>
@@ -882,7 +885,7 @@
           <a:p>
             <a:fld id="{741DBE4D-3915-4D34-B181-3D444D071C49}" type="datetimeFigureOut">
               <a:rPr lang="de-DE" smtClean="0"/>
-              <a:t>21.07.2019</a:t>
+              <a:t>27.08.2020</a:t>
             </a:fld>
             <a:endParaRPr lang="de-DE"/>
           </a:p>
@@ -1062,7 +1065,7 @@
           <a:p>
             <a:fld id="{741DBE4D-3915-4D34-B181-3D444D071C49}" type="datetimeFigureOut">
               <a:rPr lang="de-DE" smtClean="0"/>
-              <a:t>21.07.2019</a:t>
+              <a:t>27.08.2020</a:t>
             </a:fld>
             <a:endParaRPr lang="de-DE"/>
           </a:p>
@@ -1232,7 +1235,7 @@
           <a:p>
             <a:fld id="{741DBE4D-3915-4D34-B181-3D444D071C49}" type="datetimeFigureOut">
               <a:rPr lang="de-DE" smtClean="0"/>
-              <a:t>21.07.2019</a:t>
+              <a:t>27.08.2020</a:t>
             </a:fld>
             <a:endParaRPr lang="de-DE"/>
           </a:p>
@@ -1478,7 +1481,7 @@
           <a:p>
             <a:fld id="{741DBE4D-3915-4D34-B181-3D444D071C49}" type="datetimeFigureOut">
               <a:rPr lang="de-DE" smtClean="0"/>
-              <a:t>21.07.2019</a:t>
+              <a:t>27.08.2020</a:t>
             </a:fld>
             <a:endParaRPr lang="de-DE"/>
           </a:p>
@@ -1710,7 +1713,7 @@
           <a:p>
             <a:fld id="{741DBE4D-3915-4D34-B181-3D444D071C49}" type="datetimeFigureOut">
               <a:rPr lang="de-DE" smtClean="0"/>
-              <a:t>21.07.2019</a:t>
+              <a:t>27.08.2020</a:t>
             </a:fld>
             <a:endParaRPr lang="de-DE"/>
           </a:p>
@@ -2077,7 +2080,7 @@
           <a:p>
             <a:fld id="{741DBE4D-3915-4D34-B181-3D444D071C49}" type="datetimeFigureOut">
               <a:rPr lang="de-DE" smtClean="0"/>
-              <a:t>21.07.2019</a:t>
+              <a:t>27.08.2020</a:t>
             </a:fld>
             <a:endParaRPr lang="de-DE"/>
           </a:p>
@@ -2195,7 +2198,7 @@
           <a:p>
             <a:fld id="{741DBE4D-3915-4D34-B181-3D444D071C49}" type="datetimeFigureOut">
               <a:rPr lang="de-DE" smtClean="0"/>
-              <a:t>21.07.2019</a:t>
+              <a:t>27.08.2020</a:t>
             </a:fld>
             <a:endParaRPr lang="de-DE"/>
           </a:p>
@@ -2290,7 +2293,7 @@
           <a:p>
             <a:fld id="{741DBE4D-3915-4D34-B181-3D444D071C49}" type="datetimeFigureOut">
               <a:rPr lang="de-DE" smtClean="0"/>
-              <a:t>21.07.2019</a:t>
+              <a:t>27.08.2020</a:t>
             </a:fld>
             <a:endParaRPr lang="de-DE"/>
           </a:p>
@@ -2567,7 +2570,7 @@
           <a:p>
             <a:fld id="{741DBE4D-3915-4D34-B181-3D444D071C49}" type="datetimeFigureOut">
               <a:rPr lang="de-DE" smtClean="0"/>
-              <a:t>21.07.2019</a:t>
+              <a:t>27.08.2020</a:t>
             </a:fld>
             <a:endParaRPr lang="de-DE"/>
           </a:p>
@@ -2820,7 +2823,7 @@
           <a:p>
             <a:fld id="{741DBE4D-3915-4D34-B181-3D444D071C49}" type="datetimeFigureOut">
               <a:rPr lang="de-DE" smtClean="0"/>
-              <a:t>21.07.2019</a:t>
+              <a:t>27.08.2020</a:t>
             </a:fld>
             <a:endParaRPr lang="de-DE"/>
           </a:p>
@@ -3033,7 +3036,7 @@
           <a:p>
             <a:fld id="{741DBE4D-3915-4D34-B181-3D444D071C49}" type="datetimeFigureOut">
               <a:rPr lang="de-DE" smtClean="0"/>
-              <a:t>21.07.2019</a:t>
+              <a:t>27.08.2020</a:t>
             </a:fld>
             <a:endParaRPr lang="de-DE"/>
           </a:p>
@@ -25343,11 +25346,6 @@
                 </a:rPr>
                 <a:t>System Tests</a:t>
               </a:r>
-              <a:endParaRPr lang="de-DE" sz="1350" b="1" dirty="0" smtClean="0">
-                <a:solidFill>
-                  <a:srgbClr val="000000"/>
-                </a:solidFill>
-              </a:endParaRPr>
             </a:p>
           </p:txBody>
         </p:sp>
@@ -25569,6 +25567,4893 @@
       </p:par>
     </p:tnLst>
   </p:timing>
+</p:sld>
+</file>
+
+<file path=ppt/slides/slide26.xml><?xml version="1.0" encoding="utf-8"?>
+<p:sld xmlns:a="http://schemas.openxmlformats.org/drawingml/2006/main" xmlns:r="http://schemas.openxmlformats.org/officeDocument/2006/relationships" xmlns:p="http://schemas.openxmlformats.org/presentationml/2006/main">
+  <p:cSld>
+    <p:spTree>
+      <p:nvGrpSpPr>
+        <p:cNvPr id="1" name=""/>
+        <p:cNvGrpSpPr/>
+        <p:nvPr/>
+      </p:nvGrpSpPr>
+      <p:grpSpPr>
+        <a:xfrm>
+          <a:off x="0" y="0"/>
+          <a:ext cx="0" cy="0"/>
+          <a:chOff x="0" y="0"/>
+          <a:chExt cx="0" cy="0"/>
+        </a:xfrm>
+      </p:grpSpPr>
+      <p:sp>
+        <p:nvSpPr>
+          <p:cNvPr id="2" name="Ellipse 1"/>
+          <p:cNvSpPr/>
+          <p:nvPr/>
+        </p:nvSpPr>
+        <p:spPr>
+          <a:xfrm>
+            <a:off x="3833417" y="2354511"/>
+            <a:ext cx="2016000" cy="1944000"/>
+          </a:xfrm>
+          <a:prstGeom prst="ellipse">
+            <a:avLst/>
+          </a:prstGeom>
+          <a:solidFill>
+            <a:schemeClr val="bg1">
+              <a:lumMod val="85000"/>
+            </a:schemeClr>
+          </a:solidFill>
+          <a:ln w="19050">
+            <a:solidFill>
+              <a:schemeClr val="tx1"/>
+            </a:solidFill>
+          </a:ln>
+        </p:spPr>
+        <p:style>
+          <a:lnRef idx="1">
+            <a:schemeClr val="accent1"/>
+          </a:lnRef>
+          <a:fillRef idx="3">
+            <a:schemeClr val="accent1"/>
+          </a:fillRef>
+          <a:effectRef idx="2">
+            <a:schemeClr val="accent1"/>
+          </a:effectRef>
+          <a:fontRef idx="minor">
+            <a:schemeClr val="lt1"/>
+          </a:fontRef>
+        </p:style>
+        <p:txBody>
+          <a:bodyPr lIns="0" tIns="0" rIns="0" bIns="0" rtlCol="0" anchor="ctr"/>
+          <a:lstStyle/>
+          <a:p>
+            <a:pPr algn="ctr"/>
+            <a:r>
+              <a:rPr lang="de-DE" sz="2400" b="1" smtClean="0">
+                <a:solidFill>
+                  <a:srgbClr val="00B050"/>
+                </a:solidFill>
+              </a:rPr>
+              <a:t>Executable</a:t>
+            </a:r>
+            <a:endParaRPr lang="de-DE" sz="2400" b="1" dirty="0" smtClean="0">
+              <a:solidFill>
+                <a:srgbClr val="00B050"/>
+              </a:solidFill>
+            </a:endParaRPr>
+          </a:p>
+          <a:p>
+            <a:pPr algn="ctr"/>
+            <a:r>
+              <a:rPr lang="de-DE" sz="2400" b="1" smtClean="0">
+                <a:solidFill>
+                  <a:srgbClr val="009FEE"/>
+                </a:solidFill>
+              </a:rPr>
+              <a:t>Examples</a:t>
+            </a:r>
+            <a:endParaRPr lang="de-DE" sz="2400" b="1" dirty="0">
+              <a:solidFill>
+                <a:srgbClr val="009FEE"/>
+              </a:solidFill>
+            </a:endParaRPr>
+          </a:p>
+        </p:txBody>
+      </p:sp>
+      <p:cxnSp>
+        <p:nvCxnSpPr>
+          <p:cNvPr id="3" name="Gerade Verbindung mit Pfeil 2"/>
+          <p:cNvCxnSpPr>
+            <a:stCxn id="2" idx="7"/>
+            <a:endCxn id="4" idx="3"/>
+          </p:cNvCxnSpPr>
+          <p:nvPr/>
+        </p:nvCxnSpPr>
+        <p:spPr>
+          <a:xfrm flipV="1">
+            <a:off x="5554181" y="2240923"/>
+            <a:ext cx="403665" cy="398280"/>
+          </a:xfrm>
+          <a:prstGeom prst="straightConnector1">
+            <a:avLst/>
+          </a:prstGeom>
+          <a:noFill/>
+          <a:ln w="25400" cap="flat" cmpd="sng" algn="ctr">
+            <a:solidFill>
+              <a:srgbClr val="7CD329">
+                <a:lumMod val="75000"/>
+              </a:srgbClr>
+            </a:solidFill>
+            <a:prstDash val="solid"/>
+            <a:tailEnd type="triangle" w="lg" len="lg"/>
+          </a:ln>
+          <a:effectLst>
+            <a:outerShdw blurRad="40000" dist="20000" dir="5400000" rotWithShape="0">
+              <a:srgbClr val="000000">
+                <a:alpha val="38000"/>
+              </a:srgbClr>
+            </a:outerShdw>
+          </a:effectLst>
+        </p:spPr>
+      </p:cxnSp>
+      <p:sp>
+        <p:nvSpPr>
+          <p:cNvPr id="4" name="Ellipse 3"/>
+          <p:cNvSpPr/>
+          <p:nvPr/>
+        </p:nvSpPr>
+        <p:spPr>
+          <a:xfrm>
+            <a:off x="5606859" y="1267806"/>
+            <a:ext cx="2396691" cy="1140077"/>
+          </a:xfrm>
+          <a:prstGeom prst="ellipse">
+            <a:avLst/>
+          </a:prstGeom>
+          <a:gradFill rotWithShape="1">
+            <a:gsLst>
+              <a:gs pos="0">
+                <a:srgbClr val="00B050"/>
+              </a:gs>
+              <a:gs pos="100000">
+                <a:srgbClr val="7CD329">
+                  <a:lumMod val="40000"/>
+                  <a:lumOff val="60000"/>
+                </a:srgbClr>
+              </a:gs>
+            </a:gsLst>
+            <a:lin ang="16200000" scaled="0"/>
+          </a:gradFill>
+          <a:ln w="9525" cap="flat" cmpd="sng" algn="ctr">
+            <a:solidFill>
+              <a:srgbClr val="7CD329">
+                <a:lumMod val="50000"/>
+              </a:srgbClr>
+            </a:solidFill>
+            <a:prstDash val="solid"/>
+          </a:ln>
+          <a:effectLst>
+            <a:outerShdw blurRad="40000" dist="23000" dir="5400000" rotWithShape="0">
+              <a:srgbClr val="000000">
+                <a:alpha val="35000"/>
+              </a:srgbClr>
+            </a:outerShdw>
+          </a:effectLst>
+        </p:spPr>
+        <p:txBody>
+          <a:bodyPr rtlCol="0" anchor="ctr"/>
+          <a:lstStyle/>
+          <a:p>
+            <a:pPr algn="ctr" defTabSz="457200" fontAlgn="base">
+              <a:spcBef>
+                <a:spcPct val="0"/>
+              </a:spcBef>
+              <a:spcAft>
+                <a:spcPct val="0"/>
+              </a:spcAft>
+            </a:pPr>
+            <a:r>
+              <a:rPr lang="de-DE" b="1" kern="0" dirty="0" err="1" smtClean="0">
+                <a:latin typeface="Segoe UI"/>
+              </a:rPr>
+              <a:t>Automated</a:t>
+            </a:r>
+            <a:endParaRPr lang="de-DE" b="1" kern="0" dirty="0">
+              <a:latin typeface="Segoe UI"/>
+            </a:endParaRPr>
+          </a:p>
+          <a:p>
+            <a:pPr algn="ctr" defTabSz="457200" fontAlgn="base">
+              <a:spcBef>
+                <a:spcPct val="0"/>
+              </a:spcBef>
+              <a:spcAft>
+                <a:spcPct val="0"/>
+              </a:spcAft>
+            </a:pPr>
+            <a:r>
+              <a:rPr lang="de-DE" b="1" kern="0" dirty="0">
+                <a:latin typeface="Segoe UI"/>
+              </a:rPr>
+              <a:t>Tests</a:t>
+            </a:r>
+          </a:p>
+        </p:txBody>
+      </p:sp>
+      <p:sp>
+        <p:nvSpPr>
+          <p:cNvPr id="5" name="Ellipse 4"/>
+          <p:cNvSpPr/>
+          <p:nvPr/>
+        </p:nvSpPr>
+        <p:spPr>
+          <a:xfrm>
+            <a:off x="4630625" y="532495"/>
+            <a:ext cx="1269504" cy="646829"/>
+          </a:xfrm>
+          <a:prstGeom prst="ellipse">
+            <a:avLst/>
+          </a:prstGeom>
+          <a:gradFill rotWithShape="1">
+            <a:gsLst>
+              <a:gs pos="0">
+                <a:srgbClr val="00B050"/>
+              </a:gs>
+              <a:gs pos="100000">
+                <a:srgbClr val="7CD329">
+                  <a:lumMod val="40000"/>
+                  <a:lumOff val="60000"/>
+                </a:srgbClr>
+              </a:gs>
+            </a:gsLst>
+            <a:lin ang="16200000" scaled="0"/>
+          </a:gradFill>
+          <a:ln w="9525" cap="flat" cmpd="sng" algn="ctr">
+            <a:solidFill>
+              <a:srgbClr val="7CD329">
+                <a:lumMod val="50000"/>
+              </a:srgbClr>
+            </a:solidFill>
+            <a:prstDash val="solid"/>
+          </a:ln>
+          <a:effectLst>
+            <a:outerShdw blurRad="40000" dist="23000" dir="5400000" rotWithShape="0">
+              <a:srgbClr val="000000">
+                <a:alpha val="35000"/>
+              </a:srgbClr>
+            </a:outerShdw>
+          </a:effectLst>
+        </p:spPr>
+        <p:txBody>
+          <a:bodyPr lIns="0" tIns="0" rIns="0" bIns="0" rtlCol="0" anchor="ctr"/>
+          <a:lstStyle/>
+          <a:p>
+            <a:pPr algn="ctr" defTabSz="457200" fontAlgn="base">
+              <a:spcBef>
+                <a:spcPct val="0"/>
+              </a:spcBef>
+              <a:spcAft>
+                <a:spcPct val="0"/>
+              </a:spcAft>
+            </a:pPr>
+            <a:r>
+              <a:rPr lang="de-DE" sz="1400" kern="0" dirty="0" err="1" smtClean="0">
+                <a:solidFill>
+                  <a:srgbClr val="082740"/>
+                </a:solidFill>
+                <a:latin typeface="Segoe UI"/>
+              </a:rPr>
+              <a:t>for</a:t>
+            </a:r>
+            <a:endParaRPr lang="de-DE" sz="1400" kern="0" dirty="0">
+              <a:solidFill>
+                <a:srgbClr val="082740"/>
+              </a:solidFill>
+              <a:latin typeface="Segoe UI"/>
+            </a:endParaRPr>
+          </a:p>
+          <a:p>
+            <a:pPr algn="ctr" defTabSz="457200" fontAlgn="base">
+              <a:spcBef>
+                <a:spcPct val="0"/>
+              </a:spcBef>
+              <a:spcAft>
+                <a:spcPct val="0"/>
+              </a:spcAft>
+            </a:pPr>
+            <a:r>
+              <a:rPr lang="de-DE" sz="1400" kern="0" dirty="0">
+                <a:solidFill>
+                  <a:srgbClr val="082740"/>
+                </a:solidFill>
+                <a:latin typeface="Segoe UI"/>
+              </a:rPr>
+              <a:t>B</a:t>
+            </a:r>
+            <a:r>
+              <a:rPr lang="de-DE" sz="1400" kern="0" dirty="0" smtClean="0">
+                <a:solidFill>
+                  <a:srgbClr val="082740"/>
+                </a:solidFill>
+                <a:latin typeface="Segoe UI"/>
+              </a:rPr>
+              <a:t>usiness</a:t>
+            </a:r>
+            <a:endParaRPr lang="de-DE" sz="1400" kern="0" dirty="0">
+              <a:solidFill>
+                <a:srgbClr val="082740"/>
+              </a:solidFill>
+              <a:latin typeface="Segoe UI"/>
+            </a:endParaRPr>
+          </a:p>
+        </p:txBody>
+      </p:sp>
+      <p:sp>
+        <p:nvSpPr>
+          <p:cNvPr id="6" name="Ellipse 5"/>
+          <p:cNvSpPr/>
+          <p:nvPr/>
+        </p:nvSpPr>
+        <p:spPr>
+          <a:xfrm>
+            <a:off x="6118410" y="238411"/>
+            <a:ext cx="1534151" cy="593537"/>
+          </a:xfrm>
+          <a:prstGeom prst="ellipse">
+            <a:avLst/>
+          </a:prstGeom>
+          <a:gradFill rotWithShape="1">
+            <a:gsLst>
+              <a:gs pos="0">
+                <a:srgbClr val="00B050"/>
+              </a:gs>
+              <a:gs pos="100000">
+                <a:srgbClr val="7CD329">
+                  <a:lumMod val="40000"/>
+                  <a:lumOff val="60000"/>
+                </a:srgbClr>
+              </a:gs>
+            </a:gsLst>
+            <a:lin ang="16200000" scaled="0"/>
+          </a:gradFill>
+          <a:ln w="9525" cap="flat" cmpd="sng" algn="ctr">
+            <a:solidFill>
+              <a:srgbClr val="7CD329">
+                <a:lumMod val="50000"/>
+              </a:srgbClr>
+            </a:solidFill>
+            <a:prstDash val="solid"/>
+          </a:ln>
+          <a:effectLst>
+            <a:outerShdw blurRad="40000" dist="23000" dir="5400000" rotWithShape="0">
+              <a:srgbClr val="000000">
+                <a:alpha val="35000"/>
+              </a:srgbClr>
+            </a:outerShdw>
+          </a:effectLst>
+        </p:spPr>
+        <p:txBody>
+          <a:bodyPr lIns="0" tIns="0" rIns="0" bIns="0" rtlCol="0" anchor="ctr"/>
+          <a:lstStyle/>
+          <a:p>
+            <a:pPr algn="ctr" defTabSz="457200" fontAlgn="base">
+              <a:spcBef>
+                <a:spcPct val="0"/>
+              </a:spcBef>
+              <a:spcAft>
+                <a:spcPct val="0"/>
+              </a:spcAft>
+            </a:pPr>
+            <a:r>
+              <a:rPr lang="de-DE" sz="1400" kern="0" dirty="0" err="1" smtClean="0">
+                <a:solidFill>
+                  <a:srgbClr val="082740"/>
+                </a:solidFill>
+                <a:latin typeface="Segoe UI"/>
+              </a:rPr>
+              <a:t>for</a:t>
+            </a:r>
+            <a:endParaRPr lang="de-DE" sz="1400" kern="0" dirty="0">
+              <a:solidFill>
+                <a:srgbClr val="082740"/>
+              </a:solidFill>
+              <a:latin typeface="Segoe UI"/>
+            </a:endParaRPr>
+          </a:p>
+          <a:p>
+            <a:pPr algn="ctr" defTabSz="457200" fontAlgn="base">
+              <a:spcBef>
+                <a:spcPct val="0"/>
+              </a:spcBef>
+              <a:spcAft>
+                <a:spcPct val="0"/>
+              </a:spcAft>
+            </a:pPr>
+            <a:r>
+              <a:rPr lang="de-DE" sz="1400" kern="0" dirty="0" smtClean="0">
+                <a:solidFill>
+                  <a:srgbClr val="082740"/>
+                </a:solidFill>
+                <a:latin typeface="Segoe UI"/>
+              </a:rPr>
+              <a:t>Development</a:t>
+            </a:r>
+            <a:endParaRPr lang="de-DE" sz="1400" kern="0" dirty="0">
+              <a:solidFill>
+                <a:srgbClr val="082740"/>
+              </a:solidFill>
+              <a:latin typeface="Segoe UI"/>
+            </a:endParaRPr>
+          </a:p>
+        </p:txBody>
+      </p:sp>
+      <p:sp>
+        <p:nvSpPr>
+          <p:cNvPr id="7" name="Ellipse 6"/>
+          <p:cNvSpPr/>
+          <p:nvPr/>
+        </p:nvSpPr>
+        <p:spPr>
+          <a:xfrm>
+            <a:off x="8473886" y="1536863"/>
+            <a:ext cx="1351469" cy="606524"/>
+          </a:xfrm>
+          <a:prstGeom prst="ellipse">
+            <a:avLst/>
+          </a:prstGeom>
+          <a:gradFill rotWithShape="1">
+            <a:gsLst>
+              <a:gs pos="0">
+                <a:srgbClr val="00B050"/>
+              </a:gs>
+              <a:gs pos="100000">
+                <a:srgbClr val="7CD329">
+                  <a:lumMod val="40000"/>
+                  <a:lumOff val="60000"/>
+                </a:srgbClr>
+              </a:gs>
+            </a:gsLst>
+            <a:lin ang="16200000" scaled="0"/>
+          </a:gradFill>
+          <a:ln w="9525" cap="flat" cmpd="sng" algn="ctr">
+            <a:solidFill>
+              <a:srgbClr val="7CD329">
+                <a:lumMod val="50000"/>
+              </a:srgbClr>
+            </a:solidFill>
+            <a:prstDash val="solid"/>
+          </a:ln>
+          <a:effectLst>
+            <a:outerShdw blurRad="40000" dist="23000" dir="5400000" rotWithShape="0">
+              <a:srgbClr val="000000">
+                <a:alpha val="35000"/>
+              </a:srgbClr>
+            </a:outerShdw>
+          </a:effectLst>
+        </p:spPr>
+        <p:txBody>
+          <a:bodyPr lIns="0" tIns="0" rIns="0" bIns="0" rtlCol="0" anchor="ctr"/>
+          <a:lstStyle/>
+          <a:p>
+            <a:pPr algn="ctr" defTabSz="457200" fontAlgn="base">
+              <a:spcBef>
+                <a:spcPct val="0"/>
+              </a:spcBef>
+              <a:spcAft>
+                <a:spcPct val="0"/>
+              </a:spcAft>
+            </a:pPr>
+            <a:r>
+              <a:rPr lang="de-DE" sz="1400" kern="0" dirty="0" err="1" smtClean="0">
+                <a:solidFill>
+                  <a:srgbClr val="082740"/>
+                </a:solidFill>
+                <a:latin typeface="Segoe UI"/>
+              </a:rPr>
+              <a:t>for</a:t>
+            </a:r>
+            <a:endParaRPr lang="de-DE" sz="1400" kern="0" dirty="0">
+              <a:solidFill>
+                <a:srgbClr val="082740"/>
+              </a:solidFill>
+              <a:latin typeface="Segoe UI"/>
+            </a:endParaRPr>
+          </a:p>
+          <a:p>
+            <a:pPr algn="ctr" defTabSz="457200" fontAlgn="base">
+              <a:spcBef>
+                <a:spcPct val="0"/>
+              </a:spcBef>
+              <a:spcAft>
+                <a:spcPct val="0"/>
+              </a:spcAft>
+            </a:pPr>
+            <a:r>
+              <a:rPr lang="de-DE" sz="1400" kern="0" dirty="0">
+                <a:solidFill>
+                  <a:srgbClr val="082740"/>
+                </a:solidFill>
+                <a:latin typeface="Segoe UI"/>
+              </a:rPr>
+              <a:t>O</a:t>
+            </a:r>
+            <a:r>
+              <a:rPr lang="de-DE" sz="1400" kern="0" dirty="0" smtClean="0">
+                <a:solidFill>
+                  <a:srgbClr val="082740"/>
+                </a:solidFill>
+                <a:latin typeface="Segoe UI"/>
+              </a:rPr>
+              <a:t>peration</a:t>
+            </a:r>
+            <a:endParaRPr lang="de-DE" sz="1400" kern="0" dirty="0">
+              <a:solidFill>
+                <a:srgbClr val="082740"/>
+              </a:solidFill>
+              <a:latin typeface="Segoe UI"/>
+            </a:endParaRPr>
+          </a:p>
+        </p:txBody>
+      </p:sp>
+      <p:cxnSp>
+        <p:nvCxnSpPr>
+          <p:cNvPr id="8" name="Gerade Verbindung mit Pfeil 7"/>
+          <p:cNvCxnSpPr>
+            <a:stCxn id="4" idx="1"/>
+            <a:endCxn id="5" idx="5"/>
+          </p:cNvCxnSpPr>
+          <p:nvPr/>
+        </p:nvCxnSpPr>
+        <p:spPr>
+          <a:xfrm flipH="1" flipV="1">
+            <a:off x="5714214" y="1084598"/>
+            <a:ext cx="243632" cy="350168"/>
+          </a:xfrm>
+          <a:prstGeom prst="straightConnector1">
+            <a:avLst/>
+          </a:prstGeom>
+          <a:noFill/>
+          <a:ln w="25400" cap="flat" cmpd="sng" algn="ctr">
+            <a:solidFill>
+              <a:srgbClr val="7CD329">
+                <a:lumMod val="75000"/>
+              </a:srgbClr>
+            </a:solidFill>
+            <a:prstDash val="solid"/>
+            <a:tailEnd type="triangle" w="lg" len="lg"/>
+          </a:ln>
+          <a:effectLst>
+            <a:outerShdw blurRad="40000" dist="20000" dir="5400000" rotWithShape="0">
+              <a:srgbClr val="000000">
+                <a:alpha val="38000"/>
+              </a:srgbClr>
+            </a:outerShdw>
+          </a:effectLst>
+        </p:spPr>
+      </p:cxnSp>
+      <p:cxnSp>
+        <p:nvCxnSpPr>
+          <p:cNvPr id="9" name="Gerade Verbindung mit Pfeil 8"/>
+          <p:cNvCxnSpPr>
+            <a:stCxn id="4" idx="0"/>
+            <a:endCxn id="6" idx="4"/>
+          </p:cNvCxnSpPr>
+          <p:nvPr/>
+        </p:nvCxnSpPr>
+        <p:spPr>
+          <a:xfrm flipV="1">
+            <a:off x="6805205" y="831948"/>
+            <a:ext cx="80281" cy="435858"/>
+          </a:xfrm>
+          <a:prstGeom prst="straightConnector1">
+            <a:avLst/>
+          </a:prstGeom>
+          <a:noFill/>
+          <a:ln w="25400" cap="flat" cmpd="sng" algn="ctr">
+            <a:solidFill>
+              <a:srgbClr val="7CD329">
+                <a:lumMod val="75000"/>
+              </a:srgbClr>
+            </a:solidFill>
+            <a:prstDash val="solid"/>
+            <a:tailEnd type="triangle" w="lg" len="lg"/>
+          </a:ln>
+          <a:effectLst>
+            <a:outerShdw blurRad="40000" dist="20000" dir="5400000" rotWithShape="0">
+              <a:srgbClr val="000000">
+                <a:alpha val="38000"/>
+              </a:srgbClr>
+            </a:outerShdw>
+          </a:effectLst>
+        </p:spPr>
+      </p:cxnSp>
+      <p:cxnSp>
+        <p:nvCxnSpPr>
+          <p:cNvPr id="10" name="Gerade Verbindung mit Pfeil 9"/>
+          <p:cNvCxnSpPr>
+            <a:stCxn id="4" idx="6"/>
+            <a:endCxn id="7" idx="2"/>
+          </p:cNvCxnSpPr>
+          <p:nvPr/>
+        </p:nvCxnSpPr>
+        <p:spPr>
+          <a:xfrm>
+            <a:off x="8003550" y="1837845"/>
+            <a:ext cx="470336" cy="2280"/>
+          </a:xfrm>
+          <a:prstGeom prst="straightConnector1">
+            <a:avLst/>
+          </a:prstGeom>
+          <a:noFill/>
+          <a:ln w="25400" cap="flat" cmpd="sng" algn="ctr">
+            <a:solidFill>
+              <a:srgbClr val="7CD329">
+                <a:lumMod val="75000"/>
+              </a:srgbClr>
+            </a:solidFill>
+            <a:prstDash val="solid"/>
+            <a:tailEnd type="triangle" w="lg" len="lg"/>
+          </a:ln>
+          <a:effectLst>
+            <a:outerShdw blurRad="40000" dist="20000" dir="5400000" rotWithShape="0">
+              <a:srgbClr val="000000">
+                <a:alpha val="38000"/>
+              </a:srgbClr>
+            </a:outerShdw>
+          </a:effectLst>
+        </p:spPr>
+      </p:cxnSp>
+      <p:cxnSp>
+        <p:nvCxnSpPr>
+          <p:cNvPr id="11" name="Gerade Verbindung mit Pfeil 10"/>
+          <p:cNvCxnSpPr>
+            <a:stCxn id="2" idx="5"/>
+            <a:endCxn id="12" idx="1"/>
+          </p:cNvCxnSpPr>
+          <p:nvPr/>
+        </p:nvCxnSpPr>
+        <p:spPr>
+          <a:xfrm>
+            <a:off x="5554181" y="4013819"/>
+            <a:ext cx="416847" cy="430992"/>
+          </a:xfrm>
+          <a:prstGeom prst="straightConnector1">
+            <a:avLst/>
+          </a:prstGeom>
+          <a:noFill/>
+          <a:ln w="25400" cap="flat" cmpd="sng" algn="ctr">
+            <a:solidFill>
+              <a:srgbClr val="009FEE"/>
+            </a:solidFill>
+            <a:prstDash val="solid"/>
+            <a:tailEnd type="triangle" w="lg" len="lg"/>
+          </a:ln>
+          <a:effectLst>
+            <a:outerShdw blurRad="40000" dist="20000" dir="5400000" rotWithShape="0">
+              <a:srgbClr val="000000">
+                <a:alpha val="38000"/>
+              </a:srgbClr>
+            </a:outerShdw>
+          </a:effectLst>
+        </p:spPr>
+      </p:cxnSp>
+      <p:sp>
+        <p:nvSpPr>
+          <p:cNvPr id="12" name="Ellipse 11"/>
+          <p:cNvSpPr/>
+          <p:nvPr/>
+        </p:nvSpPr>
+        <p:spPr>
+          <a:xfrm>
+            <a:off x="5510799" y="4233373"/>
+            <a:ext cx="3142641" cy="1443789"/>
+          </a:xfrm>
+          <a:prstGeom prst="ellipse">
+            <a:avLst/>
+          </a:prstGeom>
+          <a:gradFill flip="none" rotWithShape="1">
+            <a:gsLst>
+              <a:gs pos="0">
+                <a:srgbClr val="009FEE"/>
+              </a:gs>
+              <a:gs pos="100000">
+                <a:srgbClr val="B7E4FF"/>
+              </a:gs>
+            </a:gsLst>
+            <a:lin ang="16200000" scaled="1"/>
+            <a:tileRect/>
+          </a:gradFill>
+        </p:spPr>
+        <p:style>
+          <a:lnRef idx="1">
+            <a:schemeClr val="accent1"/>
+          </a:lnRef>
+          <a:fillRef idx="3">
+            <a:schemeClr val="accent1"/>
+          </a:fillRef>
+          <a:effectRef idx="2">
+            <a:schemeClr val="accent1"/>
+          </a:effectRef>
+          <a:fontRef idx="minor">
+            <a:schemeClr val="lt1"/>
+          </a:fontRef>
+        </p:style>
+        <p:txBody>
+          <a:bodyPr rtlCol="0" anchor="ctr"/>
+          <a:lstStyle/>
+          <a:p>
+            <a:pPr algn="ctr"/>
+            <a:r>
+              <a:rPr lang="de-DE" b="1" dirty="0" err="1" smtClean="0">
+                <a:solidFill>
+                  <a:schemeClr val="tx1"/>
+                </a:solidFill>
+              </a:rPr>
+              <a:t>Documentation</a:t>
+            </a:r>
+            <a:endParaRPr lang="de-DE" b="1" dirty="0">
+              <a:solidFill>
+                <a:schemeClr val="tx1"/>
+              </a:solidFill>
+            </a:endParaRPr>
+          </a:p>
+          <a:p>
+            <a:pPr algn="ctr"/>
+            <a:r>
+              <a:rPr lang="de-DE" b="1" dirty="0" err="1" smtClean="0">
+                <a:solidFill>
+                  <a:schemeClr val="tx1"/>
+                </a:solidFill>
+              </a:rPr>
+              <a:t>of</a:t>
+            </a:r>
+            <a:r>
+              <a:rPr lang="de-DE" b="1" dirty="0" smtClean="0">
+                <a:solidFill>
+                  <a:schemeClr val="tx1"/>
+                </a:solidFill>
+              </a:rPr>
+              <a:t> </a:t>
+            </a:r>
+            <a:r>
+              <a:rPr lang="de-DE" b="1" dirty="0" err="1" smtClean="0">
+                <a:solidFill>
+                  <a:schemeClr val="tx1"/>
+                </a:solidFill>
+              </a:rPr>
+              <a:t>Requirements</a:t>
+            </a:r>
+            <a:endParaRPr lang="de-DE" b="1" dirty="0">
+              <a:solidFill>
+                <a:schemeClr val="tx1"/>
+              </a:solidFill>
+            </a:endParaRPr>
+          </a:p>
+        </p:txBody>
+      </p:sp>
+      <p:sp>
+        <p:nvSpPr>
+          <p:cNvPr id="13" name="Ellipse 12"/>
+          <p:cNvSpPr/>
+          <p:nvPr/>
+        </p:nvSpPr>
+        <p:spPr>
+          <a:xfrm>
+            <a:off x="851648" y="2738581"/>
+            <a:ext cx="2422596" cy="1200379"/>
+          </a:xfrm>
+          <a:prstGeom prst="ellipse">
+            <a:avLst/>
+          </a:prstGeom>
+          <a:gradFill flip="none" rotWithShape="1">
+            <a:gsLst>
+              <a:gs pos="0">
+                <a:srgbClr val="009FEE"/>
+              </a:gs>
+              <a:gs pos="100000">
+                <a:srgbClr val="B7E4FF"/>
+              </a:gs>
+            </a:gsLst>
+            <a:lin ang="16200000" scaled="1"/>
+            <a:tileRect/>
+          </a:gradFill>
+        </p:spPr>
+        <p:style>
+          <a:lnRef idx="1">
+            <a:schemeClr val="accent1"/>
+          </a:lnRef>
+          <a:fillRef idx="3">
+            <a:schemeClr val="accent1"/>
+          </a:fillRef>
+          <a:effectRef idx="2">
+            <a:schemeClr val="accent1"/>
+          </a:effectRef>
+          <a:fontRef idx="minor">
+            <a:schemeClr val="lt1"/>
+          </a:fontRef>
+        </p:style>
+        <p:txBody>
+          <a:bodyPr rtlCol="0" anchor="ctr"/>
+          <a:lstStyle/>
+          <a:p>
+            <a:pPr algn="ctr"/>
+            <a:r>
+              <a:rPr lang="de-DE" b="1" dirty="0" smtClean="0">
+                <a:solidFill>
+                  <a:schemeClr val="tx1"/>
+                </a:solidFill>
+              </a:rPr>
+              <a:t>System </a:t>
+            </a:r>
+            <a:r>
+              <a:rPr lang="de-DE" b="1" dirty="0" err="1" smtClean="0">
+                <a:solidFill>
+                  <a:schemeClr val="tx1"/>
+                </a:solidFill>
+              </a:rPr>
+              <a:t>Documentation</a:t>
+            </a:r>
+            <a:endParaRPr lang="de-DE" b="1" dirty="0">
+              <a:solidFill>
+                <a:schemeClr val="tx1"/>
+              </a:solidFill>
+            </a:endParaRPr>
+          </a:p>
+        </p:txBody>
+      </p:sp>
+      <p:cxnSp>
+        <p:nvCxnSpPr>
+          <p:cNvPr id="14" name="Gerade Verbindung mit Pfeil 13"/>
+          <p:cNvCxnSpPr>
+            <a:stCxn id="2" idx="2"/>
+            <a:endCxn id="13" idx="6"/>
+          </p:cNvCxnSpPr>
+          <p:nvPr/>
+        </p:nvCxnSpPr>
+        <p:spPr>
+          <a:xfrm flipH="1">
+            <a:off x="3274244" y="3326511"/>
+            <a:ext cx="559173" cy="12260"/>
+          </a:xfrm>
+          <a:prstGeom prst="straightConnector1">
+            <a:avLst/>
+          </a:prstGeom>
+          <a:noFill/>
+          <a:ln w="25400" cap="flat" cmpd="sng" algn="ctr">
+            <a:solidFill>
+              <a:srgbClr val="009FEE"/>
+            </a:solidFill>
+            <a:prstDash val="solid"/>
+            <a:tailEnd type="triangle" w="lg" len="lg"/>
+          </a:ln>
+          <a:effectLst>
+            <a:outerShdw blurRad="40000" dist="20000" dir="5400000" rotWithShape="0">
+              <a:srgbClr val="000000">
+                <a:alpha val="38000"/>
+              </a:srgbClr>
+            </a:outerShdw>
+          </a:effectLst>
+        </p:spPr>
+      </p:cxnSp>
+      <p:sp>
+        <p:nvSpPr>
+          <p:cNvPr id="15" name="Ellipse 14"/>
+          <p:cNvSpPr/>
+          <p:nvPr/>
+        </p:nvSpPr>
+        <p:spPr>
+          <a:xfrm>
+            <a:off x="7710278" y="688389"/>
+            <a:ext cx="1159402" cy="498703"/>
+          </a:xfrm>
+          <a:prstGeom prst="ellipse">
+            <a:avLst/>
+          </a:prstGeom>
+          <a:gradFill rotWithShape="1">
+            <a:gsLst>
+              <a:gs pos="0">
+                <a:srgbClr val="00B050"/>
+              </a:gs>
+              <a:gs pos="100000">
+                <a:srgbClr val="7CD329">
+                  <a:lumMod val="40000"/>
+                  <a:lumOff val="60000"/>
+                </a:srgbClr>
+              </a:gs>
+            </a:gsLst>
+            <a:lin ang="16200000" scaled="0"/>
+          </a:gradFill>
+          <a:ln w="9525" cap="flat" cmpd="sng" algn="ctr">
+            <a:solidFill>
+              <a:srgbClr val="7CD329">
+                <a:lumMod val="50000"/>
+              </a:srgbClr>
+            </a:solidFill>
+            <a:prstDash val="solid"/>
+          </a:ln>
+          <a:effectLst>
+            <a:outerShdw blurRad="40000" dist="23000" dir="5400000" rotWithShape="0">
+              <a:srgbClr val="000000">
+                <a:alpha val="35000"/>
+              </a:srgbClr>
+            </a:outerShdw>
+          </a:effectLst>
+        </p:spPr>
+        <p:txBody>
+          <a:bodyPr lIns="0" tIns="0" rIns="0" bIns="0" rtlCol="0" anchor="ctr"/>
+          <a:lstStyle/>
+          <a:p>
+            <a:pPr algn="ctr" defTabSz="457200" fontAlgn="base">
+              <a:spcBef>
+                <a:spcPct val="0"/>
+              </a:spcBef>
+              <a:spcAft>
+                <a:spcPct val="0"/>
+              </a:spcAft>
+            </a:pPr>
+            <a:r>
+              <a:rPr lang="de-DE" sz="1400" kern="0" dirty="0" err="1" smtClean="0">
+                <a:solidFill>
+                  <a:srgbClr val="082740"/>
+                </a:solidFill>
+                <a:latin typeface="Segoe UI"/>
+              </a:rPr>
+              <a:t>For</a:t>
+            </a:r>
+            <a:r>
+              <a:rPr lang="de-DE" sz="1400" kern="0" dirty="0">
+                <a:solidFill>
+                  <a:srgbClr val="082740"/>
+                </a:solidFill>
+                <a:latin typeface="Segoe UI"/>
+              </a:rPr>
+              <a:t> </a:t>
+            </a:r>
+            <a:r>
+              <a:rPr lang="de-DE" sz="1400" kern="0" dirty="0" smtClean="0">
+                <a:solidFill>
+                  <a:srgbClr val="082740"/>
+                </a:solidFill>
+                <a:latin typeface="Segoe UI"/>
+              </a:rPr>
+              <a:t>QA</a:t>
+            </a:r>
+            <a:endParaRPr lang="de-DE" sz="1400" kern="0" dirty="0">
+              <a:solidFill>
+                <a:srgbClr val="082740"/>
+              </a:solidFill>
+              <a:latin typeface="Segoe UI"/>
+            </a:endParaRPr>
+          </a:p>
+        </p:txBody>
+      </p:sp>
+      <p:cxnSp>
+        <p:nvCxnSpPr>
+          <p:cNvPr id="16" name="Gerade Verbindung mit Pfeil 15"/>
+          <p:cNvCxnSpPr>
+            <a:stCxn id="4" idx="7"/>
+            <a:endCxn id="15" idx="3"/>
+          </p:cNvCxnSpPr>
+          <p:nvPr/>
+        </p:nvCxnSpPr>
+        <p:spPr>
+          <a:xfrm flipV="1">
+            <a:off x="7652563" y="1114059"/>
+            <a:ext cx="227505" cy="320707"/>
+          </a:xfrm>
+          <a:prstGeom prst="straightConnector1">
+            <a:avLst/>
+          </a:prstGeom>
+          <a:noFill/>
+          <a:ln w="25400" cap="flat" cmpd="sng" algn="ctr">
+            <a:solidFill>
+              <a:srgbClr val="7CD329">
+                <a:lumMod val="75000"/>
+              </a:srgbClr>
+            </a:solidFill>
+            <a:prstDash val="solid"/>
+            <a:tailEnd type="triangle" w="lg" len="lg"/>
+          </a:ln>
+          <a:effectLst>
+            <a:outerShdw blurRad="40000" dist="20000" dir="5400000" rotWithShape="0">
+              <a:srgbClr val="000000">
+                <a:alpha val="38000"/>
+              </a:srgbClr>
+            </a:outerShdw>
+          </a:effectLst>
+        </p:spPr>
+      </p:cxnSp>
+      <p:sp>
+        <p:nvSpPr>
+          <p:cNvPr id="17" name="Bogen 16"/>
+          <p:cNvSpPr/>
+          <p:nvPr/>
+        </p:nvSpPr>
+        <p:spPr>
+          <a:xfrm>
+            <a:off x="2699246" y="1340888"/>
+            <a:ext cx="4379813" cy="4101556"/>
+          </a:xfrm>
+          <a:prstGeom prst="arc">
+            <a:avLst>
+              <a:gd name="adj1" fmla="val 20096642"/>
+              <a:gd name="adj2" fmla="val 1280627"/>
+            </a:avLst>
+          </a:prstGeom>
+          <a:noFill/>
+          <a:ln w="76200">
+            <a:solidFill>
+              <a:srgbClr val="FF6600"/>
+            </a:solidFill>
+            <a:headEnd type="none" w="med" len="med"/>
+            <a:tailEnd type="triangle" w="med" len="med"/>
+          </a:ln>
+        </p:spPr>
+        <p:style>
+          <a:lnRef idx="1">
+            <a:schemeClr val="accent1"/>
+          </a:lnRef>
+          <a:fillRef idx="0">
+            <a:schemeClr val="accent1"/>
+          </a:fillRef>
+          <a:effectRef idx="0">
+            <a:schemeClr val="accent1"/>
+          </a:effectRef>
+          <a:fontRef idx="minor">
+            <a:schemeClr val="tx1"/>
+          </a:fontRef>
+        </p:style>
+        <p:txBody>
+          <a:bodyPr rtlCol="0" anchor="ctr"/>
+          <a:lstStyle/>
+          <a:p>
+            <a:pPr algn="ctr"/>
+            <a:endParaRPr lang="de-DE"/>
+          </a:p>
+        </p:txBody>
+      </p:sp>
+      <p:sp>
+        <p:nvSpPr>
+          <p:cNvPr id="18" name="Bogen 17"/>
+          <p:cNvSpPr/>
+          <p:nvPr/>
+        </p:nvSpPr>
+        <p:spPr>
+          <a:xfrm>
+            <a:off x="2710974" y="1370200"/>
+            <a:ext cx="4379813" cy="4101556"/>
+          </a:xfrm>
+          <a:prstGeom prst="arc">
+            <a:avLst>
+              <a:gd name="adj1" fmla="val 4128397"/>
+              <a:gd name="adj2" fmla="val 10063739"/>
+            </a:avLst>
+          </a:prstGeom>
+          <a:noFill/>
+          <a:ln w="76200">
+            <a:solidFill>
+              <a:srgbClr val="FF6600"/>
+            </a:solidFill>
+            <a:headEnd type="triangle" w="med" len="med"/>
+            <a:tailEnd type="triangle" w="med" len="med"/>
+          </a:ln>
+        </p:spPr>
+        <p:style>
+          <a:lnRef idx="1">
+            <a:schemeClr val="accent1"/>
+          </a:lnRef>
+          <a:fillRef idx="0">
+            <a:schemeClr val="accent1"/>
+          </a:fillRef>
+          <a:effectRef idx="0">
+            <a:schemeClr val="accent1"/>
+          </a:effectRef>
+          <a:fontRef idx="minor">
+            <a:schemeClr val="tx1"/>
+          </a:fontRef>
+        </p:style>
+        <p:txBody>
+          <a:bodyPr rtlCol="0" anchor="ctr"/>
+          <a:lstStyle/>
+          <a:p>
+            <a:pPr algn="ctr"/>
+            <a:endParaRPr lang="de-DE"/>
+          </a:p>
+        </p:txBody>
+      </p:sp>
+      <p:sp>
+        <p:nvSpPr>
+          <p:cNvPr id="19" name="Bogen 18"/>
+          <p:cNvSpPr/>
+          <p:nvPr/>
+        </p:nvSpPr>
+        <p:spPr>
+          <a:xfrm>
+            <a:off x="2705118" y="1364344"/>
+            <a:ext cx="4379813" cy="4101556"/>
+          </a:xfrm>
+          <a:prstGeom prst="arc">
+            <a:avLst>
+              <a:gd name="adj1" fmla="val 11772148"/>
+              <a:gd name="adj2" fmla="val 17533941"/>
+            </a:avLst>
+          </a:prstGeom>
+          <a:noFill/>
+          <a:ln w="76200">
+            <a:solidFill>
+              <a:srgbClr val="FF6600"/>
+            </a:solidFill>
+            <a:headEnd type="none" w="med" len="med"/>
+            <a:tailEnd type="triangle" w="med" len="med"/>
+          </a:ln>
+        </p:spPr>
+        <p:style>
+          <a:lnRef idx="1">
+            <a:schemeClr val="accent1"/>
+          </a:lnRef>
+          <a:fillRef idx="0">
+            <a:schemeClr val="accent1"/>
+          </a:fillRef>
+          <a:effectRef idx="0">
+            <a:schemeClr val="accent1"/>
+          </a:effectRef>
+          <a:fontRef idx="minor">
+            <a:schemeClr val="tx1"/>
+          </a:fontRef>
+        </p:style>
+        <p:txBody>
+          <a:bodyPr rtlCol="0" anchor="ctr"/>
+          <a:lstStyle/>
+          <a:p>
+            <a:pPr algn="ctr"/>
+            <a:endParaRPr lang="de-DE"/>
+          </a:p>
+        </p:txBody>
+      </p:sp>
+      <p:sp>
+        <p:nvSpPr>
+          <p:cNvPr id="20" name="Textfeld 19"/>
+          <p:cNvSpPr txBox="1"/>
+          <p:nvPr/>
+        </p:nvSpPr>
+        <p:spPr>
+          <a:xfrm>
+            <a:off x="2576055" y="1261076"/>
+            <a:ext cx="1120884" cy="523220"/>
+          </a:xfrm>
+          <a:prstGeom prst="rect">
+            <a:avLst/>
+          </a:prstGeom>
+          <a:noFill/>
+        </p:spPr>
+        <p:txBody>
+          <a:bodyPr wrap="none" rtlCol="0">
+            <a:spAutoFit/>
+          </a:bodyPr>
+          <a:lstStyle/>
+          <a:p>
+            <a:pPr algn="ctr"/>
+            <a:r>
+              <a:rPr lang="de-DE" sz="1400" dirty="0" err="1">
+                <a:solidFill>
+                  <a:srgbClr val="FF6600"/>
+                </a:solidFill>
+              </a:rPr>
+              <a:t>c</a:t>
+            </a:r>
+            <a:r>
+              <a:rPr lang="de-DE" sz="1400" dirty="0" err="1" smtClean="0">
+                <a:solidFill>
+                  <a:srgbClr val="FF6600"/>
+                </a:solidFill>
+              </a:rPr>
+              <a:t>ontinuously</a:t>
+            </a:r>
+            <a:endParaRPr lang="de-DE" sz="1400" dirty="0" smtClean="0">
+              <a:solidFill>
+                <a:srgbClr val="FF6600"/>
+              </a:solidFill>
+            </a:endParaRPr>
+          </a:p>
+          <a:p>
+            <a:pPr algn="ctr"/>
+            <a:r>
+              <a:rPr lang="de-DE" sz="1400" dirty="0" err="1">
+                <a:solidFill>
+                  <a:srgbClr val="FF6600"/>
+                </a:solidFill>
+              </a:rPr>
+              <a:t>t</a:t>
+            </a:r>
+            <a:r>
+              <a:rPr lang="de-DE" sz="1400" dirty="0" err="1" smtClean="0">
+                <a:solidFill>
+                  <a:srgbClr val="FF6600"/>
+                </a:solidFill>
+              </a:rPr>
+              <a:t>ested</a:t>
+            </a:r>
+            <a:r>
+              <a:rPr lang="de-DE" sz="1400" dirty="0" smtClean="0">
+                <a:solidFill>
+                  <a:srgbClr val="FF6600"/>
+                </a:solidFill>
+              </a:rPr>
+              <a:t> </a:t>
+            </a:r>
+            <a:r>
+              <a:rPr lang="de-DE" sz="1400" dirty="0" err="1" smtClean="0">
+                <a:solidFill>
+                  <a:srgbClr val="FF6600"/>
+                </a:solidFill>
+              </a:rPr>
+              <a:t>by</a:t>
+            </a:r>
+            <a:endParaRPr lang="de-DE" sz="1400" dirty="0">
+              <a:solidFill>
+                <a:srgbClr val="FF6600"/>
+              </a:solidFill>
+            </a:endParaRPr>
+          </a:p>
+        </p:txBody>
+      </p:sp>
+      <p:sp>
+        <p:nvSpPr>
+          <p:cNvPr id="21" name="Textfeld 20"/>
+          <p:cNvSpPr txBox="1"/>
+          <p:nvPr/>
+        </p:nvSpPr>
+        <p:spPr>
+          <a:xfrm>
+            <a:off x="7080282" y="2987300"/>
+            <a:ext cx="1680204" cy="523220"/>
+          </a:xfrm>
+          <a:prstGeom prst="rect">
+            <a:avLst/>
+          </a:prstGeom>
+          <a:noFill/>
+        </p:spPr>
+        <p:txBody>
+          <a:bodyPr wrap="none" rtlCol="0">
+            <a:spAutoFit/>
+          </a:bodyPr>
+          <a:lstStyle/>
+          <a:p>
+            <a:r>
+              <a:rPr lang="de-DE" sz="1400" dirty="0" err="1">
+                <a:solidFill>
+                  <a:srgbClr val="FF6600"/>
+                </a:solidFill>
+              </a:rPr>
+              <a:t>i</a:t>
+            </a:r>
+            <a:r>
+              <a:rPr lang="de-DE" sz="1400" dirty="0" err="1" smtClean="0">
+                <a:solidFill>
+                  <a:srgbClr val="FF6600"/>
+                </a:solidFill>
+              </a:rPr>
+              <a:t>llustrate</a:t>
+            </a:r>
+            <a:r>
+              <a:rPr lang="de-DE" sz="1400" dirty="0" smtClean="0">
+                <a:solidFill>
+                  <a:srgbClr val="FF6600"/>
+                </a:solidFill>
+              </a:rPr>
+              <a:t> </a:t>
+            </a:r>
+            <a:r>
+              <a:rPr lang="de-DE" sz="1400" dirty="0" err="1" smtClean="0">
+                <a:solidFill>
+                  <a:srgbClr val="FF6600"/>
+                </a:solidFill>
+              </a:rPr>
+              <a:t>p</a:t>
+            </a:r>
+            <a:r>
+              <a:rPr lang="de-DE" sz="1400" dirty="0" err="1" smtClean="0">
+                <a:solidFill>
+                  <a:srgbClr val="FF6600"/>
+                </a:solidFill>
+              </a:rPr>
+              <a:t>rogress</a:t>
+            </a:r>
+            <a:r>
+              <a:rPr lang="de-DE" sz="1400" dirty="0" smtClean="0">
+                <a:solidFill>
+                  <a:srgbClr val="FF6600"/>
+                </a:solidFill>
+              </a:rPr>
+              <a:t> </a:t>
+            </a:r>
+            <a:r>
+              <a:rPr lang="de-DE" sz="1400" dirty="0" err="1" smtClean="0">
+                <a:solidFill>
+                  <a:srgbClr val="FF6600"/>
+                </a:solidFill>
+              </a:rPr>
+              <a:t>of</a:t>
+            </a:r>
+            <a:endParaRPr lang="de-DE" sz="1400" dirty="0" smtClean="0">
+              <a:solidFill>
+                <a:srgbClr val="FF6600"/>
+              </a:solidFill>
+            </a:endParaRPr>
+          </a:p>
+          <a:p>
+            <a:r>
+              <a:rPr lang="de-DE" sz="1400" dirty="0" err="1">
+                <a:solidFill>
+                  <a:srgbClr val="FF6600"/>
+                </a:solidFill>
+              </a:rPr>
+              <a:t>i</a:t>
+            </a:r>
+            <a:r>
+              <a:rPr lang="de-DE" sz="1400" dirty="0" err="1" smtClean="0">
+                <a:solidFill>
+                  <a:srgbClr val="FF6600"/>
+                </a:solidFill>
+              </a:rPr>
+              <a:t>mplementation</a:t>
+            </a:r>
+            <a:r>
+              <a:rPr lang="de-DE" sz="1400" dirty="0" smtClean="0">
+                <a:solidFill>
+                  <a:srgbClr val="FF6600"/>
+                </a:solidFill>
+              </a:rPr>
+              <a:t> </a:t>
+            </a:r>
+            <a:r>
+              <a:rPr lang="de-DE" sz="1400" dirty="0" err="1" smtClean="0">
+                <a:solidFill>
+                  <a:srgbClr val="FF6600"/>
+                </a:solidFill>
+              </a:rPr>
+              <a:t>of</a:t>
+            </a:r>
+            <a:endParaRPr lang="de-DE" sz="1400" dirty="0">
+              <a:solidFill>
+                <a:srgbClr val="FF6600"/>
+              </a:solidFill>
+            </a:endParaRPr>
+          </a:p>
+        </p:txBody>
+      </p:sp>
+      <p:sp>
+        <p:nvSpPr>
+          <p:cNvPr id="22" name="Textfeld 21"/>
+          <p:cNvSpPr txBox="1"/>
+          <p:nvPr/>
+        </p:nvSpPr>
+        <p:spPr>
+          <a:xfrm>
+            <a:off x="2700660" y="5209996"/>
+            <a:ext cx="1470916" cy="523220"/>
+          </a:xfrm>
+          <a:prstGeom prst="rect">
+            <a:avLst/>
+          </a:prstGeom>
+          <a:noFill/>
+        </p:spPr>
+        <p:txBody>
+          <a:bodyPr wrap="none" rtlCol="0">
+            <a:spAutoFit/>
+          </a:bodyPr>
+          <a:lstStyle/>
+          <a:p>
+            <a:pPr algn="ctr"/>
+            <a:r>
+              <a:rPr lang="de-DE" sz="1400" dirty="0" smtClean="0">
+                <a:solidFill>
+                  <a:srgbClr val="FF6600"/>
+                </a:solidFill>
+              </a:rPr>
+              <a:t>XX </a:t>
+            </a:r>
+            <a:r>
+              <a:rPr lang="de-DE" sz="1400" dirty="0" err="1" smtClean="0">
+                <a:solidFill>
+                  <a:srgbClr val="FF6600"/>
+                </a:solidFill>
+              </a:rPr>
+              <a:t>change</a:t>
+            </a:r>
+            <a:endParaRPr lang="de-DE" sz="1400" dirty="0" smtClean="0">
+              <a:solidFill>
+                <a:srgbClr val="FF6600"/>
+              </a:solidFill>
+            </a:endParaRPr>
+          </a:p>
+          <a:p>
+            <a:pPr algn="ctr"/>
+            <a:r>
+              <a:rPr lang="de-DE" sz="1400" dirty="0" err="1">
+                <a:solidFill>
+                  <a:srgbClr val="FF6600"/>
+                </a:solidFill>
+              </a:rPr>
+              <a:t>p</a:t>
+            </a:r>
+            <a:r>
+              <a:rPr lang="de-DE" sz="1400" dirty="0" err="1" smtClean="0">
+                <a:solidFill>
+                  <a:srgbClr val="FF6600"/>
+                </a:solidFill>
+              </a:rPr>
+              <a:t>urpose</a:t>
+            </a:r>
+            <a:r>
+              <a:rPr lang="de-DE" sz="1400" dirty="0" smtClean="0">
+                <a:solidFill>
+                  <a:srgbClr val="FF6600"/>
+                </a:solidFill>
+              </a:rPr>
+              <a:t> </a:t>
+            </a:r>
+            <a:r>
+              <a:rPr lang="de-DE" sz="1400" dirty="0" err="1" smtClean="0">
+                <a:solidFill>
+                  <a:srgbClr val="FF6600"/>
+                </a:solidFill>
+              </a:rPr>
+              <a:t>between</a:t>
+            </a:r>
+            <a:endParaRPr lang="de-DE" sz="1400" dirty="0">
+              <a:solidFill>
+                <a:srgbClr val="FF6600"/>
+              </a:solidFill>
+            </a:endParaRPr>
+          </a:p>
+        </p:txBody>
+      </p:sp>
+      <p:sp>
+        <p:nvSpPr>
+          <p:cNvPr id="24" name="Textfeld 23"/>
+          <p:cNvSpPr txBox="1"/>
+          <p:nvPr/>
+        </p:nvSpPr>
+        <p:spPr>
+          <a:xfrm>
+            <a:off x="5790148" y="2291480"/>
+            <a:ext cx="856645" cy="523220"/>
+          </a:xfrm>
+          <a:prstGeom prst="rect">
+            <a:avLst/>
+          </a:prstGeom>
+          <a:noFill/>
+        </p:spPr>
+        <p:txBody>
+          <a:bodyPr wrap="none" rtlCol="0">
+            <a:spAutoFit/>
+          </a:bodyPr>
+          <a:lstStyle/>
+          <a:p>
+            <a:r>
+              <a:rPr lang="de-DE" sz="1400" b="1" dirty="0" err="1">
+                <a:solidFill>
+                  <a:schemeClr val="accent6">
+                    <a:lumMod val="75000"/>
+                  </a:schemeClr>
+                </a:solidFill>
+              </a:rPr>
+              <a:t>g</a:t>
+            </a:r>
+            <a:r>
+              <a:rPr lang="de-DE" sz="1400" b="1" dirty="0" err="1" smtClean="0">
+                <a:solidFill>
+                  <a:schemeClr val="accent6">
+                    <a:lumMod val="75000"/>
+                  </a:schemeClr>
+                </a:solidFill>
+              </a:rPr>
+              <a:t>et</a:t>
+            </a:r>
+            <a:endParaRPr lang="de-DE" sz="1400" b="1" dirty="0" smtClean="0">
+              <a:solidFill>
+                <a:schemeClr val="accent6">
+                  <a:lumMod val="75000"/>
+                </a:schemeClr>
+              </a:solidFill>
+            </a:endParaRPr>
+          </a:p>
+          <a:p>
+            <a:r>
+              <a:rPr lang="de-DE" sz="1400" b="1" dirty="0" err="1" smtClean="0">
+                <a:solidFill>
+                  <a:schemeClr val="accent6">
+                    <a:lumMod val="75000"/>
+                  </a:schemeClr>
+                </a:solidFill>
+              </a:rPr>
+              <a:t>executed</a:t>
+            </a:r>
+            <a:endParaRPr lang="de-DE" sz="1400" b="1" dirty="0">
+              <a:solidFill>
+                <a:schemeClr val="accent6">
+                  <a:lumMod val="75000"/>
+                </a:schemeClr>
+              </a:solidFill>
+            </a:endParaRPr>
+          </a:p>
+        </p:txBody>
+      </p:sp>
+      <p:sp>
+        <p:nvSpPr>
+          <p:cNvPr id="25" name="Textfeld 24"/>
+          <p:cNvSpPr txBox="1"/>
+          <p:nvPr/>
+        </p:nvSpPr>
+        <p:spPr>
+          <a:xfrm>
+            <a:off x="3719361" y="4232200"/>
+            <a:ext cx="1559209" cy="523220"/>
+          </a:xfrm>
+          <a:prstGeom prst="rect">
+            <a:avLst/>
+          </a:prstGeom>
+          <a:noFill/>
+        </p:spPr>
+        <p:txBody>
+          <a:bodyPr wrap="none" rtlCol="0">
+            <a:spAutoFit/>
+          </a:bodyPr>
+          <a:lstStyle/>
+          <a:p>
+            <a:pPr algn="ctr"/>
+            <a:r>
+              <a:rPr lang="de-DE" sz="1400" b="1" dirty="0" err="1">
+                <a:solidFill>
+                  <a:schemeClr val="accent1"/>
+                </a:solidFill>
+              </a:rPr>
+              <a:t>g</a:t>
+            </a:r>
+            <a:r>
+              <a:rPr lang="de-DE" sz="1400" b="1" dirty="0" err="1" smtClean="0">
+                <a:solidFill>
+                  <a:schemeClr val="accent1"/>
+                </a:solidFill>
+              </a:rPr>
+              <a:t>et</a:t>
+            </a:r>
+            <a:r>
+              <a:rPr lang="de-DE" sz="1400" b="1" dirty="0" smtClean="0">
+                <a:solidFill>
+                  <a:schemeClr val="accent1"/>
+                </a:solidFill>
+              </a:rPr>
+              <a:t> </a:t>
+            </a:r>
+            <a:r>
+              <a:rPr lang="de-DE" sz="1400" b="1" dirty="0" err="1" smtClean="0">
+                <a:solidFill>
+                  <a:schemeClr val="accent1"/>
+                </a:solidFill>
+              </a:rPr>
+              <a:t>combined</a:t>
+            </a:r>
+            <a:r>
+              <a:rPr lang="de-DE" sz="1400" b="1" dirty="0" smtClean="0">
+                <a:solidFill>
+                  <a:schemeClr val="accent1"/>
+                </a:solidFill>
+              </a:rPr>
+              <a:t> </a:t>
+            </a:r>
+            <a:r>
+              <a:rPr lang="de-DE" sz="1400" b="1" dirty="0" err="1" smtClean="0">
+                <a:solidFill>
+                  <a:schemeClr val="accent1"/>
+                </a:solidFill>
+              </a:rPr>
+              <a:t>and</a:t>
+            </a:r>
+            <a:r>
+              <a:rPr lang="de-DE" sz="1400" b="1" dirty="0" smtClean="0">
+                <a:solidFill>
+                  <a:schemeClr val="accent1"/>
+                </a:solidFill>
+              </a:rPr>
+              <a:t> </a:t>
+            </a:r>
+          </a:p>
+          <a:p>
+            <a:pPr algn="ctr"/>
+            <a:r>
+              <a:rPr lang="de-DE" sz="1400" b="1" dirty="0" err="1">
+                <a:solidFill>
+                  <a:schemeClr val="accent1"/>
+                </a:solidFill>
+              </a:rPr>
+              <a:t>c</a:t>
+            </a:r>
+            <a:r>
+              <a:rPr lang="de-DE" sz="1400" b="1" dirty="0" err="1" smtClean="0">
+                <a:solidFill>
+                  <a:schemeClr val="accent1"/>
+                </a:solidFill>
+              </a:rPr>
+              <a:t>onverted</a:t>
+            </a:r>
+            <a:r>
+              <a:rPr lang="de-DE" sz="1400" b="1" dirty="0" smtClean="0">
+                <a:solidFill>
+                  <a:schemeClr val="accent1"/>
+                </a:solidFill>
+              </a:rPr>
+              <a:t> </a:t>
+            </a:r>
+            <a:r>
+              <a:rPr lang="de-DE" sz="1400" b="1" dirty="0" err="1" smtClean="0">
+                <a:solidFill>
+                  <a:schemeClr val="accent1"/>
+                </a:solidFill>
+              </a:rPr>
+              <a:t>to</a:t>
+            </a:r>
+            <a:endParaRPr lang="de-DE" sz="1400" b="1" dirty="0">
+              <a:solidFill>
+                <a:schemeClr val="accent1"/>
+              </a:solidFill>
+            </a:endParaRPr>
+          </a:p>
+        </p:txBody>
+      </p:sp>
+    </p:spTree>
+    <p:extLst>
+      <p:ext uri="{BB962C8B-B14F-4D97-AF65-F5344CB8AC3E}">
+        <p14:creationId xmlns:p14="http://schemas.microsoft.com/office/powerpoint/2010/main" val="2871299241"/>
+      </p:ext>
+    </p:extLst>
+  </p:cSld>
+  <p:clrMapOvr>
+    <a:masterClrMapping/>
+  </p:clrMapOvr>
+  <p:timing>
+    <p:tnLst>
+      <p:par>
+        <p:cTn id="1" dur="indefinite" restart="never" nodeType="tmRoot">
+          <p:childTnLst>
+            <p:seq concurrent="1" nextAc="seek">
+              <p:cTn id="2" dur="indefinite" nodeType="mainSeq">
+                <p:childTnLst>
+                  <p:par>
+                    <p:cTn id="3" fill="hold">
+                      <p:stCondLst>
+                        <p:cond delay="indefinite"/>
+                      </p:stCondLst>
+                      <p:childTnLst>
+                        <p:par>
+                          <p:cTn id="4" fill="hold">
+                            <p:stCondLst>
+                              <p:cond delay="0"/>
+                            </p:stCondLst>
+                            <p:childTnLst>
+                              <p:par>
+                                <p:cTn id="5" presetID="1" presetClass="entr" presetSubtype="0" fill="hold" nodeType="clickEffect">
+                                  <p:stCondLst>
+                                    <p:cond delay="0"/>
+                                  </p:stCondLst>
+                                  <p:childTnLst>
+                                    <p:set>
+                                      <p:cBhvr>
+                                        <p:cTn id="6" dur="1" fill="hold">
+                                          <p:stCondLst>
+                                            <p:cond delay="0"/>
+                                          </p:stCondLst>
+                                        </p:cTn>
+                                        <p:tgtEl>
+                                          <p:spTgt spid="11"/>
+                                        </p:tgtEl>
+                                        <p:attrNameLst>
+                                          <p:attrName>style.visibility</p:attrName>
+                                        </p:attrNameLst>
+                                      </p:cBhvr>
+                                      <p:to>
+                                        <p:strVal val="visible"/>
+                                      </p:to>
+                                    </p:set>
+                                  </p:childTnLst>
+                                </p:cTn>
+                              </p:par>
+                              <p:par>
+                                <p:cTn id="7" presetID="1" presetClass="entr" presetSubtype="0" fill="hold" grpId="0" nodeType="withEffect">
+                                  <p:stCondLst>
+                                    <p:cond delay="0"/>
+                                  </p:stCondLst>
+                                  <p:childTnLst>
+                                    <p:set>
+                                      <p:cBhvr>
+                                        <p:cTn id="8" dur="1" fill="hold">
+                                          <p:stCondLst>
+                                            <p:cond delay="0"/>
+                                          </p:stCondLst>
+                                        </p:cTn>
+                                        <p:tgtEl>
+                                          <p:spTgt spid="12"/>
+                                        </p:tgtEl>
+                                        <p:attrNameLst>
+                                          <p:attrName>style.visibility</p:attrName>
+                                        </p:attrNameLst>
+                                      </p:cBhvr>
+                                      <p:to>
+                                        <p:strVal val="visible"/>
+                                      </p:to>
+                                    </p:set>
+                                  </p:childTnLst>
+                                </p:cTn>
+                              </p:par>
+                            </p:childTnLst>
+                          </p:cTn>
+                        </p:par>
+                      </p:childTnLst>
+                    </p:cTn>
+                  </p:par>
+                  <p:par>
+                    <p:cTn id="9" fill="hold">
+                      <p:stCondLst>
+                        <p:cond delay="indefinite"/>
+                      </p:stCondLst>
+                      <p:childTnLst>
+                        <p:par>
+                          <p:cTn id="10" fill="hold">
+                            <p:stCondLst>
+                              <p:cond delay="0"/>
+                            </p:stCondLst>
+                            <p:childTnLst>
+                              <p:par>
+                                <p:cTn id="11" presetID="1" presetClass="entr" presetSubtype="0" fill="hold" grpId="0" nodeType="clickEffect">
+                                  <p:stCondLst>
+                                    <p:cond delay="0"/>
+                                  </p:stCondLst>
+                                  <p:childTnLst>
+                                    <p:set>
+                                      <p:cBhvr>
+                                        <p:cTn id="12" dur="1" fill="hold">
+                                          <p:stCondLst>
+                                            <p:cond delay="0"/>
+                                          </p:stCondLst>
+                                        </p:cTn>
+                                        <p:tgtEl>
+                                          <p:spTgt spid="4"/>
+                                        </p:tgtEl>
+                                        <p:attrNameLst>
+                                          <p:attrName>style.visibility</p:attrName>
+                                        </p:attrNameLst>
+                                      </p:cBhvr>
+                                      <p:to>
+                                        <p:strVal val="visible"/>
+                                      </p:to>
+                                    </p:set>
+                                  </p:childTnLst>
+                                </p:cTn>
+                              </p:par>
+                              <p:par>
+                                <p:cTn id="13" presetID="1" presetClass="entr" presetSubtype="0" fill="hold" nodeType="withEffect">
+                                  <p:stCondLst>
+                                    <p:cond delay="0"/>
+                                  </p:stCondLst>
+                                  <p:childTnLst>
+                                    <p:set>
+                                      <p:cBhvr>
+                                        <p:cTn id="14" dur="1" fill="hold">
+                                          <p:stCondLst>
+                                            <p:cond delay="0"/>
+                                          </p:stCondLst>
+                                        </p:cTn>
+                                        <p:tgtEl>
+                                          <p:spTgt spid="3"/>
+                                        </p:tgtEl>
+                                        <p:attrNameLst>
+                                          <p:attrName>style.visibility</p:attrName>
+                                        </p:attrNameLst>
+                                      </p:cBhvr>
+                                      <p:to>
+                                        <p:strVal val="visible"/>
+                                      </p:to>
+                                    </p:set>
+                                  </p:childTnLst>
+                                </p:cTn>
+                              </p:par>
+                            </p:childTnLst>
+                          </p:cTn>
+                        </p:par>
+                      </p:childTnLst>
+                    </p:cTn>
+                  </p:par>
+                  <p:par>
+                    <p:cTn id="15" fill="hold">
+                      <p:stCondLst>
+                        <p:cond delay="indefinite"/>
+                      </p:stCondLst>
+                      <p:childTnLst>
+                        <p:par>
+                          <p:cTn id="16" fill="hold">
+                            <p:stCondLst>
+                              <p:cond delay="0"/>
+                            </p:stCondLst>
+                            <p:childTnLst>
+                              <p:par>
+                                <p:cTn id="17" presetID="1" presetClass="entr" presetSubtype="0" fill="hold" grpId="0" nodeType="clickEffect">
+                                  <p:stCondLst>
+                                    <p:cond delay="0"/>
+                                  </p:stCondLst>
+                                  <p:childTnLst>
+                                    <p:set>
+                                      <p:cBhvr>
+                                        <p:cTn id="18" dur="1" fill="hold">
+                                          <p:stCondLst>
+                                            <p:cond delay="0"/>
+                                          </p:stCondLst>
+                                        </p:cTn>
+                                        <p:tgtEl>
+                                          <p:spTgt spid="6"/>
+                                        </p:tgtEl>
+                                        <p:attrNameLst>
+                                          <p:attrName>style.visibility</p:attrName>
+                                        </p:attrNameLst>
+                                      </p:cBhvr>
+                                      <p:to>
+                                        <p:strVal val="visible"/>
+                                      </p:to>
+                                    </p:set>
+                                  </p:childTnLst>
+                                </p:cTn>
+                              </p:par>
+                              <p:par>
+                                <p:cTn id="19" presetID="1" presetClass="entr" presetSubtype="0" fill="hold" nodeType="withEffect">
+                                  <p:stCondLst>
+                                    <p:cond delay="0"/>
+                                  </p:stCondLst>
+                                  <p:childTnLst>
+                                    <p:set>
+                                      <p:cBhvr>
+                                        <p:cTn id="20" dur="1" fill="hold">
+                                          <p:stCondLst>
+                                            <p:cond delay="0"/>
+                                          </p:stCondLst>
+                                        </p:cTn>
+                                        <p:tgtEl>
+                                          <p:spTgt spid="9"/>
+                                        </p:tgtEl>
+                                        <p:attrNameLst>
+                                          <p:attrName>style.visibility</p:attrName>
+                                        </p:attrNameLst>
+                                      </p:cBhvr>
+                                      <p:to>
+                                        <p:strVal val="visible"/>
+                                      </p:to>
+                                    </p:set>
+                                  </p:childTnLst>
+                                </p:cTn>
+                              </p:par>
+                            </p:childTnLst>
+                          </p:cTn>
+                        </p:par>
+                      </p:childTnLst>
+                    </p:cTn>
+                  </p:par>
+                  <p:par>
+                    <p:cTn id="21" fill="hold">
+                      <p:stCondLst>
+                        <p:cond delay="indefinite"/>
+                      </p:stCondLst>
+                      <p:childTnLst>
+                        <p:par>
+                          <p:cTn id="22" fill="hold">
+                            <p:stCondLst>
+                              <p:cond delay="0"/>
+                            </p:stCondLst>
+                            <p:childTnLst>
+                              <p:par>
+                                <p:cTn id="23" presetID="1" presetClass="entr" presetSubtype="0" fill="hold" grpId="0" nodeType="clickEffect">
+                                  <p:stCondLst>
+                                    <p:cond delay="0"/>
+                                  </p:stCondLst>
+                                  <p:childTnLst>
+                                    <p:set>
+                                      <p:cBhvr>
+                                        <p:cTn id="24" dur="1" fill="hold">
+                                          <p:stCondLst>
+                                            <p:cond delay="0"/>
+                                          </p:stCondLst>
+                                        </p:cTn>
+                                        <p:tgtEl>
+                                          <p:spTgt spid="5"/>
+                                        </p:tgtEl>
+                                        <p:attrNameLst>
+                                          <p:attrName>style.visibility</p:attrName>
+                                        </p:attrNameLst>
+                                      </p:cBhvr>
+                                      <p:to>
+                                        <p:strVal val="visible"/>
+                                      </p:to>
+                                    </p:set>
+                                  </p:childTnLst>
+                                </p:cTn>
+                              </p:par>
+                              <p:par>
+                                <p:cTn id="25" presetID="1" presetClass="entr" presetSubtype="0" fill="hold" nodeType="withEffect">
+                                  <p:stCondLst>
+                                    <p:cond delay="0"/>
+                                  </p:stCondLst>
+                                  <p:childTnLst>
+                                    <p:set>
+                                      <p:cBhvr>
+                                        <p:cTn id="26" dur="1" fill="hold">
+                                          <p:stCondLst>
+                                            <p:cond delay="0"/>
+                                          </p:stCondLst>
+                                        </p:cTn>
+                                        <p:tgtEl>
+                                          <p:spTgt spid="8"/>
+                                        </p:tgtEl>
+                                        <p:attrNameLst>
+                                          <p:attrName>style.visibility</p:attrName>
+                                        </p:attrNameLst>
+                                      </p:cBhvr>
+                                      <p:to>
+                                        <p:strVal val="visible"/>
+                                      </p:to>
+                                    </p:set>
+                                  </p:childTnLst>
+                                </p:cTn>
+                              </p:par>
+                            </p:childTnLst>
+                          </p:cTn>
+                        </p:par>
+                      </p:childTnLst>
+                    </p:cTn>
+                  </p:par>
+                  <p:par>
+                    <p:cTn id="27" fill="hold">
+                      <p:stCondLst>
+                        <p:cond delay="indefinite"/>
+                      </p:stCondLst>
+                      <p:childTnLst>
+                        <p:par>
+                          <p:cTn id="28" fill="hold">
+                            <p:stCondLst>
+                              <p:cond delay="0"/>
+                            </p:stCondLst>
+                            <p:childTnLst>
+                              <p:par>
+                                <p:cTn id="29" presetID="1" presetClass="entr" presetSubtype="0" fill="hold" grpId="0" nodeType="clickEffect">
+                                  <p:stCondLst>
+                                    <p:cond delay="0"/>
+                                  </p:stCondLst>
+                                  <p:childTnLst>
+                                    <p:set>
+                                      <p:cBhvr>
+                                        <p:cTn id="30" dur="1" fill="hold">
+                                          <p:stCondLst>
+                                            <p:cond delay="0"/>
+                                          </p:stCondLst>
+                                        </p:cTn>
+                                        <p:tgtEl>
+                                          <p:spTgt spid="7"/>
+                                        </p:tgtEl>
+                                        <p:attrNameLst>
+                                          <p:attrName>style.visibility</p:attrName>
+                                        </p:attrNameLst>
+                                      </p:cBhvr>
+                                      <p:to>
+                                        <p:strVal val="visible"/>
+                                      </p:to>
+                                    </p:set>
+                                  </p:childTnLst>
+                                </p:cTn>
+                              </p:par>
+                              <p:par>
+                                <p:cTn id="31" presetID="1" presetClass="entr" presetSubtype="0" fill="hold" nodeType="withEffect">
+                                  <p:stCondLst>
+                                    <p:cond delay="0"/>
+                                  </p:stCondLst>
+                                  <p:childTnLst>
+                                    <p:set>
+                                      <p:cBhvr>
+                                        <p:cTn id="32" dur="1" fill="hold">
+                                          <p:stCondLst>
+                                            <p:cond delay="0"/>
+                                          </p:stCondLst>
+                                        </p:cTn>
+                                        <p:tgtEl>
+                                          <p:spTgt spid="10"/>
+                                        </p:tgtEl>
+                                        <p:attrNameLst>
+                                          <p:attrName>style.visibility</p:attrName>
+                                        </p:attrNameLst>
+                                      </p:cBhvr>
+                                      <p:to>
+                                        <p:strVal val="visible"/>
+                                      </p:to>
+                                    </p:set>
+                                  </p:childTnLst>
+                                </p:cTn>
+                              </p:par>
+                              <p:par>
+                                <p:cTn id="33" presetID="1" presetClass="entr" presetSubtype="0" fill="hold" nodeType="withEffect">
+                                  <p:stCondLst>
+                                    <p:cond delay="0"/>
+                                  </p:stCondLst>
+                                  <p:childTnLst>
+                                    <p:set>
+                                      <p:cBhvr>
+                                        <p:cTn id="34" dur="1" fill="hold">
+                                          <p:stCondLst>
+                                            <p:cond delay="0"/>
+                                          </p:stCondLst>
+                                        </p:cTn>
+                                        <p:tgtEl>
+                                          <p:spTgt spid="14"/>
+                                        </p:tgtEl>
+                                        <p:attrNameLst>
+                                          <p:attrName>style.visibility</p:attrName>
+                                        </p:attrNameLst>
+                                      </p:cBhvr>
+                                      <p:to>
+                                        <p:strVal val="visible"/>
+                                      </p:to>
+                                    </p:set>
+                                  </p:childTnLst>
+                                </p:cTn>
+                              </p:par>
+                              <p:par>
+                                <p:cTn id="35" presetID="1" presetClass="entr" presetSubtype="0" fill="hold" grpId="0" nodeType="withEffect">
+                                  <p:stCondLst>
+                                    <p:cond delay="0"/>
+                                  </p:stCondLst>
+                                  <p:childTnLst>
+                                    <p:set>
+                                      <p:cBhvr>
+                                        <p:cTn id="36" dur="1" fill="hold">
+                                          <p:stCondLst>
+                                            <p:cond delay="0"/>
+                                          </p:stCondLst>
+                                        </p:cTn>
+                                        <p:tgtEl>
+                                          <p:spTgt spid="13"/>
+                                        </p:tgtEl>
+                                        <p:attrNameLst>
+                                          <p:attrName>style.visibility</p:attrName>
+                                        </p:attrNameLst>
+                                      </p:cBhvr>
+                                      <p:to>
+                                        <p:strVal val="visible"/>
+                                      </p:to>
+                                    </p:set>
+                                  </p:childTnLst>
+                                </p:cTn>
+                              </p:par>
+                            </p:childTnLst>
+                          </p:cTn>
+                        </p:par>
+                      </p:childTnLst>
+                    </p:cTn>
+                  </p:par>
+                  <p:par>
+                    <p:cTn id="37" fill="hold">
+                      <p:stCondLst>
+                        <p:cond delay="indefinite"/>
+                      </p:stCondLst>
+                      <p:childTnLst>
+                        <p:par>
+                          <p:cTn id="38" fill="hold">
+                            <p:stCondLst>
+                              <p:cond delay="0"/>
+                            </p:stCondLst>
+                            <p:childTnLst>
+                              <p:par>
+                                <p:cTn id="39" presetID="1" presetClass="entr" presetSubtype="0" fill="hold" grpId="0" nodeType="clickEffect">
+                                  <p:stCondLst>
+                                    <p:cond delay="0"/>
+                                  </p:stCondLst>
+                                  <p:childTnLst>
+                                    <p:set>
+                                      <p:cBhvr>
+                                        <p:cTn id="40" dur="1" fill="hold">
+                                          <p:stCondLst>
+                                            <p:cond delay="0"/>
+                                          </p:stCondLst>
+                                        </p:cTn>
+                                        <p:tgtEl>
+                                          <p:spTgt spid="15"/>
+                                        </p:tgtEl>
+                                        <p:attrNameLst>
+                                          <p:attrName>style.visibility</p:attrName>
+                                        </p:attrNameLst>
+                                      </p:cBhvr>
+                                      <p:to>
+                                        <p:strVal val="visible"/>
+                                      </p:to>
+                                    </p:set>
+                                  </p:childTnLst>
+                                </p:cTn>
+                              </p:par>
+                              <p:par>
+                                <p:cTn id="41" presetID="1" presetClass="entr" presetSubtype="0" fill="hold" nodeType="withEffect">
+                                  <p:stCondLst>
+                                    <p:cond delay="0"/>
+                                  </p:stCondLst>
+                                  <p:childTnLst>
+                                    <p:set>
+                                      <p:cBhvr>
+                                        <p:cTn id="42" dur="1" fill="hold">
+                                          <p:stCondLst>
+                                            <p:cond delay="0"/>
+                                          </p:stCondLst>
+                                        </p:cTn>
+                                        <p:tgtEl>
+                                          <p:spTgt spid="16"/>
+                                        </p:tgtEl>
+                                        <p:attrNameLst>
+                                          <p:attrName>style.visibility</p:attrName>
+                                        </p:attrNameLst>
+                                      </p:cBhvr>
+                                      <p:to>
+                                        <p:strVal val="visible"/>
+                                      </p:to>
+                                    </p:set>
+                                  </p:childTnLst>
+                                </p:cTn>
+                              </p:par>
+                            </p:childTnLst>
+                          </p:cTn>
+                        </p:par>
+                      </p:childTnLst>
+                    </p:cTn>
+                  </p:par>
+                </p:childTnLst>
+              </p:cTn>
+              <p:prevCondLst>
+                <p:cond evt="onPrev" delay="0">
+                  <p:tgtEl>
+                    <p:sldTgt/>
+                  </p:tgtEl>
+                </p:cond>
+              </p:prevCondLst>
+              <p:nextCondLst>
+                <p:cond evt="onNext" delay="0">
+                  <p:tgtEl>
+                    <p:sldTgt/>
+                  </p:tgtEl>
+                </p:cond>
+              </p:nextCondLst>
+            </p:seq>
+          </p:childTnLst>
+        </p:cTn>
+      </p:par>
+    </p:tnLst>
+    <p:bldLst>
+      <p:bldP spid="4" grpId="0" animBg="1"/>
+      <p:bldP spid="5" grpId="0" animBg="1"/>
+      <p:bldP spid="6" grpId="0" animBg="1"/>
+      <p:bldP spid="7" grpId="0" animBg="1"/>
+      <p:bldP spid="12" grpId="0" animBg="1"/>
+      <p:bldP spid="13" grpId="0" animBg="1"/>
+      <p:bldP spid="15" grpId="0" animBg="1"/>
+    </p:bldLst>
+  </p:timing>
+</p:sld>
+</file>
+
+<file path=ppt/slides/slide27.xml><?xml version="1.0" encoding="utf-8"?>
+<p:sld xmlns:a="http://schemas.openxmlformats.org/drawingml/2006/main" xmlns:r="http://schemas.openxmlformats.org/officeDocument/2006/relationships" xmlns:p="http://schemas.openxmlformats.org/presentationml/2006/main">
+  <p:cSld>
+    <p:spTree>
+      <p:nvGrpSpPr>
+        <p:cNvPr id="1" name=""/>
+        <p:cNvGrpSpPr/>
+        <p:nvPr/>
+      </p:nvGrpSpPr>
+      <p:grpSpPr>
+        <a:xfrm>
+          <a:off x="0" y="0"/>
+          <a:ext cx="0" cy="0"/>
+          <a:chOff x="0" y="0"/>
+          <a:chExt cx="0" cy="0"/>
+        </a:xfrm>
+      </p:grpSpPr>
+      <p:sp>
+        <p:nvSpPr>
+          <p:cNvPr id="2" name="Textfeld 1"/>
+          <p:cNvSpPr txBox="1"/>
+          <p:nvPr/>
+        </p:nvSpPr>
+        <p:spPr>
+          <a:xfrm>
+            <a:off x="1323770" y="1696681"/>
+            <a:ext cx="8673788" cy="2728952"/>
+          </a:xfrm>
+          <a:prstGeom prst="rect">
+            <a:avLst/>
+          </a:prstGeom>
+          <a:solidFill>
+            <a:schemeClr val="bg2"/>
+          </a:solidFill>
+          <a:ln>
+            <a:solidFill>
+              <a:schemeClr val="tx1"/>
+            </a:solidFill>
+          </a:ln>
+        </p:spPr>
+        <p:txBody>
+          <a:bodyPr wrap="square" rtlCol="0">
+            <a:spAutoFit/>
+          </a:bodyPr>
+          <a:lstStyle/>
+          <a:p>
+            <a:r>
+              <a:rPr lang="en-US" sz="1400" b="1" dirty="0" smtClean="0"/>
+              <a:t>XX</a:t>
+            </a:r>
+            <a:r>
+              <a:rPr lang="en-US" sz="1400" dirty="0" smtClean="0"/>
+              <a:t>: </a:t>
+            </a:r>
+            <a:r>
+              <a:rPr lang="en-US" sz="1400" dirty="0" smtClean="0"/>
+              <a:t>Create Order</a:t>
+            </a:r>
+            <a:endParaRPr lang="en-US" sz="1400" dirty="0" smtClean="0"/>
+          </a:p>
+          <a:p>
+            <a:r>
+              <a:rPr lang="en-US" sz="1400" b="1" dirty="0" err="1" smtClean="0"/>
+              <a:t>Testdaten</a:t>
+            </a:r>
+            <a:r>
+              <a:rPr lang="en-US" sz="1400" b="1" dirty="0" smtClean="0"/>
+              <a:t>:</a:t>
+            </a:r>
+            <a:r>
+              <a:rPr lang="en-US" sz="1400" dirty="0" smtClean="0"/>
+              <a:t> </a:t>
+            </a:r>
+            <a:r>
+              <a:rPr lang="en-US" sz="1400" dirty="0" err="1" smtClean="0"/>
+              <a:t>StandardOrderData</a:t>
+            </a:r>
+            <a:endParaRPr lang="en-US" sz="1400" dirty="0" smtClean="0"/>
+          </a:p>
+          <a:p>
+            <a:pPr>
+              <a:lnSpc>
+                <a:spcPts val="400"/>
+              </a:lnSpc>
+            </a:pPr>
+            <a:endParaRPr lang="en-US" sz="800" dirty="0"/>
+          </a:p>
+          <a:p>
+            <a:r>
+              <a:rPr lang="de-DE" sz="1400" b="1" dirty="0"/>
+              <a:t>Test-Phase: </a:t>
+            </a:r>
+            <a:r>
+              <a:rPr lang="de-DE" sz="1400" dirty="0" err="1"/>
+              <a:t>Arrange</a:t>
+            </a:r>
+            <a:endParaRPr lang="de-DE" sz="1400" dirty="0"/>
+          </a:p>
+          <a:p>
+            <a:r>
+              <a:rPr lang="de-DE" sz="1400" dirty="0" smtClean="0"/>
+              <a:t>The </a:t>
+            </a:r>
+            <a:r>
+              <a:rPr lang="de-DE" sz="1400" dirty="0"/>
+              <a:t>Standard-User </a:t>
+            </a:r>
+            <a:r>
+              <a:rPr lang="de-DE" sz="1400" dirty="0" err="1" smtClean="0"/>
+              <a:t>is</a:t>
+            </a:r>
+            <a:r>
+              <a:rPr lang="de-DE" sz="1400" dirty="0" smtClean="0"/>
+              <a:t> </a:t>
+            </a:r>
+            <a:r>
+              <a:rPr lang="de-DE" sz="1400" dirty="0" err="1" smtClean="0"/>
+              <a:t>logged</a:t>
+            </a:r>
+            <a:r>
+              <a:rPr lang="de-DE" sz="1400" dirty="0" smtClean="0"/>
+              <a:t> in.</a:t>
+            </a:r>
+            <a:endParaRPr lang="de-DE" sz="1400" dirty="0" smtClean="0"/>
+          </a:p>
+          <a:p>
+            <a:r>
+              <a:rPr lang="de-DE" sz="1400" b="1" dirty="0" smtClean="0"/>
+              <a:t>Test-Phase</a:t>
+            </a:r>
+            <a:r>
+              <a:rPr lang="de-DE" sz="1400" b="1" dirty="0"/>
+              <a:t>: </a:t>
+            </a:r>
+            <a:r>
+              <a:rPr lang="de-DE" sz="1400" dirty="0"/>
+              <a:t>Act</a:t>
+            </a:r>
+          </a:p>
+          <a:p>
+            <a:r>
+              <a:rPr lang="de-DE" sz="1400" dirty="0" smtClean="0"/>
+              <a:t>A </a:t>
+            </a:r>
+            <a:r>
+              <a:rPr lang="de-DE" sz="1400" dirty="0" err="1" smtClean="0"/>
+              <a:t>new</a:t>
+            </a:r>
+            <a:r>
+              <a:rPr lang="de-DE" sz="1400" dirty="0" smtClean="0"/>
+              <a:t> </a:t>
+            </a:r>
+            <a:r>
+              <a:rPr lang="de-DE" sz="1400" dirty="0" err="1" smtClean="0"/>
+              <a:t>order</a:t>
+            </a:r>
+            <a:r>
+              <a:rPr lang="de-DE" sz="1400" dirty="0" smtClean="0"/>
+              <a:t> </a:t>
+            </a:r>
+            <a:r>
+              <a:rPr lang="de-DE" sz="1400" dirty="0" err="1" smtClean="0"/>
+              <a:t>is</a:t>
+            </a:r>
+            <a:r>
+              <a:rPr lang="de-DE" sz="1400" dirty="0" smtClean="0"/>
+              <a:t> </a:t>
+            </a:r>
+            <a:r>
+              <a:rPr lang="de-DE" sz="1400" dirty="0" err="1" smtClean="0"/>
+              <a:t>created</a:t>
+            </a:r>
+            <a:r>
+              <a:rPr lang="de-DE" sz="1400" dirty="0" smtClean="0"/>
+              <a:t>.</a:t>
+            </a:r>
+            <a:endParaRPr lang="de-DE" sz="1400" dirty="0"/>
+          </a:p>
+          <a:p>
+            <a:r>
+              <a:rPr lang="de-DE" sz="1400" b="1" dirty="0" smtClean="0"/>
+              <a:t>Test-Phase</a:t>
+            </a:r>
+            <a:r>
+              <a:rPr lang="de-DE" sz="1400" b="1" dirty="0"/>
+              <a:t>: </a:t>
+            </a:r>
+            <a:r>
+              <a:rPr lang="de-DE" sz="1400" dirty="0" err="1"/>
+              <a:t>Assert</a:t>
+            </a:r>
+            <a:endParaRPr lang="de-DE" sz="1400" dirty="0">
+              <a:solidFill>
+                <a:schemeClr val="accent1">
+                  <a:lumMod val="75000"/>
+                </a:schemeClr>
+              </a:solidFill>
+            </a:endParaRPr>
+          </a:p>
+          <a:p>
+            <a:r>
+              <a:rPr lang="de-DE" sz="1400" dirty="0" smtClean="0"/>
+              <a:t>The </a:t>
+            </a:r>
+            <a:r>
+              <a:rPr lang="de-DE" sz="1400" dirty="0" err="1" smtClean="0"/>
+              <a:t>order</a:t>
+            </a:r>
+            <a:r>
+              <a:rPr lang="de-DE" sz="1400" dirty="0" smtClean="0"/>
+              <a:t> </a:t>
+            </a:r>
+            <a:r>
+              <a:rPr lang="de-DE" sz="1400" dirty="0" err="1" smtClean="0"/>
+              <a:t>overview</a:t>
+            </a:r>
+            <a:r>
+              <a:rPr lang="de-DE" sz="1400" dirty="0" smtClean="0"/>
+              <a:t> </a:t>
+            </a:r>
+            <a:r>
+              <a:rPr lang="de-DE" sz="1400" dirty="0" err="1" smtClean="0"/>
+              <a:t>contains</a:t>
+            </a:r>
+            <a:r>
+              <a:rPr lang="de-DE" sz="1400" dirty="0" smtClean="0"/>
+              <a:t> </a:t>
+            </a:r>
+            <a:r>
+              <a:rPr lang="de-DE" sz="1400" dirty="0" err="1" smtClean="0"/>
+              <a:t>the</a:t>
+            </a:r>
+            <a:r>
+              <a:rPr lang="de-DE" sz="1400" dirty="0" smtClean="0"/>
+              <a:t> </a:t>
+            </a:r>
+            <a:r>
+              <a:rPr lang="de-DE" sz="1400" dirty="0" err="1" smtClean="0"/>
+              <a:t>new</a:t>
+            </a:r>
+            <a:r>
+              <a:rPr lang="de-DE" sz="1400" dirty="0" smtClean="0"/>
+              <a:t> </a:t>
+            </a:r>
+            <a:r>
+              <a:rPr lang="de-DE" sz="1400" dirty="0" err="1" smtClean="0"/>
+              <a:t>order</a:t>
+            </a:r>
+            <a:r>
+              <a:rPr lang="de-DE" sz="1400" dirty="0" smtClean="0"/>
+              <a:t>.</a:t>
+            </a:r>
+            <a:endParaRPr lang="de-DE" sz="1400" dirty="0" smtClean="0"/>
+          </a:p>
+          <a:p>
+            <a:endParaRPr lang="de-DE" sz="1400" dirty="0"/>
+          </a:p>
+          <a:p>
+            <a:endParaRPr lang="de-DE" sz="1400" dirty="0" smtClean="0"/>
+          </a:p>
+          <a:p>
+            <a:endParaRPr lang="de-DE" sz="1400" dirty="0"/>
+          </a:p>
+          <a:p>
+            <a:endParaRPr lang="de-DE" sz="1400" dirty="0"/>
+          </a:p>
+        </p:txBody>
+      </p:sp>
+      <p:sp>
+        <p:nvSpPr>
+          <p:cNvPr id="4" name="Rechteck 3"/>
+          <p:cNvSpPr/>
+          <p:nvPr/>
+        </p:nvSpPr>
+        <p:spPr bwMode="auto">
+          <a:xfrm>
+            <a:off x="5996422" y="2496781"/>
+            <a:ext cx="3834081" cy="1015557"/>
+          </a:xfrm>
+          <a:prstGeom prst="rect">
+            <a:avLst/>
+          </a:prstGeom>
+          <a:solidFill>
+            <a:schemeClr val="bg1">
+              <a:lumMod val="85000"/>
+            </a:schemeClr>
+          </a:solidFill>
+          <a:ln w="19050" cap="flat" cmpd="sng" algn="ctr">
+            <a:solidFill>
+              <a:schemeClr val="tx1"/>
+            </a:solidFill>
+            <a:prstDash val="solid"/>
+            <a:round/>
+            <a:headEnd type="none" w="med" len="med"/>
+            <a:tailEnd type="none" w="lg" len="lg"/>
+          </a:ln>
+          <a:effectLst/>
+          <a:extLst/>
+        </p:spPr>
+        <p:txBody>
+          <a:bodyPr vert="horz" wrap="none" lIns="0" tIns="0" rIns="0" bIns="0" numCol="1" rtlCol="0" anchor="t" anchorCtr="0" compatLnSpc="1">
+            <a:prstTxWarp prst="textNoShape">
+              <a:avLst/>
+            </a:prstTxWarp>
+          </a:bodyPr>
+          <a:lstStyle/>
+          <a:p>
+            <a:pPr>
+              <a:lnSpc>
+                <a:spcPts val="800"/>
+              </a:lnSpc>
+            </a:pPr>
+            <a:endParaRPr lang="de-DE" altLang="de-DE" sz="1400" kern="0" dirty="0"/>
+          </a:p>
+          <a:p>
+            <a:pPr>
+              <a:lnSpc>
+                <a:spcPts val="800"/>
+              </a:lnSpc>
+            </a:pPr>
+            <a:r>
+              <a:rPr lang="de-DE" altLang="de-DE" sz="1400" b="1" kern="0" dirty="0" smtClean="0"/>
+              <a:t> Script</a:t>
+            </a:r>
+            <a:r>
+              <a:rPr lang="de-DE" altLang="de-DE" sz="1400" b="1" kern="0" dirty="0"/>
+              <a:t>: </a:t>
+            </a:r>
+            <a:r>
+              <a:rPr lang="de-DE" sz="1400" dirty="0"/>
+              <a:t>A </a:t>
+            </a:r>
+            <a:r>
+              <a:rPr lang="de-DE" sz="1400" dirty="0" err="1"/>
+              <a:t>new</a:t>
+            </a:r>
+            <a:r>
+              <a:rPr lang="de-DE" sz="1400" dirty="0"/>
+              <a:t> </a:t>
+            </a:r>
+            <a:r>
+              <a:rPr lang="de-DE" sz="1400" dirty="0" err="1"/>
+              <a:t>order</a:t>
+            </a:r>
+            <a:r>
+              <a:rPr lang="de-DE" sz="1400" dirty="0"/>
+              <a:t> </a:t>
+            </a:r>
+            <a:r>
+              <a:rPr lang="de-DE" sz="1400" dirty="0" err="1"/>
+              <a:t>is</a:t>
+            </a:r>
+            <a:r>
+              <a:rPr lang="de-DE" sz="1400" dirty="0"/>
+              <a:t> </a:t>
+            </a:r>
+            <a:r>
+              <a:rPr lang="de-DE" sz="1400" dirty="0" err="1"/>
+              <a:t>created</a:t>
+            </a:r>
+            <a:endParaRPr lang="de-DE" altLang="de-DE" sz="1400" b="1" i="1" kern="0" dirty="0"/>
+          </a:p>
+          <a:p>
+            <a:pPr>
+              <a:lnSpc>
+                <a:spcPts val="800"/>
+              </a:lnSpc>
+            </a:pPr>
+            <a:endParaRPr lang="de-DE" altLang="de-DE" sz="1400" kern="0" dirty="0" smtClean="0"/>
+          </a:p>
+          <a:p>
+            <a:pPr>
+              <a:lnSpc>
+                <a:spcPts val="800"/>
+              </a:lnSpc>
+            </a:pPr>
+            <a:r>
+              <a:rPr lang="de-DE" altLang="de-DE" sz="1400" kern="0" dirty="0" smtClean="0"/>
+              <a:t> </a:t>
+            </a:r>
+          </a:p>
+          <a:p>
+            <a:pPr>
+              <a:lnSpc>
+                <a:spcPts val="800"/>
+              </a:lnSpc>
+            </a:pPr>
+            <a:r>
+              <a:rPr lang="de-DE" altLang="de-DE" sz="1400" kern="0" dirty="0" smtClean="0"/>
+              <a:t> </a:t>
+            </a:r>
+            <a:r>
+              <a:rPr lang="de-DE" altLang="de-DE" sz="1400" kern="0" dirty="0" smtClean="0"/>
+              <a:t>Click </a:t>
+            </a:r>
+            <a:r>
+              <a:rPr lang="de-DE" altLang="de-DE" sz="1400" kern="0" dirty="0" err="1" smtClean="0"/>
+              <a:t>button</a:t>
+            </a:r>
+            <a:r>
+              <a:rPr lang="de-DE" altLang="de-DE" sz="1400" kern="0" dirty="0" smtClean="0"/>
+              <a:t> “New Order“.</a:t>
+            </a:r>
+            <a:endParaRPr lang="de-DE" altLang="de-DE" sz="1400" kern="0" dirty="0"/>
+          </a:p>
+          <a:p>
+            <a:pPr>
+              <a:lnSpc>
+                <a:spcPts val="800"/>
+              </a:lnSpc>
+            </a:pPr>
+            <a:r>
+              <a:rPr lang="de-DE" altLang="de-DE" sz="1400" kern="0" dirty="0" smtClean="0"/>
+              <a:t> </a:t>
+            </a:r>
+          </a:p>
+          <a:p>
+            <a:pPr>
+              <a:lnSpc>
+                <a:spcPts val="800"/>
+              </a:lnSpc>
+            </a:pPr>
+            <a:r>
+              <a:rPr lang="de-DE" altLang="de-DE" sz="1400" kern="0" dirty="0"/>
+              <a:t> </a:t>
+            </a:r>
+            <a:r>
+              <a:rPr lang="de-DE" altLang="de-DE" sz="1400" kern="0" dirty="0" smtClean="0"/>
+              <a:t>Enter in </a:t>
+            </a:r>
+            <a:r>
+              <a:rPr lang="de-DE" altLang="de-DE" sz="1400" kern="0" dirty="0" err="1" smtClean="0"/>
+              <a:t>fields</a:t>
+            </a:r>
+            <a:r>
+              <a:rPr lang="de-DE" altLang="de-DE" sz="1400" kern="0" dirty="0" smtClean="0"/>
+              <a:t> “Order Type“ </a:t>
+            </a:r>
+            <a:r>
+              <a:rPr lang="de-DE" altLang="de-DE" sz="1400" kern="0" dirty="0" err="1" smtClean="0"/>
+              <a:t>value</a:t>
+            </a:r>
+            <a:r>
+              <a:rPr lang="de-DE" altLang="de-DE" sz="1400" kern="0" dirty="0" smtClean="0"/>
+              <a:t> “::type“.</a:t>
+            </a:r>
+            <a:endParaRPr lang="de-DE" altLang="de-DE" sz="1400" kern="0" dirty="0" smtClean="0"/>
+          </a:p>
+          <a:p>
+            <a:pPr>
+              <a:lnSpc>
+                <a:spcPts val="800"/>
+              </a:lnSpc>
+            </a:pPr>
+            <a:endParaRPr lang="de-DE" altLang="de-DE" sz="1400" kern="0" dirty="0" smtClean="0"/>
+          </a:p>
+          <a:p>
+            <a:pPr>
+              <a:lnSpc>
+                <a:spcPts val="800"/>
+              </a:lnSpc>
+            </a:pPr>
+            <a:r>
+              <a:rPr lang="de-DE" altLang="de-DE" sz="1400" kern="0" dirty="0"/>
+              <a:t> </a:t>
+            </a:r>
+            <a:r>
+              <a:rPr lang="de-DE" altLang="de-DE" sz="1400" kern="0" dirty="0" smtClean="0"/>
+              <a:t>Enter…</a:t>
+            </a:r>
+            <a:endParaRPr lang="de-DE" altLang="de-DE" sz="1400" kern="0" dirty="0"/>
+          </a:p>
+        </p:txBody>
+      </p:sp>
+      <p:cxnSp>
+        <p:nvCxnSpPr>
+          <p:cNvPr id="5" name="Gerade Verbindung mit Pfeil 4"/>
+          <p:cNvCxnSpPr/>
+          <p:nvPr/>
+        </p:nvCxnSpPr>
+        <p:spPr bwMode="auto">
+          <a:xfrm>
+            <a:off x="3337560" y="2981250"/>
+            <a:ext cx="2633120" cy="13349"/>
+          </a:xfrm>
+          <a:prstGeom prst="straightConnector1">
+            <a:avLst/>
+          </a:prstGeom>
+          <a:solidFill>
+            <a:schemeClr val="bg1"/>
+          </a:solidFill>
+          <a:ln w="38100" cap="flat" cmpd="sng" algn="ctr">
+            <a:solidFill>
+              <a:schemeClr val="accent2">
+                <a:lumMod val="75000"/>
+              </a:schemeClr>
+            </a:solidFill>
+            <a:prstDash val="solid"/>
+            <a:round/>
+            <a:headEnd type="none" w="med" len="med"/>
+            <a:tailEnd type="triangle" w="lg" len="lg"/>
+          </a:ln>
+          <a:effectLst/>
+          <a:extLst>
+            <a:ext uri="{AF507438-7753-43E0-B8FC-AC1667EBCBE1}">
+              <a14:hiddenEffects xmlns:a14="http://schemas.microsoft.com/office/drawing/2010/main">
+                <a:effectLst>
+                  <a:outerShdw dist="35921" dir="2700000" algn="ctr" rotWithShape="0">
+                    <a:schemeClr val="bg2"/>
+                  </a:outerShdw>
+                </a:effectLst>
+              </a14:hiddenEffects>
+            </a:ext>
+          </a:extLst>
+        </p:spPr>
+      </p:cxnSp>
+      <p:sp>
+        <p:nvSpPr>
+          <p:cNvPr id="6" name="Geschweifte Klammer links 5"/>
+          <p:cNvSpPr/>
+          <p:nvPr/>
+        </p:nvSpPr>
+        <p:spPr bwMode="auto">
+          <a:xfrm rot="16200000">
+            <a:off x="3378411" y="1649621"/>
+            <a:ext cx="258640" cy="4220486"/>
+          </a:xfrm>
+          <a:prstGeom prst="leftBrace">
+            <a:avLst/>
+          </a:prstGeom>
+          <a:noFill/>
+          <a:ln w="6350" cap="flat" cmpd="sng" algn="ctr">
+            <a:solidFill>
+              <a:schemeClr val="tx1"/>
+            </a:solidFill>
+            <a:prstDash val="solid"/>
+            <a:round/>
+            <a:headEnd type="none" w="med" len="med"/>
+            <a:tailEnd type="none" w="med" len="med"/>
+          </a:ln>
+          <a:effectLst/>
+          <a:extLst/>
+        </p:spPr>
+        <p:txBody>
+          <a:bodyPr vert="horz" wrap="none" lIns="0" tIns="0" rIns="0" bIns="0" numCol="1" rtlCol="0" anchor="ctr" anchorCtr="0" compatLnSpc="1">
+            <a:prstTxWarp prst="textNoShape">
+              <a:avLst/>
+            </a:prstTxWarp>
+          </a:bodyPr>
+          <a:lstStyle/>
+          <a:p>
+            <a:pPr marL="0" marR="0" indent="0" algn="l" defTabSz="914400" rtl="0" eaLnBrk="1" fontAlgn="base" latinLnBrk="0" hangingPunct="1">
+              <a:lnSpc>
+                <a:spcPct val="100000"/>
+              </a:lnSpc>
+              <a:spcBef>
+                <a:spcPct val="0"/>
+              </a:spcBef>
+              <a:spcAft>
+                <a:spcPct val="0"/>
+              </a:spcAft>
+              <a:buClrTx/>
+              <a:buSzTx/>
+              <a:buFontTx/>
+              <a:buNone/>
+              <a:tabLst/>
+            </a:pPr>
+            <a:endParaRPr kumimoji="0" lang="de-DE" sz="1400" b="0" i="0" u="none" strike="noStrike" cap="none" normalizeH="0" baseline="0" smtClean="0">
+              <a:ln>
+                <a:noFill/>
+              </a:ln>
+              <a:solidFill>
+                <a:schemeClr val="tx1"/>
+              </a:solidFill>
+              <a:effectLst/>
+              <a:latin typeface="Arial" charset="0"/>
+              <a:cs typeface="Arial" charset="0"/>
+            </a:endParaRPr>
+          </a:p>
+        </p:txBody>
+      </p:sp>
+      <p:sp>
+        <p:nvSpPr>
+          <p:cNvPr id="7" name="Textfeld 6"/>
+          <p:cNvSpPr txBox="1"/>
+          <p:nvPr/>
+        </p:nvSpPr>
+        <p:spPr>
+          <a:xfrm>
+            <a:off x="1657464" y="3889184"/>
+            <a:ext cx="3671393" cy="523220"/>
+          </a:xfrm>
+          <a:prstGeom prst="rect">
+            <a:avLst/>
+          </a:prstGeom>
+          <a:noFill/>
+        </p:spPr>
+        <p:txBody>
+          <a:bodyPr wrap="square" rtlCol="0">
+            <a:spAutoFit/>
+          </a:bodyPr>
+          <a:lstStyle/>
+          <a:p>
+            <a:pPr algn="ctr"/>
+            <a:r>
+              <a:rPr lang="de-DE" sz="1400" b="1" dirty="0" err="1" smtClean="0">
+                <a:solidFill>
+                  <a:schemeClr val="accent1">
+                    <a:lumMod val="75000"/>
+                  </a:schemeClr>
+                </a:solidFill>
+              </a:rPr>
+              <a:t>Descriptive</a:t>
+            </a:r>
+            <a:r>
+              <a:rPr lang="de-DE" sz="1400" b="1" dirty="0" smtClean="0">
+                <a:solidFill>
+                  <a:schemeClr val="accent1">
+                    <a:lumMod val="75000"/>
+                  </a:schemeClr>
+                </a:solidFill>
+              </a:rPr>
+              <a:t> High-Level-XX-</a:t>
+            </a:r>
+            <a:r>
+              <a:rPr lang="de-DE" sz="1400" b="1" dirty="0" err="1" smtClean="0">
+                <a:solidFill>
+                  <a:schemeClr val="accent1">
+                    <a:lumMod val="75000"/>
+                  </a:schemeClr>
+                </a:solidFill>
+              </a:rPr>
+              <a:t>Formulation</a:t>
+            </a:r>
+            <a:endParaRPr lang="de-DE" sz="1400" b="1" dirty="0" smtClean="0">
+              <a:solidFill>
+                <a:schemeClr val="accent1">
+                  <a:lumMod val="75000"/>
+                </a:schemeClr>
+              </a:solidFill>
+            </a:endParaRPr>
+          </a:p>
+          <a:p>
+            <a:pPr algn="ctr"/>
+            <a:r>
+              <a:rPr lang="de-DE" sz="1400" dirty="0" err="1" smtClean="0">
+                <a:solidFill>
+                  <a:schemeClr val="accent1">
+                    <a:lumMod val="75000"/>
+                  </a:schemeClr>
+                </a:solidFill>
+              </a:rPr>
+              <a:t>Contains</a:t>
+            </a:r>
+            <a:r>
+              <a:rPr lang="de-DE" sz="1400" dirty="0" smtClean="0">
+                <a:solidFill>
+                  <a:schemeClr val="accent1">
+                    <a:lumMod val="75000"/>
+                  </a:schemeClr>
+                </a:solidFill>
+              </a:rPr>
+              <a:t> </a:t>
+            </a:r>
+            <a:r>
+              <a:rPr lang="de-DE" sz="1400" dirty="0" err="1" smtClean="0">
+                <a:solidFill>
+                  <a:schemeClr val="accent1">
+                    <a:lumMod val="75000"/>
+                  </a:schemeClr>
+                </a:solidFill>
+              </a:rPr>
+              <a:t>the</a:t>
+            </a:r>
+            <a:r>
+              <a:rPr lang="de-DE" sz="1400" dirty="0" smtClean="0">
+                <a:solidFill>
+                  <a:schemeClr val="accent1">
+                    <a:lumMod val="75000"/>
+                  </a:schemeClr>
+                </a:solidFill>
+              </a:rPr>
+              <a:t> essential </a:t>
+            </a:r>
+            <a:r>
+              <a:rPr lang="de-DE" sz="1400" dirty="0" err="1" smtClean="0">
+                <a:solidFill>
+                  <a:schemeClr val="accent1">
+                    <a:lumMod val="75000"/>
+                  </a:schemeClr>
+                </a:solidFill>
+              </a:rPr>
+              <a:t>business</a:t>
+            </a:r>
+            <a:r>
+              <a:rPr lang="de-DE" sz="1400" dirty="0" smtClean="0">
+                <a:solidFill>
+                  <a:schemeClr val="accent1">
+                    <a:lumMod val="75000"/>
+                  </a:schemeClr>
+                </a:solidFill>
+              </a:rPr>
+              <a:t> </a:t>
+            </a:r>
+            <a:r>
+              <a:rPr lang="de-DE" sz="1400" dirty="0" err="1" smtClean="0">
+                <a:solidFill>
+                  <a:schemeClr val="accent1">
+                    <a:lumMod val="75000"/>
+                  </a:schemeClr>
+                </a:solidFill>
+              </a:rPr>
+              <a:t>aspect</a:t>
+            </a:r>
+            <a:endParaRPr lang="de-DE" sz="1400" dirty="0">
+              <a:solidFill>
+                <a:schemeClr val="accent1">
+                  <a:lumMod val="75000"/>
+                </a:schemeClr>
+              </a:solidFill>
+            </a:endParaRPr>
+          </a:p>
+        </p:txBody>
+      </p:sp>
+      <p:sp>
+        <p:nvSpPr>
+          <p:cNvPr id="8" name="Textfeld 7"/>
+          <p:cNvSpPr txBox="1"/>
+          <p:nvPr/>
+        </p:nvSpPr>
+        <p:spPr>
+          <a:xfrm>
+            <a:off x="6064400" y="3889184"/>
+            <a:ext cx="3546309" cy="523220"/>
+          </a:xfrm>
+          <a:prstGeom prst="rect">
+            <a:avLst/>
+          </a:prstGeom>
+          <a:noFill/>
+        </p:spPr>
+        <p:txBody>
+          <a:bodyPr wrap="square" rtlCol="0">
+            <a:spAutoFit/>
+          </a:bodyPr>
+          <a:lstStyle>
+            <a:defPPr>
+              <a:defRPr lang="de-DE"/>
+            </a:defPPr>
+            <a:lvl1pPr algn="ctr">
+              <a:defRPr sz="1400" b="1">
+                <a:solidFill>
+                  <a:schemeClr val="accent1">
+                    <a:lumMod val="75000"/>
+                  </a:schemeClr>
+                </a:solidFill>
+              </a:defRPr>
+            </a:lvl1pPr>
+          </a:lstStyle>
+          <a:p>
+            <a:r>
+              <a:rPr lang="de-DE" dirty="0" smtClean="0"/>
+              <a:t>Imperative </a:t>
+            </a:r>
+            <a:r>
+              <a:rPr lang="de-DE" dirty="0" smtClean="0"/>
+              <a:t>Low-Level-</a:t>
+            </a:r>
+            <a:r>
+              <a:rPr lang="de-DE" dirty="0" err="1" smtClean="0"/>
+              <a:t>Formulation</a:t>
+            </a:r>
+            <a:endParaRPr lang="de-DE" dirty="0"/>
+          </a:p>
+          <a:p>
+            <a:r>
+              <a:rPr lang="de-DE" b="0" dirty="0" err="1"/>
+              <a:t>c</a:t>
+            </a:r>
+            <a:r>
+              <a:rPr lang="de-DE" b="0" dirty="0" err="1" smtClean="0"/>
+              <a:t>ontains</a:t>
+            </a:r>
+            <a:r>
+              <a:rPr lang="de-DE" b="0" dirty="0" smtClean="0"/>
+              <a:t> all </a:t>
+            </a:r>
+            <a:r>
+              <a:rPr lang="de-DE" b="0" dirty="0" err="1" smtClean="0"/>
+              <a:t>necessary</a:t>
+            </a:r>
+            <a:r>
+              <a:rPr lang="de-DE" b="0" dirty="0" smtClean="0"/>
+              <a:t> </a:t>
+            </a:r>
+            <a:r>
+              <a:rPr lang="de-DE" b="0" dirty="0" err="1" smtClean="0"/>
+              <a:t>technical</a:t>
+            </a:r>
+            <a:r>
+              <a:rPr lang="de-DE" b="0" dirty="0" smtClean="0"/>
+              <a:t> </a:t>
+            </a:r>
+            <a:r>
+              <a:rPr lang="de-DE" b="0" dirty="0" err="1" smtClean="0"/>
+              <a:t>details</a:t>
+            </a:r>
+            <a:endParaRPr lang="de-DE" b="0" dirty="0"/>
+          </a:p>
+        </p:txBody>
+      </p:sp>
+      <p:sp>
+        <p:nvSpPr>
+          <p:cNvPr id="9" name="Geschweifte Klammer links 8"/>
+          <p:cNvSpPr/>
+          <p:nvPr/>
+        </p:nvSpPr>
+        <p:spPr bwMode="auto">
+          <a:xfrm rot="16200000">
+            <a:off x="7741343" y="1742000"/>
+            <a:ext cx="220764" cy="3957561"/>
+          </a:xfrm>
+          <a:prstGeom prst="leftBrace">
+            <a:avLst/>
+          </a:prstGeom>
+          <a:noFill/>
+          <a:ln w="6350" cap="flat" cmpd="sng" algn="ctr">
+            <a:solidFill>
+              <a:schemeClr val="tx1"/>
+            </a:solidFill>
+            <a:prstDash val="solid"/>
+            <a:round/>
+            <a:headEnd type="none" w="med" len="med"/>
+            <a:tailEnd type="none" w="med" len="med"/>
+          </a:ln>
+          <a:effectLst/>
+          <a:extLst/>
+        </p:spPr>
+        <p:txBody>
+          <a:bodyPr vert="horz" wrap="none" lIns="0" tIns="0" rIns="0" bIns="0" numCol="1" rtlCol="0" anchor="ctr" anchorCtr="0" compatLnSpc="1">
+            <a:prstTxWarp prst="textNoShape">
+              <a:avLst/>
+            </a:prstTxWarp>
+          </a:bodyPr>
+          <a:lstStyle/>
+          <a:p>
+            <a:pPr marL="0" marR="0" indent="0" algn="l" defTabSz="914400" rtl="0" eaLnBrk="1" fontAlgn="base" latinLnBrk="0" hangingPunct="1">
+              <a:lnSpc>
+                <a:spcPct val="100000"/>
+              </a:lnSpc>
+              <a:spcBef>
+                <a:spcPct val="0"/>
+              </a:spcBef>
+              <a:spcAft>
+                <a:spcPct val="0"/>
+              </a:spcAft>
+              <a:buClrTx/>
+              <a:buSzTx/>
+              <a:buFontTx/>
+              <a:buNone/>
+              <a:tabLst/>
+            </a:pPr>
+            <a:endParaRPr kumimoji="0" lang="de-DE" sz="1400" b="0" i="0" u="none" strike="noStrike" cap="none" normalizeH="0" baseline="0" smtClean="0">
+              <a:ln>
+                <a:noFill/>
+              </a:ln>
+              <a:solidFill>
+                <a:schemeClr val="tx1"/>
+              </a:solidFill>
+              <a:effectLst/>
+              <a:latin typeface="Arial" charset="0"/>
+              <a:cs typeface="Arial" charset="0"/>
+            </a:endParaRPr>
+          </a:p>
+        </p:txBody>
+      </p:sp>
+      <p:sp>
+        <p:nvSpPr>
+          <p:cNvPr id="10" name="Bogen 9"/>
+          <p:cNvSpPr/>
+          <p:nvPr/>
+        </p:nvSpPr>
+        <p:spPr>
+          <a:xfrm>
+            <a:off x="5724812" y="2073316"/>
+            <a:ext cx="3107266" cy="1815868"/>
+          </a:xfrm>
+          <a:prstGeom prst="arc">
+            <a:avLst>
+              <a:gd name="adj1" fmla="val 16384572"/>
+              <a:gd name="adj2" fmla="val 8984"/>
+            </a:avLst>
+          </a:prstGeom>
+          <a:noFill/>
+          <a:ln w="38100" cap="flat" cmpd="sng" algn="ctr">
+            <a:solidFill>
+              <a:schemeClr val="accent2">
+                <a:lumMod val="75000"/>
+              </a:schemeClr>
+            </a:solidFill>
+            <a:prstDash val="solid"/>
+            <a:round/>
+            <a:headEnd type="none" w="med" len="med"/>
+            <a:tailEnd type="none" w="med" len="med"/>
+          </a:ln>
+          <a:effectLst/>
+        </p:spPr>
+        <p:txBody>
+          <a:bodyPr rtlCol="0" anchor="ctr"/>
+          <a:lstStyle/>
+          <a:p>
+            <a:pPr algn="ctr"/>
+            <a:endParaRPr lang="de-DE"/>
+          </a:p>
+        </p:txBody>
+      </p:sp>
+      <p:cxnSp>
+        <p:nvCxnSpPr>
+          <p:cNvPr id="11" name="Gerade Verbindung mit Pfeil 10"/>
+          <p:cNvCxnSpPr>
+            <a:stCxn id="10" idx="0"/>
+          </p:cNvCxnSpPr>
+          <p:nvPr/>
+        </p:nvCxnSpPr>
+        <p:spPr bwMode="auto">
+          <a:xfrm flipH="1" flipV="1">
+            <a:off x="3692823" y="2073317"/>
+            <a:ext cx="3634392" cy="446"/>
+          </a:xfrm>
+          <a:prstGeom prst="straightConnector1">
+            <a:avLst/>
+          </a:prstGeom>
+          <a:solidFill>
+            <a:schemeClr val="bg1"/>
+          </a:solidFill>
+          <a:ln w="38100" cap="flat" cmpd="sng" algn="ctr">
+            <a:solidFill>
+              <a:schemeClr val="accent2">
+                <a:lumMod val="75000"/>
+              </a:schemeClr>
+            </a:solidFill>
+            <a:prstDash val="solid"/>
+            <a:round/>
+            <a:headEnd type="none" w="med" len="med"/>
+            <a:tailEnd type="triangle" w="lg" len="lg"/>
+          </a:ln>
+          <a:effectLst/>
+          <a:extLst>
+            <a:ext uri="{AF507438-7753-43E0-B8FC-AC1667EBCBE1}">
+              <a14:hiddenEffects xmlns:a14="http://schemas.microsoft.com/office/drawing/2010/main">
+                <a:effectLst>
+                  <a:outerShdw dist="35921" dir="2700000" algn="ctr" rotWithShape="0">
+                    <a:schemeClr val="bg2"/>
+                  </a:outerShdw>
+                </a:effectLst>
+              </a14:hiddenEffects>
+            </a:ext>
+          </a:extLst>
+        </p:spPr>
+      </p:cxnSp>
+      <p:sp>
+        <p:nvSpPr>
+          <p:cNvPr id="12" name="Textfeld 11"/>
+          <p:cNvSpPr txBox="1"/>
+          <p:nvPr/>
+        </p:nvSpPr>
+        <p:spPr>
+          <a:xfrm>
+            <a:off x="4219109" y="2754599"/>
+            <a:ext cx="461088" cy="276999"/>
+          </a:xfrm>
+          <a:prstGeom prst="rect">
+            <a:avLst/>
+          </a:prstGeom>
+          <a:noFill/>
+        </p:spPr>
+        <p:txBody>
+          <a:bodyPr wrap="none" rtlCol="0">
+            <a:spAutoFit/>
+          </a:bodyPr>
+          <a:lstStyle/>
+          <a:p>
+            <a:r>
+              <a:rPr lang="de-DE" sz="1200" b="1" dirty="0" err="1" smtClean="0">
+                <a:solidFill>
+                  <a:schemeClr val="accent2">
+                    <a:lumMod val="75000"/>
+                  </a:schemeClr>
+                </a:solidFill>
+              </a:rPr>
+              <a:t>calls</a:t>
+            </a:r>
+            <a:endParaRPr lang="de-DE" sz="1200" b="1" dirty="0">
+              <a:solidFill>
+                <a:schemeClr val="accent2">
+                  <a:lumMod val="75000"/>
+                </a:schemeClr>
+              </a:solidFill>
+            </a:endParaRPr>
+          </a:p>
+        </p:txBody>
+      </p:sp>
+      <p:sp>
+        <p:nvSpPr>
+          <p:cNvPr id="13" name="Textfeld 12"/>
+          <p:cNvSpPr txBox="1"/>
+          <p:nvPr/>
+        </p:nvSpPr>
+        <p:spPr>
+          <a:xfrm>
+            <a:off x="4248054" y="1848665"/>
+            <a:ext cx="1684885" cy="276999"/>
+          </a:xfrm>
+          <a:prstGeom prst="rect">
+            <a:avLst/>
+          </a:prstGeom>
+          <a:noFill/>
+        </p:spPr>
+        <p:txBody>
+          <a:bodyPr wrap="none" rtlCol="0">
+            <a:spAutoFit/>
+          </a:bodyPr>
+          <a:lstStyle/>
+          <a:p>
+            <a:r>
+              <a:rPr lang="de-DE" sz="1200" b="1" dirty="0" err="1" smtClean="0">
+                <a:solidFill>
+                  <a:schemeClr val="accent2">
+                    <a:lumMod val="75000"/>
+                  </a:schemeClr>
+                </a:solidFill>
+              </a:rPr>
+              <a:t>r</a:t>
+            </a:r>
+            <a:r>
+              <a:rPr lang="de-DE" sz="1200" b="1" dirty="0" err="1" smtClean="0">
+                <a:solidFill>
+                  <a:schemeClr val="accent2">
+                    <a:lumMod val="75000"/>
+                  </a:schemeClr>
+                </a:solidFill>
+              </a:rPr>
+              <a:t>eferences</a:t>
+            </a:r>
+            <a:r>
+              <a:rPr lang="de-DE" sz="1200" b="1" dirty="0" smtClean="0">
+                <a:solidFill>
+                  <a:schemeClr val="accent2">
+                    <a:lumMod val="75000"/>
+                  </a:schemeClr>
+                </a:solidFill>
+              </a:rPr>
+              <a:t> a </a:t>
+            </a:r>
+            <a:r>
+              <a:rPr lang="de-DE" sz="1200" b="1" dirty="0" err="1" smtClean="0">
+                <a:solidFill>
+                  <a:schemeClr val="accent2">
+                    <a:lumMod val="75000"/>
+                  </a:schemeClr>
+                </a:solidFill>
+              </a:rPr>
+              <a:t>value</a:t>
+            </a:r>
+            <a:r>
+              <a:rPr lang="de-DE" sz="1200" b="1" dirty="0" smtClean="0">
+                <a:solidFill>
+                  <a:schemeClr val="accent2">
+                    <a:lumMod val="75000"/>
+                  </a:schemeClr>
+                </a:solidFill>
+              </a:rPr>
+              <a:t> </a:t>
+            </a:r>
+            <a:r>
+              <a:rPr lang="de-DE" sz="1200" b="1" dirty="0" err="1" smtClean="0">
+                <a:solidFill>
+                  <a:schemeClr val="accent2">
+                    <a:lumMod val="75000"/>
+                  </a:schemeClr>
+                </a:solidFill>
+              </a:rPr>
+              <a:t>from</a:t>
+            </a:r>
+            <a:endParaRPr lang="de-DE" sz="1200" b="1" dirty="0">
+              <a:solidFill>
+                <a:schemeClr val="accent2">
+                  <a:lumMod val="75000"/>
+                </a:schemeClr>
+              </a:solidFill>
+            </a:endParaRPr>
+          </a:p>
+        </p:txBody>
+      </p:sp>
+    </p:spTree>
+    <p:extLst>
+      <p:ext uri="{BB962C8B-B14F-4D97-AF65-F5344CB8AC3E}">
+        <p14:creationId xmlns:p14="http://schemas.microsoft.com/office/powerpoint/2010/main" val="3794197331"/>
+      </p:ext>
+    </p:extLst>
+  </p:cSld>
+  <p:clrMapOvr>
+    <a:masterClrMapping/>
+  </p:clrMapOvr>
+</p:sld>
+</file>
+
+<file path=ppt/slides/slide28.xml><?xml version="1.0" encoding="utf-8"?>
+<p:sld xmlns:a="http://schemas.openxmlformats.org/drawingml/2006/main" xmlns:r="http://schemas.openxmlformats.org/officeDocument/2006/relationships" xmlns:p="http://schemas.openxmlformats.org/presentationml/2006/main">
+  <p:cSld>
+    <p:spTree>
+      <p:nvGrpSpPr>
+        <p:cNvPr id="1" name=""/>
+        <p:cNvGrpSpPr/>
+        <p:nvPr/>
+      </p:nvGrpSpPr>
+      <p:grpSpPr>
+        <a:xfrm>
+          <a:off x="0" y="0"/>
+          <a:ext cx="0" cy="0"/>
+          <a:chOff x="0" y="0"/>
+          <a:chExt cx="0" cy="0"/>
+        </a:xfrm>
+      </p:grpSpPr>
+      <p:sp>
+        <p:nvSpPr>
+          <p:cNvPr id="2" name="Textfeld 1"/>
+          <p:cNvSpPr txBox="1"/>
+          <p:nvPr/>
+        </p:nvSpPr>
+        <p:spPr>
+          <a:xfrm>
+            <a:off x="2410723" y="1181102"/>
+            <a:ext cx="1150315" cy="461665"/>
+          </a:xfrm>
+          <a:prstGeom prst="rect">
+            <a:avLst/>
+          </a:prstGeom>
+          <a:noFill/>
+        </p:spPr>
+        <p:txBody>
+          <a:bodyPr wrap="none" rtlCol="0">
+            <a:spAutoFit/>
+          </a:bodyPr>
+          <a:lstStyle/>
+          <a:p>
+            <a:r>
+              <a:rPr lang="de-DE" sz="2400" b="1" smtClean="0"/>
+              <a:t>XX-Tool</a:t>
+            </a:r>
+            <a:endParaRPr lang="de-DE" sz="2400" b="1" dirty="0"/>
+          </a:p>
+        </p:txBody>
+      </p:sp>
+      <p:sp>
+        <p:nvSpPr>
+          <p:cNvPr id="3" name="Textfeld 2"/>
+          <p:cNvSpPr txBox="1"/>
+          <p:nvPr/>
+        </p:nvSpPr>
+        <p:spPr>
+          <a:xfrm>
+            <a:off x="7600183" y="1166336"/>
+            <a:ext cx="2634430" cy="461665"/>
+          </a:xfrm>
+          <a:prstGeom prst="rect">
+            <a:avLst/>
+          </a:prstGeom>
+          <a:noFill/>
+        </p:spPr>
+        <p:txBody>
+          <a:bodyPr wrap="square" rtlCol="0">
+            <a:spAutoFit/>
+          </a:bodyPr>
+          <a:lstStyle/>
+          <a:p>
+            <a:r>
+              <a:rPr lang="de-DE" sz="2400" b="1" dirty="0" smtClean="0"/>
+              <a:t>Test-</a:t>
+            </a:r>
+            <a:r>
+              <a:rPr lang="de-DE" sz="2400" b="1" dirty="0" err="1" smtClean="0"/>
+              <a:t>Application</a:t>
+            </a:r>
+            <a:endParaRPr lang="de-DE" sz="2400" b="1" dirty="0"/>
+          </a:p>
+        </p:txBody>
+      </p:sp>
+      <p:sp>
+        <p:nvSpPr>
+          <p:cNvPr id="5" name="Textplatzhalter 3"/>
+          <p:cNvSpPr txBox="1">
+            <a:spLocks/>
+          </p:cNvSpPr>
+          <p:nvPr/>
+        </p:nvSpPr>
+        <p:spPr>
+          <a:xfrm>
+            <a:off x="1584071" y="1335165"/>
+            <a:ext cx="8110800" cy="757130"/>
+          </a:xfrm>
+          <a:prstGeom prst="rect">
+            <a:avLst/>
+          </a:prstGeom>
+        </p:spPr>
+        <p:txBody>
+          <a:bodyPr vert="horz" lIns="91440" tIns="45720" rIns="91440" bIns="45720" rtlCol="0" anchor="ctr"/>
+          <a:lstStyle>
+            <a:defPPr>
+              <a:defRPr lang="de-DE"/>
+            </a:defPPr>
+            <a:lvl1pPr marL="0" algn="l" defTabSz="914400" rtl="0" eaLnBrk="1" latinLnBrk="0" hangingPunct="1">
+              <a:defRPr sz="1200" kern="1200">
+                <a:solidFill>
+                  <a:schemeClr val="tx1">
+                    <a:tint val="75000"/>
+                  </a:schemeClr>
+                </a:solidFill>
+                <a:latin typeface="+mn-lt"/>
+                <a:ea typeface="+mn-ea"/>
+                <a:cs typeface="+mn-cs"/>
+              </a:defRPr>
+            </a:lvl1pPr>
+            <a:lvl2pPr marL="457200" algn="l" defTabSz="914400" rtl="0" eaLnBrk="1" latinLnBrk="0" hangingPunct="1">
+              <a:defRPr sz="1800" kern="1200">
+                <a:solidFill>
+                  <a:schemeClr val="tx1"/>
+                </a:solidFill>
+                <a:latin typeface="+mn-lt"/>
+                <a:ea typeface="+mn-ea"/>
+                <a:cs typeface="+mn-cs"/>
+              </a:defRPr>
+            </a:lvl2pPr>
+            <a:lvl3pPr marL="914400" algn="l" defTabSz="914400" rtl="0" eaLnBrk="1" latinLnBrk="0" hangingPunct="1">
+              <a:defRPr sz="1800" kern="1200">
+                <a:solidFill>
+                  <a:schemeClr val="tx1"/>
+                </a:solidFill>
+                <a:latin typeface="+mn-lt"/>
+                <a:ea typeface="+mn-ea"/>
+                <a:cs typeface="+mn-cs"/>
+              </a:defRPr>
+            </a:lvl3pPr>
+            <a:lvl4pPr marL="1371600" algn="l" defTabSz="914400" rtl="0" eaLnBrk="1" latinLnBrk="0" hangingPunct="1">
+              <a:defRPr sz="1800" kern="1200">
+                <a:solidFill>
+                  <a:schemeClr val="tx1"/>
+                </a:solidFill>
+                <a:latin typeface="+mn-lt"/>
+                <a:ea typeface="+mn-ea"/>
+                <a:cs typeface="+mn-cs"/>
+              </a:defRPr>
+            </a:lvl4pPr>
+            <a:lvl5pPr marL="1828800" algn="l" defTabSz="914400" rtl="0" eaLnBrk="1" latinLnBrk="0" hangingPunct="1">
+              <a:defRPr sz="1800" kern="1200">
+                <a:solidFill>
+                  <a:schemeClr val="tx1"/>
+                </a:solidFill>
+                <a:latin typeface="+mn-lt"/>
+                <a:ea typeface="+mn-ea"/>
+                <a:cs typeface="+mn-cs"/>
+              </a:defRPr>
+            </a:lvl5pPr>
+            <a:lvl6pPr marL="2286000" algn="l" defTabSz="914400" rtl="0" eaLnBrk="1" latinLnBrk="0" hangingPunct="1">
+              <a:defRPr sz="1800" kern="1200">
+                <a:solidFill>
+                  <a:schemeClr val="tx1"/>
+                </a:solidFill>
+                <a:latin typeface="+mn-lt"/>
+                <a:ea typeface="+mn-ea"/>
+                <a:cs typeface="+mn-cs"/>
+              </a:defRPr>
+            </a:lvl6pPr>
+            <a:lvl7pPr marL="2743200" algn="l" defTabSz="914400" rtl="0" eaLnBrk="1" latinLnBrk="0" hangingPunct="1">
+              <a:defRPr sz="1800" kern="1200">
+                <a:solidFill>
+                  <a:schemeClr val="tx1"/>
+                </a:solidFill>
+                <a:latin typeface="+mn-lt"/>
+                <a:ea typeface="+mn-ea"/>
+                <a:cs typeface="+mn-cs"/>
+              </a:defRPr>
+            </a:lvl7pPr>
+            <a:lvl8pPr marL="3200400" algn="l" defTabSz="914400" rtl="0" eaLnBrk="1" latinLnBrk="0" hangingPunct="1">
+              <a:defRPr sz="1800" kern="1200">
+                <a:solidFill>
+                  <a:schemeClr val="tx1"/>
+                </a:solidFill>
+                <a:latin typeface="+mn-lt"/>
+                <a:ea typeface="+mn-ea"/>
+                <a:cs typeface="+mn-cs"/>
+              </a:defRPr>
+            </a:lvl8pPr>
+            <a:lvl9pPr marL="3657600" algn="l" defTabSz="914400" rtl="0" eaLnBrk="1" latinLnBrk="0" hangingPunct="1">
+              <a:defRPr sz="1800" kern="1200">
+                <a:solidFill>
+                  <a:schemeClr val="tx1"/>
+                </a:solidFill>
+                <a:latin typeface="+mn-lt"/>
+                <a:ea typeface="+mn-ea"/>
+                <a:cs typeface="+mn-cs"/>
+              </a:defRPr>
+            </a:lvl9pPr>
+          </a:lstStyle>
+          <a:p>
+            <a:endParaRPr lang="de-DE" smtClean="0"/>
+          </a:p>
+          <a:p>
+            <a:endParaRPr lang="de-DE"/>
+          </a:p>
+        </p:txBody>
+      </p:sp>
+      <p:sp>
+        <p:nvSpPr>
+          <p:cNvPr id="6" name="Rechteck 5"/>
+          <p:cNvSpPr/>
+          <p:nvPr/>
+        </p:nvSpPr>
+        <p:spPr>
+          <a:xfrm>
+            <a:off x="1662108" y="1604700"/>
+            <a:ext cx="2929400" cy="491705"/>
+          </a:xfrm>
+          <a:prstGeom prst="rect">
+            <a:avLst/>
+          </a:prstGeom>
+        </p:spPr>
+        <p:style>
+          <a:lnRef idx="2">
+            <a:schemeClr val="accent1">
+              <a:shade val="50000"/>
+            </a:schemeClr>
+          </a:lnRef>
+          <a:fillRef idx="1">
+            <a:schemeClr val="accent1"/>
+          </a:fillRef>
+          <a:effectRef idx="0">
+            <a:schemeClr val="accent1"/>
+          </a:effectRef>
+          <a:fontRef idx="minor">
+            <a:schemeClr val="lt1"/>
+          </a:fontRef>
+        </p:style>
+        <p:txBody>
+          <a:bodyPr rtlCol="0" anchor="ctr"/>
+          <a:lstStyle/>
+          <a:p>
+            <a:pPr algn="ctr"/>
+            <a:r>
+              <a:rPr lang="de-DE" dirty="0" smtClean="0"/>
+              <a:t>Test </a:t>
+            </a:r>
+            <a:r>
+              <a:rPr lang="de-DE" dirty="0"/>
+              <a:t>D</a:t>
+            </a:r>
+            <a:r>
+              <a:rPr lang="de-DE" dirty="0" smtClean="0"/>
+              <a:t>ata Import</a:t>
+            </a:r>
+            <a:endParaRPr lang="de-DE" dirty="0"/>
+          </a:p>
+        </p:txBody>
+      </p:sp>
+      <p:sp>
+        <p:nvSpPr>
+          <p:cNvPr id="7" name="Rechteck 6"/>
+          <p:cNvSpPr/>
+          <p:nvPr/>
+        </p:nvSpPr>
+        <p:spPr>
+          <a:xfrm>
+            <a:off x="1662108" y="2098838"/>
+            <a:ext cx="2929410" cy="491705"/>
+          </a:xfrm>
+          <a:prstGeom prst="rect">
+            <a:avLst/>
+          </a:prstGeom>
+          <a:solidFill>
+            <a:schemeClr val="accent1">
+              <a:lumMod val="40000"/>
+              <a:lumOff val="60000"/>
+            </a:schemeClr>
+          </a:solidFill>
+        </p:spPr>
+        <p:style>
+          <a:lnRef idx="2">
+            <a:schemeClr val="accent1">
+              <a:shade val="50000"/>
+            </a:schemeClr>
+          </a:lnRef>
+          <a:fillRef idx="1">
+            <a:schemeClr val="accent1"/>
+          </a:fillRef>
+          <a:effectRef idx="0">
+            <a:schemeClr val="accent1"/>
+          </a:effectRef>
+          <a:fontRef idx="minor">
+            <a:schemeClr val="lt1"/>
+          </a:fontRef>
+        </p:style>
+        <p:txBody>
+          <a:bodyPr rtlCol="0" anchor="ctr"/>
+          <a:lstStyle/>
+          <a:p>
+            <a:pPr algn="ctr"/>
+            <a:r>
+              <a:rPr lang="de-DE" dirty="0" smtClean="0">
+                <a:solidFill>
+                  <a:schemeClr val="tx1"/>
+                </a:solidFill>
+              </a:rPr>
+              <a:t>Natural Language</a:t>
+            </a:r>
+            <a:endParaRPr lang="de-DE" b="1" dirty="0">
+              <a:solidFill>
+                <a:schemeClr val="tx1"/>
+              </a:solidFill>
+            </a:endParaRPr>
+          </a:p>
+        </p:txBody>
+      </p:sp>
+      <p:sp>
+        <p:nvSpPr>
+          <p:cNvPr id="8" name="Rechteck 7"/>
+          <p:cNvSpPr/>
+          <p:nvPr/>
+        </p:nvSpPr>
+        <p:spPr>
+          <a:xfrm>
+            <a:off x="1662108" y="2594318"/>
+            <a:ext cx="2929400" cy="491705"/>
+          </a:xfrm>
+          <a:prstGeom prst="rect">
+            <a:avLst/>
+          </a:prstGeom>
+        </p:spPr>
+        <p:style>
+          <a:lnRef idx="2">
+            <a:schemeClr val="accent1">
+              <a:shade val="50000"/>
+            </a:schemeClr>
+          </a:lnRef>
+          <a:fillRef idx="1">
+            <a:schemeClr val="accent1"/>
+          </a:fillRef>
+          <a:effectRef idx="0">
+            <a:schemeClr val="accent1"/>
+          </a:effectRef>
+          <a:fontRef idx="minor">
+            <a:schemeClr val="lt1"/>
+          </a:fontRef>
+        </p:style>
+        <p:txBody>
+          <a:bodyPr rtlCol="0" anchor="ctr"/>
+          <a:lstStyle/>
+          <a:p>
+            <a:pPr algn="ctr"/>
+            <a:r>
+              <a:rPr lang="de-DE" dirty="0" smtClean="0"/>
+              <a:t>Test </a:t>
+            </a:r>
+            <a:r>
+              <a:rPr lang="de-DE" dirty="0" err="1" smtClean="0"/>
+              <a:t>Execution</a:t>
+            </a:r>
+            <a:endParaRPr lang="de-DE" b="1" dirty="0"/>
+          </a:p>
+        </p:txBody>
+      </p:sp>
+      <p:sp>
+        <p:nvSpPr>
+          <p:cNvPr id="9" name="Rechteck 8"/>
+          <p:cNvSpPr/>
+          <p:nvPr/>
+        </p:nvSpPr>
+        <p:spPr>
+          <a:xfrm>
+            <a:off x="1662108" y="3091776"/>
+            <a:ext cx="2929410" cy="491705"/>
+          </a:xfrm>
+          <a:prstGeom prst="rect">
+            <a:avLst/>
+          </a:prstGeom>
+          <a:solidFill>
+            <a:schemeClr val="accent1">
+              <a:lumMod val="40000"/>
+              <a:lumOff val="60000"/>
+            </a:schemeClr>
+          </a:solidFill>
+        </p:spPr>
+        <p:style>
+          <a:lnRef idx="2">
+            <a:schemeClr val="accent1">
+              <a:shade val="50000"/>
+            </a:schemeClr>
+          </a:lnRef>
+          <a:fillRef idx="1">
+            <a:schemeClr val="accent1"/>
+          </a:fillRef>
+          <a:effectRef idx="0">
+            <a:schemeClr val="accent1"/>
+          </a:effectRef>
+          <a:fontRef idx="minor">
+            <a:schemeClr val="lt1"/>
+          </a:fontRef>
+        </p:style>
+        <p:txBody>
+          <a:bodyPr rtlCol="0" anchor="ctr"/>
+          <a:lstStyle/>
+          <a:p>
+            <a:pPr algn="ctr"/>
+            <a:r>
+              <a:rPr lang="de-DE" dirty="0" smtClean="0">
+                <a:solidFill>
+                  <a:schemeClr val="tx1"/>
+                </a:solidFill>
+              </a:rPr>
+              <a:t>Communication</a:t>
+            </a:r>
+            <a:endParaRPr lang="de-DE" dirty="0">
+              <a:solidFill>
+                <a:schemeClr val="tx1"/>
+              </a:solidFill>
+            </a:endParaRPr>
+          </a:p>
+        </p:txBody>
+      </p:sp>
+      <p:sp>
+        <p:nvSpPr>
+          <p:cNvPr id="10" name="Rechteck 9"/>
+          <p:cNvSpPr/>
+          <p:nvPr/>
+        </p:nvSpPr>
+        <p:spPr>
+          <a:xfrm>
+            <a:off x="1662108" y="3589236"/>
+            <a:ext cx="2929400" cy="491705"/>
+          </a:xfrm>
+          <a:prstGeom prst="rect">
+            <a:avLst/>
+          </a:prstGeom>
+        </p:spPr>
+        <p:style>
+          <a:lnRef idx="2">
+            <a:schemeClr val="accent1">
+              <a:shade val="50000"/>
+            </a:schemeClr>
+          </a:lnRef>
+          <a:fillRef idx="1">
+            <a:schemeClr val="accent1"/>
+          </a:fillRef>
+          <a:effectRef idx="0">
+            <a:schemeClr val="accent1"/>
+          </a:effectRef>
+          <a:fontRef idx="minor">
+            <a:schemeClr val="lt1"/>
+          </a:fontRef>
+        </p:style>
+        <p:txBody>
+          <a:bodyPr rtlCol="0" anchor="ctr"/>
+          <a:lstStyle/>
+          <a:p>
+            <a:pPr algn="ctr">
+              <a:lnSpc>
+                <a:spcPts val="1800"/>
+              </a:lnSpc>
+            </a:pPr>
+            <a:r>
+              <a:rPr lang="de-DE" dirty="0" err="1" smtClean="0"/>
+              <a:t>Document</a:t>
+            </a:r>
+            <a:r>
+              <a:rPr lang="de-DE" dirty="0" smtClean="0"/>
+              <a:t> Validation</a:t>
+            </a:r>
+            <a:endParaRPr lang="de-DE" dirty="0"/>
+          </a:p>
+        </p:txBody>
+      </p:sp>
+      <p:sp>
+        <p:nvSpPr>
+          <p:cNvPr id="11" name="Rechteck 10"/>
+          <p:cNvSpPr/>
+          <p:nvPr/>
+        </p:nvSpPr>
+        <p:spPr>
+          <a:xfrm>
+            <a:off x="1662108" y="4081392"/>
+            <a:ext cx="2929410" cy="491705"/>
+          </a:xfrm>
+          <a:prstGeom prst="rect">
+            <a:avLst/>
+          </a:prstGeom>
+          <a:solidFill>
+            <a:schemeClr val="accent1">
+              <a:lumMod val="40000"/>
+              <a:lumOff val="60000"/>
+            </a:schemeClr>
+          </a:solidFill>
+        </p:spPr>
+        <p:style>
+          <a:lnRef idx="2">
+            <a:schemeClr val="accent1">
+              <a:shade val="50000"/>
+            </a:schemeClr>
+          </a:lnRef>
+          <a:fillRef idx="1">
+            <a:schemeClr val="accent1"/>
+          </a:fillRef>
+          <a:effectRef idx="0">
+            <a:schemeClr val="accent1"/>
+          </a:effectRef>
+          <a:fontRef idx="minor">
+            <a:schemeClr val="lt1"/>
+          </a:fontRef>
+        </p:style>
+        <p:txBody>
+          <a:bodyPr rtlCol="0" anchor="ctr"/>
+          <a:lstStyle/>
+          <a:p>
+            <a:pPr algn="ctr"/>
+            <a:r>
+              <a:rPr lang="de-DE" dirty="0" err="1" smtClean="0">
+                <a:solidFill>
+                  <a:schemeClr val="tx1"/>
+                </a:solidFill>
+              </a:rPr>
+              <a:t>Detailed</a:t>
+            </a:r>
+            <a:r>
+              <a:rPr lang="de-DE" dirty="0" smtClean="0">
+                <a:solidFill>
+                  <a:schemeClr val="tx1"/>
+                </a:solidFill>
+              </a:rPr>
+              <a:t> Test Report</a:t>
+            </a:r>
+            <a:endParaRPr lang="de-DE" dirty="0">
+              <a:solidFill>
+                <a:schemeClr val="tx1"/>
+              </a:solidFill>
+            </a:endParaRPr>
+          </a:p>
+        </p:txBody>
+      </p:sp>
+      <p:sp>
+        <p:nvSpPr>
+          <p:cNvPr id="12" name="Rechteck 11"/>
+          <p:cNvSpPr/>
+          <p:nvPr/>
+        </p:nvSpPr>
+        <p:spPr>
+          <a:xfrm>
+            <a:off x="7476380" y="3557507"/>
+            <a:ext cx="2488137" cy="1515462"/>
+          </a:xfrm>
+          <a:prstGeom prst="rect">
+            <a:avLst/>
+          </a:prstGeom>
+        </p:spPr>
+        <p:style>
+          <a:lnRef idx="2">
+            <a:schemeClr val="accent1">
+              <a:shade val="50000"/>
+            </a:schemeClr>
+          </a:lnRef>
+          <a:fillRef idx="1">
+            <a:schemeClr val="accent1"/>
+          </a:fillRef>
+          <a:effectRef idx="0">
+            <a:schemeClr val="accent1"/>
+          </a:effectRef>
+          <a:fontRef idx="minor">
+            <a:schemeClr val="lt1"/>
+          </a:fontRef>
+        </p:style>
+        <p:txBody>
+          <a:bodyPr rtlCol="0" anchor="ctr"/>
+          <a:lstStyle/>
+          <a:p>
+            <a:pPr algn="ctr"/>
+            <a:endParaRPr lang="de-DE" dirty="0" smtClean="0"/>
+          </a:p>
+          <a:p>
+            <a:pPr algn="ctr"/>
+            <a:endParaRPr lang="de-DE" dirty="0"/>
+          </a:p>
+          <a:p>
+            <a:pPr algn="ctr"/>
+            <a:r>
+              <a:rPr lang="de-DE" dirty="0" smtClean="0"/>
+              <a:t>Database</a:t>
+            </a:r>
+            <a:endParaRPr lang="de-DE" dirty="0"/>
+          </a:p>
+        </p:txBody>
+      </p:sp>
+      <p:sp>
+        <p:nvSpPr>
+          <p:cNvPr id="13" name="Rechteck 12"/>
+          <p:cNvSpPr/>
+          <p:nvPr/>
+        </p:nvSpPr>
+        <p:spPr>
+          <a:xfrm>
+            <a:off x="7473500" y="1596523"/>
+            <a:ext cx="2488137" cy="1290391"/>
+          </a:xfrm>
+          <a:prstGeom prst="rect">
+            <a:avLst/>
+          </a:prstGeom>
+        </p:spPr>
+        <p:style>
+          <a:lnRef idx="2">
+            <a:schemeClr val="accent1">
+              <a:shade val="50000"/>
+            </a:schemeClr>
+          </a:lnRef>
+          <a:fillRef idx="1">
+            <a:schemeClr val="accent1"/>
+          </a:fillRef>
+          <a:effectRef idx="0">
+            <a:schemeClr val="accent1"/>
+          </a:effectRef>
+          <a:fontRef idx="minor">
+            <a:schemeClr val="lt1"/>
+          </a:fontRef>
+        </p:style>
+        <p:txBody>
+          <a:bodyPr rtlCol="0" anchor="ctr"/>
+          <a:lstStyle/>
+          <a:p>
+            <a:pPr algn="ctr"/>
+            <a:r>
+              <a:rPr lang="de-DE" dirty="0" err="1" smtClean="0"/>
+              <a:t>Graphical</a:t>
+            </a:r>
+            <a:r>
+              <a:rPr lang="de-DE" dirty="0" smtClean="0"/>
+              <a:t> </a:t>
+            </a:r>
+          </a:p>
+          <a:p>
+            <a:pPr algn="ctr"/>
+            <a:r>
+              <a:rPr lang="de-DE" dirty="0" smtClean="0"/>
+              <a:t>User </a:t>
+            </a:r>
+          </a:p>
+          <a:p>
+            <a:pPr algn="ctr"/>
+            <a:r>
+              <a:rPr lang="de-DE" dirty="0" smtClean="0"/>
+              <a:t>Interface</a:t>
+            </a:r>
+            <a:endParaRPr lang="de-DE" dirty="0"/>
+          </a:p>
+        </p:txBody>
+      </p:sp>
+      <p:sp>
+        <p:nvSpPr>
+          <p:cNvPr id="14" name="Rechteck 13"/>
+          <p:cNvSpPr/>
+          <p:nvPr/>
+        </p:nvSpPr>
+        <p:spPr>
+          <a:xfrm>
+            <a:off x="7476379" y="2840238"/>
+            <a:ext cx="2488137" cy="1177145"/>
+          </a:xfrm>
+          <a:prstGeom prst="rect">
+            <a:avLst/>
+          </a:prstGeom>
+          <a:solidFill>
+            <a:schemeClr val="accent1">
+              <a:lumMod val="40000"/>
+              <a:lumOff val="60000"/>
+            </a:schemeClr>
+          </a:solidFill>
+        </p:spPr>
+        <p:style>
+          <a:lnRef idx="2">
+            <a:schemeClr val="accent1">
+              <a:shade val="50000"/>
+            </a:schemeClr>
+          </a:lnRef>
+          <a:fillRef idx="1">
+            <a:schemeClr val="accent1"/>
+          </a:fillRef>
+          <a:effectRef idx="0">
+            <a:schemeClr val="accent1"/>
+          </a:effectRef>
+          <a:fontRef idx="minor">
+            <a:schemeClr val="lt1"/>
+          </a:fontRef>
+        </p:style>
+        <p:txBody>
+          <a:bodyPr rtlCol="0" anchor="ctr"/>
+          <a:lstStyle/>
+          <a:p>
+            <a:pPr algn="ctr"/>
+            <a:r>
+              <a:rPr lang="de-DE" dirty="0" smtClean="0">
+                <a:solidFill>
+                  <a:schemeClr val="tx1"/>
+                </a:solidFill>
+              </a:rPr>
+              <a:t>Services</a:t>
+            </a:r>
+            <a:endParaRPr lang="de-DE" dirty="0">
+              <a:solidFill>
+                <a:schemeClr val="tx1"/>
+              </a:solidFill>
+            </a:endParaRPr>
+          </a:p>
+        </p:txBody>
+      </p:sp>
+      <p:cxnSp>
+        <p:nvCxnSpPr>
+          <p:cNvPr id="15" name="Gerader Verbinder 35"/>
+          <p:cNvCxnSpPr/>
+          <p:nvPr/>
+        </p:nvCxnSpPr>
+        <p:spPr>
+          <a:xfrm>
+            <a:off x="7306253" y="2216931"/>
+            <a:ext cx="158780" cy="44"/>
+          </a:xfrm>
+          <a:prstGeom prst="line">
+            <a:avLst/>
+          </a:prstGeom>
+          <a:ln w="19050">
+            <a:solidFill>
+              <a:schemeClr val="tx1"/>
+            </a:solidFill>
+          </a:ln>
+        </p:spPr>
+        <p:style>
+          <a:lnRef idx="1">
+            <a:schemeClr val="accent1"/>
+          </a:lnRef>
+          <a:fillRef idx="0">
+            <a:schemeClr val="accent1"/>
+          </a:fillRef>
+          <a:effectRef idx="0">
+            <a:schemeClr val="accent1"/>
+          </a:effectRef>
+          <a:fontRef idx="minor">
+            <a:schemeClr val="tx1"/>
+          </a:fontRef>
+        </p:style>
+      </p:cxnSp>
+      <p:cxnSp>
+        <p:nvCxnSpPr>
+          <p:cNvPr id="16" name="Gerader Verbinder 18"/>
+          <p:cNvCxnSpPr>
+            <a:stCxn id="9" idx="3"/>
+          </p:cNvCxnSpPr>
+          <p:nvPr/>
+        </p:nvCxnSpPr>
+        <p:spPr>
+          <a:xfrm flipV="1">
+            <a:off x="4591518" y="2182906"/>
+            <a:ext cx="336705" cy="1154723"/>
+          </a:xfrm>
+          <a:prstGeom prst="line">
+            <a:avLst/>
+          </a:prstGeom>
+          <a:ln w="19050">
+            <a:solidFill>
+              <a:schemeClr val="tx1"/>
+            </a:solidFill>
+          </a:ln>
+        </p:spPr>
+        <p:style>
+          <a:lnRef idx="1">
+            <a:schemeClr val="accent1"/>
+          </a:lnRef>
+          <a:fillRef idx="0">
+            <a:schemeClr val="accent1"/>
+          </a:fillRef>
+          <a:effectRef idx="0">
+            <a:schemeClr val="accent1"/>
+          </a:effectRef>
+          <a:fontRef idx="minor">
+            <a:schemeClr val="tx1"/>
+          </a:fontRef>
+        </p:style>
+      </p:cxnSp>
+      <p:sp>
+        <p:nvSpPr>
+          <p:cNvPr id="17" name="Halbbogen 16"/>
+          <p:cNvSpPr/>
+          <p:nvPr/>
+        </p:nvSpPr>
+        <p:spPr>
+          <a:xfrm rot="16200000">
+            <a:off x="4903932" y="2025827"/>
+            <a:ext cx="392530" cy="341320"/>
+          </a:xfrm>
+          <a:prstGeom prst="blockArc">
+            <a:avLst/>
+          </a:prstGeom>
+          <a:solidFill>
+            <a:schemeClr val="bg1">
+              <a:lumMod val="75000"/>
+            </a:schemeClr>
+          </a:solidFill>
+          <a:ln>
+            <a:solidFill>
+              <a:schemeClr val="tx1"/>
+            </a:solidFill>
+          </a:ln>
+        </p:spPr>
+        <p:style>
+          <a:lnRef idx="2">
+            <a:schemeClr val="accent1">
+              <a:shade val="50000"/>
+            </a:schemeClr>
+          </a:lnRef>
+          <a:fillRef idx="1">
+            <a:schemeClr val="accent1"/>
+          </a:fillRef>
+          <a:effectRef idx="0">
+            <a:schemeClr val="accent1"/>
+          </a:effectRef>
+          <a:fontRef idx="minor">
+            <a:schemeClr val="lt1"/>
+          </a:fontRef>
+        </p:style>
+        <p:txBody>
+          <a:bodyPr rtlCol="0" anchor="ctr"/>
+          <a:lstStyle/>
+          <a:p>
+            <a:pPr algn="ctr"/>
+            <a:endParaRPr lang="de-DE">
+              <a:solidFill>
+                <a:schemeClr val="tx1"/>
+              </a:solidFill>
+            </a:endParaRPr>
+          </a:p>
+        </p:txBody>
+      </p:sp>
+      <p:sp>
+        <p:nvSpPr>
+          <p:cNvPr id="18" name="Halbbogen 17"/>
+          <p:cNvSpPr/>
+          <p:nvPr/>
+        </p:nvSpPr>
+        <p:spPr>
+          <a:xfrm rot="5400000">
+            <a:off x="6940175" y="2037551"/>
+            <a:ext cx="392530" cy="341320"/>
+          </a:xfrm>
+          <a:prstGeom prst="blockArc">
+            <a:avLst/>
+          </a:prstGeom>
+          <a:solidFill>
+            <a:schemeClr val="bg1">
+              <a:lumMod val="75000"/>
+            </a:schemeClr>
+          </a:solidFill>
+          <a:ln>
+            <a:solidFill>
+              <a:schemeClr val="tx1"/>
+            </a:solidFill>
+          </a:ln>
+        </p:spPr>
+        <p:style>
+          <a:lnRef idx="2">
+            <a:schemeClr val="accent1">
+              <a:shade val="50000"/>
+            </a:schemeClr>
+          </a:lnRef>
+          <a:fillRef idx="1">
+            <a:schemeClr val="accent1"/>
+          </a:fillRef>
+          <a:effectRef idx="0">
+            <a:schemeClr val="accent1"/>
+          </a:effectRef>
+          <a:fontRef idx="minor">
+            <a:schemeClr val="lt1"/>
+          </a:fontRef>
+        </p:style>
+        <p:txBody>
+          <a:bodyPr rtlCol="0" anchor="ctr"/>
+          <a:lstStyle/>
+          <a:p>
+            <a:pPr algn="ctr"/>
+            <a:endParaRPr lang="de-DE">
+              <a:solidFill>
+                <a:schemeClr val="tx1"/>
+              </a:solidFill>
+            </a:endParaRPr>
+          </a:p>
+        </p:txBody>
+      </p:sp>
+      <p:sp>
+        <p:nvSpPr>
+          <p:cNvPr id="19" name="Pfeil nach links und rechts 18"/>
+          <p:cNvSpPr/>
+          <p:nvPr/>
+        </p:nvSpPr>
+        <p:spPr>
+          <a:xfrm>
+            <a:off x="5089922" y="2121409"/>
+            <a:ext cx="2084282" cy="174561"/>
+          </a:xfrm>
+          <a:prstGeom prst="leftRightArrow">
+            <a:avLst/>
+          </a:prstGeom>
+          <a:solidFill>
+            <a:schemeClr val="bg1">
+              <a:lumMod val="75000"/>
+            </a:schemeClr>
+          </a:solidFill>
+          <a:ln>
+            <a:solidFill>
+              <a:schemeClr val="tx1"/>
+            </a:solidFill>
+          </a:ln>
+        </p:spPr>
+        <p:style>
+          <a:lnRef idx="2">
+            <a:schemeClr val="accent1">
+              <a:shade val="50000"/>
+            </a:schemeClr>
+          </a:lnRef>
+          <a:fillRef idx="1">
+            <a:schemeClr val="accent1"/>
+          </a:fillRef>
+          <a:effectRef idx="0">
+            <a:schemeClr val="accent1"/>
+          </a:effectRef>
+          <a:fontRef idx="minor">
+            <a:schemeClr val="lt1"/>
+          </a:fontRef>
+        </p:style>
+        <p:txBody>
+          <a:bodyPr rtlCol="0" anchor="ctr"/>
+          <a:lstStyle/>
+          <a:p>
+            <a:pPr algn="ctr"/>
+            <a:endParaRPr lang="de-DE"/>
+          </a:p>
+        </p:txBody>
+      </p:sp>
+      <p:sp>
+        <p:nvSpPr>
+          <p:cNvPr id="20" name="Textfeld 19"/>
+          <p:cNvSpPr txBox="1"/>
+          <p:nvPr/>
+        </p:nvSpPr>
+        <p:spPr>
+          <a:xfrm>
+            <a:off x="5261432" y="1848940"/>
+            <a:ext cx="1680717" cy="369332"/>
+          </a:xfrm>
+          <a:prstGeom prst="rect">
+            <a:avLst/>
+          </a:prstGeom>
+          <a:noFill/>
+        </p:spPr>
+        <p:txBody>
+          <a:bodyPr wrap="none" rtlCol="0">
+            <a:spAutoFit/>
+          </a:bodyPr>
+          <a:lstStyle/>
+          <a:p>
+            <a:r>
+              <a:rPr lang="de-DE" dirty="0" smtClean="0">
+                <a:solidFill>
+                  <a:schemeClr val="tx2"/>
+                </a:solidFill>
+              </a:rPr>
+              <a:t>Remote-Control</a:t>
+            </a:r>
+            <a:endParaRPr lang="de-DE" dirty="0">
+              <a:solidFill>
+                <a:schemeClr val="tx2"/>
+              </a:solidFill>
+            </a:endParaRPr>
+          </a:p>
+        </p:txBody>
+      </p:sp>
+      <p:cxnSp>
+        <p:nvCxnSpPr>
+          <p:cNvPr id="21" name="Gerader Verbinder 41"/>
+          <p:cNvCxnSpPr/>
+          <p:nvPr/>
+        </p:nvCxnSpPr>
+        <p:spPr>
+          <a:xfrm>
+            <a:off x="7309133" y="3434630"/>
+            <a:ext cx="161659" cy="0"/>
+          </a:xfrm>
+          <a:prstGeom prst="line">
+            <a:avLst/>
+          </a:prstGeom>
+          <a:ln w="19050">
+            <a:solidFill>
+              <a:schemeClr val="tx1"/>
+            </a:solidFill>
+          </a:ln>
+        </p:spPr>
+        <p:style>
+          <a:lnRef idx="1">
+            <a:schemeClr val="accent1"/>
+          </a:lnRef>
+          <a:fillRef idx="0">
+            <a:schemeClr val="accent1"/>
+          </a:fillRef>
+          <a:effectRef idx="0">
+            <a:schemeClr val="accent1"/>
+          </a:effectRef>
+          <a:fontRef idx="minor">
+            <a:schemeClr val="tx1"/>
+          </a:fontRef>
+        </p:style>
+      </p:cxnSp>
+      <p:cxnSp>
+        <p:nvCxnSpPr>
+          <p:cNvPr id="22" name="Gerader Verbinder 43"/>
+          <p:cNvCxnSpPr/>
+          <p:nvPr/>
+        </p:nvCxnSpPr>
+        <p:spPr>
+          <a:xfrm>
+            <a:off x="7324963" y="4607859"/>
+            <a:ext cx="145830" cy="0"/>
+          </a:xfrm>
+          <a:prstGeom prst="line">
+            <a:avLst/>
+          </a:prstGeom>
+          <a:ln w="19050">
+            <a:solidFill>
+              <a:schemeClr val="tx1"/>
+            </a:solidFill>
+          </a:ln>
+        </p:spPr>
+        <p:style>
+          <a:lnRef idx="1">
+            <a:schemeClr val="accent1"/>
+          </a:lnRef>
+          <a:fillRef idx="0">
+            <a:schemeClr val="accent1"/>
+          </a:fillRef>
+          <a:effectRef idx="0">
+            <a:schemeClr val="accent1"/>
+          </a:effectRef>
+          <a:fontRef idx="minor">
+            <a:schemeClr val="tx1"/>
+          </a:fontRef>
+        </p:style>
+      </p:cxnSp>
+      <p:cxnSp>
+        <p:nvCxnSpPr>
+          <p:cNvPr id="23" name="Gerader Verbinder 19"/>
+          <p:cNvCxnSpPr>
+            <a:stCxn id="9" idx="3"/>
+          </p:cNvCxnSpPr>
+          <p:nvPr/>
+        </p:nvCxnSpPr>
+        <p:spPr>
+          <a:xfrm>
+            <a:off x="4591518" y="3337629"/>
+            <a:ext cx="343937" cy="1278254"/>
+          </a:xfrm>
+          <a:prstGeom prst="line">
+            <a:avLst/>
+          </a:prstGeom>
+          <a:ln w="19050">
+            <a:solidFill>
+              <a:schemeClr val="tx1"/>
+            </a:solidFill>
+          </a:ln>
+        </p:spPr>
+        <p:style>
+          <a:lnRef idx="1">
+            <a:schemeClr val="accent1"/>
+          </a:lnRef>
+          <a:fillRef idx="0">
+            <a:schemeClr val="accent1"/>
+          </a:fillRef>
+          <a:effectRef idx="0">
+            <a:schemeClr val="accent1"/>
+          </a:effectRef>
+          <a:fontRef idx="minor">
+            <a:schemeClr val="tx1"/>
+          </a:fontRef>
+        </p:style>
+      </p:cxnSp>
+      <p:cxnSp>
+        <p:nvCxnSpPr>
+          <p:cNvPr id="24" name="Gerader Verbinder 22"/>
+          <p:cNvCxnSpPr>
+            <a:stCxn id="9" idx="3"/>
+          </p:cNvCxnSpPr>
+          <p:nvPr/>
+        </p:nvCxnSpPr>
+        <p:spPr>
+          <a:xfrm>
+            <a:off x="4591518" y="3337629"/>
+            <a:ext cx="339585" cy="80887"/>
+          </a:xfrm>
+          <a:prstGeom prst="line">
+            <a:avLst/>
+          </a:prstGeom>
+          <a:ln w="19050">
+            <a:solidFill>
+              <a:schemeClr val="tx1"/>
+            </a:solidFill>
+          </a:ln>
+        </p:spPr>
+        <p:style>
+          <a:lnRef idx="1">
+            <a:schemeClr val="accent1"/>
+          </a:lnRef>
+          <a:fillRef idx="0">
+            <a:schemeClr val="accent1"/>
+          </a:fillRef>
+          <a:effectRef idx="0">
+            <a:schemeClr val="accent1"/>
+          </a:effectRef>
+          <a:fontRef idx="minor">
+            <a:schemeClr val="tx1"/>
+          </a:fontRef>
+        </p:style>
+      </p:cxnSp>
+      <p:sp>
+        <p:nvSpPr>
+          <p:cNvPr id="25" name="Halbbogen 24"/>
+          <p:cNvSpPr/>
+          <p:nvPr/>
+        </p:nvSpPr>
+        <p:spPr>
+          <a:xfrm rot="16200000">
+            <a:off x="4906812" y="4427388"/>
+            <a:ext cx="392530" cy="341320"/>
+          </a:xfrm>
+          <a:prstGeom prst="blockArc">
+            <a:avLst/>
+          </a:prstGeom>
+          <a:solidFill>
+            <a:schemeClr val="bg1">
+              <a:lumMod val="75000"/>
+            </a:schemeClr>
+          </a:solidFill>
+          <a:ln>
+            <a:solidFill>
+              <a:schemeClr val="tx1"/>
+            </a:solidFill>
+          </a:ln>
+        </p:spPr>
+        <p:style>
+          <a:lnRef idx="2">
+            <a:schemeClr val="accent1">
+              <a:shade val="50000"/>
+            </a:schemeClr>
+          </a:lnRef>
+          <a:fillRef idx="1">
+            <a:schemeClr val="accent1"/>
+          </a:fillRef>
+          <a:effectRef idx="0">
+            <a:schemeClr val="accent1"/>
+          </a:effectRef>
+          <a:fontRef idx="minor">
+            <a:schemeClr val="lt1"/>
+          </a:fontRef>
+        </p:style>
+        <p:txBody>
+          <a:bodyPr rtlCol="0" anchor="ctr"/>
+          <a:lstStyle/>
+          <a:p>
+            <a:pPr algn="ctr"/>
+            <a:endParaRPr lang="de-DE">
+              <a:solidFill>
+                <a:schemeClr val="tx1"/>
+              </a:solidFill>
+            </a:endParaRPr>
+          </a:p>
+        </p:txBody>
+      </p:sp>
+      <p:sp>
+        <p:nvSpPr>
+          <p:cNvPr id="26" name="Halbbogen 25"/>
+          <p:cNvSpPr/>
+          <p:nvPr/>
+        </p:nvSpPr>
+        <p:spPr>
+          <a:xfrm rot="16200000">
+            <a:off x="4906812" y="3251174"/>
+            <a:ext cx="392530" cy="341320"/>
+          </a:xfrm>
+          <a:prstGeom prst="blockArc">
+            <a:avLst/>
+          </a:prstGeom>
+          <a:solidFill>
+            <a:schemeClr val="bg1">
+              <a:lumMod val="75000"/>
+            </a:schemeClr>
+          </a:solidFill>
+          <a:ln>
+            <a:solidFill>
+              <a:schemeClr val="tx1"/>
+            </a:solidFill>
+          </a:ln>
+        </p:spPr>
+        <p:style>
+          <a:lnRef idx="2">
+            <a:schemeClr val="accent1">
+              <a:shade val="50000"/>
+            </a:schemeClr>
+          </a:lnRef>
+          <a:fillRef idx="1">
+            <a:schemeClr val="accent1"/>
+          </a:fillRef>
+          <a:effectRef idx="0">
+            <a:schemeClr val="accent1"/>
+          </a:effectRef>
+          <a:fontRef idx="minor">
+            <a:schemeClr val="lt1"/>
+          </a:fontRef>
+        </p:style>
+        <p:txBody>
+          <a:bodyPr rtlCol="0" anchor="ctr"/>
+          <a:lstStyle/>
+          <a:p>
+            <a:pPr algn="ctr"/>
+            <a:endParaRPr lang="de-DE">
+              <a:solidFill>
+                <a:schemeClr val="tx1"/>
+              </a:solidFill>
+            </a:endParaRPr>
+          </a:p>
+        </p:txBody>
+      </p:sp>
+      <p:sp>
+        <p:nvSpPr>
+          <p:cNvPr id="27" name="Halbbogen 26"/>
+          <p:cNvSpPr/>
+          <p:nvPr/>
+        </p:nvSpPr>
+        <p:spPr>
+          <a:xfrm rot="5400000">
+            <a:off x="6944731" y="3271889"/>
+            <a:ext cx="392530" cy="341320"/>
+          </a:xfrm>
+          <a:prstGeom prst="blockArc">
+            <a:avLst/>
+          </a:prstGeom>
+          <a:solidFill>
+            <a:schemeClr val="bg1">
+              <a:lumMod val="75000"/>
+            </a:schemeClr>
+          </a:solidFill>
+          <a:ln>
+            <a:solidFill>
+              <a:schemeClr val="tx1"/>
+            </a:solidFill>
+          </a:ln>
+        </p:spPr>
+        <p:style>
+          <a:lnRef idx="2">
+            <a:schemeClr val="accent1">
+              <a:shade val="50000"/>
+            </a:schemeClr>
+          </a:lnRef>
+          <a:fillRef idx="1">
+            <a:schemeClr val="accent1"/>
+          </a:fillRef>
+          <a:effectRef idx="0">
+            <a:schemeClr val="accent1"/>
+          </a:effectRef>
+          <a:fontRef idx="minor">
+            <a:schemeClr val="lt1"/>
+          </a:fontRef>
+        </p:style>
+        <p:txBody>
+          <a:bodyPr rtlCol="0" anchor="ctr"/>
+          <a:lstStyle/>
+          <a:p>
+            <a:pPr algn="ctr"/>
+            <a:endParaRPr lang="de-DE">
+              <a:solidFill>
+                <a:schemeClr val="tx1"/>
+              </a:solidFill>
+            </a:endParaRPr>
+          </a:p>
+        </p:txBody>
+      </p:sp>
+      <p:sp>
+        <p:nvSpPr>
+          <p:cNvPr id="28" name="Halbbogen 27"/>
+          <p:cNvSpPr/>
+          <p:nvPr/>
+        </p:nvSpPr>
+        <p:spPr>
+          <a:xfrm rot="5400000">
+            <a:off x="6966505" y="4450323"/>
+            <a:ext cx="392530" cy="341320"/>
+          </a:xfrm>
+          <a:prstGeom prst="blockArc">
+            <a:avLst/>
+          </a:prstGeom>
+          <a:solidFill>
+            <a:schemeClr val="bg1">
+              <a:lumMod val="75000"/>
+            </a:schemeClr>
+          </a:solidFill>
+          <a:ln>
+            <a:solidFill>
+              <a:schemeClr val="tx1"/>
+            </a:solidFill>
+          </a:ln>
+        </p:spPr>
+        <p:style>
+          <a:lnRef idx="2">
+            <a:schemeClr val="accent1">
+              <a:shade val="50000"/>
+            </a:schemeClr>
+          </a:lnRef>
+          <a:fillRef idx="1">
+            <a:schemeClr val="accent1"/>
+          </a:fillRef>
+          <a:effectRef idx="0">
+            <a:schemeClr val="accent1"/>
+          </a:effectRef>
+          <a:fontRef idx="minor">
+            <a:schemeClr val="lt1"/>
+          </a:fontRef>
+        </p:style>
+        <p:txBody>
+          <a:bodyPr rtlCol="0" anchor="ctr"/>
+          <a:lstStyle/>
+          <a:p>
+            <a:pPr algn="ctr"/>
+            <a:endParaRPr lang="de-DE">
+              <a:solidFill>
+                <a:schemeClr val="tx1"/>
+              </a:solidFill>
+            </a:endParaRPr>
+          </a:p>
+        </p:txBody>
+      </p:sp>
+      <p:sp>
+        <p:nvSpPr>
+          <p:cNvPr id="29" name="Pfeil nach links und rechts 28"/>
+          <p:cNvSpPr/>
+          <p:nvPr/>
+        </p:nvSpPr>
+        <p:spPr>
+          <a:xfrm>
+            <a:off x="5079401" y="4517423"/>
+            <a:ext cx="2084282" cy="174561"/>
+          </a:xfrm>
+          <a:prstGeom prst="leftRightArrow">
+            <a:avLst/>
+          </a:prstGeom>
+          <a:solidFill>
+            <a:schemeClr val="bg1">
+              <a:lumMod val="75000"/>
+            </a:schemeClr>
+          </a:solidFill>
+          <a:ln>
+            <a:solidFill>
+              <a:schemeClr val="tx1"/>
+            </a:solidFill>
+          </a:ln>
+        </p:spPr>
+        <p:style>
+          <a:lnRef idx="2">
+            <a:schemeClr val="accent1">
+              <a:shade val="50000"/>
+            </a:schemeClr>
+          </a:lnRef>
+          <a:fillRef idx="1">
+            <a:schemeClr val="accent1"/>
+          </a:fillRef>
+          <a:effectRef idx="0">
+            <a:schemeClr val="accent1"/>
+          </a:effectRef>
+          <a:fontRef idx="minor">
+            <a:schemeClr val="lt1"/>
+          </a:fontRef>
+        </p:style>
+        <p:txBody>
+          <a:bodyPr rtlCol="0" anchor="ctr"/>
+          <a:lstStyle/>
+          <a:p>
+            <a:pPr algn="ctr"/>
+            <a:endParaRPr lang="de-DE"/>
+          </a:p>
+        </p:txBody>
+      </p:sp>
+      <p:sp>
+        <p:nvSpPr>
+          <p:cNvPr id="30" name="Pfeil nach links und rechts 29"/>
+          <p:cNvSpPr/>
+          <p:nvPr/>
+        </p:nvSpPr>
+        <p:spPr>
+          <a:xfrm>
+            <a:off x="5091126" y="3352391"/>
+            <a:ext cx="2072558" cy="145099"/>
+          </a:xfrm>
+          <a:prstGeom prst="leftRightArrow">
+            <a:avLst/>
+          </a:prstGeom>
+          <a:solidFill>
+            <a:schemeClr val="bg1">
+              <a:lumMod val="75000"/>
+            </a:schemeClr>
+          </a:solidFill>
+          <a:ln>
+            <a:solidFill>
+              <a:schemeClr val="tx1"/>
+            </a:solidFill>
+          </a:ln>
+        </p:spPr>
+        <p:style>
+          <a:lnRef idx="2">
+            <a:schemeClr val="accent1">
+              <a:shade val="50000"/>
+            </a:schemeClr>
+          </a:lnRef>
+          <a:fillRef idx="1">
+            <a:schemeClr val="accent1"/>
+          </a:fillRef>
+          <a:effectRef idx="0">
+            <a:schemeClr val="accent1"/>
+          </a:effectRef>
+          <a:fontRef idx="minor">
+            <a:schemeClr val="lt1"/>
+          </a:fontRef>
+        </p:style>
+        <p:txBody>
+          <a:bodyPr rtlCol="0" anchor="ctr"/>
+          <a:lstStyle/>
+          <a:p>
+            <a:pPr algn="ctr"/>
+            <a:endParaRPr lang="de-DE"/>
+          </a:p>
+        </p:txBody>
+      </p:sp>
+      <p:sp>
+        <p:nvSpPr>
+          <p:cNvPr id="31" name="Textfeld 30"/>
+          <p:cNvSpPr txBox="1"/>
+          <p:nvPr/>
+        </p:nvSpPr>
+        <p:spPr>
+          <a:xfrm>
+            <a:off x="5091120" y="2904247"/>
+            <a:ext cx="2080676" cy="512320"/>
+          </a:xfrm>
+          <a:prstGeom prst="rect">
+            <a:avLst/>
+          </a:prstGeom>
+          <a:noFill/>
+        </p:spPr>
+        <p:txBody>
+          <a:bodyPr wrap="square" rtlCol="0">
+            <a:spAutoFit/>
+          </a:bodyPr>
+          <a:lstStyle/>
+          <a:p>
+            <a:pPr algn="ctr">
+              <a:lnSpc>
+                <a:spcPts val="1600"/>
+              </a:lnSpc>
+            </a:pPr>
+            <a:r>
+              <a:rPr lang="de-DE" dirty="0" smtClean="0">
+                <a:solidFill>
+                  <a:schemeClr val="tx2"/>
+                </a:solidFill>
+              </a:rPr>
+              <a:t>Webservices</a:t>
+            </a:r>
+            <a:r>
+              <a:rPr lang="de-DE" smtClean="0">
+                <a:solidFill>
+                  <a:schemeClr val="tx2"/>
+                </a:solidFill>
+              </a:rPr>
+              <a:t>, </a:t>
+            </a:r>
+          </a:p>
+          <a:p>
+            <a:pPr algn="ctr">
+              <a:lnSpc>
+                <a:spcPts val="1600"/>
+              </a:lnSpc>
+            </a:pPr>
+            <a:r>
+              <a:rPr lang="de-DE" smtClean="0">
+                <a:solidFill>
+                  <a:schemeClr val="tx2"/>
+                </a:solidFill>
+              </a:rPr>
+              <a:t>Rest</a:t>
+            </a:r>
+            <a:r>
+              <a:rPr lang="de-DE" dirty="0" smtClean="0">
+                <a:solidFill>
+                  <a:schemeClr val="tx2"/>
+                </a:solidFill>
+              </a:rPr>
+              <a:t>, Soap….</a:t>
+            </a:r>
+            <a:endParaRPr lang="de-DE" dirty="0">
+              <a:solidFill>
+                <a:schemeClr val="tx2"/>
+              </a:solidFill>
+            </a:endParaRPr>
+          </a:p>
+        </p:txBody>
+      </p:sp>
+      <p:sp>
+        <p:nvSpPr>
+          <p:cNvPr id="32" name="Textfeld 31"/>
+          <p:cNvSpPr txBox="1"/>
+          <p:nvPr/>
+        </p:nvSpPr>
+        <p:spPr>
+          <a:xfrm>
+            <a:off x="5337560" y="4247892"/>
+            <a:ext cx="1598515" cy="369332"/>
+          </a:xfrm>
+          <a:prstGeom prst="rect">
+            <a:avLst/>
+          </a:prstGeom>
+          <a:noFill/>
+        </p:spPr>
+        <p:txBody>
+          <a:bodyPr wrap="none" rtlCol="0">
+            <a:spAutoFit/>
+          </a:bodyPr>
+          <a:lstStyle/>
+          <a:p>
+            <a:r>
+              <a:rPr lang="de-DE" dirty="0" smtClean="0">
+                <a:solidFill>
+                  <a:schemeClr val="tx2"/>
+                </a:solidFill>
+              </a:rPr>
+              <a:t>DB-Connection</a:t>
+            </a:r>
+            <a:endParaRPr lang="de-DE" dirty="0">
+              <a:solidFill>
+                <a:schemeClr val="tx2"/>
+              </a:solidFill>
+            </a:endParaRPr>
+          </a:p>
+        </p:txBody>
+      </p:sp>
+      <p:sp>
+        <p:nvSpPr>
+          <p:cNvPr id="33" name="Rechteck 32"/>
+          <p:cNvSpPr/>
+          <p:nvPr/>
+        </p:nvSpPr>
+        <p:spPr>
+          <a:xfrm>
+            <a:off x="1659060" y="4581264"/>
+            <a:ext cx="2929410" cy="491705"/>
+          </a:xfrm>
+          <a:prstGeom prst="rect">
+            <a:avLst/>
+          </a:prstGeom>
+        </p:spPr>
+        <p:style>
+          <a:lnRef idx="2">
+            <a:schemeClr val="accent1">
+              <a:shade val="50000"/>
+            </a:schemeClr>
+          </a:lnRef>
+          <a:fillRef idx="1">
+            <a:schemeClr val="accent1"/>
+          </a:fillRef>
+          <a:effectRef idx="0">
+            <a:schemeClr val="accent1"/>
+          </a:effectRef>
+          <a:fontRef idx="minor">
+            <a:schemeClr val="lt1"/>
+          </a:fontRef>
+        </p:style>
+        <p:txBody>
+          <a:bodyPr rtlCol="0" anchor="ctr"/>
+          <a:lstStyle/>
+          <a:p>
+            <a:pPr algn="ctr"/>
+            <a:r>
+              <a:rPr lang="de-DE" dirty="0" err="1" smtClean="0"/>
+              <a:t>Archiving</a:t>
+            </a:r>
+            <a:endParaRPr lang="de-DE" dirty="0"/>
+          </a:p>
+        </p:txBody>
+      </p:sp>
+    </p:spTree>
+    <p:extLst>
+      <p:ext uri="{BB962C8B-B14F-4D97-AF65-F5344CB8AC3E}">
+        <p14:creationId xmlns:p14="http://schemas.microsoft.com/office/powerpoint/2010/main" val="1029555154"/>
+      </p:ext>
+    </p:extLst>
+  </p:cSld>
+  <p:clrMapOvr>
+    <a:masterClrMapping/>
+  </p:clrMapOvr>
 </p:sld>
 </file>
 

--- a/documentation/Figures.pptx
+++ b/documentation/Figures.pptx
@@ -14355,7 +14355,7 @@
         </p:nvSpPr>
         <p:spPr bwMode="auto">
           <a:xfrm>
-            <a:off x="1418887" y="1804625"/>
+            <a:off x="2936791" y="1704041"/>
             <a:ext cx="4002339" cy="3612407"/>
           </a:xfrm>
           <a:prstGeom prst="ellipse">
@@ -14422,7 +14422,7 @@
         </p:nvSpPr>
         <p:spPr bwMode="auto">
           <a:xfrm>
-            <a:off x="2674883" y="1231811"/>
+            <a:off x="4192787" y="1131227"/>
             <a:ext cx="4002339" cy="3612407"/>
           </a:xfrm>
           <a:prstGeom prst="ellipse">
@@ -14489,7 +14489,7 @@
         </p:nvSpPr>
         <p:spPr bwMode="auto">
           <a:xfrm>
-            <a:off x="2611821" y="2335397"/>
+            <a:off x="4129725" y="2234813"/>
             <a:ext cx="4002339" cy="3612407"/>
           </a:xfrm>
           <a:prstGeom prst="ellipse">
@@ -14556,7 +14556,7 @@
         </p:nvSpPr>
         <p:spPr>
           <a:xfrm>
-            <a:off x="5221968" y="1450682"/>
+            <a:off x="6739872" y="1350098"/>
             <a:ext cx="1667444" cy="1015663"/>
           </a:xfrm>
           <a:prstGeom prst="rect">
@@ -14603,7 +14603,7 @@
         </p:nvSpPr>
         <p:spPr>
           <a:xfrm>
-            <a:off x="2868195" y="4642134"/>
+            <a:off x="4386099" y="4541550"/>
             <a:ext cx="1677061" cy="584775"/>
           </a:xfrm>
           <a:prstGeom prst="rect">
@@ -14641,7 +14641,7 @@
         </p:nvSpPr>
         <p:spPr>
           <a:xfrm>
-            <a:off x="4484931" y="5239918"/>
+            <a:off x="6002835" y="5139334"/>
             <a:ext cx="3304110" cy="707886"/>
           </a:xfrm>
           <a:prstGeom prst="rect">
@@ -14688,7 +14688,7 @@
         </p:nvSpPr>
         <p:spPr>
           <a:xfrm>
-            <a:off x="3195573" y="3118671"/>
+            <a:off x="4713477" y="3018087"/>
             <a:ext cx="2183610" cy="954107"/>
           </a:xfrm>
           <a:prstGeom prst="rect">
@@ -14735,7 +14735,7 @@
         </p:nvSpPr>
         <p:spPr>
           <a:xfrm>
-            <a:off x="5398329" y="3267293"/>
+            <a:off x="6916233" y="3166709"/>
             <a:ext cx="1092736" cy="584775"/>
           </a:xfrm>
           <a:prstGeom prst="rect">
@@ -14773,7 +14773,7 @@
         </p:nvSpPr>
         <p:spPr>
           <a:xfrm>
-            <a:off x="466042" y="3066916"/>
+            <a:off x="1983946" y="2966332"/>
             <a:ext cx="1839734" cy="707886"/>
           </a:xfrm>
           <a:prstGeom prst="rect">
@@ -14815,7 +14815,7 @@
         </p:nvSpPr>
         <p:spPr>
           <a:xfrm>
-            <a:off x="2941981" y="1887278"/>
+            <a:off x="4459885" y="1786694"/>
             <a:ext cx="1428596" cy="584775"/>
           </a:xfrm>
           <a:prstGeom prst="rect">
@@ -14861,13 +14861,13 @@
         </p:nvSpPr>
         <p:spPr bwMode="auto">
           <a:xfrm>
-            <a:off x="267811" y="1245889"/>
+            <a:off x="4544990" y="335828"/>
             <a:ext cx="2194882" cy="694064"/>
           </a:xfrm>
           <a:prstGeom prst="wedgeRectCallout">
             <a:avLst>
-              <a:gd name="adj1" fmla="val 88210"/>
-              <a:gd name="adj2" fmla="val 88389"/>
+              <a:gd name="adj1" fmla="val -24274"/>
+              <a:gd name="adj2" fmla="val 167436"/>
             </a:avLst>
           </a:prstGeom>
           <a:solidFill>
@@ -15110,13 +15110,13 @@
         </p:nvSpPr>
         <p:spPr bwMode="auto">
           <a:xfrm>
-            <a:off x="6889412" y="3323372"/>
-            <a:ext cx="1857297" cy="530798"/>
+            <a:off x="8407317" y="3222788"/>
+            <a:ext cx="1381444" cy="663412"/>
           </a:xfrm>
           <a:prstGeom prst="wedgeRectCallout">
             <a:avLst>
-              <a:gd name="adj1" fmla="val -77476"/>
-              <a:gd name="adj2" fmla="val -1870"/>
+              <a:gd name="adj1" fmla="val -93503"/>
+              <a:gd name="adj2" fmla="val -17421"/>
             </a:avLst>
           </a:prstGeom>
           <a:solidFill>
@@ -15146,7 +15146,7 @@
           <a:p>
             <a:pPr marL="0" marR="0" indent="0" algn="l" defTabSz="914400" rtl="0" eaLnBrk="1" fontAlgn="base" latinLnBrk="0" hangingPunct="1">
               <a:lnSpc>
-                <a:spcPct val="100000"/>
+                <a:spcPts val="1800"/>
               </a:lnSpc>
               <a:spcBef>
                 <a:spcPct val="0"/>
@@ -15161,20 +15161,6 @@
               <a:tabLst/>
             </a:pPr>
             <a:r>
-              <a:rPr kumimoji="0" lang="de-DE" sz="1400" b="0" i="0" u="none" strike="noStrike" cap="none" normalizeH="0" baseline="0" dirty="0" smtClean="0">
-                <a:ln>
-                  <a:noFill/>
-                </a:ln>
-                <a:solidFill>
-                  <a:schemeClr val="tx1"/>
-                </a:solidFill>
-                <a:effectLst/>
-                <a:latin typeface="Arial" charset="0"/>
-                <a:cs typeface="Arial" charset="0"/>
-              </a:rPr>
-              <a:t>Test Data </a:t>
-            </a:r>
-            <a:r>
               <a:rPr kumimoji="0" lang="de-DE" sz="1400" b="0" i="0" u="none" strike="noStrike" cap="none" normalizeH="0" baseline="0" dirty="0" err="1" smtClean="0">
                 <a:ln>
                   <a:noFill/>
@@ -15186,7 +15172,7 @@
                 <a:latin typeface="Arial" charset="0"/>
                 <a:cs typeface="Arial" charset="0"/>
               </a:rPr>
-              <a:t>defined</a:t>
+              <a:t>Defined</a:t>
             </a:r>
             <a:r>
               <a:rPr kumimoji="0" lang="de-DE" sz="1400" b="0" i="0" u="none" strike="noStrike" cap="none" normalizeH="0" dirty="0" smtClean="0">
@@ -15216,14 +15202,14 @@
               </a:rPr>
               <a:t>by</a:t>
             </a:r>
-            <a:endParaRPr kumimoji="0" lang="de-DE" sz="1400" b="0" i="0" u="none" strike="noStrike" cap="none" normalizeH="0" baseline="0" dirty="0" smtClean="0">
-              <a:ln>
-                <a:noFill/>
-              </a:ln>
-              <a:solidFill>
-                <a:schemeClr val="tx1"/>
-              </a:solidFill>
-              <a:effectLst/>
+            <a:r>
+              <a:rPr lang="de-DE" sz="1400" dirty="0" smtClean="0">
+                <a:latin typeface="Arial" charset="0"/>
+                <a:cs typeface="Arial" charset="0"/>
+              </a:rPr>
+              <a:t> </a:t>
+            </a:r>
+            <a:endParaRPr lang="de-DE" sz="1400" dirty="0" smtClean="0">
               <a:latin typeface="Arial" charset="0"/>
               <a:cs typeface="Arial" charset="0"/>
             </a:endParaRPr>
@@ -15231,7 +15217,7 @@
           <a:p>
             <a:pPr marL="0" marR="0" indent="0" algn="l" defTabSz="914400" rtl="0" eaLnBrk="1" fontAlgn="base" latinLnBrk="0" hangingPunct="1">
               <a:lnSpc>
-                <a:spcPct val="100000"/>
+                <a:spcPts val="1800"/>
               </a:lnSpc>
               <a:spcBef>
                 <a:spcPct val="0"/>
@@ -15246,22 +15232,18 @@
               <a:tabLst/>
             </a:pPr>
             <a:r>
-              <a:rPr lang="de-DE" sz="1400" dirty="0">
+              <a:rPr lang="de-DE" sz="1400" dirty="0" smtClean="0">
                 <a:latin typeface="Arial" charset="0"/>
                 <a:cs typeface="Arial" charset="0"/>
               </a:rPr>
               <a:t>Domain </a:t>
             </a:r>
             <a:r>
-              <a:rPr lang="de-DE" sz="1400" dirty="0" err="1">
+              <a:rPr lang="de-DE" sz="1400" dirty="0" err="1" smtClean="0">
                 <a:latin typeface="Arial" charset="0"/>
                 <a:cs typeface="Arial" charset="0"/>
               </a:rPr>
               <a:t>Experts</a:t>
-            </a:r>
-            <a:r>
-              <a:rPr lang="de-DE" dirty="0" smtClean="0"/>
-              <a:t>.</a:t>
             </a:r>
             <a:endParaRPr kumimoji="0" lang="de-DE" sz="1400" b="0" i="0" u="none" strike="noStrike" cap="none" normalizeH="0" baseline="0" dirty="0" smtClean="0">
               <a:ln>
@@ -15285,13 +15267,13 @@
         </p:nvSpPr>
         <p:spPr bwMode="auto">
           <a:xfrm>
-            <a:off x="712602" y="5587300"/>
-            <a:ext cx="2642300" cy="539179"/>
+            <a:off x="4567331" y="5904061"/>
+            <a:ext cx="2642300" cy="406427"/>
           </a:xfrm>
           <a:prstGeom prst="wedgeRectCallout">
             <a:avLst>
-              <a:gd name="adj1" fmla="val 49707"/>
-              <a:gd name="adj2" fmla="val -108572"/>
+              <a:gd name="adj1" fmla="val -26081"/>
+              <a:gd name="adj2" fmla="val -248745"/>
             </a:avLst>
           </a:prstGeom>
           <a:solidFill>
@@ -15462,6 +15444,339 @@
               </a:rPr>
               <a:t>.</a:t>
             </a:r>
+          </a:p>
+        </p:txBody>
+      </p:sp>
+      <p:sp>
+        <p:nvSpPr>
+          <p:cNvPr id="15" name="Geschweifte Klammer rechts 14"/>
+          <p:cNvSpPr/>
+          <p:nvPr/>
+        </p:nvSpPr>
+        <p:spPr>
+          <a:xfrm>
+            <a:off x="9771404" y="1344799"/>
+            <a:ext cx="323500" cy="4534328"/>
+          </a:xfrm>
+          <a:prstGeom prst="rightBrace">
+            <a:avLst>
+              <a:gd name="adj1" fmla="val 8333"/>
+              <a:gd name="adj2" fmla="val 50238"/>
+            </a:avLst>
+          </a:prstGeom>
+          <a:ln>
+            <a:solidFill>
+              <a:schemeClr val="tx1"/>
+            </a:solidFill>
+          </a:ln>
+        </p:spPr>
+        <p:style>
+          <a:lnRef idx="1">
+            <a:schemeClr val="accent1"/>
+          </a:lnRef>
+          <a:fillRef idx="0">
+            <a:schemeClr val="accent1"/>
+          </a:fillRef>
+          <a:effectRef idx="0">
+            <a:schemeClr val="accent1"/>
+          </a:effectRef>
+          <a:fontRef idx="minor">
+            <a:schemeClr val="tx1"/>
+          </a:fontRef>
+        </p:style>
+        <p:txBody>
+          <a:bodyPr rtlCol="0" anchor="ctr"/>
+          <a:lstStyle/>
+          <a:p>
+            <a:pPr algn="ctr"/>
+            <a:endParaRPr lang="de-DE"/>
+          </a:p>
+        </p:txBody>
+      </p:sp>
+      <p:sp>
+        <p:nvSpPr>
+          <p:cNvPr id="16" name="Textfeld 15"/>
+          <p:cNvSpPr txBox="1"/>
+          <p:nvPr/>
+        </p:nvSpPr>
+        <p:spPr>
+          <a:xfrm>
+            <a:off x="10288864" y="3113359"/>
+            <a:ext cx="1021434" cy="923330"/>
+          </a:xfrm>
+          <a:prstGeom prst="rect">
+            <a:avLst/>
+          </a:prstGeom>
+          <a:noFill/>
+        </p:spPr>
+        <p:txBody>
+          <a:bodyPr wrap="none" rtlCol="0">
+            <a:spAutoFit/>
+          </a:bodyPr>
+          <a:lstStyle/>
+          <a:p>
+            <a:pPr algn="ctr"/>
+            <a:r>
+              <a:rPr lang="de-DE" dirty="0" err="1" smtClean="0"/>
+              <a:t>Satisfies</a:t>
+            </a:r>
+            <a:endParaRPr lang="de-DE" dirty="0" smtClean="0"/>
+          </a:p>
+          <a:p>
+            <a:pPr algn="ctr"/>
+            <a:r>
+              <a:rPr lang="de-DE" dirty="0" smtClean="0"/>
+              <a:t>N</a:t>
+            </a:r>
+            <a:r>
+              <a:rPr lang="de-DE" dirty="0" smtClean="0"/>
+              <a:t>eeds </a:t>
+            </a:r>
+            <a:r>
+              <a:rPr lang="de-DE" dirty="0" err="1" smtClean="0"/>
+              <a:t>of</a:t>
+            </a:r>
+            <a:endParaRPr lang="de-DE" dirty="0" smtClean="0"/>
+          </a:p>
+          <a:p>
+            <a:pPr algn="ctr"/>
+            <a:r>
+              <a:rPr lang="de-DE" dirty="0" smtClean="0"/>
+              <a:t> </a:t>
+            </a:r>
+            <a:r>
+              <a:rPr lang="de-DE" dirty="0" smtClean="0"/>
+              <a:t>ATDD</a:t>
+            </a:r>
+            <a:endParaRPr lang="de-DE" dirty="0"/>
+          </a:p>
+        </p:txBody>
+      </p:sp>
+      <p:sp>
+        <p:nvSpPr>
+          <p:cNvPr id="17" name="Geschweifte Klammer rechts 16"/>
+          <p:cNvSpPr/>
+          <p:nvPr/>
+        </p:nvSpPr>
+        <p:spPr>
+          <a:xfrm rot="7559486">
+            <a:off x="3331171" y="3196812"/>
+            <a:ext cx="240969" cy="4534328"/>
+          </a:xfrm>
+          <a:prstGeom prst="rightBrace">
+            <a:avLst>
+              <a:gd name="adj1" fmla="val 8333"/>
+              <a:gd name="adj2" fmla="val 50238"/>
+            </a:avLst>
+          </a:prstGeom>
+          <a:ln>
+            <a:solidFill>
+              <a:schemeClr val="tx1"/>
+            </a:solidFill>
+          </a:ln>
+        </p:spPr>
+        <p:style>
+          <a:lnRef idx="1">
+            <a:schemeClr val="accent1"/>
+          </a:lnRef>
+          <a:fillRef idx="0">
+            <a:schemeClr val="accent1"/>
+          </a:fillRef>
+          <a:effectRef idx="0">
+            <a:schemeClr val="accent1"/>
+          </a:effectRef>
+          <a:fontRef idx="minor">
+            <a:schemeClr val="tx1"/>
+          </a:fontRef>
+        </p:style>
+        <p:txBody>
+          <a:bodyPr rtlCol="0" anchor="ctr"/>
+          <a:lstStyle/>
+          <a:p>
+            <a:pPr algn="ctr"/>
+            <a:endParaRPr lang="de-DE"/>
+          </a:p>
+        </p:txBody>
+      </p:sp>
+      <p:sp>
+        <p:nvSpPr>
+          <p:cNvPr id="18" name="Textfeld 17"/>
+          <p:cNvSpPr txBox="1"/>
+          <p:nvPr/>
+        </p:nvSpPr>
+        <p:spPr>
+          <a:xfrm>
+            <a:off x="398653" y="5542672"/>
+            <a:ext cx="3137269" cy="923330"/>
+          </a:xfrm>
+          <a:prstGeom prst="rect">
+            <a:avLst/>
+          </a:prstGeom>
+          <a:noFill/>
+        </p:spPr>
+        <p:txBody>
+          <a:bodyPr wrap="none" rtlCol="0">
+            <a:spAutoFit/>
+          </a:bodyPr>
+          <a:lstStyle/>
+          <a:p>
+            <a:pPr algn="ctr"/>
+            <a:r>
+              <a:rPr lang="de-DE" dirty="0" smtClean="0"/>
+              <a:t>Wording </a:t>
+            </a:r>
+            <a:r>
+              <a:rPr lang="de-DE" dirty="0" err="1" smtClean="0"/>
+              <a:t>of</a:t>
+            </a:r>
+            <a:r>
+              <a:rPr lang="de-DE" dirty="0" smtClean="0"/>
+              <a:t> XX </a:t>
+            </a:r>
+            <a:r>
+              <a:rPr lang="de-DE" dirty="0" err="1" smtClean="0"/>
+              <a:t>represents</a:t>
+            </a:r>
+            <a:r>
+              <a:rPr lang="de-DE" dirty="0" smtClean="0"/>
+              <a:t> a </a:t>
+            </a:r>
+            <a:r>
+              <a:rPr lang="de-DE" dirty="0" smtClean="0"/>
+              <a:t>DSL</a:t>
+            </a:r>
+          </a:p>
+          <a:p>
+            <a:pPr algn="ctr"/>
+            <a:r>
+              <a:rPr lang="de-DE" dirty="0" smtClean="0"/>
+              <a:t>in </a:t>
+            </a:r>
+            <a:r>
+              <a:rPr lang="de-DE" dirty="0" err="1" smtClean="0"/>
+              <a:t>terms</a:t>
+            </a:r>
+            <a:r>
+              <a:rPr lang="de-DE" dirty="0" smtClean="0"/>
+              <a:t> </a:t>
+            </a:r>
+            <a:r>
+              <a:rPr lang="de-DE" dirty="0" err="1" smtClean="0"/>
+              <a:t>of</a:t>
+            </a:r>
+            <a:r>
+              <a:rPr lang="de-DE" dirty="0" smtClean="0"/>
+              <a:t> DDD</a:t>
+            </a:r>
+          </a:p>
+          <a:p>
+            <a:pPr algn="ctr"/>
+            <a:r>
+              <a:rPr lang="de-DE" dirty="0" smtClean="0"/>
+              <a:t>(</a:t>
+            </a:r>
+            <a:r>
+              <a:rPr lang="de-DE" i="1" dirty="0" err="1" smtClean="0"/>
+              <a:t>Ubiquitous</a:t>
+            </a:r>
+            <a:r>
+              <a:rPr lang="de-DE" i="1" dirty="0" smtClean="0"/>
+              <a:t> Language</a:t>
+            </a:r>
+            <a:r>
+              <a:rPr lang="de-DE" dirty="0"/>
+              <a:t>)</a:t>
+            </a:r>
+            <a:endParaRPr lang="de-DE" i="1" dirty="0" smtClean="0"/>
+          </a:p>
+        </p:txBody>
+      </p:sp>
+      <p:sp>
+        <p:nvSpPr>
+          <p:cNvPr id="19" name="Geschweifte Klammer rechts 18"/>
+          <p:cNvSpPr/>
+          <p:nvPr/>
+        </p:nvSpPr>
+        <p:spPr>
+          <a:xfrm rot="14352200">
+            <a:off x="2918675" y="-939786"/>
+            <a:ext cx="323542" cy="4141798"/>
+          </a:xfrm>
+          <a:prstGeom prst="rightBrace">
+            <a:avLst>
+              <a:gd name="adj1" fmla="val 8333"/>
+              <a:gd name="adj2" fmla="val 50238"/>
+            </a:avLst>
+          </a:prstGeom>
+          <a:ln>
+            <a:solidFill>
+              <a:schemeClr val="tx1"/>
+            </a:solidFill>
+          </a:ln>
+        </p:spPr>
+        <p:style>
+          <a:lnRef idx="1">
+            <a:schemeClr val="accent1"/>
+          </a:lnRef>
+          <a:fillRef idx="0">
+            <a:schemeClr val="accent1"/>
+          </a:fillRef>
+          <a:effectRef idx="0">
+            <a:schemeClr val="accent1"/>
+          </a:effectRef>
+          <a:fontRef idx="minor">
+            <a:schemeClr val="tx1"/>
+          </a:fontRef>
+        </p:style>
+        <p:txBody>
+          <a:bodyPr rtlCol="0" anchor="ctr"/>
+          <a:lstStyle/>
+          <a:p>
+            <a:pPr algn="ctr"/>
+            <a:endParaRPr lang="de-DE"/>
+          </a:p>
+        </p:txBody>
+      </p:sp>
+      <p:sp>
+        <p:nvSpPr>
+          <p:cNvPr id="20" name="Textfeld 19"/>
+          <p:cNvSpPr txBox="1"/>
+          <p:nvPr/>
+        </p:nvSpPr>
+        <p:spPr>
+          <a:xfrm>
+            <a:off x="2246244" y="511959"/>
+            <a:ext cx="888706" cy="646331"/>
+          </a:xfrm>
+          <a:prstGeom prst="rect">
+            <a:avLst/>
+          </a:prstGeom>
+          <a:noFill/>
+        </p:spPr>
+        <p:txBody>
+          <a:bodyPr wrap="none" rtlCol="0">
+            <a:spAutoFit/>
+          </a:bodyPr>
+          <a:lstStyle/>
+          <a:p>
+            <a:pPr algn="ctr"/>
+            <a:r>
+              <a:rPr lang="de-DE" dirty="0" err="1" smtClean="0"/>
+              <a:t>Follows</a:t>
+            </a:r>
+            <a:endParaRPr lang="de-DE" dirty="0" smtClean="0"/>
+          </a:p>
+          <a:p>
+            <a:pPr algn="ctr"/>
+            <a:r>
+              <a:rPr lang="de-DE" dirty="0"/>
+              <a:t>B</a:t>
+            </a:r>
+            <a:r>
+              <a:rPr lang="de-DE" dirty="0" smtClean="0"/>
+              <a:t>DD</a:t>
+            </a:r>
+            <a:endParaRPr lang="de-DE" dirty="0"/>
           </a:p>
         </p:txBody>
       </p:sp>
@@ -26852,15 +27167,7 @@
                   <a:srgbClr val="FF6600"/>
                 </a:solidFill>
               </a:rPr>
-              <a:t>p</a:t>
-            </a:r>
-            <a:r>
-              <a:rPr lang="de-DE" sz="1400" dirty="0" err="1" smtClean="0">
-                <a:solidFill>
-                  <a:srgbClr val="FF6600"/>
-                </a:solidFill>
-              </a:rPr>
-              <a:t>rogress</a:t>
+              <a:t>progress</a:t>
             </a:r>
             <a:r>
               <a:rPr lang="de-DE" sz="1400" dirty="0" smtClean="0">
@@ -27795,13 +28102,8 @@
             </a:r>
             <a:r>
               <a:rPr lang="en-US" sz="1400" dirty="0" smtClean="0"/>
-              <a:t>: </a:t>
-            </a:r>
-            <a:r>
-              <a:rPr lang="en-US" sz="1400" dirty="0" smtClean="0"/>
-              <a:t>Create Order</a:t>
-            </a:r>
-            <a:endParaRPr lang="en-US" sz="1400" dirty="0" smtClean="0"/>
+              <a:t>: Create Order</a:t>
+            </a:r>
           </a:p>
           <a:p>
             <a:r>
@@ -27866,7 +28168,6 @@
               <a:rPr lang="de-DE" sz="1400" dirty="0" smtClean="0"/>
               <a:t> in.</a:t>
             </a:r>
-            <a:endParaRPr lang="de-DE" sz="1400" dirty="0" smtClean="0"/>
           </a:p>
           <a:p>
             <a:r>
@@ -27995,7 +28296,6 @@
               <a:rPr lang="de-DE" sz="1400" dirty="0" smtClean="0"/>
               <a:t>.</a:t>
             </a:r>
-            <a:endParaRPr lang="de-DE" sz="1400" dirty="0" smtClean="0"/>
           </a:p>
           <a:p>
             <a:endParaRPr lang="de-DE" sz="1400" dirty="0"/>
@@ -28132,11 +28432,7 @@
             </a:pPr>
             <a:r>
               <a:rPr lang="de-DE" altLang="de-DE" sz="1400" kern="0" dirty="0" smtClean="0"/>
-              <a:t> </a:t>
-            </a:r>
-            <a:r>
-              <a:rPr lang="de-DE" altLang="de-DE" sz="1400" kern="0" dirty="0" smtClean="0"/>
-              <a:t>Click </a:t>
+              <a:t> Click </a:t>
             </a:r>
             <a:r>
               <a:rPr lang="de-DE" altLang="de-DE" sz="1400" kern="0" dirty="0" err="1" smtClean="0"/>
@@ -28189,7 +28485,6 @@
               <a:rPr lang="de-DE" altLang="de-DE" sz="1400" kern="0" dirty="0" smtClean="0"/>
               <a:t> “::type“.</a:t>
             </a:r>
-            <a:endParaRPr lang="de-DE" altLang="de-DE" sz="1400" kern="0" dirty="0" smtClean="0"/>
           </a:p>
           <a:p>
             <a:pPr>
@@ -28504,11 +28799,7 @@
           <a:p>
             <a:r>
               <a:rPr lang="de-DE" dirty="0" smtClean="0"/>
-              <a:t>Imperative </a:t>
-            </a:r>
-            <a:r>
-              <a:rPr lang="de-DE" dirty="0" smtClean="0"/>
-              <a:t>Low-Level-</a:t>
+              <a:t>Imperative Low-Level-</a:t>
             </a:r>
             <a:r>
               <a:rPr lang="de-DE" dirty="0" err="1" smtClean="0"/>
@@ -28774,17 +29065,7 @@
                   </a:schemeClr>
                 </a:solidFill>
               </a:rPr>
-              <a:t>r</a:t>
-            </a:r>
-            <a:r>
-              <a:rPr lang="de-DE" sz="1200" b="1" dirty="0" err="1" smtClean="0">
-                <a:solidFill>
-                  <a:schemeClr val="accent2">
-                    <a:lumMod val="75000"/>
-                  </a:schemeClr>
-                </a:solidFill>
-              </a:rPr>
-              <a:t>eferences</a:t>
+              <a:t>references</a:t>
             </a:r>
             <a:r>
               <a:rPr lang="de-DE" sz="1200" b="1" dirty="0" smtClean="0">
